--- a/Background/Background base.pptx
+++ b/Background/Background base.pptx
@@ -3718,7 +3718,7 @@
           <a:p>
             <a:fld id="{FE999017-FBFC-4239-B8D2-FB352F1B889A}" type="datetimeFigureOut">
               <a:rPr lang="pt-BR" smtClean="0"/>
-              <a:t>02/09/2025</a:t>
+              <a:t>03/09/2025</a:t>
             </a:fld>
             <a:endParaRPr lang="pt-BR"/>
           </a:p>
@@ -4116,7 +4116,7 @@
           <a:p>
             <a:fld id="{CF62B505-841C-4C89-B392-8F545B9B6E7F}" type="datetimeFigureOut">
               <a:rPr lang="pt-BR" smtClean="0"/>
-              <a:t>02/09/2025</a:t>
+              <a:t>03/09/2025</a:t>
             </a:fld>
             <a:endParaRPr lang="pt-BR"/>
           </a:p>
@@ -4286,7 +4286,7 @@
           <a:p>
             <a:fld id="{CF62B505-841C-4C89-B392-8F545B9B6E7F}" type="datetimeFigureOut">
               <a:rPr lang="pt-BR" smtClean="0"/>
-              <a:t>02/09/2025</a:t>
+              <a:t>03/09/2025</a:t>
             </a:fld>
             <a:endParaRPr lang="pt-BR"/>
           </a:p>
@@ -4466,7 +4466,7 @@
           <a:p>
             <a:fld id="{CF62B505-841C-4C89-B392-8F545B9B6E7F}" type="datetimeFigureOut">
               <a:rPr lang="pt-BR" smtClean="0"/>
-              <a:t>02/09/2025</a:t>
+              <a:t>03/09/2025</a:t>
             </a:fld>
             <a:endParaRPr lang="pt-BR"/>
           </a:p>
@@ -4636,7 +4636,7 @@
           <a:p>
             <a:fld id="{CF62B505-841C-4C89-B392-8F545B9B6E7F}" type="datetimeFigureOut">
               <a:rPr lang="pt-BR" smtClean="0"/>
-              <a:t>02/09/2025</a:t>
+              <a:t>03/09/2025</a:t>
             </a:fld>
             <a:endParaRPr lang="pt-BR"/>
           </a:p>
@@ -4882,7 +4882,7 @@
           <a:p>
             <a:fld id="{CF62B505-841C-4C89-B392-8F545B9B6E7F}" type="datetimeFigureOut">
               <a:rPr lang="pt-BR" smtClean="0"/>
-              <a:t>02/09/2025</a:t>
+              <a:t>03/09/2025</a:t>
             </a:fld>
             <a:endParaRPr lang="pt-BR"/>
           </a:p>
@@ -5114,7 +5114,7 @@
           <a:p>
             <a:fld id="{CF62B505-841C-4C89-B392-8F545B9B6E7F}" type="datetimeFigureOut">
               <a:rPr lang="pt-BR" smtClean="0"/>
-              <a:t>02/09/2025</a:t>
+              <a:t>03/09/2025</a:t>
             </a:fld>
             <a:endParaRPr lang="pt-BR"/>
           </a:p>
@@ -5481,7 +5481,7 @@
           <a:p>
             <a:fld id="{CF62B505-841C-4C89-B392-8F545B9B6E7F}" type="datetimeFigureOut">
               <a:rPr lang="pt-BR" smtClean="0"/>
-              <a:t>02/09/2025</a:t>
+              <a:t>03/09/2025</a:t>
             </a:fld>
             <a:endParaRPr lang="pt-BR"/>
           </a:p>
@@ -5599,7 +5599,7 @@
           <a:p>
             <a:fld id="{CF62B505-841C-4C89-B392-8F545B9B6E7F}" type="datetimeFigureOut">
               <a:rPr lang="pt-BR" smtClean="0"/>
-              <a:t>02/09/2025</a:t>
+              <a:t>03/09/2025</a:t>
             </a:fld>
             <a:endParaRPr lang="pt-BR"/>
           </a:p>
@@ -5694,7 +5694,7 @@
           <a:p>
             <a:fld id="{CF62B505-841C-4C89-B392-8F545B9B6E7F}" type="datetimeFigureOut">
               <a:rPr lang="pt-BR" smtClean="0"/>
-              <a:t>02/09/2025</a:t>
+              <a:t>03/09/2025</a:t>
             </a:fld>
             <a:endParaRPr lang="pt-BR"/>
           </a:p>
@@ -5971,7 +5971,7 @@
           <a:p>
             <a:fld id="{CF62B505-841C-4C89-B392-8F545B9B6E7F}" type="datetimeFigureOut">
               <a:rPr lang="pt-BR" smtClean="0"/>
-              <a:t>02/09/2025</a:t>
+              <a:t>03/09/2025</a:t>
             </a:fld>
             <a:endParaRPr lang="pt-BR"/>
           </a:p>
@@ -6228,7 +6228,7 @@
           <a:p>
             <a:fld id="{CF62B505-841C-4C89-B392-8F545B9B6E7F}" type="datetimeFigureOut">
               <a:rPr lang="pt-BR" smtClean="0"/>
-              <a:t>02/09/2025</a:t>
+              <a:t>03/09/2025</a:t>
             </a:fld>
             <a:endParaRPr lang="pt-BR"/>
           </a:p>
@@ -6441,7 +6441,7 @@
           <a:p>
             <a:fld id="{CF62B505-841C-4C89-B392-8F545B9B6E7F}" type="datetimeFigureOut">
               <a:rPr lang="pt-BR" smtClean="0"/>
-              <a:t>02/09/2025</a:t>
+              <a:t>03/09/2025</a:t>
             </a:fld>
             <a:endParaRPr lang="pt-BR"/>
           </a:p>
@@ -10005,6 +10005,105 @@
           </p:txBody>
         </p:sp>
       </p:grpSp>
+      <p:grpSp>
+        <p:nvGrpSpPr>
+          <p:cNvPr id="6" name="Agrupar 5">
+            <a:extLst>
+              <a:ext uri="{FF2B5EF4-FFF2-40B4-BE49-F238E27FC236}">
+                <a16:creationId xmlns:a16="http://schemas.microsoft.com/office/drawing/2014/main" id="{1C7D6577-1327-7B56-5D5C-ECA28D7204CA}"/>
+              </a:ext>
+            </a:extLst>
+          </p:cNvPr>
+          <p:cNvGrpSpPr/>
+          <p:nvPr/>
+        </p:nvGrpSpPr>
+        <p:grpSpPr>
+          <a:xfrm>
+            <a:off x="223837" y="2766523"/>
+            <a:ext cx="1483519" cy="1510731"/>
+            <a:chOff x="223837" y="2766523"/>
+            <a:chExt cx="1483519" cy="1510731"/>
+          </a:xfrm>
+          <a:effectLst/>
+        </p:grpSpPr>
+        <p:pic>
+          <p:nvPicPr>
+            <p:cNvPr id="7" name="Imagem 6" descr="Forma&#10;&#10;O conteúdo gerado por IA pode estar incorreto.">
+              <a:extLst>
+                <a:ext uri="{FF2B5EF4-FFF2-40B4-BE49-F238E27FC236}">
+                  <a16:creationId xmlns:a16="http://schemas.microsoft.com/office/drawing/2014/main" id="{0C328D27-94E4-A75B-1C8F-9719899C08E4}"/>
+                </a:ext>
+              </a:extLst>
+            </p:cNvPr>
+            <p:cNvPicPr>
+              <a:picLocks noChangeAspect="1"/>
+            </p:cNvPicPr>
+            <p:nvPr/>
+          </p:nvPicPr>
+          <p:blipFill>
+            <a:blip r:embed="rId4">
+              <a:extLst>
+                <a:ext uri="{28A0092B-C50C-407E-A947-70E740481C1C}">
+                  <a14:useLocalDpi xmlns:a14="http://schemas.microsoft.com/office/drawing/2010/main" val="0"/>
+                </a:ext>
+              </a:extLst>
+            </a:blip>
+            <a:stretch>
+              <a:fillRect/>
+            </a:stretch>
+          </p:blipFill>
+          <p:spPr>
+            <a:xfrm>
+              <a:off x="446601" y="2766523"/>
+              <a:ext cx="1085276" cy="1085276"/>
+            </a:xfrm>
+            <a:prstGeom prst="rect">
+              <a:avLst/>
+            </a:prstGeom>
+          </p:spPr>
+        </p:pic>
+        <p:sp>
+          <p:nvSpPr>
+            <p:cNvPr id="8" name="CaixaDeTexto 7">
+              <a:extLst>
+                <a:ext uri="{FF2B5EF4-FFF2-40B4-BE49-F238E27FC236}">
+                  <a16:creationId xmlns:a16="http://schemas.microsoft.com/office/drawing/2014/main" id="{45D49CEA-CE9B-3945-76BE-5EAC1B52CA31}"/>
+                </a:ext>
+              </a:extLst>
+            </p:cNvPr>
+            <p:cNvSpPr txBox="1"/>
+            <p:nvPr/>
+          </p:nvSpPr>
+          <p:spPr>
+            <a:xfrm>
+              <a:off x="223837" y="3815589"/>
+              <a:ext cx="1483519" cy="461665"/>
+            </a:xfrm>
+            <a:prstGeom prst="rect">
+              <a:avLst/>
+            </a:prstGeom>
+            <a:noFill/>
+          </p:spPr>
+          <p:txBody>
+            <a:bodyPr wrap="square" rtlCol="0">
+              <a:spAutoFit/>
+            </a:bodyPr>
+            <a:lstStyle/>
+            <a:p>
+              <a:pPr algn="ctr"/>
+              <a:r>
+                <a:rPr lang="pt-BR" sz="1200" b="1" dirty="0">
+                  <a:latin typeface="Montserrat" panose="00000500000000000000" pitchFamily="2" charset="0"/>
+                </a:rPr>
+                <a:t>RELAÇÃO DE COLAB.</a:t>
+              </a:r>
+              <a:endParaRPr lang="pt-BR" sz="1100" b="1" dirty="0">
+                <a:latin typeface="Montserrat" panose="00000500000000000000" pitchFamily="2" charset="0"/>
+              </a:endParaRPr>
+            </a:p>
+          </p:txBody>
+        </p:sp>
+      </p:grpSp>
     </p:spTree>
     <p:extLst>
       <p:ext uri="{BB962C8B-B14F-4D97-AF65-F5344CB8AC3E}">
@@ -10278,7 +10377,7 @@
               <a:rPr lang="pt-BR" sz="4400" dirty="0">
                 <a:latin typeface="Montserrat SemiBold" panose="00000700000000000000" pitchFamily="2" charset="0"/>
               </a:rPr>
-              <a:t>QUADRO DE FUNCIONÁRIOS</a:t>
+              <a:t>RELAÇÃO DE COLABORADORES</a:t>
             </a:r>
           </a:p>
         </p:txBody>
@@ -10648,73 +10747,6 @@
       </p:grpSp>
       <p:sp>
         <p:nvSpPr>
-          <p:cNvPr id="2" name="Retângulo: Cantos Arredondados 1">
-            <a:extLst>
-              <a:ext uri="{FF2B5EF4-FFF2-40B4-BE49-F238E27FC236}">
-                <a16:creationId xmlns:a16="http://schemas.microsoft.com/office/drawing/2014/main" id="{3A0302AE-87C1-FF0F-0446-DB45790F3A15}"/>
-              </a:ext>
-            </a:extLst>
-          </p:cNvPr>
-          <p:cNvSpPr/>
-          <p:nvPr/>
-        </p:nvSpPr>
-        <p:spPr>
-          <a:xfrm>
-            <a:off x="2231440" y="1471791"/>
-            <a:ext cx="2749122" cy="1143558"/>
-          </a:xfrm>
-          <a:prstGeom prst="roundRect">
-            <a:avLst>
-              <a:gd name="adj" fmla="val 16306"/>
-            </a:avLst>
-          </a:prstGeom>
-          <a:solidFill>
-            <a:schemeClr val="bg1"/>
-          </a:solidFill>
-          <a:ln>
-            <a:noFill/>
-          </a:ln>
-          <a:effectLst>
-            <a:glow rad="63500">
-              <a:schemeClr val="bg1">
-                <a:lumMod val="75000"/>
-                <a:alpha val="40000"/>
-              </a:schemeClr>
-            </a:glow>
-            <a:outerShdw blurRad="50800" dist="38100" dir="5400000" algn="t" rotWithShape="0">
-              <a:schemeClr val="tx1">
-                <a:alpha val="40000"/>
-              </a:schemeClr>
-            </a:outerShdw>
-          </a:effectLst>
-        </p:spPr>
-        <p:style>
-          <a:lnRef idx="2">
-            <a:schemeClr val="accent1">
-              <a:shade val="50000"/>
-            </a:schemeClr>
-          </a:lnRef>
-          <a:fillRef idx="1">
-            <a:schemeClr val="accent1"/>
-          </a:fillRef>
-          <a:effectRef idx="0">
-            <a:schemeClr val="accent1"/>
-          </a:effectRef>
-          <a:fontRef idx="minor">
-            <a:schemeClr val="lt1"/>
-          </a:fontRef>
-        </p:style>
-        <p:txBody>
-          <a:bodyPr rtlCol="0" anchor="ctr"/>
-          <a:lstStyle/>
-          <a:p>
-            <a:pPr algn="ctr"/>
-            <a:endParaRPr lang="pt-BR" sz="1265"/>
-          </a:p>
-        </p:txBody>
-      </p:sp>
-      <p:sp>
-        <p:nvSpPr>
           <p:cNvPr id="3" name="Retângulo: Cantos Arredondados 2">
             <a:extLst>
               <a:ext uri="{FF2B5EF4-FFF2-40B4-BE49-F238E27FC236}">
@@ -10800,140 +10832,6 @@
           <a:prstGeom prst="roundRect">
             <a:avLst>
               <a:gd name="adj" fmla="val 5591"/>
-            </a:avLst>
-          </a:prstGeom>
-          <a:solidFill>
-            <a:schemeClr val="bg1"/>
-          </a:solidFill>
-          <a:ln>
-            <a:noFill/>
-          </a:ln>
-          <a:effectLst>
-            <a:glow rad="63500">
-              <a:schemeClr val="bg1">
-                <a:lumMod val="75000"/>
-                <a:alpha val="40000"/>
-              </a:schemeClr>
-            </a:glow>
-            <a:outerShdw blurRad="50800" dist="38100" dir="5400000" algn="t" rotWithShape="0">
-              <a:schemeClr val="tx1">
-                <a:alpha val="40000"/>
-              </a:schemeClr>
-            </a:outerShdw>
-          </a:effectLst>
-        </p:spPr>
-        <p:style>
-          <a:lnRef idx="2">
-            <a:schemeClr val="accent1">
-              <a:shade val="50000"/>
-            </a:schemeClr>
-          </a:lnRef>
-          <a:fillRef idx="1">
-            <a:schemeClr val="accent1"/>
-          </a:fillRef>
-          <a:effectRef idx="0">
-            <a:schemeClr val="accent1"/>
-          </a:effectRef>
-          <a:fontRef idx="minor">
-            <a:schemeClr val="lt1"/>
-          </a:fontRef>
-        </p:style>
-        <p:txBody>
-          <a:bodyPr rtlCol="0" anchor="ctr"/>
-          <a:lstStyle/>
-          <a:p>
-            <a:pPr algn="ctr"/>
-            <a:endParaRPr lang="pt-BR" sz="1265"/>
-          </a:p>
-        </p:txBody>
-      </p:sp>
-      <p:sp>
-        <p:nvSpPr>
-          <p:cNvPr id="6" name="Retângulo: Cantos Arredondados 5">
-            <a:extLst>
-              <a:ext uri="{FF2B5EF4-FFF2-40B4-BE49-F238E27FC236}">
-                <a16:creationId xmlns:a16="http://schemas.microsoft.com/office/drawing/2014/main" id="{47BF1010-A229-FEA1-79C3-370244190198}"/>
-              </a:ext>
-            </a:extLst>
-          </p:cNvPr>
-          <p:cNvSpPr/>
-          <p:nvPr/>
-        </p:nvSpPr>
-        <p:spPr>
-          <a:xfrm>
-            <a:off x="5559857" y="1471790"/>
-            <a:ext cx="3851803" cy="1143558"/>
-          </a:xfrm>
-          <a:prstGeom prst="roundRect">
-            <a:avLst>
-              <a:gd name="adj" fmla="val 16306"/>
-            </a:avLst>
-          </a:prstGeom>
-          <a:solidFill>
-            <a:schemeClr val="bg1"/>
-          </a:solidFill>
-          <a:ln>
-            <a:noFill/>
-          </a:ln>
-          <a:effectLst>
-            <a:glow rad="63500">
-              <a:schemeClr val="bg1">
-                <a:lumMod val="75000"/>
-                <a:alpha val="40000"/>
-              </a:schemeClr>
-            </a:glow>
-            <a:outerShdw blurRad="50800" dist="38100" dir="5400000" algn="t" rotWithShape="0">
-              <a:schemeClr val="tx1">
-                <a:alpha val="40000"/>
-              </a:schemeClr>
-            </a:outerShdw>
-          </a:effectLst>
-        </p:spPr>
-        <p:style>
-          <a:lnRef idx="2">
-            <a:schemeClr val="accent1">
-              <a:shade val="50000"/>
-            </a:schemeClr>
-          </a:lnRef>
-          <a:fillRef idx="1">
-            <a:schemeClr val="accent1"/>
-          </a:fillRef>
-          <a:effectRef idx="0">
-            <a:schemeClr val="accent1"/>
-          </a:effectRef>
-          <a:fontRef idx="minor">
-            <a:schemeClr val="lt1"/>
-          </a:fontRef>
-        </p:style>
-        <p:txBody>
-          <a:bodyPr rtlCol="0" anchor="ctr"/>
-          <a:lstStyle/>
-          <a:p>
-            <a:pPr algn="ctr"/>
-            <a:endParaRPr lang="pt-BR" sz="1265"/>
-          </a:p>
-        </p:txBody>
-      </p:sp>
-      <p:sp>
-        <p:nvSpPr>
-          <p:cNvPr id="7" name="Retângulo: Cantos Arredondados 6">
-            <a:extLst>
-              <a:ext uri="{FF2B5EF4-FFF2-40B4-BE49-F238E27FC236}">
-                <a16:creationId xmlns:a16="http://schemas.microsoft.com/office/drawing/2014/main" id="{81C102F9-6E18-FE92-7449-119893F8449F}"/>
-              </a:ext>
-            </a:extLst>
-          </p:cNvPr>
-          <p:cNvSpPr/>
-          <p:nvPr/>
-        </p:nvSpPr>
-        <p:spPr>
-          <a:xfrm>
-            <a:off x="9990955" y="1471790"/>
-            <a:ext cx="6390424" cy="1143558"/>
-          </a:xfrm>
-          <a:prstGeom prst="roundRect">
-            <a:avLst>
-              <a:gd name="adj" fmla="val 16306"/>
             </a:avLst>
           </a:prstGeom>
           <a:solidFill>
@@ -11212,7 +11110,7 @@
                 <a:rPr lang="pt-BR" sz="1200" b="1" dirty="0">
                   <a:latin typeface="Montserrat" panose="00000500000000000000" pitchFamily="2" charset="0"/>
                 </a:rPr>
-                <a:t>QUADRO DE FUNCIONÁRIOS</a:t>
+                <a:t>RELAÇÃO DE COLAB.</a:t>
               </a:r>
               <a:endParaRPr lang="pt-BR" sz="1100" b="1" dirty="0">
                 <a:latin typeface="Montserrat" panose="00000500000000000000" pitchFamily="2" charset="0"/>
@@ -11221,120 +11119,636 @@
           </p:txBody>
         </p:sp>
       </p:grpSp>
-      <p:sp>
-        <p:nvSpPr>
-          <p:cNvPr id="15" name="CaixaDeTexto 14">
+      <p:grpSp>
+        <p:nvGrpSpPr>
+          <p:cNvPr id="21" name="Agrupar 20">
             <a:extLst>
               <a:ext uri="{FF2B5EF4-FFF2-40B4-BE49-F238E27FC236}">
-                <a16:creationId xmlns:a16="http://schemas.microsoft.com/office/drawing/2014/main" id="{B83EC193-7005-6804-3005-805A7668EDB1}"/>
+                <a16:creationId xmlns:a16="http://schemas.microsoft.com/office/drawing/2014/main" id="{5B3A8BB8-771B-41AC-EE76-A138660942FD}"/>
               </a:ext>
             </a:extLst>
           </p:cNvPr>
-          <p:cNvSpPr txBox="1"/>
+          <p:cNvGrpSpPr/>
           <p:nvPr/>
-        </p:nvSpPr>
-        <p:spPr>
+        </p:nvGrpSpPr>
+        <p:grpSpPr>
           <a:xfrm>
-            <a:off x="2227660" y="1496945"/>
-            <a:ext cx="2749122" cy="369332"/>
+            <a:off x="2227660" y="1480454"/>
+            <a:ext cx="1916323" cy="1143558"/>
+            <a:chOff x="2227660" y="1471791"/>
+            <a:chExt cx="2752902" cy="1143558"/>
           </a:xfrm>
-          <a:prstGeom prst="rect">
-            <a:avLst/>
-          </a:prstGeom>
-          <a:noFill/>
-        </p:spPr>
-        <p:txBody>
-          <a:bodyPr wrap="square" rtlCol="0">
-            <a:spAutoFit/>
-          </a:bodyPr>
-          <a:lstStyle/>
-          <a:p>
-            <a:pPr algn="ctr"/>
-            <a:r>
-              <a:rPr lang="pt-BR" dirty="0">
-                <a:latin typeface="Montserrat SemiBold" panose="00000700000000000000" pitchFamily="2" charset="0"/>
-              </a:rPr>
-              <a:t>UNIDADE</a:t>
-            </a:r>
-          </a:p>
-        </p:txBody>
-      </p:sp>
-      <p:sp>
-        <p:nvSpPr>
-          <p:cNvPr id="16" name="CaixaDeTexto 15">
+        </p:grpSpPr>
+        <p:sp>
+          <p:nvSpPr>
+            <p:cNvPr id="2" name="Retângulo: Cantos Arredondados 1">
+              <a:extLst>
+                <a:ext uri="{FF2B5EF4-FFF2-40B4-BE49-F238E27FC236}">
+                  <a16:creationId xmlns:a16="http://schemas.microsoft.com/office/drawing/2014/main" id="{3A0302AE-87C1-FF0F-0446-DB45790F3A15}"/>
+                </a:ext>
+              </a:extLst>
+            </p:cNvPr>
+            <p:cNvSpPr/>
+            <p:nvPr/>
+          </p:nvSpPr>
+          <p:spPr>
+            <a:xfrm>
+              <a:off x="2231440" y="1471791"/>
+              <a:ext cx="2749122" cy="1143558"/>
+            </a:xfrm>
+            <a:prstGeom prst="roundRect">
+              <a:avLst>
+                <a:gd name="adj" fmla="val 16306"/>
+              </a:avLst>
+            </a:prstGeom>
+            <a:solidFill>
+              <a:schemeClr val="bg1"/>
+            </a:solidFill>
+            <a:ln>
+              <a:noFill/>
+            </a:ln>
+            <a:effectLst>
+              <a:glow rad="63500">
+                <a:schemeClr val="bg1">
+                  <a:lumMod val="75000"/>
+                  <a:alpha val="40000"/>
+                </a:schemeClr>
+              </a:glow>
+              <a:outerShdw blurRad="50800" dist="38100" dir="5400000" algn="t" rotWithShape="0">
+                <a:schemeClr val="tx1">
+                  <a:alpha val="40000"/>
+                </a:schemeClr>
+              </a:outerShdw>
+            </a:effectLst>
+          </p:spPr>
+          <p:style>
+            <a:lnRef idx="2">
+              <a:schemeClr val="accent1">
+                <a:shade val="50000"/>
+              </a:schemeClr>
+            </a:lnRef>
+            <a:fillRef idx="1">
+              <a:schemeClr val="accent1"/>
+            </a:fillRef>
+            <a:effectRef idx="0">
+              <a:schemeClr val="accent1"/>
+            </a:effectRef>
+            <a:fontRef idx="minor">
+              <a:schemeClr val="lt1"/>
+            </a:fontRef>
+          </p:style>
+          <p:txBody>
+            <a:bodyPr rtlCol="0" anchor="ctr"/>
+            <a:lstStyle/>
+            <a:p>
+              <a:pPr algn="ctr"/>
+              <a:endParaRPr lang="pt-BR" sz="1265"/>
+            </a:p>
+          </p:txBody>
+        </p:sp>
+        <p:sp>
+          <p:nvSpPr>
+            <p:cNvPr id="15" name="CaixaDeTexto 14">
+              <a:extLst>
+                <a:ext uri="{FF2B5EF4-FFF2-40B4-BE49-F238E27FC236}">
+                  <a16:creationId xmlns:a16="http://schemas.microsoft.com/office/drawing/2014/main" id="{B83EC193-7005-6804-3005-805A7668EDB1}"/>
+                </a:ext>
+              </a:extLst>
+            </p:cNvPr>
+            <p:cNvSpPr txBox="1"/>
+            <p:nvPr/>
+          </p:nvSpPr>
+          <p:spPr>
+            <a:xfrm>
+              <a:off x="2227660" y="1496945"/>
+              <a:ext cx="2749122" cy="369332"/>
+            </a:xfrm>
+            <a:prstGeom prst="rect">
+              <a:avLst/>
+            </a:prstGeom>
+            <a:noFill/>
+          </p:spPr>
+          <p:txBody>
+            <a:bodyPr wrap="square" rtlCol="0">
+              <a:spAutoFit/>
+            </a:bodyPr>
+            <a:lstStyle/>
+            <a:p>
+              <a:pPr algn="ctr"/>
+              <a:r>
+                <a:rPr lang="pt-BR" dirty="0">
+                  <a:latin typeface="Montserrat SemiBold" panose="00000700000000000000" pitchFamily="2" charset="0"/>
+                </a:rPr>
+                <a:t>UNIDADE</a:t>
+              </a:r>
+            </a:p>
+          </p:txBody>
+        </p:sp>
+      </p:grpSp>
+      <p:grpSp>
+        <p:nvGrpSpPr>
+          <p:cNvPr id="20" name="Agrupar 19">
             <a:extLst>
               <a:ext uri="{FF2B5EF4-FFF2-40B4-BE49-F238E27FC236}">
-                <a16:creationId xmlns:a16="http://schemas.microsoft.com/office/drawing/2014/main" id="{480AEB56-033E-FF67-C3CE-4FA53ED7968D}"/>
+                <a16:creationId xmlns:a16="http://schemas.microsoft.com/office/drawing/2014/main" id="{AE34B440-990D-EDE3-99E3-B89D8C1AD35D}"/>
               </a:ext>
             </a:extLst>
           </p:cNvPr>
-          <p:cNvSpPr txBox="1"/>
+          <p:cNvGrpSpPr/>
           <p:nvPr/>
-        </p:nvSpPr>
-        <p:spPr>
+        </p:nvGrpSpPr>
+        <p:grpSpPr>
           <a:xfrm>
-            <a:off x="5563636" y="1471789"/>
-            <a:ext cx="3848023" cy="369332"/>
+            <a:off x="4433599" y="1480454"/>
+            <a:ext cx="2660499" cy="1143559"/>
+            <a:chOff x="5559857" y="1471789"/>
+            <a:chExt cx="3851803" cy="1143559"/>
           </a:xfrm>
-          <a:prstGeom prst="rect">
-            <a:avLst/>
-          </a:prstGeom>
-          <a:noFill/>
-        </p:spPr>
-        <p:txBody>
-          <a:bodyPr wrap="square" rtlCol="0">
-            <a:spAutoFit/>
-          </a:bodyPr>
-          <a:lstStyle/>
-          <a:p>
-            <a:pPr algn="ctr"/>
-            <a:r>
-              <a:rPr lang="pt-BR" dirty="0">
-                <a:latin typeface="Montserrat SemiBold" panose="00000700000000000000" pitchFamily="2" charset="0"/>
-              </a:rPr>
-              <a:t>DEPARTAMENTO</a:t>
-            </a:r>
-          </a:p>
-        </p:txBody>
-      </p:sp>
-      <p:sp>
-        <p:nvSpPr>
-          <p:cNvPr id="18" name="CaixaDeTexto 17">
+        </p:grpSpPr>
+        <p:sp>
+          <p:nvSpPr>
+            <p:cNvPr id="6" name="Retângulo: Cantos Arredondados 5">
+              <a:extLst>
+                <a:ext uri="{FF2B5EF4-FFF2-40B4-BE49-F238E27FC236}">
+                  <a16:creationId xmlns:a16="http://schemas.microsoft.com/office/drawing/2014/main" id="{47BF1010-A229-FEA1-79C3-370244190198}"/>
+                </a:ext>
+              </a:extLst>
+            </p:cNvPr>
+            <p:cNvSpPr/>
+            <p:nvPr/>
+          </p:nvSpPr>
+          <p:spPr>
+            <a:xfrm>
+              <a:off x="5559857" y="1471790"/>
+              <a:ext cx="3851803" cy="1143558"/>
+            </a:xfrm>
+            <a:prstGeom prst="roundRect">
+              <a:avLst>
+                <a:gd name="adj" fmla="val 16306"/>
+              </a:avLst>
+            </a:prstGeom>
+            <a:solidFill>
+              <a:schemeClr val="bg1"/>
+            </a:solidFill>
+            <a:ln>
+              <a:noFill/>
+            </a:ln>
+            <a:effectLst>
+              <a:glow rad="63500">
+                <a:schemeClr val="bg1">
+                  <a:lumMod val="75000"/>
+                  <a:alpha val="40000"/>
+                </a:schemeClr>
+              </a:glow>
+              <a:outerShdw blurRad="50800" dist="38100" dir="5400000" algn="t" rotWithShape="0">
+                <a:schemeClr val="tx1">
+                  <a:alpha val="40000"/>
+                </a:schemeClr>
+              </a:outerShdw>
+            </a:effectLst>
+          </p:spPr>
+          <p:style>
+            <a:lnRef idx="2">
+              <a:schemeClr val="accent1">
+                <a:shade val="50000"/>
+              </a:schemeClr>
+            </a:lnRef>
+            <a:fillRef idx="1">
+              <a:schemeClr val="accent1"/>
+            </a:fillRef>
+            <a:effectRef idx="0">
+              <a:schemeClr val="accent1"/>
+            </a:effectRef>
+            <a:fontRef idx="minor">
+              <a:schemeClr val="lt1"/>
+            </a:fontRef>
+          </p:style>
+          <p:txBody>
+            <a:bodyPr rtlCol="0" anchor="ctr"/>
+            <a:lstStyle/>
+            <a:p>
+              <a:pPr algn="ctr"/>
+              <a:endParaRPr lang="pt-BR" sz="1265"/>
+            </a:p>
+          </p:txBody>
+        </p:sp>
+        <p:sp>
+          <p:nvSpPr>
+            <p:cNvPr id="16" name="CaixaDeTexto 15">
+              <a:extLst>
+                <a:ext uri="{FF2B5EF4-FFF2-40B4-BE49-F238E27FC236}">
+                  <a16:creationId xmlns:a16="http://schemas.microsoft.com/office/drawing/2014/main" id="{480AEB56-033E-FF67-C3CE-4FA53ED7968D}"/>
+                </a:ext>
+              </a:extLst>
+            </p:cNvPr>
+            <p:cNvSpPr txBox="1"/>
+            <p:nvPr/>
+          </p:nvSpPr>
+          <p:spPr>
+            <a:xfrm>
+              <a:off x="5563636" y="1471789"/>
+              <a:ext cx="3848023" cy="369332"/>
+            </a:xfrm>
+            <a:prstGeom prst="rect">
+              <a:avLst/>
+            </a:prstGeom>
+            <a:noFill/>
+          </p:spPr>
+          <p:txBody>
+            <a:bodyPr wrap="square" rtlCol="0">
+              <a:spAutoFit/>
+            </a:bodyPr>
+            <a:lstStyle/>
+            <a:p>
+              <a:pPr algn="ctr"/>
+              <a:r>
+                <a:rPr lang="pt-BR" dirty="0">
+                  <a:latin typeface="Montserrat SemiBold" panose="00000700000000000000" pitchFamily="2" charset="0"/>
+                </a:rPr>
+                <a:t>DIRETORIA</a:t>
+              </a:r>
+            </a:p>
+          </p:txBody>
+        </p:sp>
+      </p:grpSp>
+      <p:grpSp>
+        <p:nvGrpSpPr>
+          <p:cNvPr id="11" name="Agrupar 10">
             <a:extLst>
               <a:ext uri="{FF2B5EF4-FFF2-40B4-BE49-F238E27FC236}">
-                <a16:creationId xmlns:a16="http://schemas.microsoft.com/office/drawing/2014/main" id="{E6AD58CB-38FC-3D9E-63C2-3312C006018E}"/>
+                <a16:creationId xmlns:a16="http://schemas.microsoft.com/office/drawing/2014/main" id="{55F422AE-35E3-BE69-C1C8-99F0D20A03DC}"/>
               </a:ext>
             </a:extLst>
           </p:cNvPr>
-          <p:cNvSpPr txBox="1"/>
+          <p:cNvGrpSpPr/>
           <p:nvPr/>
-        </p:nvSpPr>
-        <p:spPr>
+        </p:nvGrpSpPr>
+        <p:grpSpPr>
           <a:xfrm>
-            <a:off x="9990954" y="1496945"/>
-            <a:ext cx="6402307" cy="369332"/>
+            <a:off x="14328885" y="1471789"/>
+            <a:ext cx="6402307" cy="1160889"/>
+            <a:chOff x="9990954" y="1471790"/>
+            <a:chExt cx="6402307" cy="1143558"/>
           </a:xfrm>
-          <a:prstGeom prst="rect">
-            <a:avLst/>
-          </a:prstGeom>
-          <a:noFill/>
-        </p:spPr>
-        <p:txBody>
-          <a:bodyPr wrap="square" rtlCol="0">
-            <a:spAutoFit/>
-          </a:bodyPr>
-          <a:lstStyle/>
-          <a:p>
-            <a:pPr algn="ctr"/>
-            <a:r>
-              <a:rPr lang="pt-BR" dirty="0">
-                <a:latin typeface="Montserrat SemiBold" panose="00000700000000000000" pitchFamily="2" charset="0"/>
-              </a:rPr>
-              <a:t>CENTRO DE CUSTO</a:t>
-            </a:r>
-          </a:p>
-        </p:txBody>
-      </p:sp>
+        </p:grpSpPr>
+        <p:sp>
+          <p:nvSpPr>
+            <p:cNvPr id="7" name="Retângulo: Cantos Arredondados 6">
+              <a:extLst>
+                <a:ext uri="{FF2B5EF4-FFF2-40B4-BE49-F238E27FC236}">
+                  <a16:creationId xmlns:a16="http://schemas.microsoft.com/office/drawing/2014/main" id="{81C102F9-6E18-FE92-7449-119893F8449F}"/>
+                </a:ext>
+              </a:extLst>
+            </p:cNvPr>
+            <p:cNvSpPr/>
+            <p:nvPr/>
+          </p:nvSpPr>
+          <p:spPr>
+            <a:xfrm>
+              <a:off x="9990955" y="1471790"/>
+              <a:ext cx="6390424" cy="1143558"/>
+            </a:xfrm>
+            <a:prstGeom prst="roundRect">
+              <a:avLst>
+                <a:gd name="adj" fmla="val 16306"/>
+              </a:avLst>
+            </a:prstGeom>
+            <a:solidFill>
+              <a:schemeClr val="bg1"/>
+            </a:solidFill>
+            <a:ln>
+              <a:noFill/>
+            </a:ln>
+            <a:effectLst>
+              <a:glow rad="63500">
+                <a:schemeClr val="bg1">
+                  <a:lumMod val="75000"/>
+                  <a:alpha val="40000"/>
+                </a:schemeClr>
+              </a:glow>
+              <a:outerShdw blurRad="50800" dist="38100" dir="5400000" algn="t" rotWithShape="0">
+                <a:schemeClr val="tx1">
+                  <a:alpha val="40000"/>
+                </a:schemeClr>
+              </a:outerShdw>
+            </a:effectLst>
+          </p:spPr>
+          <p:style>
+            <a:lnRef idx="2">
+              <a:schemeClr val="accent1">
+                <a:shade val="50000"/>
+              </a:schemeClr>
+            </a:lnRef>
+            <a:fillRef idx="1">
+              <a:schemeClr val="accent1"/>
+            </a:fillRef>
+            <a:effectRef idx="0">
+              <a:schemeClr val="accent1"/>
+            </a:effectRef>
+            <a:fontRef idx="minor">
+              <a:schemeClr val="lt1"/>
+            </a:fontRef>
+          </p:style>
+          <p:txBody>
+            <a:bodyPr rtlCol="0" anchor="ctr"/>
+            <a:lstStyle/>
+            <a:p>
+              <a:pPr algn="ctr"/>
+              <a:endParaRPr lang="pt-BR" sz="1265"/>
+            </a:p>
+          </p:txBody>
+        </p:sp>
+        <p:sp>
+          <p:nvSpPr>
+            <p:cNvPr id="18" name="CaixaDeTexto 17">
+              <a:extLst>
+                <a:ext uri="{FF2B5EF4-FFF2-40B4-BE49-F238E27FC236}">
+                  <a16:creationId xmlns:a16="http://schemas.microsoft.com/office/drawing/2014/main" id="{E6AD58CB-38FC-3D9E-63C2-3312C006018E}"/>
+                </a:ext>
+              </a:extLst>
+            </p:cNvPr>
+            <p:cNvSpPr txBox="1"/>
+            <p:nvPr/>
+          </p:nvSpPr>
+          <p:spPr>
+            <a:xfrm>
+              <a:off x="9990954" y="1496945"/>
+              <a:ext cx="6402307" cy="369332"/>
+            </a:xfrm>
+            <a:prstGeom prst="rect">
+              <a:avLst/>
+            </a:prstGeom>
+            <a:noFill/>
+          </p:spPr>
+          <p:txBody>
+            <a:bodyPr wrap="square" rtlCol="0">
+              <a:spAutoFit/>
+            </a:bodyPr>
+            <a:lstStyle/>
+            <a:p>
+              <a:pPr algn="ctr"/>
+              <a:r>
+                <a:rPr lang="pt-BR" dirty="0">
+                  <a:latin typeface="Montserrat SemiBold" panose="00000700000000000000" pitchFamily="2" charset="0"/>
+                </a:rPr>
+                <a:t>CENTRO DE CUSTO</a:t>
+              </a:r>
+            </a:p>
+          </p:txBody>
+        </p:sp>
+      </p:grpSp>
+      <p:grpSp>
+        <p:nvGrpSpPr>
+          <p:cNvPr id="22" name="Agrupar 21">
+            <a:extLst>
+              <a:ext uri="{FF2B5EF4-FFF2-40B4-BE49-F238E27FC236}">
+                <a16:creationId xmlns:a16="http://schemas.microsoft.com/office/drawing/2014/main" id="{80035F93-9A9E-59F7-3030-703D58062077}"/>
+              </a:ext>
+            </a:extLst>
+          </p:cNvPr>
+          <p:cNvGrpSpPr/>
+          <p:nvPr/>
+        </p:nvGrpSpPr>
+        <p:grpSpPr>
+          <a:xfrm>
+            <a:off x="7383714" y="1480454"/>
+            <a:ext cx="2727796" cy="1143558"/>
+            <a:chOff x="9990954" y="1471790"/>
+            <a:chExt cx="6402307" cy="1143558"/>
+          </a:xfrm>
+        </p:grpSpPr>
+        <p:sp>
+          <p:nvSpPr>
+            <p:cNvPr id="23" name="Retângulo: Cantos Arredondados 22">
+              <a:extLst>
+                <a:ext uri="{FF2B5EF4-FFF2-40B4-BE49-F238E27FC236}">
+                  <a16:creationId xmlns:a16="http://schemas.microsoft.com/office/drawing/2014/main" id="{B1A49499-7482-58CF-1EB0-6FDDFEF714C7}"/>
+                </a:ext>
+              </a:extLst>
+            </p:cNvPr>
+            <p:cNvSpPr/>
+            <p:nvPr/>
+          </p:nvSpPr>
+          <p:spPr>
+            <a:xfrm>
+              <a:off x="9990955" y="1471790"/>
+              <a:ext cx="6390424" cy="1143558"/>
+            </a:xfrm>
+            <a:prstGeom prst="roundRect">
+              <a:avLst>
+                <a:gd name="adj" fmla="val 16306"/>
+              </a:avLst>
+            </a:prstGeom>
+            <a:solidFill>
+              <a:schemeClr val="bg1"/>
+            </a:solidFill>
+            <a:ln>
+              <a:noFill/>
+            </a:ln>
+            <a:effectLst>
+              <a:glow rad="63500">
+                <a:schemeClr val="bg1">
+                  <a:lumMod val="75000"/>
+                  <a:alpha val="40000"/>
+                </a:schemeClr>
+              </a:glow>
+              <a:outerShdw blurRad="50800" dist="38100" dir="5400000" algn="t" rotWithShape="0">
+                <a:schemeClr val="tx1">
+                  <a:alpha val="40000"/>
+                </a:schemeClr>
+              </a:outerShdw>
+            </a:effectLst>
+          </p:spPr>
+          <p:style>
+            <a:lnRef idx="2">
+              <a:schemeClr val="accent1">
+                <a:shade val="50000"/>
+              </a:schemeClr>
+            </a:lnRef>
+            <a:fillRef idx="1">
+              <a:schemeClr val="accent1"/>
+            </a:fillRef>
+            <a:effectRef idx="0">
+              <a:schemeClr val="accent1"/>
+            </a:effectRef>
+            <a:fontRef idx="minor">
+              <a:schemeClr val="lt1"/>
+            </a:fontRef>
+          </p:style>
+          <p:txBody>
+            <a:bodyPr rtlCol="0" anchor="ctr"/>
+            <a:lstStyle/>
+            <a:p>
+              <a:pPr algn="ctr"/>
+              <a:endParaRPr lang="pt-BR" sz="1265"/>
+            </a:p>
+          </p:txBody>
+        </p:sp>
+        <p:sp>
+          <p:nvSpPr>
+            <p:cNvPr id="24" name="CaixaDeTexto 23">
+              <a:extLst>
+                <a:ext uri="{FF2B5EF4-FFF2-40B4-BE49-F238E27FC236}">
+                  <a16:creationId xmlns:a16="http://schemas.microsoft.com/office/drawing/2014/main" id="{917CA1E5-2F13-8EA9-3FE9-DC9070CCD819}"/>
+                </a:ext>
+              </a:extLst>
+            </p:cNvPr>
+            <p:cNvSpPr txBox="1"/>
+            <p:nvPr/>
+          </p:nvSpPr>
+          <p:spPr>
+            <a:xfrm>
+              <a:off x="9990954" y="1496945"/>
+              <a:ext cx="6402307" cy="369332"/>
+            </a:xfrm>
+            <a:prstGeom prst="rect">
+              <a:avLst/>
+            </a:prstGeom>
+            <a:noFill/>
+          </p:spPr>
+          <p:txBody>
+            <a:bodyPr wrap="square" rtlCol="0">
+              <a:spAutoFit/>
+            </a:bodyPr>
+            <a:lstStyle/>
+            <a:p>
+              <a:pPr algn="ctr"/>
+              <a:r>
+                <a:rPr lang="pt-BR" dirty="0">
+                  <a:latin typeface="Montserrat SemiBold" panose="00000700000000000000" pitchFamily="2" charset="0"/>
+                </a:rPr>
+                <a:t>TIME</a:t>
+              </a:r>
+            </a:p>
+          </p:txBody>
+        </p:sp>
+      </p:grpSp>
+      <p:grpSp>
+        <p:nvGrpSpPr>
+          <p:cNvPr id="25" name="Agrupar 24">
+            <a:extLst>
+              <a:ext uri="{FF2B5EF4-FFF2-40B4-BE49-F238E27FC236}">
+                <a16:creationId xmlns:a16="http://schemas.microsoft.com/office/drawing/2014/main" id="{9F140CD4-D791-89A5-721F-25E1BD0609A9}"/>
+              </a:ext>
+            </a:extLst>
+          </p:cNvPr>
+          <p:cNvGrpSpPr/>
+          <p:nvPr/>
+        </p:nvGrpSpPr>
+        <p:grpSpPr>
+          <a:xfrm>
+            <a:off x="10401126" y="1480454"/>
+            <a:ext cx="3638144" cy="1143558"/>
+            <a:chOff x="9990954" y="1471790"/>
+            <a:chExt cx="6402307" cy="1143558"/>
+          </a:xfrm>
+        </p:grpSpPr>
+        <p:sp>
+          <p:nvSpPr>
+            <p:cNvPr id="26" name="Retângulo: Cantos Arredondados 25">
+              <a:extLst>
+                <a:ext uri="{FF2B5EF4-FFF2-40B4-BE49-F238E27FC236}">
+                  <a16:creationId xmlns:a16="http://schemas.microsoft.com/office/drawing/2014/main" id="{472E6699-3DA1-08A4-C877-FDB7E7DE2AAE}"/>
+                </a:ext>
+              </a:extLst>
+            </p:cNvPr>
+            <p:cNvSpPr/>
+            <p:nvPr/>
+          </p:nvSpPr>
+          <p:spPr>
+            <a:xfrm>
+              <a:off x="9990955" y="1471790"/>
+              <a:ext cx="6390424" cy="1143558"/>
+            </a:xfrm>
+            <a:prstGeom prst="roundRect">
+              <a:avLst>
+                <a:gd name="adj" fmla="val 16306"/>
+              </a:avLst>
+            </a:prstGeom>
+            <a:solidFill>
+              <a:schemeClr val="bg1"/>
+            </a:solidFill>
+            <a:ln>
+              <a:noFill/>
+            </a:ln>
+            <a:effectLst>
+              <a:glow rad="63500">
+                <a:schemeClr val="bg1">
+                  <a:lumMod val="75000"/>
+                  <a:alpha val="40000"/>
+                </a:schemeClr>
+              </a:glow>
+              <a:outerShdw blurRad="50800" dist="38100" dir="5400000" algn="t" rotWithShape="0">
+                <a:schemeClr val="tx1">
+                  <a:alpha val="40000"/>
+                </a:schemeClr>
+              </a:outerShdw>
+            </a:effectLst>
+          </p:spPr>
+          <p:style>
+            <a:lnRef idx="2">
+              <a:schemeClr val="accent1">
+                <a:shade val="50000"/>
+              </a:schemeClr>
+            </a:lnRef>
+            <a:fillRef idx="1">
+              <a:schemeClr val="accent1"/>
+            </a:fillRef>
+            <a:effectRef idx="0">
+              <a:schemeClr val="accent1"/>
+            </a:effectRef>
+            <a:fontRef idx="minor">
+              <a:schemeClr val="lt1"/>
+            </a:fontRef>
+          </p:style>
+          <p:txBody>
+            <a:bodyPr rtlCol="0" anchor="ctr"/>
+            <a:lstStyle/>
+            <a:p>
+              <a:pPr algn="ctr"/>
+              <a:endParaRPr lang="pt-BR" sz="1265"/>
+            </a:p>
+          </p:txBody>
+        </p:sp>
+        <p:sp>
+          <p:nvSpPr>
+            <p:cNvPr id="28" name="CaixaDeTexto 27">
+              <a:extLst>
+                <a:ext uri="{FF2B5EF4-FFF2-40B4-BE49-F238E27FC236}">
+                  <a16:creationId xmlns:a16="http://schemas.microsoft.com/office/drawing/2014/main" id="{F07A18FD-BB73-4F4C-89CE-1332821DA3A4}"/>
+                </a:ext>
+              </a:extLst>
+            </p:cNvPr>
+            <p:cNvSpPr txBox="1"/>
+            <p:nvPr/>
+          </p:nvSpPr>
+          <p:spPr>
+            <a:xfrm>
+              <a:off x="9990954" y="1496945"/>
+              <a:ext cx="6402307" cy="369332"/>
+            </a:xfrm>
+            <a:prstGeom prst="rect">
+              <a:avLst/>
+            </a:prstGeom>
+            <a:noFill/>
+          </p:spPr>
+          <p:txBody>
+            <a:bodyPr wrap="square" rtlCol="0">
+              <a:spAutoFit/>
+            </a:bodyPr>
+            <a:lstStyle/>
+            <a:p>
+              <a:pPr algn="ctr"/>
+              <a:r>
+                <a:rPr lang="pt-BR" dirty="0">
+                  <a:latin typeface="Montserrat SemiBold" panose="00000700000000000000" pitchFamily="2" charset="0"/>
+                </a:rPr>
+                <a:t>SETOR/DEPARTAMENTO</a:t>
+              </a:r>
+            </a:p>
+          </p:txBody>
+        </p:sp>
+      </p:grpSp>
     </p:spTree>
     <p:extLst>
       <p:ext uri="{BB962C8B-B14F-4D97-AF65-F5344CB8AC3E}">

--- a/Background/Background base.pptx
+++ b/Background/Background base.pptx
@@ -3718,7 +3718,7 @@
           <a:p>
             <a:fld id="{FE999017-FBFC-4239-B8D2-FB352F1B889A}" type="datetimeFigureOut">
               <a:rPr lang="pt-BR" smtClean="0"/>
-              <a:t>03/09/2025</a:t>
+              <a:t>04/09/2025</a:t>
             </a:fld>
             <a:endParaRPr lang="pt-BR"/>
           </a:p>
@@ -4116,7 +4116,7 @@
           <a:p>
             <a:fld id="{CF62B505-841C-4C89-B392-8F545B9B6E7F}" type="datetimeFigureOut">
               <a:rPr lang="pt-BR" smtClean="0"/>
-              <a:t>03/09/2025</a:t>
+              <a:t>04/09/2025</a:t>
             </a:fld>
             <a:endParaRPr lang="pt-BR"/>
           </a:p>
@@ -4286,7 +4286,7 @@
           <a:p>
             <a:fld id="{CF62B505-841C-4C89-B392-8F545B9B6E7F}" type="datetimeFigureOut">
               <a:rPr lang="pt-BR" smtClean="0"/>
-              <a:t>03/09/2025</a:t>
+              <a:t>04/09/2025</a:t>
             </a:fld>
             <a:endParaRPr lang="pt-BR"/>
           </a:p>
@@ -4466,7 +4466,7 @@
           <a:p>
             <a:fld id="{CF62B505-841C-4C89-B392-8F545B9B6E7F}" type="datetimeFigureOut">
               <a:rPr lang="pt-BR" smtClean="0"/>
-              <a:t>03/09/2025</a:t>
+              <a:t>04/09/2025</a:t>
             </a:fld>
             <a:endParaRPr lang="pt-BR"/>
           </a:p>
@@ -4636,7 +4636,7 @@
           <a:p>
             <a:fld id="{CF62B505-841C-4C89-B392-8F545B9B6E7F}" type="datetimeFigureOut">
               <a:rPr lang="pt-BR" smtClean="0"/>
-              <a:t>03/09/2025</a:t>
+              <a:t>04/09/2025</a:t>
             </a:fld>
             <a:endParaRPr lang="pt-BR"/>
           </a:p>
@@ -4882,7 +4882,7 @@
           <a:p>
             <a:fld id="{CF62B505-841C-4C89-B392-8F545B9B6E7F}" type="datetimeFigureOut">
               <a:rPr lang="pt-BR" smtClean="0"/>
-              <a:t>03/09/2025</a:t>
+              <a:t>04/09/2025</a:t>
             </a:fld>
             <a:endParaRPr lang="pt-BR"/>
           </a:p>
@@ -5114,7 +5114,7 @@
           <a:p>
             <a:fld id="{CF62B505-841C-4C89-B392-8F545B9B6E7F}" type="datetimeFigureOut">
               <a:rPr lang="pt-BR" smtClean="0"/>
-              <a:t>03/09/2025</a:t>
+              <a:t>04/09/2025</a:t>
             </a:fld>
             <a:endParaRPr lang="pt-BR"/>
           </a:p>
@@ -5481,7 +5481,7 @@
           <a:p>
             <a:fld id="{CF62B505-841C-4C89-B392-8F545B9B6E7F}" type="datetimeFigureOut">
               <a:rPr lang="pt-BR" smtClean="0"/>
-              <a:t>03/09/2025</a:t>
+              <a:t>04/09/2025</a:t>
             </a:fld>
             <a:endParaRPr lang="pt-BR"/>
           </a:p>
@@ -5599,7 +5599,7 @@
           <a:p>
             <a:fld id="{CF62B505-841C-4C89-B392-8F545B9B6E7F}" type="datetimeFigureOut">
               <a:rPr lang="pt-BR" smtClean="0"/>
-              <a:t>03/09/2025</a:t>
+              <a:t>04/09/2025</a:t>
             </a:fld>
             <a:endParaRPr lang="pt-BR"/>
           </a:p>
@@ -5694,7 +5694,7 @@
           <a:p>
             <a:fld id="{CF62B505-841C-4C89-B392-8F545B9B6E7F}" type="datetimeFigureOut">
               <a:rPr lang="pt-BR" smtClean="0"/>
-              <a:t>03/09/2025</a:t>
+              <a:t>04/09/2025</a:t>
             </a:fld>
             <a:endParaRPr lang="pt-BR"/>
           </a:p>
@@ -5971,7 +5971,7 @@
           <a:p>
             <a:fld id="{CF62B505-841C-4C89-B392-8F545B9B6E7F}" type="datetimeFigureOut">
               <a:rPr lang="pt-BR" smtClean="0"/>
-              <a:t>03/09/2025</a:t>
+              <a:t>04/09/2025</a:t>
             </a:fld>
             <a:endParaRPr lang="pt-BR"/>
           </a:p>
@@ -6228,7 +6228,7 @@
           <a:p>
             <a:fld id="{CF62B505-841C-4C89-B392-8F545B9B6E7F}" type="datetimeFigureOut">
               <a:rPr lang="pt-BR" smtClean="0"/>
-              <a:t>03/09/2025</a:t>
+              <a:t>04/09/2025</a:t>
             </a:fld>
             <a:endParaRPr lang="pt-BR"/>
           </a:p>
@@ -6441,7 +6441,7 @@
           <a:p>
             <a:fld id="{CF62B505-841C-4C89-B392-8F545B9B6E7F}" type="datetimeFigureOut">
               <a:rPr lang="pt-BR" smtClean="0"/>
-              <a:t>03/09/2025</a:t>
+              <a:t>04/09/2025</a:t>
             </a:fld>
             <a:endParaRPr lang="pt-BR"/>
           </a:p>
@@ -6923,7 +6923,7 @@
         <p:spPr>
           <a:xfrm>
             <a:off x="324465" y="1120877"/>
-            <a:ext cx="25013264" cy="12890091"/>
+            <a:ext cx="25013264" cy="13010418"/>
           </a:xfrm>
           <a:prstGeom prst="roundRect">
             <a:avLst>
@@ -6978,8 +6978,8 @@
         </p:nvSpPr>
         <p:spPr>
           <a:xfrm rot="16200000">
-            <a:off x="-5466462" y="6899923"/>
-            <a:ext cx="12890092" cy="1332000"/>
+            <a:off x="-5526625" y="6960086"/>
+            <a:ext cx="13010418" cy="1332000"/>
           </a:xfrm>
           <a:prstGeom prst="round2SameRect">
             <a:avLst/>
@@ -7802,7 +7802,7 @@
         </p:nvSpPr>
         <p:spPr>
           <a:xfrm>
-            <a:off x="2478633" y="4385396"/>
+            <a:off x="2474842" y="4385396"/>
             <a:ext cx="9711892" cy="1027411"/>
           </a:xfrm>
           <a:prstGeom prst="roundRect">
@@ -7869,7 +7869,7 @@
         </p:nvSpPr>
         <p:spPr>
           <a:xfrm>
-            <a:off x="12457531" y="4385397"/>
+            <a:off x="12458722" y="4385397"/>
             <a:ext cx="2623931" cy="1027411"/>
           </a:xfrm>
           <a:prstGeom prst="roundRect">
@@ -7936,7 +7936,7 @@
         </p:nvSpPr>
         <p:spPr>
           <a:xfrm>
-            <a:off x="15335000" y="4385396"/>
+            <a:off x="15342297" y="4385396"/>
             <a:ext cx="2623931" cy="1027411"/>
           </a:xfrm>
           <a:prstGeom prst="roundRect">
@@ -8003,7 +8003,7 @@
         </p:nvSpPr>
         <p:spPr>
           <a:xfrm>
-            <a:off x="18225937" y="4385396"/>
+            <a:off x="18233234" y="4385396"/>
             <a:ext cx="2623931" cy="1027411"/>
           </a:xfrm>
           <a:prstGeom prst="roundRect">
@@ -8070,8 +8070,8 @@
         </p:nvSpPr>
         <p:spPr>
           <a:xfrm>
-            <a:off x="2467524" y="5788282"/>
-            <a:ext cx="4867055" cy="2254407"/>
+            <a:off x="2476075" y="5665961"/>
+            <a:ext cx="4867055" cy="3375281"/>
           </a:xfrm>
           <a:prstGeom prst="roundRect">
             <a:avLst>
@@ -8125,10 +8125,10 @@
       </p:sp>
       <p:sp>
         <p:nvSpPr>
-          <p:cNvPr id="158" name="Retângulo: Cantos Arredondados 157">
+          <p:cNvPr id="160" name="Retângulo: Cantos Arredondados 159">
             <a:extLst>
               <a:ext uri="{FF2B5EF4-FFF2-40B4-BE49-F238E27FC236}">
-                <a16:creationId xmlns:a16="http://schemas.microsoft.com/office/drawing/2014/main" id="{524CACD0-EF3A-F790-E98A-04AD8E831494}"/>
+                <a16:creationId xmlns:a16="http://schemas.microsoft.com/office/drawing/2014/main" id="{5B3CACDB-8549-22C2-3C50-6EEB777D2EC2}"/>
               </a:ext>
             </a:extLst>
           </p:cNvPr>
@@ -8137,8 +8137,8 @@
         </p:nvSpPr>
         <p:spPr>
           <a:xfrm>
-            <a:off x="7633251" y="5788282"/>
-            <a:ext cx="4557273" cy="1027411"/>
+            <a:off x="2464904" y="9294957"/>
+            <a:ext cx="4867055" cy="4710074"/>
           </a:xfrm>
           <a:prstGeom prst="roundRect">
             <a:avLst>
@@ -8192,408 +8192,6 @@
       </p:sp>
       <p:sp>
         <p:nvSpPr>
-          <p:cNvPr id="159" name="Retângulo: Cantos Arredondados 158">
-            <a:extLst>
-              <a:ext uri="{FF2B5EF4-FFF2-40B4-BE49-F238E27FC236}">
-                <a16:creationId xmlns:a16="http://schemas.microsoft.com/office/drawing/2014/main" id="{78473FF8-E381-6BA6-BACD-C6BA09EFFE1C}"/>
-              </a:ext>
-            </a:extLst>
-          </p:cNvPr>
-          <p:cNvSpPr/>
-          <p:nvPr/>
-        </p:nvSpPr>
-        <p:spPr>
-          <a:xfrm>
-            <a:off x="7633251" y="7015278"/>
-            <a:ext cx="4557273" cy="1027411"/>
-          </a:xfrm>
-          <a:prstGeom prst="roundRect">
-            <a:avLst>
-              <a:gd name="adj" fmla="val 16306"/>
-            </a:avLst>
-          </a:prstGeom>
-          <a:solidFill>
-            <a:schemeClr val="bg1"/>
-          </a:solidFill>
-          <a:ln>
-            <a:noFill/>
-          </a:ln>
-          <a:effectLst>
-            <a:glow rad="63500">
-              <a:schemeClr val="bg1">
-                <a:lumMod val="75000"/>
-                <a:alpha val="40000"/>
-              </a:schemeClr>
-            </a:glow>
-            <a:outerShdw blurRad="50800" dist="38100" dir="5400000" algn="t" rotWithShape="0">
-              <a:schemeClr val="tx1">
-                <a:alpha val="40000"/>
-              </a:schemeClr>
-            </a:outerShdw>
-          </a:effectLst>
-        </p:spPr>
-        <p:style>
-          <a:lnRef idx="2">
-            <a:schemeClr val="accent1">
-              <a:shade val="50000"/>
-            </a:schemeClr>
-          </a:lnRef>
-          <a:fillRef idx="1">
-            <a:schemeClr val="accent1"/>
-          </a:fillRef>
-          <a:effectRef idx="0">
-            <a:schemeClr val="accent1"/>
-          </a:effectRef>
-          <a:fontRef idx="minor">
-            <a:schemeClr val="lt1"/>
-          </a:fontRef>
-        </p:style>
-        <p:txBody>
-          <a:bodyPr rtlCol="0" anchor="ctr"/>
-          <a:lstStyle/>
-          <a:p>
-            <a:pPr algn="ctr"/>
-            <a:endParaRPr lang="pt-BR" sz="1265"/>
-          </a:p>
-        </p:txBody>
-      </p:sp>
-      <p:sp>
-        <p:nvSpPr>
-          <p:cNvPr id="160" name="Retângulo: Cantos Arredondados 159">
-            <a:extLst>
-              <a:ext uri="{FF2B5EF4-FFF2-40B4-BE49-F238E27FC236}">
-                <a16:creationId xmlns:a16="http://schemas.microsoft.com/office/drawing/2014/main" id="{5B3CACDB-8549-22C2-3C50-6EEB777D2EC2}"/>
-              </a:ext>
-            </a:extLst>
-          </p:cNvPr>
-          <p:cNvSpPr/>
-          <p:nvPr/>
-        </p:nvSpPr>
-        <p:spPr>
-          <a:xfrm>
-            <a:off x="2464904" y="8418164"/>
-            <a:ext cx="4867055" cy="4710073"/>
-          </a:xfrm>
-          <a:prstGeom prst="roundRect">
-            <a:avLst>
-              <a:gd name="adj" fmla="val 16306"/>
-            </a:avLst>
-          </a:prstGeom>
-          <a:solidFill>
-            <a:schemeClr val="bg1"/>
-          </a:solidFill>
-          <a:ln>
-            <a:noFill/>
-          </a:ln>
-          <a:effectLst>
-            <a:glow rad="63500">
-              <a:schemeClr val="bg1">
-                <a:lumMod val="75000"/>
-                <a:alpha val="40000"/>
-              </a:schemeClr>
-            </a:glow>
-            <a:outerShdw blurRad="50800" dist="38100" dir="5400000" algn="t" rotWithShape="0">
-              <a:schemeClr val="tx1">
-                <a:alpha val="40000"/>
-              </a:schemeClr>
-            </a:outerShdw>
-          </a:effectLst>
-        </p:spPr>
-        <p:style>
-          <a:lnRef idx="2">
-            <a:schemeClr val="accent1">
-              <a:shade val="50000"/>
-            </a:schemeClr>
-          </a:lnRef>
-          <a:fillRef idx="1">
-            <a:schemeClr val="accent1"/>
-          </a:fillRef>
-          <a:effectRef idx="0">
-            <a:schemeClr val="accent1"/>
-          </a:effectRef>
-          <a:fontRef idx="minor">
-            <a:schemeClr val="lt1"/>
-          </a:fontRef>
-        </p:style>
-        <p:txBody>
-          <a:bodyPr rtlCol="0" anchor="ctr"/>
-          <a:lstStyle/>
-          <a:p>
-            <a:pPr algn="ctr"/>
-            <a:endParaRPr lang="pt-BR" sz="1265"/>
-          </a:p>
-        </p:txBody>
-      </p:sp>
-      <p:sp>
-        <p:nvSpPr>
-          <p:cNvPr id="161" name="Retângulo: Cantos Arredondados 160">
-            <a:extLst>
-              <a:ext uri="{FF2B5EF4-FFF2-40B4-BE49-F238E27FC236}">
-                <a16:creationId xmlns:a16="http://schemas.microsoft.com/office/drawing/2014/main" id="{49B3881B-7A48-8347-FB81-1CD2CF072B24}"/>
-              </a:ext>
-            </a:extLst>
-          </p:cNvPr>
-          <p:cNvSpPr/>
-          <p:nvPr/>
-        </p:nvSpPr>
-        <p:spPr>
-          <a:xfrm>
-            <a:off x="7629462" y="8418165"/>
-            <a:ext cx="4557273" cy="1027411"/>
-          </a:xfrm>
-          <a:prstGeom prst="roundRect">
-            <a:avLst>
-              <a:gd name="adj" fmla="val 16306"/>
-            </a:avLst>
-          </a:prstGeom>
-          <a:solidFill>
-            <a:schemeClr val="bg1"/>
-          </a:solidFill>
-          <a:ln>
-            <a:noFill/>
-          </a:ln>
-          <a:effectLst>
-            <a:glow rad="63500">
-              <a:schemeClr val="bg1">
-                <a:lumMod val="75000"/>
-                <a:alpha val="40000"/>
-              </a:schemeClr>
-            </a:glow>
-            <a:outerShdw blurRad="50800" dist="38100" dir="5400000" algn="t" rotWithShape="0">
-              <a:schemeClr val="tx1">
-                <a:alpha val="40000"/>
-              </a:schemeClr>
-            </a:outerShdw>
-          </a:effectLst>
-        </p:spPr>
-        <p:style>
-          <a:lnRef idx="2">
-            <a:schemeClr val="accent1">
-              <a:shade val="50000"/>
-            </a:schemeClr>
-          </a:lnRef>
-          <a:fillRef idx="1">
-            <a:schemeClr val="accent1"/>
-          </a:fillRef>
-          <a:effectRef idx="0">
-            <a:schemeClr val="accent1"/>
-          </a:effectRef>
-          <a:fontRef idx="minor">
-            <a:schemeClr val="lt1"/>
-          </a:fontRef>
-        </p:style>
-        <p:txBody>
-          <a:bodyPr rtlCol="0" anchor="ctr"/>
-          <a:lstStyle/>
-          <a:p>
-            <a:pPr algn="ctr"/>
-            <a:endParaRPr lang="pt-BR" sz="1265"/>
-          </a:p>
-        </p:txBody>
-      </p:sp>
-      <p:sp>
-        <p:nvSpPr>
-          <p:cNvPr id="162" name="Retângulo: Cantos Arredondados 161">
-            <a:extLst>
-              <a:ext uri="{FF2B5EF4-FFF2-40B4-BE49-F238E27FC236}">
-                <a16:creationId xmlns:a16="http://schemas.microsoft.com/office/drawing/2014/main" id="{6DAA5D88-13F0-620D-E55B-96BD63A5CA5D}"/>
-              </a:ext>
-            </a:extLst>
-          </p:cNvPr>
-          <p:cNvSpPr/>
-          <p:nvPr/>
-        </p:nvSpPr>
-        <p:spPr>
-          <a:xfrm>
-            <a:off x="7629461" y="9645161"/>
-            <a:ext cx="4557273" cy="1027411"/>
-          </a:xfrm>
-          <a:prstGeom prst="roundRect">
-            <a:avLst>
-              <a:gd name="adj" fmla="val 16306"/>
-            </a:avLst>
-          </a:prstGeom>
-          <a:solidFill>
-            <a:schemeClr val="bg1"/>
-          </a:solidFill>
-          <a:ln>
-            <a:noFill/>
-          </a:ln>
-          <a:effectLst>
-            <a:glow rad="63500">
-              <a:schemeClr val="bg1">
-                <a:lumMod val="75000"/>
-                <a:alpha val="40000"/>
-              </a:schemeClr>
-            </a:glow>
-            <a:outerShdw blurRad="50800" dist="38100" dir="5400000" algn="t" rotWithShape="0">
-              <a:schemeClr val="tx1">
-                <a:alpha val="40000"/>
-              </a:schemeClr>
-            </a:outerShdw>
-          </a:effectLst>
-        </p:spPr>
-        <p:style>
-          <a:lnRef idx="2">
-            <a:schemeClr val="accent1">
-              <a:shade val="50000"/>
-            </a:schemeClr>
-          </a:lnRef>
-          <a:fillRef idx="1">
-            <a:schemeClr val="accent1"/>
-          </a:fillRef>
-          <a:effectRef idx="0">
-            <a:schemeClr val="accent1"/>
-          </a:effectRef>
-          <a:fontRef idx="minor">
-            <a:schemeClr val="lt1"/>
-          </a:fontRef>
-        </p:style>
-        <p:txBody>
-          <a:bodyPr rtlCol="0" anchor="ctr"/>
-          <a:lstStyle/>
-          <a:p>
-            <a:pPr algn="ctr"/>
-            <a:endParaRPr lang="pt-BR" sz="1265"/>
-          </a:p>
-        </p:txBody>
-      </p:sp>
-      <p:sp>
-        <p:nvSpPr>
-          <p:cNvPr id="163" name="Retângulo: Cantos Arredondados 162">
-            <a:extLst>
-              <a:ext uri="{FF2B5EF4-FFF2-40B4-BE49-F238E27FC236}">
-                <a16:creationId xmlns:a16="http://schemas.microsoft.com/office/drawing/2014/main" id="{43985C05-C428-95C7-F39B-072358ECF8AC}"/>
-              </a:ext>
-            </a:extLst>
-          </p:cNvPr>
-          <p:cNvSpPr/>
-          <p:nvPr/>
-        </p:nvSpPr>
-        <p:spPr>
-          <a:xfrm>
-            <a:off x="7629462" y="10873831"/>
-            <a:ext cx="4557273" cy="1027411"/>
-          </a:xfrm>
-          <a:prstGeom prst="roundRect">
-            <a:avLst>
-              <a:gd name="adj" fmla="val 16306"/>
-            </a:avLst>
-          </a:prstGeom>
-          <a:solidFill>
-            <a:schemeClr val="bg1"/>
-          </a:solidFill>
-          <a:ln>
-            <a:noFill/>
-          </a:ln>
-          <a:effectLst>
-            <a:glow rad="63500">
-              <a:schemeClr val="bg1">
-                <a:lumMod val="75000"/>
-                <a:alpha val="40000"/>
-              </a:schemeClr>
-            </a:glow>
-            <a:outerShdw blurRad="50800" dist="38100" dir="5400000" algn="t" rotWithShape="0">
-              <a:schemeClr val="tx1">
-                <a:alpha val="40000"/>
-              </a:schemeClr>
-            </a:outerShdw>
-          </a:effectLst>
-        </p:spPr>
-        <p:style>
-          <a:lnRef idx="2">
-            <a:schemeClr val="accent1">
-              <a:shade val="50000"/>
-            </a:schemeClr>
-          </a:lnRef>
-          <a:fillRef idx="1">
-            <a:schemeClr val="accent1"/>
-          </a:fillRef>
-          <a:effectRef idx="0">
-            <a:schemeClr val="accent1"/>
-          </a:effectRef>
-          <a:fontRef idx="minor">
-            <a:schemeClr val="lt1"/>
-          </a:fontRef>
-        </p:style>
-        <p:txBody>
-          <a:bodyPr rtlCol="0" anchor="ctr"/>
-          <a:lstStyle/>
-          <a:p>
-            <a:pPr algn="ctr"/>
-            <a:endParaRPr lang="pt-BR" sz="1265"/>
-          </a:p>
-        </p:txBody>
-      </p:sp>
-      <p:sp>
-        <p:nvSpPr>
-          <p:cNvPr id="164" name="Retângulo: Cantos Arredondados 163">
-            <a:extLst>
-              <a:ext uri="{FF2B5EF4-FFF2-40B4-BE49-F238E27FC236}">
-                <a16:creationId xmlns:a16="http://schemas.microsoft.com/office/drawing/2014/main" id="{E2E67F34-3487-9D3C-241F-0C78A967F15A}"/>
-              </a:ext>
-            </a:extLst>
-          </p:cNvPr>
-          <p:cNvSpPr/>
-          <p:nvPr/>
-        </p:nvSpPr>
-        <p:spPr>
-          <a:xfrm>
-            <a:off x="7629462" y="12100827"/>
-            <a:ext cx="4557273" cy="1027411"/>
-          </a:xfrm>
-          <a:prstGeom prst="roundRect">
-            <a:avLst>
-              <a:gd name="adj" fmla="val 16306"/>
-            </a:avLst>
-          </a:prstGeom>
-          <a:solidFill>
-            <a:schemeClr val="bg1"/>
-          </a:solidFill>
-          <a:ln>
-            <a:noFill/>
-          </a:ln>
-          <a:effectLst>
-            <a:glow rad="63500">
-              <a:schemeClr val="bg1">
-                <a:lumMod val="75000"/>
-                <a:alpha val="40000"/>
-              </a:schemeClr>
-            </a:glow>
-            <a:outerShdw blurRad="50800" dist="38100" dir="5400000" algn="t" rotWithShape="0">
-              <a:schemeClr val="tx1">
-                <a:alpha val="40000"/>
-              </a:schemeClr>
-            </a:outerShdw>
-          </a:effectLst>
-        </p:spPr>
-        <p:style>
-          <a:lnRef idx="2">
-            <a:schemeClr val="accent1">
-              <a:shade val="50000"/>
-            </a:schemeClr>
-          </a:lnRef>
-          <a:fillRef idx="1">
-            <a:schemeClr val="accent1"/>
-          </a:fillRef>
-          <a:effectRef idx="0">
-            <a:schemeClr val="accent1"/>
-          </a:effectRef>
-          <a:fontRef idx="minor">
-            <a:schemeClr val="lt1"/>
-          </a:fontRef>
-        </p:style>
-        <p:txBody>
-          <a:bodyPr rtlCol="0" anchor="ctr"/>
-          <a:lstStyle/>
-          <a:p>
-            <a:pPr algn="ctr"/>
-            <a:endParaRPr lang="pt-BR" sz="1265"/>
-          </a:p>
-        </p:txBody>
-      </p:sp>
-      <p:sp>
-        <p:nvSpPr>
           <p:cNvPr id="165" name="Retângulo: Cantos Arredondados 164">
             <a:extLst>
               <a:ext uri="{FF2B5EF4-FFF2-40B4-BE49-F238E27FC236}">
@@ -8606,7 +8204,7 @@
         </p:nvSpPr>
         <p:spPr>
           <a:xfrm>
-            <a:off x="12457530" y="5788282"/>
+            <a:off x="12467273" y="5665961"/>
             <a:ext cx="2623931" cy="1027411"/>
           </a:xfrm>
           <a:prstGeom prst="roundRect">
@@ -8673,7 +8271,7 @@
         </p:nvSpPr>
         <p:spPr>
           <a:xfrm>
-            <a:off x="15334999" y="5788281"/>
+            <a:off x="15350848" y="5665960"/>
             <a:ext cx="2623931" cy="1027411"/>
           </a:xfrm>
           <a:prstGeom prst="roundRect">
@@ -8740,7 +8338,7 @@
         </p:nvSpPr>
         <p:spPr>
           <a:xfrm>
-            <a:off x="18225936" y="5788281"/>
+            <a:off x="18241785" y="5665960"/>
             <a:ext cx="2623931" cy="1027411"/>
           </a:xfrm>
           <a:prstGeom prst="roundRect">
@@ -8807,7 +8405,7 @@
         </p:nvSpPr>
         <p:spPr>
           <a:xfrm>
-            <a:off x="12457530" y="7015278"/>
+            <a:off x="12467273" y="6839896"/>
             <a:ext cx="2623931" cy="1027411"/>
           </a:xfrm>
           <a:prstGeom prst="roundRect">
@@ -8874,7 +8472,7 @@
         </p:nvSpPr>
         <p:spPr>
           <a:xfrm>
-            <a:off x="15334999" y="7015277"/>
+            <a:off x="15350848" y="6839895"/>
             <a:ext cx="2623931" cy="1027411"/>
           </a:xfrm>
           <a:prstGeom prst="roundRect">
@@ -8941,7 +8539,7 @@
         </p:nvSpPr>
         <p:spPr>
           <a:xfrm>
-            <a:off x="18225936" y="7015277"/>
+            <a:off x="18241785" y="6839895"/>
             <a:ext cx="2623931" cy="1027411"/>
           </a:xfrm>
           <a:prstGeom prst="roundRect">
@@ -9008,7 +8606,7 @@
         </p:nvSpPr>
         <p:spPr>
           <a:xfrm>
-            <a:off x="12444064" y="8418164"/>
+            <a:off x="12458722" y="9294957"/>
             <a:ext cx="2623930" cy="1027411"/>
           </a:xfrm>
           <a:prstGeom prst="roundRect">
@@ -9075,7 +8673,7 @@
         </p:nvSpPr>
         <p:spPr>
           <a:xfrm>
-            <a:off x="15353383" y="8418163"/>
+            <a:off x="15342297" y="9294956"/>
             <a:ext cx="2623931" cy="1027411"/>
           </a:xfrm>
           <a:prstGeom prst="roundRect">
@@ -9142,7 +8740,7 @@
         </p:nvSpPr>
         <p:spPr>
           <a:xfrm>
-            <a:off x="18244320" y="8418163"/>
+            <a:off x="18233234" y="9294956"/>
             <a:ext cx="2623931" cy="1027411"/>
           </a:xfrm>
           <a:prstGeom prst="roundRect">
@@ -9209,7 +8807,7 @@
         </p:nvSpPr>
         <p:spPr>
           <a:xfrm>
-            <a:off x="12473379" y="9643281"/>
+            <a:off x="12458722" y="10520074"/>
             <a:ext cx="2623931" cy="1027411"/>
           </a:xfrm>
           <a:prstGeom prst="roundRect">
@@ -9276,7 +8874,7 @@
         </p:nvSpPr>
         <p:spPr>
           <a:xfrm>
-            <a:off x="15350848" y="9643280"/>
+            <a:off x="15342297" y="10520073"/>
             <a:ext cx="2623931" cy="1027411"/>
           </a:xfrm>
           <a:prstGeom prst="roundRect">
@@ -9343,7 +8941,7 @@
         </p:nvSpPr>
         <p:spPr>
           <a:xfrm>
-            <a:off x="18241785" y="9643280"/>
+            <a:off x="18233234" y="10520073"/>
             <a:ext cx="2623931" cy="1027411"/>
           </a:xfrm>
           <a:prstGeom prst="roundRect">
@@ -9410,7 +9008,7 @@
         </p:nvSpPr>
         <p:spPr>
           <a:xfrm>
-            <a:off x="12473379" y="10868397"/>
+            <a:off x="12458722" y="11747070"/>
             <a:ext cx="2623931" cy="1027411"/>
           </a:xfrm>
           <a:prstGeom prst="roundRect">
@@ -9477,7 +9075,7 @@
         </p:nvSpPr>
         <p:spPr>
           <a:xfrm>
-            <a:off x="15350848" y="10868396"/>
+            <a:off x="15342297" y="11747069"/>
             <a:ext cx="2623931" cy="1027411"/>
           </a:xfrm>
           <a:prstGeom prst="roundRect">
@@ -9544,7 +9142,7 @@
         </p:nvSpPr>
         <p:spPr>
           <a:xfrm>
-            <a:off x="18241785" y="10868396"/>
+            <a:off x="18233234" y="11747069"/>
             <a:ext cx="2623931" cy="1027411"/>
           </a:xfrm>
           <a:prstGeom prst="roundRect">
@@ -9611,7 +9209,7 @@
         </p:nvSpPr>
         <p:spPr>
           <a:xfrm>
-            <a:off x="12473379" y="12106764"/>
+            <a:off x="12458722" y="12983557"/>
             <a:ext cx="2623931" cy="1027411"/>
           </a:xfrm>
           <a:prstGeom prst="roundRect">
@@ -9678,7 +9276,7 @@
         </p:nvSpPr>
         <p:spPr>
           <a:xfrm>
-            <a:off x="15350848" y="12106763"/>
+            <a:off x="15342297" y="12983556"/>
             <a:ext cx="2623931" cy="1027411"/>
           </a:xfrm>
           <a:prstGeom prst="roundRect">
@@ -9745,7 +9343,7 @@
         </p:nvSpPr>
         <p:spPr>
           <a:xfrm>
-            <a:off x="18241785" y="12106763"/>
+            <a:off x="18233234" y="12983556"/>
             <a:ext cx="2623931" cy="1027411"/>
           </a:xfrm>
           <a:prstGeom prst="roundRect">
@@ -10100,6 +9698,1205 @@
               <a:endParaRPr lang="pt-BR" sz="1100" b="1" dirty="0">
                 <a:latin typeface="Montserrat" panose="00000500000000000000" pitchFamily="2" charset="0"/>
               </a:endParaRPr>
+            </a:p>
+          </p:txBody>
+        </p:sp>
+      </p:grpSp>
+      <p:sp>
+        <p:nvSpPr>
+          <p:cNvPr id="2" name="CaixaDeTexto 1">
+            <a:extLst>
+              <a:ext uri="{FF2B5EF4-FFF2-40B4-BE49-F238E27FC236}">
+                <a16:creationId xmlns:a16="http://schemas.microsoft.com/office/drawing/2014/main" id="{8EEB12B9-8229-8289-6D3A-C6DE546C125A}"/>
+              </a:ext>
+            </a:extLst>
+          </p:cNvPr>
+          <p:cNvSpPr txBox="1"/>
+          <p:nvPr/>
+        </p:nvSpPr>
+        <p:spPr>
+          <a:xfrm>
+            <a:off x="2474842" y="4606714"/>
+            <a:ext cx="9711892" cy="584775"/>
+          </a:xfrm>
+          <a:prstGeom prst="rect">
+            <a:avLst/>
+          </a:prstGeom>
+          <a:noFill/>
+        </p:spPr>
+        <p:txBody>
+          <a:bodyPr wrap="square" rtlCol="0">
+            <a:spAutoFit/>
+          </a:bodyPr>
+          <a:lstStyle/>
+          <a:p>
+            <a:r>
+              <a:rPr lang="pt-BR" sz="3200" b="1" dirty="0">
+                <a:latin typeface="Segoe UI" panose="020B0502040204020203" pitchFamily="34" charset="0"/>
+                <a:cs typeface="Segoe UI" panose="020B0502040204020203" pitchFamily="34" charset="0"/>
+              </a:rPr>
+              <a:t>TOTAL DE COLABORADORES</a:t>
+            </a:r>
+          </a:p>
+        </p:txBody>
+      </p:sp>
+      <p:sp>
+        <p:nvSpPr>
+          <p:cNvPr id="3" name="CaixaDeTexto 2">
+            <a:extLst>
+              <a:ext uri="{FF2B5EF4-FFF2-40B4-BE49-F238E27FC236}">
+                <a16:creationId xmlns:a16="http://schemas.microsoft.com/office/drawing/2014/main" id="{E5102F83-9EE3-AE10-0FEC-189545EA7258}"/>
+              </a:ext>
+            </a:extLst>
+          </p:cNvPr>
+          <p:cNvSpPr txBox="1"/>
+          <p:nvPr/>
+        </p:nvSpPr>
+        <p:spPr>
+          <a:xfrm>
+            <a:off x="2483393" y="7061214"/>
+            <a:ext cx="4857117" cy="584775"/>
+          </a:xfrm>
+          <a:prstGeom prst="rect">
+            <a:avLst/>
+          </a:prstGeom>
+          <a:noFill/>
+        </p:spPr>
+        <p:txBody>
+          <a:bodyPr wrap="square" rtlCol="0">
+            <a:spAutoFit/>
+          </a:bodyPr>
+          <a:lstStyle/>
+          <a:p>
+            <a:pPr algn="ctr"/>
+            <a:r>
+              <a:rPr lang="pt-BR" sz="3200" b="1" dirty="0">
+                <a:latin typeface="Segoe UI" panose="020B0502040204020203" pitchFamily="34" charset="0"/>
+                <a:cs typeface="Segoe UI" panose="020B0502040204020203" pitchFamily="34" charset="0"/>
+              </a:rPr>
+              <a:t>DIRETORIA</a:t>
+            </a:r>
+          </a:p>
+        </p:txBody>
+      </p:sp>
+      <p:sp>
+        <p:nvSpPr>
+          <p:cNvPr id="5" name="CaixaDeTexto 4">
+            <a:extLst>
+              <a:ext uri="{FF2B5EF4-FFF2-40B4-BE49-F238E27FC236}">
+                <a16:creationId xmlns:a16="http://schemas.microsoft.com/office/drawing/2014/main" id="{82F12346-26D4-DC18-7F7E-C31A7527D648}"/>
+              </a:ext>
+            </a:extLst>
+          </p:cNvPr>
+          <p:cNvSpPr txBox="1"/>
+          <p:nvPr/>
+        </p:nvSpPr>
+        <p:spPr>
+          <a:xfrm>
+            <a:off x="2474842" y="11357607"/>
+            <a:ext cx="4857117" cy="584775"/>
+          </a:xfrm>
+          <a:prstGeom prst="rect">
+            <a:avLst/>
+          </a:prstGeom>
+          <a:noFill/>
+        </p:spPr>
+        <p:txBody>
+          <a:bodyPr wrap="square" rtlCol="0">
+            <a:spAutoFit/>
+          </a:bodyPr>
+          <a:lstStyle/>
+          <a:p>
+            <a:pPr algn="ctr"/>
+            <a:r>
+              <a:rPr lang="pt-BR" sz="3200" b="1" dirty="0">
+                <a:latin typeface="Segoe UI" panose="020B0502040204020203" pitchFamily="34" charset="0"/>
+                <a:cs typeface="Segoe UI" panose="020B0502040204020203" pitchFamily="34" charset="0"/>
+              </a:rPr>
+              <a:t>TIME</a:t>
+            </a:r>
+          </a:p>
+        </p:txBody>
+      </p:sp>
+      <p:sp>
+        <p:nvSpPr>
+          <p:cNvPr id="11" name="Retângulo: Cantos Arredondados 10">
+            <a:extLst>
+              <a:ext uri="{FF2B5EF4-FFF2-40B4-BE49-F238E27FC236}">
+                <a16:creationId xmlns:a16="http://schemas.microsoft.com/office/drawing/2014/main" id="{8FC47550-7831-8B00-6984-754AB5086D81}"/>
+              </a:ext>
+            </a:extLst>
+          </p:cNvPr>
+          <p:cNvSpPr/>
+          <p:nvPr/>
+        </p:nvSpPr>
+        <p:spPr>
+          <a:xfrm>
+            <a:off x="12467273" y="8013832"/>
+            <a:ext cx="2623931" cy="1027411"/>
+          </a:xfrm>
+          <a:prstGeom prst="roundRect">
+            <a:avLst>
+              <a:gd name="adj" fmla="val 16306"/>
+            </a:avLst>
+          </a:prstGeom>
+          <a:solidFill>
+            <a:schemeClr val="bg1"/>
+          </a:solidFill>
+          <a:ln>
+            <a:noFill/>
+          </a:ln>
+          <a:effectLst>
+            <a:glow rad="63500">
+              <a:schemeClr val="bg1">
+                <a:lumMod val="75000"/>
+                <a:alpha val="40000"/>
+              </a:schemeClr>
+            </a:glow>
+            <a:outerShdw blurRad="50800" dist="38100" dir="5400000" algn="t" rotWithShape="0">
+              <a:schemeClr val="tx1">
+                <a:alpha val="40000"/>
+              </a:schemeClr>
+            </a:outerShdw>
+          </a:effectLst>
+        </p:spPr>
+        <p:style>
+          <a:lnRef idx="2">
+            <a:schemeClr val="accent1">
+              <a:shade val="50000"/>
+            </a:schemeClr>
+          </a:lnRef>
+          <a:fillRef idx="1">
+            <a:schemeClr val="accent1"/>
+          </a:fillRef>
+          <a:effectRef idx="0">
+            <a:schemeClr val="accent1"/>
+          </a:effectRef>
+          <a:fontRef idx="minor">
+            <a:schemeClr val="lt1"/>
+          </a:fontRef>
+        </p:style>
+        <p:txBody>
+          <a:bodyPr rtlCol="0" anchor="ctr"/>
+          <a:lstStyle/>
+          <a:p>
+            <a:pPr algn="ctr"/>
+            <a:endParaRPr lang="pt-BR" sz="1265"/>
+          </a:p>
+        </p:txBody>
+      </p:sp>
+      <p:sp>
+        <p:nvSpPr>
+          <p:cNvPr id="12" name="Retângulo: Cantos Arredondados 11">
+            <a:extLst>
+              <a:ext uri="{FF2B5EF4-FFF2-40B4-BE49-F238E27FC236}">
+                <a16:creationId xmlns:a16="http://schemas.microsoft.com/office/drawing/2014/main" id="{1BAFE5F5-5550-432C-2139-53D17AEBCCC8}"/>
+              </a:ext>
+            </a:extLst>
+          </p:cNvPr>
+          <p:cNvSpPr/>
+          <p:nvPr/>
+        </p:nvSpPr>
+        <p:spPr>
+          <a:xfrm>
+            <a:off x="15350848" y="8013831"/>
+            <a:ext cx="2623931" cy="1027411"/>
+          </a:xfrm>
+          <a:prstGeom prst="roundRect">
+            <a:avLst>
+              <a:gd name="adj" fmla="val 16306"/>
+            </a:avLst>
+          </a:prstGeom>
+          <a:solidFill>
+            <a:schemeClr val="bg1"/>
+          </a:solidFill>
+          <a:ln>
+            <a:noFill/>
+          </a:ln>
+          <a:effectLst>
+            <a:glow rad="63500">
+              <a:schemeClr val="bg1">
+                <a:lumMod val="75000"/>
+                <a:alpha val="40000"/>
+              </a:schemeClr>
+            </a:glow>
+            <a:outerShdw blurRad="50800" dist="38100" dir="5400000" algn="t" rotWithShape="0">
+              <a:schemeClr val="tx1">
+                <a:alpha val="40000"/>
+              </a:schemeClr>
+            </a:outerShdw>
+          </a:effectLst>
+        </p:spPr>
+        <p:style>
+          <a:lnRef idx="2">
+            <a:schemeClr val="accent1">
+              <a:shade val="50000"/>
+            </a:schemeClr>
+          </a:lnRef>
+          <a:fillRef idx="1">
+            <a:schemeClr val="accent1"/>
+          </a:fillRef>
+          <a:effectRef idx="0">
+            <a:schemeClr val="accent1"/>
+          </a:effectRef>
+          <a:fontRef idx="minor">
+            <a:schemeClr val="lt1"/>
+          </a:fontRef>
+        </p:style>
+        <p:txBody>
+          <a:bodyPr rtlCol="0" anchor="ctr"/>
+          <a:lstStyle/>
+          <a:p>
+            <a:pPr algn="ctr"/>
+            <a:endParaRPr lang="pt-BR" sz="1265"/>
+          </a:p>
+        </p:txBody>
+      </p:sp>
+      <p:sp>
+        <p:nvSpPr>
+          <p:cNvPr id="13" name="Retângulo: Cantos Arredondados 12">
+            <a:extLst>
+              <a:ext uri="{FF2B5EF4-FFF2-40B4-BE49-F238E27FC236}">
+                <a16:creationId xmlns:a16="http://schemas.microsoft.com/office/drawing/2014/main" id="{36B89301-1D27-56A8-3D03-5EA2FE87F13D}"/>
+              </a:ext>
+            </a:extLst>
+          </p:cNvPr>
+          <p:cNvSpPr/>
+          <p:nvPr/>
+        </p:nvSpPr>
+        <p:spPr>
+          <a:xfrm>
+            <a:off x="18241785" y="8013831"/>
+            <a:ext cx="2623931" cy="1027411"/>
+          </a:xfrm>
+          <a:prstGeom prst="roundRect">
+            <a:avLst>
+              <a:gd name="adj" fmla="val 16306"/>
+            </a:avLst>
+          </a:prstGeom>
+          <a:solidFill>
+            <a:schemeClr val="bg1"/>
+          </a:solidFill>
+          <a:ln>
+            <a:noFill/>
+          </a:ln>
+          <a:effectLst>
+            <a:glow rad="63500">
+              <a:schemeClr val="bg1">
+                <a:lumMod val="75000"/>
+                <a:alpha val="40000"/>
+              </a:schemeClr>
+            </a:glow>
+            <a:outerShdw blurRad="50800" dist="38100" dir="5400000" algn="t" rotWithShape="0">
+              <a:schemeClr val="tx1">
+                <a:alpha val="40000"/>
+              </a:schemeClr>
+            </a:outerShdw>
+          </a:effectLst>
+        </p:spPr>
+        <p:style>
+          <a:lnRef idx="2">
+            <a:schemeClr val="accent1">
+              <a:shade val="50000"/>
+            </a:schemeClr>
+          </a:lnRef>
+          <a:fillRef idx="1">
+            <a:schemeClr val="accent1"/>
+          </a:fillRef>
+          <a:effectRef idx="0">
+            <a:schemeClr val="accent1"/>
+          </a:effectRef>
+          <a:fontRef idx="minor">
+            <a:schemeClr val="lt1"/>
+          </a:fontRef>
+        </p:style>
+        <p:txBody>
+          <a:bodyPr rtlCol="0" anchor="ctr"/>
+          <a:lstStyle/>
+          <a:p>
+            <a:pPr algn="ctr"/>
+            <a:endParaRPr lang="pt-BR" sz="1265"/>
+          </a:p>
+        </p:txBody>
+      </p:sp>
+      <p:grpSp>
+        <p:nvGrpSpPr>
+          <p:cNvPr id="31" name="Agrupar 30">
+            <a:extLst>
+              <a:ext uri="{FF2B5EF4-FFF2-40B4-BE49-F238E27FC236}">
+                <a16:creationId xmlns:a16="http://schemas.microsoft.com/office/drawing/2014/main" id="{40A9665B-B4C5-46CC-FF62-DC3F6C46F468}"/>
+              </a:ext>
+            </a:extLst>
+          </p:cNvPr>
+          <p:cNvGrpSpPr/>
+          <p:nvPr/>
+        </p:nvGrpSpPr>
+        <p:grpSpPr>
+          <a:xfrm>
+            <a:off x="7667992" y="5665961"/>
+            <a:ext cx="4557273" cy="1027411"/>
+            <a:chOff x="7639907" y="5665961"/>
+            <a:chExt cx="4557273" cy="1027411"/>
+          </a:xfrm>
+        </p:grpSpPr>
+        <p:sp>
+          <p:nvSpPr>
+            <p:cNvPr id="158" name="Retângulo: Cantos Arredondados 157">
+              <a:extLst>
+                <a:ext uri="{FF2B5EF4-FFF2-40B4-BE49-F238E27FC236}">
+                  <a16:creationId xmlns:a16="http://schemas.microsoft.com/office/drawing/2014/main" id="{524CACD0-EF3A-F790-E98A-04AD8E831494}"/>
+                </a:ext>
+              </a:extLst>
+            </p:cNvPr>
+            <p:cNvSpPr/>
+            <p:nvPr/>
+          </p:nvSpPr>
+          <p:spPr>
+            <a:xfrm>
+              <a:off x="7639907" y="5665961"/>
+              <a:ext cx="4557273" cy="1027411"/>
+            </a:xfrm>
+            <a:prstGeom prst="roundRect">
+              <a:avLst>
+                <a:gd name="adj" fmla="val 16306"/>
+              </a:avLst>
+            </a:prstGeom>
+            <a:solidFill>
+              <a:schemeClr val="bg1"/>
+            </a:solidFill>
+            <a:ln>
+              <a:noFill/>
+            </a:ln>
+            <a:effectLst>
+              <a:glow rad="63500">
+                <a:schemeClr val="bg1">
+                  <a:lumMod val="75000"/>
+                  <a:alpha val="40000"/>
+                </a:schemeClr>
+              </a:glow>
+              <a:outerShdw blurRad="50800" dist="38100" dir="5400000" algn="t" rotWithShape="0">
+                <a:schemeClr val="tx1">
+                  <a:alpha val="40000"/>
+                </a:schemeClr>
+              </a:outerShdw>
+            </a:effectLst>
+          </p:spPr>
+          <p:style>
+            <a:lnRef idx="2">
+              <a:schemeClr val="accent1">
+                <a:shade val="50000"/>
+              </a:schemeClr>
+            </a:lnRef>
+            <a:fillRef idx="1">
+              <a:schemeClr val="accent1"/>
+            </a:fillRef>
+            <a:effectRef idx="0">
+              <a:schemeClr val="accent1"/>
+            </a:effectRef>
+            <a:fontRef idx="minor">
+              <a:schemeClr val="lt1"/>
+            </a:fontRef>
+          </p:style>
+          <p:txBody>
+            <a:bodyPr rtlCol="0" anchor="ctr"/>
+            <a:lstStyle/>
+            <a:p>
+              <a:pPr algn="ctr"/>
+              <a:endParaRPr lang="pt-BR" sz="1265"/>
+            </a:p>
+          </p:txBody>
+        </p:sp>
+        <p:sp>
+          <p:nvSpPr>
+            <p:cNvPr id="23" name="CaixaDeTexto 22">
+              <a:extLst>
+                <a:ext uri="{FF2B5EF4-FFF2-40B4-BE49-F238E27FC236}">
+                  <a16:creationId xmlns:a16="http://schemas.microsoft.com/office/drawing/2014/main" id="{9529BB95-03BF-C9E6-17AD-2945B5BABF91}"/>
+                </a:ext>
+              </a:extLst>
+            </p:cNvPr>
+            <p:cNvSpPr txBox="1"/>
+            <p:nvPr/>
+          </p:nvSpPr>
+          <p:spPr>
+            <a:xfrm>
+              <a:off x="7639907" y="5887279"/>
+              <a:ext cx="3410714" cy="584775"/>
+            </a:xfrm>
+            <a:prstGeom prst="rect">
+              <a:avLst/>
+            </a:prstGeom>
+            <a:noFill/>
+          </p:spPr>
+          <p:txBody>
+            <a:bodyPr wrap="square" rtlCol="0">
+              <a:spAutoFit/>
+            </a:bodyPr>
+            <a:lstStyle/>
+            <a:p>
+              <a:r>
+                <a:rPr lang="pt-BR" sz="3200" b="1" dirty="0">
+                  <a:latin typeface="Segoe UI" panose="020B0502040204020203" pitchFamily="34" charset="0"/>
+                  <a:cs typeface="Segoe UI" panose="020B0502040204020203" pitchFamily="34" charset="0"/>
+                </a:rPr>
+                <a:t>COMERCIAL</a:t>
+              </a:r>
+            </a:p>
+          </p:txBody>
+        </p:sp>
+      </p:grpSp>
+      <p:grpSp>
+        <p:nvGrpSpPr>
+          <p:cNvPr id="32" name="Agrupar 31">
+            <a:extLst>
+              <a:ext uri="{FF2B5EF4-FFF2-40B4-BE49-F238E27FC236}">
+                <a16:creationId xmlns:a16="http://schemas.microsoft.com/office/drawing/2014/main" id="{E084E14C-DC23-4143-ECA9-714FC33C9C00}"/>
+              </a:ext>
+            </a:extLst>
+          </p:cNvPr>
+          <p:cNvGrpSpPr/>
+          <p:nvPr/>
+        </p:nvGrpSpPr>
+        <p:grpSpPr>
+          <a:xfrm>
+            <a:off x="7667992" y="6839896"/>
+            <a:ext cx="4557273" cy="1027411"/>
+            <a:chOff x="7639907" y="6839896"/>
+            <a:chExt cx="4557273" cy="1027411"/>
+          </a:xfrm>
+        </p:grpSpPr>
+        <p:sp>
+          <p:nvSpPr>
+            <p:cNvPr id="159" name="Retângulo: Cantos Arredondados 158">
+              <a:extLst>
+                <a:ext uri="{FF2B5EF4-FFF2-40B4-BE49-F238E27FC236}">
+                  <a16:creationId xmlns:a16="http://schemas.microsoft.com/office/drawing/2014/main" id="{78473FF8-E381-6BA6-BACD-C6BA09EFFE1C}"/>
+                </a:ext>
+              </a:extLst>
+            </p:cNvPr>
+            <p:cNvSpPr/>
+            <p:nvPr/>
+          </p:nvSpPr>
+          <p:spPr>
+            <a:xfrm>
+              <a:off x="7639907" y="6839896"/>
+              <a:ext cx="4557273" cy="1027411"/>
+            </a:xfrm>
+            <a:prstGeom prst="roundRect">
+              <a:avLst>
+                <a:gd name="adj" fmla="val 16306"/>
+              </a:avLst>
+            </a:prstGeom>
+            <a:solidFill>
+              <a:schemeClr val="bg1"/>
+            </a:solidFill>
+            <a:ln>
+              <a:noFill/>
+            </a:ln>
+            <a:effectLst>
+              <a:glow rad="63500">
+                <a:schemeClr val="bg1">
+                  <a:lumMod val="75000"/>
+                  <a:alpha val="40000"/>
+                </a:schemeClr>
+              </a:glow>
+              <a:outerShdw blurRad="50800" dist="38100" dir="5400000" algn="t" rotWithShape="0">
+                <a:schemeClr val="tx1">
+                  <a:alpha val="40000"/>
+                </a:schemeClr>
+              </a:outerShdw>
+            </a:effectLst>
+          </p:spPr>
+          <p:style>
+            <a:lnRef idx="2">
+              <a:schemeClr val="accent1">
+                <a:shade val="50000"/>
+              </a:schemeClr>
+            </a:lnRef>
+            <a:fillRef idx="1">
+              <a:schemeClr val="accent1"/>
+            </a:fillRef>
+            <a:effectRef idx="0">
+              <a:schemeClr val="accent1"/>
+            </a:effectRef>
+            <a:fontRef idx="minor">
+              <a:schemeClr val="lt1"/>
+            </a:fontRef>
+          </p:style>
+          <p:txBody>
+            <a:bodyPr rtlCol="0" anchor="ctr"/>
+            <a:lstStyle/>
+            <a:p>
+              <a:pPr algn="ctr"/>
+              <a:endParaRPr lang="pt-BR" sz="1265"/>
+            </a:p>
+          </p:txBody>
+        </p:sp>
+        <p:sp>
+          <p:nvSpPr>
+            <p:cNvPr id="24" name="CaixaDeTexto 23">
+              <a:extLst>
+                <a:ext uri="{FF2B5EF4-FFF2-40B4-BE49-F238E27FC236}">
+                  <a16:creationId xmlns:a16="http://schemas.microsoft.com/office/drawing/2014/main" id="{095DEDA3-7C03-313C-BBAC-A3004281B18E}"/>
+                </a:ext>
+              </a:extLst>
+            </p:cNvPr>
+            <p:cNvSpPr txBox="1"/>
+            <p:nvPr/>
+          </p:nvSpPr>
+          <p:spPr>
+            <a:xfrm>
+              <a:off x="7639907" y="7061214"/>
+              <a:ext cx="3410714" cy="584775"/>
+            </a:xfrm>
+            <a:prstGeom prst="rect">
+              <a:avLst/>
+            </a:prstGeom>
+            <a:noFill/>
+          </p:spPr>
+          <p:txBody>
+            <a:bodyPr wrap="square" rtlCol="0">
+              <a:spAutoFit/>
+            </a:bodyPr>
+            <a:lstStyle/>
+            <a:p>
+              <a:r>
+                <a:rPr lang="pt-BR" sz="3200" b="1" dirty="0">
+                  <a:latin typeface="Segoe UI" panose="020B0502040204020203" pitchFamily="34" charset="0"/>
+                  <a:cs typeface="Segoe UI" panose="020B0502040204020203" pitchFamily="34" charset="0"/>
+                </a:rPr>
+                <a:t>OPERAÇÕES</a:t>
+              </a:r>
+            </a:p>
+          </p:txBody>
+        </p:sp>
+      </p:grpSp>
+      <p:grpSp>
+        <p:nvGrpSpPr>
+          <p:cNvPr id="33" name="Agrupar 32">
+            <a:extLst>
+              <a:ext uri="{FF2B5EF4-FFF2-40B4-BE49-F238E27FC236}">
+                <a16:creationId xmlns:a16="http://schemas.microsoft.com/office/drawing/2014/main" id="{A06652C7-2157-8488-947E-5FBA357F118C}"/>
+              </a:ext>
+            </a:extLst>
+          </p:cNvPr>
+          <p:cNvGrpSpPr/>
+          <p:nvPr/>
+        </p:nvGrpSpPr>
+        <p:grpSpPr>
+          <a:xfrm>
+            <a:off x="7667992" y="8013831"/>
+            <a:ext cx="4557273" cy="1027411"/>
+            <a:chOff x="7704627" y="8013831"/>
+            <a:chExt cx="4557273" cy="1027411"/>
+          </a:xfrm>
+        </p:grpSpPr>
+        <p:sp>
+          <p:nvSpPr>
+            <p:cNvPr id="9" name="Retângulo: Cantos Arredondados 8">
+              <a:extLst>
+                <a:ext uri="{FF2B5EF4-FFF2-40B4-BE49-F238E27FC236}">
+                  <a16:creationId xmlns:a16="http://schemas.microsoft.com/office/drawing/2014/main" id="{78129B35-0257-E9DC-F8E8-4D2A1CA5379E}"/>
+                </a:ext>
+              </a:extLst>
+            </p:cNvPr>
+            <p:cNvSpPr/>
+            <p:nvPr/>
+          </p:nvSpPr>
+          <p:spPr>
+            <a:xfrm>
+              <a:off x="7704627" y="8013831"/>
+              <a:ext cx="4557273" cy="1027411"/>
+            </a:xfrm>
+            <a:prstGeom prst="roundRect">
+              <a:avLst>
+                <a:gd name="adj" fmla="val 16306"/>
+              </a:avLst>
+            </a:prstGeom>
+            <a:solidFill>
+              <a:schemeClr val="bg1"/>
+            </a:solidFill>
+            <a:ln>
+              <a:noFill/>
+            </a:ln>
+            <a:effectLst>
+              <a:glow rad="63500">
+                <a:schemeClr val="bg1">
+                  <a:lumMod val="75000"/>
+                  <a:alpha val="40000"/>
+                </a:schemeClr>
+              </a:glow>
+              <a:outerShdw blurRad="50800" dist="38100" dir="5400000" algn="t" rotWithShape="0">
+                <a:schemeClr val="tx1">
+                  <a:alpha val="40000"/>
+                </a:schemeClr>
+              </a:outerShdw>
+            </a:effectLst>
+          </p:spPr>
+          <p:style>
+            <a:lnRef idx="2">
+              <a:schemeClr val="accent1">
+                <a:shade val="50000"/>
+              </a:schemeClr>
+            </a:lnRef>
+            <a:fillRef idx="1">
+              <a:schemeClr val="accent1"/>
+            </a:fillRef>
+            <a:effectRef idx="0">
+              <a:schemeClr val="accent1"/>
+            </a:effectRef>
+            <a:fontRef idx="minor">
+              <a:schemeClr val="lt1"/>
+            </a:fontRef>
+          </p:style>
+          <p:txBody>
+            <a:bodyPr rtlCol="0" anchor="ctr"/>
+            <a:lstStyle/>
+            <a:p>
+              <a:pPr algn="ctr"/>
+              <a:endParaRPr lang="pt-BR" sz="1265"/>
+            </a:p>
+          </p:txBody>
+        </p:sp>
+        <p:sp>
+          <p:nvSpPr>
+            <p:cNvPr id="25" name="CaixaDeTexto 24">
+              <a:extLst>
+                <a:ext uri="{FF2B5EF4-FFF2-40B4-BE49-F238E27FC236}">
+                  <a16:creationId xmlns:a16="http://schemas.microsoft.com/office/drawing/2014/main" id="{54948802-8DEE-48EF-520A-C6FF4E3F9B5B}"/>
+                </a:ext>
+              </a:extLst>
+            </p:cNvPr>
+            <p:cNvSpPr txBox="1"/>
+            <p:nvPr/>
+          </p:nvSpPr>
+          <p:spPr>
+            <a:xfrm>
+              <a:off x="7704627" y="8235149"/>
+              <a:ext cx="3410714" cy="584775"/>
+            </a:xfrm>
+            <a:prstGeom prst="rect">
+              <a:avLst/>
+            </a:prstGeom>
+            <a:noFill/>
+          </p:spPr>
+          <p:txBody>
+            <a:bodyPr wrap="square" rtlCol="0">
+              <a:spAutoFit/>
+            </a:bodyPr>
+            <a:lstStyle/>
+            <a:p>
+              <a:r>
+                <a:rPr lang="pt-BR" sz="3200" b="1" dirty="0">
+                  <a:latin typeface="Segoe UI" panose="020B0502040204020203" pitchFamily="34" charset="0"/>
+                  <a:cs typeface="Segoe UI" panose="020B0502040204020203" pitchFamily="34" charset="0"/>
+                </a:rPr>
+                <a:t>ADM-FIN</a:t>
+              </a:r>
+            </a:p>
+          </p:txBody>
+        </p:sp>
+      </p:grpSp>
+      <p:grpSp>
+        <p:nvGrpSpPr>
+          <p:cNvPr id="34" name="Agrupar 33">
+            <a:extLst>
+              <a:ext uri="{FF2B5EF4-FFF2-40B4-BE49-F238E27FC236}">
+                <a16:creationId xmlns:a16="http://schemas.microsoft.com/office/drawing/2014/main" id="{CE5A3EC6-5C39-3B4F-16E0-737545EABA0E}"/>
+              </a:ext>
+            </a:extLst>
+          </p:cNvPr>
+          <p:cNvGrpSpPr/>
+          <p:nvPr/>
+        </p:nvGrpSpPr>
+        <p:grpSpPr>
+          <a:xfrm>
+            <a:off x="7667992" y="9294958"/>
+            <a:ext cx="4557273" cy="1027411"/>
+            <a:chOff x="7631356" y="9294958"/>
+            <a:chExt cx="4557273" cy="1027411"/>
+          </a:xfrm>
+        </p:grpSpPr>
+        <p:sp>
+          <p:nvSpPr>
+            <p:cNvPr id="161" name="Retângulo: Cantos Arredondados 160">
+              <a:extLst>
+                <a:ext uri="{FF2B5EF4-FFF2-40B4-BE49-F238E27FC236}">
+                  <a16:creationId xmlns:a16="http://schemas.microsoft.com/office/drawing/2014/main" id="{49B3881B-7A48-8347-FB81-1CD2CF072B24}"/>
+                </a:ext>
+              </a:extLst>
+            </p:cNvPr>
+            <p:cNvSpPr/>
+            <p:nvPr/>
+          </p:nvSpPr>
+          <p:spPr>
+            <a:xfrm>
+              <a:off x="7631356" y="9294958"/>
+              <a:ext cx="4557273" cy="1027411"/>
+            </a:xfrm>
+            <a:prstGeom prst="roundRect">
+              <a:avLst>
+                <a:gd name="adj" fmla="val 16306"/>
+              </a:avLst>
+            </a:prstGeom>
+            <a:solidFill>
+              <a:schemeClr val="bg1"/>
+            </a:solidFill>
+            <a:ln>
+              <a:noFill/>
+            </a:ln>
+            <a:effectLst>
+              <a:glow rad="63500">
+                <a:schemeClr val="bg1">
+                  <a:lumMod val="75000"/>
+                  <a:alpha val="40000"/>
+                </a:schemeClr>
+              </a:glow>
+              <a:outerShdw blurRad="50800" dist="38100" dir="5400000" algn="t" rotWithShape="0">
+                <a:schemeClr val="tx1">
+                  <a:alpha val="40000"/>
+                </a:schemeClr>
+              </a:outerShdw>
+            </a:effectLst>
+          </p:spPr>
+          <p:style>
+            <a:lnRef idx="2">
+              <a:schemeClr val="accent1">
+                <a:shade val="50000"/>
+              </a:schemeClr>
+            </a:lnRef>
+            <a:fillRef idx="1">
+              <a:schemeClr val="accent1"/>
+            </a:fillRef>
+            <a:effectRef idx="0">
+              <a:schemeClr val="accent1"/>
+            </a:effectRef>
+            <a:fontRef idx="minor">
+              <a:schemeClr val="lt1"/>
+            </a:fontRef>
+          </p:style>
+          <p:txBody>
+            <a:bodyPr rtlCol="0" anchor="ctr"/>
+            <a:lstStyle/>
+            <a:p>
+              <a:pPr algn="ctr"/>
+              <a:endParaRPr lang="pt-BR" sz="1265"/>
+            </a:p>
+          </p:txBody>
+        </p:sp>
+        <p:sp>
+          <p:nvSpPr>
+            <p:cNvPr id="26" name="CaixaDeTexto 25">
+              <a:extLst>
+                <a:ext uri="{FF2B5EF4-FFF2-40B4-BE49-F238E27FC236}">
+                  <a16:creationId xmlns:a16="http://schemas.microsoft.com/office/drawing/2014/main" id="{2CEF11F5-21D6-BFA4-DFC4-E34E0BE42C3A}"/>
+                </a:ext>
+              </a:extLst>
+            </p:cNvPr>
+            <p:cNvSpPr txBox="1"/>
+            <p:nvPr/>
+          </p:nvSpPr>
+          <p:spPr>
+            <a:xfrm>
+              <a:off x="7631356" y="9516276"/>
+              <a:ext cx="3410714" cy="584775"/>
+            </a:xfrm>
+            <a:prstGeom prst="rect">
+              <a:avLst/>
+            </a:prstGeom>
+            <a:noFill/>
+          </p:spPr>
+          <p:txBody>
+            <a:bodyPr wrap="square" rtlCol="0">
+              <a:spAutoFit/>
+            </a:bodyPr>
+            <a:lstStyle/>
+            <a:p>
+              <a:r>
+                <a:rPr lang="pt-BR" sz="3200" b="1" dirty="0">
+                  <a:latin typeface="Segoe UI" panose="020B0502040204020203" pitchFamily="34" charset="0"/>
+                  <a:cs typeface="Segoe UI" panose="020B0502040204020203" pitchFamily="34" charset="0"/>
+                </a:rPr>
+                <a:t>LOJA</a:t>
+              </a:r>
+            </a:p>
+          </p:txBody>
+        </p:sp>
+      </p:grpSp>
+      <p:grpSp>
+        <p:nvGrpSpPr>
+          <p:cNvPr id="36" name="Agrupar 35">
+            <a:extLst>
+              <a:ext uri="{FF2B5EF4-FFF2-40B4-BE49-F238E27FC236}">
+                <a16:creationId xmlns:a16="http://schemas.microsoft.com/office/drawing/2014/main" id="{752CFBD6-FF47-F052-9E90-A8F2BFD47D24}"/>
+              </a:ext>
+            </a:extLst>
+          </p:cNvPr>
+          <p:cNvGrpSpPr/>
+          <p:nvPr/>
+        </p:nvGrpSpPr>
+        <p:grpSpPr>
+          <a:xfrm>
+            <a:off x="7667992" y="10521954"/>
+            <a:ext cx="4557273" cy="1027411"/>
+            <a:chOff x="7631356" y="10521954"/>
+            <a:chExt cx="4557273" cy="1027411"/>
+          </a:xfrm>
+        </p:grpSpPr>
+        <p:sp>
+          <p:nvSpPr>
+            <p:cNvPr id="162" name="Retângulo: Cantos Arredondados 161">
+              <a:extLst>
+                <a:ext uri="{FF2B5EF4-FFF2-40B4-BE49-F238E27FC236}">
+                  <a16:creationId xmlns:a16="http://schemas.microsoft.com/office/drawing/2014/main" id="{6DAA5D88-13F0-620D-E55B-96BD63A5CA5D}"/>
+                </a:ext>
+              </a:extLst>
+            </p:cNvPr>
+            <p:cNvSpPr/>
+            <p:nvPr/>
+          </p:nvSpPr>
+          <p:spPr>
+            <a:xfrm>
+              <a:off x="7631356" y="10521954"/>
+              <a:ext cx="4557273" cy="1027411"/>
+            </a:xfrm>
+            <a:prstGeom prst="roundRect">
+              <a:avLst>
+                <a:gd name="adj" fmla="val 16306"/>
+              </a:avLst>
+            </a:prstGeom>
+            <a:solidFill>
+              <a:schemeClr val="bg1"/>
+            </a:solidFill>
+            <a:ln>
+              <a:noFill/>
+            </a:ln>
+            <a:effectLst>
+              <a:glow rad="63500">
+                <a:schemeClr val="bg1">
+                  <a:lumMod val="75000"/>
+                  <a:alpha val="40000"/>
+                </a:schemeClr>
+              </a:glow>
+              <a:outerShdw blurRad="50800" dist="38100" dir="5400000" algn="t" rotWithShape="0">
+                <a:schemeClr val="tx1">
+                  <a:alpha val="40000"/>
+                </a:schemeClr>
+              </a:outerShdw>
+            </a:effectLst>
+          </p:spPr>
+          <p:style>
+            <a:lnRef idx="2">
+              <a:schemeClr val="accent1">
+                <a:shade val="50000"/>
+              </a:schemeClr>
+            </a:lnRef>
+            <a:fillRef idx="1">
+              <a:schemeClr val="accent1"/>
+            </a:fillRef>
+            <a:effectRef idx="0">
+              <a:schemeClr val="accent1"/>
+            </a:effectRef>
+            <a:fontRef idx="minor">
+              <a:schemeClr val="lt1"/>
+            </a:fontRef>
+          </p:style>
+          <p:txBody>
+            <a:bodyPr rtlCol="0" anchor="ctr"/>
+            <a:lstStyle/>
+            <a:p>
+              <a:pPr algn="ctr"/>
+              <a:endParaRPr lang="pt-BR" sz="1265"/>
+            </a:p>
+          </p:txBody>
+        </p:sp>
+        <p:sp>
+          <p:nvSpPr>
+            <p:cNvPr id="28" name="CaixaDeTexto 27">
+              <a:extLst>
+                <a:ext uri="{FF2B5EF4-FFF2-40B4-BE49-F238E27FC236}">
+                  <a16:creationId xmlns:a16="http://schemas.microsoft.com/office/drawing/2014/main" id="{41EBA048-ED6B-3F5C-2097-800840A56EA9}"/>
+                </a:ext>
+              </a:extLst>
+            </p:cNvPr>
+            <p:cNvSpPr txBox="1"/>
+            <p:nvPr/>
+          </p:nvSpPr>
+          <p:spPr>
+            <a:xfrm>
+              <a:off x="7631356" y="10743272"/>
+              <a:ext cx="3410714" cy="584775"/>
+            </a:xfrm>
+            <a:prstGeom prst="rect">
+              <a:avLst/>
+            </a:prstGeom>
+            <a:noFill/>
+          </p:spPr>
+          <p:txBody>
+            <a:bodyPr wrap="square" rtlCol="0">
+              <a:spAutoFit/>
+            </a:bodyPr>
+            <a:lstStyle/>
+            <a:p>
+              <a:r>
+                <a:rPr lang="pt-BR" sz="3200" b="1" dirty="0">
+                  <a:latin typeface="Segoe UI" panose="020B0502040204020203" pitchFamily="34" charset="0"/>
+                  <a:cs typeface="Segoe UI" panose="020B0502040204020203" pitchFamily="34" charset="0"/>
+                </a:rPr>
+                <a:t>VD</a:t>
+              </a:r>
+            </a:p>
+          </p:txBody>
+        </p:sp>
+      </p:grpSp>
+      <p:grpSp>
+        <p:nvGrpSpPr>
+          <p:cNvPr id="37" name="Agrupar 36">
+            <a:extLst>
+              <a:ext uri="{FF2B5EF4-FFF2-40B4-BE49-F238E27FC236}">
+                <a16:creationId xmlns:a16="http://schemas.microsoft.com/office/drawing/2014/main" id="{BA794DE4-65A8-AA72-60D1-ED3B6EAA136D}"/>
+              </a:ext>
+            </a:extLst>
+          </p:cNvPr>
+          <p:cNvGrpSpPr/>
+          <p:nvPr/>
+        </p:nvGrpSpPr>
+        <p:grpSpPr>
+          <a:xfrm>
+            <a:off x="7667992" y="11752504"/>
+            <a:ext cx="4557273" cy="1027411"/>
+            <a:chOff x="7631356" y="11752504"/>
+            <a:chExt cx="4557273" cy="1027411"/>
+          </a:xfrm>
+        </p:grpSpPr>
+        <p:sp>
+          <p:nvSpPr>
+            <p:cNvPr id="163" name="Retângulo: Cantos Arredondados 162">
+              <a:extLst>
+                <a:ext uri="{FF2B5EF4-FFF2-40B4-BE49-F238E27FC236}">
+                  <a16:creationId xmlns:a16="http://schemas.microsoft.com/office/drawing/2014/main" id="{43985C05-C428-95C7-F39B-072358ECF8AC}"/>
+                </a:ext>
+              </a:extLst>
+            </p:cNvPr>
+            <p:cNvSpPr/>
+            <p:nvPr/>
+          </p:nvSpPr>
+          <p:spPr>
+            <a:xfrm>
+              <a:off x="7631356" y="11752504"/>
+              <a:ext cx="4557273" cy="1027411"/>
+            </a:xfrm>
+            <a:prstGeom prst="roundRect">
+              <a:avLst>
+                <a:gd name="adj" fmla="val 16306"/>
+              </a:avLst>
+            </a:prstGeom>
+            <a:solidFill>
+              <a:schemeClr val="bg1"/>
+            </a:solidFill>
+            <a:ln>
+              <a:noFill/>
+            </a:ln>
+            <a:effectLst>
+              <a:glow rad="63500">
+                <a:schemeClr val="bg1">
+                  <a:lumMod val="75000"/>
+                  <a:alpha val="40000"/>
+                </a:schemeClr>
+              </a:glow>
+              <a:outerShdw blurRad="50800" dist="38100" dir="5400000" algn="t" rotWithShape="0">
+                <a:schemeClr val="tx1">
+                  <a:alpha val="40000"/>
+                </a:schemeClr>
+              </a:outerShdw>
+            </a:effectLst>
+          </p:spPr>
+          <p:style>
+            <a:lnRef idx="2">
+              <a:schemeClr val="accent1">
+                <a:shade val="50000"/>
+              </a:schemeClr>
+            </a:lnRef>
+            <a:fillRef idx="1">
+              <a:schemeClr val="accent1"/>
+            </a:fillRef>
+            <a:effectRef idx="0">
+              <a:schemeClr val="accent1"/>
+            </a:effectRef>
+            <a:fontRef idx="minor">
+              <a:schemeClr val="lt1"/>
+            </a:fontRef>
+          </p:style>
+          <p:txBody>
+            <a:bodyPr rtlCol="0" anchor="ctr"/>
+            <a:lstStyle/>
+            <a:p>
+              <a:pPr algn="ctr"/>
+              <a:endParaRPr lang="pt-BR" sz="1265"/>
+            </a:p>
+          </p:txBody>
+        </p:sp>
+        <p:sp>
+          <p:nvSpPr>
+            <p:cNvPr id="29" name="CaixaDeTexto 28">
+              <a:extLst>
+                <a:ext uri="{FF2B5EF4-FFF2-40B4-BE49-F238E27FC236}">
+                  <a16:creationId xmlns:a16="http://schemas.microsoft.com/office/drawing/2014/main" id="{15B1C0CD-3149-330F-F6BE-17B3ABDDCC29}"/>
+                </a:ext>
+              </a:extLst>
+            </p:cNvPr>
+            <p:cNvSpPr txBox="1"/>
+            <p:nvPr/>
+          </p:nvSpPr>
+          <p:spPr>
+            <a:xfrm>
+              <a:off x="7631356" y="11973822"/>
+              <a:ext cx="3410714" cy="584775"/>
+            </a:xfrm>
+            <a:prstGeom prst="rect">
+              <a:avLst/>
+            </a:prstGeom>
+            <a:noFill/>
+          </p:spPr>
+          <p:txBody>
+            <a:bodyPr wrap="square" rtlCol="0">
+              <a:spAutoFit/>
+            </a:bodyPr>
+            <a:lstStyle/>
+            <a:p>
+              <a:r>
+                <a:rPr lang="pt-BR" sz="3200" b="1" dirty="0">
+                  <a:latin typeface="Segoe UI" panose="020B0502040204020203" pitchFamily="34" charset="0"/>
+                  <a:cs typeface="Segoe UI" panose="020B0502040204020203" pitchFamily="34" charset="0"/>
+                </a:rPr>
+                <a:t>ADM</a:t>
+              </a:r>
+            </a:p>
+          </p:txBody>
+        </p:sp>
+      </p:grpSp>
+      <p:grpSp>
+        <p:nvGrpSpPr>
+          <p:cNvPr id="38" name="Agrupar 37">
+            <a:extLst>
+              <a:ext uri="{FF2B5EF4-FFF2-40B4-BE49-F238E27FC236}">
+                <a16:creationId xmlns:a16="http://schemas.microsoft.com/office/drawing/2014/main" id="{58CD51EE-993B-0512-D60C-AC8C26C073A1}"/>
+              </a:ext>
+            </a:extLst>
+          </p:cNvPr>
+          <p:cNvGrpSpPr/>
+          <p:nvPr/>
+        </p:nvGrpSpPr>
+        <p:grpSpPr>
+          <a:xfrm>
+            <a:off x="7667992" y="12977620"/>
+            <a:ext cx="4557273" cy="1027411"/>
+            <a:chOff x="7631356" y="12977620"/>
+            <a:chExt cx="4557273" cy="1027411"/>
+          </a:xfrm>
+        </p:grpSpPr>
+        <p:sp>
+          <p:nvSpPr>
+            <p:cNvPr id="164" name="Retângulo: Cantos Arredondados 163">
+              <a:extLst>
+                <a:ext uri="{FF2B5EF4-FFF2-40B4-BE49-F238E27FC236}">
+                  <a16:creationId xmlns:a16="http://schemas.microsoft.com/office/drawing/2014/main" id="{E2E67F34-3487-9D3C-241F-0C78A967F15A}"/>
+                </a:ext>
+              </a:extLst>
+            </p:cNvPr>
+            <p:cNvSpPr/>
+            <p:nvPr/>
+          </p:nvSpPr>
+          <p:spPr>
+            <a:xfrm>
+              <a:off x="7631356" y="12977620"/>
+              <a:ext cx="4557273" cy="1027411"/>
+            </a:xfrm>
+            <a:prstGeom prst="roundRect">
+              <a:avLst>
+                <a:gd name="adj" fmla="val 16306"/>
+              </a:avLst>
+            </a:prstGeom>
+            <a:solidFill>
+              <a:schemeClr val="bg1"/>
+            </a:solidFill>
+            <a:ln>
+              <a:noFill/>
+            </a:ln>
+            <a:effectLst>
+              <a:glow rad="63500">
+                <a:schemeClr val="bg1">
+                  <a:lumMod val="75000"/>
+                  <a:alpha val="40000"/>
+                </a:schemeClr>
+              </a:glow>
+              <a:outerShdw blurRad="50800" dist="38100" dir="5400000" algn="t" rotWithShape="0">
+                <a:schemeClr val="tx1">
+                  <a:alpha val="40000"/>
+                </a:schemeClr>
+              </a:outerShdw>
+            </a:effectLst>
+          </p:spPr>
+          <p:style>
+            <a:lnRef idx="2">
+              <a:schemeClr val="accent1">
+                <a:shade val="50000"/>
+              </a:schemeClr>
+            </a:lnRef>
+            <a:fillRef idx="1">
+              <a:schemeClr val="accent1"/>
+            </a:fillRef>
+            <a:effectRef idx="0">
+              <a:schemeClr val="accent1"/>
+            </a:effectRef>
+            <a:fontRef idx="minor">
+              <a:schemeClr val="lt1"/>
+            </a:fontRef>
+          </p:style>
+          <p:txBody>
+            <a:bodyPr rtlCol="0" anchor="ctr"/>
+            <a:lstStyle/>
+            <a:p>
+              <a:pPr algn="ctr"/>
+              <a:endParaRPr lang="pt-BR" sz="1265"/>
+            </a:p>
+          </p:txBody>
+        </p:sp>
+        <p:sp>
+          <p:nvSpPr>
+            <p:cNvPr id="30" name="CaixaDeTexto 29">
+              <a:extLst>
+                <a:ext uri="{FF2B5EF4-FFF2-40B4-BE49-F238E27FC236}">
+                  <a16:creationId xmlns:a16="http://schemas.microsoft.com/office/drawing/2014/main" id="{4CBE8409-62CE-BD08-5DB5-E523D8D477BD}"/>
+                </a:ext>
+              </a:extLst>
+            </p:cNvPr>
+            <p:cNvSpPr txBox="1"/>
+            <p:nvPr/>
+          </p:nvSpPr>
+          <p:spPr>
+            <a:xfrm>
+              <a:off x="7631356" y="13198938"/>
+              <a:ext cx="3410714" cy="584775"/>
+            </a:xfrm>
+            <a:prstGeom prst="rect">
+              <a:avLst/>
+            </a:prstGeom>
+            <a:noFill/>
+          </p:spPr>
+          <p:txBody>
+            <a:bodyPr wrap="square" rtlCol="0">
+              <a:spAutoFit/>
+            </a:bodyPr>
+            <a:lstStyle/>
+            <a:p>
+              <a:r>
+                <a:rPr lang="pt-BR" sz="3200" b="1" dirty="0">
+                  <a:latin typeface="Segoe UI" panose="020B0502040204020203" pitchFamily="34" charset="0"/>
+                  <a:cs typeface="Segoe UI" panose="020B0502040204020203" pitchFamily="34" charset="0"/>
+                </a:rPr>
+                <a:t>LOGISTICA</a:t>
+              </a:r>
             </a:p>
           </p:txBody>
         </p:sp>

--- a/Background/Background base.pptx
+++ b/Background/Background base.pptx
@@ -3718,7 +3718,7 @@
           <a:p>
             <a:fld id="{FE999017-FBFC-4239-B8D2-FB352F1B889A}" type="datetimeFigureOut">
               <a:rPr lang="pt-BR" smtClean="0"/>
-              <a:t>04/09/2025</a:t>
+              <a:t>08/09/2025</a:t>
             </a:fld>
             <a:endParaRPr lang="pt-BR"/>
           </a:p>
@@ -4116,7 +4116,7 @@
           <a:p>
             <a:fld id="{CF62B505-841C-4C89-B392-8F545B9B6E7F}" type="datetimeFigureOut">
               <a:rPr lang="pt-BR" smtClean="0"/>
-              <a:t>04/09/2025</a:t>
+              <a:t>08/09/2025</a:t>
             </a:fld>
             <a:endParaRPr lang="pt-BR"/>
           </a:p>
@@ -4286,7 +4286,7 @@
           <a:p>
             <a:fld id="{CF62B505-841C-4C89-B392-8F545B9B6E7F}" type="datetimeFigureOut">
               <a:rPr lang="pt-BR" smtClean="0"/>
-              <a:t>04/09/2025</a:t>
+              <a:t>08/09/2025</a:t>
             </a:fld>
             <a:endParaRPr lang="pt-BR"/>
           </a:p>
@@ -4466,7 +4466,7 @@
           <a:p>
             <a:fld id="{CF62B505-841C-4C89-B392-8F545B9B6E7F}" type="datetimeFigureOut">
               <a:rPr lang="pt-BR" smtClean="0"/>
-              <a:t>04/09/2025</a:t>
+              <a:t>08/09/2025</a:t>
             </a:fld>
             <a:endParaRPr lang="pt-BR"/>
           </a:p>
@@ -4636,7 +4636,7 @@
           <a:p>
             <a:fld id="{CF62B505-841C-4C89-B392-8F545B9B6E7F}" type="datetimeFigureOut">
               <a:rPr lang="pt-BR" smtClean="0"/>
-              <a:t>04/09/2025</a:t>
+              <a:t>08/09/2025</a:t>
             </a:fld>
             <a:endParaRPr lang="pt-BR"/>
           </a:p>
@@ -4882,7 +4882,7 @@
           <a:p>
             <a:fld id="{CF62B505-841C-4C89-B392-8F545B9B6E7F}" type="datetimeFigureOut">
               <a:rPr lang="pt-BR" smtClean="0"/>
-              <a:t>04/09/2025</a:t>
+              <a:t>08/09/2025</a:t>
             </a:fld>
             <a:endParaRPr lang="pt-BR"/>
           </a:p>
@@ -5114,7 +5114,7 @@
           <a:p>
             <a:fld id="{CF62B505-841C-4C89-B392-8F545B9B6E7F}" type="datetimeFigureOut">
               <a:rPr lang="pt-BR" smtClean="0"/>
-              <a:t>04/09/2025</a:t>
+              <a:t>08/09/2025</a:t>
             </a:fld>
             <a:endParaRPr lang="pt-BR"/>
           </a:p>
@@ -5481,7 +5481,7 @@
           <a:p>
             <a:fld id="{CF62B505-841C-4C89-B392-8F545B9B6E7F}" type="datetimeFigureOut">
               <a:rPr lang="pt-BR" smtClean="0"/>
-              <a:t>04/09/2025</a:t>
+              <a:t>08/09/2025</a:t>
             </a:fld>
             <a:endParaRPr lang="pt-BR"/>
           </a:p>
@@ -5599,7 +5599,7 @@
           <a:p>
             <a:fld id="{CF62B505-841C-4C89-B392-8F545B9B6E7F}" type="datetimeFigureOut">
               <a:rPr lang="pt-BR" smtClean="0"/>
-              <a:t>04/09/2025</a:t>
+              <a:t>08/09/2025</a:t>
             </a:fld>
             <a:endParaRPr lang="pt-BR"/>
           </a:p>
@@ -5694,7 +5694,7 @@
           <a:p>
             <a:fld id="{CF62B505-841C-4C89-B392-8F545B9B6E7F}" type="datetimeFigureOut">
               <a:rPr lang="pt-BR" smtClean="0"/>
-              <a:t>04/09/2025</a:t>
+              <a:t>08/09/2025</a:t>
             </a:fld>
             <a:endParaRPr lang="pt-BR"/>
           </a:p>
@@ -5971,7 +5971,7 @@
           <a:p>
             <a:fld id="{CF62B505-841C-4C89-B392-8F545B9B6E7F}" type="datetimeFigureOut">
               <a:rPr lang="pt-BR" smtClean="0"/>
-              <a:t>04/09/2025</a:t>
+              <a:t>08/09/2025</a:t>
             </a:fld>
             <a:endParaRPr lang="pt-BR"/>
           </a:p>
@@ -6228,7 +6228,7 @@
           <a:p>
             <a:fld id="{CF62B505-841C-4C89-B392-8F545B9B6E7F}" type="datetimeFigureOut">
               <a:rPr lang="pt-BR" smtClean="0"/>
-              <a:t>04/09/2025</a:t>
+              <a:t>08/09/2025</a:t>
             </a:fld>
             <a:endParaRPr lang="pt-BR"/>
           </a:p>
@@ -6441,7 +6441,7 @@
           <a:p>
             <a:fld id="{CF62B505-841C-4C89-B392-8F545B9B6E7F}" type="datetimeFigureOut">
               <a:rPr lang="pt-BR" smtClean="0"/>
-              <a:t>04/09/2025</a:t>
+              <a:t>08/09/2025</a:t>
             </a:fld>
             <a:endParaRPr lang="pt-BR"/>
           </a:p>
@@ -11557,7 +11557,7 @@
         <p:spPr>
           <a:xfrm>
             <a:off x="2231440" y="2950483"/>
-            <a:ext cx="5083760" cy="10726604"/>
+            <a:ext cx="5152274" cy="6291976"/>
           </a:xfrm>
           <a:prstGeom prst="roundRect">
             <a:avLst>
@@ -11611,10 +11611,10 @@
       </p:sp>
       <p:sp>
         <p:nvSpPr>
-          <p:cNvPr id="5" name="Retângulo: Cantos Arredondados 4">
+          <p:cNvPr id="8" name="Retângulo: Cantos Arredondados 7">
             <a:extLst>
               <a:ext uri="{FF2B5EF4-FFF2-40B4-BE49-F238E27FC236}">
-                <a16:creationId xmlns:a16="http://schemas.microsoft.com/office/drawing/2014/main" id="{BAD9A8BA-7CB3-D6CF-9830-540CF943D843}"/>
+                <a16:creationId xmlns:a16="http://schemas.microsoft.com/office/drawing/2014/main" id="{99839C40-A511-C6F3-D7A3-2EE38CF458C9}"/>
               </a:ext>
             </a:extLst>
           </p:cNvPr>
@@ -11623,8 +11623,8 @@
         </p:nvSpPr>
         <p:spPr>
           <a:xfrm>
-            <a:off x="16381379" y="8096689"/>
-            <a:ext cx="8699627" cy="5580399"/>
+            <a:off x="16730365" y="2950483"/>
+            <a:ext cx="8114076" cy="4643620"/>
           </a:xfrm>
           <a:prstGeom prst="roundRect">
             <a:avLst>
@@ -11678,73 +11678,6 @@
       </p:sp>
       <p:sp>
         <p:nvSpPr>
-          <p:cNvPr id="8" name="Retângulo: Cantos Arredondados 7">
-            <a:extLst>
-              <a:ext uri="{FF2B5EF4-FFF2-40B4-BE49-F238E27FC236}">
-                <a16:creationId xmlns:a16="http://schemas.microsoft.com/office/drawing/2014/main" id="{99839C40-A511-C6F3-D7A3-2EE38CF458C9}"/>
-              </a:ext>
-            </a:extLst>
-          </p:cNvPr>
-          <p:cNvSpPr/>
-          <p:nvPr/>
-        </p:nvSpPr>
-        <p:spPr>
-          <a:xfrm>
-            <a:off x="7597865" y="2950482"/>
-            <a:ext cx="17246578" cy="4812327"/>
-          </a:xfrm>
-          <a:prstGeom prst="roundRect">
-            <a:avLst>
-              <a:gd name="adj" fmla="val 5591"/>
-            </a:avLst>
-          </a:prstGeom>
-          <a:solidFill>
-            <a:schemeClr val="bg1"/>
-          </a:solidFill>
-          <a:ln>
-            <a:noFill/>
-          </a:ln>
-          <a:effectLst>
-            <a:glow rad="63500">
-              <a:schemeClr val="bg1">
-                <a:lumMod val="75000"/>
-                <a:alpha val="40000"/>
-              </a:schemeClr>
-            </a:glow>
-            <a:outerShdw blurRad="50800" dist="38100" dir="5400000" algn="t" rotWithShape="0">
-              <a:schemeClr val="tx1">
-                <a:alpha val="40000"/>
-              </a:schemeClr>
-            </a:outerShdw>
-          </a:effectLst>
-        </p:spPr>
-        <p:style>
-          <a:lnRef idx="2">
-            <a:schemeClr val="accent1">
-              <a:shade val="50000"/>
-            </a:schemeClr>
-          </a:lnRef>
-          <a:fillRef idx="1">
-            <a:schemeClr val="accent1"/>
-          </a:fillRef>
-          <a:effectRef idx="0">
-            <a:schemeClr val="accent1"/>
-          </a:effectRef>
-          <a:fontRef idx="minor">
-            <a:schemeClr val="lt1"/>
-          </a:fontRef>
-        </p:style>
-        <p:txBody>
-          <a:bodyPr rtlCol="0" anchor="ctr"/>
-          <a:lstStyle/>
-          <a:p>
-            <a:pPr algn="ctr"/>
-            <a:endParaRPr lang="pt-BR" sz="1265"/>
-          </a:p>
-        </p:txBody>
-      </p:sp>
-      <p:sp>
-        <p:nvSpPr>
           <p:cNvPr id="9" name="Retângulo: Cantos Arredondados 8">
             <a:extLst>
               <a:ext uri="{FF2B5EF4-FFF2-40B4-BE49-F238E27FC236}">
@@ -11757,8 +11690,8 @@
         </p:nvSpPr>
         <p:spPr>
           <a:xfrm>
-            <a:off x="7597865" y="8096688"/>
-            <a:ext cx="8521218" cy="5580399"/>
+            <a:off x="7904018" y="7983349"/>
+            <a:ext cx="16940425" cy="5693738"/>
           </a:xfrm>
           <a:prstGeom prst="roundRect">
             <a:avLst>
@@ -11930,8 +11863,8 @@
         </p:nvGrpSpPr>
         <p:grpSpPr>
           <a:xfrm>
-            <a:off x="2227660" y="1480454"/>
-            <a:ext cx="1916323" cy="1143558"/>
+            <a:off x="4681663" y="1484558"/>
+            <a:ext cx="1589112" cy="1143558"/>
             <a:chOff x="2227660" y="1471791"/>
             <a:chExt cx="2752902" cy="1143558"/>
           </a:xfrm>
@@ -12056,7 +11989,7 @@
         </p:nvGrpSpPr>
         <p:grpSpPr>
           <a:xfrm>
-            <a:off x="4433599" y="1480454"/>
+            <a:off x="6619543" y="1484558"/>
             <a:ext cx="2660499" cy="1143559"/>
             <a:chOff x="5559857" y="1471789"/>
             <a:chExt cx="3851803" cy="1143559"/>
@@ -12182,8 +12115,8 @@
         </p:nvGrpSpPr>
         <p:grpSpPr>
           <a:xfrm>
-            <a:off x="14328885" y="1471789"/>
-            <a:ext cx="6402307" cy="1160889"/>
+            <a:off x="16073640" y="1475893"/>
+            <a:ext cx="5716317" cy="1160889"/>
             <a:chOff x="9990954" y="1471790"/>
             <a:chExt cx="6402307" cy="1143558"/>
           </a:xfrm>
@@ -12308,8 +12241,8 @@
         </p:nvGrpSpPr>
         <p:grpSpPr>
           <a:xfrm>
-            <a:off x="7383714" y="1480454"/>
-            <a:ext cx="2727796" cy="1143558"/>
+            <a:off x="9628810" y="1484558"/>
+            <a:ext cx="2109150" cy="1143558"/>
             <a:chOff x="9990954" y="1471790"/>
             <a:chExt cx="6402307" cy="1143558"/>
           </a:xfrm>
@@ -12434,7 +12367,7 @@
         </p:nvGrpSpPr>
         <p:grpSpPr>
           <a:xfrm>
-            <a:off x="10401126" y="1480454"/>
+            <a:off x="12086728" y="1484558"/>
             <a:ext cx="3638144" cy="1143558"/>
             <a:chOff x="9990954" y="1471790"/>
             <a:chExt cx="6402307" cy="1143558"/>
@@ -12541,6 +12474,266 @@
                   <a:latin typeface="Montserrat SemiBold" panose="00000700000000000000" pitchFamily="2" charset="0"/>
                 </a:rPr>
                 <a:t>SETOR/DEPARTAMENTO</a:t>
+              </a:r>
+            </a:p>
+          </p:txBody>
+        </p:sp>
+      </p:grpSp>
+      <p:sp>
+        <p:nvSpPr>
+          <p:cNvPr id="29" name="Retângulo: Cantos Arredondados 28">
+            <a:extLst>
+              <a:ext uri="{FF2B5EF4-FFF2-40B4-BE49-F238E27FC236}">
+                <a16:creationId xmlns:a16="http://schemas.microsoft.com/office/drawing/2014/main" id="{3AAF3F90-0CEC-4BDD-D04F-1326C4F90E67}"/>
+              </a:ext>
+            </a:extLst>
+          </p:cNvPr>
+          <p:cNvSpPr/>
+          <p:nvPr/>
+        </p:nvSpPr>
+        <p:spPr>
+          <a:xfrm>
+            <a:off x="2227660" y="9592415"/>
+            <a:ext cx="5152274" cy="4068597"/>
+          </a:xfrm>
+          <a:prstGeom prst="roundRect">
+            <a:avLst>
+              <a:gd name="adj" fmla="val 5591"/>
+            </a:avLst>
+          </a:prstGeom>
+          <a:solidFill>
+            <a:schemeClr val="bg1"/>
+          </a:solidFill>
+          <a:ln>
+            <a:noFill/>
+          </a:ln>
+          <a:effectLst>
+            <a:glow rad="63500">
+              <a:schemeClr val="bg1">
+                <a:lumMod val="75000"/>
+                <a:alpha val="40000"/>
+              </a:schemeClr>
+            </a:glow>
+            <a:outerShdw blurRad="50800" dist="38100" dir="5400000" algn="t" rotWithShape="0">
+              <a:schemeClr val="tx1">
+                <a:alpha val="40000"/>
+              </a:schemeClr>
+            </a:outerShdw>
+          </a:effectLst>
+        </p:spPr>
+        <p:style>
+          <a:lnRef idx="2">
+            <a:schemeClr val="accent1">
+              <a:shade val="50000"/>
+            </a:schemeClr>
+          </a:lnRef>
+          <a:fillRef idx="1">
+            <a:schemeClr val="accent1"/>
+          </a:fillRef>
+          <a:effectRef idx="0">
+            <a:schemeClr val="accent1"/>
+          </a:effectRef>
+          <a:fontRef idx="minor">
+            <a:schemeClr val="lt1"/>
+          </a:fontRef>
+        </p:style>
+        <p:txBody>
+          <a:bodyPr rtlCol="0" anchor="ctr"/>
+          <a:lstStyle/>
+          <a:p>
+            <a:pPr algn="ctr"/>
+            <a:endParaRPr lang="pt-BR" sz="1265"/>
+          </a:p>
+        </p:txBody>
+      </p:sp>
+      <p:sp>
+        <p:nvSpPr>
+          <p:cNvPr id="30" name="Retângulo: Cantos Arredondados 29">
+            <a:extLst>
+              <a:ext uri="{FF2B5EF4-FFF2-40B4-BE49-F238E27FC236}">
+                <a16:creationId xmlns:a16="http://schemas.microsoft.com/office/drawing/2014/main" id="{853A13AE-7F32-D4BB-3398-58111C282201}"/>
+              </a:ext>
+            </a:extLst>
+          </p:cNvPr>
+          <p:cNvSpPr/>
+          <p:nvPr/>
+        </p:nvSpPr>
+        <p:spPr>
+          <a:xfrm>
+            <a:off x="7907798" y="2950480"/>
+            <a:ext cx="8329279" cy="4643623"/>
+          </a:xfrm>
+          <a:prstGeom prst="roundRect">
+            <a:avLst>
+              <a:gd name="adj" fmla="val 5591"/>
+            </a:avLst>
+          </a:prstGeom>
+          <a:solidFill>
+            <a:schemeClr val="bg1"/>
+          </a:solidFill>
+          <a:ln>
+            <a:noFill/>
+          </a:ln>
+          <a:effectLst>
+            <a:glow rad="63500">
+              <a:schemeClr val="bg1">
+                <a:lumMod val="75000"/>
+                <a:alpha val="40000"/>
+              </a:schemeClr>
+            </a:glow>
+            <a:outerShdw blurRad="50800" dist="38100" dir="5400000" algn="t" rotWithShape="0">
+              <a:schemeClr val="tx1">
+                <a:alpha val="40000"/>
+              </a:schemeClr>
+            </a:outerShdw>
+          </a:effectLst>
+        </p:spPr>
+        <p:style>
+          <a:lnRef idx="2">
+            <a:schemeClr val="accent1">
+              <a:shade val="50000"/>
+            </a:schemeClr>
+          </a:lnRef>
+          <a:fillRef idx="1">
+            <a:schemeClr val="accent1"/>
+          </a:fillRef>
+          <a:effectRef idx="0">
+            <a:schemeClr val="accent1"/>
+          </a:effectRef>
+          <a:fontRef idx="minor">
+            <a:schemeClr val="lt1"/>
+          </a:fontRef>
+        </p:style>
+        <p:txBody>
+          <a:bodyPr rtlCol="0" anchor="ctr"/>
+          <a:lstStyle/>
+          <a:p>
+            <a:pPr algn="ctr"/>
+            <a:endParaRPr lang="pt-BR" sz="1265"/>
+          </a:p>
+        </p:txBody>
+      </p:sp>
+      <p:grpSp>
+        <p:nvGrpSpPr>
+          <p:cNvPr id="31" name="Agrupar 30">
+            <a:extLst>
+              <a:ext uri="{FF2B5EF4-FFF2-40B4-BE49-F238E27FC236}">
+                <a16:creationId xmlns:a16="http://schemas.microsoft.com/office/drawing/2014/main" id="{3B3CD0E0-1BCB-1B6C-06DE-D56F8F483A43}"/>
+              </a:ext>
+            </a:extLst>
+          </p:cNvPr>
+          <p:cNvGrpSpPr/>
+          <p:nvPr/>
+        </p:nvGrpSpPr>
+        <p:grpSpPr>
+          <a:xfrm>
+            <a:off x="2227660" y="1484558"/>
+            <a:ext cx="2105235" cy="1143558"/>
+            <a:chOff x="2227660" y="1471791"/>
+            <a:chExt cx="2752902" cy="1143558"/>
+          </a:xfrm>
+        </p:grpSpPr>
+        <p:sp>
+          <p:nvSpPr>
+            <p:cNvPr id="32" name="Retângulo: Cantos Arredondados 31">
+              <a:extLst>
+                <a:ext uri="{FF2B5EF4-FFF2-40B4-BE49-F238E27FC236}">
+                  <a16:creationId xmlns:a16="http://schemas.microsoft.com/office/drawing/2014/main" id="{52CDAC8F-F2DE-2F8C-F792-15660414A04B}"/>
+                </a:ext>
+              </a:extLst>
+            </p:cNvPr>
+            <p:cNvSpPr/>
+            <p:nvPr/>
+          </p:nvSpPr>
+          <p:spPr>
+            <a:xfrm>
+              <a:off x="2231440" y="1471791"/>
+              <a:ext cx="2749122" cy="1143558"/>
+            </a:xfrm>
+            <a:prstGeom prst="roundRect">
+              <a:avLst>
+                <a:gd name="adj" fmla="val 16306"/>
+              </a:avLst>
+            </a:prstGeom>
+            <a:solidFill>
+              <a:schemeClr val="bg1"/>
+            </a:solidFill>
+            <a:ln>
+              <a:noFill/>
+            </a:ln>
+            <a:effectLst>
+              <a:glow rad="63500">
+                <a:schemeClr val="bg1">
+                  <a:lumMod val="75000"/>
+                  <a:alpha val="40000"/>
+                </a:schemeClr>
+              </a:glow>
+              <a:outerShdw blurRad="50800" dist="38100" dir="5400000" algn="t" rotWithShape="0">
+                <a:schemeClr val="tx1">
+                  <a:alpha val="40000"/>
+                </a:schemeClr>
+              </a:outerShdw>
+            </a:effectLst>
+          </p:spPr>
+          <p:style>
+            <a:lnRef idx="2">
+              <a:schemeClr val="accent1">
+                <a:shade val="50000"/>
+              </a:schemeClr>
+            </a:lnRef>
+            <a:fillRef idx="1">
+              <a:schemeClr val="accent1"/>
+            </a:fillRef>
+            <a:effectRef idx="0">
+              <a:schemeClr val="accent1"/>
+            </a:effectRef>
+            <a:fontRef idx="minor">
+              <a:schemeClr val="lt1"/>
+            </a:fontRef>
+          </p:style>
+          <p:txBody>
+            <a:bodyPr rtlCol="0" anchor="ctr"/>
+            <a:lstStyle/>
+            <a:p>
+              <a:pPr algn="ctr"/>
+              <a:endParaRPr lang="pt-BR" sz="1265"/>
+            </a:p>
+          </p:txBody>
+        </p:sp>
+        <p:sp>
+          <p:nvSpPr>
+            <p:cNvPr id="33" name="CaixaDeTexto 32">
+              <a:extLst>
+                <a:ext uri="{FF2B5EF4-FFF2-40B4-BE49-F238E27FC236}">
+                  <a16:creationId xmlns:a16="http://schemas.microsoft.com/office/drawing/2014/main" id="{F6228A0E-5A68-6A03-4836-D13EED420AEA}"/>
+                </a:ext>
+              </a:extLst>
+            </p:cNvPr>
+            <p:cNvSpPr txBox="1"/>
+            <p:nvPr/>
+          </p:nvSpPr>
+          <p:spPr>
+            <a:xfrm>
+              <a:off x="2227660" y="1496945"/>
+              <a:ext cx="2749122" cy="369332"/>
+            </a:xfrm>
+            <a:prstGeom prst="rect">
+              <a:avLst/>
+            </a:prstGeom>
+            <a:noFill/>
+          </p:spPr>
+          <p:txBody>
+            <a:bodyPr wrap="square" rtlCol="0">
+              <a:spAutoFit/>
+            </a:bodyPr>
+            <a:lstStyle/>
+            <a:p>
+              <a:pPr algn="ctr"/>
+              <a:r>
+                <a:rPr lang="pt-BR" dirty="0">
+                  <a:latin typeface="Montserrat SemiBold" panose="00000700000000000000" pitchFamily="2" charset="0"/>
+                </a:rPr>
+                <a:t>MÊS/ANO</a:t>
               </a:r>
             </a:p>
           </p:txBody>

--- a/Background/Background base.pptx
+++ b/Background/Background base.pptx
@@ -5,11 +5,12 @@
     <p:sldMasterId id="2147483720" r:id="rId4"/>
   </p:sldMasterIdLst>
   <p:notesMasterIdLst>
-    <p:notesMasterId r:id="rId7"/>
+    <p:notesMasterId r:id="rId8"/>
   </p:notesMasterIdLst>
   <p:sldIdLst>
     <p:sldId id="334" r:id="rId5"/>
     <p:sldId id="335" r:id="rId6"/>
+    <p:sldId id="336" r:id="rId7"/>
   </p:sldIdLst>
   <p:sldSz cx="25600025" cy="14400213"/>
   <p:notesSz cx="9144000" cy="6858000"/>
@@ -3718,7 +3719,7 @@
           <a:p>
             <a:fld id="{FE999017-FBFC-4239-B8D2-FB352F1B889A}" type="datetimeFigureOut">
               <a:rPr lang="pt-BR" smtClean="0"/>
-              <a:t>08/09/2025</a:t>
+              <a:t>12/09/2025</a:t>
             </a:fld>
             <a:endParaRPr lang="pt-BR"/>
           </a:p>
@@ -4116,7 +4117,7 @@
           <a:p>
             <a:fld id="{CF62B505-841C-4C89-B392-8F545B9B6E7F}" type="datetimeFigureOut">
               <a:rPr lang="pt-BR" smtClean="0"/>
-              <a:t>08/09/2025</a:t>
+              <a:t>12/09/2025</a:t>
             </a:fld>
             <a:endParaRPr lang="pt-BR"/>
           </a:p>
@@ -4286,7 +4287,7 @@
           <a:p>
             <a:fld id="{CF62B505-841C-4C89-B392-8F545B9B6E7F}" type="datetimeFigureOut">
               <a:rPr lang="pt-BR" smtClean="0"/>
-              <a:t>08/09/2025</a:t>
+              <a:t>12/09/2025</a:t>
             </a:fld>
             <a:endParaRPr lang="pt-BR"/>
           </a:p>
@@ -4466,7 +4467,7 @@
           <a:p>
             <a:fld id="{CF62B505-841C-4C89-B392-8F545B9B6E7F}" type="datetimeFigureOut">
               <a:rPr lang="pt-BR" smtClean="0"/>
-              <a:t>08/09/2025</a:t>
+              <a:t>12/09/2025</a:t>
             </a:fld>
             <a:endParaRPr lang="pt-BR"/>
           </a:p>
@@ -4636,7 +4637,7 @@
           <a:p>
             <a:fld id="{CF62B505-841C-4C89-B392-8F545B9B6E7F}" type="datetimeFigureOut">
               <a:rPr lang="pt-BR" smtClean="0"/>
-              <a:t>08/09/2025</a:t>
+              <a:t>12/09/2025</a:t>
             </a:fld>
             <a:endParaRPr lang="pt-BR"/>
           </a:p>
@@ -4882,7 +4883,7 @@
           <a:p>
             <a:fld id="{CF62B505-841C-4C89-B392-8F545B9B6E7F}" type="datetimeFigureOut">
               <a:rPr lang="pt-BR" smtClean="0"/>
-              <a:t>08/09/2025</a:t>
+              <a:t>12/09/2025</a:t>
             </a:fld>
             <a:endParaRPr lang="pt-BR"/>
           </a:p>
@@ -5114,7 +5115,7 @@
           <a:p>
             <a:fld id="{CF62B505-841C-4C89-B392-8F545B9B6E7F}" type="datetimeFigureOut">
               <a:rPr lang="pt-BR" smtClean="0"/>
-              <a:t>08/09/2025</a:t>
+              <a:t>12/09/2025</a:t>
             </a:fld>
             <a:endParaRPr lang="pt-BR"/>
           </a:p>
@@ -5481,7 +5482,7 @@
           <a:p>
             <a:fld id="{CF62B505-841C-4C89-B392-8F545B9B6E7F}" type="datetimeFigureOut">
               <a:rPr lang="pt-BR" smtClean="0"/>
-              <a:t>08/09/2025</a:t>
+              <a:t>12/09/2025</a:t>
             </a:fld>
             <a:endParaRPr lang="pt-BR"/>
           </a:p>
@@ -5599,7 +5600,7 @@
           <a:p>
             <a:fld id="{CF62B505-841C-4C89-B392-8F545B9B6E7F}" type="datetimeFigureOut">
               <a:rPr lang="pt-BR" smtClean="0"/>
-              <a:t>08/09/2025</a:t>
+              <a:t>12/09/2025</a:t>
             </a:fld>
             <a:endParaRPr lang="pt-BR"/>
           </a:p>
@@ -5694,7 +5695,7 @@
           <a:p>
             <a:fld id="{CF62B505-841C-4C89-B392-8F545B9B6E7F}" type="datetimeFigureOut">
               <a:rPr lang="pt-BR" smtClean="0"/>
-              <a:t>08/09/2025</a:t>
+              <a:t>12/09/2025</a:t>
             </a:fld>
             <a:endParaRPr lang="pt-BR"/>
           </a:p>
@@ -5971,7 +5972,7 @@
           <a:p>
             <a:fld id="{CF62B505-841C-4C89-B392-8F545B9B6E7F}" type="datetimeFigureOut">
               <a:rPr lang="pt-BR" smtClean="0"/>
-              <a:t>08/09/2025</a:t>
+              <a:t>12/09/2025</a:t>
             </a:fld>
             <a:endParaRPr lang="pt-BR"/>
           </a:p>
@@ -6228,7 +6229,7 @@
           <a:p>
             <a:fld id="{CF62B505-841C-4C89-B392-8F545B9B6E7F}" type="datetimeFigureOut">
               <a:rPr lang="pt-BR" smtClean="0"/>
-              <a:t>08/09/2025</a:t>
+              <a:t>12/09/2025</a:t>
             </a:fld>
             <a:endParaRPr lang="pt-BR"/>
           </a:p>
@@ -6441,7 +6442,7 @@
           <a:p>
             <a:fld id="{CF62B505-841C-4C89-B392-8F545B9B6E7F}" type="datetimeFigureOut">
               <a:rPr lang="pt-BR" smtClean="0"/>
-              <a:t>08/09/2025</a:t>
+              <a:t>12/09/2025</a:t>
             </a:fld>
             <a:endParaRPr lang="pt-BR"/>
           </a:p>
@@ -6960,7 +6961,10 @@
           <a:lstStyle/>
           <a:p>
             <a:pPr algn="ctr"/>
-            <a:endParaRPr lang="pt-BR" sz="1265" dirty="0"/>
+            <a:r>
+              <a:rPr lang="pt-BR" sz="1265" dirty="0"/>
+              <a:t>t</a:t>
+            </a:r>
           </a:p>
         </p:txBody>
       </p:sp>
@@ -7271,8 +7275,8 @@
         </p:nvSpPr>
         <p:spPr>
           <a:xfrm>
-            <a:off x="2464904" y="1404037"/>
-            <a:ext cx="18367513" cy="1027411"/>
+            <a:off x="1957167" y="1327486"/>
+            <a:ext cx="20829154" cy="584775"/>
           </a:xfrm>
           <a:prstGeom prst="roundRect">
             <a:avLst>
@@ -7327,17 +7331,683 @@
                 </a:solidFill>
                 <a:latin typeface="Montserrat SemiBold" panose="00000700000000000000" pitchFamily="2" charset="0"/>
               </a:rPr>
-              <a:t>RESUMO DASHBOARD DP</a:t>
+              <a:t>QUADRO DE PESSOAL </a:t>
             </a:r>
           </a:p>
         </p:txBody>
       </p:sp>
+      <p:pic>
+        <p:nvPicPr>
+          <p:cNvPr id="67" name="Imagem 66">
+            <a:extLst>
+              <a:ext uri="{FF2B5EF4-FFF2-40B4-BE49-F238E27FC236}">
+                <a16:creationId xmlns:a16="http://schemas.microsoft.com/office/drawing/2014/main" id="{79E628B3-1C86-5318-84A9-9A8053ADED2D}"/>
+              </a:ext>
+            </a:extLst>
+          </p:cNvPr>
+          <p:cNvPicPr>
+            <a:picLocks noChangeAspect="1"/>
+          </p:cNvPicPr>
+          <p:nvPr/>
+        </p:nvPicPr>
+        <p:blipFill>
+          <a:blip r:embed="rId3">
+            <a:extLst>
+              <a:ext uri="{28A0092B-C50C-407E-A947-70E740481C1C}">
+                <a14:useLocalDpi xmlns:a14="http://schemas.microsoft.com/office/drawing/2010/main" val="0"/>
+              </a:ext>
+            </a:extLst>
+          </a:blip>
+          <a:srcRect/>
+          <a:stretch/>
+        </p:blipFill>
+        <p:spPr>
+          <a:xfrm>
+            <a:off x="482988" y="1414013"/>
+            <a:ext cx="1012503" cy="958106"/>
+          </a:xfrm>
+          <a:prstGeom prst="rect">
+            <a:avLst/>
+          </a:prstGeom>
+          <a:ln w="38100" cap="rnd" cmpd="sng">
+            <a:noFill/>
+            <a:prstDash val="solid"/>
+            <a:round/>
+            <a:extLst>
+              <a:ext uri="{C807C97D-BFC1-408E-A445-0C87EB9F89A2}">
+                <ask:lineSketchStyleProps xmlns:ask="http://schemas.microsoft.com/office/drawing/2018/sketchyshapes" sd="1219033472">
+                  <a:custGeom>
+                    <a:avLst/>
+                    <a:gdLst>
+                      <a:gd name="connsiteX0" fmla="*/ 0 w 1287117"/>
+                      <a:gd name="connsiteY0" fmla="*/ 0 h 1305274"/>
+                      <a:gd name="connsiteX1" fmla="*/ 1287117 w 1287117"/>
+                      <a:gd name="connsiteY1" fmla="*/ 0 h 1305274"/>
+                      <a:gd name="connsiteX2" fmla="*/ 1287117 w 1287117"/>
+                      <a:gd name="connsiteY2" fmla="*/ 1305274 h 1305274"/>
+                      <a:gd name="connsiteX3" fmla="*/ 0 w 1287117"/>
+                      <a:gd name="connsiteY3" fmla="*/ 1305274 h 1305274"/>
+                      <a:gd name="connsiteX4" fmla="*/ 0 w 1287117"/>
+                      <a:gd name="connsiteY4" fmla="*/ 0 h 1305274"/>
+                    </a:gdLst>
+                    <a:ahLst/>
+                    <a:cxnLst>
+                      <a:cxn ang="0">
+                        <a:pos x="connsiteX0" y="connsiteY0"/>
+                      </a:cxn>
+                      <a:cxn ang="0">
+                        <a:pos x="connsiteX1" y="connsiteY1"/>
+                      </a:cxn>
+                      <a:cxn ang="0">
+                        <a:pos x="connsiteX2" y="connsiteY2"/>
+                      </a:cxn>
+                      <a:cxn ang="0">
+                        <a:pos x="connsiteX3" y="connsiteY3"/>
+                      </a:cxn>
+                      <a:cxn ang="0">
+                        <a:pos x="connsiteX4" y="connsiteY4"/>
+                      </a:cxn>
+                    </a:cxnLst>
+                    <a:rect l="l" t="t" r="r" b="b"/>
+                    <a:pathLst>
+                      <a:path w="1287117" h="1305274" fill="none" extrusionOk="0">
+                        <a:moveTo>
+                          <a:pt x="0" y="0"/>
+                        </a:moveTo>
+                        <a:cubicBezTo>
+                          <a:pt x="424078" y="-41831"/>
+                          <a:pt x="1012293" y="-82524"/>
+                          <a:pt x="1287117" y="0"/>
+                        </a:cubicBezTo>
+                        <a:cubicBezTo>
+                          <a:pt x="1359431" y="442770"/>
+                          <a:pt x="1364764" y="807517"/>
+                          <a:pt x="1287117" y="1305274"/>
+                        </a:cubicBezTo>
+                        <a:cubicBezTo>
+                          <a:pt x="1019975" y="1211853"/>
+                          <a:pt x="373143" y="1360628"/>
+                          <a:pt x="0" y="1305274"/>
+                        </a:cubicBezTo>
+                        <a:cubicBezTo>
+                          <a:pt x="54185" y="702839"/>
+                          <a:pt x="-26656" y="637328"/>
+                          <a:pt x="0" y="0"/>
+                        </a:cubicBezTo>
+                        <a:close/>
+                      </a:path>
+                      <a:path w="1287117" h="1305274" stroke="0" extrusionOk="0">
+                        <a:moveTo>
+                          <a:pt x="0" y="0"/>
+                        </a:moveTo>
+                        <a:cubicBezTo>
+                          <a:pt x="620702" y="30296"/>
+                          <a:pt x="869864" y="-62033"/>
+                          <a:pt x="1287117" y="0"/>
+                        </a:cubicBezTo>
+                        <a:cubicBezTo>
+                          <a:pt x="1234736" y="585200"/>
+                          <a:pt x="1192732" y="978202"/>
+                          <a:pt x="1287117" y="1305274"/>
+                        </a:cubicBezTo>
+                        <a:cubicBezTo>
+                          <a:pt x="1064962" y="1190797"/>
+                          <a:pt x="589531" y="1233812"/>
+                          <a:pt x="0" y="1305274"/>
+                        </a:cubicBezTo>
+                        <a:cubicBezTo>
+                          <a:pt x="-381" y="773785"/>
+                          <a:pt x="-64649" y="496574"/>
+                          <a:pt x="0" y="0"/>
+                        </a:cubicBezTo>
+                        <a:close/>
+                      </a:path>
+                    </a:pathLst>
+                  </a:custGeom>
+                  <ask:type>
+                    <ask:lineSketchNone/>
+                  </ask:type>
+                </ask:lineSketchStyleProps>
+              </a:ext>
+            </a:extLst>
+          </a:ln>
+        </p:spPr>
+      </p:pic>
       <p:sp>
         <p:nvSpPr>
-          <p:cNvPr id="125" name="Retângulo: Cantos Arredondados 124">
+          <p:cNvPr id="68" name="CaixaDeTexto 67">
             <a:extLst>
               <a:ext uri="{FF2B5EF4-FFF2-40B4-BE49-F238E27FC236}">
-                <a16:creationId xmlns:a16="http://schemas.microsoft.com/office/drawing/2014/main" id="{4AA4ED1B-9C43-FF0E-E137-1B17B5628150}"/>
+                <a16:creationId xmlns:a16="http://schemas.microsoft.com/office/drawing/2014/main" id="{D5D19823-648B-BF74-AC1B-714F59C7C199}"/>
+              </a:ext>
+            </a:extLst>
+          </p:cNvPr>
+          <p:cNvSpPr txBox="1"/>
+          <p:nvPr/>
+        </p:nvSpPr>
+        <p:spPr>
+          <a:xfrm>
+            <a:off x="330115" y="2351055"/>
+            <a:ext cx="1318250" cy="264293"/>
+          </a:xfrm>
+          <a:prstGeom prst="rect">
+            <a:avLst/>
+          </a:prstGeom>
+          <a:noFill/>
+        </p:spPr>
+        <p:txBody>
+          <a:bodyPr wrap="square" rtlCol="0">
+            <a:spAutoFit/>
+          </a:bodyPr>
+          <a:lstStyle/>
+          <a:p>
+            <a:pPr algn="ctr"/>
+            <a:r>
+              <a:rPr lang="pt-BR" sz="1200" b="1" dirty="0">
+                <a:latin typeface="Montserrat" panose="00000500000000000000" pitchFamily="2" charset="0"/>
+              </a:rPr>
+              <a:t>DASHBOARD</a:t>
+            </a:r>
+            <a:endParaRPr lang="pt-BR" sz="1100" b="1" dirty="0">
+              <a:latin typeface="Montserrat" panose="00000500000000000000" pitchFamily="2" charset="0"/>
+            </a:endParaRPr>
+          </a:p>
+        </p:txBody>
+      </p:sp>
+      <p:pic>
+        <p:nvPicPr>
+          <p:cNvPr id="7" name="Imagem 6" descr="Forma&#10;&#10;O conteúdo gerado por IA pode estar incorreto.">
+            <a:extLst>
+              <a:ext uri="{FF2B5EF4-FFF2-40B4-BE49-F238E27FC236}">
+                <a16:creationId xmlns:a16="http://schemas.microsoft.com/office/drawing/2014/main" id="{0C328D27-94E4-A75B-1C8F-9719899C08E4}"/>
+              </a:ext>
+            </a:extLst>
+          </p:cNvPr>
+          <p:cNvPicPr>
+            <a:picLocks noChangeAspect="1"/>
+          </p:cNvPicPr>
+          <p:nvPr/>
+        </p:nvPicPr>
+        <p:blipFill>
+          <a:blip r:embed="rId4">
+            <a:extLst>
+              <a:ext uri="{28A0092B-C50C-407E-A947-70E740481C1C}">
+                <a14:useLocalDpi xmlns:a14="http://schemas.microsoft.com/office/drawing/2010/main" val="0"/>
+              </a:ext>
+            </a:extLst>
+          </a:blip>
+          <a:stretch>
+            <a:fillRect/>
+          </a:stretch>
+        </p:blipFill>
+        <p:spPr>
+          <a:xfrm>
+            <a:off x="446601" y="2766523"/>
+            <a:ext cx="1085276" cy="1085276"/>
+          </a:xfrm>
+          <a:prstGeom prst="rect">
+            <a:avLst/>
+          </a:prstGeom>
+        </p:spPr>
+      </p:pic>
+      <p:sp>
+        <p:nvSpPr>
+          <p:cNvPr id="8" name="CaixaDeTexto 7">
+            <a:extLst>
+              <a:ext uri="{FF2B5EF4-FFF2-40B4-BE49-F238E27FC236}">
+                <a16:creationId xmlns:a16="http://schemas.microsoft.com/office/drawing/2014/main" id="{45D49CEA-CE9B-3945-76BE-5EAC1B52CA31}"/>
+              </a:ext>
+            </a:extLst>
+          </p:cNvPr>
+          <p:cNvSpPr txBox="1"/>
+          <p:nvPr/>
+        </p:nvSpPr>
+        <p:spPr>
+          <a:xfrm>
+            <a:off x="223837" y="3815589"/>
+            <a:ext cx="1483519" cy="461665"/>
+          </a:xfrm>
+          <a:prstGeom prst="rect">
+            <a:avLst/>
+          </a:prstGeom>
+          <a:noFill/>
+        </p:spPr>
+        <p:txBody>
+          <a:bodyPr wrap="square" rtlCol="0">
+            <a:spAutoFit/>
+          </a:bodyPr>
+          <a:lstStyle/>
+          <a:p>
+            <a:pPr algn="ctr"/>
+            <a:r>
+              <a:rPr lang="pt-BR" sz="1200" b="1" dirty="0">
+                <a:latin typeface="Montserrat" panose="00000500000000000000" pitchFamily="2" charset="0"/>
+              </a:rPr>
+              <a:t>RELAÇÃO DE COLAB.</a:t>
+            </a:r>
+            <a:endParaRPr lang="pt-BR" sz="1100" b="1" dirty="0">
+              <a:latin typeface="Montserrat" panose="00000500000000000000" pitchFamily="2" charset="0"/>
+            </a:endParaRPr>
+          </a:p>
+        </p:txBody>
+      </p:sp>
+      <p:grpSp>
+        <p:nvGrpSpPr>
+          <p:cNvPr id="15" name="Agrupar 14">
+            <a:extLst>
+              <a:ext uri="{FF2B5EF4-FFF2-40B4-BE49-F238E27FC236}">
+                <a16:creationId xmlns:a16="http://schemas.microsoft.com/office/drawing/2014/main" id="{68F8741F-9E5D-B878-448C-F4ACFE77B4C1}"/>
+              </a:ext>
+            </a:extLst>
+          </p:cNvPr>
+          <p:cNvGrpSpPr/>
+          <p:nvPr/>
+        </p:nvGrpSpPr>
+        <p:grpSpPr>
+          <a:xfrm>
+            <a:off x="1957167" y="2136249"/>
+            <a:ext cx="3214371" cy="1027411"/>
+            <a:chOff x="2474842" y="4385396"/>
+            <a:chExt cx="9711892" cy="1027411"/>
+          </a:xfrm>
+        </p:grpSpPr>
+        <p:sp>
+          <p:nvSpPr>
+            <p:cNvPr id="153" name="Retângulo: Cantos Arredondados 152">
+              <a:extLst>
+                <a:ext uri="{FF2B5EF4-FFF2-40B4-BE49-F238E27FC236}">
+                  <a16:creationId xmlns:a16="http://schemas.microsoft.com/office/drawing/2014/main" id="{A11F4EB7-BF56-086A-7D7F-E179293BE2EF}"/>
+                </a:ext>
+              </a:extLst>
+            </p:cNvPr>
+            <p:cNvSpPr/>
+            <p:nvPr/>
+          </p:nvSpPr>
+          <p:spPr>
+            <a:xfrm>
+              <a:off x="2474842" y="4385396"/>
+              <a:ext cx="9711892" cy="1027411"/>
+            </a:xfrm>
+            <a:prstGeom prst="roundRect">
+              <a:avLst>
+                <a:gd name="adj" fmla="val 16306"/>
+              </a:avLst>
+            </a:prstGeom>
+            <a:solidFill>
+              <a:srgbClr val="D9D9D9"/>
+            </a:solidFill>
+            <a:ln>
+              <a:noFill/>
+            </a:ln>
+            <a:effectLst>
+              <a:glow rad="63500">
+                <a:schemeClr val="bg1">
+                  <a:lumMod val="75000"/>
+                  <a:alpha val="40000"/>
+                </a:schemeClr>
+              </a:glow>
+              <a:outerShdw blurRad="50800" dist="38100" dir="5400000" algn="t" rotWithShape="0">
+                <a:schemeClr val="tx1">
+                  <a:alpha val="40000"/>
+                </a:schemeClr>
+              </a:outerShdw>
+            </a:effectLst>
+          </p:spPr>
+          <p:style>
+            <a:lnRef idx="2">
+              <a:schemeClr val="accent1">
+                <a:shade val="50000"/>
+              </a:schemeClr>
+            </a:lnRef>
+            <a:fillRef idx="1">
+              <a:schemeClr val="accent1"/>
+            </a:fillRef>
+            <a:effectRef idx="0">
+              <a:schemeClr val="accent1"/>
+            </a:effectRef>
+            <a:fontRef idx="minor">
+              <a:schemeClr val="lt1"/>
+            </a:fontRef>
+          </p:style>
+          <p:txBody>
+            <a:bodyPr rtlCol="0" anchor="ctr"/>
+            <a:lstStyle/>
+            <a:p>
+              <a:pPr algn="ctr"/>
+              <a:endParaRPr lang="pt-BR" sz="1265">
+                <a:solidFill>
+                  <a:schemeClr val="bg1"/>
+                </a:solidFill>
+              </a:endParaRPr>
+            </a:p>
+          </p:txBody>
+        </p:sp>
+        <p:sp>
+          <p:nvSpPr>
+            <p:cNvPr id="2" name="CaixaDeTexto 1">
+              <a:extLst>
+                <a:ext uri="{FF2B5EF4-FFF2-40B4-BE49-F238E27FC236}">
+                  <a16:creationId xmlns:a16="http://schemas.microsoft.com/office/drawing/2014/main" id="{8EEB12B9-8229-8289-6D3A-C6DE546C125A}"/>
+                </a:ext>
+              </a:extLst>
+            </p:cNvPr>
+            <p:cNvSpPr txBox="1"/>
+            <p:nvPr/>
+          </p:nvSpPr>
+          <p:spPr>
+            <a:xfrm>
+              <a:off x="2474842" y="4606714"/>
+              <a:ext cx="9711892" cy="584775"/>
+            </a:xfrm>
+            <a:prstGeom prst="rect">
+              <a:avLst/>
+            </a:prstGeom>
+            <a:noFill/>
+          </p:spPr>
+          <p:txBody>
+            <a:bodyPr wrap="square" rtlCol="0">
+              <a:spAutoFit/>
+            </a:bodyPr>
+            <a:lstStyle>
+              <a:defPPr>
+                <a:defRPr lang="en-US"/>
+              </a:defPPr>
+              <a:lvl1pPr algn="ctr">
+                <a:defRPr sz="3000">
+                  <a:latin typeface="Montserrat SemiBold" panose="00000700000000000000" pitchFamily="2" charset="0"/>
+                  <a:cs typeface="Segoe UI" panose="020B0502040204020203" pitchFamily="34" charset="0"/>
+                </a:defRPr>
+              </a:lvl1pPr>
+            </a:lstStyle>
+            <a:p>
+              <a:r>
+                <a:rPr lang="pt-BR" dirty="0"/>
+                <a:t>DIRETORIAS</a:t>
+              </a:r>
+            </a:p>
+          </p:txBody>
+        </p:sp>
+      </p:grpSp>
+      <p:grpSp>
+        <p:nvGrpSpPr>
+          <p:cNvPr id="39" name="Agrupar 38">
+            <a:extLst>
+              <a:ext uri="{FF2B5EF4-FFF2-40B4-BE49-F238E27FC236}">
+                <a16:creationId xmlns:a16="http://schemas.microsoft.com/office/drawing/2014/main" id="{7B1538B1-50FF-EAAD-2D17-0D86E99EA9C0}"/>
+              </a:ext>
+            </a:extLst>
+          </p:cNvPr>
+          <p:cNvGrpSpPr/>
+          <p:nvPr/>
+        </p:nvGrpSpPr>
+        <p:grpSpPr>
+          <a:xfrm>
+            <a:off x="6182998" y="2136249"/>
+            <a:ext cx="2369394" cy="1027411"/>
+            <a:chOff x="2474842" y="4385396"/>
+            <a:chExt cx="9711892" cy="1027411"/>
+          </a:xfrm>
+        </p:grpSpPr>
+        <p:sp>
+          <p:nvSpPr>
+            <p:cNvPr id="40" name="Retângulo: Cantos Arredondados 39">
+              <a:extLst>
+                <a:ext uri="{FF2B5EF4-FFF2-40B4-BE49-F238E27FC236}">
+                  <a16:creationId xmlns:a16="http://schemas.microsoft.com/office/drawing/2014/main" id="{BB678C4B-4579-08B9-B056-3A20D95E3F21}"/>
+                </a:ext>
+              </a:extLst>
+            </p:cNvPr>
+            <p:cNvSpPr/>
+            <p:nvPr/>
+          </p:nvSpPr>
+          <p:spPr>
+            <a:xfrm>
+              <a:off x="2474842" y="4385396"/>
+              <a:ext cx="9711892" cy="1027411"/>
+            </a:xfrm>
+            <a:prstGeom prst="roundRect">
+              <a:avLst>
+                <a:gd name="adj" fmla="val 16306"/>
+              </a:avLst>
+            </a:prstGeom>
+            <a:solidFill>
+              <a:srgbClr val="D9D9D9"/>
+            </a:solidFill>
+            <a:ln>
+              <a:noFill/>
+            </a:ln>
+            <a:effectLst>
+              <a:glow rad="63500">
+                <a:schemeClr val="bg1">
+                  <a:lumMod val="75000"/>
+                  <a:alpha val="40000"/>
+                </a:schemeClr>
+              </a:glow>
+              <a:outerShdw blurRad="50800" dist="38100" dir="5400000" algn="t" rotWithShape="0">
+                <a:schemeClr val="tx1">
+                  <a:alpha val="40000"/>
+                </a:schemeClr>
+              </a:outerShdw>
+            </a:effectLst>
+          </p:spPr>
+          <p:style>
+            <a:lnRef idx="2">
+              <a:schemeClr val="accent1">
+                <a:shade val="50000"/>
+              </a:schemeClr>
+            </a:lnRef>
+            <a:fillRef idx="1">
+              <a:schemeClr val="accent1"/>
+            </a:fillRef>
+            <a:effectRef idx="0">
+              <a:schemeClr val="accent1"/>
+            </a:effectRef>
+            <a:fontRef idx="minor">
+              <a:schemeClr val="lt1"/>
+            </a:fontRef>
+          </p:style>
+          <p:txBody>
+            <a:bodyPr rtlCol="0" anchor="ctr"/>
+            <a:lstStyle/>
+            <a:p>
+              <a:pPr algn="ctr"/>
+              <a:endParaRPr lang="pt-BR" sz="1265">
+                <a:solidFill>
+                  <a:schemeClr val="bg1"/>
+                </a:solidFill>
+              </a:endParaRPr>
+            </a:p>
+          </p:txBody>
+        </p:sp>
+        <p:sp>
+          <p:nvSpPr>
+            <p:cNvPr id="41" name="CaixaDeTexto 40">
+              <a:extLst>
+                <a:ext uri="{FF2B5EF4-FFF2-40B4-BE49-F238E27FC236}">
+                  <a16:creationId xmlns:a16="http://schemas.microsoft.com/office/drawing/2014/main" id="{F4F2A23D-C19F-8754-A38A-6A4B0CF75484}"/>
+                </a:ext>
+              </a:extLst>
+            </p:cNvPr>
+            <p:cNvSpPr txBox="1"/>
+            <p:nvPr/>
+          </p:nvSpPr>
+          <p:spPr>
+            <a:xfrm>
+              <a:off x="2474842" y="4606714"/>
+              <a:ext cx="9711892" cy="584775"/>
+            </a:xfrm>
+            <a:prstGeom prst="rect">
+              <a:avLst/>
+            </a:prstGeom>
+            <a:noFill/>
+          </p:spPr>
+          <p:txBody>
+            <a:bodyPr wrap="square" rtlCol="0">
+              <a:spAutoFit/>
+            </a:bodyPr>
+            <a:lstStyle>
+              <a:defPPr>
+                <a:defRPr lang="en-US"/>
+              </a:defPPr>
+              <a:lvl1pPr algn="ctr">
+                <a:defRPr sz="3000">
+                  <a:latin typeface="Montserrat SemiBold" panose="00000700000000000000" pitchFamily="2" charset="0"/>
+                  <a:cs typeface="Segoe UI" panose="020B0502040204020203" pitchFamily="34" charset="0"/>
+                </a:defRPr>
+              </a:lvl1pPr>
+            </a:lstStyle>
+            <a:p>
+              <a:r>
+                <a:rPr lang="pt-BR" dirty="0"/>
+                <a:t>TIME</a:t>
+              </a:r>
+            </a:p>
+          </p:txBody>
+        </p:sp>
+      </p:grpSp>
+      <p:grpSp>
+        <p:nvGrpSpPr>
+          <p:cNvPr id="42" name="Agrupar 41">
+            <a:extLst>
+              <a:ext uri="{FF2B5EF4-FFF2-40B4-BE49-F238E27FC236}">
+                <a16:creationId xmlns:a16="http://schemas.microsoft.com/office/drawing/2014/main" id="{825C3CD7-9995-1AAD-1D3A-C3FDFBBC3660}"/>
+              </a:ext>
+            </a:extLst>
+          </p:cNvPr>
+          <p:cNvGrpSpPr/>
+          <p:nvPr/>
+        </p:nvGrpSpPr>
+        <p:grpSpPr>
+          <a:xfrm>
+            <a:off x="9555288" y="2136249"/>
+            <a:ext cx="13231034" cy="1027411"/>
+            <a:chOff x="2474842" y="4385396"/>
+            <a:chExt cx="9711892" cy="1027411"/>
+          </a:xfrm>
+        </p:grpSpPr>
+        <p:sp>
+          <p:nvSpPr>
+            <p:cNvPr id="43" name="Retângulo: Cantos Arredondados 42">
+              <a:extLst>
+                <a:ext uri="{FF2B5EF4-FFF2-40B4-BE49-F238E27FC236}">
+                  <a16:creationId xmlns:a16="http://schemas.microsoft.com/office/drawing/2014/main" id="{E92C6325-40D3-2FFB-EDF5-D5F5B2992160}"/>
+                </a:ext>
+              </a:extLst>
+            </p:cNvPr>
+            <p:cNvSpPr/>
+            <p:nvPr/>
+          </p:nvSpPr>
+          <p:spPr>
+            <a:xfrm>
+              <a:off x="2474842" y="4385396"/>
+              <a:ext cx="9711892" cy="1027411"/>
+            </a:xfrm>
+            <a:prstGeom prst="roundRect">
+              <a:avLst>
+                <a:gd name="adj" fmla="val 16306"/>
+              </a:avLst>
+            </a:prstGeom>
+            <a:solidFill>
+              <a:srgbClr val="D9D9D9"/>
+            </a:solidFill>
+            <a:ln>
+              <a:noFill/>
+            </a:ln>
+            <a:effectLst>
+              <a:glow rad="63500">
+                <a:schemeClr val="bg1">
+                  <a:lumMod val="75000"/>
+                  <a:alpha val="40000"/>
+                </a:schemeClr>
+              </a:glow>
+              <a:outerShdw blurRad="50800" dist="38100" dir="5400000" algn="t" rotWithShape="0">
+                <a:schemeClr val="tx1">
+                  <a:alpha val="40000"/>
+                </a:schemeClr>
+              </a:outerShdw>
+            </a:effectLst>
+          </p:spPr>
+          <p:style>
+            <a:lnRef idx="2">
+              <a:schemeClr val="accent1">
+                <a:shade val="50000"/>
+              </a:schemeClr>
+            </a:lnRef>
+            <a:fillRef idx="1">
+              <a:schemeClr val="accent1"/>
+            </a:fillRef>
+            <a:effectRef idx="0">
+              <a:schemeClr val="accent1"/>
+            </a:effectRef>
+            <a:fontRef idx="minor">
+              <a:schemeClr val="lt1"/>
+            </a:fontRef>
+          </p:style>
+          <p:txBody>
+            <a:bodyPr rtlCol="0" anchor="ctr"/>
+            <a:lstStyle/>
+            <a:p>
+              <a:pPr algn="ctr"/>
+              <a:endParaRPr lang="pt-BR" sz="1265">
+                <a:solidFill>
+                  <a:schemeClr val="bg1"/>
+                </a:solidFill>
+              </a:endParaRPr>
+            </a:p>
+          </p:txBody>
+        </p:sp>
+        <p:sp>
+          <p:nvSpPr>
+            <p:cNvPr id="44" name="CaixaDeTexto 43">
+              <a:extLst>
+                <a:ext uri="{FF2B5EF4-FFF2-40B4-BE49-F238E27FC236}">
+                  <a16:creationId xmlns:a16="http://schemas.microsoft.com/office/drawing/2014/main" id="{2F28E0B2-11A6-56F5-8679-B0603D822AB4}"/>
+                </a:ext>
+              </a:extLst>
+            </p:cNvPr>
+            <p:cNvSpPr txBox="1"/>
+            <p:nvPr/>
+          </p:nvSpPr>
+          <p:spPr>
+            <a:xfrm>
+              <a:off x="2474842" y="4606714"/>
+              <a:ext cx="9711892" cy="584775"/>
+            </a:xfrm>
+            <a:prstGeom prst="rect">
+              <a:avLst/>
+            </a:prstGeom>
+            <a:noFill/>
+          </p:spPr>
+          <p:txBody>
+            <a:bodyPr wrap="square" rtlCol="0">
+              <a:spAutoFit/>
+            </a:bodyPr>
+            <a:lstStyle>
+              <a:defPPr>
+                <a:defRPr lang="en-US"/>
+              </a:defPPr>
+              <a:lvl1pPr algn="ctr">
+                <a:defRPr sz="3000">
+                  <a:latin typeface="Montserrat SemiBold" panose="00000700000000000000" pitchFamily="2" charset="0"/>
+                  <a:cs typeface="Segoe UI" panose="020B0502040204020203" pitchFamily="34" charset="0"/>
+                </a:defRPr>
+              </a:lvl1pPr>
+            </a:lstStyle>
+            <a:p>
+              <a:r>
+                <a:rPr lang="pt-BR" dirty="0"/>
+                <a:t>DEPARTAMENTO - SETOR</a:t>
+              </a:r>
+            </a:p>
+          </p:txBody>
+        </p:sp>
+      </p:grpSp>
+      <p:sp>
+        <p:nvSpPr>
+          <p:cNvPr id="82" name="Retângulo: Cantos Arredondados 81">
+            <a:extLst>
+              <a:ext uri="{FF2B5EF4-FFF2-40B4-BE49-F238E27FC236}">
+                <a16:creationId xmlns:a16="http://schemas.microsoft.com/office/drawing/2014/main" id="{6A8FC986-6D6A-80D4-06BB-4F87DE6EEFC3}"/>
               </a:ext>
             </a:extLst>
           </p:cNvPr>
@@ -7346,8 +8016,8 @@
         </p:nvSpPr>
         <p:spPr>
           <a:xfrm>
-            <a:off x="2478633" y="2882838"/>
-            <a:ext cx="9711892" cy="1027411"/>
+            <a:off x="1957167" y="7802727"/>
+            <a:ext cx="3205802" cy="1274743"/>
           </a:xfrm>
           <a:prstGeom prst="roundRect">
             <a:avLst>
@@ -7401,10 +8071,10 @@
       </p:sp>
       <p:sp>
         <p:nvSpPr>
-          <p:cNvPr id="134" name="Retângulo: Cantos Arredondados 133">
+          <p:cNvPr id="85" name="Retângulo: Cantos Arredondados 84">
             <a:extLst>
               <a:ext uri="{FF2B5EF4-FFF2-40B4-BE49-F238E27FC236}">
-                <a16:creationId xmlns:a16="http://schemas.microsoft.com/office/drawing/2014/main" id="{B53CEDA1-21FC-F8E6-5319-158A3E48E6B7}"/>
+                <a16:creationId xmlns:a16="http://schemas.microsoft.com/office/drawing/2014/main" id="{697430AE-B8CF-56B2-339B-AB4C20978DB4}"/>
               </a:ext>
             </a:extLst>
           </p:cNvPr>
@@ -7413,8 +8083,8 @@
         </p:nvSpPr>
         <p:spPr>
           <a:xfrm>
-            <a:off x="12457531" y="2882837"/>
-            <a:ext cx="2623931" cy="1027411"/>
+            <a:off x="6189355" y="7835611"/>
+            <a:ext cx="2356680" cy="1274741"/>
           </a:xfrm>
           <a:prstGeom prst="roundRect">
             <a:avLst>
@@ -7468,10 +8138,10 @@
       </p:sp>
       <p:sp>
         <p:nvSpPr>
-          <p:cNvPr id="145" name="Retângulo: Cantos Arredondados 144">
+          <p:cNvPr id="89" name="Retângulo: Cantos Arredondados 88">
             <a:extLst>
               <a:ext uri="{FF2B5EF4-FFF2-40B4-BE49-F238E27FC236}">
-                <a16:creationId xmlns:a16="http://schemas.microsoft.com/office/drawing/2014/main" id="{DDFD4832-ECF0-9DB1-75B6-8371D2DF925B}"/>
+                <a16:creationId xmlns:a16="http://schemas.microsoft.com/office/drawing/2014/main" id="{0DF3DBC2-C59E-1F85-195E-B689CCF66914}"/>
               </a:ext>
             </a:extLst>
           </p:cNvPr>
@@ -7480,8 +8150,8 @@
         </p:nvSpPr>
         <p:spPr>
           <a:xfrm>
-            <a:off x="15335000" y="2882836"/>
-            <a:ext cx="2623931" cy="1027411"/>
+            <a:off x="9555293" y="7816679"/>
+            <a:ext cx="2694535" cy="1246838"/>
           </a:xfrm>
           <a:prstGeom prst="roundRect">
             <a:avLst>
@@ -7535,10 +8205,10 @@
       </p:sp>
       <p:sp>
         <p:nvSpPr>
-          <p:cNvPr id="146" name="Retângulo: Cantos Arredondados 145">
+          <p:cNvPr id="92" name="Retângulo: Cantos Arredondados 91">
             <a:extLst>
               <a:ext uri="{FF2B5EF4-FFF2-40B4-BE49-F238E27FC236}">
-                <a16:creationId xmlns:a16="http://schemas.microsoft.com/office/drawing/2014/main" id="{6A705F0C-21F7-4572-222F-9AA210D482BA}"/>
+                <a16:creationId xmlns:a16="http://schemas.microsoft.com/office/drawing/2014/main" id="{612559C1-5B90-188C-13A1-FBE50BE197FF}"/>
               </a:ext>
             </a:extLst>
           </p:cNvPr>
@@ -7547,8 +8217,8 @@
         </p:nvSpPr>
         <p:spPr>
           <a:xfrm>
-            <a:off x="18225937" y="2882836"/>
-            <a:ext cx="2623931" cy="1027411"/>
+            <a:off x="12439336" y="7816680"/>
+            <a:ext cx="1834573" cy="1246838"/>
           </a:xfrm>
           <a:prstGeom prst="roundRect">
             <a:avLst>
@@ -7602,198 +8272,10 @@
       </p:sp>
       <p:sp>
         <p:nvSpPr>
-          <p:cNvPr id="148" name="CaixaDeTexto 147">
+          <p:cNvPr id="157" name="Retângulo: Cantos Arredondados 156">
             <a:extLst>
               <a:ext uri="{FF2B5EF4-FFF2-40B4-BE49-F238E27FC236}">
-                <a16:creationId xmlns:a16="http://schemas.microsoft.com/office/drawing/2014/main" id="{88C38D57-014B-1A49-24E4-B2523E88BF68}"/>
-              </a:ext>
-            </a:extLst>
-          </p:cNvPr>
-          <p:cNvSpPr txBox="1"/>
-          <p:nvPr/>
-        </p:nvSpPr>
-        <p:spPr>
-          <a:xfrm>
-            <a:off x="7334579" y="2865286"/>
-            <a:ext cx="1615109" cy="369332"/>
-          </a:xfrm>
-          <a:prstGeom prst="rect">
-            <a:avLst/>
-          </a:prstGeom>
-          <a:noFill/>
-        </p:spPr>
-        <p:txBody>
-          <a:bodyPr wrap="square" rtlCol="0">
-            <a:spAutoFit/>
-          </a:bodyPr>
-          <a:lstStyle/>
-          <a:p>
-            <a:r>
-              <a:rPr lang="pt-BR" dirty="0">
-                <a:latin typeface="Montserrat SemiBold" panose="00000700000000000000" pitchFamily="2" charset="0"/>
-              </a:rPr>
-              <a:t>MÊS/ANO</a:t>
-            </a:r>
-          </a:p>
-        </p:txBody>
-      </p:sp>
-      <p:sp>
-        <p:nvSpPr>
-          <p:cNvPr id="149" name="CaixaDeTexto 148">
-            <a:extLst>
-              <a:ext uri="{FF2B5EF4-FFF2-40B4-BE49-F238E27FC236}">
-                <a16:creationId xmlns:a16="http://schemas.microsoft.com/office/drawing/2014/main" id="{F34DFD02-0EB3-AF7B-D7F6-B0729CCAD0BF}"/>
-              </a:ext>
-            </a:extLst>
-          </p:cNvPr>
-          <p:cNvSpPr txBox="1"/>
-          <p:nvPr/>
-        </p:nvSpPr>
-        <p:spPr>
-          <a:xfrm>
-            <a:off x="9908099" y="2865286"/>
-            <a:ext cx="1615109" cy="369332"/>
-          </a:xfrm>
-          <a:prstGeom prst="rect">
-            <a:avLst/>
-          </a:prstGeom>
-          <a:noFill/>
-        </p:spPr>
-        <p:txBody>
-          <a:bodyPr wrap="square" rtlCol="0">
-            <a:spAutoFit/>
-          </a:bodyPr>
-          <a:lstStyle/>
-          <a:p>
-            <a:r>
-              <a:rPr lang="pt-BR" dirty="0">
-                <a:latin typeface="Montserrat SemiBold" panose="00000700000000000000" pitchFamily="2" charset="0"/>
-              </a:rPr>
-              <a:t>DADOS ATÉ</a:t>
-            </a:r>
-          </a:p>
-        </p:txBody>
-      </p:sp>
-      <p:sp>
-        <p:nvSpPr>
-          <p:cNvPr id="150" name="CaixaDeTexto 149">
-            <a:extLst>
-              <a:ext uri="{FF2B5EF4-FFF2-40B4-BE49-F238E27FC236}">
-                <a16:creationId xmlns:a16="http://schemas.microsoft.com/office/drawing/2014/main" id="{CBFC3A96-E519-BCB9-3AB3-4039DCD7567F}"/>
-              </a:ext>
-            </a:extLst>
-          </p:cNvPr>
-          <p:cNvSpPr txBox="1"/>
-          <p:nvPr/>
-        </p:nvSpPr>
-        <p:spPr>
-          <a:xfrm>
-            <a:off x="12457530" y="3081071"/>
-            <a:ext cx="2610463" cy="630942"/>
-          </a:xfrm>
-          <a:prstGeom prst="rect">
-            <a:avLst/>
-          </a:prstGeom>
-          <a:noFill/>
-        </p:spPr>
-        <p:txBody>
-          <a:bodyPr wrap="square" rtlCol="0">
-            <a:spAutoFit/>
-          </a:bodyPr>
-          <a:lstStyle/>
-          <a:p>
-            <a:pPr algn="ctr"/>
-            <a:r>
-              <a:rPr lang="pt-BR" sz="3500" dirty="0">
-                <a:latin typeface="Montserrat SemiBold" panose="00000700000000000000" pitchFamily="2" charset="0"/>
-              </a:rPr>
-              <a:t>CP</a:t>
-            </a:r>
-          </a:p>
-        </p:txBody>
-      </p:sp>
-      <p:sp>
-        <p:nvSpPr>
-          <p:cNvPr id="151" name="CaixaDeTexto 150">
-            <a:extLst>
-              <a:ext uri="{FF2B5EF4-FFF2-40B4-BE49-F238E27FC236}">
-                <a16:creationId xmlns:a16="http://schemas.microsoft.com/office/drawing/2014/main" id="{09E85FB7-6515-D3F9-6526-E7278F4054D4}"/>
-              </a:ext>
-            </a:extLst>
-          </p:cNvPr>
-          <p:cNvSpPr txBox="1"/>
-          <p:nvPr/>
-        </p:nvSpPr>
-        <p:spPr>
-          <a:xfrm>
-            <a:off x="15359653" y="3081070"/>
-            <a:ext cx="2610463" cy="630942"/>
-          </a:xfrm>
-          <a:prstGeom prst="rect">
-            <a:avLst/>
-          </a:prstGeom>
-          <a:noFill/>
-        </p:spPr>
-        <p:txBody>
-          <a:bodyPr wrap="square" rtlCol="0">
-            <a:spAutoFit/>
-          </a:bodyPr>
-          <a:lstStyle/>
-          <a:p>
-            <a:pPr algn="ctr"/>
-            <a:r>
-              <a:rPr lang="pt-BR" sz="3500" dirty="0">
-                <a:latin typeface="Montserrat SemiBold" panose="00000700000000000000" pitchFamily="2" charset="0"/>
-              </a:rPr>
-              <a:t>BH</a:t>
-            </a:r>
-          </a:p>
-        </p:txBody>
-      </p:sp>
-      <p:sp>
-        <p:nvSpPr>
-          <p:cNvPr id="152" name="CaixaDeTexto 151">
-            <a:extLst>
-              <a:ext uri="{FF2B5EF4-FFF2-40B4-BE49-F238E27FC236}">
-                <a16:creationId xmlns:a16="http://schemas.microsoft.com/office/drawing/2014/main" id="{2FAB080C-644A-2544-2A06-0D380F3A3584}"/>
-              </a:ext>
-            </a:extLst>
-          </p:cNvPr>
-          <p:cNvSpPr txBox="1"/>
-          <p:nvPr/>
-        </p:nvSpPr>
-        <p:spPr>
-          <a:xfrm>
-            <a:off x="18255253" y="3081070"/>
-            <a:ext cx="2610463" cy="630942"/>
-          </a:xfrm>
-          <a:prstGeom prst="rect">
-            <a:avLst/>
-          </a:prstGeom>
-          <a:noFill/>
-        </p:spPr>
-        <p:txBody>
-          <a:bodyPr wrap="square" rtlCol="0">
-            <a:spAutoFit/>
-          </a:bodyPr>
-          <a:lstStyle/>
-          <a:p>
-            <a:pPr algn="ctr"/>
-            <a:r>
-              <a:rPr lang="pt-BR" sz="3500" dirty="0">
-                <a:latin typeface="Montserrat SemiBold" panose="00000700000000000000" pitchFamily="2" charset="0"/>
-              </a:rPr>
-              <a:t>UDI</a:t>
-            </a:r>
-          </a:p>
-        </p:txBody>
-      </p:sp>
-      <p:sp>
-        <p:nvSpPr>
-          <p:cNvPr id="153" name="Retângulo: Cantos Arredondados 152">
-            <a:extLst>
-              <a:ext uri="{FF2B5EF4-FFF2-40B4-BE49-F238E27FC236}">
-                <a16:creationId xmlns:a16="http://schemas.microsoft.com/office/drawing/2014/main" id="{A11F4EB7-BF56-086A-7D7F-E179293BE2EF}"/>
+                <a16:creationId xmlns:a16="http://schemas.microsoft.com/office/drawing/2014/main" id="{8BC99E70-BC79-0FB2-C0E0-F44CB6022CF2}"/>
               </a:ext>
             </a:extLst>
           </p:cNvPr>
@@ -7802,12 +8284,12 @@
         </p:nvSpPr>
         <p:spPr>
           <a:xfrm>
-            <a:off x="2474842" y="4385396"/>
-            <a:ext cx="9711892" cy="1027411"/>
+            <a:off x="1957167" y="3438598"/>
+            <a:ext cx="3214370" cy="4065050"/>
           </a:xfrm>
           <a:prstGeom prst="roundRect">
             <a:avLst>
-              <a:gd name="adj" fmla="val 16306"/>
+              <a:gd name="adj" fmla="val 12069"/>
             </a:avLst>
           </a:prstGeom>
           <a:solidFill>
@@ -7857,10 +8339,10 @@
       </p:sp>
       <p:sp>
         <p:nvSpPr>
-          <p:cNvPr id="154" name="Retângulo: Cantos Arredondados 153">
+          <p:cNvPr id="158" name="Retângulo: Cantos Arredondados 157">
             <a:extLst>
               <a:ext uri="{FF2B5EF4-FFF2-40B4-BE49-F238E27FC236}">
-                <a16:creationId xmlns:a16="http://schemas.microsoft.com/office/drawing/2014/main" id="{3408759C-5820-7334-EA8A-BB4593D047F4}"/>
+                <a16:creationId xmlns:a16="http://schemas.microsoft.com/office/drawing/2014/main" id="{524CACD0-EF3A-F790-E98A-04AD8E831494}"/>
               </a:ext>
             </a:extLst>
           </p:cNvPr>
@@ -7869,8 +8351,8 @@
         </p:nvSpPr>
         <p:spPr>
           <a:xfrm>
-            <a:off x="12458722" y="4385397"/>
-            <a:ext cx="2623931" cy="1027411"/>
+            <a:off x="6182999" y="3475286"/>
+            <a:ext cx="2369394" cy="1193152"/>
           </a:xfrm>
           <a:prstGeom prst="roundRect">
             <a:avLst>
@@ -7924,10 +8406,10 @@
       </p:sp>
       <p:sp>
         <p:nvSpPr>
-          <p:cNvPr id="155" name="Retângulo: Cantos Arredondados 154">
+          <p:cNvPr id="54" name="Retângulo: Cantos Arredondados 53">
             <a:extLst>
               <a:ext uri="{FF2B5EF4-FFF2-40B4-BE49-F238E27FC236}">
-                <a16:creationId xmlns:a16="http://schemas.microsoft.com/office/drawing/2014/main" id="{BA30E024-6942-978C-40C3-03926D365CB3}"/>
+                <a16:creationId xmlns:a16="http://schemas.microsoft.com/office/drawing/2014/main" id="{8A563621-235C-E514-779E-C0EF13577EB6}"/>
               </a:ext>
             </a:extLst>
           </p:cNvPr>
@@ -7936,8 +8418,8 @@
         </p:nvSpPr>
         <p:spPr>
           <a:xfrm>
-            <a:off x="15342297" y="4385396"/>
-            <a:ext cx="2623931" cy="1027411"/>
+            <a:off x="9555293" y="3442403"/>
+            <a:ext cx="2694535" cy="1226035"/>
           </a:xfrm>
           <a:prstGeom prst="roundRect">
             <a:avLst>
@@ -7991,10 +8473,10 @@
       </p:sp>
       <p:sp>
         <p:nvSpPr>
-          <p:cNvPr id="156" name="Retângulo: Cantos Arredondados 155">
+          <p:cNvPr id="57" name="Retângulo: Cantos Arredondados 56">
             <a:extLst>
               <a:ext uri="{FF2B5EF4-FFF2-40B4-BE49-F238E27FC236}">
-                <a16:creationId xmlns:a16="http://schemas.microsoft.com/office/drawing/2014/main" id="{3AE100AF-80A4-B144-93E6-91EB2F3610E3}"/>
+                <a16:creationId xmlns:a16="http://schemas.microsoft.com/office/drawing/2014/main" id="{58377AB8-F6BB-D72C-CD4D-1B57A1C11D8A}"/>
               </a:ext>
             </a:extLst>
           </p:cNvPr>
@@ -8003,8 +8485,8 @@
         </p:nvSpPr>
         <p:spPr>
           <a:xfrm>
-            <a:off x="18233234" y="4385396"/>
-            <a:ext cx="2623931" cy="1027411"/>
+            <a:off x="12439874" y="3442403"/>
+            <a:ext cx="1834919" cy="1226035"/>
           </a:xfrm>
           <a:prstGeom prst="roundRect">
             <a:avLst>
@@ -8058,10 +8540,10 @@
       </p:sp>
       <p:sp>
         <p:nvSpPr>
-          <p:cNvPr id="157" name="Retângulo: Cantos Arredondados 156">
+          <p:cNvPr id="62" name="Retângulo: Cantos Arredondados 61">
             <a:extLst>
               <a:ext uri="{FF2B5EF4-FFF2-40B4-BE49-F238E27FC236}">
-                <a16:creationId xmlns:a16="http://schemas.microsoft.com/office/drawing/2014/main" id="{8BC99E70-BC79-0FB2-C0E0-F44CB6022CF2}"/>
+                <a16:creationId xmlns:a16="http://schemas.microsoft.com/office/drawing/2014/main" id="{2B0F531D-92BE-6ED3-8282-623DEAA6E43A}"/>
               </a:ext>
             </a:extLst>
           </p:cNvPr>
@@ -8070,8 +8552,8 @@
         </p:nvSpPr>
         <p:spPr>
           <a:xfrm>
-            <a:off x="2476075" y="5665961"/>
-            <a:ext cx="4867055" cy="3375281"/>
+            <a:off x="9572657" y="4872078"/>
+            <a:ext cx="2694535" cy="1226035"/>
           </a:xfrm>
           <a:prstGeom prst="roundRect">
             <a:avLst>
@@ -8125,10 +8607,10 @@
       </p:sp>
       <p:sp>
         <p:nvSpPr>
-          <p:cNvPr id="160" name="Retângulo: Cantos Arredondados 159">
+          <p:cNvPr id="65" name="Retângulo: Cantos Arredondados 64">
             <a:extLst>
               <a:ext uri="{FF2B5EF4-FFF2-40B4-BE49-F238E27FC236}">
-                <a16:creationId xmlns:a16="http://schemas.microsoft.com/office/drawing/2014/main" id="{5B3CACDB-8549-22C2-3C50-6EEB777D2EC2}"/>
+                <a16:creationId xmlns:a16="http://schemas.microsoft.com/office/drawing/2014/main" id="{BD236040-C13D-1122-7E18-797C46ED32D8}"/>
               </a:ext>
             </a:extLst>
           </p:cNvPr>
@@ -8137,8 +8619,8 @@
         </p:nvSpPr>
         <p:spPr>
           <a:xfrm>
-            <a:off x="2464904" y="9294957"/>
-            <a:ext cx="4867055" cy="4710074"/>
+            <a:off x="14556371" y="4872078"/>
+            <a:ext cx="2742433" cy="1226035"/>
           </a:xfrm>
           <a:prstGeom prst="roundRect">
             <a:avLst>
@@ -8192,10 +8674,10 @@
       </p:sp>
       <p:sp>
         <p:nvSpPr>
-          <p:cNvPr id="165" name="Retângulo: Cantos Arredondados 164">
+          <p:cNvPr id="71" name="Retângulo: Cantos Arredondados 70">
             <a:extLst>
               <a:ext uri="{FF2B5EF4-FFF2-40B4-BE49-F238E27FC236}">
-                <a16:creationId xmlns:a16="http://schemas.microsoft.com/office/drawing/2014/main" id="{9E35ADAB-4500-85D2-49AC-2D2D2DA7F667}"/>
+                <a16:creationId xmlns:a16="http://schemas.microsoft.com/office/drawing/2014/main" id="{85774930-A20F-FD33-E347-8899C8D11D2C}"/>
               </a:ext>
             </a:extLst>
           </p:cNvPr>
@@ -8204,8 +8686,8 @@
         </p:nvSpPr>
         <p:spPr>
           <a:xfrm>
-            <a:off x="12467273" y="5665961"/>
-            <a:ext cx="2623931" cy="1027411"/>
+            <a:off x="12457238" y="4872078"/>
+            <a:ext cx="1834572" cy="1259274"/>
           </a:xfrm>
           <a:prstGeom prst="roundRect">
             <a:avLst>
@@ -8259,10 +8741,10 @@
       </p:sp>
       <p:sp>
         <p:nvSpPr>
-          <p:cNvPr id="166" name="Retângulo: Cantos Arredondados 165">
+          <p:cNvPr id="74" name="Retângulo: Cantos Arredondados 73">
             <a:extLst>
               <a:ext uri="{FF2B5EF4-FFF2-40B4-BE49-F238E27FC236}">
-                <a16:creationId xmlns:a16="http://schemas.microsoft.com/office/drawing/2014/main" id="{03DBA0A0-BDE4-9A45-1D02-96438A0B90C1}"/>
+                <a16:creationId xmlns:a16="http://schemas.microsoft.com/office/drawing/2014/main" id="{31F571F7-9540-27AE-55FA-C16402F31C64}"/>
               </a:ext>
             </a:extLst>
           </p:cNvPr>
@@ -8271,8 +8753,8 @@
         </p:nvSpPr>
         <p:spPr>
           <a:xfrm>
-            <a:off x="15350848" y="5665960"/>
-            <a:ext cx="2623931" cy="1027411"/>
+            <a:off x="9572657" y="6301754"/>
+            <a:ext cx="2694536" cy="1189220"/>
           </a:xfrm>
           <a:prstGeom prst="roundRect">
             <a:avLst>
@@ -8326,10 +8808,10 @@
       </p:sp>
       <p:sp>
         <p:nvSpPr>
-          <p:cNvPr id="167" name="Retângulo: Cantos Arredondados 166">
+          <p:cNvPr id="118" name="Retângulo: Cantos Arredondados 117">
             <a:extLst>
               <a:ext uri="{FF2B5EF4-FFF2-40B4-BE49-F238E27FC236}">
-                <a16:creationId xmlns:a16="http://schemas.microsoft.com/office/drawing/2014/main" id="{C696FE22-9F29-A889-700B-3197520F1870}"/>
+                <a16:creationId xmlns:a16="http://schemas.microsoft.com/office/drawing/2014/main" id="{9737D41C-2FEB-40F2-4E38-70FCE7068E5F}"/>
               </a:ext>
             </a:extLst>
           </p:cNvPr>
@@ -8338,8 +8820,8 @@
         </p:nvSpPr>
         <p:spPr>
           <a:xfrm>
-            <a:off x="18241785" y="5665960"/>
-            <a:ext cx="2623931" cy="1027411"/>
+            <a:off x="6182999" y="4904961"/>
+            <a:ext cx="2369394" cy="1193152"/>
           </a:xfrm>
           <a:prstGeom prst="roundRect">
             <a:avLst>
@@ -8393,10 +8875,10 @@
       </p:sp>
       <p:sp>
         <p:nvSpPr>
-          <p:cNvPr id="168" name="Retângulo: Cantos Arredondados 167">
+          <p:cNvPr id="121" name="Retângulo: Cantos Arredondados 120">
             <a:extLst>
               <a:ext uri="{FF2B5EF4-FFF2-40B4-BE49-F238E27FC236}">
-                <a16:creationId xmlns:a16="http://schemas.microsoft.com/office/drawing/2014/main" id="{5F5D3B6C-BEBC-40EA-E3EE-23D0A6DEC0B6}"/>
+                <a16:creationId xmlns:a16="http://schemas.microsoft.com/office/drawing/2014/main" id="{814884C3-9863-AB81-29FB-B93E3F6BC312}"/>
               </a:ext>
             </a:extLst>
           </p:cNvPr>
@@ -8405,8 +8887,8 @@
         </p:nvSpPr>
         <p:spPr>
           <a:xfrm>
-            <a:off x="12467273" y="6839896"/>
-            <a:ext cx="2623931" cy="1027411"/>
+            <a:off x="6182998" y="6334637"/>
+            <a:ext cx="2369393" cy="1193152"/>
           </a:xfrm>
           <a:prstGeom prst="roundRect">
             <a:avLst>
@@ -8460,10 +8942,10 @@
       </p:sp>
       <p:sp>
         <p:nvSpPr>
-          <p:cNvPr id="169" name="Retângulo: Cantos Arredondados 168">
+          <p:cNvPr id="9" name="Retângulo: Cantos Arredondados 8">
             <a:extLst>
               <a:ext uri="{FF2B5EF4-FFF2-40B4-BE49-F238E27FC236}">
-                <a16:creationId xmlns:a16="http://schemas.microsoft.com/office/drawing/2014/main" id="{D4CC22EE-E35C-7B36-C328-6FD26CC7F929}"/>
+                <a16:creationId xmlns:a16="http://schemas.microsoft.com/office/drawing/2014/main" id="{E02A7D68-039B-12EE-54AB-F9705F17A6BB}"/>
               </a:ext>
             </a:extLst>
           </p:cNvPr>
@@ -8472,8 +8954,8 @@
         </p:nvSpPr>
         <p:spPr>
           <a:xfrm>
-            <a:off x="15350848" y="6839895"/>
-            <a:ext cx="2623931" cy="1027411"/>
+            <a:off x="1957167" y="9385290"/>
+            <a:ext cx="3205802" cy="2776412"/>
           </a:xfrm>
           <a:prstGeom prst="roundRect">
             <a:avLst>
@@ -8527,10 +9009,10 @@
       </p:sp>
       <p:sp>
         <p:nvSpPr>
-          <p:cNvPr id="170" name="Retângulo: Cantos Arredondados 169">
+          <p:cNvPr id="13" name="Retângulo: Cantos Arredondados 12">
             <a:extLst>
               <a:ext uri="{FF2B5EF4-FFF2-40B4-BE49-F238E27FC236}">
-                <a16:creationId xmlns:a16="http://schemas.microsoft.com/office/drawing/2014/main" id="{E724DC4F-2B1F-D022-0402-DAABA3B8AED1}"/>
+                <a16:creationId xmlns:a16="http://schemas.microsoft.com/office/drawing/2014/main" id="{53E40706-FFF2-B2A3-8E78-8CC3C1FD9ACC}"/>
               </a:ext>
             </a:extLst>
           </p:cNvPr>
@@ -8539,8 +9021,8 @@
         </p:nvSpPr>
         <p:spPr>
           <a:xfrm>
-            <a:off x="18241785" y="6839895"/>
-            <a:ext cx="2623931" cy="1027411"/>
+            <a:off x="6177324" y="9419497"/>
+            <a:ext cx="2380743" cy="1314272"/>
           </a:xfrm>
           <a:prstGeom prst="roundRect">
             <a:avLst>
@@ -8594,10 +9076,10 @@
       </p:sp>
       <p:sp>
         <p:nvSpPr>
-          <p:cNvPr id="171" name="Retângulo: Cantos Arredondados 170">
+          <p:cNvPr id="33" name="Retângulo: Cantos Arredondados 32">
             <a:extLst>
               <a:ext uri="{FF2B5EF4-FFF2-40B4-BE49-F238E27FC236}">
-                <a16:creationId xmlns:a16="http://schemas.microsoft.com/office/drawing/2014/main" id="{33E91E83-83CE-7683-13B3-5D18D4342B3F}"/>
+                <a16:creationId xmlns:a16="http://schemas.microsoft.com/office/drawing/2014/main" id="{68F08910-AAD6-D2CA-3CCD-0314949BC47B}"/>
               </a:ext>
             </a:extLst>
           </p:cNvPr>
@@ -8606,8 +9088,8 @@
         </p:nvSpPr>
         <p:spPr>
           <a:xfrm>
-            <a:off x="12458722" y="9294957"/>
-            <a:ext cx="2623930" cy="1027411"/>
+            <a:off x="6182998" y="10951209"/>
+            <a:ext cx="2369395" cy="1303397"/>
           </a:xfrm>
           <a:prstGeom prst="roundRect">
             <a:avLst>
@@ -8661,10 +9143,10 @@
       </p:sp>
       <p:sp>
         <p:nvSpPr>
-          <p:cNvPr id="172" name="Retângulo: Cantos Arredondados 171">
+          <p:cNvPr id="125" name="Retângulo: Cantos Arredondados 124">
             <a:extLst>
               <a:ext uri="{FF2B5EF4-FFF2-40B4-BE49-F238E27FC236}">
-                <a16:creationId xmlns:a16="http://schemas.microsoft.com/office/drawing/2014/main" id="{BB5AEE58-99A9-12DE-BF7A-C54726B38505}"/>
+                <a16:creationId xmlns:a16="http://schemas.microsoft.com/office/drawing/2014/main" id="{93373488-6332-0ABE-FEBE-4F5FCF64B00B}"/>
               </a:ext>
             </a:extLst>
           </p:cNvPr>
@@ -8673,8 +9155,8 @@
         </p:nvSpPr>
         <p:spPr>
           <a:xfrm>
-            <a:off x="15342297" y="9294956"/>
-            <a:ext cx="2623931" cy="1027411"/>
+            <a:off x="9555293" y="9385290"/>
+            <a:ext cx="2694535" cy="1314272"/>
           </a:xfrm>
           <a:prstGeom prst="roundRect">
             <a:avLst>
@@ -8728,10 +9210,10 @@
       </p:sp>
       <p:sp>
         <p:nvSpPr>
-          <p:cNvPr id="173" name="Retângulo: Cantos Arredondados 172">
+          <p:cNvPr id="128" name="Retângulo: Cantos Arredondados 127">
             <a:extLst>
               <a:ext uri="{FF2B5EF4-FFF2-40B4-BE49-F238E27FC236}">
-                <a16:creationId xmlns:a16="http://schemas.microsoft.com/office/drawing/2014/main" id="{67EE728F-DCD0-3771-2690-4B4796FA008E}"/>
+                <a16:creationId xmlns:a16="http://schemas.microsoft.com/office/drawing/2014/main" id="{CA01915F-3237-0349-C3E3-C90C7B83F23D}"/>
               </a:ext>
             </a:extLst>
           </p:cNvPr>
@@ -8740,8 +9222,8 @@
         </p:nvSpPr>
         <p:spPr>
           <a:xfrm>
-            <a:off x="18233234" y="9294956"/>
-            <a:ext cx="2623931" cy="1027411"/>
+            <a:off x="9555287" y="10918326"/>
+            <a:ext cx="2694535" cy="1303396"/>
           </a:xfrm>
           <a:prstGeom prst="roundRect">
             <a:avLst>
@@ -8795,10 +9277,10 @@
       </p:sp>
       <p:sp>
         <p:nvSpPr>
-          <p:cNvPr id="174" name="Retângulo: Cantos Arredondados 173">
+          <p:cNvPr id="96" name="Retângulo: Cantos Arredondados 95">
             <a:extLst>
               <a:ext uri="{FF2B5EF4-FFF2-40B4-BE49-F238E27FC236}">
-                <a16:creationId xmlns:a16="http://schemas.microsoft.com/office/drawing/2014/main" id="{2855D23F-E7C2-E46D-E89E-1774371EB6CD}"/>
+                <a16:creationId xmlns:a16="http://schemas.microsoft.com/office/drawing/2014/main" id="{CF2C6ED4-B22E-D2DE-DB9F-D1DDB78EE00C}"/>
               </a:ext>
             </a:extLst>
           </p:cNvPr>
@@ -8807,8 +9289,8 @@
         </p:nvSpPr>
         <p:spPr>
           <a:xfrm>
-            <a:off x="12458722" y="10520074"/>
-            <a:ext cx="2623931" cy="1027411"/>
+            <a:off x="1957167" y="12529544"/>
+            <a:ext cx="3205802" cy="1303397"/>
           </a:xfrm>
           <a:prstGeom prst="roundRect">
             <a:avLst>
@@ -8862,10 +9344,10 @@
       </p:sp>
       <p:sp>
         <p:nvSpPr>
-          <p:cNvPr id="175" name="Retângulo: Cantos Arredondados 174">
+          <p:cNvPr id="103" name="Retângulo: Cantos Arredondados 102">
             <a:extLst>
               <a:ext uri="{FF2B5EF4-FFF2-40B4-BE49-F238E27FC236}">
-                <a16:creationId xmlns:a16="http://schemas.microsoft.com/office/drawing/2014/main" id="{3C049348-6EF6-A466-B179-DB4D59DC64F1}"/>
+                <a16:creationId xmlns:a16="http://schemas.microsoft.com/office/drawing/2014/main" id="{6E79562D-833A-7A4B-609E-39D35B20967A}"/>
               </a:ext>
             </a:extLst>
           </p:cNvPr>
@@ -8874,8 +9356,8 @@
         </p:nvSpPr>
         <p:spPr>
           <a:xfrm>
-            <a:off x="15342297" y="10520073"/>
-            <a:ext cx="2623931" cy="1027411"/>
+            <a:off x="9555292" y="12535293"/>
+            <a:ext cx="2681689" cy="1297648"/>
           </a:xfrm>
           <a:prstGeom prst="roundRect">
             <a:avLst>
@@ -8929,10 +9411,10 @@
       </p:sp>
       <p:sp>
         <p:nvSpPr>
-          <p:cNvPr id="176" name="Retângulo: Cantos Arredondados 175">
+          <p:cNvPr id="106" name="Retângulo: Cantos Arredondados 105">
             <a:extLst>
               <a:ext uri="{FF2B5EF4-FFF2-40B4-BE49-F238E27FC236}">
-                <a16:creationId xmlns:a16="http://schemas.microsoft.com/office/drawing/2014/main" id="{E3756911-CFCB-3480-A472-0A5EFE56D6A6}"/>
+                <a16:creationId xmlns:a16="http://schemas.microsoft.com/office/drawing/2014/main" id="{8FEB8220-2AF0-5A66-7C16-8626B0513F8F}"/>
               </a:ext>
             </a:extLst>
           </p:cNvPr>
@@ -8941,8 +9423,8 @@
         </p:nvSpPr>
         <p:spPr>
           <a:xfrm>
-            <a:off x="18233234" y="10520073"/>
-            <a:ext cx="2623931" cy="1027411"/>
+            <a:off x="17546538" y="12535293"/>
+            <a:ext cx="2742432" cy="1297648"/>
           </a:xfrm>
           <a:prstGeom prst="roundRect">
             <a:avLst>
@@ -8996,10 +9478,10 @@
       </p:sp>
       <p:sp>
         <p:nvSpPr>
-          <p:cNvPr id="177" name="Retângulo: Cantos Arredondados 176">
+          <p:cNvPr id="109" name="Retângulo: Cantos Arredondados 108">
             <a:extLst>
               <a:ext uri="{FF2B5EF4-FFF2-40B4-BE49-F238E27FC236}">
-                <a16:creationId xmlns:a16="http://schemas.microsoft.com/office/drawing/2014/main" id="{E52EC4B2-6D4D-6A12-D943-E2DB84116E1D}"/>
+                <a16:creationId xmlns:a16="http://schemas.microsoft.com/office/drawing/2014/main" id="{26502253-01ED-C638-F533-908953EBF611}"/>
               </a:ext>
             </a:extLst>
           </p:cNvPr>
@@ -9008,8 +9490,8 @@
         </p:nvSpPr>
         <p:spPr>
           <a:xfrm>
-            <a:off x="12458722" y="11747070"/>
-            <a:ext cx="2623931" cy="1027411"/>
+            <a:off x="20554067" y="12535293"/>
+            <a:ext cx="2211003" cy="1297648"/>
           </a:xfrm>
           <a:prstGeom prst="roundRect">
             <a:avLst>
@@ -9063,10 +9545,10 @@
       </p:sp>
       <p:sp>
         <p:nvSpPr>
-          <p:cNvPr id="178" name="Retângulo: Cantos Arredondados 177">
+          <p:cNvPr id="112" name="Retângulo: Cantos Arredondados 111">
             <a:extLst>
               <a:ext uri="{FF2B5EF4-FFF2-40B4-BE49-F238E27FC236}">
-                <a16:creationId xmlns:a16="http://schemas.microsoft.com/office/drawing/2014/main" id="{AB33AEC2-5B55-1ACA-B7CD-FDEF7777C6A5}"/>
+                <a16:creationId xmlns:a16="http://schemas.microsoft.com/office/drawing/2014/main" id="{36E1505D-D530-E6A3-6C8D-8C550BA31A23}"/>
               </a:ext>
             </a:extLst>
           </p:cNvPr>
@@ -9075,8 +9557,8 @@
         </p:nvSpPr>
         <p:spPr>
           <a:xfrm>
-            <a:off x="15342297" y="11747069"/>
-            <a:ext cx="2623931" cy="1027411"/>
+            <a:off x="14539007" y="12554849"/>
+            <a:ext cx="2742433" cy="1297648"/>
           </a:xfrm>
           <a:prstGeom prst="roundRect">
             <a:avLst>
@@ -9130,10 +9612,10 @@
       </p:sp>
       <p:sp>
         <p:nvSpPr>
-          <p:cNvPr id="179" name="Retângulo: Cantos Arredondados 178">
+          <p:cNvPr id="115" name="Retângulo: Cantos Arredondados 114">
             <a:extLst>
               <a:ext uri="{FF2B5EF4-FFF2-40B4-BE49-F238E27FC236}">
-                <a16:creationId xmlns:a16="http://schemas.microsoft.com/office/drawing/2014/main" id="{BE1A6011-1DA7-6A2F-C18B-43C875C63C27}"/>
+                <a16:creationId xmlns:a16="http://schemas.microsoft.com/office/drawing/2014/main" id="{F79145F2-BC32-231F-51F6-5195D5CDA596}"/>
               </a:ext>
             </a:extLst>
           </p:cNvPr>
@@ -9142,8 +9624,8 @@
         </p:nvSpPr>
         <p:spPr>
           <a:xfrm>
-            <a:off x="18233234" y="11747069"/>
-            <a:ext cx="2623931" cy="1027411"/>
+            <a:off x="12439338" y="12554850"/>
+            <a:ext cx="1834572" cy="1297648"/>
           </a:xfrm>
           <a:prstGeom prst="roundRect">
             <a:avLst>
@@ -9197,10 +9679,10 @@
       </p:sp>
       <p:sp>
         <p:nvSpPr>
-          <p:cNvPr id="180" name="Retângulo: Cantos Arredondados 179">
+          <p:cNvPr id="131" name="Retângulo: Cantos Arredondados 130">
             <a:extLst>
               <a:ext uri="{FF2B5EF4-FFF2-40B4-BE49-F238E27FC236}">
-                <a16:creationId xmlns:a16="http://schemas.microsoft.com/office/drawing/2014/main" id="{81B5D431-5392-742E-5616-0504EECF72BA}"/>
+                <a16:creationId xmlns:a16="http://schemas.microsoft.com/office/drawing/2014/main" id="{7EDDCDB1-6BEA-5DCF-660E-542BE9DE8E37}"/>
               </a:ext>
             </a:extLst>
           </p:cNvPr>
@@ -9209,8 +9691,8 @@
         </p:nvSpPr>
         <p:spPr>
           <a:xfrm>
-            <a:off x="12458722" y="12983557"/>
-            <a:ext cx="2623931" cy="1027411"/>
+            <a:off x="6182998" y="12562427"/>
+            <a:ext cx="2369395" cy="1303397"/>
           </a:xfrm>
           <a:prstGeom prst="roundRect">
             <a:avLst>
@@ -9264,10 +9746,10 @@
       </p:sp>
       <p:sp>
         <p:nvSpPr>
-          <p:cNvPr id="181" name="Retângulo: Cantos Arredondados 180">
+          <p:cNvPr id="145" name="Retângulo: Cantos Arredondados 144">
             <a:extLst>
               <a:ext uri="{FF2B5EF4-FFF2-40B4-BE49-F238E27FC236}">
-                <a16:creationId xmlns:a16="http://schemas.microsoft.com/office/drawing/2014/main" id="{C9C2C7AA-4811-2F01-529F-6E79B3113EF6}"/>
+                <a16:creationId xmlns:a16="http://schemas.microsoft.com/office/drawing/2014/main" id="{030091D0-DA27-3FF6-16DF-E6FE00D4E3F9}"/>
               </a:ext>
             </a:extLst>
           </p:cNvPr>
@@ -9276,8 +9758,8 @@
         </p:nvSpPr>
         <p:spPr>
           <a:xfrm>
-            <a:off x="15342297" y="12983556"/>
-            <a:ext cx="2623931" cy="1027411"/>
+            <a:off x="8474276" y="144564"/>
+            <a:ext cx="2196758" cy="845277"/>
           </a:xfrm>
           <a:prstGeom prst="roundRect">
             <a:avLst>
@@ -9325,16 +9807,55 @@
           <a:lstStyle/>
           <a:p>
             <a:pPr algn="ctr"/>
-            <a:endParaRPr lang="pt-BR" sz="1265"/>
+            <a:endParaRPr lang="pt-BR" sz="1265" dirty="0"/>
           </a:p>
         </p:txBody>
       </p:sp>
       <p:sp>
         <p:nvSpPr>
-          <p:cNvPr id="182" name="Retângulo: Cantos Arredondados 181">
+          <p:cNvPr id="146" name="CaixaDeTexto 145">
             <a:extLst>
               <a:ext uri="{FF2B5EF4-FFF2-40B4-BE49-F238E27FC236}">
-                <a16:creationId xmlns:a16="http://schemas.microsoft.com/office/drawing/2014/main" id="{04CF91C1-0A60-39AD-9DA3-D806E4085538}"/>
+                <a16:creationId xmlns:a16="http://schemas.microsoft.com/office/drawing/2014/main" id="{3D13B7D9-24DD-C745-DFE3-43A136A39C69}"/>
+              </a:ext>
+            </a:extLst>
+          </p:cNvPr>
+          <p:cNvSpPr txBox="1"/>
+          <p:nvPr/>
+        </p:nvSpPr>
+        <p:spPr>
+          <a:xfrm>
+            <a:off x="6990067" y="353322"/>
+            <a:ext cx="1539976" cy="400110"/>
+          </a:xfrm>
+          <a:prstGeom prst="rect">
+            <a:avLst/>
+          </a:prstGeom>
+          <a:noFill/>
+        </p:spPr>
+        <p:txBody>
+          <a:bodyPr wrap="square" rtlCol="0">
+            <a:spAutoFit/>
+          </a:bodyPr>
+          <a:lstStyle/>
+          <a:p>
+            <a:pPr algn="ctr"/>
+            <a:r>
+              <a:rPr lang="pt-BR" sz="2000" b="1" dirty="0">
+                <a:latin typeface="Segoe UI" panose="020B0502040204020203" pitchFamily="34" charset="0"/>
+                <a:cs typeface="Segoe UI" panose="020B0502040204020203" pitchFamily="34" charset="0"/>
+              </a:rPr>
+              <a:t>MÊS/ANO</a:t>
+            </a:r>
+          </a:p>
+        </p:txBody>
+      </p:sp>
+      <p:sp>
+        <p:nvSpPr>
+          <p:cNvPr id="147" name="Retângulo: Cantos Arredondados 146">
+            <a:extLst>
+              <a:ext uri="{FF2B5EF4-FFF2-40B4-BE49-F238E27FC236}">
+                <a16:creationId xmlns:a16="http://schemas.microsoft.com/office/drawing/2014/main" id="{594CFBBE-B81E-EA1F-DFF2-E30E26F2CBAA}"/>
               </a:ext>
             </a:extLst>
           </p:cNvPr>
@@ -9343,8 +9864,8 @@
         </p:nvSpPr>
         <p:spPr>
           <a:xfrm>
-            <a:off x="18233234" y="12983556"/>
-            <a:ext cx="2623931" cy="1027411"/>
+            <a:off x="14207098" y="144565"/>
+            <a:ext cx="2196758" cy="845276"/>
           </a:xfrm>
           <a:prstGeom prst="roundRect">
             <a:avLst>
@@ -9392,322 +9913,16 @@
           <a:lstStyle/>
           <a:p>
             <a:pPr algn="ctr"/>
-            <a:endParaRPr lang="pt-BR" sz="1265"/>
+            <a:endParaRPr lang="pt-BR" sz="1265" dirty="0"/>
           </a:p>
         </p:txBody>
       </p:sp>
-      <p:grpSp>
-        <p:nvGrpSpPr>
-          <p:cNvPr id="66" name="Agrupar 65">
+      <p:sp>
+        <p:nvSpPr>
+          <p:cNvPr id="148" name="CaixaDeTexto 147">
             <a:extLst>
               <a:ext uri="{FF2B5EF4-FFF2-40B4-BE49-F238E27FC236}">
-                <a16:creationId xmlns:a16="http://schemas.microsoft.com/office/drawing/2014/main" id="{7448234F-0052-FAAA-3319-F10F6AF0AEBF}"/>
-              </a:ext>
-            </a:extLst>
-          </p:cNvPr>
-          <p:cNvGrpSpPr/>
-          <p:nvPr/>
-        </p:nvGrpSpPr>
-        <p:grpSpPr>
-          <a:xfrm>
-            <a:off x="330115" y="1414013"/>
-            <a:ext cx="1318250" cy="1201335"/>
-            <a:chOff x="328180" y="1842785"/>
-            <a:chExt cx="1307397" cy="1259089"/>
-          </a:xfrm>
-          <a:effectLst>
-            <a:glow rad="101600">
-              <a:schemeClr val="accent4">
-                <a:satMod val="175000"/>
-                <a:alpha val="40000"/>
-              </a:schemeClr>
-            </a:glow>
-          </a:effectLst>
-        </p:grpSpPr>
-        <p:pic>
-          <p:nvPicPr>
-            <p:cNvPr id="67" name="Imagem 66">
-              <a:extLst>
-                <a:ext uri="{FF2B5EF4-FFF2-40B4-BE49-F238E27FC236}">
-                  <a16:creationId xmlns:a16="http://schemas.microsoft.com/office/drawing/2014/main" id="{79E628B3-1C86-5318-84A9-9A8053ADED2D}"/>
-                </a:ext>
-              </a:extLst>
-            </p:cNvPr>
-            <p:cNvPicPr>
-              <a:picLocks noChangeAspect="1"/>
-            </p:cNvPicPr>
-            <p:nvPr/>
-          </p:nvPicPr>
-          <p:blipFill>
-            <a:blip r:embed="rId3">
-              <a:extLst>
-                <a:ext uri="{28A0092B-C50C-407E-A947-70E740481C1C}">
-                  <a14:useLocalDpi xmlns:a14="http://schemas.microsoft.com/office/drawing/2010/main" val="0"/>
-                </a:ext>
-              </a:extLst>
-            </a:blip>
-            <a:srcRect/>
-            <a:stretch/>
-          </p:blipFill>
-          <p:spPr>
-            <a:xfrm>
-              <a:off x="479794" y="1842785"/>
-              <a:ext cx="1004167" cy="1004167"/>
-            </a:xfrm>
-            <a:prstGeom prst="rect">
-              <a:avLst/>
-            </a:prstGeom>
-            <a:ln w="38100" cap="rnd" cmpd="sng">
-              <a:noFill/>
-              <a:prstDash val="solid"/>
-              <a:round/>
-              <a:extLst>
-                <a:ext uri="{C807C97D-BFC1-408E-A445-0C87EB9F89A2}">
-                  <ask:lineSketchStyleProps xmlns:ask="http://schemas.microsoft.com/office/drawing/2018/sketchyshapes" sd="1219033472">
-                    <a:custGeom>
-                      <a:avLst/>
-                      <a:gdLst>
-                        <a:gd name="connsiteX0" fmla="*/ 0 w 1287117"/>
-                        <a:gd name="connsiteY0" fmla="*/ 0 h 1305274"/>
-                        <a:gd name="connsiteX1" fmla="*/ 1287117 w 1287117"/>
-                        <a:gd name="connsiteY1" fmla="*/ 0 h 1305274"/>
-                        <a:gd name="connsiteX2" fmla="*/ 1287117 w 1287117"/>
-                        <a:gd name="connsiteY2" fmla="*/ 1305274 h 1305274"/>
-                        <a:gd name="connsiteX3" fmla="*/ 0 w 1287117"/>
-                        <a:gd name="connsiteY3" fmla="*/ 1305274 h 1305274"/>
-                        <a:gd name="connsiteX4" fmla="*/ 0 w 1287117"/>
-                        <a:gd name="connsiteY4" fmla="*/ 0 h 1305274"/>
-                      </a:gdLst>
-                      <a:ahLst/>
-                      <a:cxnLst>
-                        <a:cxn ang="0">
-                          <a:pos x="connsiteX0" y="connsiteY0"/>
-                        </a:cxn>
-                        <a:cxn ang="0">
-                          <a:pos x="connsiteX1" y="connsiteY1"/>
-                        </a:cxn>
-                        <a:cxn ang="0">
-                          <a:pos x="connsiteX2" y="connsiteY2"/>
-                        </a:cxn>
-                        <a:cxn ang="0">
-                          <a:pos x="connsiteX3" y="connsiteY3"/>
-                        </a:cxn>
-                        <a:cxn ang="0">
-                          <a:pos x="connsiteX4" y="connsiteY4"/>
-                        </a:cxn>
-                      </a:cxnLst>
-                      <a:rect l="l" t="t" r="r" b="b"/>
-                      <a:pathLst>
-                        <a:path w="1287117" h="1305274" fill="none" extrusionOk="0">
-                          <a:moveTo>
-                            <a:pt x="0" y="0"/>
-                          </a:moveTo>
-                          <a:cubicBezTo>
-                            <a:pt x="424078" y="-41831"/>
-                            <a:pt x="1012293" y="-82524"/>
-                            <a:pt x="1287117" y="0"/>
-                          </a:cubicBezTo>
-                          <a:cubicBezTo>
-                            <a:pt x="1359431" y="442770"/>
-                            <a:pt x="1364764" y="807517"/>
-                            <a:pt x="1287117" y="1305274"/>
-                          </a:cubicBezTo>
-                          <a:cubicBezTo>
-                            <a:pt x="1019975" y="1211853"/>
-                            <a:pt x="373143" y="1360628"/>
-                            <a:pt x="0" y="1305274"/>
-                          </a:cubicBezTo>
-                          <a:cubicBezTo>
-                            <a:pt x="54185" y="702839"/>
-                            <a:pt x="-26656" y="637328"/>
-                            <a:pt x="0" y="0"/>
-                          </a:cubicBezTo>
-                          <a:close/>
-                        </a:path>
-                        <a:path w="1287117" h="1305274" stroke="0" extrusionOk="0">
-                          <a:moveTo>
-                            <a:pt x="0" y="0"/>
-                          </a:moveTo>
-                          <a:cubicBezTo>
-                            <a:pt x="620702" y="30296"/>
-                            <a:pt x="869864" y="-62033"/>
-                            <a:pt x="1287117" y="0"/>
-                          </a:cubicBezTo>
-                          <a:cubicBezTo>
-                            <a:pt x="1234736" y="585200"/>
-                            <a:pt x="1192732" y="978202"/>
-                            <a:pt x="1287117" y="1305274"/>
-                          </a:cubicBezTo>
-                          <a:cubicBezTo>
-                            <a:pt x="1064962" y="1190797"/>
-                            <a:pt x="589531" y="1233812"/>
-                            <a:pt x="0" y="1305274"/>
-                          </a:cubicBezTo>
-                          <a:cubicBezTo>
-                            <a:pt x="-381" y="773785"/>
-                            <a:pt x="-64649" y="496574"/>
-                            <a:pt x="0" y="0"/>
-                          </a:cubicBezTo>
-                          <a:close/>
-                        </a:path>
-                      </a:pathLst>
-                    </a:custGeom>
-                    <ask:type>
-                      <ask:lineSketchNone/>
-                    </ask:type>
-                  </ask:lineSketchStyleProps>
-                </a:ext>
-              </a:extLst>
-            </a:ln>
-          </p:spPr>
-        </p:pic>
-        <p:sp>
-          <p:nvSpPr>
-            <p:cNvPr id="68" name="CaixaDeTexto 67">
-              <a:extLst>
-                <a:ext uri="{FF2B5EF4-FFF2-40B4-BE49-F238E27FC236}">
-                  <a16:creationId xmlns:a16="http://schemas.microsoft.com/office/drawing/2014/main" id="{D5D19823-648B-BF74-AC1B-714F59C7C199}"/>
-                </a:ext>
-              </a:extLst>
-            </p:cNvPr>
-            <p:cNvSpPr txBox="1"/>
-            <p:nvPr/>
-          </p:nvSpPr>
-          <p:spPr>
-            <a:xfrm>
-              <a:off x="328180" y="2824875"/>
-              <a:ext cx="1307397" cy="276999"/>
-            </a:xfrm>
-            <a:prstGeom prst="rect">
-              <a:avLst/>
-            </a:prstGeom>
-            <a:noFill/>
-          </p:spPr>
-          <p:txBody>
-            <a:bodyPr wrap="square" rtlCol="0">
-              <a:spAutoFit/>
-            </a:bodyPr>
-            <a:lstStyle/>
-            <a:p>
-              <a:pPr algn="ctr"/>
-              <a:r>
-                <a:rPr lang="pt-BR" sz="1200" b="1" dirty="0">
-                  <a:latin typeface="Montserrat" panose="00000500000000000000" pitchFamily="2" charset="0"/>
-                </a:rPr>
-                <a:t>DASHBOARD</a:t>
-              </a:r>
-              <a:endParaRPr lang="pt-BR" sz="1100" b="1" dirty="0">
-                <a:latin typeface="Montserrat" panose="00000500000000000000" pitchFamily="2" charset="0"/>
-              </a:endParaRPr>
-            </a:p>
-          </p:txBody>
-        </p:sp>
-      </p:grpSp>
-      <p:grpSp>
-        <p:nvGrpSpPr>
-          <p:cNvPr id="6" name="Agrupar 5">
-            <a:extLst>
-              <a:ext uri="{FF2B5EF4-FFF2-40B4-BE49-F238E27FC236}">
-                <a16:creationId xmlns:a16="http://schemas.microsoft.com/office/drawing/2014/main" id="{1C7D6577-1327-7B56-5D5C-ECA28D7204CA}"/>
-              </a:ext>
-            </a:extLst>
-          </p:cNvPr>
-          <p:cNvGrpSpPr/>
-          <p:nvPr/>
-        </p:nvGrpSpPr>
-        <p:grpSpPr>
-          <a:xfrm>
-            <a:off x="223837" y="2766523"/>
-            <a:ext cx="1483519" cy="1510731"/>
-            <a:chOff x="223837" y="2766523"/>
-            <a:chExt cx="1483519" cy="1510731"/>
-          </a:xfrm>
-          <a:effectLst/>
-        </p:grpSpPr>
-        <p:pic>
-          <p:nvPicPr>
-            <p:cNvPr id="7" name="Imagem 6" descr="Forma&#10;&#10;O conteúdo gerado por IA pode estar incorreto.">
-              <a:extLst>
-                <a:ext uri="{FF2B5EF4-FFF2-40B4-BE49-F238E27FC236}">
-                  <a16:creationId xmlns:a16="http://schemas.microsoft.com/office/drawing/2014/main" id="{0C328D27-94E4-A75B-1C8F-9719899C08E4}"/>
-                </a:ext>
-              </a:extLst>
-            </p:cNvPr>
-            <p:cNvPicPr>
-              <a:picLocks noChangeAspect="1"/>
-            </p:cNvPicPr>
-            <p:nvPr/>
-          </p:nvPicPr>
-          <p:blipFill>
-            <a:blip r:embed="rId4">
-              <a:extLst>
-                <a:ext uri="{28A0092B-C50C-407E-A947-70E740481C1C}">
-                  <a14:useLocalDpi xmlns:a14="http://schemas.microsoft.com/office/drawing/2010/main" val="0"/>
-                </a:ext>
-              </a:extLst>
-            </a:blip>
-            <a:stretch>
-              <a:fillRect/>
-            </a:stretch>
-          </p:blipFill>
-          <p:spPr>
-            <a:xfrm>
-              <a:off x="446601" y="2766523"/>
-              <a:ext cx="1085276" cy="1085276"/>
-            </a:xfrm>
-            <a:prstGeom prst="rect">
-              <a:avLst/>
-            </a:prstGeom>
-          </p:spPr>
-        </p:pic>
-        <p:sp>
-          <p:nvSpPr>
-            <p:cNvPr id="8" name="CaixaDeTexto 7">
-              <a:extLst>
-                <a:ext uri="{FF2B5EF4-FFF2-40B4-BE49-F238E27FC236}">
-                  <a16:creationId xmlns:a16="http://schemas.microsoft.com/office/drawing/2014/main" id="{45D49CEA-CE9B-3945-76BE-5EAC1B52CA31}"/>
-                </a:ext>
-              </a:extLst>
-            </p:cNvPr>
-            <p:cNvSpPr txBox="1"/>
-            <p:nvPr/>
-          </p:nvSpPr>
-          <p:spPr>
-            <a:xfrm>
-              <a:off x="223837" y="3815589"/>
-              <a:ext cx="1483519" cy="461665"/>
-            </a:xfrm>
-            <a:prstGeom prst="rect">
-              <a:avLst/>
-            </a:prstGeom>
-            <a:noFill/>
-          </p:spPr>
-          <p:txBody>
-            <a:bodyPr wrap="square" rtlCol="0">
-              <a:spAutoFit/>
-            </a:bodyPr>
-            <a:lstStyle/>
-            <a:p>
-              <a:pPr algn="ctr"/>
-              <a:r>
-                <a:rPr lang="pt-BR" sz="1200" b="1" dirty="0">
-                  <a:latin typeface="Montserrat" panose="00000500000000000000" pitchFamily="2" charset="0"/>
-                </a:rPr>
-                <a:t>RELAÇÃO DE COLAB.</a:t>
-              </a:r>
-              <a:endParaRPr lang="pt-BR" sz="1100" b="1" dirty="0">
-                <a:latin typeface="Montserrat" panose="00000500000000000000" pitchFamily="2" charset="0"/>
-              </a:endParaRPr>
-            </a:p>
-          </p:txBody>
-        </p:sp>
-      </p:grpSp>
-      <p:sp>
-        <p:nvSpPr>
-          <p:cNvPr id="2" name="CaixaDeTexto 1">
-            <a:extLst>
-              <a:ext uri="{FF2B5EF4-FFF2-40B4-BE49-F238E27FC236}">
-                <a16:creationId xmlns:a16="http://schemas.microsoft.com/office/drawing/2014/main" id="{8EEB12B9-8229-8289-6D3A-C6DE546C125A}"/>
+                <a16:creationId xmlns:a16="http://schemas.microsoft.com/office/drawing/2014/main" id="{2DF2B039-D948-971D-1A83-FBEE1DAE5AAC}"/>
               </a:ext>
             </a:extLst>
           </p:cNvPr>
@@ -9716,8 +9931,8 @@
         </p:nvSpPr>
         <p:spPr>
           <a:xfrm>
-            <a:off x="2474842" y="4606714"/>
-            <a:ext cx="9711892" cy="584775"/>
+            <a:off x="11789814" y="213259"/>
+            <a:ext cx="2396883" cy="707886"/>
           </a:xfrm>
           <a:prstGeom prst="rect">
             <a:avLst/>
@@ -9730,22 +9945,58 @@
           </a:bodyPr>
           <a:lstStyle/>
           <a:p>
+            <a:pPr algn="ctr"/>
             <a:r>
-              <a:rPr lang="pt-BR" sz="3200" b="1" dirty="0">
+              <a:rPr lang="pt-BR" sz="2000" b="1" dirty="0">
                 <a:latin typeface="Segoe UI" panose="020B0502040204020203" pitchFamily="34" charset="0"/>
                 <a:cs typeface="Segoe UI" panose="020B0502040204020203" pitchFamily="34" charset="0"/>
               </a:rPr>
-              <a:t>TOTAL DE COLABORADORES</a:t>
+              <a:t>TOTAL COLABORADORES</a:t>
             </a:r>
           </a:p>
         </p:txBody>
       </p:sp>
+      <p:pic>
+        <p:nvPicPr>
+          <p:cNvPr id="20" name="Imagem 19">
+            <a:extLst>
+              <a:ext uri="{FF2B5EF4-FFF2-40B4-BE49-F238E27FC236}">
+                <a16:creationId xmlns:a16="http://schemas.microsoft.com/office/drawing/2014/main" id="{771D005A-E660-9EFB-F7E0-1329B67ED14F}"/>
+              </a:ext>
+            </a:extLst>
+          </p:cNvPr>
+          <p:cNvPicPr>
+            <a:picLocks noChangeAspect="1"/>
+          </p:cNvPicPr>
+          <p:nvPr/>
+        </p:nvPicPr>
+        <p:blipFill>
+          <a:blip r:embed="rId5">
+            <a:extLst>
+              <a:ext uri="{28A0092B-C50C-407E-A947-70E740481C1C}">
+                <a14:useLocalDpi xmlns:a14="http://schemas.microsoft.com/office/drawing/2010/main" val="0"/>
+              </a:ext>
+            </a:extLst>
+          </a:blip>
+          <a:srcRect/>
+          <a:stretch/>
+        </p:blipFill>
+        <p:spPr>
+          <a:xfrm>
+            <a:off x="440768" y="4399375"/>
+            <a:ext cx="1085276" cy="1085276"/>
+          </a:xfrm>
+          <a:prstGeom prst="rect">
+            <a:avLst/>
+          </a:prstGeom>
+        </p:spPr>
+      </p:pic>
       <p:sp>
         <p:nvSpPr>
-          <p:cNvPr id="3" name="CaixaDeTexto 2">
+          <p:cNvPr id="21" name="CaixaDeTexto 20">
             <a:extLst>
               <a:ext uri="{FF2B5EF4-FFF2-40B4-BE49-F238E27FC236}">
-                <a16:creationId xmlns:a16="http://schemas.microsoft.com/office/drawing/2014/main" id="{E5102F83-9EE3-AE10-0FEC-189545EA7258}"/>
+                <a16:creationId xmlns:a16="http://schemas.microsoft.com/office/drawing/2014/main" id="{1E2C32F3-8281-7F08-1050-8C1F3032F5C2}"/>
               </a:ext>
             </a:extLst>
           </p:cNvPr>
@@ -9754,8 +10005,8 @@
         </p:nvSpPr>
         <p:spPr>
           <a:xfrm>
-            <a:off x="2483393" y="7061214"/>
-            <a:ext cx="4857117" cy="584775"/>
+            <a:off x="218004" y="5448441"/>
+            <a:ext cx="1483519" cy="461665"/>
           </a:xfrm>
           <a:prstGeom prst="rect">
             <a:avLst/>
@@ -9770,60 +10021,23 @@
           <a:p>
             <a:pPr algn="ctr"/>
             <a:r>
-              <a:rPr lang="pt-BR" sz="3200" b="1" dirty="0">
-                <a:latin typeface="Segoe UI" panose="020B0502040204020203" pitchFamily="34" charset="0"/>
-                <a:cs typeface="Segoe UI" panose="020B0502040204020203" pitchFamily="34" charset="0"/>
+              <a:rPr lang="pt-BR" sz="1200" b="1" dirty="0">
+                <a:latin typeface="Montserrat" panose="00000500000000000000" pitchFamily="2" charset="0"/>
               </a:rPr>
-              <a:t>DIRETORIA</a:t>
+              <a:t>EVOLUÇÃO HORAS EXTRAS</a:t>
             </a:r>
+            <a:endParaRPr lang="pt-BR" sz="1100" b="1" dirty="0">
+              <a:latin typeface="Montserrat" panose="00000500000000000000" pitchFamily="2" charset="0"/>
+            </a:endParaRPr>
           </a:p>
         </p:txBody>
       </p:sp>
       <p:sp>
         <p:nvSpPr>
-          <p:cNvPr id="5" name="CaixaDeTexto 4">
+          <p:cNvPr id="25" name="Retângulo: Cantos Arredondados 24">
             <a:extLst>
               <a:ext uri="{FF2B5EF4-FFF2-40B4-BE49-F238E27FC236}">
-                <a16:creationId xmlns:a16="http://schemas.microsoft.com/office/drawing/2014/main" id="{82F12346-26D4-DC18-7F7E-C31A7527D648}"/>
-              </a:ext>
-            </a:extLst>
-          </p:cNvPr>
-          <p:cNvSpPr txBox="1"/>
-          <p:nvPr/>
-        </p:nvSpPr>
-        <p:spPr>
-          <a:xfrm>
-            <a:off x="2474842" y="11357607"/>
-            <a:ext cx="4857117" cy="584775"/>
-          </a:xfrm>
-          <a:prstGeom prst="rect">
-            <a:avLst/>
-          </a:prstGeom>
-          <a:noFill/>
-        </p:spPr>
-        <p:txBody>
-          <a:bodyPr wrap="square" rtlCol="0">
-            <a:spAutoFit/>
-          </a:bodyPr>
-          <a:lstStyle/>
-          <a:p>
-            <a:pPr algn="ctr"/>
-            <a:r>
-              <a:rPr lang="pt-BR" sz="3200" b="1" dirty="0">
-                <a:latin typeface="Segoe UI" panose="020B0502040204020203" pitchFamily="34" charset="0"/>
-                <a:cs typeface="Segoe UI" panose="020B0502040204020203" pitchFamily="34" charset="0"/>
-              </a:rPr>
-              <a:t>TIME</a:t>
-            </a:r>
-          </a:p>
-        </p:txBody>
-      </p:sp>
-      <p:sp>
-        <p:nvSpPr>
-          <p:cNvPr id="11" name="Retângulo: Cantos Arredondados 10">
-            <a:extLst>
-              <a:ext uri="{FF2B5EF4-FFF2-40B4-BE49-F238E27FC236}">
-                <a16:creationId xmlns:a16="http://schemas.microsoft.com/office/drawing/2014/main" id="{8FC47550-7831-8B00-6984-754AB5086D81}"/>
+                <a16:creationId xmlns:a16="http://schemas.microsoft.com/office/drawing/2014/main" id="{C6B0E2C3-D3CF-7FA0-CF0B-25D60F664170}"/>
               </a:ext>
             </a:extLst>
           </p:cNvPr>
@@ -9832,16 +10046,16 @@
         </p:nvSpPr>
         <p:spPr>
           <a:xfrm>
-            <a:off x="12467273" y="8013832"/>
-            <a:ext cx="2623931" cy="1027411"/>
+            <a:off x="1957166" y="3462740"/>
+            <a:ext cx="3214370" cy="564438"/>
           </a:xfrm>
           <a:prstGeom prst="roundRect">
             <a:avLst>
-              <a:gd name="adj" fmla="val 16306"/>
+              <a:gd name="adj" fmla="val 22677"/>
             </a:avLst>
           </a:prstGeom>
           <a:solidFill>
-            <a:schemeClr val="bg1"/>
+            <a:srgbClr val="D9D9D9"/>
           </a:solidFill>
           <a:ln>
             <a:noFill/>
@@ -9881,16 +10095,24 @@
           <a:lstStyle/>
           <a:p>
             <a:pPr algn="ctr"/>
-            <a:endParaRPr lang="pt-BR" sz="1265"/>
+            <a:r>
+              <a:rPr lang="pt-BR" sz="3000" dirty="0">
+                <a:solidFill>
+                  <a:schemeClr val="tx1"/>
+                </a:solidFill>
+                <a:latin typeface="Montserrat SemiBold" panose="00000700000000000000" pitchFamily="2" charset="0"/>
+              </a:rPr>
+              <a:t>COMERCIAL</a:t>
+            </a:r>
           </a:p>
         </p:txBody>
       </p:sp>
       <p:sp>
         <p:nvSpPr>
-          <p:cNvPr id="12" name="Retângulo: Cantos Arredondados 11">
+          <p:cNvPr id="26" name="Retângulo: Cantos Arredondados 25">
             <a:extLst>
               <a:ext uri="{FF2B5EF4-FFF2-40B4-BE49-F238E27FC236}">
-                <a16:creationId xmlns:a16="http://schemas.microsoft.com/office/drawing/2014/main" id="{1BAFE5F5-5550-432C-2139-53D17AEBCCC8}"/>
+                <a16:creationId xmlns:a16="http://schemas.microsoft.com/office/drawing/2014/main" id="{C9C6E1AC-B92D-44FA-9036-6CE9CF93B856}"/>
               </a:ext>
             </a:extLst>
           </p:cNvPr>
@@ -9899,16 +10121,16 @@
         </p:nvSpPr>
         <p:spPr>
           <a:xfrm>
-            <a:off x="15350848" y="8013831"/>
-            <a:ext cx="2623931" cy="1027411"/>
+            <a:off x="1965727" y="7801835"/>
+            <a:ext cx="3214370" cy="485055"/>
           </a:xfrm>
           <a:prstGeom prst="roundRect">
             <a:avLst>
-              <a:gd name="adj" fmla="val 16306"/>
+              <a:gd name="adj" fmla="val 22677"/>
             </a:avLst>
           </a:prstGeom>
           <a:solidFill>
-            <a:schemeClr val="bg1"/>
+            <a:srgbClr val="D9D9D9"/>
           </a:solidFill>
           <a:ln>
             <a:noFill/>
@@ -9948,16 +10170,24 @@
           <a:lstStyle/>
           <a:p>
             <a:pPr algn="ctr"/>
-            <a:endParaRPr lang="pt-BR" sz="1265"/>
+            <a:r>
+              <a:rPr lang="pt-BR" sz="3000" dirty="0">
+                <a:solidFill>
+                  <a:schemeClr val="tx1"/>
+                </a:solidFill>
+                <a:latin typeface="Montserrat SemiBold" panose="00000700000000000000" pitchFamily="2" charset="0"/>
+              </a:rPr>
+              <a:t>OPER. I</a:t>
+            </a:r>
           </a:p>
         </p:txBody>
       </p:sp>
       <p:sp>
         <p:nvSpPr>
-          <p:cNvPr id="13" name="Retângulo: Cantos Arredondados 12">
+          <p:cNvPr id="28" name="Retângulo: Cantos Arredondados 27">
             <a:extLst>
               <a:ext uri="{FF2B5EF4-FFF2-40B4-BE49-F238E27FC236}">
-                <a16:creationId xmlns:a16="http://schemas.microsoft.com/office/drawing/2014/main" id="{36B89301-1D27-56A8-3D03-5EA2FE87F13D}"/>
+                <a16:creationId xmlns:a16="http://schemas.microsoft.com/office/drawing/2014/main" id="{244A254B-6641-8ED4-7790-C9CF8FF20C36}"/>
               </a:ext>
             </a:extLst>
           </p:cNvPr>
@@ -9966,16 +10196,16 @@
         </p:nvSpPr>
         <p:spPr>
           <a:xfrm>
-            <a:off x="18241785" y="8013831"/>
-            <a:ext cx="2623931" cy="1027411"/>
+            <a:off x="1965727" y="9375657"/>
+            <a:ext cx="3214370" cy="485055"/>
           </a:xfrm>
           <a:prstGeom prst="roundRect">
             <a:avLst>
-              <a:gd name="adj" fmla="val 16306"/>
+              <a:gd name="adj" fmla="val 22677"/>
             </a:avLst>
           </a:prstGeom>
           <a:solidFill>
-            <a:schemeClr val="bg1"/>
+            <a:srgbClr val="D9D9D9"/>
           </a:solidFill>
           <a:ln>
             <a:noFill/>
@@ -10015,892 +10245,1885 @@
           <a:lstStyle/>
           <a:p>
             <a:pPr algn="ctr"/>
-            <a:endParaRPr lang="pt-BR" sz="1265"/>
+            <a:r>
+              <a:rPr lang="pt-BR" sz="3000" dirty="0">
+                <a:solidFill>
+                  <a:schemeClr val="tx1"/>
+                </a:solidFill>
+                <a:latin typeface="Montserrat SemiBold" panose="00000700000000000000" pitchFamily="2" charset="0"/>
+              </a:rPr>
+              <a:t>OPER. II</a:t>
+            </a:r>
           </a:p>
         </p:txBody>
       </p:sp>
-      <p:grpSp>
-        <p:nvGrpSpPr>
-          <p:cNvPr id="31" name="Agrupar 30">
+      <p:sp>
+        <p:nvSpPr>
+          <p:cNvPr id="29" name="Retângulo: Cantos Arredondados 28">
             <a:extLst>
               <a:ext uri="{FF2B5EF4-FFF2-40B4-BE49-F238E27FC236}">
-                <a16:creationId xmlns:a16="http://schemas.microsoft.com/office/drawing/2014/main" id="{40A9665B-B4C5-46CC-FF62-DC3F6C46F468}"/>
+                <a16:creationId xmlns:a16="http://schemas.microsoft.com/office/drawing/2014/main" id="{B42A10D6-9CBF-D30E-4911-E212BFA08903}"/>
               </a:ext>
             </a:extLst>
           </p:cNvPr>
-          <p:cNvGrpSpPr/>
+          <p:cNvSpPr/>
           <p:nvPr/>
-        </p:nvGrpSpPr>
-        <p:grpSpPr>
+        </p:nvSpPr>
+        <p:spPr>
           <a:xfrm>
-            <a:off x="7667992" y="5665961"/>
-            <a:ext cx="4557273" cy="1027411"/>
-            <a:chOff x="7639907" y="5665961"/>
-            <a:chExt cx="4557273" cy="1027411"/>
+            <a:off x="1965727" y="12537178"/>
+            <a:ext cx="3197242" cy="485055"/>
           </a:xfrm>
-        </p:grpSpPr>
-        <p:sp>
-          <p:nvSpPr>
-            <p:cNvPr id="158" name="Retângulo: Cantos Arredondados 157">
-              <a:extLst>
-                <a:ext uri="{FF2B5EF4-FFF2-40B4-BE49-F238E27FC236}">
-                  <a16:creationId xmlns:a16="http://schemas.microsoft.com/office/drawing/2014/main" id="{524CACD0-EF3A-F790-E98A-04AD8E831494}"/>
-                </a:ext>
-              </a:extLst>
-            </p:cNvPr>
-            <p:cNvSpPr/>
-            <p:nvPr/>
-          </p:nvSpPr>
-          <p:spPr>
-            <a:xfrm>
-              <a:off x="7639907" y="5665961"/>
-              <a:ext cx="4557273" cy="1027411"/>
-            </a:xfrm>
-            <a:prstGeom prst="roundRect">
-              <a:avLst>
-                <a:gd name="adj" fmla="val 16306"/>
-              </a:avLst>
-            </a:prstGeom>
-            <a:solidFill>
-              <a:schemeClr val="bg1"/>
-            </a:solidFill>
-            <a:ln>
-              <a:noFill/>
-            </a:ln>
-            <a:effectLst>
-              <a:glow rad="63500">
-                <a:schemeClr val="bg1">
-                  <a:lumMod val="75000"/>
-                  <a:alpha val="40000"/>
-                </a:schemeClr>
-              </a:glow>
-              <a:outerShdw blurRad="50800" dist="38100" dir="5400000" algn="t" rotWithShape="0">
-                <a:schemeClr val="tx1">
-                  <a:alpha val="40000"/>
-                </a:schemeClr>
-              </a:outerShdw>
-            </a:effectLst>
-          </p:spPr>
-          <p:style>
-            <a:lnRef idx="2">
-              <a:schemeClr val="accent1">
-                <a:shade val="50000"/>
-              </a:schemeClr>
-            </a:lnRef>
-            <a:fillRef idx="1">
-              <a:schemeClr val="accent1"/>
-            </a:fillRef>
-            <a:effectRef idx="0">
-              <a:schemeClr val="accent1"/>
-            </a:effectRef>
-            <a:fontRef idx="minor">
-              <a:schemeClr val="lt1"/>
-            </a:fontRef>
-          </p:style>
-          <p:txBody>
-            <a:bodyPr rtlCol="0" anchor="ctr"/>
-            <a:lstStyle/>
-            <a:p>
-              <a:pPr algn="ctr"/>
-              <a:endParaRPr lang="pt-BR" sz="1265"/>
-            </a:p>
-          </p:txBody>
-        </p:sp>
-        <p:sp>
-          <p:nvSpPr>
-            <p:cNvPr id="23" name="CaixaDeTexto 22">
-              <a:extLst>
-                <a:ext uri="{FF2B5EF4-FFF2-40B4-BE49-F238E27FC236}">
-                  <a16:creationId xmlns:a16="http://schemas.microsoft.com/office/drawing/2014/main" id="{9529BB95-03BF-C9E6-17AD-2945B5BABF91}"/>
-                </a:ext>
-              </a:extLst>
-            </p:cNvPr>
-            <p:cNvSpPr txBox="1"/>
-            <p:nvPr/>
-          </p:nvSpPr>
-          <p:spPr>
-            <a:xfrm>
-              <a:off x="7639907" y="5887279"/>
-              <a:ext cx="3410714" cy="584775"/>
-            </a:xfrm>
-            <a:prstGeom prst="rect">
-              <a:avLst/>
-            </a:prstGeom>
+          <a:prstGeom prst="roundRect">
+            <a:avLst>
+              <a:gd name="adj" fmla="val 22677"/>
+            </a:avLst>
+          </a:prstGeom>
+          <a:solidFill>
+            <a:srgbClr val="D9D9D9"/>
+          </a:solidFill>
+          <a:ln>
             <a:noFill/>
-          </p:spPr>
-          <p:txBody>
-            <a:bodyPr wrap="square" rtlCol="0">
-              <a:spAutoFit/>
-            </a:bodyPr>
-            <a:lstStyle/>
-            <a:p>
-              <a:r>
-                <a:rPr lang="pt-BR" sz="3200" b="1" dirty="0">
-                  <a:latin typeface="Segoe UI" panose="020B0502040204020203" pitchFamily="34" charset="0"/>
-                  <a:cs typeface="Segoe UI" panose="020B0502040204020203" pitchFamily="34" charset="0"/>
-                </a:rPr>
-                <a:t>COMERCIAL</a:t>
-              </a:r>
-            </a:p>
-          </p:txBody>
-        </p:sp>
-      </p:grpSp>
-      <p:grpSp>
-        <p:nvGrpSpPr>
-          <p:cNvPr id="32" name="Agrupar 31">
+          </a:ln>
+          <a:effectLst>
+            <a:glow rad="63500">
+              <a:schemeClr val="bg1">
+                <a:lumMod val="75000"/>
+                <a:alpha val="40000"/>
+              </a:schemeClr>
+            </a:glow>
+            <a:outerShdw blurRad="50800" dist="38100" dir="5400000" algn="t" rotWithShape="0">
+              <a:schemeClr val="tx1">
+                <a:alpha val="40000"/>
+              </a:schemeClr>
+            </a:outerShdw>
+          </a:effectLst>
+        </p:spPr>
+        <p:style>
+          <a:lnRef idx="2">
+            <a:schemeClr val="accent1">
+              <a:shade val="50000"/>
+            </a:schemeClr>
+          </a:lnRef>
+          <a:fillRef idx="1">
+            <a:schemeClr val="accent1"/>
+          </a:fillRef>
+          <a:effectRef idx="0">
+            <a:schemeClr val="accent1"/>
+          </a:effectRef>
+          <a:fontRef idx="minor">
+            <a:schemeClr val="lt1"/>
+          </a:fontRef>
+        </p:style>
+        <p:txBody>
+          <a:bodyPr rtlCol="0" anchor="ctr"/>
+          <a:lstStyle/>
+          <a:p>
+            <a:pPr algn="ctr"/>
+            <a:r>
+              <a:rPr lang="pt-BR" sz="3000" dirty="0">
+                <a:solidFill>
+                  <a:schemeClr val="tx1"/>
+                </a:solidFill>
+                <a:latin typeface="Montserrat SemiBold" panose="00000700000000000000" pitchFamily="2" charset="0"/>
+              </a:rPr>
+              <a:t>ADM-FIN</a:t>
+            </a:r>
+          </a:p>
+        </p:txBody>
+      </p:sp>
+      <p:sp>
+        <p:nvSpPr>
+          <p:cNvPr id="30" name="Retângulo: Cantos Arredondados 29">
             <a:extLst>
               <a:ext uri="{FF2B5EF4-FFF2-40B4-BE49-F238E27FC236}">
-                <a16:creationId xmlns:a16="http://schemas.microsoft.com/office/drawing/2014/main" id="{E084E14C-DC23-4143-ECA9-714FC33C9C00}"/>
+                <a16:creationId xmlns:a16="http://schemas.microsoft.com/office/drawing/2014/main" id="{0C9AA3C0-E7C6-F7B8-F758-2F413C78B6F8}"/>
               </a:ext>
             </a:extLst>
           </p:cNvPr>
-          <p:cNvGrpSpPr/>
+          <p:cNvSpPr/>
           <p:nvPr/>
-        </p:nvGrpSpPr>
-        <p:grpSpPr>
+        </p:nvSpPr>
+        <p:spPr>
           <a:xfrm>
-            <a:off x="7667992" y="6839896"/>
-            <a:ext cx="4557273" cy="1027411"/>
-            <a:chOff x="7639907" y="6839896"/>
-            <a:chExt cx="4557273" cy="1027411"/>
+            <a:off x="6189354" y="3461399"/>
+            <a:ext cx="2363035" cy="433352"/>
           </a:xfrm>
-        </p:grpSpPr>
-        <p:sp>
-          <p:nvSpPr>
-            <p:cNvPr id="159" name="Retângulo: Cantos Arredondados 158">
-              <a:extLst>
-                <a:ext uri="{FF2B5EF4-FFF2-40B4-BE49-F238E27FC236}">
-                  <a16:creationId xmlns:a16="http://schemas.microsoft.com/office/drawing/2014/main" id="{78473FF8-E381-6BA6-BACD-C6BA09EFFE1C}"/>
-                </a:ext>
-              </a:extLst>
-            </p:cNvPr>
-            <p:cNvSpPr/>
-            <p:nvPr/>
-          </p:nvSpPr>
-          <p:spPr>
-            <a:xfrm>
-              <a:off x="7639907" y="6839896"/>
-              <a:ext cx="4557273" cy="1027411"/>
-            </a:xfrm>
-            <a:prstGeom prst="roundRect">
-              <a:avLst>
-                <a:gd name="adj" fmla="val 16306"/>
-              </a:avLst>
-            </a:prstGeom>
-            <a:solidFill>
-              <a:schemeClr val="bg1"/>
-            </a:solidFill>
-            <a:ln>
-              <a:noFill/>
-            </a:ln>
-            <a:effectLst>
-              <a:glow rad="63500">
-                <a:schemeClr val="bg1">
-                  <a:lumMod val="75000"/>
-                  <a:alpha val="40000"/>
-                </a:schemeClr>
-              </a:glow>
-              <a:outerShdw blurRad="50800" dist="38100" dir="5400000" algn="t" rotWithShape="0">
-                <a:schemeClr val="tx1">
-                  <a:alpha val="40000"/>
-                </a:schemeClr>
-              </a:outerShdw>
-            </a:effectLst>
-          </p:spPr>
-          <p:style>
-            <a:lnRef idx="2">
-              <a:schemeClr val="accent1">
-                <a:shade val="50000"/>
-              </a:schemeClr>
-            </a:lnRef>
-            <a:fillRef idx="1">
-              <a:schemeClr val="accent1"/>
-            </a:fillRef>
-            <a:effectRef idx="0">
-              <a:schemeClr val="accent1"/>
-            </a:effectRef>
-            <a:fontRef idx="minor">
-              <a:schemeClr val="lt1"/>
-            </a:fontRef>
-          </p:style>
-          <p:txBody>
-            <a:bodyPr rtlCol="0" anchor="ctr"/>
-            <a:lstStyle/>
-            <a:p>
-              <a:pPr algn="ctr"/>
-              <a:endParaRPr lang="pt-BR" sz="1265"/>
-            </a:p>
-          </p:txBody>
-        </p:sp>
-        <p:sp>
-          <p:nvSpPr>
-            <p:cNvPr id="24" name="CaixaDeTexto 23">
-              <a:extLst>
-                <a:ext uri="{FF2B5EF4-FFF2-40B4-BE49-F238E27FC236}">
-                  <a16:creationId xmlns:a16="http://schemas.microsoft.com/office/drawing/2014/main" id="{095DEDA3-7C03-313C-BBAC-A3004281B18E}"/>
-                </a:ext>
-              </a:extLst>
-            </p:cNvPr>
-            <p:cNvSpPr txBox="1"/>
-            <p:nvPr/>
-          </p:nvSpPr>
-          <p:spPr>
-            <a:xfrm>
-              <a:off x="7639907" y="7061214"/>
-              <a:ext cx="3410714" cy="584775"/>
-            </a:xfrm>
-            <a:prstGeom prst="rect">
-              <a:avLst/>
-            </a:prstGeom>
+          <a:prstGeom prst="roundRect">
+            <a:avLst>
+              <a:gd name="adj" fmla="val 22677"/>
+            </a:avLst>
+          </a:prstGeom>
+          <a:solidFill>
+            <a:srgbClr val="D9D9D9"/>
+          </a:solidFill>
+          <a:ln>
             <a:noFill/>
-          </p:spPr>
-          <p:txBody>
-            <a:bodyPr wrap="square" rtlCol="0">
-              <a:spAutoFit/>
-            </a:bodyPr>
-            <a:lstStyle/>
-            <a:p>
-              <a:r>
-                <a:rPr lang="pt-BR" sz="3200" b="1" dirty="0">
-                  <a:latin typeface="Segoe UI" panose="020B0502040204020203" pitchFamily="34" charset="0"/>
-                  <a:cs typeface="Segoe UI" panose="020B0502040204020203" pitchFamily="34" charset="0"/>
-                </a:rPr>
-                <a:t>OPERAÇÕES</a:t>
-              </a:r>
-            </a:p>
-          </p:txBody>
-        </p:sp>
-      </p:grpSp>
-      <p:grpSp>
-        <p:nvGrpSpPr>
-          <p:cNvPr id="33" name="Agrupar 32">
+          </a:ln>
+          <a:effectLst>
+            <a:glow rad="63500">
+              <a:schemeClr val="bg1">
+                <a:lumMod val="75000"/>
+                <a:alpha val="40000"/>
+              </a:schemeClr>
+            </a:glow>
+            <a:outerShdw blurRad="50800" dist="38100" dir="5400000" algn="t" rotWithShape="0">
+              <a:schemeClr val="tx1">
+                <a:alpha val="40000"/>
+              </a:schemeClr>
+            </a:outerShdw>
+          </a:effectLst>
+        </p:spPr>
+        <p:style>
+          <a:lnRef idx="2">
+            <a:schemeClr val="accent1">
+              <a:shade val="50000"/>
+            </a:schemeClr>
+          </a:lnRef>
+          <a:fillRef idx="1">
+            <a:schemeClr val="accent1"/>
+          </a:fillRef>
+          <a:effectRef idx="0">
+            <a:schemeClr val="accent1"/>
+          </a:effectRef>
+          <a:fontRef idx="minor">
+            <a:schemeClr val="lt1"/>
+          </a:fontRef>
+        </p:style>
+        <p:txBody>
+          <a:bodyPr rtlCol="0" anchor="ctr"/>
+          <a:lstStyle/>
+          <a:p>
+            <a:pPr algn="ctr"/>
+            <a:r>
+              <a:rPr lang="pt-BR" sz="3000" dirty="0">
+                <a:solidFill>
+                  <a:schemeClr val="tx1"/>
+                </a:solidFill>
+                <a:latin typeface="Montserrat SemiBold" panose="00000700000000000000" pitchFamily="2" charset="0"/>
+              </a:rPr>
+              <a:t>LOJA</a:t>
+            </a:r>
+          </a:p>
+        </p:txBody>
+      </p:sp>
+      <p:sp>
+        <p:nvSpPr>
+          <p:cNvPr id="36" name="Retângulo: Cantos Arredondados 35">
             <a:extLst>
               <a:ext uri="{FF2B5EF4-FFF2-40B4-BE49-F238E27FC236}">
-                <a16:creationId xmlns:a16="http://schemas.microsoft.com/office/drawing/2014/main" id="{A06652C7-2157-8488-947E-5FBA357F118C}"/>
+                <a16:creationId xmlns:a16="http://schemas.microsoft.com/office/drawing/2014/main" id="{B664FA83-DC49-BCA4-18B2-9D231186BBD0}"/>
               </a:ext>
             </a:extLst>
           </p:cNvPr>
-          <p:cNvGrpSpPr/>
+          <p:cNvSpPr/>
           <p:nvPr/>
-        </p:nvGrpSpPr>
-        <p:grpSpPr>
+        </p:nvSpPr>
+        <p:spPr>
           <a:xfrm>
-            <a:off x="7667992" y="8013831"/>
-            <a:ext cx="4557273" cy="1027411"/>
-            <a:chOff x="7704627" y="8013831"/>
-            <a:chExt cx="4557273" cy="1027411"/>
+            <a:off x="6201240" y="4897534"/>
+            <a:ext cx="2363035" cy="431554"/>
           </a:xfrm>
-        </p:grpSpPr>
-        <p:sp>
-          <p:nvSpPr>
-            <p:cNvPr id="9" name="Retângulo: Cantos Arredondados 8">
-              <a:extLst>
-                <a:ext uri="{FF2B5EF4-FFF2-40B4-BE49-F238E27FC236}">
-                  <a16:creationId xmlns:a16="http://schemas.microsoft.com/office/drawing/2014/main" id="{78129B35-0257-E9DC-F8E8-4D2A1CA5379E}"/>
-                </a:ext>
-              </a:extLst>
-            </p:cNvPr>
-            <p:cNvSpPr/>
-            <p:nvPr/>
-          </p:nvSpPr>
-          <p:spPr>
-            <a:xfrm>
-              <a:off x="7704627" y="8013831"/>
-              <a:ext cx="4557273" cy="1027411"/>
-            </a:xfrm>
-            <a:prstGeom prst="roundRect">
-              <a:avLst>
-                <a:gd name="adj" fmla="val 16306"/>
-              </a:avLst>
-            </a:prstGeom>
-            <a:solidFill>
-              <a:schemeClr val="bg1"/>
-            </a:solidFill>
-            <a:ln>
-              <a:noFill/>
-            </a:ln>
-            <a:effectLst>
-              <a:glow rad="63500">
-                <a:schemeClr val="bg1">
-                  <a:lumMod val="75000"/>
-                  <a:alpha val="40000"/>
-                </a:schemeClr>
-              </a:glow>
-              <a:outerShdw blurRad="50800" dist="38100" dir="5400000" algn="t" rotWithShape="0">
-                <a:schemeClr val="tx1">
-                  <a:alpha val="40000"/>
-                </a:schemeClr>
-              </a:outerShdw>
-            </a:effectLst>
-          </p:spPr>
-          <p:style>
-            <a:lnRef idx="2">
-              <a:schemeClr val="accent1">
-                <a:shade val="50000"/>
-              </a:schemeClr>
-            </a:lnRef>
-            <a:fillRef idx="1">
-              <a:schemeClr val="accent1"/>
-            </a:fillRef>
-            <a:effectRef idx="0">
-              <a:schemeClr val="accent1"/>
-            </a:effectRef>
-            <a:fontRef idx="minor">
-              <a:schemeClr val="lt1"/>
-            </a:fontRef>
-          </p:style>
-          <p:txBody>
-            <a:bodyPr rtlCol="0" anchor="ctr"/>
-            <a:lstStyle/>
-            <a:p>
-              <a:pPr algn="ctr"/>
-              <a:endParaRPr lang="pt-BR" sz="1265"/>
-            </a:p>
-          </p:txBody>
-        </p:sp>
-        <p:sp>
-          <p:nvSpPr>
-            <p:cNvPr id="25" name="CaixaDeTexto 24">
-              <a:extLst>
-                <a:ext uri="{FF2B5EF4-FFF2-40B4-BE49-F238E27FC236}">
-                  <a16:creationId xmlns:a16="http://schemas.microsoft.com/office/drawing/2014/main" id="{54948802-8DEE-48EF-520A-C6FF4E3F9B5B}"/>
-                </a:ext>
-              </a:extLst>
-            </p:cNvPr>
-            <p:cNvSpPr txBox="1"/>
-            <p:nvPr/>
-          </p:nvSpPr>
-          <p:spPr>
-            <a:xfrm>
-              <a:off x="7704627" y="8235149"/>
-              <a:ext cx="3410714" cy="584775"/>
-            </a:xfrm>
-            <a:prstGeom prst="rect">
-              <a:avLst/>
-            </a:prstGeom>
+          <a:prstGeom prst="roundRect">
+            <a:avLst>
+              <a:gd name="adj" fmla="val 22677"/>
+            </a:avLst>
+          </a:prstGeom>
+          <a:solidFill>
+            <a:srgbClr val="D9D9D9"/>
+          </a:solidFill>
+          <a:ln>
             <a:noFill/>
-          </p:spPr>
-          <p:txBody>
-            <a:bodyPr wrap="square" rtlCol="0">
-              <a:spAutoFit/>
-            </a:bodyPr>
-            <a:lstStyle/>
-            <a:p>
-              <a:r>
-                <a:rPr lang="pt-BR" sz="3200" b="1" dirty="0">
-                  <a:latin typeface="Segoe UI" panose="020B0502040204020203" pitchFamily="34" charset="0"/>
-                  <a:cs typeface="Segoe UI" panose="020B0502040204020203" pitchFamily="34" charset="0"/>
-                </a:rPr>
-                <a:t>ADM-FIN</a:t>
-              </a:r>
-            </a:p>
-          </p:txBody>
-        </p:sp>
-      </p:grpSp>
-      <p:grpSp>
-        <p:nvGrpSpPr>
-          <p:cNvPr id="34" name="Agrupar 33">
+          </a:ln>
+          <a:effectLst>
+            <a:glow rad="63500">
+              <a:schemeClr val="bg1">
+                <a:lumMod val="75000"/>
+                <a:alpha val="40000"/>
+              </a:schemeClr>
+            </a:glow>
+            <a:outerShdw blurRad="50800" dist="38100" dir="5400000" algn="t" rotWithShape="0">
+              <a:schemeClr val="tx1">
+                <a:alpha val="40000"/>
+              </a:schemeClr>
+            </a:outerShdw>
+          </a:effectLst>
+        </p:spPr>
+        <p:style>
+          <a:lnRef idx="2">
+            <a:schemeClr val="accent1">
+              <a:shade val="50000"/>
+            </a:schemeClr>
+          </a:lnRef>
+          <a:fillRef idx="1">
+            <a:schemeClr val="accent1"/>
+          </a:fillRef>
+          <a:effectRef idx="0">
+            <a:schemeClr val="accent1"/>
+          </a:effectRef>
+          <a:fontRef idx="minor">
+            <a:schemeClr val="lt1"/>
+          </a:fontRef>
+        </p:style>
+        <p:txBody>
+          <a:bodyPr rtlCol="0" anchor="ctr"/>
+          <a:lstStyle/>
+          <a:p>
+            <a:pPr algn="ctr"/>
+            <a:r>
+              <a:rPr lang="pt-BR" sz="3000" dirty="0">
+                <a:solidFill>
+                  <a:schemeClr val="tx1"/>
+                </a:solidFill>
+                <a:latin typeface="Montserrat SemiBold" panose="00000700000000000000" pitchFamily="2" charset="0"/>
+              </a:rPr>
+              <a:t>VD</a:t>
+            </a:r>
+          </a:p>
+        </p:txBody>
+      </p:sp>
+      <p:sp>
+        <p:nvSpPr>
+          <p:cNvPr id="37" name="Retângulo: Cantos Arredondados 36">
             <a:extLst>
               <a:ext uri="{FF2B5EF4-FFF2-40B4-BE49-F238E27FC236}">
-                <a16:creationId xmlns:a16="http://schemas.microsoft.com/office/drawing/2014/main" id="{CE5A3EC6-5C39-3B4F-16E0-737545EABA0E}"/>
+                <a16:creationId xmlns:a16="http://schemas.microsoft.com/office/drawing/2014/main" id="{192DBBC3-588A-4880-6439-77834A6B1CA0}"/>
               </a:ext>
             </a:extLst>
           </p:cNvPr>
-          <p:cNvGrpSpPr/>
+          <p:cNvSpPr/>
           <p:nvPr/>
-        </p:nvGrpSpPr>
-        <p:grpSpPr>
+        </p:nvSpPr>
+        <p:spPr>
           <a:xfrm>
-            <a:off x="7667992" y="9294958"/>
-            <a:ext cx="4557273" cy="1027411"/>
-            <a:chOff x="7631356" y="9294958"/>
-            <a:chExt cx="4557273" cy="1027411"/>
+            <a:off x="6201238" y="6335075"/>
+            <a:ext cx="2363035" cy="431554"/>
           </a:xfrm>
-        </p:grpSpPr>
-        <p:sp>
-          <p:nvSpPr>
-            <p:cNvPr id="161" name="Retângulo: Cantos Arredondados 160">
-              <a:extLst>
-                <a:ext uri="{FF2B5EF4-FFF2-40B4-BE49-F238E27FC236}">
-                  <a16:creationId xmlns:a16="http://schemas.microsoft.com/office/drawing/2014/main" id="{49B3881B-7A48-8347-FB81-1CD2CF072B24}"/>
-                </a:ext>
-              </a:extLst>
-            </p:cNvPr>
-            <p:cNvSpPr/>
-            <p:nvPr/>
-          </p:nvSpPr>
-          <p:spPr>
-            <a:xfrm>
-              <a:off x="7631356" y="9294958"/>
-              <a:ext cx="4557273" cy="1027411"/>
-            </a:xfrm>
-            <a:prstGeom prst="roundRect">
-              <a:avLst>
-                <a:gd name="adj" fmla="val 16306"/>
-              </a:avLst>
-            </a:prstGeom>
-            <a:solidFill>
-              <a:schemeClr val="bg1"/>
-            </a:solidFill>
-            <a:ln>
-              <a:noFill/>
-            </a:ln>
-            <a:effectLst>
-              <a:glow rad="63500">
-                <a:schemeClr val="bg1">
-                  <a:lumMod val="75000"/>
-                  <a:alpha val="40000"/>
-                </a:schemeClr>
-              </a:glow>
-              <a:outerShdw blurRad="50800" dist="38100" dir="5400000" algn="t" rotWithShape="0">
-                <a:schemeClr val="tx1">
-                  <a:alpha val="40000"/>
-                </a:schemeClr>
-              </a:outerShdw>
-            </a:effectLst>
-          </p:spPr>
-          <p:style>
-            <a:lnRef idx="2">
-              <a:schemeClr val="accent1">
-                <a:shade val="50000"/>
-              </a:schemeClr>
-            </a:lnRef>
-            <a:fillRef idx="1">
-              <a:schemeClr val="accent1"/>
-            </a:fillRef>
-            <a:effectRef idx="0">
-              <a:schemeClr val="accent1"/>
-            </a:effectRef>
-            <a:fontRef idx="minor">
-              <a:schemeClr val="lt1"/>
-            </a:fontRef>
-          </p:style>
-          <p:txBody>
-            <a:bodyPr rtlCol="0" anchor="ctr"/>
-            <a:lstStyle/>
-            <a:p>
-              <a:pPr algn="ctr"/>
-              <a:endParaRPr lang="pt-BR" sz="1265"/>
-            </a:p>
-          </p:txBody>
-        </p:sp>
-        <p:sp>
-          <p:nvSpPr>
-            <p:cNvPr id="26" name="CaixaDeTexto 25">
-              <a:extLst>
-                <a:ext uri="{FF2B5EF4-FFF2-40B4-BE49-F238E27FC236}">
-                  <a16:creationId xmlns:a16="http://schemas.microsoft.com/office/drawing/2014/main" id="{2CEF11F5-21D6-BFA4-DFC4-E34E0BE42C3A}"/>
-                </a:ext>
-              </a:extLst>
-            </p:cNvPr>
-            <p:cNvSpPr txBox="1"/>
-            <p:nvPr/>
-          </p:nvSpPr>
-          <p:spPr>
-            <a:xfrm>
-              <a:off x="7631356" y="9516276"/>
-              <a:ext cx="3410714" cy="584775"/>
-            </a:xfrm>
-            <a:prstGeom prst="rect">
-              <a:avLst/>
-            </a:prstGeom>
+          <a:prstGeom prst="roundRect">
+            <a:avLst>
+              <a:gd name="adj" fmla="val 22677"/>
+            </a:avLst>
+          </a:prstGeom>
+          <a:solidFill>
+            <a:srgbClr val="D9D9D9"/>
+          </a:solidFill>
+          <a:ln>
             <a:noFill/>
-          </p:spPr>
-          <p:txBody>
-            <a:bodyPr wrap="square" rtlCol="0">
-              <a:spAutoFit/>
-            </a:bodyPr>
-            <a:lstStyle/>
-            <a:p>
-              <a:r>
-                <a:rPr lang="pt-BR" sz="3200" b="1" dirty="0">
-                  <a:latin typeface="Segoe UI" panose="020B0502040204020203" pitchFamily="34" charset="0"/>
-                  <a:cs typeface="Segoe UI" panose="020B0502040204020203" pitchFamily="34" charset="0"/>
-                </a:rPr>
-                <a:t>LOJA</a:t>
-              </a:r>
-            </a:p>
-          </p:txBody>
-        </p:sp>
-      </p:grpSp>
-      <p:grpSp>
-        <p:nvGrpSpPr>
-          <p:cNvPr id="36" name="Agrupar 35">
+          </a:ln>
+          <a:effectLst>
+            <a:glow rad="63500">
+              <a:schemeClr val="bg1">
+                <a:lumMod val="75000"/>
+                <a:alpha val="40000"/>
+              </a:schemeClr>
+            </a:glow>
+            <a:outerShdw blurRad="50800" dist="38100" dir="5400000" algn="t" rotWithShape="0">
+              <a:schemeClr val="tx1">
+                <a:alpha val="40000"/>
+              </a:schemeClr>
+            </a:outerShdw>
+          </a:effectLst>
+        </p:spPr>
+        <p:style>
+          <a:lnRef idx="2">
+            <a:schemeClr val="accent1">
+              <a:shade val="50000"/>
+            </a:schemeClr>
+          </a:lnRef>
+          <a:fillRef idx="1">
+            <a:schemeClr val="accent1"/>
+          </a:fillRef>
+          <a:effectRef idx="0">
+            <a:schemeClr val="accent1"/>
+          </a:effectRef>
+          <a:fontRef idx="minor">
+            <a:schemeClr val="lt1"/>
+          </a:fontRef>
+        </p:style>
+        <p:txBody>
+          <a:bodyPr rtlCol="0" anchor="ctr"/>
+          <a:lstStyle/>
+          <a:p>
+            <a:pPr algn="ctr"/>
+            <a:r>
+              <a:rPr lang="pt-BR" sz="3000" dirty="0">
+                <a:solidFill>
+                  <a:schemeClr val="tx1"/>
+                </a:solidFill>
+                <a:latin typeface="Montserrat SemiBold" panose="00000700000000000000" pitchFamily="2" charset="0"/>
+              </a:rPr>
+              <a:t>ADM</a:t>
+            </a:r>
+          </a:p>
+        </p:txBody>
+      </p:sp>
+      <p:sp>
+        <p:nvSpPr>
+          <p:cNvPr id="38" name="Retângulo: Cantos Arredondados 37">
             <a:extLst>
               <a:ext uri="{FF2B5EF4-FFF2-40B4-BE49-F238E27FC236}">
-                <a16:creationId xmlns:a16="http://schemas.microsoft.com/office/drawing/2014/main" id="{752CFBD6-FF47-F052-9E90-A8F2BFD47D24}"/>
+                <a16:creationId xmlns:a16="http://schemas.microsoft.com/office/drawing/2014/main" id="{BABE3A79-B469-6D23-A528-89C5C45E78CB}"/>
               </a:ext>
             </a:extLst>
           </p:cNvPr>
-          <p:cNvGrpSpPr/>
+          <p:cNvSpPr/>
           <p:nvPr/>
-        </p:nvGrpSpPr>
-        <p:grpSpPr>
+        </p:nvSpPr>
+        <p:spPr>
           <a:xfrm>
-            <a:off x="7667992" y="10521954"/>
-            <a:ext cx="4557273" cy="1027411"/>
-            <a:chOff x="7631356" y="10521954"/>
-            <a:chExt cx="4557273" cy="1027411"/>
+            <a:off x="6177324" y="7796710"/>
+            <a:ext cx="2363035" cy="514321"/>
           </a:xfrm>
-        </p:grpSpPr>
-        <p:sp>
-          <p:nvSpPr>
-            <p:cNvPr id="162" name="Retângulo: Cantos Arredondados 161">
-              <a:extLst>
-                <a:ext uri="{FF2B5EF4-FFF2-40B4-BE49-F238E27FC236}">
-                  <a16:creationId xmlns:a16="http://schemas.microsoft.com/office/drawing/2014/main" id="{6DAA5D88-13F0-620D-E55B-96BD63A5CA5D}"/>
-                </a:ext>
-              </a:extLst>
-            </p:cNvPr>
-            <p:cNvSpPr/>
-            <p:nvPr/>
-          </p:nvSpPr>
-          <p:spPr>
-            <a:xfrm>
-              <a:off x="7631356" y="10521954"/>
-              <a:ext cx="4557273" cy="1027411"/>
-            </a:xfrm>
-            <a:prstGeom prst="roundRect">
-              <a:avLst>
-                <a:gd name="adj" fmla="val 16306"/>
-              </a:avLst>
-            </a:prstGeom>
-            <a:solidFill>
-              <a:schemeClr val="bg1"/>
-            </a:solidFill>
-            <a:ln>
-              <a:noFill/>
-            </a:ln>
-            <a:effectLst>
-              <a:glow rad="63500">
-                <a:schemeClr val="bg1">
-                  <a:lumMod val="75000"/>
-                  <a:alpha val="40000"/>
-                </a:schemeClr>
-              </a:glow>
-              <a:outerShdw blurRad="50800" dist="38100" dir="5400000" algn="t" rotWithShape="0">
-                <a:schemeClr val="tx1">
-                  <a:alpha val="40000"/>
-                </a:schemeClr>
-              </a:outerShdw>
-            </a:effectLst>
-          </p:spPr>
-          <p:style>
-            <a:lnRef idx="2">
-              <a:schemeClr val="accent1">
-                <a:shade val="50000"/>
-              </a:schemeClr>
-            </a:lnRef>
-            <a:fillRef idx="1">
-              <a:schemeClr val="accent1"/>
-            </a:fillRef>
-            <a:effectRef idx="0">
-              <a:schemeClr val="accent1"/>
-            </a:effectRef>
-            <a:fontRef idx="minor">
-              <a:schemeClr val="lt1"/>
-            </a:fontRef>
-          </p:style>
-          <p:txBody>
-            <a:bodyPr rtlCol="0" anchor="ctr"/>
-            <a:lstStyle/>
-            <a:p>
-              <a:pPr algn="ctr"/>
-              <a:endParaRPr lang="pt-BR" sz="1265"/>
-            </a:p>
-          </p:txBody>
-        </p:sp>
-        <p:sp>
-          <p:nvSpPr>
-            <p:cNvPr id="28" name="CaixaDeTexto 27">
-              <a:extLst>
-                <a:ext uri="{FF2B5EF4-FFF2-40B4-BE49-F238E27FC236}">
-                  <a16:creationId xmlns:a16="http://schemas.microsoft.com/office/drawing/2014/main" id="{41EBA048-ED6B-3F5C-2097-800840A56EA9}"/>
-                </a:ext>
-              </a:extLst>
-            </p:cNvPr>
-            <p:cNvSpPr txBox="1"/>
-            <p:nvPr/>
-          </p:nvSpPr>
-          <p:spPr>
-            <a:xfrm>
-              <a:off x="7631356" y="10743272"/>
-              <a:ext cx="3410714" cy="584775"/>
-            </a:xfrm>
-            <a:prstGeom prst="rect">
-              <a:avLst/>
-            </a:prstGeom>
+          <a:prstGeom prst="roundRect">
+            <a:avLst>
+              <a:gd name="adj" fmla="val 22677"/>
+            </a:avLst>
+          </a:prstGeom>
+          <a:solidFill>
+            <a:srgbClr val="D9D9D9"/>
+          </a:solidFill>
+          <a:ln>
             <a:noFill/>
-          </p:spPr>
-          <p:txBody>
-            <a:bodyPr wrap="square" rtlCol="0">
-              <a:spAutoFit/>
-            </a:bodyPr>
-            <a:lstStyle/>
-            <a:p>
-              <a:r>
-                <a:rPr lang="pt-BR" sz="3200" b="1" dirty="0">
-                  <a:latin typeface="Segoe UI" panose="020B0502040204020203" pitchFamily="34" charset="0"/>
-                  <a:cs typeface="Segoe UI" panose="020B0502040204020203" pitchFamily="34" charset="0"/>
-                </a:rPr>
-                <a:t>VD</a:t>
-              </a:r>
-            </a:p>
-          </p:txBody>
-        </p:sp>
-      </p:grpSp>
-      <p:grpSp>
-        <p:nvGrpSpPr>
-          <p:cNvPr id="37" name="Agrupar 36">
+          </a:ln>
+          <a:effectLst>
+            <a:glow rad="63500">
+              <a:schemeClr val="bg1">
+                <a:lumMod val="75000"/>
+                <a:alpha val="40000"/>
+              </a:schemeClr>
+            </a:glow>
+            <a:outerShdw blurRad="50800" dist="38100" dir="5400000" algn="t" rotWithShape="0">
+              <a:schemeClr val="tx1">
+                <a:alpha val="40000"/>
+              </a:schemeClr>
+            </a:outerShdw>
+          </a:effectLst>
+        </p:spPr>
+        <p:style>
+          <a:lnRef idx="2">
+            <a:schemeClr val="accent1">
+              <a:shade val="50000"/>
+            </a:schemeClr>
+          </a:lnRef>
+          <a:fillRef idx="1">
+            <a:schemeClr val="accent1"/>
+          </a:fillRef>
+          <a:effectRef idx="0">
+            <a:schemeClr val="accent1"/>
+          </a:effectRef>
+          <a:fontRef idx="minor">
+            <a:schemeClr val="lt1"/>
+          </a:fontRef>
+        </p:style>
+        <p:txBody>
+          <a:bodyPr rtlCol="0" anchor="ctr"/>
+          <a:lstStyle/>
+          <a:p>
+            <a:pPr algn="ctr"/>
+            <a:r>
+              <a:rPr lang="pt-BR" sz="3000" dirty="0">
+                <a:solidFill>
+                  <a:schemeClr val="tx1"/>
+                </a:solidFill>
+                <a:latin typeface="Montserrat SemiBold" panose="00000700000000000000" pitchFamily="2" charset="0"/>
+              </a:rPr>
+              <a:t>ADM</a:t>
+            </a:r>
+          </a:p>
+        </p:txBody>
+      </p:sp>
+      <p:sp>
+        <p:nvSpPr>
+          <p:cNvPr id="45" name="Retângulo: Cantos Arredondados 44">
             <a:extLst>
               <a:ext uri="{FF2B5EF4-FFF2-40B4-BE49-F238E27FC236}">
-                <a16:creationId xmlns:a16="http://schemas.microsoft.com/office/drawing/2014/main" id="{BA794DE4-65A8-AA72-60D1-ED3B6EAA136D}"/>
+                <a16:creationId xmlns:a16="http://schemas.microsoft.com/office/drawing/2014/main" id="{2D0639D8-3224-CAF5-A69A-1A9AEBC45106}"/>
               </a:ext>
             </a:extLst>
           </p:cNvPr>
-          <p:cNvGrpSpPr/>
+          <p:cNvSpPr/>
           <p:nvPr/>
-        </p:nvGrpSpPr>
-        <p:grpSpPr>
+        </p:nvSpPr>
+        <p:spPr>
           <a:xfrm>
-            <a:off x="7667992" y="11752504"/>
-            <a:ext cx="4557273" cy="1027411"/>
-            <a:chOff x="7631356" y="11752504"/>
-            <a:chExt cx="4557273" cy="1027411"/>
+            <a:off x="6195032" y="10963899"/>
+            <a:ext cx="2363035" cy="514321"/>
           </a:xfrm>
-        </p:grpSpPr>
-        <p:sp>
-          <p:nvSpPr>
-            <p:cNvPr id="163" name="Retângulo: Cantos Arredondados 162">
-              <a:extLst>
-                <a:ext uri="{FF2B5EF4-FFF2-40B4-BE49-F238E27FC236}">
-                  <a16:creationId xmlns:a16="http://schemas.microsoft.com/office/drawing/2014/main" id="{43985C05-C428-95C7-F39B-072358ECF8AC}"/>
-                </a:ext>
-              </a:extLst>
-            </p:cNvPr>
-            <p:cNvSpPr/>
-            <p:nvPr/>
-          </p:nvSpPr>
-          <p:spPr>
-            <a:xfrm>
-              <a:off x="7631356" y="11752504"/>
-              <a:ext cx="4557273" cy="1027411"/>
-            </a:xfrm>
-            <a:prstGeom prst="roundRect">
-              <a:avLst>
-                <a:gd name="adj" fmla="val 16306"/>
-              </a:avLst>
-            </a:prstGeom>
-            <a:solidFill>
-              <a:schemeClr val="bg1"/>
-            </a:solidFill>
-            <a:ln>
-              <a:noFill/>
-            </a:ln>
-            <a:effectLst>
-              <a:glow rad="63500">
-                <a:schemeClr val="bg1">
-                  <a:lumMod val="75000"/>
-                  <a:alpha val="40000"/>
-                </a:schemeClr>
-              </a:glow>
-              <a:outerShdw blurRad="50800" dist="38100" dir="5400000" algn="t" rotWithShape="0">
-                <a:schemeClr val="tx1">
-                  <a:alpha val="40000"/>
-                </a:schemeClr>
-              </a:outerShdw>
-            </a:effectLst>
-          </p:spPr>
-          <p:style>
-            <a:lnRef idx="2">
-              <a:schemeClr val="accent1">
-                <a:shade val="50000"/>
-              </a:schemeClr>
-            </a:lnRef>
-            <a:fillRef idx="1">
-              <a:schemeClr val="accent1"/>
-            </a:fillRef>
-            <a:effectRef idx="0">
-              <a:schemeClr val="accent1"/>
-            </a:effectRef>
-            <a:fontRef idx="minor">
-              <a:schemeClr val="lt1"/>
-            </a:fontRef>
-          </p:style>
-          <p:txBody>
-            <a:bodyPr rtlCol="0" anchor="ctr"/>
-            <a:lstStyle/>
-            <a:p>
-              <a:pPr algn="ctr"/>
-              <a:endParaRPr lang="pt-BR" sz="1265"/>
-            </a:p>
-          </p:txBody>
-        </p:sp>
-        <p:sp>
-          <p:nvSpPr>
-            <p:cNvPr id="29" name="CaixaDeTexto 28">
-              <a:extLst>
-                <a:ext uri="{FF2B5EF4-FFF2-40B4-BE49-F238E27FC236}">
-                  <a16:creationId xmlns:a16="http://schemas.microsoft.com/office/drawing/2014/main" id="{15B1C0CD-3149-330F-F6BE-17B3ABDDCC29}"/>
-                </a:ext>
-              </a:extLst>
-            </p:cNvPr>
-            <p:cNvSpPr txBox="1"/>
-            <p:nvPr/>
-          </p:nvSpPr>
-          <p:spPr>
-            <a:xfrm>
-              <a:off x="7631356" y="11973822"/>
-              <a:ext cx="3410714" cy="584775"/>
-            </a:xfrm>
-            <a:prstGeom prst="rect">
-              <a:avLst/>
-            </a:prstGeom>
+          <a:prstGeom prst="roundRect">
+            <a:avLst>
+              <a:gd name="adj" fmla="val 22677"/>
+            </a:avLst>
+          </a:prstGeom>
+          <a:solidFill>
+            <a:srgbClr val="D9D9D9"/>
+          </a:solidFill>
+          <a:ln>
             <a:noFill/>
-          </p:spPr>
-          <p:txBody>
-            <a:bodyPr wrap="square" rtlCol="0">
-              <a:spAutoFit/>
-            </a:bodyPr>
-            <a:lstStyle/>
-            <a:p>
-              <a:r>
-                <a:rPr lang="pt-BR" sz="3200" b="1" dirty="0">
-                  <a:latin typeface="Segoe UI" panose="020B0502040204020203" pitchFamily="34" charset="0"/>
-                  <a:cs typeface="Segoe UI" panose="020B0502040204020203" pitchFamily="34" charset="0"/>
-                </a:rPr>
-                <a:t>ADM</a:t>
-              </a:r>
-            </a:p>
-          </p:txBody>
-        </p:sp>
-      </p:grpSp>
-      <p:grpSp>
-        <p:nvGrpSpPr>
-          <p:cNvPr id="38" name="Agrupar 37">
+          </a:ln>
+          <a:effectLst>
+            <a:glow rad="63500">
+              <a:schemeClr val="bg1">
+                <a:lumMod val="75000"/>
+                <a:alpha val="40000"/>
+              </a:schemeClr>
+            </a:glow>
+            <a:outerShdw blurRad="50800" dist="38100" dir="5400000" algn="t" rotWithShape="0">
+              <a:schemeClr val="tx1">
+                <a:alpha val="40000"/>
+              </a:schemeClr>
+            </a:outerShdw>
+          </a:effectLst>
+        </p:spPr>
+        <p:style>
+          <a:lnRef idx="2">
+            <a:schemeClr val="accent1">
+              <a:shade val="50000"/>
+            </a:schemeClr>
+          </a:lnRef>
+          <a:fillRef idx="1">
+            <a:schemeClr val="accent1"/>
+          </a:fillRef>
+          <a:effectRef idx="0">
+            <a:schemeClr val="accent1"/>
+          </a:effectRef>
+          <a:fontRef idx="minor">
+            <a:schemeClr val="lt1"/>
+          </a:fontRef>
+        </p:style>
+        <p:txBody>
+          <a:bodyPr rtlCol="0" anchor="ctr"/>
+          <a:lstStyle/>
+          <a:p>
+            <a:pPr algn="ctr"/>
+            <a:r>
+              <a:rPr lang="pt-BR" sz="3000" dirty="0">
+                <a:solidFill>
+                  <a:schemeClr val="tx1"/>
+                </a:solidFill>
+                <a:latin typeface="Montserrat SemiBold" panose="00000700000000000000" pitchFamily="2" charset="0"/>
+              </a:rPr>
+              <a:t>ADM</a:t>
+            </a:r>
+          </a:p>
+        </p:txBody>
+      </p:sp>
+      <p:sp>
+        <p:nvSpPr>
+          <p:cNvPr id="46" name="Retângulo: Cantos Arredondados 45">
             <a:extLst>
               <a:ext uri="{FF2B5EF4-FFF2-40B4-BE49-F238E27FC236}">
-                <a16:creationId xmlns:a16="http://schemas.microsoft.com/office/drawing/2014/main" id="{58CD51EE-993B-0512-D60C-AC8C26C073A1}"/>
+                <a16:creationId xmlns:a16="http://schemas.microsoft.com/office/drawing/2014/main" id="{CA236B23-4DB9-E74C-44C2-443E3C0C6655}"/>
               </a:ext>
             </a:extLst>
           </p:cNvPr>
-          <p:cNvGrpSpPr/>
+          <p:cNvSpPr/>
           <p:nvPr/>
-        </p:nvGrpSpPr>
-        <p:grpSpPr>
+        </p:nvSpPr>
+        <p:spPr>
           <a:xfrm>
-            <a:off x="7667992" y="12977620"/>
-            <a:ext cx="4557273" cy="1027411"/>
-            <a:chOff x="7631356" y="12977620"/>
-            <a:chExt cx="4557273" cy="1027411"/>
+            <a:off x="6189354" y="12558406"/>
+            <a:ext cx="2363035" cy="514321"/>
           </a:xfrm>
-        </p:grpSpPr>
-        <p:sp>
-          <p:nvSpPr>
-            <p:cNvPr id="164" name="Retângulo: Cantos Arredondados 163">
-              <a:extLst>
-                <a:ext uri="{FF2B5EF4-FFF2-40B4-BE49-F238E27FC236}">
-                  <a16:creationId xmlns:a16="http://schemas.microsoft.com/office/drawing/2014/main" id="{E2E67F34-3487-9D3C-241F-0C78A967F15A}"/>
-                </a:ext>
-              </a:extLst>
-            </p:cNvPr>
-            <p:cNvSpPr/>
-            <p:nvPr/>
-          </p:nvSpPr>
-          <p:spPr>
-            <a:xfrm>
-              <a:off x="7631356" y="12977620"/>
-              <a:ext cx="4557273" cy="1027411"/>
-            </a:xfrm>
-            <a:prstGeom prst="roundRect">
-              <a:avLst>
-                <a:gd name="adj" fmla="val 16306"/>
-              </a:avLst>
-            </a:prstGeom>
-            <a:solidFill>
-              <a:schemeClr val="bg1"/>
-            </a:solidFill>
-            <a:ln>
-              <a:noFill/>
-            </a:ln>
-            <a:effectLst>
-              <a:glow rad="63500">
-                <a:schemeClr val="bg1">
-                  <a:lumMod val="75000"/>
-                  <a:alpha val="40000"/>
-                </a:schemeClr>
-              </a:glow>
-              <a:outerShdw blurRad="50800" dist="38100" dir="5400000" algn="t" rotWithShape="0">
-                <a:schemeClr val="tx1">
-                  <a:alpha val="40000"/>
-                </a:schemeClr>
-              </a:outerShdw>
-            </a:effectLst>
-          </p:spPr>
-          <p:style>
-            <a:lnRef idx="2">
-              <a:schemeClr val="accent1">
-                <a:shade val="50000"/>
-              </a:schemeClr>
-            </a:lnRef>
-            <a:fillRef idx="1">
-              <a:schemeClr val="accent1"/>
-            </a:fillRef>
-            <a:effectRef idx="0">
-              <a:schemeClr val="accent1"/>
-            </a:effectRef>
-            <a:fontRef idx="minor">
-              <a:schemeClr val="lt1"/>
-            </a:fontRef>
-          </p:style>
-          <p:txBody>
-            <a:bodyPr rtlCol="0" anchor="ctr"/>
-            <a:lstStyle/>
-            <a:p>
-              <a:pPr algn="ctr"/>
-              <a:endParaRPr lang="pt-BR" sz="1265"/>
-            </a:p>
-          </p:txBody>
-        </p:sp>
-        <p:sp>
-          <p:nvSpPr>
-            <p:cNvPr id="30" name="CaixaDeTexto 29">
-              <a:extLst>
-                <a:ext uri="{FF2B5EF4-FFF2-40B4-BE49-F238E27FC236}">
-                  <a16:creationId xmlns:a16="http://schemas.microsoft.com/office/drawing/2014/main" id="{4CBE8409-62CE-BD08-5DB5-E523D8D477BD}"/>
-                </a:ext>
-              </a:extLst>
-            </p:cNvPr>
-            <p:cNvSpPr txBox="1"/>
-            <p:nvPr/>
-          </p:nvSpPr>
-          <p:spPr>
-            <a:xfrm>
-              <a:off x="7631356" y="13198938"/>
-              <a:ext cx="3410714" cy="584775"/>
-            </a:xfrm>
-            <a:prstGeom prst="rect">
-              <a:avLst/>
-            </a:prstGeom>
+          <a:prstGeom prst="roundRect">
+            <a:avLst>
+              <a:gd name="adj" fmla="val 22677"/>
+            </a:avLst>
+          </a:prstGeom>
+          <a:solidFill>
+            <a:srgbClr val="D9D9D9"/>
+          </a:solidFill>
+          <a:ln>
             <a:noFill/>
-          </p:spPr>
-          <p:txBody>
-            <a:bodyPr wrap="square" rtlCol="0">
-              <a:spAutoFit/>
-            </a:bodyPr>
-            <a:lstStyle/>
-            <a:p>
-              <a:r>
-                <a:rPr lang="pt-BR" sz="3200" b="1" dirty="0">
-                  <a:latin typeface="Segoe UI" panose="020B0502040204020203" pitchFamily="34" charset="0"/>
-                  <a:cs typeface="Segoe UI" panose="020B0502040204020203" pitchFamily="34" charset="0"/>
-                </a:rPr>
-                <a:t>LOGISTICA</a:t>
-              </a:r>
-            </a:p>
-          </p:txBody>
-        </p:sp>
-      </p:grpSp>
+          </a:ln>
+          <a:effectLst>
+            <a:glow rad="63500">
+              <a:schemeClr val="bg1">
+                <a:lumMod val="75000"/>
+                <a:alpha val="40000"/>
+              </a:schemeClr>
+            </a:glow>
+            <a:outerShdw blurRad="50800" dist="38100" dir="5400000" algn="t" rotWithShape="0">
+              <a:schemeClr val="tx1">
+                <a:alpha val="40000"/>
+              </a:schemeClr>
+            </a:outerShdw>
+          </a:effectLst>
+        </p:spPr>
+        <p:style>
+          <a:lnRef idx="2">
+            <a:schemeClr val="accent1">
+              <a:shade val="50000"/>
+            </a:schemeClr>
+          </a:lnRef>
+          <a:fillRef idx="1">
+            <a:schemeClr val="accent1"/>
+          </a:fillRef>
+          <a:effectRef idx="0">
+            <a:schemeClr val="accent1"/>
+          </a:effectRef>
+          <a:fontRef idx="minor">
+            <a:schemeClr val="lt1"/>
+          </a:fontRef>
+        </p:style>
+        <p:txBody>
+          <a:bodyPr rtlCol="0" anchor="ctr"/>
+          <a:lstStyle/>
+          <a:p>
+            <a:pPr algn="ctr"/>
+            <a:r>
+              <a:rPr lang="pt-BR" sz="3000" dirty="0">
+                <a:solidFill>
+                  <a:schemeClr val="tx1"/>
+                </a:solidFill>
+                <a:latin typeface="Montserrat SemiBold" panose="00000700000000000000" pitchFamily="2" charset="0"/>
+              </a:rPr>
+              <a:t>ADM</a:t>
+            </a:r>
+          </a:p>
+        </p:txBody>
+      </p:sp>
+      <p:sp>
+        <p:nvSpPr>
+          <p:cNvPr id="47" name="Retângulo: Cantos Arredondados 46">
+            <a:extLst>
+              <a:ext uri="{FF2B5EF4-FFF2-40B4-BE49-F238E27FC236}">
+                <a16:creationId xmlns:a16="http://schemas.microsoft.com/office/drawing/2014/main" id="{112C8A66-4906-6EC2-825F-6C98EEAD31B3}"/>
+              </a:ext>
+            </a:extLst>
+          </p:cNvPr>
+          <p:cNvSpPr/>
+          <p:nvPr/>
+        </p:nvSpPr>
+        <p:spPr>
+          <a:xfrm>
+            <a:off x="9572421" y="7796709"/>
+            <a:ext cx="2664555" cy="514321"/>
+          </a:xfrm>
+          <a:prstGeom prst="roundRect">
+            <a:avLst>
+              <a:gd name="adj" fmla="val 22677"/>
+            </a:avLst>
+          </a:prstGeom>
+          <a:solidFill>
+            <a:srgbClr val="D9D9D9"/>
+          </a:solidFill>
+          <a:ln>
+            <a:noFill/>
+          </a:ln>
+          <a:effectLst>
+            <a:glow rad="63500">
+              <a:schemeClr val="bg1">
+                <a:lumMod val="75000"/>
+                <a:alpha val="40000"/>
+              </a:schemeClr>
+            </a:glow>
+            <a:outerShdw blurRad="50800" dist="38100" dir="5400000" algn="t" rotWithShape="0">
+              <a:schemeClr val="tx1">
+                <a:alpha val="40000"/>
+              </a:schemeClr>
+            </a:outerShdw>
+          </a:effectLst>
+        </p:spPr>
+        <p:style>
+          <a:lnRef idx="2">
+            <a:schemeClr val="accent1">
+              <a:shade val="50000"/>
+            </a:schemeClr>
+          </a:lnRef>
+          <a:fillRef idx="1">
+            <a:schemeClr val="accent1"/>
+          </a:fillRef>
+          <a:effectRef idx="0">
+            <a:schemeClr val="accent1"/>
+          </a:effectRef>
+          <a:fontRef idx="minor">
+            <a:schemeClr val="lt1"/>
+          </a:fontRef>
+        </p:style>
+        <p:txBody>
+          <a:bodyPr rtlCol="0" anchor="ctr"/>
+          <a:lstStyle/>
+          <a:p>
+            <a:pPr algn="ctr"/>
+            <a:r>
+              <a:rPr lang="pt-BR" sz="3000" dirty="0">
+                <a:solidFill>
+                  <a:schemeClr val="tx1"/>
+                </a:solidFill>
+                <a:latin typeface="Montserrat SemiBold" panose="00000700000000000000" pitchFamily="2" charset="0"/>
+              </a:rPr>
+              <a:t>ADM</a:t>
+            </a:r>
+          </a:p>
+        </p:txBody>
+      </p:sp>
+      <p:sp>
+        <p:nvSpPr>
+          <p:cNvPr id="48" name="Retângulo: Cantos Arredondados 47">
+            <a:extLst>
+              <a:ext uri="{FF2B5EF4-FFF2-40B4-BE49-F238E27FC236}">
+                <a16:creationId xmlns:a16="http://schemas.microsoft.com/office/drawing/2014/main" id="{6F5EA05C-4077-7443-9E65-A83FB17D8F0E}"/>
+              </a:ext>
+            </a:extLst>
+          </p:cNvPr>
+          <p:cNvSpPr/>
+          <p:nvPr/>
+        </p:nvSpPr>
+        <p:spPr>
+          <a:xfrm>
+            <a:off x="23030167" y="12525946"/>
+            <a:ext cx="2211003" cy="1297648"/>
+          </a:xfrm>
+          <a:prstGeom prst="roundRect">
+            <a:avLst>
+              <a:gd name="adj" fmla="val 16306"/>
+            </a:avLst>
+          </a:prstGeom>
+          <a:solidFill>
+            <a:schemeClr val="bg1"/>
+          </a:solidFill>
+          <a:ln>
+            <a:noFill/>
+          </a:ln>
+          <a:effectLst>
+            <a:glow rad="63500">
+              <a:schemeClr val="bg1">
+                <a:lumMod val="75000"/>
+                <a:alpha val="40000"/>
+              </a:schemeClr>
+            </a:glow>
+            <a:outerShdw blurRad="50800" dist="38100" dir="5400000" algn="t" rotWithShape="0">
+              <a:schemeClr val="tx1">
+                <a:alpha val="40000"/>
+              </a:schemeClr>
+            </a:outerShdw>
+          </a:effectLst>
+        </p:spPr>
+        <p:style>
+          <a:lnRef idx="2">
+            <a:schemeClr val="accent1">
+              <a:shade val="50000"/>
+            </a:schemeClr>
+          </a:lnRef>
+          <a:fillRef idx="1">
+            <a:schemeClr val="accent1"/>
+          </a:fillRef>
+          <a:effectRef idx="0">
+            <a:schemeClr val="accent1"/>
+          </a:effectRef>
+          <a:fontRef idx="minor">
+            <a:schemeClr val="lt1"/>
+          </a:fontRef>
+        </p:style>
+        <p:txBody>
+          <a:bodyPr rtlCol="0" anchor="ctr"/>
+          <a:lstStyle/>
+          <a:p>
+            <a:pPr algn="ctr"/>
+            <a:endParaRPr lang="pt-BR" sz="1265"/>
+          </a:p>
+        </p:txBody>
+      </p:sp>
+      <p:sp>
+        <p:nvSpPr>
+          <p:cNvPr id="50" name="Retângulo: Cantos Arredondados 49">
+            <a:extLst>
+              <a:ext uri="{FF2B5EF4-FFF2-40B4-BE49-F238E27FC236}">
+                <a16:creationId xmlns:a16="http://schemas.microsoft.com/office/drawing/2014/main" id="{ABEA14CE-56D9-728A-47AF-0D3836326BAB}"/>
+              </a:ext>
+            </a:extLst>
+          </p:cNvPr>
+          <p:cNvSpPr/>
+          <p:nvPr/>
+        </p:nvSpPr>
+        <p:spPr>
+          <a:xfrm>
+            <a:off x="23029340" y="12522544"/>
+            <a:ext cx="2211003" cy="514321"/>
+          </a:xfrm>
+          <a:prstGeom prst="roundRect">
+            <a:avLst>
+              <a:gd name="adj" fmla="val 22677"/>
+            </a:avLst>
+          </a:prstGeom>
+          <a:solidFill>
+            <a:srgbClr val="D9D9D9"/>
+          </a:solidFill>
+          <a:ln>
+            <a:noFill/>
+          </a:ln>
+          <a:effectLst>
+            <a:glow rad="63500">
+              <a:schemeClr val="bg1">
+                <a:lumMod val="75000"/>
+                <a:alpha val="40000"/>
+              </a:schemeClr>
+            </a:glow>
+            <a:outerShdw blurRad="50800" dist="38100" dir="5400000" algn="t" rotWithShape="0">
+              <a:schemeClr val="tx1">
+                <a:alpha val="40000"/>
+              </a:schemeClr>
+            </a:outerShdw>
+          </a:effectLst>
+        </p:spPr>
+        <p:style>
+          <a:lnRef idx="2">
+            <a:schemeClr val="accent1">
+              <a:shade val="50000"/>
+            </a:schemeClr>
+          </a:lnRef>
+          <a:fillRef idx="1">
+            <a:schemeClr val="accent1"/>
+          </a:fillRef>
+          <a:effectRef idx="0">
+            <a:schemeClr val="accent1"/>
+          </a:effectRef>
+          <a:fontRef idx="minor">
+            <a:schemeClr val="lt1"/>
+          </a:fontRef>
+        </p:style>
+        <p:txBody>
+          <a:bodyPr rtlCol="0" anchor="ctr"/>
+          <a:lstStyle/>
+          <a:p>
+            <a:pPr algn="ctr"/>
+            <a:r>
+              <a:rPr lang="pt-BR" sz="3000" dirty="0">
+                <a:solidFill>
+                  <a:schemeClr val="tx1"/>
+                </a:solidFill>
+                <a:latin typeface="Montserrat SemiBold" panose="00000700000000000000" pitchFamily="2" charset="0"/>
+              </a:rPr>
+              <a:t>DP</a:t>
+            </a:r>
+          </a:p>
+        </p:txBody>
+      </p:sp>
+      <p:sp>
+        <p:nvSpPr>
+          <p:cNvPr id="51" name="Retângulo: Cantos Arredondados 50">
+            <a:extLst>
+              <a:ext uri="{FF2B5EF4-FFF2-40B4-BE49-F238E27FC236}">
+                <a16:creationId xmlns:a16="http://schemas.microsoft.com/office/drawing/2014/main" id="{5012F631-9F16-D8E7-5358-54EE2FCEA703}"/>
+              </a:ext>
+            </a:extLst>
+          </p:cNvPr>
+          <p:cNvSpPr/>
+          <p:nvPr/>
+        </p:nvSpPr>
+        <p:spPr>
+          <a:xfrm>
+            <a:off x="12439338" y="12562427"/>
+            <a:ext cx="1834572" cy="514321"/>
+          </a:xfrm>
+          <a:prstGeom prst="roundRect">
+            <a:avLst>
+              <a:gd name="adj" fmla="val 22677"/>
+            </a:avLst>
+          </a:prstGeom>
+          <a:solidFill>
+            <a:srgbClr val="D9D9D9"/>
+          </a:solidFill>
+          <a:ln>
+            <a:noFill/>
+          </a:ln>
+          <a:effectLst>
+            <a:glow rad="63500">
+              <a:schemeClr val="bg1">
+                <a:lumMod val="75000"/>
+                <a:alpha val="40000"/>
+              </a:schemeClr>
+            </a:glow>
+            <a:outerShdw blurRad="50800" dist="38100" dir="5400000" algn="t" rotWithShape="0">
+              <a:schemeClr val="tx1">
+                <a:alpha val="40000"/>
+              </a:schemeClr>
+            </a:outerShdw>
+          </a:effectLst>
+        </p:spPr>
+        <p:style>
+          <a:lnRef idx="2">
+            <a:schemeClr val="accent1">
+              <a:shade val="50000"/>
+            </a:schemeClr>
+          </a:lnRef>
+          <a:fillRef idx="1">
+            <a:schemeClr val="accent1"/>
+          </a:fillRef>
+          <a:effectRef idx="0">
+            <a:schemeClr val="accent1"/>
+          </a:effectRef>
+          <a:fontRef idx="minor">
+            <a:schemeClr val="lt1"/>
+          </a:fontRef>
+        </p:style>
+        <p:txBody>
+          <a:bodyPr rtlCol="0" anchor="ctr"/>
+          <a:lstStyle/>
+          <a:p>
+            <a:pPr algn="ctr"/>
+            <a:r>
+              <a:rPr lang="pt-BR" sz="3000" dirty="0">
+                <a:solidFill>
+                  <a:schemeClr val="tx1"/>
+                </a:solidFill>
+                <a:latin typeface="Montserrat SemiBold" panose="00000700000000000000" pitchFamily="2" charset="0"/>
+              </a:rPr>
+              <a:t>ADM</a:t>
+            </a:r>
+          </a:p>
+        </p:txBody>
+      </p:sp>
+      <p:sp>
+        <p:nvSpPr>
+          <p:cNvPr id="76" name="Retângulo: Cantos Arredondados 75">
+            <a:extLst>
+              <a:ext uri="{FF2B5EF4-FFF2-40B4-BE49-F238E27FC236}">
+                <a16:creationId xmlns:a16="http://schemas.microsoft.com/office/drawing/2014/main" id="{7E09BF91-D14D-1B4F-C9A6-C5F48A217E29}"/>
+              </a:ext>
+            </a:extLst>
+          </p:cNvPr>
+          <p:cNvSpPr/>
+          <p:nvPr/>
+        </p:nvSpPr>
+        <p:spPr>
+          <a:xfrm>
+            <a:off x="6189354" y="9431907"/>
+            <a:ext cx="2363035" cy="514321"/>
+          </a:xfrm>
+          <a:prstGeom prst="roundRect">
+            <a:avLst>
+              <a:gd name="adj" fmla="val 22677"/>
+            </a:avLst>
+          </a:prstGeom>
+          <a:solidFill>
+            <a:srgbClr val="D9D9D9"/>
+          </a:solidFill>
+          <a:ln>
+            <a:noFill/>
+          </a:ln>
+          <a:effectLst>
+            <a:glow rad="63500">
+              <a:schemeClr val="bg1">
+                <a:lumMod val="75000"/>
+                <a:alpha val="40000"/>
+              </a:schemeClr>
+            </a:glow>
+            <a:outerShdw blurRad="50800" dist="38100" dir="5400000" algn="t" rotWithShape="0">
+              <a:schemeClr val="tx1">
+                <a:alpha val="40000"/>
+              </a:schemeClr>
+            </a:outerShdw>
+          </a:effectLst>
+        </p:spPr>
+        <p:style>
+          <a:lnRef idx="2">
+            <a:schemeClr val="accent1">
+              <a:shade val="50000"/>
+            </a:schemeClr>
+          </a:lnRef>
+          <a:fillRef idx="1">
+            <a:schemeClr val="accent1"/>
+          </a:fillRef>
+          <a:effectRef idx="0">
+            <a:schemeClr val="accent1"/>
+          </a:effectRef>
+          <a:fontRef idx="minor">
+            <a:schemeClr val="lt1"/>
+          </a:fontRef>
+        </p:style>
+        <p:txBody>
+          <a:bodyPr rtlCol="0" anchor="ctr"/>
+          <a:lstStyle/>
+          <a:p>
+            <a:pPr algn="ctr"/>
+            <a:r>
+              <a:rPr lang="pt-BR" sz="2900" dirty="0">
+                <a:solidFill>
+                  <a:schemeClr val="tx1"/>
+                </a:solidFill>
+                <a:latin typeface="Montserrat SemiBold" panose="00000700000000000000" pitchFamily="2" charset="0"/>
+              </a:rPr>
+              <a:t>LOGÍSTICA</a:t>
+            </a:r>
+          </a:p>
+        </p:txBody>
+      </p:sp>
+      <p:sp>
+        <p:nvSpPr>
+          <p:cNvPr id="77" name="Retângulo: Cantos Arredondados 76">
+            <a:extLst>
+              <a:ext uri="{FF2B5EF4-FFF2-40B4-BE49-F238E27FC236}">
+                <a16:creationId xmlns:a16="http://schemas.microsoft.com/office/drawing/2014/main" id="{FBD8B676-74FA-27E0-87C6-A84BE0225C36}"/>
+              </a:ext>
+            </a:extLst>
+          </p:cNvPr>
+          <p:cNvSpPr/>
+          <p:nvPr/>
+        </p:nvSpPr>
+        <p:spPr>
+          <a:xfrm>
+            <a:off x="9549615" y="9388771"/>
+            <a:ext cx="2687361" cy="514321"/>
+          </a:xfrm>
+          <a:prstGeom prst="roundRect">
+            <a:avLst>
+              <a:gd name="adj" fmla="val 22677"/>
+            </a:avLst>
+          </a:prstGeom>
+          <a:solidFill>
+            <a:srgbClr val="D9D9D9"/>
+          </a:solidFill>
+          <a:ln>
+            <a:noFill/>
+          </a:ln>
+          <a:effectLst>
+            <a:glow rad="63500">
+              <a:schemeClr val="bg1">
+                <a:lumMod val="75000"/>
+                <a:alpha val="40000"/>
+              </a:schemeClr>
+            </a:glow>
+            <a:outerShdw blurRad="50800" dist="38100" dir="5400000" algn="t" rotWithShape="0">
+              <a:schemeClr val="tx1">
+                <a:alpha val="40000"/>
+              </a:schemeClr>
+            </a:outerShdw>
+          </a:effectLst>
+        </p:spPr>
+        <p:style>
+          <a:lnRef idx="2">
+            <a:schemeClr val="accent1">
+              <a:shade val="50000"/>
+            </a:schemeClr>
+          </a:lnRef>
+          <a:fillRef idx="1">
+            <a:schemeClr val="accent1"/>
+          </a:fillRef>
+          <a:effectRef idx="0">
+            <a:schemeClr val="accent1"/>
+          </a:effectRef>
+          <a:fontRef idx="minor">
+            <a:schemeClr val="lt1"/>
+          </a:fontRef>
+        </p:style>
+        <p:txBody>
+          <a:bodyPr rtlCol="0" anchor="ctr"/>
+          <a:lstStyle/>
+          <a:p>
+            <a:pPr algn="ctr"/>
+            <a:r>
+              <a:rPr lang="pt-BR" sz="2900" dirty="0">
+                <a:solidFill>
+                  <a:schemeClr val="tx1"/>
+                </a:solidFill>
+                <a:latin typeface="Montserrat SemiBold" panose="00000700000000000000" pitchFamily="2" charset="0"/>
+              </a:rPr>
+              <a:t>LOGÍSTICA</a:t>
+            </a:r>
+          </a:p>
+        </p:txBody>
+      </p:sp>
+      <p:sp>
+        <p:nvSpPr>
+          <p:cNvPr id="78" name="Retângulo: Cantos Arredondados 77">
+            <a:extLst>
+              <a:ext uri="{FF2B5EF4-FFF2-40B4-BE49-F238E27FC236}">
+                <a16:creationId xmlns:a16="http://schemas.microsoft.com/office/drawing/2014/main" id="{7EC2135F-40D5-6053-EF67-8AF47AC22BE5}"/>
+              </a:ext>
+            </a:extLst>
+          </p:cNvPr>
+          <p:cNvSpPr/>
+          <p:nvPr/>
+        </p:nvSpPr>
+        <p:spPr>
+          <a:xfrm>
+            <a:off x="12439336" y="7796709"/>
+            <a:ext cx="1837027" cy="514321"/>
+          </a:xfrm>
+          <a:prstGeom prst="roundRect">
+            <a:avLst>
+              <a:gd name="adj" fmla="val 22677"/>
+            </a:avLst>
+          </a:prstGeom>
+          <a:solidFill>
+            <a:srgbClr val="D9D9D9"/>
+          </a:solidFill>
+          <a:ln>
+            <a:noFill/>
+          </a:ln>
+          <a:effectLst>
+            <a:glow rad="63500">
+              <a:schemeClr val="bg1">
+                <a:lumMod val="75000"/>
+                <a:alpha val="40000"/>
+              </a:schemeClr>
+            </a:glow>
+            <a:outerShdw blurRad="50800" dist="38100" dir="5400000" algn="t" rotWithShape="0">
+              <a:schemeClr val="tx1">
+                <a:alpha val="40000"/>
+              </a:schemeClr>
+            </a:outerShdw>
+          </a:effectLst>
+        </p:spPr>
+        <p:style>
+          <a:lnRef idx="2">
+            <a:schemeClr val="accent1">
+              <a:shade val="50000"/>
+            </a:schemeClr>
+          </a:lnRef>
+          <a:fillRef idx="1">
+            <a:schemeClr val="accent1"/>
+          </a:fillRef>
+          <a:effectRef idx="0">
+            <a:schemeClr val="accent1"/>
+          </a:effectRef>
+          <a:fontRef idx="minor">
+            <a:schemeClr val="lt1"/>
+          </a:fontRef>
+        </p:style>
+        <p:txBody>
+          <a:bodyPr rtlCol="0" anchor="ctr"/>
+          <a:lstStyle/>
+          <a:p>
+            <a:pPr algn="ctr"/>
+            <a:r>
+              <a:rPr lang="pt-BR" sz="2900" dirty="0">
+                <a:solidFill>
+                  <a:schemeClr val="tx1"/>
+                </a:solidFill>
+                <a:latin typeface="Montserrat SemiBold" panose="00000700000000000000" pitchFamily="2" charset="0"/>
+              </a:rPr>
+              <a:t>RH</a:t>
+            </a:r>
+          </a:p>
+        </p:txBody>
+      </p:sp>
+      <p:sp>
+        <p:nvSpPr>
+          <p:cNvPr id="79" name="Retângulo: Cantos Arredondados 78">
+            <a:extLst>
+              <a:ext uri="{FF2B5EF4-FFF2-40B4-BE49-F238E27FC236}">
+                <a16:creationId xmlns:a16="http://schemas.microsoft.com/office/drawing/2014/main" id="{2D27978E-967A-A335-E425-7531B1FEC3E5}"/>
+              </a:ext>
+            </a:extLst>
+          </p:cNvPr>
+          <p:cNvSpPr/>
+          <p:nvPr/>
+        </p:nvSpPr>
+        <p:spPr>
+          <a:xfrm>
+            <a:off x="12456010" y="4856150"/>
+            <a:ext cx="1837027" cy="514321"/>
+          </a:xfrm>
+          <a:prstGeom prst="roundRect">
+            <a:avLst>
+              <a:gd name="adj" fmla="val 22677"/>
+            </a:avLst>
+          </a:prstGeom>
+          <a:solidFill>
+            <a:srgbClr val="D9D9D9"/>
+          </a:solidFill>
+          <a:ln>
+            <a:noFill/>
+          </a:ln>
+          <a:effectLst>
+            <a:glow rad="63500">
+              <a:schemeClr val="bg1">
+                <a:lumMod val="75000"/>
+                <a:alpha val="40000"/>
+              </a:schemeClr>
+            </a:glow>
+            <a:outerShdw blurRad="50800" dist="38100" dir="5400000" algn="t" rotWithShape="0">
+              <a:schemeClr val="tx1">
+                <a:alpha val="40000"/>
+              </a:schemeClr>
+            </a:outerShdw>
+          </a:effectLst>
+        </p:spPr>
+        <p:style>
+          <a:lnRef idx="2">
+            <a:schemeClr val="accent1">
+              <a:shade val="50000"/>
+            </a:schemeClr>
+          </a:lnRef>
+          <a:fillRef idx="1">
+            <a:schemeClr val="accent1"/>
+          </a:fillRef>
+          <a:effectRef idx="0">
+            <a:schemeClr val="accent1"/>
+          </a:effectRef>
+          <a:fontRef idx="minor">
+            <a:schemeClr val="lt1"/>
+          </a:fontRef>
+        </p:style>
+        <p:txBody>
+          <a:bodyPr rtlCol="0" anchor="ctr"/>
+          <a:lstStyle/>
+          <a:p>
+            <a:pPr algn="ctr"/>
+            <a:r>
+              <a:rPr lang="pt-BR" sz="2900" dirty="0">
+                <a:solidFill>
+                  <a:schemeClr val="tx1"/>
+                </a:solidFill>
+                <a:latin typeface="Montserrat SemiBold" panose="00000700000000000000" pitchFamily="2" charset="0"/>
+              </a:rPr>
+              <a:t>RH</a:t>
+            </a:r>
+          </a:p>
+        </p:txBody>
+      </p:sp>
+      <p:sp>
+        <p:nvSpPr>
+          <p:cNvPr id="80" name="Retângulo: Cantos Arredondados 79">
+            <a:extLst>
+              <a:ext uri="{FF2B5EF4-FFF2-40B4-BE49-F238E27FC236}">
+                <a16:creationId xmlns:a16="http://schemas.microsoft.com/office/drawing/2014/main" id="{3815C683-6113-3947-531E-8C07FC6E0555}"/>
+              </a:ext>
+            </a:extLst>
+          </p:cNvPr>
+          <p:cNvSpPr/>
+          <p:nvPr/>
+        </p:nvSpPr>
+        <p:spPr>
+          <a:xfrm>
+            <a:off x="9593978" y="4856149"/>
+            <a:ext cx="2685096" cy="514321"/>
+          </a:xfrm>
+          <a:prstGeom prst="roundRect">
+            <a:avLst>
+              <a:gd name="adj" fmla="val 22677"/>
+            </a:avLst>
+          </a:prstGeom>
+          <a:solidFill>
+            <a:srgbClr val="D9D9D9"/>
+          </a:solidFill>
+          <a:ln>
+            <a:noFill/>
+          </a:ln>
+          <a:effectLst>
+            <a:glow rad="63500">
+              <a:schemeClr val="bg1">
+                <a:lumMod val="75000"/>
+                <a:alpha val="40000"/>
+              </a:schemeClr>
+            </a:glow>
+            <a:outerShdw blurRad="50800" dist="38100" dir="5400000" algn="t" rotWithShape="0">
+              <a:schemeClr val="tx1">
+                <a:alpha val="40000"/>
+              </a:schemeClr>
+            </a:outerShdw>
+          </a:effectLst>
+        </p:spPr>
+        <p:style>
+          <a:lnRef idx="2">
+            <a:schemeClr val="accent1">
+              <a:shade val="50000"/>
+            </a:schemeClr>
+          </a:lnRef>
+          <a:fillRef idx="1">
+            <a:schemeClr val="accent1"/>
+          </a:fillRef>
+          <a:effectRef idx="0">
+            <a:schemeClr val="accent1"/>
+          </a:effectRef>
+          <a:fontRef idx="minor">
+            <a:schemeClr val="lt1"/>
+          </a:fontRef>
+        </p:style>
+        <p:txBody>
+          <a:bodyPr rtlCol="0" anchor="ctr"/>
+          <a:lstStyle/>
+          <a:p>
+            <a:pPr algn="ctr"/>
+            <a:r>
+              <a:rPr lang="pt-BR" sz="2900" dirty="0">
+                <a:solidFill>
+                  <a:schemeClr val="tx1"/>
+                </a:solidFill>
+                <a:latin typeface="Montserrat SemiBold" panose="00000700000000000000" pitchFamily="2" charset="0"/>
+              </a:rPr>
+              <a:t>ADM-VD</a:t>
+            </a:r>
+          </a:p>
+        </p:txBody>
+      </p:sp>
+      <p:sp>
+        <p:nvSpPr>
+          <p:cNvPr id="87" name="Retângulo: Cantos Arredondados 86">
+            <a:extLst>
+              <a:ext uri="{FF2B5EF4-FFF2-40B4-BE49-F238E27FC236}">
+                <a16:creationId xmlns:a16="http://schemas.microsoft.com/office/drawing/2014/main" id="{DC2BBBFC-98F9-0583-51FA-21FE05897800}"/>
+              </a:ext>
+            </a:extLst>
+          </p:cNvPr>
+          <p:cNvSpPr/>
+          <p:nvPr/>
+        </p:nvSpPr>
+        <p:spPr>
+          <a:xfrm>
+            <a:off x="9551880" y="3417743"/>
+            <a:ext cx="2685096" cy="514321"/>
+          </a:xfrm>
+          <a:prstGeom prst="roundRect">
+            <a:avLst>
+              <a:gd name="adj" fmla="val 22677"/>
+            </a:avLst>
+          </a:prstGeom>
+          <a:solidFill>
+            <a:srgbClr val="D9D9D9"/>
+          </a:solidFill>
+          <a:ln>
+            <a:noFill/>
+          </a:ln>
+          <a:effectLst>
+            <a:glow rad="63500">
+              <a:schemeClr val="bg1">
+                <a:lumMod val="75000"/>
+                <a:alpha val="40000"/>
+              </a:schemeClr>
+            </a:glow>
+            <a:outerShdw blurRad="50800" dist="38100" dir="5400000" algn="t" rotWithShape="0">
+              <a:schemeClr val="tx1">
+                <a:alpha val="40000"/>
+              </a:schemeClr>
+            </a:outerShdw>
+          </a:effectLst>
+        </p:spPr>
+        <p:style>
+          <a:lnRef idx="2">
+            <a:schemeClr val="accent1">
+              <a:shade val="50000"/>
+            </a:schemeClr>
+          </a:lnRef>
+          <a:fillRef idx="1">
+            <a:schemeClr val="accent1"/>
+          </a:fillRef>
+          <a:effectRef idx="0">
+            <a:schemeClr val="accent1"/>
+          </a:effectRef>
+          <a:fontRef idx="minor">
+            <a:schemeClr val="lt1"/>
+          </a:fontRef>
+        </p:style>
+        <p:txBody>
+          <a:bodyPr rtlCol="0" anchor="ctr"/>
+          <a:lstStyle/>
+          <a:p>
+            <a:pPr algn="ctr"/>
+            <a:r>
+              <a:rPr lang="pt-BR" sz="2900" dirty="0">
+                <a:solidFill>
+                  <a:schemeClr val="tx1"/>
+                </a:solidFill>
+                <a:latin typeface="Montserrat SemiBold" panose="00000700000000000000" pitchFamily="2" charset="0"/>
+              </a:rPr>
+              <a:t>ADM-LOJA</a:t>
+            </a:r>
+          </a:p>
+        </p:txBody>
+      </p:sp>
+      <p:sp>
+        <p:nvSpPr>
+          <p:cNvPr id="94" name="Retângulo: Cantos Arredondados 93">
+            <a:extLst>
+              <a:ext uri="{FF2B5EF4-FFF2-40B4-BE49-F238E27FC236}">
+                <a16:creationId xmlns:a16="http://schemas.microsoft.com/office/drawing/2014/main" id="{F1D3704E-4051-14B7-D185-6CDCF337A690}"/>
+              </a:ext>
+            </a:extLst>
+          </p:cNvPr>
+          <p:cNvSpPr/>
+          <p:nvPr/>
+        </p:nvSpPr>
+        <p:spPr>
+          <a:xfrm>
+            <a:off x="12456010" y="3442285"/>
+            <a:ext cx="1837027" cy="514321"/>
+          </a:xfrm>
+          <a:prstGeom prst="roundRect">
+            <a:avLst>
+              <a:gd name="adj" fmla="val 22677"/>
+            </a:avLst>
+          </a:prstGeom>
+          <a:solidFill>
+            <a:srgbClr val="D9D9D9"/>
+          </a:solidFill>
+          <a:ln>
+            <a:noFill/>
+          </a:ln>
+          <a:effectLst>
+            <a:glow rad="63500">
+              <a:schemeClr val="bg1">
+                <a:lumMod val="75000"/>
+                <a:alpha val="40000"/>
+              </a:schemeClr>
+            </a:glow>
+            <a:outerShdw blurRad="50800" dist="38100" dir="5400000" algn="t" rotWithShape="0">
+              <a:schemeClr val="tx1">
+                <a:alpha val="40000"/>
+              </a:schemeClr>
+            </a:outerShdw>
+          </a:effectLst>
+        </p:spPr>
+        <p:style>
+          <a:lnRef idx="2">
+            <a:schemeClr val="accent1">
+              <a:shade val="50000"/>
+            </a:schemeClr>
+          </a:lnRef>
+          <a:fillRef idx="1">
+            <a:schemeClr val="accent1"/>
+          </a:fillRef>
+          <a:effectRef idx="0">
+            <a:schemeClr val="accent1"/>
+          </a:effectRef>
+          <a:fontRef idx="minor">
+            <a:schemeClr val="lt1"/>
+          </a:fontRef>
+        </p:style>
+        <p:txBody>
+          <a:bodyPr rtlCol="0" anchor="ctr"/>
+          <a:lstStyle/>
+          <a:p>
+            <a:pPr algn="ctr"/>
+            <a:r>
+              <a:rPr lang="pt-BR" sz="2900" dirty="0">
+                <a:solidFill>
+                  <a:schemeClr val="tx1"/>
+                </a:solidFill>
+                <a:latin typeface="Montserrat SemiBold" panose="00000700000000000000" pitchFamily="2" charset="0"/>
+              </a:rPr>
+              <a:t>LOJA</a:t>
+            </a:r>
+          </a:p>
+        </p:txBody>
+      </p:sp>
+      <p:sp>
+        <p:nvSpPr>
+          <p:cNvPr id="98" name="Retângulo: Cantos Arredondados 97">
+            <a:extLst>
+              <a:ext uri="{FF2B5EF4-FFF2-40B4-BE49-F238E27FC236}">
+                <a16:creationId xmlns:a16="http://schemas.microsoft.com/office/drawing/2014/main" id="{EF8C0819-113F-CCEF-D7C8-C06B3BEDD7A2}"/>
+              </a:ext>
+            </a:extLst>
+          </p:cNvPr>
+          <p:cNvSpPr/>
+          <p:nvPr/>
+        </p:nvSpPr>
+        <p:spPr>
+          <a:xfrm>
+            <a:off x="14568253" y="4854480"/>
+            <a:ext cx="2742433" cy="514321"/>
+          </a:xfrm>
+          <a:prstGeom prst="roundRect">
+            <a:avLst>
+              <a:gd name="adj" fmla="val 22677"/>
+            </a:avLst>
+          </a:prstGeom>
+          <a:solidFill>
+            <a:srgbClr val="D9D9D9"/>
+          </a:solidFill>
+          <a:ln>
+            <a:noFill/>
+          </a:ln>
+          <a:effectLst>
+            <a:glow rad="63500">
+              <a:schemeClr val="bg1">
+                <a:lumMod val="75000"/>
+                <a:alpha val="40000"/>
+              </a:schemeClr>
+            </a:glow>
+            <a:outerShdw blurRad="50800" dist="38100" dir="5400000" algn="t" rotWithShape="0">
+              <a:schemeClr val="tx1">
+                <a:alpha val="40000"/>
+              </a:schemeClr>
+            </a:outerShdw>
+          </a:effectLst>
+        </p:spPr>
+        <p:style>
+          <a:lnRef idx="2">
+            <a:schemeClr val="accent1">
+              <a:shade val="50000"/>
+            </a:schemeClr>
+          </a:lnRef>
+          <a:fillRef idx="1">
+            <a:schemeClr val="accent1"/>
+          </a:fillRef>
+          <a:effectRef idx="0">
+            <a:schemeClr val="accent1"/>
+          </a:effectRef>
+          <a:fontRef idx="minor">
+            <a:schemeClr val="lt1"/>
+          </a:fontRef>
+        </p:style>
+        <p:txBody>
+          <a:bodyPr rtlCol="0" anchor="ctr"/>
+          <a:lstStyle/>
+          <a:p>
+            <a:pPr algn="ctr"/>
+            <a:r>
+              <a:rPr lang="pt-BR" sz="2800" dirty="0">
+                <a:solidFill>
+                  <a:schemeClr val="tx1"/>
+                </a:solidFill>
+                <a:latin typeface="Montserrat SemiBold" panose="00000700000000000000" pitchFamily="2" charset="0"/>
+              </a:rPr>
+              <a:t>BACK-SUPER</a:t>
+            </a:r>
+          </a:p>
+        </p:txBody>
+      </p:sp>
+      <p:sp>
+        <p:nvSpPr>
+          <p:cNvPr id="99" name="Retângulo: Cantos Arredondados 98">
+            <a:extLst>
+              <a:ext uri="{FF2B5EF4-FFF2-40B4-BE49-F238E27FC236}">
+                <a16:creationId xmlns:a16="http://schemas.microsoft.com/office/drawing/2014/main" id="{6D0CEF72-158F-A959-3697-26F97BD80871}"/>
+              </a:ext>
+            </a:extLst>
+          </p:cNvPr>
+          <p:cNvSpPr/>
+          <p:nvPr/>
+        </p:nvSpPr>
+        <p:spPr>
+          <a:xfrm>
+            <a:off x="9593977" y="6297845"/>
+            <a:ext cx="2685097" cy="514321"/>
+          </a:xfrm>
+          <a:prstGeom prst="roundRect">
+            <a:avLst>
+              <a:gd name="adj" fmla="val 22677"/>
+            </a:avLst>
+          </a:prstGeom>
+          <a:solidFill>
+            <a:srgbClr val="D9D9D9"/>
+          </a:solidFill>
+          <a:ln>
+            <a:noFill/>
+          </a:ln>
+          <a:effectLst>
+            <a:glow rad="63500">
+              <a:schemeClr val="bg1">
+                <a:lumMod val="75000"/>
+                <a:alpha val="40000"/>
+              </a:schemeClr>
+            </a:glow>
+            <a:outerShdw blurRad="50800" dist="38100" dir="5400000" algn="t" rotWithShape="0">
+              <a:schemeClr val="tx1">
+                <a:alpha val="40000"/>
+              </a:schemeClr>
+            </a:outerShdw>
+          </a:effectLst>
+        </p:spPr>
+        <p:style>
+          <a:lnRef idx="2">
+            <a:schemeClr val="accent1">
+              <a:shade val="50000"/>
+            </a:schemeClr>
+          </a:lnRef>
+          <a:fillRef idx="1">
+            <a:schemeClr val="accent1"/>
+          </a:fillRef>
+          <a:effectRef idx="0">
+            <a:schemeClr val="accent1"/>
+          </a:effectRef>
+          <a:fontRef idx="minor">
+            <a:schemeClr val="lt1"/>
+          </a:fontRef>
+        </p:style>
+        <p:txBody>
+          <a:bodyPr rtlCol="0" anchor="ctr"/>
+          <a:lstStyle/>
+          <a:p>
+            <a:pPr algn="ctr"/>
+            <a:r>
+              <a:rPr lang="pt-BR" sz="2900" dirty="0">
+                <a:solidFill>
+                  <a:schemeClr val="tx1"/>
+                </a:solidFill>
+                <a:latin typeface="Montserrat SemiBold" panose="00000700000000000000" pitchFamily="2" charset="0"/>
+              </a:rPr>
+              <a:t>COMERCIAL</a:t>
+            </a:r>
+          </a:p>
+        </p:txBody>
+      </p:sp>
+      <p:sp>
+        <p:nvSpPr>
+          <p:cNvPr id="100" name="Retângulo: Cantos Arredondados 99">
+            <a:extLst>
+              <a:ext uri="{FF2B5EF4-FFF2-40B4-BE49-F238E27FC236}">
+                <a16:creationId xmlns:a16="http://schemas.microsoft.com/office/drawing/2014/main" id="{0477BB06-BC4A-BAAC-8057-6ED507552C35}"/>
+              </a:ext>
+            </a:extLst>
+          </p:cNvPr>
+          <p:cNvSpPr/>
+          <p:nvPr/>
+        </p:nvSpPr>
+        <p:spPr>
+          <a:xfrm>
+            <a:off x="9549613" y="10882867"/>
+            <a:ext cx="2685096" cy="514321"/>
+          </a:xfrm>
+          <a:prstGeom prst="roundRect">
+            <a:avLst>
+              <a:gd name="adj" fmla="val 22677"/>
+            </a:avLst>
+          </a:prstGeom>
+          <a:solidFill>
+            <a:srgbClr val="D9D9D9"/>
+          </a:solidFill>
+          <a:ln>
+            <a:noFill/>
+          </a:ln>
+          <a:effectLst>
+            <a:glow rad="63500">
+              <a:schemeClr val="bg1">
+                <a:lumMod val="75000"/>
+                <a:alpha val="40000"/>
+              </a:schemeClr>
+            </a:glow>
+            <a:outerShdw blurRad="50800" dist="38100" dir="5400000" algn="t" rotWithShape="0">
+              <a:schemeClr val="tx1">
+                <a:alpha val="40000"/>
+              </a:schemeClr>
+            </a:outerShdw>
+          </a:effectLst>
+        </p:spPr>
+        <p:style>
+          <a:lnRef idx="2">
+            <a:schemeClr val="accent1">
+              <a:shade val="50000"/>
+            </a:schemeClr>
+          </a:lnRef>
+          <a:fillRef idx="1">
+            <a:schemeClr val="accent1"/>
+          </a:fillRef>
+          <a:effectRef idx="0">
+            <a:schemeClr val="accent1"/>
+          </a:effectRef>
+          <a:fontRef idx="minor">
+            <a:schemeClr val="lt1"/>
+          </a:fontRef>
+        </p:style>
+        <p:txBody>
+          <a:bodyPr rtlCol="0" anchor="ctr"/>
+          <a:lstStyle/>
+          <a:p>
+            <a:pPr algn="ctr"/>
+            <a:r>
+              <a:rPr lang="pt-BR" sz="3000" dirty="0">
+                <a:solidFill>
+                  <a:schemeClr val="tx1"/>
+                </a:solidFill>
+                <a:latin typeface="Montserrat SemiBold" panose="00000700000000000000" pitchFamily="2" charset="0"/>
+              </a:rPr>
+              <a:t>MERKETING</a:t>
+            </a:r>
+          </a:p>
+        </p:txBody>
+      </p:sp>
+      <p:sp>
+        <p:nvSpPr>
+          <p:cNvPr id="101" name="Retângulo: Cantos Arredondados 100">
+            <a:extLst>
+              <a:ext uri="{FF2B5EF4-FFF2-40B4-BE49-F238E27FC236}">
+                <a16:creationId xmlns:a16="http://schemas.microsoft.com/office/drawing/2014/main" id="{80413147-497A-DF5D-4C9D-BF1DB169684F}"/>
+              </a:ext>
+            </a:extLst>
+          </p:cNvPr>
+          <p:cNvSpPr/>
+          <p:nvPr/>
+        </p:nvSpPr>
+        <p:spPr>
+          <a:xfrm>
+            <a:off x="14538179" y="12529544"/>
+            <a:ext cx="2742431" cy="521955"/>
+          </a:xfrm>
+          <a:prstGeom prst="roundRect">
+            <a:avLst>
+              <a:gd name="adj" fmla="val 22677"/>
+            </a:avLst>
+          </a:prstGeom>
+          <a:solidFill>
+            <a:srgbClr val="D9D9D9"/>
+          </a:solidFill>
+          <a:ln>
+            <a:noFill/>
+          </a:ln>
+          <a:effectLst>
+            <a:glow rad="63500">
+              <a:schemeClr val="bg1">
+                <a:lumMod val="75000"/>
+                <a:alpha val="40000"/>
+              </a:schemeClr>
+            </a:glow>
+            <a:outerShdw blurRad="50800" dist="38100" dir="5400000" algn="t" rotWithShape="0">
+              <a:schemeClr val="tx1">
+                <a:alpha val="40000"/>
+              </a:schemeClr>
+            </a:outerShdw>
+          </a:effectLst>
+        </p:spPr>
+        <p:style>
+          <a:lnRef idx="2">
+            <a:schemeClr val="accent1">
+              <a:shade val="50000"/>
+            </a:schemeClr>
+          </a:lnRef>
+          <a:fillRef idx="1">
+            <a:schemeClr val="accent1"/>
+          </a:fillRef>
+          <a:effectRef idx="0">
+            <a:schemeClr val="accent1"/>
+          </a:effectRef>
+          <a:fontRef idx="minor">
+            <a:schemeClr val="lt1"/>
+          </a:fontRef>
+        </p:style>
+        <p:txBody>
+          <a:bodyPr rtlCol="0" anchor="ctr"/>
+          <a:lstStyle/>
+          <a:p>
+            <a:pPr algn="ctr"/>
+            <a:r>
+              <a:rPr lang="pt-BR" sz="3000" dirty="0">
+                <a:solidFill>
+                  <a:schemeClr val="tx1"/>
+                </a:solidFill>
+                <a:latin typeface="Montserrat SemiBold" panose="00000700000000000000" pitchFamily="2" charset="0"/>
+              </a:rPr>
+              <a:t>PROCESSOS</a:t>
+            </a:r>
+          </a:p>
+        </p:txBody>
+      </p:sp>
+      <p:sp>
+        <p:nvSpPr>
+          <p:cNvPr id="133" name="Retângulo: Cantos Arredondados 132">
+            <a:extLst>
+              <a:ext uri="{FF2B5EF4-FFF2-40B4-BE49-F238E27FC236}">
+                <a16:creationId xmlns:a16="http://schemas.microsoft.com/office/drawing/2014/main" id="{C3A79D1D-262F-97CC-9692-12AD54562D73}"/>
+              </a:ext>
+            </a:extLst>
+          </p:cNvPr>
+          <p:cNvSpPr/>
+          <p:nvPr/>
+        </p:nvSpPr>
+        <p:spPr>
+          <a:xfrm>
+            <a:off x="9549613" y="12554849"/>
+            <a:ext cx="2688195" cy="514321"/>
+          </a:xfrm>
+          <a:prstGeom prst="roundRect">
+            <a:avLst>
+              <a:gd name="adj" fmla="val 22677"/>
+            </a:avLst>
+          </a:prstGeom>
+          <a:solidFill>
+            <a:srgbClr val="D9D9D9"/>
+          </a:solidFill>
+          <a:ln>
+            <a:noFill/>
+          </a:ln>
+          <a:effectLst>
+            <a:glow rad="63500">
+              <a:schemeClr val="bg1">
+                <a:lumMod val="75000"/>
+                <a:alpha val="40000"/>
+              </a:schemeClr>
+            </a:glow>
+            <a:outerShdw blurRad="50800" dist="38100" dir="5400000" algn="t" rotWithShape="0">
+              <a:schemeClr val="tx1">
+                <a:alpha val="40000"/>
+              </a:schemeClr>
+            </a:outerShdw>
+          </a:effectLst>
+        </p:spPr>
+        <p:style>
+          <a:lnRef idx="2">
+            <a:schemeClr val="accent1">
+              <a:shade val="50000"/>
+            </a:schemeClr>
+          </a:lnRef>
+          <a:fillRef idx="1">
+            <a:schemeClr val="accent1"/>
+          </a:fillRef>
+          <a:effectRef idx="0">
+            <a:schemeClr val="accent1"/>
+          </a:effectRef>
+          <a:fontRef idx="minor">
+            <a:schemeClr val="lt1"/>
+          </a:fontRef>
+        </p:style>
+        <p:txBody>
+          <a:bodyPr rtlCol="0" anchor="ctr"/>
+          <a:lstStyle/>
+          <a:p>
+            <a:pPr algn="ctr"/>
+            <a:r>
+              <a:rPr lang="pt-BR" sz="2900" dirty="0">
+                <a:solidFill>
+                  <a:schemeClr val="tx1"/>
+                </a:solidFill>
+                <a:latin typeface="Montserrat SemiBold" panose="00000700000000000000" pitchFamily="2" charset="0"/>
+              </a:rPr>
+              <a:t>FINANCEIRO</a:t>
+            </a:r>
+          </a:p>
+        </p:txBody>
+      </p:sp>
+      <p:sp>
+        <p:nvSpPr>
+          <p:cNvPr id="134" name="Retângulo: Cantos Arredondados 133">
+            <a:extLst>
+              <a:ext uri="{FF2B5EF4-FFF2-40B4-BE49-F238E27FC236}">
+                <a16:creationId xmlns:a16="http://schemas.microsoft.com/office/drawing/2014/main" id="{3A7313C3-2AE0-1862-CE17-12CA0360F9AB}"/>
+              </a:ext>
+            </a:extLst>
+          </p:cNvPr>
+          <p:cNvSpPr/>
+          <p:nvPr/>
+        </p:nvSpPr>
+        <p:spPr>
+          <a:xfrm>
+            <a:off x="17546538" y="12500278"/>
+            <a:ext cx="2742431" cy="551221"/>
+          </a:xfrm>
+          <a:prstGeom prst="roundRect">
+            <a:avLst>
+              <a:gd name="adj" fmla="val 22677"/>
+            </a:avLst>
+          </a:prstGeom>
+          <a:solidFill>
+            <a:srgbClr val="D9D9D9"/>
+          </a:solidFill>
+          <a:ln>
+            <a:noFill/>
+          </a:ln>
+          <a:effectLst>
+            <a:glow rad="63500">
+              <a:schemeClr val="bg1">
+                <a:lumMod val="75000"/>
+                <a:alpha val="40000"/>
+              </a:schemeClr>
+            </a:glow>
+            <a:outerShdw blurRad="50800" dist="38100" dir="5400000" algn="t" rotWithShape="0">
+              <a:schemeClr val="tx1">
+                <a:alpha val="40000"/>
+              </a:schemeClr>
+            </a:outerShdw>
+          </a:effectLst>
+        </p:spPr>
+        <p:style>
+          <a:lnRef idx="2">
+            <a:schemeClr val="accent1">
+              <a:shade val="50000"/>
+            </a:schemeClr>
+          </a:lnRef>
+          <a:fillRef idx="1">
+            <a:schemeClr val="accent1"/>
+          </a:fillRef>
+          <a:effectRef idx="0">
+            <a:schemeClr val="accent1"/>
+          </a:effectRef>
+          <a:fontRef idx="minor">
+            <a:schemeClr val="lt1"/>
+          </a:fontRef>
+        </p:style>
+        <p:txBody>
+          <a:bodyPr rtlCol="0" anchor="ctr"/>
+          <a:lstStyle/>
+          <a:p>
+            <a:pPr algn="ctr"/>
+            <a:r>
+              <a:rPr lang="pt-BR" sz="3000" dirty="0">
+                <a:solidFill>
+                  <a:schemeClr val="tx1"/>
+                </a:solidFill>
+                <a:latin typeface="Montserrat SemiBold" panose="00000700000000000000" pitchFamily="2" charset="0"/>
+              </a:rPr>
+              <a:t>COMPRAS</a:t>
+            </a:r>
+          </a:p>
+        </p:txBody>
+      </p:sp>
+      <p:sp>
+        <p:nvSpPr>
+          <p:cNvPr id="135" name="Retângulo: Cantos Arredondados 134">
+            <a:extLst>
+              <a:ext uri="{FF2B5EF4-FFF2-40B4-BE49-F238E27FC236}">
+                <a16:creationId xmlns:a16="http://schemas.microsoft.com/office/drawing/2014/main" id="{791672F3-0D54-A73D-12A2-535FC69397C8}"/>
+              </a:ext>
+            </a:extLst>
+          </p:cNvPr>
+          <p:cNvSpPr/>
+          <p:nvPr/>
+        </p:nvSpPr>
+        <p:spPr>
+          <a:xfrm>
+            <a:off x="20554067" y="12518727"/>
+            <a:ext cx="2211003" cy="514321"/>
+          </a:xfrm>
+          <a:prstGeom prst="roundRect">
+            <a:avLst>
+              <a:gd name="adj" fmla="val 22677"/>
+            </a:avLst>
+          </a:prstGeom>
+          <a:solidFill>
+            <a:srgbClr val="D9D9D9"/>
+          </a:solidFill>
+          <a:ln>
+            <a:noFill/>
+          </a:ln>
+          <a:effectLst>
+            <a:glow rad="63500">
+              <a:schemeClr val="bg1">
+                <a:lumMod val="75000"/>
+                <a:alpha val="40000"/>
+              </a:schemeClr>
+            </a:glow>
+            <a:outerShdw blurRad="50800" dist="38100" dir="5400000" algn="t" rotWithShape="0">
+              <a:schemeClr val="tx1">
+                <a:alpha val="40000"/>
+              </a:schemeClr>
+            </a:outerShdw>
+          </a:effectLst>
+        </p:spPr>
+        <p:style>
+          <a:lnRef idx="2">
+            <a:schemeClr val="accent1">
+              <a:shade val="50000"/>
+            </a:schemeClr>
+          </a:lnRef>
+          <a:fillRef idx="1">
+            <a:schemeClr val="accent1"/>
+          </a:fillRef>
+          <a:effectRef idx="0">
+            <a:schemeClr val="accent1"/>
+          </a:effectRef>
+          <a:fontRef idx="minor">
+            <a:schemeClr val="lt1"/>
+          </a:fontRef>
+        </p:style>
+        <p:txBody>
+          <a:bodyPr rtlCol="0" anchor="ctr"/>
+          <a:lstStyle/>
+          <a:p>
+            <a:pPr algn="ctr"/>
+            <a:r>
+              <a:rPr lang="pt-BR" sz="3000" dirty="0">
+                <a:solidFill>
+                  <a:schemeClr val="tx1"/>
+                </a:solidFill>
+                <a:latin typeface="Montserrat SemiBold" panose="00000700000000000000" pitchFamily="2" charset="0"/>
+              </a:rPr>
+              <a:t>TI</a:t>
+            </a:r>
+          </a:p>
+        </p:txBody>
+      </p:sp>
     </p:spTree>
     <p:extLst>
       <p:ext uri="{BB962C8B-B14F-4D97-AF65-F5344CB8AC3E}">
@@ -11557,7 +12780,7 @@
         <p:spPr>
           <a:xfrm>
             <a:off x="2231440" y="2950483"/>
-            <a:ext cx="5152274" cy="6291976"/>
+            <a:ext cx="7568398" cy="6291976"/>
           </a:xfrm>
           <a:prstGeom prst="roundRect">
             <a:avLst>
@@ -11623,8 +12846,8 @@
         </p:nvSpPr>
         <p:spPr>
           <a:xfrm>
-            <a:off x="16730365" y="2950483"/>
-            <a:ext cx="8114076" cy="4643620"/>
+            <a:off x="17764053" y="2950483"/>
+            <a:ext cx="7080388" cy="4643620"/>
           </a:xfrm>
           <a:prstGeom prst="roundRect">
             <a:avLst>
@@ -11690,8 +12913,8 @@
         </p:nvSpPr>
         <p:spPr>
           <a:xfrm>
-            <a:off x="7904018" y="7983349"/>
-            <a:ext cx="16940425" cy="5693738"/>
+            <a:off x="10062134" y="7983349"/>
+            <a:ext cx="14782309" cy="5693738"/>
           </a:xfrm>
           <a:prstGeom prst="roundRect">
             <a:avLst>
@@ -11849,12 +13072,146 @@
           </p:txBody>
         </p:sp>
       </p:grpSp>
+      <p:sp>
+        <p:nvSpPr>
+          <p:cNvPr id="29" name="Retângulo: Cantos Arredondados 28">
+            <a:extLst>
+              <a:ext uri="{FF2B5EF4-FFF2-40B4-BE49-F238E27FC236}">
+                <a16:creationId xmlns:a16="http://schemas.microsoft.com/office/drawing/2014/main" id="{3AAF3F90-0CEC-4BDD-D04F-1326C4F90E67}"/>
+              </a:ext>
+            </a:extLst>
+          </p:cNvPr>
+          <p:cNvSpPr/>
+          <p:nvPr/>
+        </p:nvSpPr>
+        <p:spPr>
+          <a:xfrm>
+            <a:off x="2227660" y="9592415"/>
+            <a:ext cx="7568398" cy="4068597"/>
+          </a:xfrm>
+          <a:prstGeom prst="roundRect">
+            <a:avLst>
+              <a:gd name="adj" fmla="val 5591"/>
+            </a:avLst>
+          </a:prstGeom>
+          <a:solidFill>
+            <a:schemeClr val="bg1"/>
+          </a:solidFill>
+          <a:ln>
+            <a:noFill/>
+          </a:ln>
+          <a:effectLst>
+            <a:glow rad="63500">
+              <a:schemeClr val="bg1">
+                <a:lumMod val="75000"/>
+                <a:alpha val="40000"/>
+              </a:schemeClr>
+            </a:glow>
+            <a:outerShdw blurRad="50800" dist="38100" dir="5400000" algn="t" rotWithShape="0">
+              <a:schemeClr val="tx1">
+                <a:alpha val="40000"/>
+              </a:schemeClr>
+            </a:outerShdw>
+          </a:effectLst>
+        </p:spPr>
+        <p:style>
+          <a:lnRef idx="2">
+            <a:schemeClr val="accent1">
+              <a:shade val="50000"/>
+            </a:schemeClr>
+          </a:lnRef>
+          <a:fillRef idx="1">
+            <a:schemeClr val="accent1"/>
+          </a:fillRef>
+          <a:effectRef idx="0">
+            <a:schemeClr val="accent1"/>
+          </a:effectRef>
+          <a:fontRef idx="minor">
+            <a:schemeClr val="lt1"/>
+          </a:fontRef>
+        </p:style>
+        <p:txBody>
+          <a:bodyPr rtlCol="0" anchor="ctr"/>
+          <a:lstStyle/>
+          <a:p>
+            <a:pPr algn="ctr"/>
+            <a:endParaRPr lang="pt-BR" sz="1265"/>
+          </a:p>
+        </p:txBody>
+      </p:sp>
+      <p:sp>
+        <p:nvSpPr>
+          <p:cNvPr id="30" name="Retângulo: Cantos Arredondados 29">
+            <a:extLst>
+              <a:ext uri="{FF2B5EF4-FFF2-40B4-BE49-F238E27FC236}">
+                <a16:creationId xmlns:a16="http://schemas.microsoft.com/office/drawing/2014/main" id="{853A13AE-7F32-D4BB-3398-58111C282201}"/>
+              </a:ext>
+            </a:extLst>
+          </p:cNvPr>
+          <p:cNvSpPr/>
+          <p:nvPr/>
+        </p:nvSpPr>
+        <p:spPr>
+          <a:xfrm>
+            <a:off x="10062134" y="2950484"/>
+            <a:ext cx="7268175" cy="4643620"/>
+          </a:xfrm>
+          <a:prstGeom prst="roundRect">
+            <a:avLst>
+              <a:gd name="adj" fmla="val 5591"/>
+            </a:avLst>
+          </a:prstGeom>
+          <a:solidFill>
+            <a:schemeClr val="bg1"/>
+          </a:solidFill>
+          <a:ln>
+            <a:noFill/>
+          </a:ln>
+          <a:effectLst>
+            <a:glow rad="63500">
+              <a:schemeClr val="bg1">
+                <a:lumMod val="75000"/>
+                <a:alpha val="40000"/>
+              </a:schemeClr>
+            </a:glow>
+            <a:outerShdw blurRad="50800" dist="38100" dir="5400000" algn="t" rotWithShape="0">
+              <a:schemeClr val="tx1">
+                <a:alpha val="40000"/>
+              </a:schemeClr>
+            </a:outerShdw>
+          </a:effectLst>
+        </p:spPr>
+        <p:style>
+          <a:lnRef idx="2">
+            <a:schemeClr val="accent1">
+              <a:shade val="50000"/>
+            </a:schemeClr>
+          </a:lnRef>
+          <a:fillRef idx="1">
+            <a:schemeClr val="accent1"/>
+          </a:fillRef>
+          <a:effectRef idx="0">
+            <a:schemeClr val="accent1"/>
+          </a:effectRef>
+          <a:fontRef idx="minor">
+            <a:schemeClr val="lt1"/>
+          </a:fontRef>
+        </p:style>
+        <p:txBody>
+          <a:bodyPr rtlCol="0" anchor="ctr"/>
+          <a:lstStyle/>
+          <a:p>
+            <a:pPr algn="ctr"/>
+            <a:endParaRPr lang="pt-BR" sz="1265"/>
+          </a:p>
+        </p:txBody>
+      </p:sp>
       <p:grpSp>
         <p:nvGrpSpPr>
-          <p:cNvPr id="21" name="Agrupar 20">
+          <p:cNvPr id="5" name="Agrupar 4">
             <a:extLst>
               <a:ext uri="{FF2B5EF4-FFF2-40B4-BE49-F238E27FC236}">
-                <a16:creationId xmlns:a16="http://schemas.microsoft.com/office/drawing/2014/main" id="{5B3A8BB8-771B-41AC-EE76-A138660942FD}"/>
+                <a16:creationId xmlns:a16="http://schemas.microsoft.com/office/drawing/2014/main" id="{866369AE-F877-85A7-DA0A-83291A6770D8}"/>
               </a:ext>
             </a:extLst>
           </p:cNvPr>
@@ -11863,18 +13220,1817 @@
         </p:nvGrpSpPr>
         <p:grpSpPr>
           <a:xfrm>
-            <a:off x="4681663" y="1484558"/>
-            <a:ext cx="1589112" cy="1143558"/>
+            <a:off x="218004" y="4399375"/>
+            <a:ext cx="1483519" cy="1510731"/>
+            <a:chOff x="223837" y="2766523"/>
+            <a:chExt cx="1483519" cy="1510731"/>
+          </a:xfrm>
+          <a:effectLst/>
+        </p:grpSpPr>
+        <p:pic>
+          <p:nvPicPr>
+            <p:cNvPr id="34" name="Imagem 33">
+              <a:extLst>
+                <a:ext uri="{FF2B5EF4-FFF2-40B4-BE49-F238E27FC236}">
+                  <a16:creationId xmlns:a16="http://schemas.microsoft.com/office/drawing/2014/main" id="{33D2F17C-FC46-BDAB-CCC5-0B611479A69C}"/>
+                </a:ext>
+              </a:extLst>
+            </p:cNvPr>
+            <p:cNvPicPr>
+              <a:picLocks noChangeAspect="1"/>
+            </p:cNvPicPr>
+            <p:nvPr/>
+          </p:nvPicPr>
+          <p:blipFill>
+            <a:blip r:embed="rId5">
+              <a:extLst>
+                <a:ext uri="{28A0092B-C50C-407E-A947-70E740481C1C}">
+                  <a14:useLocalDpi xmlns:a14="http://schemas.microsoft.com/office/drawing/2010/main" val="0"/>
+                </a:ext>
+              </a:extLst>
+            </a:blip>
+            <a:srcRect/>
+            <a:stretch/>
+          </p:blipFill>
+          <p:spPr>
+            <a:xfrm>
+              <a:off x="446601" y="2766523"/>
+              <a:ext cx="1085276" cy="1085276"/>
+            </a:xfrm>
+            <a:prstGeom prst="rect">
+              <a:avLst/>
+            </a:prstGeom>
+          </p:spPr>
+        </p:pic>
+        <p:sp>
+          <p:nvSpPr>
+            <p:cNvPr id="36" name="CaixaDeTexto 35">
+              <a:extLst>
+                <a:ext uri="{FF2B5EF4-FFF2-40B4-BE49-F238E27FC236}">
+                  <a16:creationId xmlns:a16="http://schemas.microsoft.com/office/drawing/2014/main" id="{0E690F17-446E-9826-7C2A-2BA99F55E15B}"/>
+                </a:ext>
+              </a:extLst>
+            </p:cNvPr>
+            <p:cNvSpPr txBox="1"/>
+            <p:nvPr/>
+          </p:nvSpPr>
+          <p:spPr>
+            <a:xfrm>
+              <a:off x="223837" y="3815589"/>
+              <a:ext cx="1483519" cy="461665"/>
+            </a:xfrm>
+            <a:prstGeom prst="rect">
+              <a:avLst/>
+            </a:prstGeom>
+            <a:noFill/>
+          </p:spPr>
+          <p:txBody>
+            <a:bodyPr wrap="square" rtlCol="0">
+              <a:spAutoFit/>
+            </a:bodyPr>
+            <a:lstStyle/>
+            <a:p>
+              <a:pPr algn="ctr"/>
+              <a:r>
+                <a:rPr lang="pt-BR" sz="1200" b="1" dirty="0">
+                  <a:latin typeface="Montserrat" panose="00000500000000000000" pitchFamily="2" charset="0"/>
+                </a:rPr>
+                <a:t>EVOLUÇÃO HORAS EXTRAS</a:t>
+              </a:r>
+              <a:endParaRPr lang="pt-BR" sz="1100" b="1" dirty="0">
+                <a:latin typeface="Montserrat" panose="00000500000000000000" pitchFamily="2" charset="0"/>
+              </a:endParaRPr>
+            </a:p>
+          </p:txBody>
+        </p:sp>
+      </p:grpSp>
+      <p:grpSp>
+        <p:nvGrpSpPr>
+          <p:cNvPr id="39" name="Agrupar 38">
+            <a:extLst>
+              <a:ext uri="{FF2B5EF4-FFF2-40B4-BE49-F238E27FC236}">
+                <a16:creationId xmlns:a16="http://schemas.microsoft.com/office/drawing/2014/main" id="{06447416-B6BE-CE05-A6CD-A2B0A8744A34}"/>
+              </a:ext>
+            </a:extLst>
+          </p:cNvPr>
+          <p:cNvGrpSpPr/>
+          <p:nvPr/>
+        </p:nvGrpSpPr>
+        <p:grpSpPr>
+          <a:xfrm>
+            <a:off x="2227660" y="1428452"/>
+            <a:ext cx="2303311" cy="1115970"/>
+            <a:chOff x="4341887" y="2339550"/>
+            <a:chExt cx="1767084" cy="898628"/>
+          </a:xfrm>
+        </p:grpSpPr>
+        <p:sp>
+          <p:nvSpPr>
+            <p:cNvPr id="40" name="Retângulo: Cantos Arredondados 39">
+              <a:extLst>
+                <a:ext uri="{FF2B5EF4-FFF2-40B4-BE49-F238E27FC236}">
+                  <a16:creationId xmlns:a16="http://schemas.microsoft.com/office/drawing/2014/main" id="{97F65F96-9B66-6B73-EB11-C3F782EBD047}"/>
+                </a:ext>
+              </a:extLst>
+            </p:cNvPr>
+            <p:cNvSpPr/>
+            <p:nvPr/>
+          </p:nvSpPr>
+          <p:spPr>
+            <a:xfrm>
+              <a:off x="4341887" y="2339550"/>
+              <a:ext cx="1767084" cy="898628"/>
+            </a:xfrm>
+            <a:prstGeom prst="roundRect">
+              <a:avLst>
+                <a:gd name="adj" fmla="val 4068"/>
+              </a:avLst>
+            </a:prstGeom>
+            <a:solidFill>
+              <a:schemeClr val="bg1"/>
+            </a:solidFill>
+            <a:ln>
+              <a:noFill/>
+            </a:ln>
+            <a:effectLst>
+              <a:outerShdw blurRad="63500" sx="102000" sy="102000" algn="ctr" rotWithShape="0">
+                <a:prstClr val="black">
+                  <a:alpha val="40000"/>
+                </a:prstClr>
+              </a:outerShdw>
+            </a:effectLst>
+          </p:spPr>
+          <p:style>
+            <a:lnRef idx="2">
+              <a:schemeClr val="accent1">
+                <a:shade val="50000"/>
+              </a:schemeClr>
+            </a:lnRef>
+            <a:fillRef idx="1">
+              <a:schemeClr val="accent1"/>
+            </a:fillRef>
+            <a:effectRef idx="0">
+              <a:schemeClr val="accent1"/>
+            </a:effectRef>
+            <a:fontRef idx="minor">
+              <a:schemeClr val="lt1"/>
+            </a:fontRef>
+          </p:style>
+          <p:txBody>
+            <a:bodyPr rtlCol="0" anchor="ctr"/>
+            <a:lstStyle/>
+            <a:p>
+              <a:pPr algn="ctr"/>
+              <a:endParaRPr lang="pt-BR" sz="2800" b="1" dirty="0">
+                <a:solidFill>
+                  <a:schemeClr val="tx1"/>
+                </a:solidFill>
+              </a:endParaRPr>
+            </a:p>
+          </p:txBody>
+        </p:sp>
+        <p:sp>
+          <p:nvSpPr>
+            <p:cNvPr id="41" name="Retângulo 40">
+              <a:extLst>
+                <a:ext uri="{FF2B5EF4-FFF2-40B4-BE49-F238E27FC236}">
+                  <a16:creationId xmlns:a16="http://schemas.microsoft.com/office/drawing/2014/main" id="{EB3FE2D1-3549-1C84-106D-22BF1A258E8C}"/>
+                </a:ext>
+              </a:extLst>
+            </p:cNvPr>
+            <p:cNvSpPr/>
+            <p:nvPr/>
+          </p:nvSpPr>
+          <p:spPr>
+            <a:xfrm>
+              <a:off x="4341887" y="2339550"/>
+              <a:ext cx="1767084" cy="247598"/>
+            </a:xfrm>
+            <a:prstGeom prst="rect">
+              <a:avLst/>
+            </a:prstGeom>
+            <a:solidFill>
+              <a:schemeClr val="accent6">
+                <a:alpha val="50000"/>
+              </a:schemeClr>
+            </a:solidFill>
+            <a:ln>
+              <a:noFill/>
+            </a:ln>
+          </p:spPr>
+          <p:style>
+            <a:lnRef idx="0">
+              <a:scrgbClr r="0" g="0" b="0"/>
+            </a:lnRef>
+            <a:fillRef idx="0">
+              <a:scrgbClr r="0" g="0" b="0"/>
+            </a:fillRef>
+            <a:effectRef idx="0">
+              <a:scrgbClr r="0" g="0" b="0"/>
+            </a:effectRef>
+            <a:fontRef idx="minor">
+              <a:schemeClr val="lt1"/>
+            </a:fontRef>
+          </p:style>
+          <p:txBody>
+            <a:bodyPr rtlCol="0" anchor="ctr"/>
+            <a:lstStyle/>
+            <a:p>
+              <a:pPr algn="ctr"/>
+              <a:r>
+                <a:rPr lang="pt-BR" b="1" dirty="0">
+                  <a:solidFill>
+                    <a:schemeClr val="tx1"/>
+                  </a:solidFill>
+                  <a:latin typeface="Montserrat" panose="00000500000000000000" pitchFamily="2" charset="0"/>
+                </a:rPr>
+                <a:t>MÊS/ANO</a:t>
+              </a:r>
+            </a:p>
+          </p:txBody>
+        </p:sp>
+      </p:grpSp>
+      <p:grpSp>
+        <p:nvGrpSpPr>
+          <p:cNvPr id="42" name="Agrupar 41">
+            <a:extLst>
+              <a:ext uri="{FF2B5EF4-FFF2-40B4-BE49-F238E27FC236}">
+                <a16:creationId xmlns:a16="http://schemas.microsoft.com/office/drawing/2014/main" id="{10CEB551-44D4-483F-67DD-9DF2AA451FE1}"/>
+              </a:ext>
+            </a:extLst>
+          </p:cNvPr>
+          <p:cNvGrpSpPr/>
+          <p:nvPr/>
+        </p:nvGrpSpPr>
+        <p:grpSpPr>
+          <a:xfrm>
+            <a:off x="4797479" y="1428452"/>
+            <a:ext cx="1851003" cy="1115970"/>
+            <a:chOff x="4341887" y="2339550"/>
+            <a:chExt cx="1767084" cy="898628"/>
+          </a:xfrm>
+        </p:grpSpPr>
+        <p:sp>
+          <p:nvSpPr>
+            <p:cNvPr id="43" name="Retângulo: Cantos Arredondados 42">
+              <a:extLst>
+                <a:ext uri="{FF2B5EF4-FFF2-40B4-BE49-F238E27FC236}">
+                  <a16:creationId xmlns:a16="http://schemas.microsoft.com/office/drawing/2014/main" id="{05669940-E603-5197-750A-50E7D7A237A1}"/>
+                </a:ext>
+              </a:extLst>
+            </p:cNvPr>
+            <p:cNvSpPr/>
+            <p:nvPr/>
+          </p:nvSpPr>
+          <p:spPr>
+            <a:xfrm>
+              <a:off x="4341887" y="2339550"/>
+              <a:ext cx="1767084" cy="898628"/>
+            </a:xfrm>
+            <a:prstGeom prst="roundRect">
+              <a:avLst>
+                <a:gd name="adj" fmla="val 4068"/>
+              </a:avLst>
+            </a:prstGeom>
+            <a:solidFill>
+              <a:schemeClr val="bg1"/>
+            </a:solidFill>
+            <a:ln>
+              <a:noFill/>
+            </a:ln>
+            <a:effectLst>
+              <a:outerShdw blurRad="63500" sx="102000" sy="102000" algn="ctr" rotWithShape="0">
+                <a:prstClr val="black">
+                  <a:alpha val="40000"/>
+                </a:prstClr>
+              </a:outerShdw>
+            </a:effectLst>
+          </p:spPr>
+          <p:style>
+            <a:lnRef idx="2">
+              <a:schemeClr val="accent1">
+                <a:shade val="50000"/>
+              </a:schemeClr>
+            </a:lnRef>
+            <a:fillRef idx="1">
+              <a:schemeClr val="accent1"/>
+            </a:fillRef>
+            <a:effectRef idx="0">
+              <a:schemeClr val="accent1"/>
+            </a:effectRef>
+            <a:fontRef idx="minor">
+              <a:schemeClr val="lt1"/>
+            </a:fontRef>
+          </p:style>
+          <p:txBody>
+            <a:bodyPr rtlCol="0" anchor="ctr"/>
+            <a:lstStyle/>
+            <a:p>
+              <a:pPr algn="ctr"/>
+              <a:endParaRPr lang="pt-BR" sz="2800" b="1" dirty="0">
+                <a:solidFill>
+                  <a:schemeClr val="tx1"/>
+                </a:solidFill>
+              </a:endParaRPr>
+            </a:p>
+          </p:txBody>
+        </p:sp>
+        <p:sp>
+          <p:nvSpPr>
+            <p:cNvPr id="44" name="Retângulo 43">
+              <a:extLst>
+                <a:ext uri="{FF2B5EF4-FFF2-40B4-BE49-F238E27FC236}">
+                  <a16:creationId xmlns:a16="http://schemas.microsoft.com/office/drawing/2014/main" id="{FF01798E-1CAE-A3E7-8023-9234D03428EE}"/>
+                </a:ext>
+              </a:extLst>
+            </p:cNvPr>
+            <p:cNvSpPr/>
+            <p:nvPr/>
+          </p:nvSpPr>
+          <p:spPr>
+            <a:xfrm>
+              <a:off x="4341887" y="2339550"/>
+              <a:ext cx="1767084" cy="247598"/>
+            </a:xfrm>
+            <a:prstGeom prst="rect">
+              <a:avLst/>
+            </a:prstGeom>
+            <a:solidFill>
+              <a:schemeClr val="accent6">
+                <a:alpha val="50000"/>
+              </a:schemeClr>
+            </a:solidFill>
+            <a:ln>
+              <a:noFill/>
+            </a:ln>
+          </p:spPr>
+          <p:style>
+            <a:lnRef idx="0">
+              <a:scrgbClr r="0" g="0" b="0"/>
+            </a:lnRef>
+            <a:fillRef idx="0">
+              <a:scrgbClr r="0" g="0" b="0"/>
+            </a:fillRef>
+            <a:effectRef idx="0">
+              <a:scrgbClr r="0" g="0" b="0"/>
+            </a:effectRef>
+            <a:fontRef idx="minor">
+              <a:schemeClr val="lt1"/>
+            </a:fontRef>
+          </p:style>
+          <p:txBody>
+            <a:bodyPr rtlCol="0" anchor="ctr"/>
+            <a:lstStyle/>
+            <a:p>
+              <a:pPr algn="ctr"/>
+              <a:r>
+                <a:rPr lang="pt-BR" b="1" dirty="0">
+                  <a:solidFill>
+                    <a:schemeClr val="tx1"/>
+                  </a:solidFill>
+                  <a:latin typeface="Montserrat" panose="00000500000000000000" pitchFamily="2" charset="0"/>
+                </a:rPr>
+                <a:t>UNIDADE</a:t>
+              </a:r>
+              <a:endParaRPr lang="pt-BR" sz="1500" b="1" dirty="0">
+                <a:solidFill>
+                  <a:schemeClr val="tx1"/>
+                </a:solidFill>
+                <a:latin typeface="Montserrat" panose="00000500000000000000" pitchFamily="2" charset="0"/>
+              </a:endParaRPr>
+            </a:p>
+          </p:txBody>
+        </p:sp>
+      </p:grpSp>
+      <p:grpSp>
+        <p:nvGrpSpPr>
+          <p:cNvPr id="45" name="Agrupar 44">
+            <a:extLst>
+              <a:ext uri="{FF2B5EF4-FFF2-40B4-BE49-F238E27FC236}">
+                <a16:creationId xmlns:a16="http://schemas.microsoft.com/office/drawing/2014/main" id="{72F8DC88-763D-137F-B7CA-2326BDF1B2E7}"/>
+              </a:ext>
+            </a:extLst>
+          </p:cNvPr>
+          <p:cNvGrpSpPr/>
+          <p:nvPr/>
+        </p:nvGrpSpPr>
+        <p:grpSpPr>
+          <a:xfrm>
+            <a:off x="6914990" y="1428452"/>
+            <a:ext cx="3410174" cy="1115970"/>
+            <a:chOff x="4341887" y="2339550"/>
+            <a:chExt cx="1767084" cy="898628"/>
+          </a:xfrm>
+        </p:grpSpPr>
+        <p:sp>
+          <p:nvSpPr>
+            <p:cNvPr id="46" name="Retângulo: Cantos Arredondados 45">
+              <a:extLst>
+                <a:ext uri="{FF2B5EF4-FFF2-40B4-BE49-F238E27FC236}">
+                  <a16:creationId xmlns:a16="http://schemas.microsoft.com/office/drawing/2014/main" id="{17928594-3C75-E0F6-045F-3B490CFC4D66}"/>
+                </a:ext>
+              </a:extLst>
+            </p:cNvPr>
+            <p:cNvSpPr/>
+            <p:nvPr/>
+          </p:nvSpPr>
+          <p:spPr>
+            <a:xfrm>
+              <a:off x="4341887" y="2339550"/>
+              <a:ext cx="1767084" cy="898628"/>
+            </a:xfrm>
+            <a:prstGeom prst="roundRect">
+              <a:avLst>
+                <a:gd name="adj" fmla="val 4068"/>
+              </a:avLst>
+            </a:prstGeom>
+            <a:solidFill>
+              <a:schemeClr val="bg1"/>
+            </a:solidFill>
+            <a:ln>
+              <a:noFill/>
+            </a:ln>
+            <a:effectLst>
+              <a:outerShdw blurRad="63500" sx="102000" sy="102000" algn="ctr" rotWithShape="0">
+                <a:prstClr val="black">
+                  <a:alpha val="40000"/>
+                </a:prstClr>
+              </a:outerShdw>
+            </a:effectLst>
+          </p:spPr>
+          <p:style>
+            <a:lnRef idx="2">
+              <a:schemeClr val="accent1">
+                <a:shade val="50000"/>
+              </a:schemeClr>
+            </a:lnRef>
+            <a:fillRef idx="1">
+              <a:schemeClr val="accent1"/>
+            </a:fillRef>
+            <a:effectRef idx="0">
+              <a:schemeClr val="accent1"/>
+            </a:effectRef>
+            <a:fontRef idx="minor">
+              <a:schemeClr val="lt1"/>
+            </a:fontRef>
+          </p:style>
+          <p:txBody>
+            <a:bodyPr rtlCol="0" anchor="ctr"/>
+            <a:lstStyle/>
+            <a:p>
+              <a:pPr algn="ctr"/>
+              <a:endParaRPr lang="pt-BR" sz="2800" b="1" dirty="0">
+                <a:solidFill>
+                  <a:schemeClr val="tx1"/>
+                </a:solidFill>
+              </a:endParaRPr>
+            </a:p>
+          </p:txBody>
+        </p:sp>
+        <p:sp>
+          <p:nvSpPr>
+            <p:cNvPr id="47" name="Retângulo 46">
+              <a:extLst>
+                <a:ext uri="{FF2B5EF4-FFF2-40B4-BE49-F238E27FC236}">
+                  <a16:creationId xmlns:a16="http://schemas.microsoft.com/office/drawing/2014/main" id="{C4CFC7DE-B94D-04FC-F4ED-07AE1733026E}"/>
+                </a:ext>
+              </a:extLst>
+            </p:cNvPr>
+            <p:cNvSpPr/>
+            <p:nvPr/>
+          </p:nvSpPr>
+          <p:spPr>
+            <a:xfrm>
+              <a:off x="4341887" y="2339550"/>
+              <a:ext cx="1767084" cy="247598"/>
+            </a:xfrm>
+            <a:prstGeom prst="rect">
+              <a:avLst/>
+            </a:prstGeom>
+            <a:solidFill>
+              <a:schemeClr val="accent6">
+                <a:alpha val="50000"/>
+              </a:schemeClr>
+            </a:solidFill>
+            <a:ln>
+              <a:noFill/>
+            </a:ln>
+          </p:spPr>
+          <p:style>
+            <a:lnRef idx="0">
+              <a:scrgbClr r="0" g="0" b="0"/>
+            </a:lnRef>
+            <a:fillRef idx="0">
+              <a:scrgbClr r="0" g="0" b="0"/>
+            </a:fillRef>
+            <a:effectRef idx="0">
+              <a:scrgbClr r="0" g="0" b="0"/>
+            </a:effectRef>
+            <a:fontRef idx="minor">
+              <a:schemeClr val="lt1"/>
+            </a:fontRef>
+          </p:style>
+          <p:txBody>
+            <a:bodyPr rtlCol="0" anchor="ctr"/>
+            <a:lstStyle/>
+            <a:p>
+              <a:pPr algn="ctr"/>
+              <a:r>
+                <a:rPr lang="pt-BR" b="1" dirty="0">
+                  <a:solidFill>
+                    <a:schemeClr val="tx1"/>
+                  </a:solidFill>
+                  <a:latin typeface="Montserrat" panose="00000500000000000000" pitchFamily="2" charset="0"/>
+                </a:rPr>
+                <a:t>DIRETORIA</a:t>
+              </a:r>
+              <a:endParaRPr lang="pt-BR" sz="1500" b="1" dirty="0">
+                <a:solidFill>
+                  <a:schemeClr val="tx1"/>
+                </a:solidFill>
+                <a:latin typeface="Montserrat" panose="00000500000000000000" pitchFamily="2" charset="0"/>
+              </a:endParaRPr>
+            </a:p>
+          </p:txBody>
+        </p:sp>
+      </p:grpSp>
+      <p:grpSp>
+        <p:nvGrpSpPr>
+          <p:cNvPr id="48" name="Agrupar 47">
+            <a:extLst>
+              <a:ext uri="{FF2B5EF4-FFF2-40B4-BE49-F238E27FC236}">
+                <a16:creationId xmlns:a16="http://schemas.microsoft.com/office/drawing/2014/main" id="{E754F030-7E35-268D-AD0A-64693303AAAA}"/>
+              </a:ext>
+            </a:extLst>
+          </p:cNvPr>
+          <p:cNvGrpSpPr/>
+          <p:nvPr/>
+        </p:nvGrpSpPr>
+        <p:grpSpPr>
+          <a:xfrm>
+            <a:off x="13654034" y="1428452"/>
+            <a:ext cx="4279206" cy="1115970"/>
+            <a:chOff x="4341887" y="2339550"/>
+            <a:chExt cx="1767084" cy="898628"/>
+          </a:xfrm>
+        </p:grpSpPr>
+        <p:sp>
+          <p:nvSpPr>
+            <p:cNvPr id="49" name="Retângulo: Cantos Arredondados 48">
+              <a:extLst>
+                <a:ext uri="{FF2B5EF4-FFF2-40B4-BE49-F238E27FC236}">
+                  <a16:creationId xmlns:a16="http://schemas.microsoft.com/office/drawing/2014/main" id="{ED23731F-24B5-A3A8-4FBE-7238E2EFB1A6}"/>
+                </a:ext>
+              </a:extLst>
+            </p:cNvPr>
+            <p:cNvSpPr/>
+            <p:nvPr/>
+          </p:nvSpPr>
+          <p:spPr>
+            <a:xfrm>
+              <a:off x="4341887" y="2339550"/>
+              <a:ext cx="1767084" cy="898628"/>
+            </a:xfrm>
+            <a:prstGeom prst="roundRect">
+              <a:avLst>
+                <a:gd name="adj" fmla="val 4068"/>
+              </a:avLst>
+            </a:prstGeom>
+            <a:solidFill>
+              <a:schemeClr val="bg1"/>
+            </a:solidFill>
+            <a:ln>
+              <a:noFill/>
+            </a:ln>
+            <a:effectLst>
+              <a:outerShdw blurRad="63500" sx="102000" sy="102000" algn="ctr" rotWithShape="0">
+                <a:prstClr val="black">
+                  <a:alpha val="40000"/>
+                </a:prstClr>
+              </a:outerShdw>
+            </a:effectLst>
+          </p:spPr>
+          <p:style>
+            <a:lnRef idx="2">
+              <a:schemeClr val="accent1">
+                <a:shade val="50000"/>
+              </a:schemeClr>
+            </a:lnRef>
+            <a:fillRef idx="1">
+              <a:schemeClr val="accent1"/>
+            </a:fillRef>
+            <a:effectRef idx="0">
+              <a:schemeClr val="accent1"/>
+            </a:effectRef>
+            <a:fontRef idx="minor">
+              <a:schemeClr val="lt1"/>
+            </a:fontRef>
+          </p:style>
+          <p:txBody>
+            <a:bodyPr rtlCol="0" anchor="ctr"/>
+            <a:lstStyle/>
+            <a:p>
+              <a:pPr algn="ctr"/>
+              <a:endParaRPr lang="pt-BR" sz="2800" b="1" dirty="0">
+                <a:solidFill>
+                  <a:schemeClr val="tx1"/>
+                </a:solidFill>
+              </a:endParaRPr>
+            </a:p>
+          </p:txBody>
+        </p:sp>
+        <p:sp>
+          <p:nvSpPr>
+            <p:cNvPr id="50" name="Retângulo 49">
+              <a:extLst>
+                <a:ext uri="{FF2B5EF4-FFF2-40B4-BE49-F238E27FC236}">
+                  <a16:creationId xmlns:a16="http://schemas.microsoft.com/office/drawing/2014/main" id="{1E15AB7E-C93E-F346-FA07-0648990BB96A}"/>
+                </a:ext>
+              </a:extLst>
+            </p:cNvPr>
+            <p:cNvSpPr/>
+            <p:nvPr/>
+          </p:nvSpPr>
+          <p:spPr>
+            <a:xfrm>
+              <a:off x="4341887" y="2339550"/>
+              <a:ext cx="1767084" cy="247598"/>
+            </a:xfrm>
+            <a:prstGeom prst="rect">
+              <a:avLst/>
+            </a:prstGeom>
+            <a:solidFill>
+              <a:schemeClr val="accent6">
+                <a:alpha val="50000"/>
+              </a:schemeClr>
+            </a:solidFill>
+            <a:ln>
+              <a:noFill/>
+            </a:ln>
+          </p:spPr>
+          <p:style>
+            <a:lnRef idx="0">
+              <a:scrgbClr r="0" g="0" b="0"/>
+            </a:lnRef>
+            <a:fillRef idx="0">
+              <a:scrgbClr r="0" g="0" b="0"/>
+            </a:fillRef>
+            <a:effectRef idx="0">
+              <a:scrgbClr r="0" g="0" b="0"/>
+            </a:effectRef>
+            <a:fontRef idx="minor">
+              <a:schemeClr val="lt1"/>
+            </a:fontRef>
+          </p:style>
+          <p:txBody>
+            <a:bodyPr rtlCol="0" anchor="ctr"/>
+            <a:lstStyle/>
+            <a:p>
+              <a:pPr algn="ctr"/>
+              <a:r>
+                <a:rPr lang="pt-BR" sz="1500" b="1" dirty="0">
+                  <a:solidFill>
+                    <a:schemeClr val="tx1"/>
+                  </a:solidFill>
+                  <a:latin typeface="Montserrat" panose="00000500000000000000" pitchFamily="2" charset="0"/>
+                </a:rPr>
+                <a:t>DEPARTAMENTO - SETOR</a:t>
+              </a:r>
+            </a:p>
+          </p:txBody>
+        </p:sp>
+      </p:grpSp>
+      <p:grpSp>
+        <p:nvGrpSpPr>
+          <p:cNvPr id="51" name="Agrupar 50">
+            <a:extLst>
+              <a:ext uri="{FF2B5EF4-FFF2-40B4-BE49-F238E27FC236}">
+                <a16:creationId xmlns:a16="http://schemas.microsoft.com/office/drawing/2014/main" id="{74451008-BFB8-8B79-D3B2-ABD97B2C7AC5}"/>
+              </a:ext>
+            </a:extLst>
+          </p:cNvPr>
+          <p:cNvGrpSpPr/>
+          <p:nvPr/>
+        </p:nvGrpSpPr>
+        <p:grpSpPr>
+          <a:xfrm>
+            <a:off x="18199748" y="1428452"/>
+            <a:ext cx="4127107" cy="1115970"/>
+            <a:chOff x="4341887" y="2339550"/>
+            <a:chExt cx="1767084" cy="898628"/>
+          </a:xfrm>
+        </p:grpSpPr>
+        <p:sp>
+          <p:nvSpPr>
+            <p:cNvPr id="52" name="Retângulo: Cantos Arredondados 51">
+              <a:extLst>
+                <a:ext uri="{FF2B5EF4-FFF2-40B4-BE49-F238E27FC236}">
+                  <a16:creationId xmlns:a16="http://schemas.microsoft.com/office/drawing/2014/main" id="{ACB850A3-36F7-FFDB-9EB9-33228E832543}"/>
+                </a:ext>
+              </a:extLst>
+            </p:cNvPr>
+            <p:cNvSpPr/>
+            <p:nvPr/>
+          </p:nvSpPr>
+          <p:spPr>
+            <a:xfrm>
+              <a:off x="4341887" y="2339550"/>
+              <a:ext cx="1767084" cy="898628"/>
+            </a:xfrm>
+            <a:prstGeom prst="roundRect">
+              <a:avLst>
+                <a:gd name="adj" fmla="val 4068"/>
+              </a:avLst>
+            </a:prstGeom>
+            <a:solidFill>
+              <a:schemeClr val="bg1"/>
+            </a:solidFill>
+            <a:ln>
+              <a:noFill/>
+            </a:ln>
+            <a:effectLst>
+              <a:outerShdw blurRad="63500" sx="102000" sy="102000" algn="ctr" rotWithShape="0">
+                <a:prstClr val="black">
+                  <a:alpha val="40000"/>
+                </a:prstClr>
+              </a:outerShdw>
+            </a:effectLst>
+          </p:spPr>
+          <p:style>
+            <a:lnRef idx="2">
+              <a:schemeClr val="accent1">
+                <a:shade val="50000"/>
+              </a:schemeClr>
+            </a:lnRef>
+            <a:fillRef idx="1">
+              <a:schemeClr val="accent1"/>
+            </a:fillRef>
+            <a:effectRef idx="0">
+              <a:schemeClr val="accent1"/>
+            </a:effectRef>
+            <a:fontRef idx="minor">
+              <a:schemeClr val="lt1"/>
+            </a:fontRef>
+          </p:style>
+          <p:txBody>
+            <a:bodyPr rtlCol="0" anchor="ctr"/>
+            <a:lstStyle/>
+            <a:p>
+              <a:pPr algn="ctr"/>
+              <a:endParaRPr lang="pt-BR" sz="2800" b="1" dirty="0">
+                <a:solidFill>
+                  <a:schemeClr val="tx1"/>
+                </a:solidFill>
+              </a:endParaRPr>
+            </a:p>
+          </p:txBody>
+        </p:sp>
+        <p:sp>
+          <p:nvSpPr>
+            <p:cNvPr id="54" name="Retângulo 53">
+              <a:extLst>
+                <a:ext uri="{FF2B5EF4-FFF2-40B4-BE49-F238E27FC236}">
+                  <a16:creationId xmlns:a16="http://schemas.microsoft.com/office/drawing/2014/main" id="{A3CB2E3F-0AA8-5C7F-58CB-0C2D2C516D7D}"/>
+                </a:ext>
+              </a:extLst>
+            </p:cNvPr>
+            <p:cNvSpPr/>
+            <p:nvPr/>
+          </p:nvSpPr>
+          <p:spPr>
+            <a:xfrm>
+              <a:off x="4341887" y="2339550"/>
+              <a:ext cx="1767084" cy="247598"/>
+            </a:xfrm>
+            <a:prstGeom prst="rect">
+              <a:avLst/>
+            </a:prstGeom>
+            <a:solidFill>
+              <a:schemeClr val="accent6">
+                <a:alpha val="50000"/>
+              </a:schemeClr>
+            </a:solidFill>
+            <a:ln>
+              <a:noFill/>
+            </a:ln>
+          </p:spPr>
+          <p:style>
+            <a:lnRef idx="0">
+              <a:scrgbClr r="0" g="0" b="0"/>
+            </a:lnRef>
+            <a:fillRef idx="0">
+              <a:scrgbClr r="0" g="0" b="0"/>
+            </a:fillRef>
+            <a:effectRef idx="0">
+              <a:scrgbClr r="0" g="0" b="0"/>
+            </a:effectRef>
+            <a:fontRef idx="minor">
+              <a:schemeClr val="lt1"/>
+            </a:fontRef>
+          </p:style>
+          <p:txBody>
+            <a:bodyPr rtlCol="0" anchor="ctr"/>
+            <a:lstStyle/>
+            <a:p>
+              <a:pPr algn="ctr"/>
+              <a:r>
+                <a:rPr lang="pt-BR" sz="1500" b="1" dirty="0">
+                  <a:solidFill>
+                    <a:schemeClr val="tx1"/>
+                  </a:solidFill>
+                  <a:latin typeface="Montserrat" panose="00000500000000000000" pitchFamily="2" charset="0"/>
+                </a:rPr>
+                <a:t>CENTRO DE CUSTO</a:t>
+              </a:r>
+            </a:p>
+          </p:txBody>
+        </p:sp>
+      </p:grpSp>
+      <p:grpSp>
+        <p:nvGrpSpPr>
+          <p:cNvPr id="55" name="Agrupar 54">
+            <a:extLst>
+              <a:ext uri="{FF2B5EF4-FFF2-40B4-BE49-F238E27FC236}">
+                <a16:creationId xmlns:a16="http://schemas.microsoft.com/office/drawing/2014/main" id="{702EEA5F-9C8C-D853-9FF8-36E3A75FE216}"/>
+              </a:ext>
+            </a:extLst>
+          </p:cNvPr>
+          <p:cNvGrpSpPr/>
+          <p:nvPr/>
+        </p:nvGrpSpPr>
+        <p:grpSpPr>
+          <a:xfrm>
+            <a:off x="10591672" y="1428452"/>
+            <a:ext cx="2795854" cy="1115970"/>
+            <a:chOff x="4341887" y="2339550"/>
+            <a:chExt cx="1767084" cy="898628"/>
+          </a:xfrm>
+        </p:grpSpPr>
+        <p:sp>
+          <p:nvSpPr>
+            <p:cNvPr id="56" name="Retângulo: Cantos Arredondados 55">
+              <a:extLst>
+                <a:ext uri="{FF2B5EF4-FFF2-40B4-BE49-F238E27FC236}">
+                  <a16:creationId xmlns:a16="http://schemas.microsoft.com/office/drawing/2014/main" id="{E385898A-A51B-58B3-4877-71AC7873AF27}"/>
+                </a:ext>
+              </a:extLst>
+            </p:cNvPr>
+            <p:cNvSpPr/>
+            <p:nvPr/>
+          </p:nvSpPr>
+          <p:spPr>
+            <a:xfrm>
+              <a:off x="4341887" y="2339550"/>
+              <a:ext cx="1767084" cy="898628"/>
+            </a:xfrm>
+            <a:prstGeom prst="roundRect">
+              <a:avLst>
+                <a:gd name="adj" fmla="val 4068"/>
+              </a:avLst>
+            </a:prstGeom>
+            <a:solidFill>
+              <a:schemeClr val="bg1"/>
+            </a:solidFill>
+            <a:ln>
+              <a:noFill/>
+            </a:ln>
+            <a:effectLst>
+              <a:outerShdw blurRad="63500" sx="102000" sy="102000" algn="ctr" rotWithShape="0">
+                <a:prstClr val="black">
+                  <a:alpha val="40000"/>
+                </a:prstClr>
+              </a:outerShdw>
+            </a:effectLst>
+          </p:spPr>
+          <p:style>
+            <a:lnRef idx="2">
+              <a:schemeClr val="accent1">
+                <a:shade val="50000"/>
+              </a:schemeClr>
+            </a:lnRef>
+            <a:fillRef idx="1">
+              <a:schemeClr val="accent1"/>
+            </a:fillRef>
+            <a:effectRef idx="0">
+              <a:schemeClr val="accent1"/>
+            </a:effectRef>
+            <a:fontRef idx="minor">
+              <a:schemeClr val="lt1"/>
+            </a:fontRef>
+          </p:style>
+          <p:txBody>
+            <a:bodyPr rtlCol="0" anchor="ctr"/>
+            <a:lstStyle/>
+            <a:p>
+              <a:pPr algn="ctr"/>
+              <a:endParaRPr lang="pt-BR" sz="2800" b="1" dirty="0">
+                <a:solidFill>
+                  <a:schemeClr val="tx1"/>
+                </a:solidFill>
+              </a:endParaRPr>
+            </a:p>
+          </p:txBody>
+        </p:sp>
+        <p:sp>
+          <p:nvSpPr>
+            <p:cNvPr id="57" name="Retângulo 56">
+              <a:extLst>
+                <a:ext uri="{FF2B5EF4-FFF2-40B4-BE49-F238E27FC236}">
+                  <a16:creationId xmlns:a16="http://schemas.microsoft.com/office/drawing/2014/main" id="{D610365C-4C53-0B65-A6E6-AB5EB02F9D53}"/>
+                </a:ext>
+              </a:extLst>
+            </p:cNvPr>
+            <p:cNvSpPr/>
+            <p:nvPr/>
+          </p:nvSpPr>
+          <p:spPr>
+            <a:xfrm>
+              <a:off x="4341887" y="2339550"/>
+              <a:ext cx="1767084" cy="247598"/>
+            </a:xfrm>
+            <a:prstGeom prst="rect">
+              <a:avLst/>
+            </a:prstGeom>
+            <a:solidFill>
+              <a:schemeClr val="accent6">
+                <a:alpha val="50000"/>
+              </a:schemeClr>
+            </a:solidFill>
+            <a:ln>
+              <a:noFill/>
+            </a:ln>
+          </p:spPr>
+          <p:style>
+            <a:lnRef idx="0">
+              <a:scrgbClr r="0" g="0" b="0"/>
+            </a:lnRef>
+            <a:fillRef idx="0">
+              <a:scrgbClr r="0" g="0" b="0"/>
+            </a:fillRef>
+            <a:effectRef idx="0">
+              <a:scrgbClr r="0" g="0" b="0"/>
+            </a:effectRef>
+            <a:fontRef idx="minor">
+              <a:schemeClr val="lt1"/>
+            </a:fontRef>
+          </p:style>
+          <p:txBody>
+            <a:bodyPr rtlCol="0" anchor="ctr"/>
+            <a:lstStyle/>
+            <a:p>
+              <a:pPr algn="ctr"/>
+              <a:r>
+                <a:rPr lang="pt-BR" b="1" dirty="0">
+                  <a:solidFill>
+                    <a:schemeClr val="tx1"/>
+                  </a:solidFill>
+                  <a:latin typeface="Montserrat" panose="00000500000000000000" pitchFamily="2" charset="0"/>
+                </a:rPr>
+                <a:t>TIIME</a:t>
+              </a:r>
+              <a:endParaRPr lang="pt-BR" sz="1500" b="1" dirty="0">
+                <a:solidFill>
+                  <a:schemeClr val="tx1"/>
+                </a:solidFill>
+                <a:latin typeface="Montserrat" panose="00000500000000000000" pitchFamily="2" charset="0"/>
+              </a:endParaRPr>
+            </a:p>
+          </p:txBody>
+        </p:sp>
+      </p:grpSp>
+    </p:spTree>
+    <p:extLst>
+      <p:ext uri="{BB962C8B-B14F-4D97-AF65-F5344CB8AC3E}">
+        <p14:creationId xmlns:p14="http://schemas.microsoft.com/office/powerpoint/2010/main" val="2868301545"/>
+      </p:ext>
+    </p:extLst>
+  </p:cSld>
+  <p:clrMapOvr>
+    <a:masterClrMapping/>
+  </p:clrMapOvr>
+</p:sld>
+</file>
+
+<file path=ppt/slides/slide3.xml><?xml version="1.0" encoding="utf-8"?>
+<p:sld xmlns:a="http://schemas.openxmlformats.org/drawingml/2006/main" xmlns:r="http://schemas.openxmlformats.org/officeDocument/2006/relationships" xmlns:p="http://schemas.openxmlformats.org/presentationml/2006/main">
+  <p:cSld>
+    <p:spTree>
+      <p:nvGrpSpPr>
+        <p:cNvPr id="1" name="">
+          <a:extLst>
+            <a:ext uri="{FF2B5EF4-FFF2-40B4-BE49-F238E27FC236}">
+              <a16:creationId xmlns:a16="http://schemas.microsoft.com/office/drawing/2014/main" id="{2B2C0C79-F252-DCBD-90D1-1AA82FE65494}"/>
+            </a:ext>
+          </a:extLst>
+        </p:cNvPr>
+        <p:cNvGrpSpPr/>
+        <p:nvPr/>
+      </p:nvGrpSpPr>
+      <p:grpSpPr>
+        <a:xfrm>
+          <a:off x="0" y="0"/>
+          <a:ext cx="0" cy="0"/>
+          <a:chOff x="0" y="0"/>
+          <a:chExt cx="0" cy="0"/>
+        </a:xfrm>
+      </p:grpSpPr>
+      <p:sp>
+        <p:nvSpPr>
+          <p:cNvPr id="4" name="Retângulo: Cantos Arredondados 3">
+            <a:extLst>
+              <a:ext uri="{FF2B5EF4-FFF2-40B4-BE49-F238E27FC236}">
+                <a16:creationId xmlns:a16="http://schemas.microsoft.com/office/drawing/2014/main" id="{C2A45DC1-8F7C-E559-4198-5F5589013EA1}"/>
+              </a:ext>
+            </a:extLst>
+          </p:cNvPr>
+          <p:cNvSpPr/>
+          <p:nvPr/>
+        </p:nvSpPr>
+        <p:spPr>
+          <a:xfrm>
+            <a:off x="0" y="1"/>
+            <a:ext cx="25600025" cy="14400212"/>
+          </a:xfrm>
+          <a:prstGeom prst="roundRect">
+            <a:avLst>
+              <a:gd name="adj" fmla="val 3334"/>
+            </a:avLst>
+          </a:prstGeom>
+          <a:solidFill>
+            <a:schemeClr val="bg1"/>
+          </a:solidFill>
+          <a:ln>
+            <a:solidFill>
+              <a:srgbClr val="F5F7F9"/>
+            </a:solidFill>
+          </a:ln>
+        </p:spPr>
+        <p:style>
+          <a:lnRef idx="2">
+            <a:schemeClr val="accent1">
+              <a:shade val="50000"/>
+            </a:schemeClr>
+          </a:lnRef>
+          <a:fillRef idx="1">
+            <a:schemeClr val="accent1"/>
+          </a:fillRef>
+          <a:effectRef idx="0">
+            <a:schemeClr val="accent1"/>
+          </a:effectRef>
+          <a:fontRef idx="minor">
+            <a:schemeClr val="lt1"/>
+          </a:fontRef>
+        </p:style>
+        <p:txBody>
+          <a:bodyPr rtlCol="0" anchor="ctr"/>
+          <a:lstStyle/>
+          <a:p>
+            <a:pPr algn="ctr"/>
+            <a:endParaRPr lang="pt-BR" sz="1265" dirty="0"/>
+          </a:p>
+        </p:txBody>
+      </p:sp>
+      <p:sp>
+        <p:nvSpPr>
+          <p:cNvPr id="10" name="Retângulo: Cantos Arredondados 9">
+            <a:extLst>
+              <a:ext uri="{FF2B5EF4-FFF2-40B4-BE49-F238E27FC236}">
+                <a16:creationId xmlns:a16="http://schemas.microsoft.com/office/drawing/2014/main" id="{480DB64B-7EEA-7074-46E3-E3D1DD9FB8C4}"/>
+              </a:ext>
+            </a:extLst>
+          </p:cNvPr>
+          <p:cNvSpPr/>
+          <p:nvPr/>
+        </p:nvSpPr>
+        <p:spPr>
+          <a:xfrm>
+            <a:off x="324465" y="1120877"/>
+            <a:ext cx="25013264" cy="12890091"/>
+          </a:xfrm>
+          <a:prstGeom prst="roundRect">
+            <a:avLst>
+              <a:gd name="adj" fmla="val 3334"/>
+            </a:avLst>
+          </a:prstGeom>
+          <a:solidFill>
+            <a:srgbClr val="F5F7F9"/>
+          </a:solidFill>
+          <a:ln>
+            <a:solidFill>
+              <a:srgbClr val="F5F7F9"/>
+            </a:solidFill>
+          </a:ln>
+        </p:spPr>
+        <p:style>
+          <a:lnRef idx="2">
+            <a:schemeClr val="accent1">
+              <a:shade val="50000"/>
+            </a:schemeClr>
+          </a:lnRef>
+          <a:fillRef idx="1">
+            <a:schemeClr val="accent1"/>
+          </a:fillRef>
+          <a:effectRef idx="0">
+            <a:schemeClr val="accent1"/>
+          </a:effectRef>
+          <a:fontRef idx="minor">
+            <a:schemeClr val="lt1"/>
+          </a:fontRef>
+        </p:style>
+        <p:txBody>
+          <a:bodyPr rtlCol="0" anchor="ctr"/>
+          <a:lstStyle/>
+          <a:p>
+            <a:pPr algn="ctr"/>
+            <a:endParaRPr lang="pt-BR" sz="1265" dirty="0"/>
+          </a:p>
+        </p:txBody>
+      </p:sp>
+      <p:sp>
+        <p:nvSpPr>
+          <p:cNvPr id="35" name="Retângulo: Cantos Superiores Arredondados 34">
+            <a:extLst>
+              <a:ext uri="{FF2B5EF4-FFF2-40B4-BE49-F238E27FC236}">
+                <a16:creationId xmlns:a16="http://schemas.microsoft.com/office/drawing/2014/main" id="{663C8087-FC11-0AC4-5BD8-75FC13E3F401}"/>
+              </a:ext>
+            </a:extLst>
+          </p:cNvPr>
+          <p:cNvSpPr/>
+          <p:nvPr/>
+        </p:nvSpPr>
+        <p:spPr>
+          <a:xfrm rot="16200000">
+            <a:off x="-5466462" y="6899923"/>
+            <a:ext cx="12890092" cy="1332000"/>
+          </a:xfrm>
+          <a:prstGeom prst="round2SameRect">
+            <a:avLst/>
+          </a:prstGeom>
+          <a:solidFill>
+            <a:srgbClr val="C5E0B4"/>
+          </a:solidFill>
+          <a:ln>
+            <a:noFill/>
+          </a:ln>
+        </p:spPr>
+        <p:style>
+          <a:lnRef idx="0">
+            <a:scrgbClr r="0" g="0" b="0"/>
+          </a:lnRef>
+          <a:fillRef idx="0">
+            <a:scrgbClr r="0" g="0" b="0"/>
+          </a:fillRef>
+          <a:effectRef idx="0">
+            <a:scrgbClr r="0" g="0" b="0"/>
+          </a:effectRef>
+          <a:fontRef idx="minor">
+            <a:schemeClr val="dk1"/>
+          </a:fontRef>
+        </p:style>
+        <p:txBody>
+          <a:bodyPr rtlCol="0" anchor="ctr"/>
+          <a:lstStyle/>
+          <a:p>
+            <a:pPr algn="ctr"/>
+            <a:endParaRPr lang="pt-BR" dirty="0"/>
+          </a:p>
+        </p:txBody>
+      </p:sp>
+      <p:pic>
+        <p:nvPicPr>
+          <p:cNvPr id="53" name="Imagem 52">
+            <a:extLst>
+              <a:ext uri="{FF2B5EF4-FFF2-40B4-BE49-F238E27FC236}">
+                <a16:creationId xmlns:a16="http://schemas.microsoft.com/office/drawing/2014/main" id="{9CBDDFA7-39FF-6A1A-AC4B-3F28BEE8DB78}"/>
+              </a:ext>
+            </a:extLst>
+          </p:cNvPr>
+          <p:cNvPicPr>
+            <a:picLocks noChangeAspect="1"/>
+          </p:cNvPicPr>
+          <p:nvPr/>
+        </p:nvPicPr>
+        <p:blipFill>
+          <a:blip r:embed="rId2">
+            <a:extLst>
+              <a:ext uri="{28A0092B-C50C-407E-A947-70E740481C1C}">
+                <a14:useLocalDpi xmlns:a14="http://schemas.microsoft.com/office/drawing/2010/main" val="0"/>
+              </a:ext>
+            </a:extLst>
+          </a:blip>
+          <a:srcRect l="38554" r="37841" b="45198"/>
+          <a:stretch/>
+        </p:blipFill>
+        <p:spPr>
+          <a:xfrm>
+            <a:off x="670971" y="77626"/>
+            <a:ext cx="552133" cy="965624"/>
+          </a:xfrm>
+          <a:prstGeom prst="rect">
+            <a:avLst/>
+          </a:prstGeom>
+          <a:noFill/>
+          <a:effectLst>
+            <a:innerShdw blurRad="63500" dist="50800" dir="16200000">
+              <a:prstClr val="black">
+                <a:alpha val="50000"/>
+              </a:prstClr>
+            </a:innerShdw>
+          </a:effectLst>
+        </p:spPr>
+      </p:pic>
+      <p:sp>
+        <p:nvSpPr>
+          <p:cNvPr id="58" name="CaixaDeTexto 57">
+            <a:extLst>
+              <a:ext uri="{FF2B5EF4-FFF2-40B4-BE49-F238E27FC236}">
+                <a16:creationId xmlns:a16="http://schemas.microsoft.com/office/drawing/2014/main" id="{79E41255-4004-7D27-3096-0CF83B5A6724}"/>
+              </a:ext>
+            </a:extLst>
+          </p:cNvPr>
+          <p:cNvSpPr txBox="1"/>
+          <p:nvPr/>
+        </p:nvSpPr>
+        <p:spPr>
+          <a:xfrm>
+            <a:off x="1587339" y="-24040"/>
+            <a:ext cx="10805699" cy="769441"/>
+          </a:xfrm>
+          <a:prstGeom prst="rect">
+            <a:avLst/>
+          </a:prstGeom>
+          <a:noFill/>
+        </p:spPr>
+        <p:txBody>
+          <a:bodyPr wrap="square" rtlCol="0">
+            <a:spAutoFit/>
+          </a:bodyPr>
+          <a:lstStyle/>
+          <a:p>
+            <a:r>
+              <a:rPr lang="pt-BR" sz="4400" dirty="0">
+                <a:latin typeface="Montserrat SemiBold" panose="00000700000000000000" pitchFamily="2" charset="0"/>
+              </a:rPr>
+              <a:t>EVOLUÇÃO DE HORA EXTRA</a:t>
+            </a:r>
+          </a:p>
+        </p:txBody>
+      </p:sp>
+      <p:cxnSp>
+        <p:nvCxnSpPr>
+          <p:cNvPr id="60" name="Conector reto 59">
+            <a:extLst>
+              <a:ext uri="{FF2B5EF4-FFF2-40B4-BE49-F238E27FC236}">
+                <a16:creationId xmlns:a16="http://schemas.microsoft.com/office/drawing/2014/main" id="{07758CE2-F00C-3CB5-A286-FC3A6775E304}"/>
+              </a:ext>
+            </a:extLst>
+          </p:cNvPr>
+          <p:cNvCxnSpPr>
+            <a:cxnSpLocks/>
+          </p:cNvCxnSpPr>
+          <p:nvPr/>
+        </p:nvCxnSpPr>
+        <p:spPr>
+          <a:xfrm>
+            <a:off x="1572715" y="268918"/>
+            <a:ext cx="0" cy="583038"/>
+          </a:xfrm>
+          <a:prstGeom prst="line">
+            <a:avLst/>
+          </a:prstGeom>
+        </p:spPr>
+        <p:style>
+          <a:lnRef idx="3">
+            <a:schemeClr val="accent6"/>
+          </a:lnRef>
+          <a:fillRef idx="0">
+            <a:schemeClr val="accent6"/>
+          </a:fillRef>
+          <a:effectRef idx="2">
+            <a:schemeClr val="accent6"/>
+          </a:effectRef>
+          <a:fontRef idx="minor">
+            <a:schemeClr val="tx1"/>
+          </a:fontRef>
+        </p:style>
+      </p:cxnSp>
+      <p:sp>
+        <p:nvSpPr>
+          <p:cNvPr id="27" name="CaixaDeTexto 26">
+            <a:extLst>
+              <a:ext uri="{FF2B5EF4-FFF2-40B4-BE49-F238E27FC236}">
+                <a16:creationId xmlns:a16="http://schemas.microsoft.com/office/drawing/2014/main" id="{17C6D3FA-E46B-6CCE-07FB-B8C42E28B139}"/>
+              </a:ext>
+            </a:extLst>
+          </p:cNvPr>
+          <p:cNvSpPr txBox="1"/>
+          <p:nvPr/>
+        </p:nvSpPr>
+        <p:spPr>
+          <a:xfrm>
+            <a:off x="22475947" y="-31697"/>
+            <a:ext cx="3124078" cy="369332"/>
+          </a:xfrm>
+          <a:prstGeom prst="rect">
+            <a:avLst/>
+          </a:prstGeom>
+          <a:noFill/>
+        </p:spPr>
+        <p:txBody>
+          <a:bodyPr wrap="square" rtlCol="0">
+            <a:spAutoFit/>
+          </a:bodyPr>
+          <a:lstStyle/>
+          <a:p>
+            <a:pPr algn="r"/>
+            <a:r>
+              <a:rPr lang="pt-BR" dirty="0">
+                <a:solidFill>
+                  <a:schemeClr val="tx1">
+                    <a:lumMod val="85000"/>
+                    <a:lumOff val="15000"/>
+                  </a:schemeClr>
+                </a:solidFill>
+                <a:latin typeface="Montserrat SemiBold" panose="00000700000000000000" pitchFamily="2" charset="0"/>
+              </a:rPr>
+              <a:t>DATA DE ATUALIZAÇÃO</a:t>
+            </a:r>
+          </a:p>
+        </p:txBody>
+      </p:sp>
+      <p:sp>
+        <p:nvSpPr>
+          <p:cNvPr id="17" name="CaixaDeTexto 16">
+            <a:extLst>
+              <a:ext uri="{FF2B5EF4-FFF2-40B4-BE49-F238E27FC236}">
+                <a16:creationId xmlns:a16="http://schemas.microsoft.com/office/drawing/2014/main" id="{DDBE3E91-8817-51D1-3AA7-AFAB8267C0E1}"/>
+              </a:ext>
+            </a:extLst>
+          </p:cNvPr>
+          <p:cNvSpPr txBox="1"/>
+          <p:nvPr/>
+        </p:nvSpPr>
+        <p:spPr>
+          <a:xfrm>
+            <a:off x="22475949" y="1102458"/>
+            <a:ext cx="3124076" cy="369332"/>
+          </a:xfrm>
+          <a:prstGeom prst="rect">
+            <a:avLst/>
+          </a:prstGeom>
+          <a:noFill/>
+        </p:spPr>
+        <p:txBody>
+          <a:bodyPr wrap="square" rtlCol="0">
+            <a:spAutoFit/>
+          </a:bodyPr>
+          <a:lstStyle/>
+          <a:p>
+            <a:pPr algn="ctr"/>
+            <a:r>
+              <a:rPr lang="pt-BR" dirty="0">
+                <a:solidFill>
+                  <a:schemeClr val="tx1">
+                    <a:lumMod val="85000"/>
+                    <a:lumOff val="15000"/>
+                  </a:schemeClr>
+                </a:solidFill>
+                <a:latin typeface="Montserrat SemiBold" panose="00000700000000000000" pitchFamily="2" charset="0"/>
+              </a:rPr>
+              <a:t>DADOS ATÉ</a:t>
+            </a:r>
+          </a:p>
+        </p:txBody>
+      </p:sp>
+      <p:sp>
+        <p:nvSpPr>
+          <p:cNvPr id="19" name="CaixaDeTexto 18">
+            <a:extLst>
+              <a:ext uri="{FF2B5EF4-FFF2-40B4-BE49-F238E27FC236}">
+                <a16:creationId xmlns:a16="http://schemas.microsoft.com/office/drawing/2014/main" id="{00E4B19F-667B-ED50-2B0B-B25552240B75}"/>
+              </a:ext>
+            </a:extLst>
+          </p:cNvPr>
+          <p:cNvSpPr txBox="1"/>
+          <p:nvPr/>
+        </p:nvSpPr>
+        <p:spPr>
+          <a:xfrm>
+            <a:off x="1622929" y="597674"/>
+            <a:ext cx="4534125" cy="430887"/>
+          </a:xfrm>
+          <a:prstGeom prst="rect">
+            <a:avLst/>
+          </a:prstGeom>
+          <a:noFill/>
+        </p:spPr>
+        <p:txBody>
+          <a:bodyPr wrap="square" rtlCol="0">
+            <a:spAutoFit/>
+          </a:bodyPr>
+          <a:lstStyle/>
+          <a:p>
+            <a:r>
+              <a:rPr lang="pt-BR" sz="2200" dirty="0">
+                <a:latin typeface="Montserrat SemiBold" panose="00000700000000000000" pitchFamily="2" charset="0"/>
+              </a:rPr>
+              <a:t>DEPARTAMENTO PESSOAL</a:t>
+            </a:r>
+          </a:p>
+        </p:txBody>
+      </p:sp>
+      <p:grpSp>
+        <p:nvGrpSpPr>
+          <p:cNvPr id="66" name="Agrupar 65">
+            <a:extLst>
+              <a:ext uri="{FF2B5EF4-FFF2-40B4-BE49-F238E27FC236}">
+                <a16:creationId xmlns:a16="http://schemas.microsoft.com/office/drawing/2014/main" id="{10401B6B-BF8C-5856-6059-1AAB9220A189}"/>
+              </a:ext>
+            </a:extLst>
+          </p:cNvPr>
+          <p:cNvGrpSpPr/>
+          <p:nvPr/>
+        </p:nvGrpSpPr>
+        <p:grpSpPr>
+          <a:xfrm>
+            <a:off x="330115" y="1414013"/>
+            <a:ext cx="1318250" cy="1201335"/>
+            <a:chOff x="328180" y="1842785"/>
+            <a:chExt cx="1307397" cy="1259089"/>
+          </a:xfrm>
+          <a:effectLst/>
+        </p:grpSpPr>
+        <p:pic>
+          <p:nvPicPr>
+            <p:cNvPr id="67" name="Imagem 66">
+              <a:extLst>
+                <a:ext uri="{FF2B5EF4-FFF2-40B4-BE49-F238E27FC236}">
+                  <a16:creationId xmlns:a16="http://schemas.microsoft.com/office/drawing/2014/main" id="{188D500A-8D5F-8A1B-3EC0-A9B1E9C78E3B}"/>
+                </a:ext>
+              </a:extLst>
+            </p:cNvPr>
+            <p:cNvPicPr>
+              <a:picLocks noChangeAspect="1"/>
+            </p:cNvPicPr>
+            <p:nvPr/>
+          </p:nvPicPr>
+          <p:blipFill>
+            <a:blip r:embed="rId3">
+              <a:extLst>
+                <a:ext uri="{28A0092B-C50C-407E-A947-70E740481C1C}">
+                  <a14:useLocalDpi xmlns:a14="http://schemas.microsoft.com/office/drawing/2010/main" val="0"/>
+                </a:ext>
+              </a:extLst>
+            </a:blip>
+            <a:srcRect/>
+            <a:stretch/>
+          </p:blipFill>
+          <p:spPr>
+            <a:xfrm>
+              <a:off x="479794" y="1842785"/>
+              <a:ext cx="1004167" cy="1004167"/>
+            </a:xfrm>
+            <a:prstGeom prst="rect">
+              <a:avLst/>
+            </a:prstGeom>
+            <a:ln w="38100" cap="rnd" cmpd="sng">
+              <a:noFill/>
+              <a:prstDash val="solid"/>
+              <a:round/>
+              <a:extLst>
+                <a:ext uri="{C807C97D-BFC1-408E-A445-0C87EB9F89A2}">
+                  <ask:lineSketchStyleProps xmlns:ask="http://schemas.microsoft.com/office/drawing/2018/sketchyshapes" sd="1219033472">
+                    <a:custGeom>
+                      <a:avLst/>
+                      <a:gdLst>
+                        <a:gd name="connsiteX0" fmla="*/ 0 w 1287117"/>
+                        <a:gd name="connsiteY0" fmla="*/ 0 h 1305274"/>
+                        <a:gd name="connsiteX1" fmla="*/ 1287117 w 1287117"/>
+                        <a:gd name="connsiteY1" fmla="*/ 0 h 1305274"/>
+                        <a:gd name="connsiteX2" fmla="*/ 1287117 w 1287117"/>
+                        <a:gd name="connsiteY2" fmla="*/ 1305274 h 1305274"/>
+                        <a:gd name="connsiteX3" fmla="*/ 0 w 1287117"/>
+                        <a:gd name="connsiteY3" fmla="*/ 1305274 h 1305274"/>
+                        <a:gd name="connsiteX4" fmla="*/ 0 w 1287117"/>
+                        <a:gd name="connsiteY4" fmla="*/ 0 h 1305274"/>
+                      </a:gdLst>
+                      <a:ahLst/>
+                      <a:cxnLst>
+                        <a:cxn ang="0">
+                          <a:pos x="connsiteX0" y="connsiteY0"/>
+                        </a:cxn>
+                        <a:cxn ang="0">
+                          <a:pos x="connsiteX1" y="connsiteY1"/>
+                        </a:cxn>
+                        <a:cxn ang="0">
+                          <a:pos x="connsiteX2" y="connsiteY2"/>
+                        </a:cxn>
+                        <a:cxn ang="0">
+                          <a:pos x="connsiteX3" y="connsiteY3"/>
+                        </a:cxn>
+                        <a:cxn ang="0">
+                          <a:pos x="connsiteX4" y="connsiteY4"/>
+                        </a:cxn>
+                      </a:cxnLst>
+                      <a:rect l="l" t="t" r="r" b="b"/>
+                      <a:pathLst>
+                        <a:path w="1287117" h="1305274" fill="none" extrusionOk="0">
+                          <a:moveTo>
+                            <a:pt x="0" y="0"/>
+                          </a:moveTo>
+                          <a:cubicBezTo>
+                            <a:pt x="424078" y="-41831"/>
+                            <a:pt x="1012293" y="-82524"/>
+                            <a:pt x="1287117" y="0"/>
+                          </a:cubicBezTo>
+                          <a:cubicBezTo>
+                            <a:pt x="1359431" y="442770"/>
+                            <a:pt x="1364764" y="807517"/>
+                            <a:pt x="1287117" y="1305274"/>
+                          </a:cubicBezTo>
+                          <a:cubicBezTo>
+                            <a:pt x="1019975" y="1211853"/>
+                            <a:pt x="373143" y="1360628"/>
+                            <a:pt x="0" y="1305274"/>
+                          </a:cubicBezTo>
+                          <a:cubicBezTo>
+                            <a:pt x="54185" y="702839"/>
+                            <a:pt x="-26656" y="637328"/>
+                            <a:pt x="0" y="0"/>
+                          </a:cubicBezTo>
+                          <a:close/>
+                        </a:path>
+                        <a:path w="1287117" h="1305274" stroke="0" extrusionOk="0">
+                          <a:moveTo>
+                            <a:pt x="0" y="0"/>
+                          </a:moveTo>
+                          <a:cubicBezTo>
+                            <a:pt x="620702" y="30296"/>
+                            <a:pt x="869864" y="-62033"/>
+                            <a:pt x="1287117" y="0"/>
+                          </a:cubicBezTo>
+                          <a:cubicBezTo>
+                            <a:pt x="1234736" y="585200"/>
+                            <a:pt x="1192732" y="978202"/>
+                            <a:pt x="1287117" y="1305274"/>
+                          </a:cubicBezTo>
+                          <a:cubicBezTo>
+                            <a:pt x="1064962" y="1190797"/>
+                            <a:pt x="589531" y="1233812"/>
+                            <a:pt x="0" y="1305274"/>
+                          </a:cubicBezTo>
+                          <a:cubicBezTo>
+                            <a:pt x="-381" y="773785"/>
+                            <a:pt x="-64649" y="496574"/>
+                            <a:pt x="0" y="0"/>
+                          </a:cubicBezTo>
+                          <a:close/>
+                        </a:path>
+                      </a:pathLst>
+                    </a:custGeom>
+                    <ask:type>
+                      <ask:lineSketchNone/>
+                    </ask:type>
+                  </ask:lineSketchStyleProps>
+                </a:ext>
+              </a:extLst>
+            </a:ln>
+          </p:spPr>
+        </p:pic>
+        <p:sp>
+          <p:nvSpPr>
+            <p:cNvPr id="68" name="CaixaDeTexto 67">
+              <a:extLst>
+                <a:ext uri="{FF2B5EF4-FFF2-40B4-BE49-F238E27FC236}">
+                  <a16:creationId xmlns:a16="http://schemas.microsoft.com/office/drawing/2014/main" id="{8EB97A8A-ECAA-3AC7-35AA-1F2289A27A7C}"/>
+                </a:ext>
+              </a:extLst>
+            </p:cNvPr>
+            <p:cNvSpPr txBox="1"/>
+            <p:nvPr/>
+          </p:nvSpPr>
+          <p:spPr>
+            <a:xfrm>
+              <a:off x="328180" y="2824875"/>
+              <a:ext cx="1307397" cy="276999"/>
+            </a:xfrm>
+            <a:prstGeom prst="rect">
+              <a:avLst/>
+            </a:prstGeom>
+            <a:noFill/>
+          </p:spPr>
+          <p:txBody>
+            <a:bodyPr wrap="square" rtlCol="0">
+              <a:spAutoFit/>
+            </a:bodyPr>
+            <a:lstStyle/>
+            <a:p>
+              <a:pPr algn="ctr"/>
+              <a:r>
+                <a:rPr lang="pt-BR" sz="1200" b="1" dirty="0">
+                  <a:latin typeface="Montserrat" panose="00000500000000000000" pitchFamily="2" charset="0"/>
+                </a:rPr>
+                <a:t>DASHBOARD</a:t>
+              </a:r>
+              <a:endParaRPr lang="pt-BR" sz="1100" b="1" dirty="0">
+                <a:latin typeface="Montserrat" panose="00000500000000000000" pitchFamily="2" charset="0"/>
+              </a:endParaRPr>
+            </a:p>
+          </p:txBody>
+        </p:sp>
+      </p:grpSp>
+      <p:sp>
+        <p:nvSpPr>
+          <p:cNvPr id="9" name="Retângulo: Cantos Arredondados 8">
+            <a:extLst>
+              <a:ext uri="{FF2B5EF4-FFF2-40B4-BE49-F238E27FC236}">
+                <a16:creationId xmlns:a16="http://schemas.microsoft.com/office/drawing/2014/main" id="{EE478C64-C75C-3F37-5817-C4D760B11021}"/>
+              </a:ext>
+            </a:extLst>
+          </p:cNvPr>
+          <p:cNvSpPr/>
+          <p:nvPr/>
+        </p:nvSpPr>
+        <p:spPr>
+          <a:xfrm>
+            <a:off x="1957168" y="7200106"/>
+            <a:ext cx="23062372" cy="6602433"/>
+          </a:xfrm>
+          <a:prstGeom prst="roundRect">
+            <a:avLst>
+              <a:gd name="adj" fmla="val 5591"/>
+            </a:avLst>
+          </a:prstGeom>
+          <a:solidFill>
+            <a:schemeClr val="bg1"/>
+          </a:solidFill>
+          <a:ln>
+            <a:noFill/>
+          </a:ln>
+          <a:effectLst>
+            <a:glow rad="63500">
+              <a:schemeClr val="bg1">
+                <a:lumMod val="75000"/>
+                <a:alpha val="40000"/>
+              </a:schemeClr>
+            </a:glow>
+            <a:outerShdw blurRad="50800" dist="38100" dir="5400000" algn="t" rotWithShape="0">
+              <a:schemeClr val="tx1">
+                <a:alpha val="40000"/>
+              </a:schemeClr>
+            </a:outerShdw>
+          </a:effectLst>
+        </p:spPr>
+        <p:style>
+          <a:lnRef idx="2">
+            <a:schemeClr val="accent1">
+              <a:shade val="50000"/>
+            </a:schemeClr>
+          </a:lnRef>
+          <a:fillRef idx="1">
+            <a:schemeClr val="accent1"/>
+          </a:fillRef>
+          <a:effectRef idx="0">
+            <a:schemeClr val="accent1"/>
+          </a:effectRef>
+          <a:fontRef idx="minor">
+            <a:schemeClr val="lt1"/>
+          </a:fontRef>
+        </p:style>
+        <p:txBody>
+          <a:bodyPr rtlCol="0" anchor="ctr"/>
+          <a:lstStyle/>
+          <a:p>
+            <a:pPr algn="ctr"/>
+            <a:endParaRPr lang="pt-BR" sz="1265"/>
+          </a:p>
+        </p:txBody>
+      </p:sp>
+      <p:grpSp>
+        <p:nvGrpSpPr>
+          <p:cNvPr id="14" name="Agrupar 13">
+            <a:extLst>
+              <a:ext uri="{FF2B5EF4-FFF2-40B4-BE49-F238E27FC236}">
+                <a16:creationId xmlns:a16="http://schemas.microsoft.com/office/drawing/2014/main" id="{6203788C-DA50-AA97-3E20-441E10D8C1BC}"/>
+              </a:ext>
+            </a:extLst>
+          </p:cNvPr>
+          <p:cNvGrpSpPr/>
+          <p:nvPr/>
+        </p:nvGrpSpPr>
+        <p:grpSpPr>
+          <a:xfrm>
+            <a:off x="223837" y="2766523"/>
+            <a:ext cx="1483519" cy="1510731"/>
+            <a:chOff x="223837" y="2766523"/>
+            <a:chExt cx="1483519" cy="1510731"/>
+          </a:xfrm>
+          <a:effectLst/>
+        </p:grpSpPr>
+        <p:pic>
+          <p:nvPicPr>
+            <p:cNvPr id="12" name="Imagem 11" descr="Forma&#10;&#10;O conteúdo gerado por IA pode estar incorreto.">
+              <a:extLst>
+                <a:ext uri="{FF2B5EF4-FFF2-40B4-BE49-F238E27FC236}">
+                  <a16:creationId xmlns:a16="http://schemas.microsoft.com/office/drawing/2014/main" id="{2C6D80A9-1E94-8C4F-D12C-F900366AF93C}"/>
+                </a:ext>
+              </a:extLst>
+            </p:cNvPr>
+            <p:cNvPicPr>
+              <a:picLocks noChangeAspect="1"/>
+            </p:cNvPicPr>
+            <p:nvPr/>
+          </p:nvPicPr>
+          <p:blipFill>
+            <a:blip r:embed="rId4">
+              <a:extLst>
+                <a:ext uri="{28A0092B-C50C-407E-A947-70E740481C1C}">
+                  <a14:useLocalDpi xmlns:a14="http://schemas.microsoft.com/office/drawing/2010/main" val="0"/>
+                </a:ext>
+              </a:extLst>
+            </a:blip>
+            <a:stretch>
+              <a:fillRect/>
+            </a:stretch>
+          </p:blipFill>
+          <p:spPr>
+            <a:xfrm>
+              <a:off x="446601" y="2766523"/>
+              <a:ext cx="1085276" cy="1085276"/>
+            </a:xfrm>
+            <a:prstGeom prst="rect">
+              <a:avLst/>
+            </a:prstGeom>
+          </p:spPr>
+        </p:pic>
+        <p:sp>
+          <p:nvSpPr>
+            <p:cNvPr id="13" name="CaixaDeTexto 12">
+              <a:extLst>
+                <a:ext uri="{FF2B5EF4-FFF2-40B4-BE49-F238E27FC236}">
+                  <a16:creationId xmlns:a16="http://schemas.microsoft.com/office/drawing/2014/main" id="{F334EC35-59AA-F54E-270E-04BA58AA3DAB}"/>
+                </a:ext>
+              </a:extLst>
+            </p:cNvPr>
+            <p:cNvSpPr txBox="1"/>
+            <p:nvPr/>
+          </p:nvSpPr>
+          <p:spPr>
+            <a:xfrm>
+              <a:off x="223837" y="3815589"/>
+              <a:ext cx="1483519" cy="461665"/>
+            </a:xfrm>
+            <a:prstGeom prst="rect">
+              <a:avLst/>
+            </a:prstGeom>
+            <a:noFill/>
+          </p:spPr>
+          <p:txBody>
+            <a:bodyPr wrap="square" rtlCol="0">
+              <a:spAutoFit/>
+            </a:bodyPr>
+            <a:lstStyle/>
+            <a:p>
+              <a:pPr algn="ctr"/>
+              <a:r>
+                <a:rPr lang="pt-BR" sz="1200" b="1" dirty="0">
+                  <a:latin typeface="Montserrat" panose="00000500000000000000" pitchFamily="2" charset="0"/>
+                </a:rPr>
+                <a:t>RELAÇÃO DE COLAB.</a:t>
+              </a:r>
+              <a:endParaRPr lang="pt-BR" sz="1100" b="1" dirty="0">
+                <a:latin typeface="Montserrat" panose="00000500000000000000" pitchFamily="2" charset="0"/>
+              </a:endParaRPr>
+            </a:p>
+          </p:txBody>
+        </p:sp>
+      </p:grpSp>
+      <p:grpSp>
+        <p:nvGrpSpPr>
+          <p:cNvPr id="5" name="Agrupar 4">
+            <a:extLst>
+              <a:ext uri="{FF2B5EF4-FFF2-40B4-BE49-F238E27FC236}">
+                <a16:creationId xmlns:a16="http://schemas.microsoft.com/office/drawing/2014/main" id="{4B8C8E27-2655-BC27-5C86-0DB90DEFE6E1}"/>
+              </a:ext>
+            </a:extLst>
+          </p:cNvPr>
+          <p:cNvGrpSpPr/>
+          <p:nvPr/>
+        </p:nvGrpSpPr>
+        <p:grpSpPr>
+          <a:xfrm>
+            <a:off x="1963819" y="5350309"/>
+            <a:ext cx="3898883" cy="1641368"/>
             <a:chOff x="2227660" y="1471791"/>
             <a:chExt cx="2752902" cy="1143558"/>
           </a:xfrm>
         </p:grpSpPr>
         <p:sp>
           <p:nvSpPr>
-            <p:cNvPr id="2" name="Retângulo: Cantos Arredondados 1">
+            <p:cNvPr id="34" name="Retângulo: Cantos Arredondados 33">
               <a:extLst>
                 <a:ext uri="{FF2B5EF4-FFF2-40B4-BE49-F238E27FC236}">
-                  <a16:creationId xmlns:a16="http://schemas.microsoft.com/office/drawing/2014/main" id="{3A0302AE-87C1-FF0F-0446-DB45790F3A15}"/>
+                  <a16:creationId xmlns:a16="http://schemas.microsoft.com/office/drawing/2014/main" id="{6A6CEC9D-598F-E278-FC02-94680F7FF6BB}"/>
                 </a:ext>
               </a:extLst>
             </p:cNvPr>
@@ -11938,10 +15094,10 @@
         </p:sp>
         <p:sp>
           <p:nvSpPr>
-            <p:cNvPr id="15" name="CaixaDeTexto 14">
+            <p:cNvPr id="36" name="CaixaDeTexto 35">
               <a:extLst>
                 <a:ext uri="{FF2B5EF4-FFF2-40B4-BE49-F238E27FC236}">
-                  <a16:creationId xmlns:a16="http://schemas.microsoft.com/office/drawing/2014/main" id="{B83EC193-7005-6804-3005-805A7668EDB1}"/>
+                  <a16:creationId xmlns:a16="http://schemas.microsoft.com/office/drawing/2014/main" id="{D4FDBCEB-C36D-072A-DEDC-9AFEE60D35C3}"/>
                 </a:ext>
               </a:extLst>
             </p:cNvPr>
@@ -11951,7 +15107,7 @@
           <p:spPr>
             <a:xfrm>
               <a:off x="2227660" y="1496945"/>
-              <a:ext cx="2749122" cy="369332"/>
+              <a:ext cx="2749122" cy="257317"/>
             </a:xfrm>
             <a:prstGeom prst="rect">
               <a:avLst/>
@@ -11969,511 +15125,7 @@
                 <a:rPr lang="pt-BR" dirty="0">
                   <a:latin typeface="Montserrat SemiBold" panose="00000700000000000000" pitchFamily="2" charset="0"/>
                 </a:rPr>
-                <a:t>UNIDADE</a:t>
-              </a:r>
-            </a:p>
-          </p:txBody>
-        </p:sp>
-      </p:grpSp>
-      <p:grpSp>
-        <p:nvGrpSpPr>
-          <p:cNvPr id="20" name="Agrupar 19">
-            <a:extLst>
-              <a:ext uri="{FF2B5EF4-FFF2-40B4-BE49-F238E27FC236}">
-                <a16:creationId xmlns:a16="http://schemas.microsoft.com/office/drawing/2014/main" id="{AE34B440-990D-EDE3-99E3-B89D8C1AD35D}"/>
-              </a:ext>
-            </a:extLst>
-          </p:cNvPr>
-          <p:cNvGrpSpPr/>
-          <p:nvPr/>
-        </p:nvGrpSpPr>
-        <p:grpSpPr>
-          <a:xfrm>
-            <a:off x="6619543" y="1484558"/>
-            <a:ext cx="2660499" cy="1143559"/>
-            <a:chOff x="5559857" y="1471789"/>
-            <a:chExt cx="3851803" cy="1143559"/>
-          </a:xfrm>
-        </p:grpSpPr>
-        <p:sp>
-          <p:nvSpPr>
-            <p:cNvPr id="6" name="Retângulo: Cantos Arredondados 5">
-              <a:extLst>
-                <a:ext uri="{FF2B5EF4-FFF2-40B4-BE49-F238E27FC236}">
-                  <a16:creationId xmlns:a16="http://schemas.microsoft.com/office/drawing/2014/main" id="{47BF1010-A229-FEA1-79C3-370244190198}"/>
-                </a:ext>
-              </a:extLst>
-            </p:cNvPr>
-            <p:cNvSpPr/>
-            <p:nvPr/>
-          </p:nvSpPr>
-          <p:spPr>
-            <a:xfrm>
-              <a:off x="5559857" y="1471790"/>
-              <a:ext cx="3851803" cy="1143558"/>
-            </a:xfrm>
-            <a:prstGeom prst="roundRect">
-              <a:avLst>
-                <a:gd name="adj" fmla="val 16306"/>
-              </a:avLst>
-            </a:prstGeom>
-            <a:solidFill>
-              <a:schemeClr val="bg1"/>
-            </a:solidFill>
-            <a:ln>
-              <a:noFill/>
-            </a:ln>
-            <a:effectLst>
-              <a:glow rad="63500">
-                <a:schemeClr val="bg1">
-                  <a:lumMod val="75000"/>
-                  <a:alpha val="40000"/>
-                </a:schemeClr>
-              </a:glow>
-              <a:outerShdw blurRad="50800" dist="38100" dir="5400000" algn="t" rotWithShape="0">
-                <a:schemeClr val="tx1">
-                  <a:alpha val="40000"/>
-                </a:schemeClr>
-              </a:outerShdw>
-            </a:effectLst>
-          </p:spPr>
-          <p:style>
-            <a:lnRef idx="2">
-              <a:schemeClr val="accent1">
-                <a:shade val="50000"/>
-              </a:schemeClr>
-            </a:lnRef>
-            <a:fillRef idx="1">
-              <a:schemeClr val="accent1"/>
-            </a:fillRef>
-            <a:effectRef idx="0">
-              <a:schemeClr val="accent1"/>
-            </a:effectRef>
-            <a:fontRef idx="minor">
-              <a:schemeClr val="lt1"/>
-            </a:fontRef>
-          </p:style>
-          <p:txBody>
-            <a:bodyPr rtlCol="0" anchor="ctr"/>
-            <a:lstStyle/>
-            <a:p>
-              <a:pPr algn="ctr"/>
-              <a:endParaRPr lang="pt-BR" sz="1265"/>
-            </a:p>
-          </p:txBody>
-        </p:sp>
-        <p:sp>
-          <p:nvSpPr>
-            <p:cNvPr id="16" name="CaixaDeTexto 15">
-              <a:extLst>
-                <a:ext uri="{FF2B5EF4-FFF2-40B4-BE49-F238E27FC236}">
-                  <a16:creationId xmlns:a16="http://schemas.microsoft.com/office/drawing/2014/main" id="{480AEB56-033E-FF67-C3CE-4FA53ED7968D}"/>
-                </a:ext>
-              </a:extLst>
-            </p:cNvPr>
-            <p:cNvSpPr txBox="1"/>
-            <p:nvPr/>
-          </p:nvSpPr>
-          <p:spPr>
-            <a:xfrm>
-              <a:off x="5563636" y="1471789"/>
-              <a:ext cx="3848023" cy="369332"/>
-            </a:xfrm>
-            <a:prstGeom prst="rect">
-              <a:avLst/>
-            </a:prstGeom>
-            <a:noFill/>
-          </p:spPr>
-          <p:txBody>
-            <a:bodyPr wrap="square" rtlCol="0">
-              <a:spAutoFit/>
-            </a:bodyPr>
-            <a:lstStyle/>
-            <a:p>
-              <a:pPr algn="ctr"/>
-              <a:r>
-                <a:rPr lang="pt-BR" dirty="0">
-                  <a:latin typeface="Montserrat SemiBold" panose="00000700000000000000" pitchFamily="2" charset="0"/>
-                </a:rPr>
-                <a:t>DIRETORIA</a:t>
-              </a:r>
-            </a:p>
-          </p:txBody>
-        </p:sp>
-      </p:grpSp>
-      <p:grpSp>
-        <p:nvGrpSpPr>
-          <p:cNvPr id="11" name="Agrupar 10">
-            <a:extLst>
-              <a:ext uri="{FF2B5EF4-FFF2-40B4-BE49-F238E27FC236}">
-                <a16:creationId xmlns:a16="http://schemas.microsoft.com/office/drawing/2014/main" id="{55F422AE-35E3-BE69-C1C8-99F0D20A03DC}"/>
-              </a:ext>
-            </a:extLst>
-          </p:cNvPr>
-          <p:cNvGrpSpPr/>
-          <p:nvPr/>
-        </p:nvGrpSpPr>
-        <p:grpSpPr>
-          <a:xfrm>
-            <a:off x="16073640" y="1475893"/>
-            <a:ext cx="5716317" cy="1160889"/>
-            <a:chOff x="9990954" y="1471790"/>
-            <a:chExt cx="6402307" cy="1143558"/>
-          </a:xfrm>
-        </p:grpSpPr>
-        <p:sp>
-          <p:nvSpPr>
-            <p:cNvPr id="7" name="Retângulo: Cantos Arredondados 6">
-              <a:extLst>
-                <a:ext uri="{FF2B5EF4-FFF2-40B4-BE49-F238E27FC236}">
-                  <a16:creationId xmlns:a16="http://schemas.microsoft.com/office/drawing/2014/main" id="{81C102F9-6E18-FE92-7449-119893F8449F}"/>
-                </a:ext>
-              </a:extLst>
-            </p:cNvPr>
-            <p:cNvSpPr/>
-            <p:nvPr/>
-          </p:nvSpPr>
-          <p:spPr>
-            <a:xfrm>
-              <a:off x="9990955" y="1471790"/>
-              <a:ext cx="6390424" cy="1143558"/>
-            </a:xfrm>
-            <a:prstGeom prst="roundRect">
-              <a:avLst>
-                <a:gd name="adj" fmla="val 16306"/>
-              </a:avLst>
-            </a:prstGeom>
-            <a:solidFill>
-              <a:schemeClr val="bg1"/>
-            </a:solidFill>
-            <a:ln>
-              <a:noFill/>
-            </a:ln>
-            <a:effectLst>
-              <a:glow rad="63500">
-                <a:schemeClr val="bg1">
-                  <a:lumMod val="75000"/>
-                  <a:alpha val="40000"/>
-                </a:schemeClr>
-              </a:glow>
-              <a:outerShdw blurRad="50800" dist="38100" dir="5400000" algn="t" rotWithShape="0">
-                <a:schemeClr val="tx1">
-                  <a:alpha val="40000"/>
-                </a:schemeClr>
-              </a:outerShdw>
-            </a:effectLst>
-          </p:spPr>
-          <p:style>
-            <a:lnRef idx="2">
-              <a:schemeClr val="accent1">
-                <a:shade val="50000"/>
-              </a:schemeClr>
-            </a:lnRef>
-            <a:fillRef idx="1">
-              <a:schemeClr val="accent1"/>
-            </a:fillRef>
-            <a:effectRef idx="0">
-              <a:schemeClr val="accent1"/>
-            </a:effectRef>
-            <a:fontRef idx="minor">
-              <a:schemeClr val="lt1"/>
-            </a:fontRef>
-          </p:style>
-          <p:txBody>
-            <a:bodyPr rtlCol="0" anchor="ctr"/>
-            <a:lstStyle/>
-            <a:p>
-              <a:pPr algn="ctr"/>
-              <a:endParaRPr lang="pt-BR" sz="1265"/>
-            </a:p>
-          </p:txBody>
-        </p:sp>
-        <p:sp>
-          <p:nvSpPr>
-            <p:cNvPr id="18" name="CaixaDeTexto 17">
-              <a:extLst>
-                <a:ext uri="{FF2B5EF4-FFF2-40B4-BE49-F238E27FC236}">
-                  <a16:creationId xmlns:a16="http://schemas.microsoft.com/office/drawing/2014/main" id="{E6AD58CB-38FC-3D9E-63C2-3312C006018E}"/>
-                </a:ext>
-              </a:extLst>
-            </p:cNvPr>
-            <p:cNvSpPr txBox="1"/>
-            <p:nvPr/>
-          </p:nvSpPr>
-          <p:spPr>
-            <a:xfrm>
-              <a:off x="9990954" y="1496945"/>
-              <a:ext cx="6402307" cy="369332"/>
-            </a:xfrm>
-            <a:prstGeom prst="rect">
-              <a:avLst/>
-            </a:prstGeom>
-            <a:noFill/>
-          </p:spPr>
-          <p:txBody>
-            <a:bodyPr wrap="square" rtlCol="0">
-              <a:spAutoFit/>
-            </a:bodyPr>
-            <a:lstStyle/>
-            <a:p>
-              <a:pPr algn="ctr"/>
-              <a:r>
-                <a:rPr lang="pt-BR" dirty="0">
-                  <a:latin typeface="Montserrat SemiBold" panose="00000700000000000000" pitchFamily="2" charset="0"/>
-                </a:rPr>
-                <a:t>CENTRO DE CUSTO</a:t>
-              </a:r>
-            </a:p>
-          </p:txBody>
-        </p:sp>
-      </p:grpSp>
-      <p:grpSp>
-        <p:nvGrpSpPr>
-          <p:cNvPr id="22" name="Agrupar 21">
-            <a:extLst>
-              <a:ext uri="{FF2B5EF4-FFF2-40B4-BE49-F238E27FC236}">
-                <a16:creationId xmlns:a16="http://schemas.microsoft.com/office/drawing/2014/main" id="{80035F93-9A9E-59F7-3030-703D58062077}"/>
-              </a:ext>
-            </a:extLst>
-          </p:cNvPr>
-          <p:cNvGrpSpPr/>
-          <p:nvPr/>
-        </p:nvGrpSpPr>
-        <p:grpSpPr>
-          <a:xfrm>
-            <a:off x="9628810" y="1484558"/>
-            <a:ext cx="2109150" cy="1143558"/>
-            <a:chOff x="9990954" y="1471790"/>
-            <a:chExt cx="6402307" cy="1143558"/>
-          </a:xfrm>
-        </p:grpSpPr>
-        <p:sp>
-          <p:nvSpPr>
-            <p:cNvPr id="23" name="Retângulo: Cantos Arredondados 22">
-              <a:extLst>
-                <a:ext uri="{FF2B5EF4-FFF2-40B4-BE49-F238E27FC236}">
-                  <a16:creationId xmlns:a16="http://schemas.microsoft.com/office/drawing/2014/main" id="{B1A49499-7482-58CF-1EB0-6FDDFEF714C7}"/>
-                </a:ext>
-              </a:extLst>
-            </p:cNvPr>
-            <p:cNvSpPr/>
-            <p:nvPr/>
-          </p:nvSpPr>
-          <p:spPr>
-            <a:xfrm>
-              <a:off x="9990955" y="1471790"/>
-              <a:ext cx="6390424" cy="1143558"/>
-            </a:xfrm>
-            <a:prstGeom prst="roundRect">
-              <a:avLst>
-                <a:gd name="adj" fmla="val 16306"/>
-              </a:avLst>
-            </a:prstGeom>
-            <a:solidFill>
-              <a:schemeClr val="bg1"/>
-            </a:solidFill>
-            <a:ln>
-              <a:noFill/>
-            </a:ln>
-            <a:effectLst>
-              <a:glow rad="63500">
-                <a:schemeClr val="bg1">
-                  <a:lumMod val="75000"/>
-                  <a:alpha val="40000"/>
-                </a:schemeClr>
-              </a:glow>
-              <a:outerShdw blurRad="50800" dist="38100" dir="5400000" algn="t" rotWithShape="0">
-                <a:schemeClr val="tx1">
-                  <a:alpha val="40000"/>
-                </a:schemeClr>
-              </a:outerShdw>
-            </a:effectLst>
-          </p:spPr>
-          <p:style>
-            <a:lnRef idx="2">
-              <a:schemeClr val="accent1">
-                <a:shade val="50000"/>
-              </a:schemeClr>
-            </a:lnRef>
-            <a:fillRef idx="1">
-              <a:schemeClr val="accent1"/>
-            </a:fillRef>
-            <a:effectRef idx="0">
-              <a:schemeClr val="accent1"/>
-            </a:effectRef>
-            <a:fontRef idx="minor">
-              <a:schemeClr val="lt1"/>
-            </a:fontRef>
-          </p:style>
-          <p:txBody>
-            <a:bodyPr rtlCol="0" anchor="ctr"/>
-            <a:lstStyle/>
-            <a:p>
-              <a:pPr algn="ctr"/>
-              <a:endParaRPr lang="pt-BR" sz="1265"/>
-            </a:p>
-          </p:txBody>
-        </p:sp>
-        <p:sp>
-          <p:nvSpPr>
-            <p:cNvPr id="24" name="CaixaDeTexto 23">
-              <a:extLst>
-                <a:ext uri="{FF2B5EF4-FFF2-40B4-BE49-F238E27FC236}">
-                  <a16:creationId xmlns:a16="http://schemas.microsoft.com/office/drawing/2014/main" id="{917CA1E5-2F13-8EA9-3FE9-DC9070CCD819}"/>
-                </a:ext>
-              </a:extLst>
-            </p:cNvPr>
-            <p:cNvSpPr txBox="1"/>
-            <p:nvPr/>
-          </p:nvSpPr>
-          <p:spPr>
-            <a:xfrm>
-              <a:off x="9990954" y="1496945"/>
-              <a:ext cx="6402307" cy="369332"/>
-            </a:xfrm>
-            <a:prstGeom prst="rect">
-              <a:avLst/>
-            </a:prstGeom>
-            <a:noFill/>
-          </p:spPr>
-          <p:txBody>
-            <a:bodyPr wrap="square" rtlCol="0">
-              <a:spAutoFit/>
-            </a:bodyPr>
-            <a:lstStyle/>
-            <a:p>
-              <a:pPr algn="ctr"/>
-              <a:r>
-                <a:rPr lang="pt-BR" dirty="0">
-                  <a:latin typeface="Montserrat SemiBold" panose="00000700000000000000" pitchFamily="2" charset="0"/>
-                </a:rPr>
-                <a:t>TIME</a:t>
-              </a:r>
-            </a:p>
-          </p:txBody>
-        </p:sp>
-      </p:grpSp>
-      <p:grpSp>
-        <p:nvGrpSpPr>
-          <p:cNvPr id="25" name="Agrupar 24">
-            <a:extLst>
-              <a:ext uri="{FF2B5EF4-FFF2-40B4-BE49-F238E27FC236}">
-                <a16:creationId xmlns:a16="http://schemas.microsoft.com/office/drawing/2014/main" id="{9F140CD4-D791-89A5-721F-25E1BD0609A9}"/>
-              </a:ext>
-            </a:extLst>
-          </p:cNvPr>
-          <p:cNvGrpSpPr/>
-          <p:nvPr/>
-        </p:nvGrpSpPr>
-        <p:grpSpPr>
-          <a:xfrm>
-            <a:off x="12086728" y="1484558"/>
-            <a:ext cx="3638144" cy="1143558"/>
-            <a:chOff x="9990954" y="1471790"/>
-            <a:chExt cx="6402307" cy="1143558"/>
-          </a:xfrm>
-        </p:grpSpPr>
-        <p:sp>
-          <p:nvSpPr>
-            <p:cNvPr id="26" name="Retângulo: Cantos Arredondados 25">
-              <a:extLst>
-                <a:ext uri="{FF2B5EF4-FFF2-40B4-BE49-F238E27FC236}">
-                  <a16:creationId xmlns:a16="http://schemas.microsoft.com/office/drawing/2014/main" id="{472E6699-3DA1-08A4-C877-FDB7E7DE2AAE}"/>
-                </a:ext>
-              </a:extLst>
-            </p:cNvPr>
-            <p:cNvSpPr/>
-            <p:nvPr/>
-          </p:nvSpPr>
-          <p:spPr>
-            <a:xfrm>
-              <a:off x="9990955" y="1471790"/>
-              <a:ext cx="6390424" cy="1143558"/>
-            </a:xfrm>
-            <a:prstGeom prst="roundRect">
-              <a:avLst>
-                <a:gd name="adj" fmla="val 16306"/>
-              </a:avLst>
-            </a:prstGeom>
-            <a:solidFill>
-              <a:schemeClr val="bg1"/>
-            </a:solidFill>
-            <a:ln>
-              <a:noFill/>
-            </a:ln>
-            <a:effectLst>
-              <a:glow rad="63500">
-                <a:schemeClr val="bg1">
-                  <a:lumMod val="75000"/>
-                  <a:alpha val="40000"/>
-                </a:schemeClr>
-              </a:glow>
-              <a:outerShdw blurRad="50800" dist="38100" dir="5400000" algn="t" rotWithShape="0">
-                <a:schemeClr val="tx1">
-                  <a:alpha val="40000"/>
-                </a:schemeClr>
-              </a:outerShdw>
-            </a:effectLst>
-          </p:spPr>
-          <p:style>
-            <a:lnRef idx="2">
-              <a:schemeClr val="accent1">
-                <a:shade val="50000"/>
-              </a:schemeClr>
-            </a:lnRef>
-            <a:fillRef idx="1">
-              <a:schemeClr val="accent1"/>
-            </a:fillRef>
-            <a:effectRef idx="0">
-              <a:schemeClr val="accent1"/>
-            </a:effectRef>
-            <a:fontRef idx="minor">
-              <a:schemeClr val="lt1"/>
-            </a:fontRef>
-          </p:style>
-          <p:txBody>
-            <a:bodyPr rtlCol="0" anchor="ctr"/>
-            <a:lstStyle/>
-            <a:p>
-              <a:pPr algn="ctr"/>
-              <a:endParaRPr lang="pt-BR" sz="1265"/>
-            </a:p>
-          </p:txBody>
-        </p:sp>
-        <p:sp>
-          <p:nvSpPr>
-            <p:cNvPr id="28" name="CaixaDeTexto 27">
-              <a:extLst>
-                <a:ext uri="{FF2B5EF4-FFF2-40B4-BE49-F238E27FC236}">
-                  <a16:creationId xmlns:a16="http://schemas.microsoft.com/office/drawing/2014/main" id="{F07A18FD-BB73-4F4C-89CE-1332821DA3A4}"/>
-                </a:ext>
-              </a:extLst>
-            </p:cNvPr>
-            <p:cNvSpPr txBox="1"/>
-            <p:nvPr/>
-          </p:nvSpPr>
-          <p:spPr>
-            <a:xfrm>
-              <a:off x="9990954" y="1496945"/>
-              <a:ext cx="6402307" cy="369332"/>
-            </a:xfrm>
-            <a:prstGeom prst="rect">
-              <a:avLst/>
-            </a:prstGeom>
-            <a:noFill/>
-          </p:spPr>
-          <p:txBody>
-            <a:bodyPr wrap="square" rtlCol="0">
-              <a:spAutoFit/>
-            </a:bodyPr>
-            <a:lstStyle/>
-            <a:p>
-              <a:pPr algn="ctr"/>
-              <a:r>
-                <a:rPr lang="pt-BR" dirty="0">
-                  <a:latin typeface="Montserrat SemiBold" panose="00000700000000000000" pitchFamily="2" charset="0"/>
-                </a:rPr>
-                <a:t>SETOR/DEPARTAMENTO</a:t>
+                <a:t>TOTAL DE HORAS</a:t>
               </a:r>
             </a:p>
           </p:txBody>
@@ -12481,10 +15133,48 @@
       </p:grpSp>
       <p:sp>
         <p:nvSpPr>
-          <p:cNvPr id="29" name="Retângulo: Cantos Arredondados 28">
+          <p:cNvPr id="39" name="CaixaDeTexto 38">
             <a:extLst>
               <a:ext uri="{FF2B5EF4-FFF2-40B4-BE49-F238E27FC236}">
-                <a16:creationId xmlns:a16="http://schemas.microsoft.com/office/drawing/2014/main" id="{3AAF3F90-0CEC-4BDD-D04F-1326C4F90E67}"/>
+                <a16:creationId xmlns:a16="http://schemas.microsoft.com/office/drawing/2014/main" id="{9DD3836F-FB5E-3E38-D388-7945E9D4195D}"/>
+              </a:ext>
+            </a:extLst>
+          </p:cNvPr>
+          <p:cNvSpPr txBox="1"/>
+          <p:nvPr/>
+        </p:nvSpPr>
+        <p:spPr>
+          <a:xfrm>
+            <a:off x="21257161" y="7235343"/>
+            <a:ext cx="3762380" cy="369331"/>
+          </a:xfrm>
+          <a:prstGeom prst="rect">
+            <a:avLst/>
+          </a:prstGeom>
+          <a:noFill/>
+        </p:spPr>
+        <p:txBody>
+          <a:bodyPr wrap="square" rtlCol="0">
+            <a:spAutoFit/>
+          </a:bodyPr>
+          <a:lstStyle/>
+          <a:p>
+            <a:pPr algn="ctr"/>
+            <a:r>
+              <a:rPr lang="pt-BR" dirty="0">
+                <a:latin typeface="Montserrat SemiBold" panose="00000700000000000000" pitchFamily="2" charset="0"/>
+              </a:rPr>
+              <a:t>ALTERNAR EIXO</a:t>
+            </a:r>
+          </a:p>
+        </p:txBody>
+      </p:sp>
+      <p:sp>
+        <p:nvSpPr>
+          <p:cNvPr id="8" name="Retângulo: Cantos Arredondados 7">
+            <a:extLst>
+              <a:ext uri="{FF2B5EF4-FFF2-40B4-BE49-F238E27FC236}">
+                <a16:creationId xmlns:a16="http://schemas.microsoft.com/office/drawing/2014/main" id="{BCC8551B-7D91-3038-1C4F-32C9F4888690}"/>
               </a:ext>
             </a:extLst>
           </p:cNvPr>
@@ -12493,12 +15183,12 @@
         </p:nvSpPr>
         <p:spPr>
           <a:xfrm>
-            <a:off x="2227660" y="9592415"/>
-            <a:ext cx="5152274" cy="4068597"/>
+            <a:off x="7026868" y="3025617"/>
+            <a:ext cx="15149584" cy="3966059"/>
           </a:xfrm>
           <a:prstGeom prst="roundRect">
             <a:avLst>
-              <a:gd name="adj" fmla="val 5591"/>
+              <a:gd name="adj" fmla="val 10420"/>
             </a:avLst>
           </a:prstGeom>
           <a:solidFill>
@@ -12546,79 +15236,12 @@
           </a:p>
         </p:txBody>
       </p:sp>
-      <p:sp>
-        <p:nvSpPr>
-          <p:cNvPr id="30" name="Retângulo: Cantos Arredondados 29">
+      <p:grpSp>
+        <p:nvGrpSpPr>
+          <p:cNvPr id="41" name="Agrupar 40">
             <a:extLst>
               <a:ext uri="{FF2B5EF4-FFF2-40B4-BE49-F238E27FC236}">
-                <a16:creationId xmlns:a16="http://schemas.microsoft.com/office/drawing/2014/main" id="{853A13AE-7F32-D4BB-3398-58111C282201}"/>
-              </a:ext>
-            </a:extLst>
-          </p:cNvPr>
-          <p:cNvSpPr/>
-          <p:nvPr/>
-        </p:nvSpPr>
-        <p:spPr>
-          <a:xfrm>
-            <a:off x="7907798" y="2950480"/>
-            <a:ext cx="8329279" cy="4643623"/>
-          </a:xfrm>
-          <a:prstGeom prst="roundRect">
-            <a:avLst>
-              <a:gd name="adj" fmla="val 5591"/>
-            </a:avLst>
-          </a:prstGeom>
-          <a:solidFill>
-            <a:schemeClr val="bg1"/>
-          </a:solidFill>
-          <a:ln>
-            <a:noFill/>
-          </a:ln>
-          <a:effectLst>
-            <a:glow rad="63500">
-              <a:schemeClr val="bg1">
-                <a:lumMod val="75000"/>
-                <a:alpha val="40000"/>
-              </a:schemeClr>
-            </a:glow>
-            <a:outerShdw blurRad="50800" dist="38100" dir="5400000" algn="t" rotWithShape="0">
-              <a:schemeClr val="tx1">
-                <a:alpha val="40000"/>
-              </a:schemeClr>
-            </a:outerShdw>
-          </a:effectLst>
-        </p:spPr>
-        <p:style>
-          <a:lnRef idx="2">
-            <a:schemeClr val="accent1">
-              <a:shade val="50000"/>
-            </a:schemeClr>
-          </a:lnRef>
-          <a:fillRef idx="1">
-            <a:schemeClr val="accent1"/>
-          </a:fillRef>
-          <a:effectRef idx="0">
-            <a:schemeClr val="accent1"/>
-          </a:effectRef>
-          <a:fontRef idx="minor">
-            <a:schemeClr val="lt1"/>
-          </a:fontRef>
-        </p:style>
-        <p:txBody>
-          <a:bodyPr rtlCol="0" anchor="ctr"/>
-          <a:lstStyle/>
-          <a:p>
-            <a:pPr algn="ctr"/>
-            <a:endParaRPr lang="pt-BR" sz="1265"/>
-          </a:p>
-        </p:txBody>
-      </p:sp>
-      <p:grpSp>
-        <p:nvGrpSpPr>
-          <p:cNvPr id="31" name="Agrupar 30">
-            <a:extLst>
-              <a:ext uri="{FF2B5EF4-FFF2-40B4-BE49-F238E27FC236}">
-                <a16:creationId xmlns:a16="http://schemas.microsoft.com/office/drawing/2014/main" id="{3B3CD0E0-1BCB-1B6C-06DE-D56F8F483A43}"/>
+                <a16:creationId xmlns:a16="http://schemas.microsoft.com/office/drawing/2014/main" id="{74EF53F7-807D-77B8-F093-2D492B906F42}"/>
               </a:ext>
             </a:extLst>
           </p:cNvPr>
@@ -12627,18 +15250,123 @@
         </p:nvGrpSpPr>
         <p:grpSpPr>
           <a:xfrm>
-            <a:off x="2227660" y="1484558"/>
-            <a:ext cx="2105235" cy="1143558"/>
-            <a:chOff x="2227660" y="1471791"/>
-            <a:chExt cx="2752902" cy="1143558"/>
+            <a:off x="218004" y="4399375"/>
+            <a:ext cx="1483519" cy="1510731"/>
+            <a:chOff x="223837" y="2766523"/>
+            <a:chExt cx="1483519" cy="1510731"/>
+          </a:xfrm>
+          <a:effectLst>
+            <a:glow rad="101600">
+              <a:schemeClr val="accent4">
+                <a:satMod val="175000"/>
+                <a:alpha val="40000"/>
+              </a:schemeClr>
+            </a:glow>
+          </a:effectLst>
+        </p:grpSpPr>
+        <p:pic>
+          <p:nvPicPr>
+            <p:cNvPr id="42" name="Imagem 41">
+              <a:extLst>
+                <a:ext uri="{FF2B5EF4-FFF2-40B4-BE49-F238E27FC236}">
+                  <a16:creationId xmlns:a16="http://schemas.microsoft.com/office/drawing/2014/main" id="{6D3EED06-54C5-C94F-861E-1094239428C3}"/>
+                </a:ext>
+              </a:extLst>
+            </p:cNvPr>
+            <p:cNvPicPr>
+              <a:picLocks noChangeAspect="1"/>
+            </p:cNvPicPr>
+            <p:nvPr/>
+          </p:nvPicPr>
+          <p:blipFill>
+            <a:blip r:embed="rId5">
+              <a:extLst>
+                <a:ext uri="{28A0092B-C50C-407E-A947-70E740481C1C}">
+                  <a14:useLocalDpi xmlns:a14="http://schemas.microsoft.com/office/drawing/2010/main" val="0"/>
+                </a:ext>
+              </a:extLst>
+            </a:blip>
+            <a:srcRect/>
+            <a:stretch/>
+          </p:blipFill>
+          <p:spPr>
+            <a:xfrm>
+              <a:off x="446601" y="2766523"/>
+              <a:ext cx="1085276" cy="1085276"/>
+            </a:xfrm>
+            <a:prstGeom prst="rect">
+              <a:avLst/>
+            </a:prstGeom>
+          </p:spPr>
+        </p:pic>
+        <p:sp>
+          <p:nvSpPr>
+            <p:cNvPr id="43" name="CaixaDeTexto 42">
+              <a:extLst>
+                <a:ext uri="{FF2B5EF4-FFF2-40B4-BE49-F238E27FC236}">
+                  <a16:creationId xmlns:a16="http://schemas.microsoft.com/office/drawing/2014/main" id="{F74DC2C9-047E-7099-53ED-0B4923247A58}"/>
+                </a:ext>
+              </a:extLst>
+            </p:cNvPr>
+            <p:cNvSpPr txBox="1"/>
+            <p:nvPr/>
+          </p:nvSpPr>
+          <p:spPr>
+            <a:xfrm>
+              <a:off x="223837" y="3815589"/>
+              <a:ext cx="1483519" cy="461665"/>
+            </a:xfrm>
+            <a:prstGeom prst="rect">
+              <a:avLst/>
+            </a:prstGeom>
+            <a:noFill/>
+          </p:spPr>
+          <p:txBody>
+            <a:bodyPr wrap="square" rtlCol="0">
+              <a:spAutoFit/>
+            </a:bodyPr>
+            <a:lstStyle/>
+            <a:p>
+              <a:pPr algn="ctr"/>
+              <a:r>
+                <a:rPr lang="pt-BR" sz="1200" b="1" dirty="0">
+                  <a:latin typeface="Montserrat" panose="00000500000000000000" pitchFamily="2" charset="0"/>
+                </a:rPr>
+                <a:t>EVOLUÇÃO HORAS EXTRAS</a:t>
+              </a:r>
+              <a:endParaRPr lang="pt-BR" sz="1100" b="1" dirty="0">
+                <a:latin typeface="Montserrat" panose="00000500000000000000" pitchFamily="2" charset="0"/>
+              </a:endParaRPr>
+            </a:p>
+          </p:txBody>
+        </p:sp>
+      </p:grpSp>
+      <p:grpSp>
+        <p:nvGrpSpPr>
+          <p:cNvPr id="3" name="Agrupar 2">
+            <a:extLst>
+              <a:ext uri="{FF2B5EF4-FFF2-40B4-BE49-F238E27FC236}">
+                <a16:creationId xmlns:a16="http://schemas.microsoft.com/office/drawing/2014/main" id="{ADC78AEC-4BB6-803A-0AF2-9C3041B4EB14}"/>
+              </a:ext>
+            </a:extLst>
+          </p:cNvPr>
+          <p:cNvGrpSpPr/>
+          <p:nvPr/>
+        </p:nvGrpSpPr>
+        <p:grpSpPr>
+          <a:xfrm>
+            <a:off x="2227660" y="1428452"/>
+            <a:ext cx="3029050" cy="1115970"/>
+            <a:chOff x="4341887" y="2339550"/>
+            <a:chExt cx="1767084" cy="898628"/>
           </a:xfrm>
         </p:grpSpPr>
         <p:sp>
           <p:nvSpPr>
-            <p:cNvPr id="32" name="Retângulo: Cantos Arredondados 31">
+            <p:cNvPr id="29" name="Retângulo: Cantos Arredondados 28">
               <a:extLst>
                 <a:ext uri="{FF2B5EF4-FFF2-40B4-BE49-F238E27FC236}">
-                  <a16:creationId xmlns:a16="http://schemas.microsoft.com/office/drawing/2014/main" id="{52CDAC8F-F2DE-2F8C-F792-15660414A04B}"/>
+                  <a16:creationId xmlns:a16="http://schemas.microsoft.com/office/drawing/2014/main" id="{262519D8-70FC-D92F-2342-4041C612A1D7}"/>
                 </a:ext>
               </a:extLst>
             </p:cNvPr>
@@ -12647,12 +15375,12 @@
           </p:nvSpPr>
           <p:spPr>
             <a:xfrm>
-              <a:off x="2231440" y="1471791"/>
-              <a:ext cx="2749122" cy="1143558"/>
+              <a:off x="4341887" y="2339550"/>
+              <a:ext cx="1767084" cy="898628"/>
             </a:xfrm>
             <a:prstGeom prst="roundRect">
               <a:avLst>
-                <a:gd name="adj" fmla="val 16306"/>
+                <a:gd name="adj" fmla="val 4068"/>
               </a:avLst>
             </a:prstGeom>
             <a:solidFill>
@@ -12662,16 +15390,10 @@
               <a:noFill/>
             </a:ln>
             <a:effectLst>
-              <a:glow rad="63500">
-                <a:schemeClr val="bg1">
-                  <a:lumMod val="75000"/>
+              <a:outerShdw blurRad="63500" sx="102000" sy="102000" algn="ctr" rotWithShape="0">
+                <a:prstClr val="black">
                   <a:alpha val="40000"/>
-                </a:schemeClr>
-              </a:glow>
-              <a:outerShdw blurRad="50800" dist="38100" dir="5400000" algn="t" rotWithShape="0">
-                <a:schemeClr val="tx1">
-                  <a:alpha val="40000"/>
-                </a:schemeClr>
+                </a:prstClr>
               </a:outerShdw>
             </a:effectLst>
           </p:spPr>
@@ -12696,45 +15418,819 @@
             <a:lstStyle/>
             <a:p>
               <a:pPr algn="ctr"/>
-              <a:endParaRPr lang="pt-BR" sz="1265"/>
+              <a:endParaRPr lang="pt-BR" sz="2800" b="1" dirty="0">
+                <a:solidFill>
+                  <a:schemeClr val="tx1"/>
+                </a:solidFill>
+              </a:endParaRPr>
             </a:p>
           </p:txBody>
         </p:sp>
         <p:sp>
           <p:nvSpPr>
-            <p:cNvPr id="33" name="CaixaDeTexto 32">
+            <p:cNvPr id="30" name="Retângulo 29">
               <a:extLst>
                 <a:ext uri="{FF2B5EF4-FFF2-40B4-BE49-F238E27FC236}">
-                  <a16:creationId xmlns:a16="http://schemas.microsoft.com/office/drawing/2014/main" id="{F6228A0E-5A68-6A03-4836-D13EED420AEA}"/>
+                  <a16:creationId xmlns:a16="http://schemas.microsoft.com/office/drawing/2014/main" id="{61799E85-15A3-7FEC-0CAC-8112CB04A673}"/>
                 </a:ext>
               </a:extLst>
             </p:cNvPr>
-            <p:cNvSpPr txBox="1"/>
+            <p:cNvSpPr/>
             <p:nvPr/>
           </p:nvSpPr>
           <p:spPr>
             <a:xfrm>
-              <a:off x="2227660" y="1496945"/>
-              <a:ext cx="2749122" cy="369332"/>
+              <a:off x="4341887" y="2339550"/>
+              <a:ext cx="1767084" cy="247598"/>
             </a:xfrm>
             <a:prstGeom prst="rect">
               <a:avLst/>
             </a:prstGeom>
-            <a:noFill/>
+            <a:solidFill>
+              <a:schemeClr val="accent6">
+                <a:alpha val="50000"/>
+              </a:schemeClr>
+            </a:solidFill>
+            <a:ln>
+              <a:noFill/>
+            </a:ln>
           </p:spPr>
+          <p:style>
+            <a:lnRef idx="0">
+              <a:scrgbClr r="0" g="0" b="0"/>
+            </a:lnRef>
+            <a:fillRef idx="0">
+              <a:scrgbClr r="0" g="0" b="0"/>
+            </a:fillRef>
+            <a:effectRef idx="0">
+              <a:scrgbClr r="0" g="0" b="0"/>
+            </a:effectRef>
+            <a:fontRef idx="minor">
+              <a:schemeClr val="lt1"/>
+            </a:fontRef>
+          </p:style>
           <p:txBody>
-            <a:bodyPr wrap="square" rtlCol="0">
-              <a:spAutoFit/>
-            </a:bodyPr>
+            <a:bodyPr rtlCol="0" anchor="ctr"/>
             <a:lstStyle/>
             <a:p>
               <a:pPr algn="ctr"/>
               <a:r>
-                <a:rPr lang="pt-BR" dirty="0">
-                  <a:latin typeface="Montserrat SemiBold" panose="00000700000000000000" pitchFamily="2" charset="0"/>
+                <a:rPr lang="pt-BR" b="1" dirty="0">
+                  <a:solidFill>
+                    <a:schemeClr val="tx1"/>
+                  </a:solidFill>
+                  <a:latin typeface="Montserrat" panose="00000500000000000000" pitchFamily="2" charset="0"/>
                 </a:rPr>
-                <a:t>MÊS/ANO</a:t>
+                <a:t>DATA SALDO</a:t>
               </a:r>
+            </a:p>
+          </p:txBody>
+        </p:sp>
+      </p:grpSp>
+      <p:grpSp>
+        <p:nvGrpSpPr>
+          <p:cNvPr id="37" name="Agrupar 36">
+            <a:extLst>
+              <a:ext uri="{FF2B5EF4-FFF2-40B4-BE49-F238E27FC236}">
+                <a16:creationId xmlns:a16="http://schemas.microsoft.com/office/drawing/2014/main" id="{2099A4DE-B436-FF3C-0E6C-A3966A334F5C}"/>
+              </a:ext>
+            </a:extLst>
+          </p:cNvPr>
+          <p:cNvGrpSpPr/>
+          <p:nvPr/>
+        </p:nvGrpSpPr>
+        <p:grpSpPr>
+          <a:xfrm>
+            <a:off x="5566208" y="1428452"/>
+            <a:ext cx="1851003" cy="1115970"/>
+            <a:chOff x="4341887" y="2339550"/>
+            <a:chExt cx="1767084" cy="898628"/>
+          </a:xfrm>
+        </p:grpSpPr>
+        <p:sp>
+          <p:nvSpPr>
+            <p:cNvPr id="38" name="Retângulo: Cantos Arredondados 37">
+              <a:extLst>
+                <a:ext uri="{FF2B5EF4-FFF2-40B4-BE49-F238E27FC236}">
+                  <a16:creationId xmlns:a16="http://schemas.microsoft.com/office/drawing/2014/main" id="{E594B003-68EA-87B0-EE9A-8672D0B0A04D}"/>
+                </a:ext>
+              </a:extLst>
+            </p:cNvPr>
+            <p:cNvSpPr/>
+            <p:nvPr/>
+          </p:nvSpPr>
+          <p:spPr>
+            <a:xfrm>
+              <a:off x="4341887" y="2339550"/>
+              <a:ext cx="1767084" cy="898628"/>
+            </a:xfrm>
+            <a:prstGeom prst="roundRect">
+              <a:avLst>
+                <a:gd name="adj" fmla="val 4068"/>
+              </a:avLst>
+            </a:prstGeom>
+            <a:solidFill>
+              <a:schemeClr val="bg1"/>
+            </a:solidFill>
+            <a:ln>
+              <a:noFill/>
+            </a:ln>
+            <a:effectLst>
+              <a:outerShdw blurRad="63500" sx="102000" sy="102000" algn="ctr" rotWithShape="0">
+                <a:prstClr val="black">
+                  <a:alpha val="40000"/>
+                </a:prstClr>
+              </a:outerShdw>
+            </a:effectLst>
+          </p:spPr>
+          <p:style>
+            <a:lnRef idx="2">
+              <a:schemeClr val="accent1">
+                <a:shade val="50000"/>
+              </a:schemeClr>
+            </a:lnRef>
+            <a:fillRef idx="1">
+              <a:schemeClr val="accent1"/>
+            </a:fillRef>
+            <a:effectRef idx="0">
+              <a:schemeClr val="accent1"/>
+            </a:effectRef>
+            <a:fontRef idx="minor">
+              <a:schemeClr val="lt1"/>
+            </a:fontRef>
+          </p:style>
+          <p:txBody>
+            <a:bodyPr rtlCol="0" anchor="ctr"/>
+            <a:lstStyle/>
+            <a:p>
+              <a:pPr algn="ctr"/>
+              <a:endParaRPr lang="pt-BR" sz="2800" b="1" dirty="0">
+                <a:solidFill>
+                  <a:schemeClr val="tx1"/>
+                </a:solidFill>
+              </a:endParaRPr>
+            </a:p>
+          </p:txBody>
+        </p:sp>
+        <p:sp>
+          <p:nvSpPr>
+            <p:cNvPr id="40" name="Retângulo 39">
+              <a:extLst>
+                <a:ext uri="{FF2B5EF4-FFF2-40B4-BE49-F238E27FC236}">
+                  <a16:creationId xmlns:a16="http://schemas.microsoft.com/office/drawing/2014/main" id="{614B9393-3BFA-E962-2E54-54B5E0F087A8}"/>
+                </a:ext>
+              </a:extLst>
+            </p:cNvPr>
+            <p:cNvSpPr/>
+            <p:nvPr/>
+          </p:nvSpPr>
+          <p:spPr>
+            <a:xfrm>
+              <a:off x="4341887" y="2339550"/>
+              <a:ext cx="1767084" cy="247598"/>
+            </a:xfrm>
+            <a:prstGeom prst="rect">
+              <a:avLst/>
+            </a:prstGeom>
+            <a:solidFill>
+              <a:schemeClr val="accent6">
+                <a:alpha val="50000"/>
+              </a:schemeClr>
+            </a:solidFill>
+            <a:ln>
+              <a:noFill/>
+            </a:ln>
+          </p:spPr>
+          <p:style>
+            <a:lnRef idx="0">
+              <a:scrgbClr r="0" g="0" b="0"/>
+            </a:lnRef>
+            <a:fillRef idx="0">
+              <a:scrgbClr r="0" g="0" b="0"/>
+            </a:fillRef>
+            <a:effectRef idx="0">
+              <a:scrgbClr r="0" g="0" b="0"/>
+            </a:effectRef>
+            <a:fontRef idx="minor">
+              <a:schemeClr val="lt1"/>
+            </a:fontRef>
+          </p:style>
+          <p:txBody>
+            <a:bodyPr rtlCol="0" anchor="ctr"/>
+            <a:lstStyle/>
+            <a:p>
+              <a:pPr algn="ctr"/>
+              <a:r>
+                <a:rPr lang="pt-BR" b="1" dirty="0">
+                  <a:solidFill>
+                    <a:schemeClr val="tx1"/>
+                  </a:solidFill>
+                  <a:latin typeface="Montserrat" panose="00000500000000000000" pitchFamily="2" charset="0"/>
+                </a:rPr>
+                <a:t>UNIDADE</a:t>
+              </a:r>
+              <a:endParaRPr lang="pt-BR" sz="1500" b="1" dirty="0">
+                <a:solidFill>
+                  <a:schemeClr val="tx1"/>
+                </a:solidFill>
+                <a:latin typeface="Montserrat" panose="00000500000000000000" pitchFamily="2" charset="0"/>
+              </a:endParaRPr>
+            </a:p>
+          </p:txBody>
+        </p:sp>
+      </p:grpSp>
+      <p:grpSp>
+        <p:nvGrpSpPr>
+          <p:cNvPr id="44" name="Agrupar 43">
+            <a:extLst>
+              <a:ext uri="{FF2B5EF4-FFF2-40B4-BE49-F238E27FC236}">
+                <a16:creationId xmlns:a16="http://schemas.microsoft.com/office/drawing/2014/main" id="{27FE4C6B-6B89-A7D1-3F0C-16A6EC0B09C2}"/>
+              </a:ext>
+            </a:extLst>
+          </p:cNvPr>
+          <p:cNvGrpSpPr/>
+          <p:nvPr/>
+        </p:nvGrpSpPr>
+        <p:grpSpPr>
+          <a:xfrm>
+            <a:off x="7726709" y="1428452"/>
+            <a:ext cx="3064791" cy="1115970"/>
+            <a:chOff x="4341887" y="2339550"/>
+            <a:chExt cx="1767084" cy="898628"/>
+          </a:xfrm>
+        </p:grpSpPr>
+        <p:sp>
+          <p:nvSpPr>
+            <p:cNvPr id="45" name="Retângulo: Cantos Arredondados 44">
+              <a:extLst>
+                <a:ext uri="{FF2B5EF4-FFF2-40B4-BE49-F238E27FC236}">
+                  <a16:creationId xmlns:a16="http://schemas.microsoft.com/office/drawing/2014/main" id="{A83C1B16-9DAB-5CA8-E3BE-5DB09D1D3D5E}"/>
+                </a:ext>
+              </a:extLst>
+            </p:cNvPr>
+            <p:cNvSpPr/>
+            <p:nvPr/>
+          </p:nvSpPr>
+          <p:spPr>
+            <a:xfrm>
+              <a:off x="4341887" y="2339550"/>
+              <a:ext cx="1767084" cy="898628"/>
+            </a:xfrm>
+            <a:prstGeom prst="roundRect">
+              <a:avLst>
+                <a:gd name="adj" fmla="val 4068"/>
+              </a:avLst>
+            </a:prstGeom>
+            <a:solidFill>
+              <a:schemeClr val="bg1"/>
+            </a:solidFill>
+            <a:ln>
+              <a:noFill/>
+            </a:ln>
+            <a:effectLst>
+              <a:outerShdw blurRad="63500" sx="102000" sy="102000" algn="ctr" rotWithShape="0">
+                <a:prstClr val="black">
+                  <a:alpha val="40000"/>
+                </a:prstClr>
+              </a:outerShdw>
+            </a:effectLst>
+          </p:spPr>
+          <p:style>
+            <a:lnRef idx="2">
+              <a:schemeClr val="accent1">
+                <a:shade val="50000"/>
+              </a:schemeClr>
+            </a:lnRef>
+            <a:fillRef idx="1">
+              <a:schemeClr val="accent1"/>
+            </a:fillRef>
+            <a:effectRef idx="0">
+              <a:schemeClr val="accent1"/>
+            </a:effectRef>
+            <a:fontRef idx="minor">
+              <a:schemeClr val="lt1"/>
+            </a:fontRef>
+          </p:style>
+          <p:txBody>
+            <a:bodyPr rtlCol="0" anchor="ctr"/>
+            <a:lstStyle/>
+            <a:p>
+              <a:pPr algn="ctr"/>
+              <a:endParaRPr lang="pt-BR" sz="2800" b="1" dirty="0">
+                <a:solidFill>
+                  <a:schemeClr val="tx1"/>
+                </a:solidFill>
+              </a:endParaRPr>
+            </a:p>
+          </p:txBody>
+        </p:sp>
+        <p:sp>
+          <p:nvSpPr>
+            <p:cNvPr id="46" name="Retângulo 45">
+              <a:extLst>
+                <a:ext uri="{FF2B5EF4-FFF2-40B4-BE49-F238E27FC236}">
+                  <a16:creationId xmlns:a16="http://schemas.microsoft.com/office/drawing/2014/main" id="{20AC63A3-35D6-4CB6-1F89-B20C295108C4}"/>
+                </a:ext>
+              </a:extLst>
+            </p:cNvPr>
+            <p:cNvSpPr/>
+            <p:nvPr/>
+          </p:nvSpPr>
+          <p:spPr>
+            <a:xfrm>
+              <a:off x="4341887" y="2339550"/>
+              <a:ext cx="1767084" cy="247598"/>
+            </a:xfrm>
+            <a:prstGeom prst="rect">
+              <a:avLst/>
+            </a:prstGeom>
+            <a:solidFill>
+              <a:schemeClr val="accent6">
+                <a:alpha val="50000"/>
+              </a:schemeClr>
+            </a:solidFill>
+            <a:ln>
+              <a:noFill/>
+            </a:ln>
+          </p:spPr>
+          <p:style>
+            <a:lnRef idx="0">
+              <a:scrgbClr r="0" g="0" b="0"/>
+            </a:lnRef>
+            <a:fillRef idx="0">
+              <a:scrgbClr r="0" g="0" b="0"/>
+            </a:fillRef>
+            <a:effectRef idx="0">
+              <a:scrgbClr r="0" g="0" b="0"/>
+            </a:effectRef>
+            <a:fontRef idx="minor">
+              <a:schemeClr val="lt1"/>
+            </a:fontRef>
+          </p:style>
+          <p:txBody>
+            <a:bodyPr rtlCol="0" anchor="ctr"/>
+            <a:lstStyle/>
+            <a:p>
+              <a:pPr algn="ctr"/>
+              <a:r>
+                <a:rPr lang="pt-BR" b="1" dirty="0">
+                  <a:solidFill>
+                    <a:schemeClr val="tx1"/>
+                  </a:solidFill>
+                  <a:latin typeface="Montserrat" panose="00000500000000000000" pitchFamily="2" charset="0"/>
+                </a:rPr>
+                <a:t>DIRETORIA</a:t>
+              </a:r>
+              <a:endParaRPr lang="pt-BR" sz="1500" b="1" dirty="0">
+                <a:solidFill>
+                  <a:schemeClr val="tx1"/>
+                </a:solidFill>
+                <a:latin typeface="Montserrat" panose="00000500000000000000" pitchFamily="2" charset="0"/>
+              </a:endParaRPr>
+            </a:p>
+          </p:txBody>
+        </p:sp>
+      </p:grpSp>
+      <p:grpSp>
+        <p:nvGrpSpPr>
+          <p:cNvPr id="47" name="Agrupar 46">
+            <a:extLst>
+              <a:ext uri="{FF2B5EF4-FFF2-40B4-BE49-F238E27FC236}">
+                <a16:creationId xmlns:a16="http://schemas.microsoft.com/office/drawing/2014/main" id="{A766AE43-8AED-525E-4F84-4C9B766C4373}"/>
+              </a:ext>
+            </a:extLst>
+          </p:cNvPr>
+          <p:cNvGrpSpPr/>
+          <p:nvPr/>
+        </p:nvGrpSpPr>
+        <p:grpSpPr>
+          <a:xfrm>
+            <a:off x="13952214" y="1428452"/>
+            <a:ext cx="4279206" cy="1115970"/>
+            <a:chOff x="4341887" y="2339550"/>
+            <a:chExt cx="1767084" cy="898628"/>
+          </a:xfrm>
+        </p:grpSpPr>
+        <p:sp>
+          <p:nvSpPr>
+            <p:cNvPr id="48" name="Retângulo: Cantos Arredondados 47">
+              <a:extLst>
+                <a:ext uri="{FF2B5EF4-FFF2-40B4-BE49-F238E27FC236}">
+                  <a16:creationId xmlns:a16="http://schemas.microsoft.com/office/drawing/2014/main" id="{9E1B7439-8B29-32FB-4910-466ABAB3A901}"/>
+                </a:ext>
+              </a:extLst>
+            </p:cNvPr>
+            <p:cNvSpPr/>
+            <p:nvPr/>
+          </p:nvSpPr>
+          <p:spPr>
+            <a:xfrm>
+              <a:off x="4341887" y="2339550"/>
+              <a:ext cx="1767084" cy="898628"/>
+            </a:xfrm>
+            <a:prstGeom prst="roundRect">
+              <a:avLst>
+                <a:gd name="adj" fmla="val 4068"/>
+              </a:avLst>
+            </a:prstGeom>
+            <a:solidFill>
+              <a:schemeClr val="bg1"/>
+            </a:solidFill>
+            <a:ln>
+              <a:noFill/>
+            </a:ln>
+            <a:effectLst>
+              <a:outerShdw blurRad="63500" sx="102000" sy="102000" algn="ctr" rotWithShape="0">
+                <a:prstClr val="black">
+                  <a:alpha val="40000"/>
+                </a:prstClr>
+              </a:outerShdw>
+            </a:effectLst>
+          </p:spPr>
+          <p:style>
+            <a:lnRef idx="2">
+              <a:schemeClr val="accent1">
+                <a:shade val="50000"/>
+              </a:schemeClr>
+            </a:lnRef>
+            <a:fillRef idx="1">
+              <a:schemeClr val="accent1"/>
+            </a:fillRef>
+            <a:effectRef idx="0">
+              <a:schemeClr val="accent1"/>
+            </a:effectRef>
+            <a:fontRef idx="minor">
+              <a:schemeClr val="lt1"/>
+            </a:fontRef>
+          </p:style>
+          <p:txBody>
+            <a:bodyPr rtlCol="0" anchor="ctr"/>
+            <a:lstStyle/>
+            <a:p>
+              <a:pPr algn="ctr"/>
+              <a:endParaRPr lang="pt-BR" sz="2800" b="1" dirty="0">
+                <a:solidFill>
+                  <a:schemeClr val="tx1"/>
+                </a:solidFill>
+              </a:endParaRPr>
+            </a:p>
+          </p:txBody>
+        </p:sp>
+        <p:sp>
+          <p:nvSpPr>
+            <p:cNvPr id="49" name="Retângulo 48">
+              <a:extLst>
+                <a:ext uri="{FF2B5EF4-FFF2-40B4-BE49-F238E27FC236}">
+                  <a16:creationId xmlns:a16="http://schemas.microsoft.com/office/drawing/2014/main" id="{6C8EF43F-5A93-A52E-685A-EA693CD3882E}"/>
+                </a:ext>
+              </a:extLst>
+            </p:cNvPr>
+            <p:cNvSpPr/>
+            <p:nvPr/>
+          </p:nvSpPr>
+          <p:spPr>
+            <a:xfrm>
+              <a:off x="4341887" y="2339550"/>
+              <a:ext cx="1767084" cy="247598"/>
+            </a:xfrm>
+            <a:prstGeom prst="rect">
+              <a:avLst/>
+            </a:prstGeom>
+            <a:solidFill>
+              <a:schemeClr val="accent6">
+                <a:alpha val="50000"/>
+              </a:schemeClr>
+            </a:solidFill>
+            <a:ln>
+              <a:noFill/>
+            </a:ln>
+          </p:spPr>
+          <p:style>
+            <a:lnRef idx="0">
+              <a:scrgbClr r="0" g="0" b="0"/>
+            </a:lnRef>
+            <a:fillRef idx="0">
+              <a:scrgbClr r="0" g="0" b="0"/>
+            </a:fillRef>
+            <a:effectRef idx="0">
+              <a:scrgbClr r="0" g="0" b="0"/>
+            </a:effectRef>
+            <a:fontRef idx="minor">
+              <a:schemeClr val="lt1"/>
+            </a:fontRef>
+          </p:style>
+          <p:txBody>
+            <a:bodyPr rtlCol="0" anchor="ctr"/>
+            <a:lstStyle/>
+            <a:p>
+              <a:pPr algn="ctr"/>
+              <a:r>
+                <a:rPr lang="pt-BR" sz="1500" b="1" dirty="0">
+                  <a:solidFill>
+                    <a:schemeClr val="tx1"/>
+                  </a:solidFill>
+                  <a:latin typeface="Montserrat" panose="00000500000000000000" pitchFamily="2" charset="0"/>
+                </a:rPr>
+                <a:t>DEPARTAMENTO - SETOR</a:t>
+              </a:r>
+            </a:p>
+          </p:txBody>
+        </p:sp>
+      </p:grpSp>
+      <p:grpSp>
+        <p:nvGrpSpPr>
+          <p:cNvPr id="50" name="Agrupar 49">
+            <a:extLst>
+              <a:ext uri="{FF2B5EF4-FFF2-40B4-BE49-F238E27FC236}">
+                <a16:creationId xmlns:a16="http://schemas.microsoft.com/office/drawing/2014/main" id="{8D2844E2-E89B-A200-F83C-129242D906BC}"/>
+              </a:ext>
+            </a:extLst>
+          </p:cNvPr>
+          <p:cNvGrpSpPr/>
+          <p:nvPr/>
+        </p:nvGrpSpPr>
+        <p:grpSpPr>
+          <a:xfrm>
+            <a:off x="18540919" y="1428452"/>
+            <a:ext cx="3785936" cy="1115970"/>
+            <a:chOff x="4341887" y="2339550"/>
+            <a:chExt cx="1767084" cy="898628"/>
+          </a:xfrm>
+        </p:grpSpPr>
+        <p:sp>
+          <p:nvSpPr>
+            <p:cNvPr id="51" name="Retângulo: Cantos Arredondados 50">
+              <a:extLst>
+                <a:ext uri="{FF2B5EF4-FFF2-40B4-BE49-F238E27FC236}">
+                  <a16:creationId xmlns:a16="http://schemas.microsoft.com/office/drawing/2014/main" id="{C619C1FB-389B-D075-A50C-39D693113C82}"/>
+                </a:ext>
+              </a:extLst>
+            </p:cNvPr>
+            <p:cNvSpPr/>
+            <p:nvPr/>
+          </p:nvSpPr>
+          <p:spPr>
+            <a:xfrm>
+              <a:off x="4341887" y="2339550"/>
+              <a:ext cx="1767084" cy="898628"/>
+            </a:xfrm>
+            <a:prstGeom prst="roundRect">
+              <a:avLst>
+                <a:gd name="adj" fmla="val 4068"/>
+              </a:avLst>
+            </a:prstGeom>
+            <a:solidFill>
+              <a:schemeClr val="bg1"/>
+            </a:solidFill>
+            <a:ln>
+              <a:noFill/>
+            </a:ln>
+            <a:effectLst>
+              <a:outerShdw blurRad="63500" sx="102000" sy="102000" algn="ctr" rotWithShape="0">
+                <a:prstClr val="black">
+                  <a:alpha val="40000"/>
+                </a:prstClr>
+              </a:outerShdw>
+            </a:effectLst>
+          </p:spPr>
+          <p:style>
+            <a:lnRef idx="2">
+              <a:schemeClr val="accent1">
+                <a:shade val="50000"/>
+              </a:schemeClr>
+            </a:lnRef>
+            <a:fillRef idx="1">
+              <a:schemeClr val="accent1"/>
+            </a:fillRef>
+            <a:effectRef idx="0">
+              <a:schemeClr val="accent1"/>
+            </a:effectRef>
+            <a:fontRef idx="minor">
+              <a:schemeClr val="lt1"/>
+            </a:fontRef>
+          </p:style>
+          <p:txBody>
+            <a:bodyPr rtlCol="0" anchor="ctr"/>
+            <a:lstStyle/>
+            <a:p>
+              <a:pPr algn="ctr"/>
+              <a:endParaRPr lang="pt-BR" sz="2800" b="1" dirty="0">
+                <a:solidFill>
+                  <a:schemeClr val="tx1"/>
+                </a:solidFill>
+              </a:endParaRPr>
+            </a:p>
+          </p:txBody>
+        </p:sp>
+        <p:sp>
+          <p:nvSpPr>
+            <p:cNvPr id="52" name="Retângulo 51">
+              <a:extLst>
+                <a:ext uri="{FF2B5EF4-FFF2-40B4-BE49-F238E27FC236}">
+                  <a16:creationId xmlns:a16="http://schemas.microsoft.com/office/drawing/2014/main" id="{C970479E-694C-5A09-502B-451CFE2E1F26}"/>
+                </a:ext>
+              </a:extLst>
+            </p:cNvPr>
+            <p:cNvSpPr/>
+            <p:nvPr/>
+          </p:nvSpPr>
+          <p:spPr>
+            <a:xfrm>
+              <a:off x="4341887" y="2339550"/>
+              <a:ext cx="1767084" cy="247598"/>
+            </a:xfrm>
+            <a:prstGeom prst="rect">
+              <a:avLst/>
+            </a:prstGeom>
+            <a:solidFill>
+              <a:schemeClr val="accent6">
+                <a:alpha val="50000"/>
+              </a:schemeClr>
+            </a:solidFill>
+            <a:ln>
+              <a:noFill/>
+            </a:ln>
+          </p:spPr>
+          <p:style>
+            <a:lnRef idx="0">
+              <a:scrgbClr r="0" g="0" b="0"/>
+            </a:lnRef>
+            <a:fillRef idx="0">
+              <a:scrgbClr r="0" g="0" b="0"/>
+            </a:fillRef>
+            <a:effectRef idx="0">
+              <a:scrgbClr r="0" g="0" b="0"/>
+            </a:effectRef>
+            <a:fontRef idx="minor">
+              <a:schemeClr val="lt1"/>
+            </a:fontRef>
+          </p:style>
+          <p:txBody>
+            <a:bodyPr rtlCol="0" anchor="ctr"/>
+            <a:lstStyle/>
+            <a:p>
+              <a:pPr algn="ctr"/>
+              <a:r>
+                <a:rPr lang="pt-BR" sz="1500" b="1" dirty="0">
+                  <a:solidFill>
+                    <a:schemeClr val="tx1"/>
+                  </a:solidFill>
+                  <a:latin typeface="Montserrat" panose="00000500000000000000" pitchFamily="2" charset="0"/>
+                </a:rPr>
+                <a:t>CENTRO DE CUSTO</a:t>
+              </a:r>
+            </a:p>
+          </p:txBody>
+        </p:sp>
+      </p:grpSp>
+      <p:grpSp>
+        <p:nvGrpSpPr>
+          <p:cNvPr id="54" name="Agrupar 53">
+            <a:extLst>
+              <a:ext uri="{FF2B5EF4-FFF2-40B4-BE49-F238E27FC236}">
+                <a16:creationId xmlns:a16="http://schemas.microsoft.com/office/drawing/2014/main" id="{00A10FE2-9B10-B82C-7972-BF12ADEA6FEC}"/>
+              </a:ext>
+            </a:extLst>
+          </p:cNvPr>
+          <p:cNvGrpSpPr/>
+          <p:nvPr/>
+        </p:nvGrpSpPr>
+        <p:grpSpPr>
+          <a:xfrm>
+            <a:off x="11100998" y="1428452"/>
+            <a:ext cx="2541718" cy="1115970"/>
+            <a:chOff x="4341887" y="2339550"/>
+            <a:chExt cx="1767084" cy="898628"/>
+          </a:xfrm>
+        </p:grpSpPr>
+        <p:sp>
+          <p:nvSpPr>
+            <p:cNvPr id="55" name="Retângulo: Cantos Arredondados 54">
+              <a:extLst>
+                <a:ext uri="{FF2B5EF4-FFF2-40B4-BE49-F238E27FC236}">
+                  <a16:creationId xmlns:a16="http://schemas.microsoft.com/office/drawing/2014/main" id="{3A2B6D74-4CD9-68BE-AD3A-D91D23BE1114}"/>
+                </a:ext>
+              </a:extLst>
+            </p:cNvPr>
+            <p:cNvSpPr/>
+            <p:nvPr/>
+          </p:nvSpPr>
+          <p:spPr>
+            <a:xfrm>
+              <a:off x="4341887" y="2339550"/>
+              <a:ext cx="1767084" cy="898628"/>
+            </a:xfrm>
+            <a:prstGeom prst="roundRect">
+              <a:avLst>
+                <a:gd name="adj" fmla="val 4068"/>
+              </a:avLst>
+            </a:prstGeom>
+            <a:solidFill>
+              <a:schemeClr val="bg1"/>
+            </a:solidFill>
+            <a:ln>
+              <a:noFill/>
+            </a:ln>
+            <a:effectLst>
+              <a:outerShdw blurRad="63500" sx="102000" sy="102000" algn="ctr" rotWithShape="0">
+                <a:prstClr val="black">
+                  <a:alpha val="40000"/>
+                </a:prstClr>
+              </a:outerShdw>
+            </a:effectLst>
+          </p:spPr>
+          <p:style>
+            <a:lnRef idx="2">
+              <a:schemeClr val="accent1">
+                <a:shade val="50000"/>
+              </a:schemeClr>
+            </a:lnRef>
+            <a:fillRef idx="1">
+              <a:schemeClr val="accent1"/>
+            </a:fillRef>
+            <a:effectRef idx="0">
+              <a:schemeClr val="accent1"/>
+            </a:effectRef>
+            <a:fontRef idx="minor">
+              <a:schemeClr val="lt1"/>
+            </a:fontRef>
+          </p:style>
+          <p:txBody>
+            <a:bodyPr rtlCol="0" anchor="ctr"/>
+            <a:lstStyle/>
+            <a:p>
+              <a:pPr algn="ctr"/>
+              <a:endParaRPr lang="pt-BR" sz="2800" b="1" dirty="0">
+                <a:solidFill>
+                  <a:schemeClr val="tx1"/>
+                </a:solidFill>
+              </a:endParaRPr>
+            </a:p>
+          </p:txBody>
+        </p:sp>
+        <p:sp>
+          <p:nvSpPr>
+            <p:cNvPr id="56" name="Retângulo 55">
+              <a:extLst>
+                <a:ext uri="{FF2B5EF4-FFF2-40B4-BE49-F238E27FC236}">
+                  <a16:creationId xmlns:a16="http://schemas.microsoft.com/office/drawing/2014/main" id="{5F3C3E63-5751-9CC1-8E05-5E887B9EC312}"/>
+                </a:ext>
+              </a:extLst>
+            </p:cNvPr>
+            <p:cNvSpPr/>
+            <p:nvPr/>
+          </p:nvSpPr>
+          <p:spPr>
+            <a:xfrm>
+              <a:off x="4341887" y="2339550"/>
+              <a:ext cx="1767084" cy="247598"/>
+            </a:xfrm>
+            <a:prstGeom prst="rect">
+              <a:avLst/>
+            </a:prstGeom>
+            <a:solidFill>
+              <a:schemeClr val="accent6">
+                <a:alpha val="50000"/>
+              </a:schemeClr>
+            </a:solidFill>
+            <a:ln>
+              <a:noFill/>
+            </a:ln>
+          </p:spPr>
+          <p:style>
+            <a:lnRef idx="0">
+              <a:scrgbClr r="0" g="0" b="0"/>
+            </a:lnRef>
+            <a:fillRef idx="0">
+              <a:scrgbClr r="0" g="0" b="0"/>
+            </a:fillRef>
+            <a:effectRef idx="0">
+              <a:scrgbClr r="0" g="0" b="0"/>
+            </a:effectRef>
+            <a:fontRef idx="minor">
+              <a:schemeClr val="lt1"/>
+            </a:fontRef>
+          </p:style>
+          <p:txBody>
+            <a:bodyPr rtlCol="0" anchor="ctr"/>
+            <a:lstStyle/>
+            <a:p>
+              <a:pPr algn="ctr"/>
+              <a:r>
+                <a:rPr lang="pt-BR" b="1" dirty="0">
+                  <a:solidFill>
+                    <a:schemeClr val="tx1"/>
+                  </a:solidFill>
+                  <a:latin typeface="Montserrat" panose="00000500000000000000" pitchFamily="2" charset="0"/>
+                </a:rPr>
+                <a:t>TIIME</a:t>
+              </a:r>
+              <a:endParaRPr lang="pt-BR" sz="1500" b="1" dirty="0">
+                <a:solidFill>
+                  <a:schemeClr val="tx1"/>
+                </a:solidFill>
+                <a:latin typeface="Montserrat" panose="00000500000000000000" pitchFamily="2" charset="0"/>
+              </a:endParaRPr>
             </a:p>
           </p:txBody>
         </p:sp>
@@ -12742,7 +16238,7 @@
     </p:spTree>
     <p:extLst>
       <p:ext uri="{BB962C8B-B14F-4D97-AF65-F5344CB8AC3E}">
-        <p14:creationId xmlns:p14="http://schemas.microsoft.com/office/powerpoint/2010/main" val="2868301545"/>
+        <p14:creationId xmlns:p14="http://schemas.microsoft.com/office/powerpoint/2010/main" val="3764610855"/>
       </p:ext>
     </p:extLst>
   </p:cSld>

--- a/Background/Background base.pptx
+++ b/Background/Background base.pptx
@@ -5,12 +5,14 @@
     <p:sldMasterId id="2147483720" r:id="rId4"/>
   </p:sldMasterIdLst>
   <p:notesMasterIdLst>
-    <p:notesMasterId r:id="rId8"/>
+    <p:notesMasterId r:id="rId10"/>
   </p:notesMasterIdLst>
   <p:sldIdLst>
     <p:sldId id="334" r:id="rId5"/>
-    <p:sldId id="335" r:id="rId6"/>
-    <p:sldId id="336" r:id="rId7"/>
+    <p:sldId id="338" r:id="rId6"/>
+    <p:sldId id="335" r:id="rId7"/>
+    <p:sldId id="337" r:id="rId8"/>
+    <p:sldId id="336" r:id="rId9"/>
   </p:sldIdLst>
   <p:sldSz cx="25600025" cy="14400213"/>
   <p:notesSz cx="9144000" cy="6858000"/>
@@ -3719,7 +3721,7 @@
           <a:p>
             <a:fld id="{FE999017-FBFC-4239-B8D2-FB352F1B889A}" type="datetimeFigureOut">
               <a:rPr lang="pt-BR" smtClean="0"/>
-              <a:t>12/09/2025</a:t>
+              <a:t>19/09/2025</a:t>
             </a:fld>
             <a:endParaRPr lang="pt-BR"/>
           </a:p>
@@ -4117,7 +4119,7 @@
           <a:p>
             <a:fld id="{CF62B505-841C-4C89-B392-8F545B9B6E7F}" type="datetimeFigureOut">
               <a:rPr lang="pt-BR" smtClean="0"/>
-              <a:t>12/09/2025</a:t>
+              <a:t>19/09/2025</a:t>
             </a:fld>
             <a:endParaRPr lang="pt-BR"/>
           </a:p>
@@ -4287,7 +4289,7 @@
           <a:p>
             <a:fld id="{CF62B505-841C-4C89-B392-8F545B9B6E7F}" type="datetimeFigureOut">
               <a:rPr lang="pt-BR" smtClean="0"/>
-              <a:t>12/09/2025</a:t>
+              <a:t>19/09/2025</a:t>
             </a:fld>
             <a:endParaRPr lang="pt-BR"/>
           </a:p>
@@ -4467,7 +4469,7 @@
           <a:p>
             <a:fld id="{CF62B505-841C-4C89-B392-8F545B9B6E7F}" type="datetimeFigureOut">
               <a:rPr lang="pt-BR" smtClean="0"/>
-              <a:t>12/09/2025</a:t>
+              <a:t>19/09/2025</a:t>
             </a:fld>
             <a:endParaRPr lang="pt-BR"/>
           </a:p>
@@ -4637,7 +4639,7 @@
           <a:p>
             <a:fld id="{CF62B505-841C-4C89-B392-8F545B9B6E7F}" type="datetimeFigureOut">
               <a:rPr lang="pt-BR" smtClean="0"/>
-              <a:t>12/09/2025</a:t>
+              <a:t>19/09/2025</a:t>
             </a:fld>
             <a:endParaRPr lang="pt-BR"/>
           </a:p>
@@ -4883,7 +4885,7 @@
           <a:p>
             <a:fld id="{CF62B505-841C-4C89-B392-8F545B9B6E7F}" type="datetimeFigureOut">
               <a:rPr lang="pt-BR" smtClean="0"/>
-              <a:t>12/09/2025</a:t>
+              <a:t>19/09/2025</a:t>
             </a:fld>
             <a:endParaRPr lang="pt-BR"/>
           </a:p>
@@ -5115,7 +5117,7 @@
           <a:p>
             <a:fld id="{CF62B505-841C-4C89-B392-8F545B9B6E7F}" type="datetimeFigureOut">
               <a:rPr lang="pt-BR" smtClean="0"/>
-              <a:t>12/09/2025</a:t>
+              <a:t>19/09/2025</a:t>
             </a:fld>
             <a:endParaRPr lang="pt-BR"/>
           </a:p>
@@ -5482,7 +5484,7 @@
           <a:p>
             <a:fld id="{CF62B505-841C-4C89-B392-8F545B9B6E7F}" type="datetimeFigureOut">
               <a:rPr lang="pt-BR" smtClean="0"/>
-              <a:t>12/09/2025</a:t>
+              <a:t>19/09/2025</a:t>
             </a:fld>
             <a:endParaRPr lang="pt-BR"/>
           </a:p>
@@ -5600,7 +5602,7 @@
           <a:p>
             <a:fld id="{CF62B505-841C-4C89-B392-8F545B9B6E7F}" type="datetimeFigureOut">
               <a:rPr lang="pt-BR" smtClean="0"/>
-              <a:t>12/09/2025</a:t>
+              <a:t>19/09/2025</a:t>
             </a:fld>
             <a:endParaRPr lang="pt-BR"/>
           </a:p>
@@ -5695,7 +5697,7 @@
           <a:p>
             <a:fld id="{CF62B505-841C-4C89-B392-8F545B9B6E7F}" type="datetimeFigureOut">
               <a:rPr lang="pt-BR" smtClean="0"/>
-              <a:t>12/09/2025</a:t>
+              <a:t>19/09/2025</a:t>
             </a:fld>
             <a:endParaRPr lang="pt-BR"/>
           </a:p>
@@ -5972,7 +5974,7 @@
           <a:p>
             <a:fld id="{CF62B505-841C-4C89-B392-8F545B9B6E7F}" type="datetimeFigureOut">
               <a:rPr lang="pt-BR" smtClean="0"/>
-              <a:t>12/09/2025</a:t>
+              <a:t>19/09/2025</a:t>
             </a:fld>
             <a:endParaRPr lang="pt-BR"/>
           </a:p>
@@ -6229,7 +6231,7 @@
           <a:p>
             <a:fld id="{CF62B505-841C-4C89-B392-8F545B9B6E7F}" type="datetimeFigureOut">
               <a:rPr lang="pt-BR" smtClean="0"/>
-              <a:t>12/09/2025</a:t>
+              <a:t>19/09/2025</a:t>
             </a:fld>
             <a:endParaRPr lang="pt-BR"/>
           </a:p>
@@ -6442,7 +6444,7 @@
           <a:p>
             <a:fld id="{CF62B505-841C-4C89-B392-8F545B9B6E7F}" type="datetimeFigureOut">
               <a:rPr lang="pt-BR" smtClean="0"/>
-              <a:t>12/09/2025</a:t>
+              <a:t>19/09/2025</a:t>
             </a:fld>
             <a:endParaRPr lang="pt-BR"/>
           </a:p>
@@ -7331,266 +7333,308 @@
                 </a:solidFill>
                 <a:latin typeface="Montserrat SemiBold" panose="00000700000000000000" pitchFamily="2" charset="0"/>
               </a:rPr>
-              <a:t>QUADRO DE PESSOAL </a:t>
+              <a:t>DASHBOARD DP</a:t>
             </a:r>
           </a:p>
         </p:txBody>
       </p:sp>
-      <p:pic>
-        <p:nvPicPr>
-          <p:cNvPr id="67" name="Imagem 66">
+      <p:grpSp>
+        <p:nvGrpSpPr>
+          <p:cNvPr id="6" name="Agrupar 5">
             <a:extLst>
               <a:ext uri="{FF2B5EF4-FFF2-40B4-BE49-F238E27FC236}">
-                <a16:creationId xmlns:a16="http://schemas.microsoft.com/office/drawing/2014/main" id="{79E628B3-1C86-5318-84A9-9A8053ADED2D}"/>
+                <a16:creationId xmlns:a16="http://schemas.microsoft.com/office/drawing/2014/main" id="{1FEAB629-1FEF-96DB-F4FB-8C7DD2B47AD0}"/>
               </a:ext>
             </a:extLst>
           </p:cNvPr>
-          <p:cNvPicPr>
-            <a:picLocks noChangeAspect="1"/>
-          </p:cNvPicPr>
+          <p:cNvGrpSpPr/>
           <p:nvPr/>
-        </p:nvPicPr>
-        <p:blipFill>
-          <a:blip r:embed="rId3">
-            <a:extLst>
-              <a:ext uri="{28A0092B-C50C-407E-A947-70E740481C1C}">
-                <a14:useLocalDpi xmlns:a14="http://schemas.microsoft.com/office/drawing/2010/main" val="0"/>
-              </a:ext>
-            </a:extLst>
-          </a:blip>
-          <a:srcRect/>
-          <a:stretch/>
-        </p:blipFill>
-        <p:spPr>
+        </p:nvGrpSpPr>
+        <p:grpSpPr>
           <a:xfrm>
-            <a:off x="482988" y="1414013"/>
-            <a:ext cx="1012503" cy="958106"/>
+            <a:off x="334808" y="1414013"/>
+            <a:ext cx="1295447" cy="1277541"/>
+            <a:chOff x="374004" y="1414013"/>
+            <a:chExt cx="1295447" cy="1277541"/>
           </a:xfrm>
-          <a:prstGeom prst="rect">
-            <a:avLst/>
-          </a:prstGeom>
-          <a:ln w="38100" cap="rnd" cmpd="sng">
+        </p:grpSpPr>
+        <p:pic>
+          <p:nvPicPr>
+            <p:cNvPr id="67" name="Imagem 66">
+              <a:extLst>
+                <a:ext uri="{FF2B5EF4-FFF2-40B4-BE49-F238E27FC236}">
+                  <a16:creationId xmlns:a16="http://schemas.microsoft.com/office/drawing/2014/main" id="{79E628B3-1C86-5318-84A9-9A8053ADED2D}"/>
+                </a:ext>
+              </a:extLst>
+            </p:cNvPr>
+            <p:cNvPicPr>
+              <a:picLocks noChangeAspect="1"/>
+            </p:cNvPicPr>
+            <p:nvPr/>
+          </p:nvPicPr>
+          <p:blipFill>
+            <a:blip r:embed="rId3">
+              <a:extLst>
+                <a:ext uri="{28A0092B-C50C-407E-A947-70E740481C1C}">
+                  <a14:useLocalDpi xmlns:a14="http://schemas.microsoft.com/office/drawing/2010/main" val="0"/>
+                </a:ext>
+              </a:extLst>
+            </a:blip>
+            <a:srcRect/>
+            <a:stretch/>
+          </p:blipFill>
+          <p:spPr>
+            <a:xfrm>
+              <a:off x="482988" y="1414013"/>
+              <a:ext cx="1139266" cy="958106"/>
+            </a:xfrm>
+            <a:prstGeom prst="rect">
+              <a:avLst/>
+            </a:prstGeom>
+            <a:ln w="38100" cap="rnd" cmpd="sng">
+              <a:noFill/>
+              <a:prstDash val="solid"/>
+              <a:round/>
+              <a:extLst>
+                <a:ext uri="{C807C97D-BFC1-408E-A445-0C87EB9F89A2}">
+                  <ask:lineSketchStyleProps xmlns:ask="http://schemas.microsoft.com/office/drawing/2018/sketchyshapes" sd="1219033472">
+                    <a:custGeom>
+                      <a:avLst/>
+                      <a:gdLst>
+                        <a:gd name="connsiteX0" fmla="*/ 0 w 1287117"/>
+                        <a:gd name="connsiteY0" fmla="*/ 0 h 1305274"/>
+                        <a:gd name="connsiteX1" fmla="*/ 1287117 w 1287117"/>
+                        <a:gd name="connsiteY1" fmla="*/ 0 h 1305274"/>
+                        <a:gd name="connsiteX2" fmla="*/ 1287117 w 1287117"/>
+                        <a:gd name="connsiteY2" fmla="*/ 1305274 h 1305274"/>
+                        <a:gd name="connsiteX3" fmla="*/ 0 w 1287117"/>
+                        <a:gd name="connsiteY3" fmla="*/ 1305274 h 1305274"/>
+                        <a:gd name="connsiteX4" fmla="*/ 0 w 1287117"/>
+                        <a:gd name="connsiteY4" fmla="*/ 0 h 1305274"/>
+                      </a:gdLst>
+                      <a:ahLst/>
+                      <a:cxnLst>
+                        <a:cxn ang="0">
+                          <a:pos x="connsiteX0" y="connsiteY0"/>
+                        </a:cxn>
+                        <a:cxn ang="0">
+                          <a:pos x="connsiteX1" y="connsiteY1"/>
+                        </a:cxn>
+                        <a:cxn ang="0">
+                          <a:pos x="connsiteX2" y="connsiteY2"/>
+                        </a:cxn>
+                        <a:cxn ang="0">
+                          <a:pos x="connsiteX3" y="connsiteY3"/>
+                        </a:cxn>
+                        <a:cxn ang="0">
+                          <a:pos x="connsiteX4" y="connsiteY4"/>
+                        </a:cxn>
+                      </a:cxnLst>
+                      <a:rect l="l" t="t" r="r" b="b"/>
+                      <a:pathLst>
+                        <a:path w="1287117" h="1305274" fill="none" extrusionOk="0">
+                          <a:moveTo>
+                            <a:pt x="0" y="0"/>
+                          </a:moveTo>
+                          <a:cubicBezTo>
+                            <a:pt x="424078" y="-41831"/>
+                            <a:pt x="1012293" y="-82524"/>
+                            <a:pt x="1287117" y="0"/>
+                          </a:cubicBezTo>
+                          <a:cubicBezTo>
+                            <a:pt x="1359431" y="442770"/>
+                            <a:pt x="1364764" y="807517"/>
+                            <a:pt x="1287117" y="1305274"/>
+                          </a:cubicBezTo>
+                          <a:cubicBezTo>
+                            <a:pt x="1019975" y="1211853"/>
+                            <a:pt x="373143" y="1360628"/>
+                            <a:pt x="0" y="1305274"/>
+                          </a:cubicBezTo>
+                          <a:cubicBezTo>
+                            <a:pt x="54185" y="702839"/>
+                            <a:pt x="-26656" y="637328"/>
+                            <a:pt x="0" y="0"/>
+                          </a:cubicBezTo>
+                          <a:close/>
+                        </a:path>
+                        <a:path w="1287117" h="1305274" stroke="0" extrusionOk="0">
+                          <a:moveTo>
+                            <a:pt x="0" y="0"/>
+                          </a:moveTo>
+                          <a:cubicBezTo>
+                            <a:pt x="620702" y="30296"/>
+                            <a:pt x="869864" y="-62033"/>
+                            <a:pt x="1287117" y="0"/>
+                          </a:cubicBezTo>
+                          <a:cubicBezTo>
+                            <a:pt x="1234736" y="585200"/>
+                            <a:pt x="1192732" y="978202"/>
+                            <a:pt x="1287117" y="1305274"/>
+                          </a:cubicBezTo>
+                          <a:cubicBezTo>
+                            <a:pt x="1064962" y="1190797"/>
+                            <a:pt x="589531" y="1233812"/>
+                            <a:pt x="0" y="1305274"/>
+                          </a:cubicBezTo>
+                          <a:cubicBezTo>
+                            <a:pt x="-381" y="773785"/>
+                            <a:pt x="-64649" y="496574"/>
+                            <a:pt x="0" y="0"/>
+                          </a:cubicBezTo>
+                          <a:close/>
+                        </a:path>
+                      </a:pathLst>
+                    </a:custGeom>
+                    <ask:type>
+                      <ask:lineSketchNone/>
+                    </ask:type>
+                  </ask:lineSketchStyleProps>
+                </a:ext>
+              </a:extLst>
+            </a:ln>
+          </p:spPr>
+        </p:pic>
+        <p:sp>
+          <p:nvSpPr>
+            <p:cNvPr id="68" name="CaixaDeTexto 67">
+              <a:extLst>
+                <a:ext uri="{FF2B5EF4-FFF2-40B4-BE49-F238E27FC236}">
+                  <a16:creationId xmlns:a16="http://schemas.microsoft.com/office/drawing/2014/main" id="{D5D19823-648B-BF74-AC1B-714F59C7C199}"/>
+                </a:ext>
+              </a:extLst>
+            </p:cNvPr>
+            <p:cNvSpPr txBox="1"/>
+            <p:nvPr/>
+          </p:nvSpPr>
+          <p:spPr>
+            <a:xfrm>
+              <a:off x="374004" y="2414555"/>
+              <a:ext cx="1295447" cy="276999"/>
+            </a:xfrm>
+            <a:prstGeom prst="rect">
+              <a:avLst/>
+            </a:prstGeom>
             <a:noFill/>
-            <a:prstDash val="solid"/>
-            <a:round/>
-            <a:extLst>
-              <a:ext uri="{C807C97D-BFC1-408E-A445-0C87EB9F89A2}">
-                <ask:lineSketchStyleProps xmlns:ask="http://schemas.microsoft.com/office/drawing/2018/sketchyshapes" sd="1219033472">
-                  <a:custGeom>
-                    <a:avLst/>
-                    <a:gdLst>
-                      <a:gd name="connsiteX0" fmla="*/ 0 w 1287117"/>
-                      <a:gd name="connsiteY0" fmla="*/ 0 h 1305274"/>
-                      <a:gd name="connsiteX1" fmla="*/ 1287117 w 1287117"/>
-                      <a:gd name="connsiteY1" fmla="*/ 0 h 1305274"/>
-                      <a:gd name="connsiteX2" fmla="*/ 1287117 w 1287117"/>
-                      <a:gd name="connsiteY2" fmla="*/ 1305274 h 1305274"/>
-                      <a:gd name="connsiteX3" fmla="*/ 0 w 1287117"/>
-                      <a:gd name="connsiteY3" fmla="*/ 1305274 h 1305274"/>
-                      <a:gd name="connsiteX4" fmla="*/ 0 w 1287117"/>
-                      <a:gd name="connsiteY4" fmla="*/ 0 h 1305274"/>
-                    </a:gdLst>
-                    <a:ahLst/>
-                    <a:cxnLst>
-                      <a:cxn ang="0">
-                        <a:pos x="connsiteX0" y="connsiteY0"/>
-                      </a:cxn>
-                      <a:cxn ang="0">
-                        <a:pos x="connsiteX1" y="connsiteY1"/>
-                      </a:cxn>
-                      <a:cxn ang="0">
-                        <a:pos x="connsiteX2" y="connsiteY2"/>
-                      </a:cxn>
-                      <a:cxn ang="0">
-                        <a:pos x="connsiteX3" y="connsiteY3"/>
-                      </a:cxn>
-                      <a:cxn ang="0">
-                        <a:pos x="connsiteX4" y="connsiteY4"/>
-                      </a:cxn>
-                    </a:cxnLst>
-                    <a:rect l="l" t="t" r="r" b="b"/>
-                    <a:pathLst>
-                      <a:path w="1287117" h="1305274" fill="none" extrusionOk="0">
-                        <a:moveTo>
-                          <a:pt x="0" y="0"/>
-                        </a:moveTo>
-                        <a:cubicBezTo>
-                          <a:pt x="424078" y="-41831"/>
-                          <a:pt x="1012293" y="-82524"/>
-                          <a:pt x="1287117" y="0"/>
-                        </a:cubicBezTo>
-                        <a:cubicBezTo>
-                          <a:pt x="1359431" y="442770"/>
-                          <a:pt x="1364764" y="807517"/>
-                          <a:pt x="1287117" y="1305274"/>
-                        </a:cubicBezTo>
-                        <a:cubicBezTo>
-                          <a:pt x="1019975" y="1211853"/>
-                          <a:pt x="373143" y="1360628"/>
-                          <a:pt x="0" y="1305274"/>
-                        </a:cubicBezTo>
-                        <a:cubicBezTo>
-                          <a:pt x="54185" y="702839"/>
-                          <a:pt x="-26656" y="637328"/>
-                          <a:pt x="0" y="0"/>
-                        </a:cubicBezTo>
-                        <a:close/>
-                      </a:path>
-                      <a:path w="1287117" h="1305274" stroke="0" extrusionOk="0">
-                        <a:moveTo>
-                          <a:pt x="0" y="0"/>
-                        </a:moveTo>
-                        <a:cubicBezTo>
-                          <a:pt x="620702" y="30296"/>
-                          <a:pt x="869864" y="-62033"/>
-                          <a:pt x="1287117" y="0"/>
-                        </a:cubicBezTo>
-                        <a:cubicBezTo>
-                          <a:pt x="1234736" y="585200"/>
-                          <a:pt x="1192732" y="978202"/>
-                          <a:pt x="1287117" y="1305274"/>
-                        </a:cubicBezTo>
-                        <a:cubicBezTo>
-                          <a:pt x="1064962" y="1190797"/>
-                          <a:pt x="589531" y="1233812"/>
-                          <a:pt x="0" y="1305274"/>
-                        </a:cubicBezTo>
-                        <a:cubicBezTo>
-                          <a:pt x="-381" y="773785"/>
-                          <a:pt x="-64649" y="496574"/>
-                          <a:pt x="0" y="0"/>
-                        </a:cubicBezTo>
-                        <a:close/>
-                      </a:path>
-                    </a:pathLst>
-                  </a:custGeom>
-                  <ask:type>
-                    <ask:lineSketchNone/>
-                  </ask:type>
-                </ask:lineSketchStyleProps>
-              </a:ext>
-            </a:extLst>
-          </a:ln>
-        </p:spPr>
-      </p:pic>
-      <p:sp>
-        <p:nvSpPr>
-          <p:cNvPr id="68" name="CaixaDeTexto 67">
+          </p:spPr>
+          <p:txBody>
+            <a:bodyPr wrap="square" rtlCol="0">
+              <a:spAutoFit/>
+            </a:bodyPr>
+            <a:lstStyle/>
+            <a:p>
+              <a:pPr algn="ctr"/>
+              <a:r>
+                <a:rPr lang="pt-BR" sz="1200" b="1" dirty="0">
+                  <a:latin typeface="Montserrat" panose="00000500000000000000" pitchFamily="2" charset="0"/>
+                </a:rPr>
+                <a:t>DASHBOARD</a:t>
+              </a:r>
+              <a:endParaRPr lang="pt-BR" sz="1100" b="1" dirty="0">
+                <a:latin typeface="Montserrat" panose="00000500000000000000" pitchFamily="2" charset="0"/>
+              </a:endParaRPr>
+            </a:p>
+          </p:txBody>
+        </p:sp>
+      </p:grpSp>
+      <p:grpSp>
+        <p:nvGrpSpPr>
+          <p:cNvPr id="5" name="Agrupar 4">
             <a:extLst>
               <a:ext uri="{FF2B5EF4-FFF2-40B4-BE49-F238E27FC236}">
-                <a16:creationId xmlns:a16="http://schemas.microsoft.com/office/drawing/2014/main" id="{D5D19823-648B-BF74-AC1B-714F59C7C199}"/>
+                <a16:creationId xmlns:a16="http://schemas.microsoft.com/office/drawing/2014/main" id="{C27FC3D9-92F4-852E-BA90-C61C0DE1DFA3}"/>
               </a:ext>
             </a:extLst>
           </p:cNvPr>
-          <p:cNvSpPr txBox="1"/>
+          <p:cNvGrpSpPr/>
           <p:nvPr/>
-        </p:nvSpPr>
-        <p:spPr>
+        </p:nvGrpSpPr>
+        <p:grpSpPr>
           <a:xfrm>
-            <a:off x="330115" y="2351055"/>
-            <a:ext cx="1318250" cy="264293"/>
+            <a:off x="234067" y="2934976"/>
+            <a:ext cx="1496928" cy="1510731"/>
+            <a:chOff x="223837" y="2766523"/>
+            <a:chExt cx="1496928" cy="1510731"/>
           </a:xfrm>
-          <a:prstGeom prst="rect">
-            <a:avLst/>
-          </a:prstGeom>
-          <a:noFill/>
-        </p:spPr>
-        <p:txBody>
-          <a:bodyPr wrap="square" rtlCol="0">
-            <a:spAutoFit/>
-          </a:bodyPr>
-          <a:lstStyle/>
-          <a:p>
-            <a:pPr algn="ctr"/>
-            <a:r>
-              <a:rPr lang="pt-BR" sz="1200" b="1" dirty="0">
+        </p:grpSpPr>
+        <p:pic>
+          <p:nvPicPr>
+            <p:cNvPr id="7" name="Imagem 6" descr="Forma&#10;&#10;O conteúdo gerado por IA pode estar incorreto.">
+              <a:extLst>
+                <a:ext uri="{FF2B5EF4-FFF2-40B4-BE49-F238E27FC236}">
+                  <a16:creationId xmlns:a16="http://schemas.microsoft.com/office/drawing/2014/main" id="{0C328D27-94E4-A75B-1C8F-9719899C08E4}"/>
+                </a:ext>
+              </a:extLst>
+            </p:cNvPr>
+            <p:cNvPicPr>
+              <a:picLocks noChangeAspect="1"/>
+            </p:cNvPicPr>
+            <p:nvPr/>
+          </p:nvPicPr>
+          <p:blipFill>
+            <a:blip r:embed="rId4">
+              <a:extLst>
+                <a:ext uri="{28A0092B-C50C-407E-A947-70E740481C1C}">
+                  <a14:useLocalDpi xmlns:a14="http://schemas.microsoft.com/office/drawing/2010/main" val="0"/>
+                </a:ext>
+              </a:extLst>
+            </a:blip>
+            <a:stretch>
+              <a:fillRect/>
+            </a:stretch>
+          </p:blipFill>
+          <p:spPr>
+            <a:xfrm>
+              <a:off x="446601" y="2766523"/>
+              <a:ext cx="1085276" cy="1085276"/>
+            </a:xfrm>
+            <a:prstGeom prst="rect">
+              <a:avLst/>
+            </a:prstGeom>
+          </p:spPr>
+        </p:pic>
+        <p:sp>
+          <p:nvSpPr>
+            <p:cNvPr id="8" name="CaixaDeTexto 7">
+              <a:extLst>
+                <a:ext uri="{FF2B5EF4-FFF2-40B4-BE49-F238E27FC236}">
+                  <a16:creationId xmlns:a16="http://schemas.microsoft.com/office/drawing/2014/main" id="{45D49CEA-CE9B-3945-76BE-5EAC1B52CA31}"/>
+                </a:ext>
+              </a:extLst>
+            </p:cNvPr>
+            <p:cNvSpPr txBox="1"/>
+            <p:nvPr/>
+          </p:nvSpPr>
+          <p:spPr>
+            <a:xfrm>
+              <a:off x="223837" y="3815589"/>
+              <a:ext cx="1496928" cy="461665"/>
+            </a:xfrm>
+            <a:prstGeom prst="rect">
+              <a:avLst/>
+            </a:prstGeom>
+            <a:noFill/>
+          </p:spPr>
+          <p:txBody>
+            <a:bodyPr wrap="square" rtlCol="0">
+              <a:spAutoFit/>
+            </a:bodyPr>
+            <a:lstStyle/>
+            <a:p>
+              <a:pPr algn="ctr"/>
+              <a:r>
+                <a:rPr lang="pt-BR" sz="1200" b="1" dirty="0">
+                  <a:latin typeface="Montserrat" panose="00000500000000000000" pitchFamily="2" charset="0"/>
+                </a:rPr>
+                <a:t>QUADRO DE PESSOAL</a:t>
+              </a:r>
+              <a:endParaRPr lang="pt-BR" sz="1100" b="1" dirty="0">
                 <a:latin typeface="Montserrat" panose="00000500000000000000" pitchFamily="2" charset="0"/>
-              </a:rPr>
-              <a:t>DASHBOARD</a:t>
-            </a:r>
-            <a:endParaRPr lang="pt-BR" sz="1100" b="1" dirty="0">
-              <a:latin typeface="Montserrat" panose="00000500000000000000" pitchFamily="2" charset="0"/>
-            </a:endParaRPr>
-          </a:p>
-        </p:txBody>
-      </p:sp>
-      <p:pic>
-        <p:nvPicPr>
-          <p:cNvPr id="7" name="Imagem 6" descr="Forma&#10;&#10;O conteúdo gerado por IA pode estar incorreto.">
-            <a:extLst>
-              <a:ext uri="{FF2B5EF4-FFF2-40B4-BE49-F238E27FC236}">
-                <a16:creationId xmlns:a16="http://schemas.microsoft.com/office/drawing/2014/main" id="{0C328D27-94E4-A75B-1C8F-9719899C08E4}"/>
-              </a:ext>
-            </a:extLst>
-          </p:cNvPr>
-          <p:cNvPicPr>
-            <a:picLocks noChangeAspect="1"/>
-          </p:cNvPicPr>
-          <p:nvPr/>
-        </p:nvPicPr>
-        <p:blipFill>
-          <a:blip r:embed="rId4">
-            <a:extLst>
-              <a:ext uri="{28A0092B-C50C-407E-A947-70E740481C1C}">
-                <a14:useLocalDpi xmlns:a14="http://schemas.microsoft.com/office/drawing/2010/main" val="0"/>
-              </a:ext>
-            </a:extLst>
-          </a:blip>
-          <a:stretch>
-            <a:fillRect/>
-          </a:stretch>
-        </p:blipFill>
-        <p:spPr>
-          <a:xfrm>
-            <a:off x="446601" y="2766523"/>
-            <a:ext cx="1085276" cy="1085276"/>
-          </a:xfrm>
-          <a:prstGeom prst="rect">
-            <a:avLst/>
-          </a:prstGeom>
-        </p:spPr>
-      </p:pic>
-      <p:sp>
-        <p:nvSpPr>
-          <p:cNvPr id="8" name="CaixaDeTexto 7">
-            <a:extLst>
-              <a:ext uri="{FF2B5EF4-FFF2-40B4-BE49-F238E27FC236}">
-                <a16:creationId xmlns:a16="http://schemas.microsoft.com/office/drawing/2014/main" id="{45D49CEA-CE9B-3945-76BE-5EAC1B52CA31}"/>
-              </a:ext>
-            </a:extLst>
-          </p:cNvPr>
-          <p:cNvSpPr txBox="1"/>
-          <p:nvPr/>
-        </p:nvSpPr>
-        <p:spPr>
-          <a:xfrm>
-            <a:off x="223837" y="3815589"/>
-            <a:ext cx="1483519" cy="461665"/>
-          </a:xfrm>
-          <a:prstGeom prst="rect">
-            <a:avLst/>
-          </a:prstGeom>
-          <a:noFill/>
-        </p:spPr>
-        <p:txBody>
-          <a:bodyPr wrap="square" rtlCol="0">
-            <a:spAutoFit/>
-          </a:bodyPr>
-          <a:lstStyle/>
-          <a:p>
-            <a:pPr algn="ctr"/>
-            <a:r>
-              <a:rPr lang="pt-BR" sz="1200" b="1" dirty="0">
-                <a:latin typeface="Montserrat" panose="00000500000000000000" pitchFamily="2" charset="0"/>
-              </a:rPr>
-              <a:t>RELAÇÃO DE COLAB.</a:t>
-            </a:r>
-            <a:endParaRPr lang="pt-BR" sz="1100" b="1" dirty="0">
-              <a:latin typeface="Montserrat" panose="00000500000000000000" pitchFamily="2" charset="0"/>
-            </a:endParaRPr>
-          </a:p>
-        </p:txBody>
-      </p:sp>
+              </a:endParaRPr>
+            </a:p>
+          </p:txBody>
+        </p:sp>
+      </p:grpSp>
       <p:grpSp>
         <p:nvGrpSpPr>
           <p:cNvPr id="15" name="Agrupar 14">
@@ -9956,82 +10000,103 @@
           </a:p>
         </p:txBody>
       </p:sp>
-      <p:pic>
-        <p:nvPicPr>
-          <p:cNvPr id="20" name="Imagem 19">
+      <p:grpSp>
+        <p:nvGrpSpPr>
+          <p:cNvPr id="3" name="Agrupar 2">
             <a:extLst>
               <a:ext uri="{FF2B5EF4-FFF2-40B4-BE49-F238E27FC236}">
-                <a16:creationId xmlns:a16="http://schemas.microsoft.com/office/drawing/2014/main" id="{771D005A-E660-9EFB-F7E0-1329B67ED14F}"/>
+                <a16:creationId xmlns:a16="http://schemas.microsoft.com/office/drawing/2014/main" id="{FD76C620-61F6-6C84-E7BA-FBAC789F4E46}"/>
               </a:ext>
             </a:extLst>
           </p:cNvPr>
-          <p:cNvPicPr>
-            <a:picLocks noChangeAspect="1"/>
-          </p:cNvPicPr>
+          <p:cNvGrpSpPr/>
           <p:nvPr/>
-        </p:nvPicPr>
-        <p:blipFill>
-          <a:blip r:embed="rId5">
-            <a:extLst>
-              <a:ext uri="{28A0092B-C50C-407E-A947-70E740481C1C}">
-                <a14:useLocalDpi xmlns:a14="http://schemas.microsoft.com/office/drawing/2010/main" val="0"/>
-              </a:ext>
-            </a:extLst>
-          </a:blip>
-          <a:srcRect/>
-          <a:stretch/>
-        </p:blipFill>
-        <p:spPr>
+        </p:nvGrpSpPr>
+        <p:grpSpPr>
           <a:xfrm>
-            <a:off x="440768" y="4399375"/>
-            <a:ext cx="1085276" cy="1085276"/>
+            <a:off x="204099" y="6627948"/>
+            <a:ext cx="1556865" cy="1543067"/>
+            <a:chOff x="218004" y="4367039"/>
+            <a:chExt cx="1556865" cy="1543067"/>
           </a:xfrm>
-          <a:prstGeom prst="rect">
-            <a:avLst/>
-          </a:prstGeom>
-        </p:spPr>
-      </p:pic>
-      <p:sp>
-        <p:nvSpPr>
-          <p:cNvPr id="21" name="CaixaDeTexto 20">
-            <a:extLst>
-              <a:ext uri="{FF2B5EF4-FFF2-40B4-BE49-F238E27FC236}">
-                <a16:creationId xmlns:a16="http://schemas.microsoft.com/office/drawing/2014/main" id="{1E2C32F3-8281-7F08-1050-8C1F3032F5C2}"/>
-              </a:ext>
-            </a:extLst>
-          </p:cNvPr>
-          <p:cNvSpPr txBox="1"/>
-          <p:nvPr/>
-        </p:nvSpPr>
-        <p:spPr>
-          <a:xfrm>
-            <a:off x="218004" y="5448441"/>
-            <a:ext cx="1483519" cy="461665"/>
-          </a:xfrm>
-          <a:prstGeom prst="rect">
-            <a:avLst/>
-          </a:prstGeom>
-          <a:noFill/>
-        </p:spPr>
-        <p:txBody>
-          <a:bodyPr wrap="square" rtlCol="0">
-            <a:spAutoFit/>
-          </a:bodyPr>
-          <a:lstStyle/>
-          <a:p>
-            <a:pPr algn="ctr"/>
-            <a:r>
-              <a:rPr lang="pt-BR" sz="1200" b="1" dirty="0">
+        </p:grpSpPr>
+        <p:pic>
+          <p:nvPicPr>
+            <p:cNvPr id="20" name="Imagem 19">
+              <a:extLst>
+                <a:ext uri="{FF2B5EF4-FFF2-40B4-BE49-F238E27FC236}">
+                  <a16:creationId xmlns:a16="http://schemas.microsoft.com/office/drawing/2014/main" id="{771D005A-E660-9EFB-F7E0-1329B67ED14F}"/>
+                </a:ext>
+              </a:extLst>
+            </p:cNvPr>
+            <p:cNvPicPr>
+              <a:picLocks noChangeAspect="1"/>
+            </p:cNvPicPr>
+            <p:nvPr/>
+          </p:nvPicPr>
+          <p:blipFill>
+            <a:blip r:embed="rId5">
+              <a:extLst>
+                <a:ext uri="{28A0092B-C50C-407E-A947-70E740481C1C}">
+                  <a14:useLocalDpi xmlns:a14="http://schemas.microsoft.com/office/drawing/2010/main" val="0"/>
+                </a:ext>
+              </a:extLst>
+            </a:blip>
+            <a:srcRect/>
+            <a:stretch/>
+          </p:blipFill>
+          <p:spPr>
+            <a:xfrm>
+              <a:off x="453797" y="4367039"/>
+              <a:ext cx="1138979" cy="1085276"/>
+            </a:xfrm>
+            <a:prstGeom prst="rect">
+              <a:avLst/>
+            </a:prstGeom>
+          </p:spPr>
+        </p:pic>
+        <p:sp>
+          <p:nvSpPr>
+            <p:cNvPr id="21" name="CaixaDeTexto 20">
+              <a:extLst>
+                <a:ext uri="{FF2B5EF4-FFF2-40B4-BE49-F238E27FC236}">
+                  <a16:creationId xmlns:a16="http://schemas.microsoft.com/office/drawing/2014/main" id="{1E2C32F3-8281-7F08-1050-8C1F3032F5C2}"/>
+                </a:ext>
+              </a:extLst>
+            </p:cNvPr>
+            <p:cNvSpPr txBox="1"/>
+            <p:nvPr/>
+          </p:nvSpPr>
+          <p:spPr>
+            <a:xfrm>
+              <a:off x="218004" y="5448441"/>
+              <a:ext cx="1556865" cy="461665"/>
+            </a:xfrm>
+            <a:prstGeom prst="rect">
+              <a:avLst/>
+            </a:prstGeom>
+            <a:noFill/>
+          </p:spPr>
+          <p:txBody>
+            <a:bodyPr wrap="square" rtlCol="0">
+              <a:spAutoFit/>
+            </a:bodyPr>
+            <a:lstStyle/>
+            <a:p>
+              <a:pPr algn="ctr"/>
+              <a:r>
+                <a:rPr lang="pt-BR" sz="1200" b="1" dirty="0">
+                  <a:latin typeface="Montserrat" panose="00000500000000000000" pitchFamily="2" charset="0"/>
+                </a:rPr>
+                <a:t>EVOLUÇÃO DE HORAS EXTRAS</a:t>
+              </a:r>
+              <a:endParaRPr lang="pt-BR" sz="1100" b="1" dirty="0">
                 <a:latin typeface="Montserrat" panose="00000500000000000000" pitchFamily="2" charset="0"/>
-              </a:rPr>
-              <a:t>EVOLUÇÃO HORAS EXTRAS</a:t>
-            </a:r>
-            <a:endParaRPr lang="pt-BR" sz="1100" b="1" dirty="0">
-              <a:latin typeface="Montserrat" panose="00000500000000000000" pitchFamily="2" charset="0"/>
-            </a:endParaRPr>
-          </a:p>
-        </p:txBody>
-      </p:sp>
+              </a:endParaRPr>
+            </a:p>
+          </p:txBody>
+        </p:sp>
+      </p:grpSp>
       <p:sp>
         <p:nvSpPr>
           <p:cNvPr id="25" name="Retângulo: Cantos Arredondados 24">
@@ -11369,7 +11434,7 @@
                 </a:solidFill>
                 <a:latin typeface="Montserrat SemiBold" panose="00000700000000000000" pitchFamily="2" charset="0"/>
               </a:rPr>
-              <a:t>RH</a:t>
+              <a:t>ER</a:t>
             </a:r>
           </a:p>
         </p:txBody>
@@ -11819,7 +11884,7 @@
                 </a:solidFill>
                 <a:latin typeface="Montserrat SemiBold" panose="00000700000000000000" pitchFamily="2" charset="0"/>
               </a:rPr>
-              <a:t>MERKETING</a:t>
+              <a:t>MARKETING</a:t>
             </a:r>
           </a:p>
         </p:txBody>
@@ -12124,6 +12189,200 @@
           </a:p>
         </p:txBody>
       </p:sp>
+      <p:grpSp>
+        <p:nvGrpSpPr>
+          <p:cNvPr id="11" name="Agrupar 10">
+            <a:extLst>
+              <a:ext uri="{FF2B5EF4-FFF2-40B4-BE49-F238E27FC236}">
+                <a16:creationId xmlns:a16="http://schemas.microsoft.com/office/drawing/2014/main" id="{18A85B43-FD6A-B273-FE16-2371A6B325B5}"/>
+              </a:ext>
+            </a:extLst>
+          </p:cNvPr>
+          <p:cNvGrpSpPr/>
+          <p:nvPr/>
+        </p:nvGrpSpPr>
+        <p:grpSpPr>
+          <a:xfrm>
+            <a:off x="316530" y="8414437"/>
+            <a:ext cx="1332002" cy="1342246"/>
+            <a:chOff x="332645" y="4399375"/>
+            <a:chExt cx="1332002" cy="1342246"/>
+          </a:xfrm>
+        </p:grpSpPr>
+        <p:pic>
+          <p:nvPicPr>
+            <p:cNvPr id="12" name="Imagem 11">
+              <a:extLst>
+                <a:ext uri="{FF2B5EF4-FFF2-40B4-BE49-F238E27FC236}">
+                  <a16:creationId xmlns:a16="http://schemas.microsoft.com/office/drawing/2014/main" id="{64D43187-618E-1A11-8B3B-0ACD68520548}"/>
+                </a:ext>
+              </a:extLst>
+            </p:cNvPr>
+            <p:cNvPicPr>
+              <a:picLocks noChangeAspect="1"/>
+            </p:cNvPicPr>
+            <p:nvPr/>
+          </p:nvPicPr>
+          <p:blipFill>
+            <a:blip r:embed="rId6">
+              <a:extLst>
+                <a:ext uri="{28A0092B-C50C-407E-A947-70E740481C1C}">
+                  <a14:useLocalDpi xmlns:a14="http://schemas.microsoft.com/office/drawing/2010/main" val="0"/>
+                </a:ext>
+              </a:extLst>
+            </a:blip>
+            <a:srcRect/>
+            <a:stretch/>
+          </p:blipFill>
+          <p:spPr>
+            <a:xfrm>
+              <a:off x="417125" y="4399375"/>
+              <a:ext cx="1175652" cy="1085276"/>
+            </a:xfrm>
+            <a:prstGeom prst="rect">
+              <a:avLst/>
+            </a:prstGeom>
+          </p:spPr>
+        </p:pic>
+        <p:sp>
+          <p:nvSpPr>
+            <p:cNvPr id="14" name="CaixaDeTexto 13">
+              <a:extLst>
+                <a:ext uri="{FF2B5EF4-FFF2-40B4-BE49-F238E27FC236}">
+                  <a16:creationId xmlns:a16="http://schemas.microsoft.com/office/drawing/2014/main" id="{CA811CCE-992D-C5F0-6BFC-6F230FB0EC6A}"/>
+                </a:ext>
+              </a:extLst>
+            </p:cNvPr>
+            <p:cNvSpPr txBox="1"/>
+            <p:nvPr/>
+          </p:nvSpPr>
+          <p:spPr>
+            <a:xfrm>
+              <a:off x="332645" y="5464622"/>
+              <a:ext cx="1332002" cy="276999"/>
+            </a:xfrm>
+            <a:prstGeom prst="rect">
+              <a:avLst/>
+            </a:prstGeom>
+            <a:noFill/>
+          </p:spPr>
+          <p:txBody>
+            <a:bodyPr wrap="square" rtlCol="0">
+              <a:spAutoFit/>
+            </a:bodyPr>
+            <a:lstStyle/>
+            <a:p>
+              <a:pPr algn="ctr"/>
+              <a:r>
+                <a:rPr lang="pt-BR" sz="1200" b="1" dirty="0">
+                  <a:latin typeface="Montserrat" panose="00000500000000000000" pitchFamily="2" charset="0"/>
+                </a:rPr>
+                <a:t>TURNOVER</a:t>
+              </a:r>
+              <a:endParaRPr lang="pt-BR" sz="1100" b="1" dirty="0">
+                <a:latin typeface="Montserrat" panose="00000500000000000000" pitchFamily="2" charset="0"/>
+              </a:endParaRPr>
+            </a:p>
+          </p:txBody>
+        </p:sp>
+      </p:grpSp>
+      <p:grpSp>
+        <p:nvGrpSpPr>
+          <p:cNvPr id="16" name="Agrupar 15">
+            <a:extLst>
+              <a:ext uri="{FF2B5EF4-FFF2-40B4-BE49-F238E27FC236}">
+                <a16:creationId xmlns:a16="http://schemas.microsoft.com/office/drawing/2014/main" id="{93855A0E-CC17-915F-AA77-7CCA7D6B1964}"/>
+              </a:ext>
+            </a:extLst>
+          </p:cNvPr>
+          <p:cNvGrpSpPr/>
+          <p:nvPr/>
+        </p:nvGrpSpPr>
+        <p:grpSpPr>
+          <a:xfrm>
+            <a:off x="197942" y="4689129"/>
+            <a:ext cx="1569179" cy="1695397"/>
+            <a:chOff x="218004" y="4399375"/>
+            <a:chExt cx="1569179" cy="1695397"/>
+          </a:xfrm>
+        </p:grpSpPr>
+        <p:pic>
+          <p:nvPicPr>
+            <p:cNvPr id="18" name="Imagem 17">
+              <a:extLst>
+                <a:ext uri="{FF2B5EF4-FFF2-40B4-BE49-F238E27FC236}">
+                  <a16:creationId xmlns:a16="http://schemas.microsoft.com/office/drawing/2014/main" id="{D28E65A3-1FB1-24B9-D952-A06151D9C6AC}"/>
+                </a:ext>
+              </a:extLst>
+            </p:cNvPr>
+            <p:cNvPicPr>
+              <a:picLocks noChangeAspect="1"/>
+            </p:cNvPicPr>
+            <p:nvPr/>
+          </p:nvPicPr>
+          <p:blipFill>
+            <a:blip r:embed="rId7">
+              <a:extLst>
+                <a:ext uri="{28A0092B-C50C-407E-A947-70E740481C1C}">
+                  <a14:useLocalDpi xmlns:a14="http://schemas.microsoft.com/office/drawing/2010/main" val="0"/>
+                </a:ext>
+              </a:extLst>
+            </a:blip>
+            <a:srcRect/>
+            <a:stretch/>
+          </p:blipFill>
+          <p:spPr>
+            <a:xfrm>
+              <a:off x="417125" y="4399375"/>
+              <a:ext cx="1169872" cy="1085276"/>
+            </a:xfrm>
+            <a:prstGeom prst="rect">
+              <a:avLst/>
+            </a:prstGeom>
+          </p:spPr>
+        </p:pic>
+        <p:sp>
+          <p:nvSpPr>
+            <p:cNvPr id="22" name="CaixaDeTexto 21">
+              <a:extLst>
+                <a:ext uri="{FF2B5EF4-FFF2-40B4-BE49-F238E27FC236}">
+                  <a16:creationId xmlns:a16="http://schemas.microsoft.com/office/drawing/2014/main" id="{E35422B9-9F37-149F-CD47-5DF69CAB4E48}"/>
+                </a:ext>
+              </a:extLst>
+            </p:cNvPr>
+            <p:cNvSpPr txBox="1"/>
+            <p:nvPr/>
+          </p:nvSpPr>
+          <p:spPr>
+            <a:xfrm>
+              <a:off x="218004" y="5448441"/>
+              <a:ext cx="1569179" cy="646331"/>
+            </a:xfrm>
+            <a:prstGeom prst="rect">
+              <a:avLst/>
+            </a:prstGeom>
+            <a:noFill/>
+          </p:spPr>
+          <p:txBody>
+            <a:bodyPr wrap="square" rtlCol="0">
+              <a:spAutoFit/>
+            </a:bodyPr>
+            <a:lstStyle/>
+            <a:p>
+              <a:pPr algn="ctr"/>
+              <a:r>
+                <a:rPr lang="pt-BR" sz="1200" b="1" dirty="0">
+                  <a:latin typeface="Montserrat" panose="00000500000000000000" pitchFamily="2" charset="0"/>
+                </a:rPr>
+                <a:t>COLABOR. POR CENTRO DE CUSTO</a:t>
+              </a:r>
+              <a:endParaRPr lang="pt-BR" sz="1100" b="1" dirty="0">
+                <a:latin typeface="Montserrat" panose="00000500000000000000" pitchFamily="2" charset="0"/>
+              </a:endParaRPr>
+            </a:p>
+          </p:txBody>
+        </p:sp>
+      </p:grpSp>
     </p:spTree>
     <p:extLst>
       <p:ext uri="{BB962C8B-B14F-4D97-AF65-F5344CB8AC3E}">
@@ -12145,7 +12404,7 @@
         <p:cNvPr id="1" name="">
           <a:extLst>
             <a:ext uri="{FF2B5EF4-FFF2-40B4-BE49-F238E27FC236}">
-              <a16:creationId xmlns:a16="http://schemas.microsoft.com/office/drawing/2014/main" id="{DA1465E8-2094-259C-1DFB-F239E2CEAE3E}"/>
+              <a16:creationId xmlns:a16="http://schemas.microsoft.com/office/drawing/2014/main" id="{28A4CAC5-23F8-5D08-3602-52E17C9B8039}"/>
             </a:ext>
           </a:extLst>
         </p:cNvPr>
@@ -12165,7 +12424,7 @@
           <p:cNvPr id="4" name="Retângulo: Cantos Arredondados 3">
             <a:extLst>
               <a:ext uri="{FF2B5EF4-FFF2-40B4-BE49-F238E27FC236}">
-                <a16:creationId xmlns:a16="http://schemas.microsoft.com/office/drawing/2014/main" id="{192A8235-3BE3-E743-4674-7DED36228F7C}"/>
+                <a16:creationId xmlns:a16="http://schemas.microsoft.com/office/drawing/2014/main" id="{81BC25CF-532F-AAF0-D0F0-348BCA5C919B}"/>
               </a:ext>
             </a:extLst>
           </p:cNvPr>
@@ -12221,7 +12480,7 @@
           <p:cNvPr id="10" name="Retângulo: Cantos Arredondados 9">
             <a:extLst>
               <a:ext uri="{FF2B5EF4-FFF2-40B4-BE49-F238E27FC236}">
-                <a16:creationId xmlns:a16="http://schemas.microsoft.com/office/drawing/2014/main" id="{8A6F484D-B964-9CBA-E139-59ABDE55DB09}"/>
+                <a16:creationId xmlns:a16="http://schemas.microsoft.com/office/drawing/2014/main" id="{CA9B1DD0-5E65-F17D-4A6E-A619CDDF718A}"/>
               </a:ext>
             </a:extLst>
           </p:cNvPr>
@@ -12231,7 +12490,7 @@
         <p:spPr>
           <a:xfrm>
             <a:off x="324465" y="1120877"/>
-            <a:ext cx="25013264" cy="12890091"/>
+            <a:ext cx="25013264" cy="13010418"/>
           </a:xfrm>
           <a:prstGeom prst="roundRect">
             <a:avLst>
@@ -12268,7 +12527,10 @@
           <a:lstStyle/>
           <a:p>
             <a:pPr algn="ctr"/>
-            <a:endParaRPr lang="pt-BR" sz="1265" dirty="0"/>
+            <a:r>
+              <a:rPr lang="pt-BR" sz="1265" dirty="0"/>
+              <a:t>t</a:t>
+            </a:r>
           </a:p>
         </p:txBody>
       </p:sp>
@@ -12277,7 +12539,7 @@
           <p:cNvPr id="35" name="Retângulo: Cantos Superiores Arredondados 34">
             <a:extLst>
               <a:ext uri="{FF2B5EF4-FFF2-40B4-BE49-F238E27FC236}">
-                <a16:creationId xmlns:a16="http://schemas.microsoft.com/office/drawing/2014/main" id="{05D7E20C-F118-29F8-0B4C-8A792E65EB6A}"/>
+                <a16:creationId xmlns:a16="http://schemas.microsoft.com/office/drawing/2014/main" id="{4D106771-A4B8-A7A6-2B46-3BFB243126E2}"/>
               </a:ext>
             </a:extLst>
           </p:cNvPr>
@@ -12286,8 +12548,8 @@
         </p:nvSpPr>
         <p:spPr>
           <a:xfrm rot="16200000">
-            <a:off x="-5466462" y="6899923"/>
-            <a:ext cx="12890092" cy="1332000"/>
+            <a:off x="-5526625" y="6960086"/>
+            <a:ext cx="13010418" cy="1332000"/>
           </a:xfrm>
           <a:prstGeom prst="round2SameRect">
             <a:avLst/>
@@ -12327,7 +12589,7 @@
           <p:cNvPr id="53" name="Imagem 52">
             <a:extLst>
               <a:ext uri="{FF2B5EF4-FFF2-40B4-BE49-F238E27FC236}">
-                <a16:creationId xmlns:a16="http://schemas.microsoft.com/office/drawing/2014/main" id="{A1604DFE-0A68-A828-2BD5-06D70A09AFAD}"/>
+                <a16:creationId xmlns:a16="http://schemas.microsoft.com/office/drawing/2014/main" id="{AB2B6C15-58B7-16D1-F3A3-8D26FD0007AB}"/>
               </a:ext>
             </a:extLst>
           </p:cNvPr>
@@ -12370,7 +12632,7 @@
           <p:cNvPr id="58" name="CaixaDeTexto 57">
             <a:extLst>
               <a:ext uri="{FF2B5EF4-FFF2-40B4-BE49-F238E27FC236}">
-                <a16:creationId xmlns:a16="http://schemas.microsoft.com/office/drawing/2014/main" id="{B8F08017-D173-A52E-DA35-45FDFA97FC64}"/>
+                <a16:creationId xmlns:a16="http://schemas.microsoft.com/office/drawing/2014/main" id="{CD54AAB3-BD86-77E8-77D9-5A1636529581}"/>
               </a:ext>
             </a:extLst>
           </p:cNvPr>
@@ -12380,7 +12642,7 @@
         <p:spPr>
           <a:xfrm>
             <a:off x="1587339" y="-24040"/>
-            <a:ext cx="10805699" cy="769441"/>
+            <a:ext cx="4913183" cy="769441"/>
           </a:xfrm>
           <a:prstGeom prst="rect">
             <a:avLst/>
@@ -12397,7 +12659,7 @@
               <a:rPr lang="pt-BR" sz="4400" dirty="0">
                 <a:latin typeface="Montserrat SemiBold" panose="00000700000000000000" pitchFamily="2" charset="0"/>
               </a:rPr>
-              <a:t>RELAÇÃO DE COLABORADORES</a:t>
+              <a:t>PAGINA INICIAL</a:t>
             </a:r>
           </a:p>
         </p:txBody>
@@ -12407,7 +12669,7 @@
           <p:cNvPr id="60" name="Conector reto 59">
             <a:extLst>
               <a:ext uri="{FF2B5EF4-FFF2-40B4-BE49-F238E27FC236}">
-                <a16:creationId xmlns:a16="http://schemas.microsoft.com/office/drawing/2014/main" id="{C515B1EF-1F57-301F-2117-ECCC14D2BE57}"/>
+                <a16:creationId xmlns:a16="http://schemas.microsoft.com/office/drawing/2014/main" id="{51F3B9FE-1935-8ED7-C8E0-1C937AA6C712}"/>
               </a:ext>
             </a:extLst>
           </p:cNvPr>
@@ -12445,7 +12707,7 @@
           <p:cNvPr id="27" name="CaixaDeTexto 26">
             <a:extLst>
               <a:ext uri="{FF2B5EF4-FFF2-40B4-BE49-F238E27FC236}">
-                <a16:creationId xmlns:a16="http://schemas.microsoft.com/office/drawing/2014/main" id="{7C7EA38C-4CDE-6917-1557-09039CC860A3}"/>
+                <a16:creationId xmlns:a16="http://schemas.microsoft.com/office/drawing/2014/main" id="{38802A01-11A7-D2AC-EEA0-B61178BE9578}"/>
               </a:ext>
             </a:extLst>
           </p:cNvPr>
@@ -12489,7 +12751,7 @@
           <p:cNvPr id="17" name="CaixaDeTexto 16">
             <a:extLst>
               <a:ext uri="{FF2B5EF4-FFF2-40B4-BE49-F238E27FC236}">
-                <a16:creationId xmlns:a16="http://schemas.microsoft.com/office/drawing/2014/main" id="{2A32B3AB-BCED-4E12-6252-C7537BA56165}"/>
+                <a16:creationId xmlns:a16="http://schemas.microsoft.com/office/drawing/2014/main" id="{5E0C74A7-70F5-9DCA-3D30-AC24940BCD4F}"/>
               </a:ext>
             </a:extLst>
           </p:cNvPr>
@@ -12533,7 +12795,7 @@
           <p:cNvPr id="19" name="CaixaDeTexto 18">
             <a:extLst>
               <a:ext uri="{FF2B5EF4-FFF2-40B4-BE49-F238E27FC236}">
-                <a16:creationId xmlns:a16="http://schemas.microsoft.com/office/drawing/2014/main" id="{5BA976EF-3ADD-6A26-2C7A-A7B1ED4BDE13}"/>
+                <a16:creationId xmlns:a16="http://schemas.microsoft.com/office/drawing/2014/main" id="{210EA913-08F2-9A0F-DC4E-6D4D99A64FDA}"/>
               </a:ext>
             </a:extLst>
           </p:cNvPr>
@@ -12567,10 +12829,10 @@
       </p:sp>
       <p:grpSp>
         <p:nvGrpSpPr>
-          <p:cNvPr id="66" name="Agrupar 65">
+          <p:cNvPr id="6" name="Agrupar 5">
             <a:extLst>
               <a:ext uri="{FF2B5EF4-FFF2-40B4-BE49-F238E27FC236}">
-                <a16:creationId xmlns:a16="http://schemas.microsoft.com/office/drawing/2014/main" id="{4A5F1044-1F2A-1CF5-65A3-8633155F805D}"/>
+                <a16:creationId xmlns:a16="http://schemas.microsoft.com/office/drawing/2014/main" id="{26EDDACE-511B-F2AB-8382-143A101855C0}"/>
               </a:ext>
             </a:extLst>
           </p:cNvPr>
@@ -12579,19 +12841,26 @@
         </p:nvGrpSpPr>
         <p:grpSpPr>
           <a:xfrm>
-            <a:off x="330115" y="1414013"/>
-            <a:ext cx="1318250" cy="1201335"/>
-            <a:chOff x="328180" y="1842785"/>
-            <a:chExt cx="1307397" cy="1259089"/>
+            <a:off x="334808" y="1414013"/>
+            <a:ext cx="1295447" cy="1277541"/>
+            <a:chOff x="374004" y="1414013"/>
+            <a:chExt cx="1295447" cy="1277541"/>
           </a:xfrm>
-          <a:effectLst/>
+          <a:effectLst>
+            <a:glow rad="101600">
+              <a:schemeClr val="accent4">
+                <a:satMod val="175000"/>
+                <a:alpha val="40000"/>
+              </a:schemeClr>
+            </a:glow>
+          </a:effectLst>
         </p:grpSpPr>
         <p:pic>
           <p:nvPicPr>
             <p:cNvPr id="67" name="Imagem 66">
               <a:extLst>
                 <a:ext uri="{FF2B5EF4-FFF2-40B4-BE49-F238E27FC236}">
-                  <a16:creationId xmlns:a16="http://schemas.microsoft.com/office/drawing/2014/main" id="{1279F155-5BE0-5775-427A-65EE4FCAA76C}"/>
+                  <a16:creationId xmlns:a16="http://schemas.microsoft.com/office/drawing/2014/main" id="{AE0AD500-A773-9863-A39A-F8DD5929BF55}"/>
                 </a:ext>
               </a:extLst>
             </p:cNvPr>
@@ -12613,8 +12882,8 @@
           </p:blipFill>
           <p:spPr>
             <a:xfrm>
-              <a:off x="479794" y="1842785"/>
-              <a:ext cx="1004167" cy="1004167"/>
+              <a:off x="482988" y="1414013"/>
+              <a:ext cx="1139266" cy="958106"/>
             </a:xfrm>
             <a:prstGeom prst="rect">
               <a:avLst/>
@@ -12728,7 +12997,7 @@
             <p:cNvPr id="68" name="CaixaDeTexto 67">
               <a:extLst>
                 <a:ext uri="{FF2B5EF4-FFF2-40B4-BE49-F238E27FC236}">
-                  <a16:creationId xmlns:a16="http://schemas.microsoft.com/office/drawing/2014/main" id="{7DB8A576-3254-6C1D-8A76-BD6A4480030C}"/>
+                  <a16:creationId xmlns:a16="http://schemas.microsoft.com/office/drawing/2014/main" id="{7CA4C5A7-C363-059F-2EFC-006184393F5B}"/>
                 </a:ext>
               </a:extLst>
             </p:cNvPr>
@@ -12737,8 +13006,8 @@
           </p:nvSpPr>
           <p:spPr>
             <a:xfrm>
-              <a:off x="328180" y="2824875"/>
-              <a:ext cx="1307397" cy="276999"/>
+              <a:off x="374004" y="2414555"/>
+              <a:ext cx="1295447" cy="276999"/>
             </a:xfrm>
             <a:prstGeom prst="rect">
               <a:avLst/>
@@ -12765,213 +13034,12 @@
           </p:txBody>
         </p:sp>
       </p:grpSp>
-      <p:sp>
-        <p:nvSpPr>
-          <p:cNvPr id="3" name="Retângulo: Cantos Arredondados 2">
+      <p:grpSp>
+        <p:nvGrpSpPr>
+          <p:cNvPr id="5" name="Agrupar 4">
             <a:extLst>
               <a:ext uri="{FF2B5EF4-FFF2-40B4-BE49-F238E27FC236}">
-                <a16:creationId xmlns:a16="http://schemas.microsoft.com/office/drawing/2014/main" id="{B56A9E4F-D3FF-D2DA-422F-E495884F02E3}"/>
-              </a:ext>
-            </a:extLst>
-          </p:cNvPr>
-          <p:cNvSpPr/>
-          <p:nvPr/>
-        </p:nvSpPr>
-        <p:spPr>
-          <a:xfrm>
-            <a:off x="2231440" y="2950483"/>
-            <a:ext cx="7568398" cy="6291976"/>
-          </a:xfrm>
-          <a:prstGeom prst="roundRect">
-            <a:avLst>
-              <a:gd name="adj" fmla="val 5591"/>
-            </a:avLst>
-          </a:prstGeom>
-          <a:solidFill>
-            <a:schemeClr val="bg1"/>
-          </a:solidFill>
-          <a:ln>
-            <a:noFill/>
-          </a:ln>
-          <a:effectLst>
-            <a:glow rad="63500">
-              <a:schemeClr val="bg1">
-                <a:lumMod val="75000"/>
-                <a:alpha val="40000"/>
-              </a:schemeClr>
-            </a:glow>
-            <a:outerShdw blurRad="50800" dist="38100" dir="5400000" algn="t" rotWithShape="0">
-              <a:schemeClr val="tx1">
-                <a:alpha val="40000"/>
-              </a:schemeClr>
-            </a:outerShdw>
-          </a:effectLst>
-        </p:spPr>
-        <p:style>
-          <a:lnRef idx="2">
-            <a:schemeClr val="accent1">
-              <a:shade val="50000"/>
-            </a:schemeClr>
-          </a:lnRef>
-          <a:fillRef idx="1">
-            <a:schemeClr val="accent1"/>
-          </a:fillRef>
-          <a:effectRef idx="0">
-            <a:schemeClr val="accent1"/>
-          </a:effectRef>
-          <a:fontRef idx="minor">
-            <a:schemeClr val="lt1"/>
-          </a:fontRef>
-        </p:style>
-        <p:txBody>
-          <a:bodyPr rtlCol="0" anchor="ctr"/>
-          <a:lstStyle/>
-          <a:p>
-            <a:pPr algn="ctr"/>
-            <a:endParaRPr lang="pt-BR" sz="1265"/>
-          </a:p>
-        </p:txBody>
-      </p:sp>
-      <p:sp>
-        <p:nvSpPr>
-          <p:cNvPr id="8" name="Retângulo: Cantos Arredondados 7">
-            <a:extLst>
-              <a:ext uri="{FF2B5EF4-FFF2-40B4-BE49-F238E27FC236}">
-                <a16:creationId xmlns:a16="http://schemas.microsoft.com/office/drawing/2014/main" id="{99839C40-A511-C6F3-D7A3-2EE38CF458C9}"/>
-              </a:ext>
-            </a:extLst>
-          </p:cNvPr>
-          <p:cNvSpPr/>
-          <p:nvPr/>
-        </p:nvSpPr>
-        <p:spPr>
-          <a:xfrm>
-            <a:off x="17764053" y="2950483"/>
-            <a:ext cx="7080388" cy="4643620"/>
-          </a:xfrm>
-          <a:prstGeom prst="roundRect">
-            <a:avLst>
-              <a:gd name="adj" fmla="val 5591"/>
-            </a:avLst>
-          </a:prstGeom>
-          <a:solidFill>
-            <a:schemeClr val="bg1"/>
-          </a:solidFill>
-          <a:ln>
-            <a:noFill/>
-          </a:ln>
-          <a:effectLst>
-            <a:glow rad="63500">
-              <a:schemeClr val="bg1">
-                <a:lumMod val="75000"/>
-                <a:alpha val="40000"/>
-              </a:schemeClr>
-            </a:glow>
-            <a:outerShdw blurRad="50800" dist="38100" dir="5400000" algn="t" rotWithShape="0">
-              <a:schemeClr val="tx1">
-                <a:alpha val="40000"/>
-              </a:schemeClr>
-            </a:outerShdw>
-          </a:effectLst>
-        </p:spPr>
-        <p:style>
-          <a:lnRef idx="2">
-            <a:schemeClr val="accent1">
-              <a:shade val="50000"/>
-            </a:schemeClr>
-          </a:lnRef>
-          <a:fillRef idx="1">
-            <a:schemeClr val="accent1"/>
-          </a:fillRef>
-          <a:effectRef idx="0">
-            <a:schemeClr val="accent1"/>
-          </a:effectRef>
-          <a:fontRef idx="minor">
-            <a:schemeClr val="lt1"/>
-          </a:fontRef>
-        </p:style>
-        <p:txBody>
-          <a:bodyPr rtlCol="0" anchor="ctr"/>
-          <a:lstStyle/>
-          <a:p>
-            <a:pPr algn="ctr"/>
-            <a:endParaRPr lang="pt-BR" sz="1265"/>
-          </a:p>
-        </p:txBody>
-      </p:sp>
-      <p:sp>
-        <p:nvSpPr>
-          <p:cNvPr id="9" name="Retângulo: Cantos Arredondados 8">
-            <a:extLst>
-              <a:ext uri="{FF2B5EF4-FFF2-40B4-BE49-F238E27FC236}">
-                <a16:creationId xmlns:a16="http://schemas.microsoft.com/office/drawing/2014/main" id="{3E8FDA28-D371-0F9F-9877-2A8B6D32EF65}"/>
-              </a:ext>
-            </a:extLst>
-          </p:cNvPr>
-          <p:cNvSpPr/>
-          <p:nvPr/>
-        </p:nvSpPr>
-        <p:spPr>
-          <a:xfrm>
-            <a:off x="10062134" y="7983349"/>
-            <a:ext cx="14782309" cy="5693738"/>
-          </a:xfrm>
-          <a:prstGeom prst="roundRect">
-            <a:avLst>
-              <a:gd name="adj" fmla="val 5591"/>
-            </a:avLst>
-          </a:prstGeom>
-          <a:solidFill>
-            <a:schemeClr val="bg1"/>
-          </a:solidFill>
-          <a:ln>
-            <a:noFill/>
-          </a:ln>
-          <a:effectLst>
-            <a:glow rad="63500">
-              <a:schemeClr val="bg1">
-                <a:lumMod val="75000"/>
-                <a:alpha val="40000"/>
-              </a:schemeClr>
-            </a:glow>
-            <a:outerShdw blurRad="50800" dist="38100" dir="5400000" algn="t" rotWithShape="0">
-              <a:schemeClr val="tx1">
-                <a:alpha val="40000"/>
-              </a:schemeClr>
-            </a:outerShdw>
-          </a:effectLst>
-        </p:spPr>
-        <p:style>
-          <a:lnRef idx="2">
-            <a:schemeClr val="accent1">
-              <a:shade val="50000"/>
-            </a:schemeClr>
-          </a:lnRef>
-          <a:fillRef idx="1">
-            <a:schemeClr val="accent1"/>
-          </a:fillRef>
-          <a:effectRef idx="0">
-            <a:schemeClr val="accent1"/>
-          </a:effectRef>
-          <a:fontRef idx="minor">
-            <a:schemeClr val="lt1"/>
-          </a:fontRef>
-        </p:style>
-        <p:txBody>
-          <a:bodyPr rtlCol="0" anchor="ctr"/>
-          <a:lstStyle/>
-          <a:p>
-            <a:pPr algn="ctr"/>
-            <a:endParaRPr lang="pt-BR" sz="1265"/>
-          </a:p>
-        </p:txBody>
-      </p:sp>
-      <p:grpSp>
-        <p:nvGrpSpPr>
-          <p:cNvPr id="14" name="Agrupar 13">
-            <a:extLst>
-              <a:ext uri="{FF2B5EF4-FFF2-40B4-BE49-F238E27FC236}">
-                <a16:creationId xmlns:a16="http://schemas.microsoft.com/office/drawing/2014/main" id="{B5B33D2B-6F1E-C6D0-1679-0CCB5C8D1DC3}"/>
+                <a16:creationId xmlns:a16="http://schemas.microsoft.com/office/drawing/2014/main" id="{0F3519D2-C16B-670E-BE22-2BE6C6DCBB2F}"/>
               </a:ext>
             </a:extLst>
           </p:cNvPr>
@@ -12980,26 +13048,18 @@
         </p:nvGrpSpPr>
         <p:grpSpPr>
           <a:xfrm>
-            <a:off x="223837" y="2766523"/>
-            <a:ext cx="1483519" cy="1510731"/>
+            <a:off x="234067" y="2934976"/>
+            <a:ext cx="1496928" cy="1510731"/>
             <a:chOff x="223837" y="2766523"/>
-            <a:chExt cx="1483519" cy="1510731"/>
+            <a:chExt cx="1496928" cy="1510731"/>
           </a:xfrm>
-          <a:effectLst>
-            <a:glow rad="101600">
-              <a:schemeClr val="accent4">
-                <a:satMod val="175000"/>
-                <a:alpha val="40000"/>
-              </a:schemeClr>
-            </a:glow>
-          </a:effectLst>
         </p:grpSpPr>
         <p:pic>
           <p:nvPicPr>
-            <p:cNvPr id="12" name="Imagem 11" descr="Forma&#10;&#10;O conteúdo gerado por IA pode estar incorreto.">
+            <p:cNvPr id="7" name="Imagem 6" descr="Forma&#10;&#10;O conteúdo gerado por IA pode estar incorreto.">
               <a:extLst>
                 <a:ext uri="{FF2B5EF4-FFF2-40B4-BE49-F238E27FC236}">
-                  <a16:creationId xmlns:a16="http://schemas.microsoft.com/office/drawing/2014/main" id="{BC15EB75-B752-0867-1824-50F31B2E2CAD}"/>
+                  <a16:creationId xmlns:a16="http://schemas.microsoft.com/office/drawing/2014/main" id="{B1BF2F5B-28D3-5362-57CE-7BD1A8FD0FF9}"/>
                 </a:ext>
               </a:extLst>
             </p:cNvPr>
@@ -13032,10 +13092,10 @@
         </p:pic>
         <p:sp>
           <p:nvSpPr>
-            <p:cNvPr id="13" name="CaixaDeTexto 12">
+            <p:cNvPr id="8" name="CaixaDeTexto 7">
               <a:extLst>
                 <a:ext uri="{FF2B5EF4-FFF2-40B4-BE49-F238E27FC236}">
-                  <a16:creationId xmlns:a16="http://schemas.microsoft.com/office/drawing/2014/main" id="{5E3A4FA6-A18A-7C15-A2D1-8A4EC5283E52}"/>
+                  <a16:creationId xmlns:a16="http://schemas.microsoft.com/office/drawing/2014/main" id="{399620C5-A718-555A-D51F-7AD85760319B}"/>
                 </a:ext>
               </a:extLst>
             </p:cNvPr>
@@ -13045,7 +13105,7 @@
           <p:spPr>
             <a:xfrm>
               <a:off x="223837" y="3815589"/>
-              <a:ext cx="1483519" cy="461665"/>
+              <a:ext cx="1496928" cy="461665"/>
             </a:xfrm>
             <a:prstGeom prst="rect">
               <a:avLst/>
@@ -13063,7 +13123,298 @@
                 <a:rPr lang="pt-BR" sz="1200" b="1" dirty="0">
                   <a:latin typeface="Montserrat" panose="00000500000000000000" pitchFamily="2" charset="0"/>
                 </a:rPr>
-                <a:t>RELAÇÃO DE COLAB.</a:t>
+                <a:t>QUADRO DE PESSOAL</a:t>
+              </a:r>
+              <a:endParaRPr lang="pt-BR" sz="1100" b="1" dirty="0">
+                <a:latin typeface="Montserrat" panose="00000500000000000000" pitchFamily="2" charset="0"/>
+              </a:endParaRPr>
+            </a:p>
+          </p:txBody>
+        </p:sp>
+      </p:grpSp>
+      <p:grpSp>
+        <p:nvGrpSpPr>
+          <p:cNvPr id="3" name="Agrupar 2">
+            <a:extLst>
+              <a:ext uri="{FF2B5EF4-FFF2-40B4-BE49-F238E27FC236}">
+                <a16:creationId xmlns:a16="http://schemas.microsoft.com/office/drawing/2014/main" id="{94EFE20B-AC4A-9940-CD72-9113F9677245}"/>
+              </a:ext>
+            </a:extLst>
+          </p:cNvPr>
+          <p:cNvGrpSpPr/>
+          <p:nvPr/>
+        </p:nvGrpSpPr>
+        <p:grpSpPr>
+          <a:xfrm>
+            <a:off x="204099" y="6627948"/>
+            <a:ext cx="1556865" cy="1543067"/>
+            <a:chOff x="218004" y="4367039"/>
+            <a:chExt cx="1556865" cy="1543067"/>
+          </a:xfrm>
+        </p:grpSpPr>
+        <p:pic>
+          <p:nvPicPr>
+            <p:cNvPr id="20" name="Imagem 19">
+              <a:extLst>
+                <a:ext uri="{FF2B5EF4-FFF2-40B4-BE49-F238E27FC236}">
+                  <a16:creationId xmlns:a16="http://schemas.microsoft.com/office/drawing/2014/main" id="{AFF1D842-2532-8043-59E6-BFE58692515E}"/>
+                </a:ext>
+              </a:extLst>
+            </p:cNvPr>
+            <p:cNvPicPr>
+              <a:picLocks noChangeAspect="1"/>
+            </p:cNvPicPr>
+            <p:nvPr/>
+          </p:nvPicPr>
+          <p:blipFill>
+            <a:blip r:embed="rId5">
+              <a:extLst>
+                <a:ext uri="{28A0092B-C50C-407E-A947-70E740481C1C}">
+                  <a14:useLocalDpi xmlns:a14="http://schemas.microsoft.com/office/drawing/2010/main" val="0"/>
+                </a:ext>
+              </a:extLst>
+            </a:blip>
+            <a:srcRect/>
+            <a:stretch/>
+          </p:blipFill>
+          <p:spPr>
+            <a:xfrm>
+              <a:off x="453797" y="4367039"/>
+              <a:ext cx="1138979" cy="1085276"/>
+            </a:xfrm>
+            <a:prstGeom prst="rect">
+              <a:avLst/>
+            </a:prstGeom>
+          </p:spPr>
+        </p:pic>
+        <p:sp>
+          <p:nvSpPr>
+            <p:cNvPr id="21" name="CaixaDeTexto 20">
+              <a:extLst>
+                <a:ext uri="{FF2B5EF4-FFF2-40B4-BE49-F238E27FC236}">
+                  <a16:creationId xmlns:a16="http://schemas.microsoft.com/office/drawing/2014/main" id="{E503FEAF-B83E-5866-1937-D258AB2AC181}"/>
+                </a:ext>
+              </a:extLst>
+            </p:cNvPr>
+            <p:cNvSpPr txBox="1"/>
+            <p:nvPr/>
+          </p:nvSpPr>
+          <p:spPr>
+            <a:xfrm>
+              <a:off x="218004" y="5448441"/>
+              <a:ext cx="1556865" cy="461665"/>
+            </a:xfrm>
+            <a:prstGeom prst="rect">
+              <a:avLst/>
+            </a:prstGeom>
+            <a:noFill/>
+          </p:spPr>
+          <p:txBody>
+            <a:bodyPr wrap="square" rtlCol="0">
+              <a:spAutoFit/>
+            </a:bodyPr>
+            <a:lstStyle/>
+            <a:p>
+              <a:pPr algn="ctr"/>
+              <a:r>
+                <a:rPr lang="pt-BR" sz="1200" b="1" dirty="0">
+                  <a:latin typeface="Montserrat" panose="00000500000000000000" pitchFamily="2" charset="0"/>
+                </a:rPr>
+                <a:t>EVOLUÇÃO DE HORAS EXTRAS</a:t>
+              </a:r>
+              <a:endParaRPr lang="pt-BR" sz="1100" b="1" dirty="0">
+                <a:latin typeface="Montserrat" panose="00000500000000000000" pitchFamily="2" charset="0"/>
+              </a:endParaRPr>
+            </a:p>
+          </p:txBody>
+        </p:sp>
+      </p:grpSp>
+      <p:grpSp>
+        <p:nvGrpSpPr>
+          <p:cNvPr id="11" name="Agrupar 10">
+            <a:extLst>
+              <a:ext uri="{FF2B5EF4-FFF2-40B4-BE49-F238E27FC236}">
+                <a16:creationId xmlns:a16="http://schemas.microsoft.com/office/drawing/2014/main" id="{BEBD8847-FDF8-DE9F-6A29-52B0EB85DAAA}"/>
+              </a:ext>
+            </a:extLst>
+          </p:cNvPr>
+          <p:cNvGrpSpPr/>
+          <p:nvPr/>
+        </p:nvGrpSpPr>
+        <p:grpSpPr>
+          <a:xfrm>
+            <a:off x="316530" y="8414437"/>
+            <a:ext cx="1332002" cy="1342246"/>
+            <a:chOff x="332645" y="4399375"/>
+            <a:chExt cx="1332002" cy="1342246"/>
+          </a:xfrm>
+        </p:grpSpPr>
+        <p:pic>
+          <p:nvPicPr>
+            <p:cNvPr id="12" name="Imagem 11">
+              <a:extLst>
+                <a:ext uri="{FF2B5EF4-FFF2-40B4-BE49-F238E27FC236}">
+                  <a16:creationId xmlns:a16="http://schemas.microsoft.com/office/drawing/2014/main" id="{1184CC42-AD32-8B6E-0112-B816D97FCE28}"/>
+                </a:ext>
+              </a:extLst>
+            </p:cNvPr>
+            <p:cNvPicPr>
+              <a:picLocks noChangeAspect="1"/>
+            </p:cNvPicPr>
+            <p:nvPr/>
+          </p:nvPicPr>
+          <p:blipFill>
+            <a:blip r:embed="rId6">
+              <a:extLst>
+                <a:ext uri="{28A0092B-C50C-407E-A947-70E740481C1C}">
+                  <a14:useLocalDpi xmlns:a14="http://schemas.microsoft.com/office/drawing/2010/main" val="0"/>
+                </a:ext>
+              </a:extLst>
+            </a:blip>
+            <a:srcRect/>
+            <a:stretch/>
+          </p:blipFill>
+          <p:spPr>
+            <a:xfrm>
+              <a:off x="417125" y="4399375"/>
+              <a:ext cx="1175652" cy="1085276"/>
+            </a:xfrm>
+            <a:prstGeom prst="rect">
+              <a:avLst/>
+            </a:prstGeom>
+          </p:spPr>
+        </p:pic>
+        <p:sp>
+          <p:nvSpPr>
+            <p:cNvPr id="14" name="CaixaDeTexto 13">
+              <a:extLst>
+                <a:ext uri="{FF2B5EF4-FFF2-40B4-BE49-F238E27FC236}">
+                  <a16:creationId xmlns:a16="http://schemas.microsoft.com/office/drawing/2014/main" id="{B7DC4609-9D68-5081-8BB8-110A93C83E4D}"/>
+                </a:ext>
+              </a:extLst>
+            </p:cNvPr>
+            <p:cNvSpPr txBox="1"/>
+            <p:nvPr/>
+          </p:nvSpPr>
+          <p:spPr>
+            <a:xfrm>
+              <a:off x="332645" y="5464622"/>
+              <a:ext cx="1332002" cy="276999"/>
+            </a:xfrm>
+            <a:prstGeom prst="rect">
+              <a:avLst/>
+            </a:prstGeom>
+            <a:noFill/>
+          </p:spPr>
+          <p:txBody>
+            <a:bodyPr wrap="square" rtlCol="0">
+              <a:spAutoFit/>
+            </a:bodyPr>
+            <a:lstStyle/>
+            <a:p>
+              <a:pPr algn="ctr"/>
+              <a:r>
+                <a:rPr lang="pt-BR" sz="1200" b="1" dirty="0">
+                  <a:latin typeface="Montserrat" panose="00000500000000000000" pitchFamily="2" charset="0"/>
+                </a:rPr>
+                <a:t>TURNOVER</a:t>
+              </a:r>
+              <a:endParaRPr lang="pt-BR" sz="1100" b="1" dirty="0">
+                <a:latin typeface="Montserrat" panose="00000500000000000000" pitchFamily="2" charset="0"/>
+              </a:endParaRPr>
+            </a:p>
+          </p:txBody>
+        </p:sp>
+      </p:grpSp>
+      <p:grpSp>
+        <p:nvGrpSpPr>
+          <p:cNvPr id="16" name="Agrupar 15">
+            <a:extLst>
+              <a:ext uri="{FF2B5EF4-FFF2-40B4-BE49-F238E27FC236}">
+                <a16:creationId xmlns:a16="http://schemas.microsoft.com/office/drawing/2014/main" id="{B2B6B7F2-0D9E-BBFF-5B2D-3CF77A00852C}"/>
+              </a:ext>
+            </a:extLst>
+          </p:cNvPr>
+          <p:cNvGrpSpPr/>
+          <p:nvPr/>
+        </p:nvGrpSpPr>
+        <p:grpSpPr>
+          <a:xfrm>
+            <a:off x="197942" y="4689129"/>
+            <a:ext cx="1569179" cy="1695397"/>
+            <a:chOff x="218004" y="4399375"/>
+            <a:chExt cx="1569179" cy="1695397"/>
+          </a:xfrm>
+        </p:grpSpPr>
+        <p:pic>
+          <p:nvPicPr>
+            <p:cNvPr id="18" name="Imagem 17">
+              <a:extLst>
+                <a:ext uri="{FF2B5EF4-FFF2-40B4-BE49-F238E27FC236}">
+                  <a16:creationId xmlns:a16="http://schemas.microsoft.com/office/drawing/2014/main" id="{2CA9A272-FF46-F0A7-A773-995BABDDC79A}"/>
+                </a:ext>
+              </a:extLst>
+            </p:cNvPr>
+            <p:cNvPicPr>
+              <a:picLocks noChangeAspect="1"/>
+            </p:cNvPicPr>
+            <p:nvPr/>
+          </p:nvPicPr>
+          <p:blipFill>
+            <a:blip r:embed="rId7">
+              <a:extLst>
+                <a:ext uri="{28A0092B-C50C-407E-A947-70E740481C1C}">
+                  <a14:useLocalDpi xmlns:a14="http://schemas.microsoft.com/office/drawing/2010/main" val="0"/>
+                </a:ext>
+              </a:extLst>
+            </a:blip>
+            <a:srcRect/>
+            <a:stretch/>
+          </p:blipFill>
+          <p:spPr>
+            <a:xfrm>
+              <a:off x="417125" y="4399375"/>
+              <a:ext cx="1169872" cy="1085276"/>
+            </a:xfrm>
+            <a:prstGeom prst="rect">
+              <a:avLst/>
+            </a:prstGeom>
+          </p:spPr>
+        </p:pic>
+        <p:sp>
+          <p:nvSpPr>
+            <p:cNvPr id="22" name="CaixaDeTexto 21">
+              <a:extLst>
+                <a:ext uri="{FF2B5EF4-FFF2-40B4-BE49-F238E27FC236}">
+                  <a16:creationId xmlns:a16="http://schemas.microsoft.com/office/drawing/2014/main" id="{9151BF9F-8259-CFA2-39C0-2A4E65C2706A}"/>
+                </a:ext>
+              </a:extLst>
+            </p:cNvPr>
+            <p:cNvSpPr txBox="1"/>
+            <p:nvPr/>
+          </p:nvSpPr>
+          <p:spPr>
+            <a:xfrm>
+              <a:off x="218004" y="5448441"/>
+              <a:ext cx="1569179" cy="646331"/>
+            </a:xfrm>
+            <a:prstGeom prst="rect">
+              <a:avLst/>
+            </a:prstGeom>
+            <a:noFill/>
+          </p:spPr>
+          <p:txBody>
+            <a:bodyPr wrap="square" rtlCol="0">
+              <a:spAutoFit/>
+            </a:bodyPr>
+            <a:lstStyle/>
+            <a:p>
+              <a:pPr algn="ctr"/>
+              <a:r>
+                <a:rPr lang="pt-BR" sz="1200" b="1" dirty="0">
+                  <a:latin typeface="Montserrat" panose="00000500000000000000" pitchFamily="2" charset="0"/>
+                </a:rPr>
+                <a:t>COLABOR. POR CENTRO DE CUSTO</a:t>
               </a:r>
               <a:endParaRPr lang="pt-BR" sz="1100" b="1" dirty="0">
                 <a:latin typeface="Montserrat" panose="00000500000000000000" pitchFamily="2" charset="0"/>
@@ -13074,10 +13425,10 @@
       </p:grpSp>
       <p:sp>
         <p:nvSpPr>
-          <p:cNvPr id="29" name="Retângulo: Cantos Arredondados 28">
+          <p:cNvPr id="23" name="Retângulo: Cantos Arredondados 22">
             <a:extLst>
               <a:ext uri="{FF2B5EF4-FFF2-40B4-BE49-F238E27FC236}">
-                <a16:creationId xmlns:a16="http://schemas.microsoft.com/office/drawing/2014/main" id="{3AAF3F90-0CEC-4BDD-D04F-1326C4F90E67}"/>
+                <a16:creationId xmlns:a16="http://schemas.microsoft.com/office/drawing/2014/main" id="{1AB8B5D2-DF2D-40EB-0B64-C197C443119A}"/>
               </a:ext>
             </a:extLst>
           </p:cNvPr>
@@ -13086,16 +13437,16 @@
         </p:nvSpPr>
         <p:spPr>
           <a:xfrm>
-            <a:off x="2227660" y="9592415"/>
-            <a:ext cx="7568398" cy="4068597"/>
+            <a:off x="3946753" y="1626234"/>
+            <a:ext cx="17706518" cy="1027411"/>
           </a:xfrm>
           <a:prstGeom prst="roundRect">
             <a:avLst>
-              <a:gd name="adj" fmla="val 5591"/>
+              <a:gd name="adj" fmla="val 16677"/>
             </a:avLst>
           </a:prstGeom>
           <a:solidFill>
-            <a:schemeClr val="bg1"/>
+            <a:srgbClr val="C5E0B4"/>
           </a:solidFill>
           <a:ln>
             <a:noFill/>
@@ -13103,7 +13454,7 @@
           <a:effectLst>
             <a:glow rad="63500">
               <a:schemeClr val="bg1">
-                <a:lumMod val="75000"/>
+                <a:lumMod val="65000"/>
                 <a:alpha val="40000"/>
               </a:schemeClr>
             </a:glow>
@@ -13135,16 +13486,24 @@
           <a:lstStyle/>
           <a:p>
             <a:pPr algn="ctr"/>
-            <a:endParaRPr lang="pt-BR" sz="1265"/>
+            <a:r>
+              <a:rPr lang="pt-BR" sz="4400" b="1" dirty="0">
+                <a:solidFill>
+                  <a:schemeClr val="tx1"/>
+                </a:solidFill>
+                <a:latin typeface="Montserrat SemiBold" panose="00000700000000000000" pitchFamily="2" charset="0"/>
+              </a:rPr>
+              <a:t>RESUMO DASHBOARD DEPARTAMENTO PESSOAL</a:t>
+            </a:r>
           </a:p>
         </p:txBody>
       </p:sp>
       <p:sp>
         <p:nvSpPr>
-          <p:cNvPr id="30" name="Retângulo: Cantos Arredondados 29">
+          <p:cNvPr id="24" name="Retângulo: Cantos Arredondados 23">
             <a:extLst>
               <a:ext uri="{FF2B5EF4-FFF2-40B4-BE49-F238E27FC236}">
-                <a16:creationId xmlns:a16="http://schemas.microsoft.com/office/drawing/2014/main" id="{853A13AE-7F32-D4BB-3398-58111C282201}"/>
+                <a16:creationId xmlns:a16="http://schemas.microsoft.com/office/drawing/2014/main" id="{69ED29B0-B620-E9DA-C3BB-3FCB0CAC36E8}"/>
               </a:ext>
             </a:extLst>
           </p:cNvPr>
@@ -13153,12 +13512,12 @@
         </p:nvSpPr>
         <p:spPr>
           <a:xfrm>
-            <a:off x="10062134" y="2950484"/>
-            <a:ext cx="7268175" cy="4643620"/>
+            <a:off x="3960482" y="3105035"/>
+            <a:ext cx="9711892" cy="1027411"/>
           </a:xfrm>
           <a:prstGeom prst="roundRect">
             <a:avLst>
-              <a:gd name="adj" fmla="val 5591"/>
+              <a:gd name="adj" fmla="val 16306"/>
             </a:avLst>
           </a:prstGeom>
           <a:solidFill>
@@ -13206,104 +13565,2235 @@
           </a:p>
         </p:txBody>
       </p:sp>
-      <p:grpSp>
-        <p:nvGrpSpPr>
-          <p:cNvPr id="5" name="Agrupar 4">
+      <p:sp>
+        <p:nvSpPr>
+          <p:cNvPr id="32" name="CaixaDeTexto 31">
             <a:extLst>
               <a:ext uri="{FF2B5EF4-FFF2-40B4-BE49-F238E27FC236}">
-                <a16:creationId xmlns:a16="http://schemas.microsoft.com/office/drawing/2014/main" id="{866369AE-F877-85A7-DA0A-83291A6770D8}"/>
+                <a16:creationId xmlns:a16="http://schemas.microsoft.com/office/drawing/2014/main" id="{F4562E90-6851-F7CF-37E8-244ADBBCEE5E}"/>
               </a:ext>
             </a:extLst>
           </p:cNvPr>
-          <p:cNvGrpSpPr/>
+          <p:cNvSpPr txBox="1"/>
           <p:nvPr/>
-        </p:nvGrpSpPr>
-        <p:grpSpPr>
+        </p:nvSpPr>
+        <p:spPr>
           <a:xfrm>
-            <a:off x="218004" y="4399375"/>
-            <a:ext cx="1483519" cy="1510731"/>
-            <a:chOff x="223837" y="2766523"/>
-            <a:chExt cx="1483519" cy="1510731"/>
+            <a:off x="10469088" y="3105035"/>
+            <a:ext cx="1040987" cy="369332"/>
           </a:xfrm>
-          <a:effectLst/>
-        </p:grpSpPr>
-        <p:pic>
-          <p:nvPicPr>
-            <p:cNvPr id="34" name="Imagem 33">
-              <a:extLst>
-                <a:ext uri="{FF2B5EF4-FFF2-40B4-BE49-F238E27FC236}">
-                  <a16:creationId xmlns:a16="http://schemas.microsoft.com/office/drawing/2014/main" id="{33D2F17C-FC46-BDAB-CCC5-0B611479A69C}"/>
-                </a:ext>
-              </a:extLst>
-            </p:cNvPr>
-            <p:cNvPicPr>
-              <a:picLocks noChangeAspect="1"/>
-            </p:cNvPicPr>
-            <p:nvPr/>
-          </p:nvPicPr>
-          <p:blipFill>
-            <a:blip r:embed="rId5">
-              <a:extLst>
-                <a:ext uri="{28A0092B-C50C-407E-A947-70E740481C1C}">
-                  <a14:useLocalDpi xmlns:a14="http://schemas.microsoft.com/office/drawing/2010/main" val="0"/>
-                </a:ext>
-              </a:extLst>
-            </a:blip>
-            <a:srcRect/>
-            <a:stretch/>
-          </p:blipFill>
-          <p:spPr>
-            <a:xfrm>
-              <a:off x="446601" y="2766523"/>
-              <a:ext cx="1085276" cy="1085276"/>
-            </a:xfrm>
-            <a:prstGeom prst="rect">
-              <a:avLst/>
-            </a:prstGeom>
-          </p:spPr>
-        </p:pic>
-        <p:sp>
-          <p:nvSpPr>
-            <p:cNvPr id="36" name="CaixaDeTexto 35">
-              <a:extLst>
-                <a:ext uri="{FF2B5EF4-FFF2-40B4-BE49-F238E27FC236}">
-                  <a16:creationId xmlns:a16="http://schemas.microsoft.com/office/drawing/2014/main" id="{0E690F17-446E-9826-7C2A-2BA99F55E15B}"/>
-                </a:ext>
-              </a:extLst>
-            </p:cNvPr>
-            <p:cNvSpPr txBox="1"/>
-            <p:nvPr/>
-          </p:nvSpPr>
-          <p:spPr>
-            <a:xfrm>
-              <a:off x="223837" y="3815589"/>
-              <a:ext cx="1483519" cy="461665"/>
-            </a:xfrm>
-            <a:prstGeom prst="rect">
-              <a:avLst/>
-            </a:prstGeom>
+          <a:prstGeom prst="rect">
+            <a:avLst/>
+          </a:prstGeom>
+          <a:noFill/>
+        </p:spPr>
+        <p:txBody>
+          <a:bodyPr wrap="square" rtlCol="0">
+            <a:spAutoFit/>
+          </a:bodyPr>
+          <a:lstStyle/>
+          <a:p>
+            <a:r>
+              <a:rPr lang="pt-BR" dirty="0">
+                <a:latin typeface="Montserrat SemiBold" panose="00000700000000000000" pitchFamily="2" charset="0"/>
+              </a:rPr>
+              <a:t>DATA</a:t>
+            </a:r>
+          </a:p>
+        </p:txBody>
+      </p:sp>
+      <p:sp>
+        <p:nvSpPr>
+          <p:cNvPr id="49" name="Retângulo: Cantos Arredondados 48">
+            <a:extLst>
+              <a:ext uri="{FF2B5EF4-FFF2-40B4-BE49-F238E27FC236}">
+                <a16:creationId xmlns:a16="http://schemas.microsoft.com/office/drawing/2014/main" id="{01FEB809-BEFD-7D81-52B9-020A018EC9F4}"/>
+              </a:ext>
+            </a:extLst>
+          </p:cNvPr>
+          <p:cNvSpPr/>
+          <p:nvPr/>
+        </p:nvSpPr>
+        <p:spPr>
+          <a:xfrm>
+            <a:off x="3949373" y="5584415"/>
+            <a:ext cx="3902679" cy="2254407"/>
+          </a:xfrm>
+          <a:prstGeom prst="roundRect">
+            <a:avLst>
+              <a:gd name="adj" fmla="val 16306"/>
+            </a:avLst>
+          </a:prstGeom>
+          <a:solidFill>
+            <a:schemeClr val="bg1"/>
+          </a:solidFill>
+          <a:ln>
             <a:noFill/>
-          </p:spPr>
-          <p:txBody>
-            <a:bodyPr wrap="square" rtlCol="0">
-              <a:spAutoFit/>
-            </a:bodyPr>
-            <a:lstStyle/>
-            <a:p>
-              <a:pPr algn="ctr"/>
-              <a:r>
-                <a:rPr lang="pt-BR" sz="1200" b="1" dirty="0">
-                  <a:latin typeface="Montserrat" panose="00000500000000000000" pitchFamily="2" charset="0"/>
-                </a:rPr>
-                <a:t>EVOLUÇÃO HORAS EXTRAS</a:t>
-              </a:r>
-              <a:endParaRPr lang="pt-BR" sz="1100" b="1" dirty="0">
-                <a:latin typeface="Montserrat" panose="00000500000000000000" pitchFamily="2" charset="0"/>
-              </a:endParaRPr>
-            </a:p>
-          </p:txBody>
-        </p:sp>
-      </p:grpSp>
+          </a:ln>
+          <a:effectLst>
+            <a:glow rad="63500">
+              <a:schemeClr val="bg1">
+                <a:lumMod val="75000"/>
+                <a:alpha val="40000"/>
+              </a:schemeClr>
+            </a:glow>
+            <a:outerShdw blurRad="50800" dist="38100" dir="5400000" algn="t" rotWithShape="0">
+              <a:schemeClr val="tx1">
+                <a:alpha val="40000"/>
+              </a:schemeClr>
+            </a:outerShdw>
+          </a:effectLst>
+        </p:spPr>
+        <p:style>
+          <a:lnRef idx="2">
+            <a:schemeClr val="accent1">
+              <a:shade val="50000"/>
+            </a:schemeClr>
+          </a:lnRef>
+          <a:fillRef idx="1">
+            <a:schemeClr val="accent1"/>
+          </a:fillRef>
+          <a:effectRef idx="0">
+            <a:schemeClr val="accent1"/>
+          </a:effectRef>
+          <a:fontRef idx="minor">
+            <a:schemeClr val="lt1"/>
+          </a:fontRef>
+        </p:style>
+        <p:txBody>
+          <a:bodyPr rtlCol="0" anchor="ctr"/>
+          <a:lstStyle/>
+          <a:p>
+            <a:pPr algn="ctr"/>
+            <a:endParaRPr lang="pt-BR" sz="1265"/>
+          </a:p>
+        </p:txBody>
+      </p:sp>
+      <p:sp>
+        <p:nvSpPr>
+          <p:cNvPr id="55" name="CaixaDeTexto 54">
+            <a:extLst>
+              <a:ext uri="{FF2B5EF4-FFF2-40B4-BE49-F238E27FC236}">
+                <a16:creationId xmlns:a16="http://schemas.microsoft.com/office/drawing/2014/main" id="{2C7C3FC0-E974-F7C9-1F44-BBA0FAB46109}"/>
+              </a:ext>
+            </a:extLst>
+          </p:cNvPr>
+          <p:cNvSpPr txBox="1"/>
+          <p:nvPr/>
+        </p:nvSpPr>
+        <p:spPr>
+          <a:xfrm>
+            <a:off x="3956237" y="6126843"/>
+            <a:ext cx="3895815" cy="1169551"/>
+          </a:xfrm>
+          <a:prstGeom prst="rect">
+            <a:avLst/>
+          </a:prstGeom>
+          <a:noFill/>
+        </p:spPr>
+        <p:txBody>
+          <a:bodyPr wrap="square" rtlCol="0">
+            <a:spAutoFit/>
+          </a:bodyPr>
+          <a:lstStyle/>
+          <a:p>
+            <a:pPr algn="ctr"/>
+            <a:r>
+              <a:rPr lang="pt-BR" sz="3500" dirty="0">
+                <a:latin typeface="Montserrat SemiBold" panose="00000700000000000000" pitchFamily="2" charset="0"/>
+              </a:rPr>
+              <a:t>HORAS EXTRAS DEVIDAS</a:t>
+            </a:r>
+          </a:p>
+        </p:txBody>
+      </p:sp>
+      <p:sp>
+        <p:nvSpPr>
+          <p:cNvPr id="59" name="Retângulo: Cantos Arredondados 58">
+            <a:extLst>
+              <a:ext uri="{FF2B5EF4-FFF2-40B4-BE49-F238E27FC236}">
+                <a16:creationId xmlns:a16="http://schemas.microsoft.com/office/drawing/2014/main" id="{44C63F40-BCD7-622D-00F0-7495A69D70AD}"/>
+              </a:ext>
+            </a:extLst>
+          </p:cNvPr>
+          <p:cNvSpPr/>
+          <p:nvPr/>
+        </p:nvSpPr>
+        <p:spPr>
+          <a:xfrm>
+            <a:off x="3960482" y="4393904"/>
+            <a:ext cx="9711892" cy="1027411"/>
+          </a:xfrm>
+          <a:prstGeom prst="roundRect">
+            <a:avLst>
+              <a:gd name="adj" fmla="val 16306"/>
+            </a:avLst>
+          </a:prstGeom>
+          <a:solidFill>
+            <a:schemeClr val="bg1"/>
+          </a:solidFill>
+          <a:ln>
+            <a:noFill/>
+          </a:ln>
+          <a:effectLst>
+            <a:glow rad="63500">
+              <a:schemeClr val="bg1">
+                <a:lumMod val="75000"/>
+                <a:alpha val="40000"/>
+              </a:schemeClr>
+            </a:glow>
+            <a:outerShdw blurRad="50800" dist="38100" dir="5400000" algn="t" rotWithShape="0">
+              <a:schemeClr val="tx1">
+                <a:alpha val="40000"/>
+              </a:schemeClr>
+            </a:outerShdw>
+          </a:effectLst>
+        </p:spPr>
+        <p:style>
+          <a:lnRef idx="2">
+            <a:schemeClr val="accent1">
+              <a:shade val="50000"/>
+            </a:schemeClr>
+          </a:lnRef>
+          <a:fillRef idx="1">
+            <a:schemeClr val="accent1"/>
+          </a:fillRef>
+          <a:effectRef idx="0">
+            <a:schemeClr val="accent1"/>
+          </a:effectRef>
+          <a:fontRef idx="minor">
+            <a:schemeClr val="lt1"/>
+          </a:fontRef>
+        </p:style>
+        <p:txBody>
+          <a:bodyPr rtlCol="0" anchor="ctr"/>
+          <a:lstStyle/>
+          <a:p>
+            <a:pPr algn="ctr"/>
+            <a:endParaRPr lang="pt-BR" sz="1265"/>
+          </a:p>
+        </p:txBody>
+      </p:sp>
+      <p:sp>
+        <p:nvSpPr>
+          <p:cNvPr id="61" name="Retângulo: Cantos Arredondados 60">
+            <a:extLst>
+              <a:ext uri="{FF2B5EF4-FFF2-40B4-BE49-F238E27FC236}">
+                <a16:creationId xmlns:a16="http://schemas.microsoft.com/office/drawing/2014/main" id="{8EBEF74D-C9DB-26A7-112B-066526DDD6C1}"/>
+              </a:ext>
+            </a:extLst>
+          </p:cNvPr>
+          <p:cNvSpPr/>
+          <p:nvPr/>
+        </p:nvSpPr>
+        <p:spPr>
+          <a:xfrm>
+            <a:off x="14001153" y="4393904"/>
+            <a:ext cx="2338282" cy="1027411"/>
+          </a:xfrm>
+          <a:prstGeom prst="roundRect">
+            <a:avLst>
+              <a:gd name="adj" fmla="val 16306"/>
+            </a:avLst>
+          </a:prstGeom>
+          <a:solidFill>
+            <a:schemeClr val="bg1"/>
+          </a:solidFill>
+          <a:ln>
+            <a:noFill/>
+          </a:ln>
+          <a:effectLst>
+            <a:glow rad="63500">
+              <a:schemeClr val="bg1">
+                <a:lumMod val="75000"/>
+                <a:alpha val="40000"/>
+              </a:schemeClr>
+            </a:glow>
+            <a:outerShdw blurRad="50800" dist="38100" dir="5400000" algn="t" rotWithShape="0">
+              <a:schemeClr val="tx1">
+                <a:alpha val="40000"/>
+              </a:schemeClr>
+            </a:outerShdw>
+          </a:effectLst>
+        </p:spPr>
+        <p:style>
+          <a:lnRef idx="2">
+            <a:schemeClr val="accent1">
+              <a:shade val="50000"/>
+            </a:schemeClr>
+          </a:lnRef>
+          <a:fillRef idx="1">
+            <a:schemeClr val="accent1"/>
+          </a:fillRef>
+          <a:effectRef idx="0">
+            <a:schemeClr val="accent1"/>
+          </a:effectRef>
+          <a:fontRef idx="minor">
+            <a:schemeClr val="lt1"/>
+          </a:fontRef>
+        </p:style>
+        <p:txBody>
+          <a:bodyPr rtlCol="0" anchor="ctr"/>
+          <a:lstStyle/>
+          <a:p>
+            <a:pPr algn="ctr"/>
+            <a:endParaRPr lang="pt-BR" sz="1265"/>
+          </a:p>
+        </p:txBody>
+      </p:sp>
+      <p:sp>
+        <p:nvSpPr>
+          <p:cNvPr id="63" name="Retângulo: Cantos Arredondados 62">
+            <a:extLst>
+              <a:ext uri="{FF2B5EF4-FFF2-40B4-BE49-F238E27FC236}">
+                <a16:creationId xmlns:a16="http://schemas.microsoft.com/office/drawing/2014/main" id="{46C65DEC-6534-D83B-F79D-23F02B271211}"/>
+              </a:ext>
+            </a:extLst>
+          </p:cNvPr>
+          <p:cNvSpPr/>
+          <p:nvPr/>
+        </p:nvSpPr>
+        <p:spPr>
+          <a:xfrm>
+            <a:off x="16658071" y="4393904"/>
+            <a:ext cx="2338282" cy="1027411"/>
+          </a:xfrm>
+          <a:prstGeom prst="roundRect">
+            <a:avLst>
+              <a:gd name="adj" fmla="val 16306"/>
+            </a:avLst>
+          </a:prstGeom>
+          <a:solidFill>
+            <a:schemeClr val="bg1"/>
+          </a:solidFill>
+          <a:ln>
+            <a:noFill/>
+          </a:ln>
+          <a:effectLst>
+            <a:glow rad="63500">
+              <a:schemeClr val="bg1">
+                <a:lumMod val="75000"/>
+                <a:alpha val="40000"/>
+              </a:schemeClr>
+            </a:glow>
+            <a:outerShdw blurRad="50800" dist="38100" dir="5400000" algn="t" rotWithShape="0">
+              <a:schemeClr val="tx1">
+                <a:alpha val="40000"/>
+              </a:schemeClr>
+            </a:outerShdw>
+          </a:effectLst>
+        </p:spPr>
+        <p:style>
+          <a:lnRef idx="2">
+            <a:schemeClr val="accent1">
+              <a:shade val="50000"/>
+            </a:schemeClr>
+          </a:lnRef>
+          <a:fillRef idx="1">
+            <a:schemeClr val="accent1"/>
+          </a:fillRef>
+          <a:effectRef idx="0">
+            <a:schemeClr val="accent1"/>
+          </a:effectRef>
+          <a:fontRef idx="minor">
+            <a:schemeClr val="lt1"/>
+          </a:fontRef>
+        </p:style>
+        <p:txBody>
+          <a:bodyPr rtlCol="0" anchor="ctr"/>
+          <a:lstStyle/>
+          <a:p>
+            <a:pPr algn="ctr"/>
+            <a:endParaRPr lang="pt-BR" sz="1265"/>
+          </a:p>
+        </p:txBody>
+      </p:sp>
+      <p:sp>
+        <p:nvSpPr>
+          <p:cNvPr id="64" name="Retângulo: Cantos Arredondados 63">
+            <a:extLst>
+              <a:ext uri="{FF2B5EF4-FFF2-40B4-BE49-F238E27FC236}">
+                <a16:creationId xmlns:a16="http://schemas.microsoft.com/office/drawing/2014/main" id="{28192B8B-1A5B-1D07-DBF5-C7DA64687949}"/>
+              </a:ext>
+            </a:extLst>
+          </p:cNvPr>
+          <p:cNvSpPr/>
+          <p:nvPr/>
+        </p:nvSpPr>
+        <p:spPr>
+          <a:xfrm>
+            <a:off x="19314989" y="4393904"/>
+            <a:ext cx="2338282" cy="1027411"/>
+          </a:xfrm>
+          <a:prstGeom prst="roundRect">
+            <a:avLst>
+              <a:gd name="adj" fmla="val 16306"/>
+            </a:avLst>
+          </a:prstGeom>
+          <a:solidFill>
+            <a:schemeClr val="bg1"/>
+          </a:solidFill>
+          <a:ln>
+            <a:noFill/>
+          </a:ln>
+          <a:effectLst>
+            <a:glow rad="63500">
+              <a:schemeClr val="bg1">
+                <a:lumMod val="75000"/>
+                <a:alpha val="40000"/>
+              </a:schemeClr>
+            </a:glow>
+            <a:outerShdw blurRad="50800" dist="38100" dir="5400000" algn="t" rotWithShape="0">
+              <a:schemeClr val="tx1">
+                <a:alpha val="40000"/>
+              </a:schemeClr>
+            </a:outerShdw>
+          </a:effectLst>
+        </p:spPr>
+        <p:style>
+          <a:lnRef idx="2">
+            <a:schemeClr val="accent1">
+              <a:shade val="50000"/>
+            </a:schemeClr>
+          </a:lnRef>
+          <a:fillRef idx="1">
+            <a:schemeClr val="accent1"/>
+          </a:fillRef>
+          <a:effectRef idx="0">
+            <a:schemeClr val="accent1"/>
+          </a:effectRef>
+          <a:fontRef idx="minor">
+            <a:schemeClr val="lt1"/>
+          </a:fontRef>
+        </p:style>
+        <p:txBody>
+          <a:bodyPr rtlCol="0" anchor="ctr"/>
+          <a:lstStyle/>
+          <a:p>
+            <a:pPr algn="ctr"/>
+            <a:endParaRPr lang="pt-BR" sz="1265"/>
+          </a:p>
+        </p:txBody>
+      </p:sp>
+      <p:sp>
+        <p:nvSpPr>
+          <p:cNvPr id="66" name="CaixaDeTexto 65">
+            <a:extLst>
+              <a:ext uri="{FF2B5EF4-FFF2-40B4-BE49-F238E27FC236}">
+                <a16:creationId xmlns:a16="http://schemas.microsoft.com/office/drawing/2014/main" id="{3BAE0605-A692-DEA6-2C23-277DF1515E77}"/>
+              </a:ext>
+            </a:extLst>
+          </p:cNvPr>
+          <p:cNvSpPr txBox="1"/>
+          <p:nvPr/>
+        </p:nvSpPr>
+        <p:spPr>
+          <a:xfrm>
+            <a:off x="4095421" y="4583385"/>
+            <a:ext cx="7717202" cy="630942"/>
+          </a:xfrm>
+          <a:prstGeom prst="rect">
+            <a:avLst/>
+          </a:prstGeom>
+          <a:noFill/>
+        </p:spPr>
+        <p:txBody>
+          <a:bodyPr wrap="square" rtlCol="0">
+            <a:spAutoFit/>
+          </a:bodyPr>
+          <a:lstStyle/>
+          <a:p>
+            <a:r>
+              <a:rPr lang="pt-BR" sz="3500" dirty="0">
+                <a:latin typeface="Montserrat SemiBold" panose="00000700000000000000" pitchFamily="2" charset="0"/>
+              </a:rPr>
+              <a:t>TOTAL DE COLABORADORES</a:t>
+            </a:r>
+          </a:p>
+        </p:txBody>
+      </p:sp>
+      <p:sp>
+        <p:nvSpPr>
+          <p:cNvPr id="84" name="Retângulo: Cantos Arredondados 83">
+            <a:extLst>
+              <a:ext uri="{FF2B5EF4-FFF2-40B4-BE49-F238E27FC236}">
+                <a16:creationId xmlns:a16="http://schemas.microsoft.com/office/drawing/2014/main" id="{6855656A-4F37-C5E0-CA49-6DCEA479F782}"/>
+              </a:ext>
+            </a:extLst>
+          </p:cNvPr>
+          <p:cNvSpPr/>
+          <p:nvPr/>
+        </p:nvSpPr>
+        <p:spPr>
+          <a:xfrm>
+            <a:off x="8174478" y="5606475"/>
+            <a:ext cx="5508039" cy="1027411"/>
+          </a:xfrm>
+          <a:prstGeom prst="roundRect">
+            <a:avLst>
+              <a:gd name="adj" fmla="val 16306"/>
+            </a:avLst>
+          </a:prstGeom>
+          <a:solidFill>
+            <a:schemeClr val="bg1"/>
+          </a:solidFill>
+          <a:ln>
+            <a:noFill/>
+          </a:ln>
+          <a:effectLst>
+            <a:glow rad="63500">
+              <a:schemeClr val="bg1">
+                <a:lumMod val="75000"/>
+                <a:alpha val="40000"/>
+              </a:schemeClr>
+            </a:glow>
+            <a:outerShdw blurRad="50800" dist="38100" dir="5400000" algn="t" rotWithShape="0">
+              <a:schemeClr val="tx1">
+                <a:alpha val="40000"/>
+              </a:schemeClr>
+            </a:outerShdw>
+          </a:effectLst>
+        </p:spPr>
+        <p:style>
+          <a:lnRef idx="2">
+            <a:schemeClr val="accent1">
+              <a:shade val="50000"/>
+            </a:schemeClr>
+          </a:lnRef>
+          <a:fillRef idx="1">
+            <a:schemeClr val="accent1"/>
+          </a:fillRef>
+          <a:effectRef idx="0">
+            <a:schemeClr val="accent1"/>
+          </a:effectRef>
+          <a:fontRef idx="minor">
+            <a:schemeClr val="lt1"/>
+          </a:fontRef>
+        </p:style>
+        <p:txBody>
+          <a:bodyPr rtlCol="0" anchor="ctr"/>
+          <a:lstStyle/>
+          <a:p>
+            <a:pPr algn="ctr"/>
+            <a:endParaRPr lang="pt-BR" sz="1265"/>
+          </a:p>
+        </p:txBody>
+      </p:sp>
+      <p:sp>
+        <p:nvSpPr>
+          <p:cNvPr id="86" name="Retângulo: Cantos Arredondados 85">
+            <a:extLst>
+              <a:ext uri="{FF2B5EF4-FFF2-40B4-BE49-F238E27FC236}">
+                <a16:creationId xmlns:a16="http://schemas.microsoft.com/office/drawing/2014/main" id="{A9D43460-A70B-968D-6435-3A0591EAB5BB}"/>
+              </a:ext>
+            </a:extLst>
+          </p:cNvPr>
+          <p:cNvSpPr/>
+          <p:nvPr/>
+        </p:nvSpPr>
+        <p:spPr>
+          <a:xfrm>
+            <a:off x="14001153" y="5606475"/>
+            <a:ext cx="2338282" cy="1027411"/>
+          </a:xfrm>
+          <a:prstGeom prst="roundRect">
+            <a:avLst>
+              <a:gd name="adj" fmla="val 16306"/>
+            </a:avLst>
+          </a:prstGeom>
+          <a:solidFill>
+            <a:schemeClr val="bg1"/>
+          </a:solidFill>
+          <a:ln>
+            <a:noFill/>
+          </a:ln>
+          <a:effectLst>
+            <a:glow rad="63500">
+              <a:schemeClr val="bg1">
+                <a:lumMod val="75000"/>
+                <a:alpha val="40000"/>
+              </a:schemeClr>
+            </a:glow>
+            <a:outerShdw blurRad="50800" dist="38100" dir="5400000" algn="t" rotWithShape="0">
+              <a:schemeClr val="tx1">
+                <a:alpha val="40000"/>
+              </a:schemeClr>
+            </a:outerShdw>
+          </a:effectLst>
+        </p:spPr>
+        <p:style>
+          <a:lnRef idx="2">
+            <a:schemeClr val="accent1">
+              <a:shade val="50000"/>
+            </a:schemeClr>
+          </a:lnRef>
+          <a:fillRef idx="1">
+            <a:schemeClr val="accent1"/>
+          </a:fillRef>
+          <a:effectRef idx="0">
+            <a:schemeClr val="accent1"/>
+          </a:effectRef>
+          <a:fontRef idx="minor">
+            <a:schemeClr val="lt1"/>
+          </a:fontRef>
+        </p:style>
+        <p:txBody>
+          <a:bodyPr rtlCol="0" anchor="ctr"/>
+          <a:lstStyle/>
+          <a:p>
+            <a:pPr algn="ctr"/>
+            <a:endParaRPr lang="pt-BR" sz="1265"/>
+          </a:p>
+        </p:txBody>
+      </p:sp>
+      <p:sp>
+        <p:nvSpPr>
+          <p:cNvPr id="88" name="Retângulo: Cantos Arredondados 87">
+            <a:extLst>
+              <a:ext uri="{FF2B5EF4-FFF2-40B4-BE49-F238E27FC236}">
+                <a16:creationId xmlns:a16="http://schemas.microsoft.com/office/drawing/2014/main" id="{1CD1C7E5-F7F4-9229-3B72-D3324AC49409}"/>
+              </a:ext>
+            </a:extLst>
+          </p:cNvPr>
+          <p:cNvSpPr/>
+          <p:nvPr/>
+        </p:nvSpPr>
+        <p:spPr>
+          <a:xfrm>
+            <a:off x="16658071" y="5606475"/>
+            <a:ext cx="2338282" cy="1027411"/>
+          </a:xfrm>
+          <a:prstGeom prst="roundRect">
+            <a:avLst>
+              <a:gd name="adj" fmla="val 16306"/>
+            </a:avLst>
+          </a:prstGeom>
+          <a:solidFill>
+            <a:schemeClr val="bg1"/>
+          </a:solidFill>
+          <a:ln>
+            <a:noFill/>
+          </a:ln>
+          <a:effectLst>
+            <a:glow rad="63500">
+              <a:schemeClr val="bg1">
+                <a:lumMod val="75000"/>
+                <a:alpha val="40000"/>
+              </a:schemeClr>
+            </a:glow>
+            <a:outerShdw blurRad="50800" dist="38100" dir="5400000" algn="t" rotWithShape="0">
+              <a:schemeClr val="tx1">
+                <a:alpha val="40000"/>
+              </a:schemeClr>
+            </a:outerShdw>
+          </a:effectLst>
+        </p:spPr>
+        <p:style>
+          <a:lnRef idx="2">
+            <a:schemeClr val="accent1">
+              <a:shade val="50000"/>
+            </a:schemeClr>
+          </a:lnRef>
+          <a:fillRef idx="1">
+            <a:schemeClr val="accent1"/>
+          </a:fillRef>
+          <a:effectRef idx="0">
+            <a:schemeClr val="accent1"/>
+          </a:effectRef>
+          <a:fontRef idx="minor">
+            <a:schemeClr val="lt1"/>
+          </a:fontRef>
+        </p:style>
+        <p:txBody>
+          <a:bodyPr rtlCol="0" anchor="ctr"/>
+          <a:lstStyle/>
+          <a:p>
+            <a:pPr algn="ctr"/>
+            <a:endParaRPr lang="pt-BR" sz="1265"/>
+          </a:p>
+        </p:txBody>
+      </p:sp>
+      <p:sp>
+        <p:nvSpPr>
+          <p:cNvPr id="90" name="Retângulo: Cantos Arredondados 89">
+            <a:extLst>
+              <a:ext uri="{FF2B5EF4-FFF2-40B4-BE49-F238E27FC236}">
+                <a16:creationId xmlns:a16="http://schemas.microsoft.com/office/drawing/2014/main" id="{BF749C0D-B182-FAC6-3EE4-2D4F8AC3CFF2}"/>
+              </a:ext>
+            </a:extLst>
+          </p:cNvPr>
+          <p:cNvSpPr/>
+          <p:nvPr/>
+        </p:nvSpPr>
+        <p:spPr>
+          <a:xfrm>
+            <a:off x="19314989" y="5606475"/>
+            <a:ext cx="2338282" cy="1027411"/>
+          </a:xfrm>
+          <a:prstGeom prst="roundRect">
+            <a:avLst>
+              <a:gd name="adj" fmla="val 16306"/>
+            </a:avLst>
+          </a:prstGeom>
+          <a:solidFill>
+            <a:schemeClr val="bg1"/>
+          </a:solidFill>
+          <a:ln>
+            <a:noFill/>
+          </a:ln>
+          <a:effectLst>
+            <a:glow rad="63500">
+              <a:schemeClr val="bg1">
+                <a:lumMod val="75000"/>
+                <a:alpha val="40000"/>
+              </a:schemeClr>
+            </a:glow>
+            <a:outerShdw blurRad="50800" dist="38100" dir="5400000" algn="t" rotWithShape="0">
+              <a:schemeClr val="tx1">
+                <a:alpha val="40000"/>
+              </a:schemeClr>
+            </a:outerShdw>
+          </a:effectLst>
+        </p:spPr>
+        <p:style>
+          <a:lnRef idx="2">
+            <a:schemeClr val="accent1">
+              <a:shade val="50000"/>
+            </a:schemeClr>
+          </a:lnRef>
+          <a:fillRef idx="1">
+            <a:schemeClr val="accent1"/>
+          </a:fillRef>
+          <a:effectRef idx="0">
+            <a:schemeClr val="accent1"/>
+          </a:effectRef>
+          <a:fontRef idx="minor">
+            <a:schemeClr val="lt1"/>
+          </a:fontRef>
+        </p:style>
+        <p:txBody>
+          <a:bodyPr rtlCol="0" anchor="ctr"/>
+          <a:lstStyle/>
+          <a:p>
+            <a:pPr algn="ctr"/>
+            <a:endParaRPr lang="pt-BR" sz="1265"/>
+          </a:p>
+        </p:txBody>
+      </p:sp>
+      <p:sp>
+        <p:nvSpPr>
+          <p:cNvPr id="91" name="CaixaDeTexto 90">
+            <a:extLst>
+              <a:ext uri="{FF2B5EF4-FFF2-40B4-BE49-F238E27FC236}">
+                <a16:creationId xmlns:a16="http://schemas.microsoft.com/office/drawing/2014/main" id="{27E98686-7F8F-6B77-7CA1-1ECB65DEA787}"/>
+              </a:ext>
+            </a:extLst>
+          </p:cNvPr>
+          <p:cNvSpPr txBox="1"/>
+          <p:nvPr/>
+        </p:nvSpPr>
+        <p:spPr>
+          <a:xfrm>
+            <a:off x="8170688" y="5804709"/>
+            <a:ext cx="5508040" cy="630942"/>
+          </a:xfrm>
+          <a:prstGeom prst="rect">
+            <a:avLst/>
+          </a:prstGeom>
+          <a:noFill/>
+        </p:spPr>
+        <p:txBody>
+          <a:bodyPr wrap="square" rtlCol="0">
+            <a:spAutoFit/>
+          </a:bodyPr>
+          <a:lstStyle/>
+          <a:p>
+            <a:r>
+              <a:rPr lang="pt-BR" sz="3500" dirty="0">
+                <a:latin typeface="Montserrat SemiBold" panose="00000700000000000000" pitchFamily="2" charset="0"/>
+              </a:rPr>
+              <a:t>PELA EMPRESA</a:t>
+            </a:r>
+          </a:p>
+        </p:txBody>
+      </p:sp>
+      <p:sp>
+        <p:nvSpPr>
+          <p:cNvPr id="95" name="Retângulo: Cantos Arredondados 94">
+            <a:extLst>
+              <a:ext uri="{FF2B5EF4-FFF2-40B4-BE49-F238E27FC236}">
+                <a16:creationId xmlns:a16="http://schemas.microsoft.com/office/drawing/2014/main" id="{F0FD0BC4-9FEB-FF2D-B5E1-1F19D1A07647}"/>
+              </a:ext>
+            </a:extLst>
+          </p:cNvPr>
+          <p:cNvSpPr/>
+          <p:nvPr/>
+        </p:nvSpPr>
+        <p:spPr>
+          <a:xfrm>
+            <a:off x="8172583" y="6819046"/>
+            <a:ext cx="5508039" cy="1027411"/>
+          </a:xfrm>
+          <a:prstGeom prst="roundRect">
+            <a:avLst>
+              <a:gd name="adj" fmla="val 16306"/>
+            </a:avLst>
+          </a:prstGeom>
+          <a:solidFill>
+            <a:schemeClr val="bg1"/>
+          </a:solidFill>
+          <a:ln>
+            <a:noFill/>
+          </a:ln>
+          <a:effectLst>
+            <a:glow rad="63500">
+              <a:schemeClr val="bg1">
+                <a:lumMod val="75000"/>
+                <a:alpha val="40000"/>
+              </a:schemeClr>
+            </a:glow>
+            <a:outerShdw blurRad="50800" dist="38100" dir="5400000" algn="t" rotWithShape="0">
+              <a:schemeClr val="tx1">
+                <a:alpha val="40000"/>
+              </a:schemeClr>
+            </a:outerShdw>
+          </a:effectLst>
+        </p:spPr>
+        <p:style>
+          <a:lnRef idx="2">
+            <a:schemeClr val="accent1">
+              <a:shade val="50000"/>
+            </a:schemeClr>
+          </a:lnRef>
+          <a:fillRef idx="1">
+            <a:schemeClr val="accent1"/>
+          </a:fillRef>
+          <a:effectRef idx="0">
+            <a:schemeClr val="accent1"/>
+          </a:effectRef>
+          <a:fontRef idx="minor">
+            <a:schemeClr val="lt1"/>
+          </a:fontRef>
+        </p:style>
+        <p:txBody>
+          <a:bodyPr rtlCol="0" anchor="ctr"/>
+          <a:lstStyle/>
+          <a:p>
+            <a:pPr algn="ctr"/>
+            <a:endParaRPr lang="pt-BR" sz="1265"/>
+          </a:p>
+        </p:txBody>
+      </p:sp>
+      <p:sp>
+        <p:nvSpPr>
+          <p:cNvPr id="97" name="Retângulo: Cantos Arredondados 96">
+            <a:extLst>
+              <a:ext uri="{FF2B5EF4-FFF2-40B4-BE49-F238E27FC236}">
+                <a16:creationId xmlns:a16="http://schemas.microsoft.com/office/drawing/2014/main" id="{0EEF62FB-8FED-CE97-2AF8-EBD69FFE4F7E}"/>
+              </a:ext>
+            </a:extLst>
+          </p:cNvPr>
+          <p:cNvSpPr/>
+          <p:nvPr/>
+        </p:nvSpPr>
+        <p:spPr>
+          <a:xfrm>
+            <a:off x="14001153" y="6819046"/>
+            <a:ext cx="2338282" cy="1027411"/>
+          </a:xfrm>
+          <a:prstGeom prst="roundRect">
+            <a:avLst>
+              <a:gd name="adj" fmla="val 16306"/>
+            </a:avLst>
+          </a:prstGeom>
+          <a:solidFill>
+            <a:schemeClr val="bg1"/>
+          </a:solidFill>
+          <a:ln>
+            <a:noFill/>
+          </a:ln>
+          <a:effectLst>
+            <a:glow rad="63500">
+              <a:schemeClr val="bg1">
+                <a:lumMod val="75000"/>
+                <a:alpha val="40000"/>
+              </a:schemeClr>
+            </a:glow>
+            <a:outerShdw blurRad="50800" dist="38100" dir="5400000" algn="t" rotWithShape="0">
+              <a:schemeClr val="tx1">
+                <a:alpha val="40000"/>
+              </a:schemeClr>
+            </a:outerShdw>
+          </a:effectLst>
+        </p:spPr>
+        <p:style>
+          <a:lnRef idx="2">
+            <a:schemeClr val="accent1">
+              <a:shade val="50000"/>
+            </a:schemeClr>
+          </a:lnRef>
+          <a:fillRef idx="1">
+            <a:schemeClr val="accent1"/>
+          </a:fillRef>
+          <a:effectRef idx="0">
+            <a:schemeClr val="accent1"/>
+          </a:effectRef>
+          <a:fontRef idx="minor">
+            <a:schemeClr val="lt1"/>
+          </a:fontRef>
+        </p:style>
+        <p:txBody>
+          <a:bodyPr rtlCol="0" anchor="ctr"/>
+          <a:lstStyle/>
+          <a:p>
+            <a:pPr algn="ctr"/>
+            <a:endParaRPr lang="pt-BR" sz="1265"/>
+          </a:p>
+        </p:txBody>
+      </p:sp>
+      <p:sp>
+        <p:nvSpPr>
+          <p:cNvPr id="102" name="Retângulo: Cantos Arredondados 101">
+            <a:extLst>
+              <a:ext uri="{FF2B5EF4-FFF2-40B4-BE49-F238E27FC236}">
+                <a16:creationId xmlns:a16="http://schemas.microsoft.com/office/drawing/2014/main" id="{B5D2F958-D399-5110-9A66-A43358D2CBF1}"/>
+              </a:ext>
+            </a:extLst>
+          </p:cNvPr>
+          <p:cNvSpPr/>
+          <p:nvPr/>
+        </p:nvSpPr>
+        <p:spPr>
+          <a:xfrm>
+            <a:off x="16658071" y="6819046"/>
+            <a:ext cx="2338282" cy="1027411"/>
+          </a:xfrm>
+          <a:prstGeom prst="roundRect">
+            <a:avLst>
+              <a:gd name="adj" fmla="val 16306"/>
+            </a:avLst>
+          </a:prstGeom>
+          <a:solidFill>
+            <a:schemeClr val="bg1"/>
+          </a:solidFill>
+          <a:ln>
+            <a:noFill/>
+          </a:ln>
+          <a:effectLst>
+            <a:glow rad="63500">
+              <a:schemeClr val="bg1">
+                <a:lumMod val="75000"/>
+                <a:alpha val="40000"/>
+              </a:schemeClr>
+            </a:glow>
+            <a:outerShdw blurRad="50800" dist="38100" dir="5400000" algn="t" rotWithShape="0">
+              <a:schemeClr val="tx1">
+                <a:alpha val="40000"/>
+              </a:schemeClr>
+            </a:outerShdw>
+          </a:effectLst>
+        </p:spPr>
+        <p:style>
+          <a:lnRef idx="2">
+            <a:schemeClr val="accent1">
+              <a:shade val="50000"/>
+            </a:schemeClr>
+          </a:lnRef>
+          <a:fillRef idx="1">
+            <a:schemeClr val="accent1"/>
+          </a:fillRef>
+          <a:effectRef idx="0">
+            <a:schemeClr val="accent1"/>
+          </a:effectRef>
+          <a:fontRef idx="minor">
+            <a:schemeClr val="lt1"/>
+          </a:fontRef>
+        </p:style>
+        <p:txBody>
+          <a:bodyPr rtlCol="0" anchor="ctr"/>
+          <a:lstStyle/>
+          <a:p>
+            <a:pPr algn="ctr"/>
+            <a:endParaRPr lang="pt-BR" sz="1265"/>
+          </a:p>
+        </p:txBody>
+      </p:sp>
+      <p:sp>
+        <p:nvSpPr>
+          <p:cNvPr id="104" name="Retângulo: Cantos Arredondados 103">
+            <a:extLst>
+              <a:ext uri="{FF2B5EF4-FFF2-40B4-BE49-F238E27FC236}">
+                <a16:creationId xmlns:a16="http://schemas.microsoft.com/office/drawing/2014/main" id="{89960856-F923-0D58-06B4-33A85B39560C}"/>
+              </a:ext>
+            </a:extLst>
+          </p:cNvPr>
+          <p:cNvSpPr/>
+          <p:nvPr/>
+        </p:nvSpPr>
+        <p:spPr>
+          <a:xfrm>
+            <a:off x="19314989" y="6819046"/>
+            <a:ext cx="2338282" cy="1027411"/>
+          </a:xfrm>
+          <a:prstGeom prst="roundRect">
+            <a:avLst>
+              <a:gd name="adj" fmla="val 16306"/>
+            </a:avLst>
+          </a:prstGeom>
+          <a:solidFill>
+            <a:schemeClr val="bg1"/>
+          </a:solidFill>
+          <a:ln>
+            <a:noFill/>
+          </a:ln>
+          <a:effectLst>
+            <a:glow rad="63500">
+              <a:schemeClr val="bg1">
+                <a:lumMod val="75000"/>
+                <a:alpha val="40000"/>
+              </a:schemeClr>
+            </a:glow>
+            <a:outerShdw blurRad="50800" dist="38100" dir="5400000" algn="t" rotWithShape="0">
+              <a:schemeClr val="tx1">
+                <a:alpha val="40000"/>
+              </a:schemeClr>
+            </a:outerShdw>
+          </a:effectLst>
+        </p:spPr>
+        <p:style>
+          <a:lnRef idx="2">
+            <a:schemeClr val="accent1">
+              <a:shade val="50000"/>
+            </a:schemeClr>
+          </a:lnRef>
+          <a:fillRef idx="1">
+            <a:schemeClr val="accent1"/>
+          </a:fillRef>
+          <a:effectRef idx="0">
+            <a:schemeClr val="accent1"/>
+          </a:effectRef>
+          <a:fontRef idx="minor">
+            <a:schemeClr val="lt1"/>
+          </a:fontRef>
+        </p:style>
+        <p:txBody>
+          <a:bodyPr rtlCol="0" anchor="ctr"/>
+          <a:lstStyle/>
+          <a:p>
+            <a:pPr algn="ctr"/>
+            <a:endParaRPr lang="pt-BR" sz="1265"/>
+          </a:p>
+        </p:txBody>
+      </p:sp>
+      <p:sp>
+        <p:nvSpPr>
+          <p:cNvPr id="105" name="CaixaDeTexto 104">
+            <a:extLst>
+              <a:ext uri="{FF2B5EF4-FFF2-40B4-BE49-F238E27FC236}">
+                <a16:creationId xmlns:a16="http://schemas.microsoft.com/office/drawing/2014/main" id="{1012DC61-2451-3451-9F83-8AC48DA171C1}"/>
+              </a:ext>
+            </a:extLst>
+          </p:cNvPr>
+          <p:cNvSpPr txBox="1"/>
+          <p:nvPr/>
+        </p:nvSpPr>
+        <p:spPr>
+          <a:xfrm>
+            <a:off x="8170688" y="7017956"/>
+            <a:ext cx="5511829" cy="630942"/>
+          </a:xfrm>
+          <a:prstGeom prst="rect">
+            <a:avLst/>
+          </a:prstGeom>
+          <a:noFill/>
+        </p:spPr>
+        <p:txBody>
+          <a:bodyPr wrap="square" rtlCol="0">
+            <a:spAutoFit/>
+          </a:bodyPr>
+          <a:lstStyle/>
+          <a:p>
+            <a:r>
+              <a:rPr lang="pt-BR" sz="3500" dirty="0">
+                <a:latin typeface="Montserrat SemiBold" panose="00000700000000000000" pitchFamily="2" charset="0"/>
+              </a:rPr>
+              <a:t>PELO COLABORADOR</a:t>
+            </a:r>
+          </a:p>
+        </p:txBody>
+      </p:sp>
+      <p:sp>
+        <p:nvSpPr>
+          <p:cNvPr id="149" name="Retângulo: Cantos Arredondados 148">
+            <a:extLst>
+              <a:ext uri="{FF2B5EF4-FFF2-40B4-BE49-F238E27FC236}">
+                <a16:creationId xmlns:a16="http://schemas.microsoft.com/office/drawing/2014/main" id="{284948DB-2BF9-FF43-3EE1-6A4C68CDF64B}"/>
+              </a:ext>
+            </a:extLst>
+          </p:cNvPr>
+          <p:cNvSpPr/>
+          <p:nvPr/>
+        </p:nvSpPr>
+        <p:spPr>
+          <a:xfrm>
+            <a:off x="14001153" y="3091618"/>
+            <a:ext cx="2338282" cy="1027411"/>
+          </a:xfrm>
+          <a:prstGeom prst="roundRect">
+            <a:avLst>
+              <a:gd name="adj" fmla="val 16306"/>
+            </a:avLst>
+          </a:prstGeom>
+          <a:solidFill>
+            <a:schemeClr val="bg1"/>
+          </a:solidFill>
+          <a:ln>
+            <a:noFill/>
+          </a:ln>
+          <a:effectLst>
+            <a:glow rad="63500">
+              <a:schemeClr val="bg1">
+                <a:lumMod val="75000"/>
+                <a:alpha val="40000"/>
+              </a:schemeClr>
+            </a:glow>
+            <a:outerShdw blurRad="50800" dist="38100" dir="5400000" algn="t" rotWithShape="0">
+              <a:schemeClr val="tx1">
+                <a:alpha val="40000"/>
+              </a:schemeClr>
+            </a:outerShdw>
+          </a:effectLst>
+        </p:spPr>
+        <p:style>
+          <a:lnRef idx="2">
+            <a:schemeClr val="accent1">
+              <a:shade val="50000"/>
+            </a:schemeClr>
+          </a:lnRef>
+          <a:fillRef idx="1">
+            <a:schemeClr val="accent1"/>
+          </a:fillRef>
+          <a:effectRef idx="0">
+            <a:schemeClr val="accent1"/>
+          </a:effectRef>
+          <a:fontRef idx="minor">
+            <a:schemeClr val="lt1"/>
+          </a:fontRef>
+        </p:style>
+        <p:txBody>
+          <a:bodyPr rtlCol="0" anchor="ctr"/>
+          <a:lstStyle/>
+          <a:p>
+            <a:pPr algn="ctr"/>
+            <a:r>
+              <a:rPr lang="pt-BR" sz="3500" b="1" dirty="0">
+                <a:solidFill>
+                  <a:schemeClr val="tx1"/>
+                </a:solidFill>
+                <a:latin typeface="Montserrat SemiBold" panose="00000700000000000000" pitchFamily="2" charset="0"/>
+              </a:rPr>
+              <a:t>CP</a:t>
+            </a:r>
+          </a:p>
+        </p:txBody>
+      </p:sp>
+      <p:sp>
+        <p:nvSpPr>
+          <p:cNvPr id="150" name="Retângulo: Cantos Arredondados 149">
+            <a:extLst>
+              <a:ext uri="{FF2B5EF4-FFF2-40B4-BE49-F238E27FC236}">
+                <a16:creationId xmlns:a16="http://schemas.microsoft.com/office/drawing/2014/main" id="{D3C17700-86C4-329B-8C2B-9F405D06BD8A}"/>
+              </a:ext>
+            </a:extLst>
+          </p:cNvPr>
+          <p:cNvSpPr/>
+          <p:nvPr/>
+        </p:nvSpPr>
+        <p:spPr>
+          <a:xfrm>
+            <a:off x="16658071" y="3091617"/>
+            <a:ext cx="2338282" cy="1027411"/>
+          </a:xfrm>
+          <a:prstGeom prst="roundRect">
+            <a:avLst>
+              <a:gd name="adj" fmla="val 16306"/>
+            </a:avLst>
+          </a:prstGeom>
+          <a:solidFill>
+            <a:schemeClr val="bg1"/>
+          </a:solidFill>
+          <a:ln>
+            <a:noFill/>
+          </a:ln>
+          <a:effectLst>
+            <a:glow rad="63500">
+              <a:schemeClr val="bg1">
+                <a:lumMod val="75000"/>
+                <a:alpha val="40000"/>
+              </a:schemeClr>
+            </a:glow>
+            <a:outerShdw blurRad="50800" dist="38100" dir="5400000" algn="t" rotWithShape="0">
+              <a:schemeClr val="tx1">
+                <a:alpha val="40000"/>
+              </a:schemeClr>
+            </a:outerShdw>
+          </a:effectLst>
+        </p:spPr>
+        <p:style>
+          <a:lnRef idx="2">
+            <a:schemeClr val="accent1">
+              <a:shade val="50000"/>
+            </a:schemeClr>
+          </a:lnRef>
+          <a:fillRef idx="1">
+            <a:schemeClr val="accent1"/>
+          </a:fillRef>
+          <a:effectRef idx="0">
+            <a:schemeClr val="accent1"/>
+          </a:effectRef>
+          <a:fontRef idx="minor">
+            <a:schemeClr val="lt1"/>
+          </a:fontRef>
+        </p:style>
+        <p:txBody>
+          <a:bodyPr rtlCol="0" anchor="ctr"/>
+          <a:lstStyle/>
+          <a:p>
+            <a:pPr algn="ctr"/>
+            <a:r>
+              <a:rPr lang="pt-BR" sz="3500" b="1" dirty="0">
+                <a:solidFill>
+                  <a:schemeClr val="tx1"/>
+                </a:solidFill>
+                <a:latin typeface="Montserrat SemiBold" panose="00000700000000000000" pitchFamily="2" charset="0"/>
+              </a:rPr>
+              <a:t>BH</a:t>
+            </a:r>
+          </a:p>
+        </p:txBody>
+      </p:sp>
+      <p:sp>
+        <p:nvSpPr>
+          <p:cNvPr id="151" name="Retângulo: Cantos Arredondados 150">
+            <a:extLst>
+              <a:ext uri="{FF2B5EF4-FFF2-40B4-BE49-F238E27FC236}">
+                <a16:creationId xmlns:a16="http://schemas.microsoft.com/office/drawing/2014/main" id="{68185C02-ADEE-DDFF-6DBD-F9EE8B794076}"/>
+              </a:ext>
+            </a:extLst>
+          </p:cNvPr>
+          <p:cNvSpPr/>
+          <p:nvPr/>
+        </p:nvSpPr>
+        <p:spPr>
+          <a:xfrm>
+            <a:off x="19309562" y="3105035"/>
+            <a:ext cx="2350684" cy="1027411"/>
+          </a:xfrm>
+          <a:prstGeom prst="roundRect">
+            <a:avLst>
+              <a:gd name="adj" fmla="val 16306"/>
+            </a:avLst>
+          </a:prstGeom>
+          <a:solidFill>
+            <a:schemeClr val="bg1"/>
+          </a:solidFill>
+          <a:ln>
+            <a:noFill/>
+          </a:ln>
+          <a:effectLst>
+            <a:glow rad="63500">
+              <a:schemeClr val="bg1">
+                <a:lumMod val="75000"/>
+                <a:alpha val="40000"/>
+              </a:schemeClr>
+            </a:glow>
+            <a:outerShdw blurRad="50800" dist="38100" dir="5400000" algn="t" rotWithShape="0">
+              <a:schemeClr val="tx1">
+                <a:alpha val="40000"/>
+              </a:schemeClr>
+            </a:outerShdw>
+          </a:effectLst>
+        </p:spPr>
+        <p:style>
+          <a:lnRef idx="2">
+            <a:schemeClr val="accent1">
+              <a:shade val="50000"/>
+            </a:schemeClr>
+          </a:lnRef>
+          <a:fillRef idx="1">
+            <a:schemeClr val="accent1"/>
+          </a:fillRef>
+          <a:effectRef idx="0">
+            <a:schemeClr val="accent1"/>
+          </a:effectRef>
+          <a:fontRef idx="minor">
+            <a:schemeClr val="lt1"/>
+          </a:fontRef>
+        </p:style>
+        <p:txBody>
+          <a:bodyPr rtlCol="0" anchor="ctr"/>
+          <a:lstStyle/>
+          <a:p>
+            <a:pPr algn="ctr"/>
+            <a:r>
+              <a:rPr lang="pt-BR" sz="3500" b="1" dirty="0">
+                <a:solidFill>
+                  <a:schemeClr val="tx1"/>
+                </a:solidFill>
+                <a:latin typeface="Montserrat SemiBold" panose="00000700000000000000" pitchFamily="2" charset="0"/>
+              </a:rPr>
+              <a:t>UDI</a:t>
+            </a:r>
+          </a:p>
+        </p:txBody>
+      </p:sp>
+      <p:sp>
+        <p:nvSpPr>
+          <p:cNvPr id="152" name="Retângulo: Cantos Arredondados 151">
+            <a:extLst>
+              <a:ext uri="{FF2B5EF4-FFF2-40B4-BE49-F238E27FC236}">
+                <a16:creationId xmlns:a16="http://schemas.microsoft.com/office/drawing/2014/main" id="{B2121D87-A4C5-33FD-47FE-89B40EF360FB}"/>
+              </a:ext>
+            </a:extLst>
+          </p:cNvPr>
+          <p:cNvSpPr/>
+          <p:nvPr/>
+        </p:nvSpPr>
+        <p:spPr>
+          <a:xfrm>
+            <a:off x="3946753" y="8158056"/>
+            <a:ext cx="9711892" cy="1027411"/>
+          </a:xfrm>
+          <a:prstGeom prst="roundRect">
+            <a:avLst>
+              <a:gd name="adj" fmla="val 16306"/>
+            </a:avLst>
+          </a:prstGeom>
+          <a:solidFill>
+            <a:schemeClr val="bg1"/>
+          </a:solidFill>
+          <a:ln>
+            <a:noFill/>
+          </a:ln>
+          <a:effectLst>
+            <a:glow rad="63500">
+              <a:schemeClr val="bg1">
+                <a:lumMod val="75000"/>
+                <a:alpha val="40000"/>
+              </a:schemeClr>
+            </a:glow>
+            <a:outerShdw blurRad="50800" dist="38100" dir="5400000" algn="t" rotWithShape="0">
+              <a:schemeClr val="tx1">
+                <a:alpha val="40000"/>
+              </a:schemeClr>
+            </a:outerShdw>
+          </a:effectLst>
+        </p:spPr>
+        <p:style>
+          <a:lnRef idx="2">
+            <a:schemeClr val="accent1">
+              <a:shade val="50000"/>
+            </a:schemeClr>
+          </a:lnRef>
+          <a:fillRef idx="1">
+            <a:schemeClr val="accent1"/>
+          </a:fillRef>
+          <a:effectRef idx="0">
+            <a:schemeClr val="accent1"/>
+          </a:effectRef>
+          <a:fontRef idx="minor">
+            <a:schemeClr val="lt1"/>
+          </a:fontRef>
+        </p:style>
+        <p:txBody>
+          <a:bodyPr rtlCol="0" anchor="ctr"/>
+          <a:lstStyle/>
+          <a:p>
+            <a:pPr algn="ctr"/>
+            <a:endParaRPr lang="pt-BR" sz="1265"/>
+          </a:p>
+        </p:txBody>
+      </p:sp>
+      <p:sp>
+        <p:nvSpPr>
+          <p:cNvPr id="154" name="CaixaDeTexto 153">
+            <a:extLst>
+              <a:ext uri="{FF2B5EF4-FFF2-40B4-BE49-F238E27FC236}">
+                <a16:creationId xmlns:a16="http://schemas.microsoft.com/office/drawing/2014/main" id="{A28D2169-E471-81CA-D881-A2AE6BC4A523}"/>
+              </a:ext>
+            </a:extLst>
+          </p:cNvPr>
+          <p:cNvSpPr txBox="1"/>
+          <p:nvPr/>
+        </p:nvSpPr>
+        <p:spPr>
+          <a:xfrm>
+            <a:off x="4081692" y="8356290"/>
+            <a:ext cx="7717202" cy="630942"/>
+          </a:xfrm>
+          <a:prstGeom prst="rect">
+            <a:avLst/>
+          </a:prstGeom>
+          <a:noFill/>
+        </p:spPr>
+        <p:txBody>
+          <a:bodyPr wrap="square" rtlCol="0">
+            <a:spAutoFit/>
+          </a:bodyPr>
+          <a:lstStyle/>
+          <a:p>
+            <a:r>
+              <a:rPr lang="pt-BR" sz="3500" dirty="0">
+                <a:latin typeface="Montserrat SemiBold" panose="00000700000000000000" pitchFamily="2" charset="0"/>
+              </a:rPr>
+              <a:t>TURNOVER</a:t>
+            </a:r>
+          </a:p>
+        </p:txBody>
+      </p:sp>
+      <p:sp>
+        <p:nvSpPr>
+          <p:cNvPr id="155" name="Retângulo: Cantos Arredondados 154">
+            <a:extLst>
+              <a:ext uri="{FF2B5EF4-FFF2-40B4-BE49-F238E27FC236}">
+                <a16:creationId xmlns:a16="http://schemas.microsoft.com/office/drawing/2014/main" id="{F4147C63-80DD-E0CA-21CF-B9A5FE72E250}"/>
+              </a:ext>
+            </a:extLst>
+          </p:cNvPr>
+          <p:cNvSpPr/>
+          <p:nvPr/>
+        </p:nvSpPr>
+        <p:spPr>
+          <a:xfrm>
+            <a:off x="14001153" y="8158056"/>
+            <a:ext cx="2338282" cy="1027411"/>
+          </a:xfrm>
+          <a:prstGeom prst="roundRect">
+            <a:avLst>
+              <a:gd name="adj" fmla="val 16306"/>
+            </a:avLst>
+          </a:prstGeom>
+          <a:solidFill>
+            <a:schemeClr val="bg1"/>
+          </a:solidFill>
+          <a:ln>
+            <a:noFill/>
+          </a:ln>
+          <a:effectLst>
+            <a:glow rad="63500">
+              <a:schemeClr val="bg1">
+                <a:lumMod val="75000"/>
+                <a:alpha val="40000"/>
+              </a:schemeClr>
+            </a:glow>
+            <a:outerShdw blurRad="50800" dist="38100" dir="5400000" algn="t" rotWithShape="0">
+              <a:schemeClr val="tx1">
+                <a:alpha val="40000"/>
+              </a:schemeClr>
+            </a:outerShdw>
+          </a:effectLst>
+        </p:spPr>
+        <p:style>
+          <a:lnRef idx="2">
+            <a:schemeClr val="accent1">
+              <a:shade val="50000"/>
+            </a:schemeClr>
+          </a:lnRef>
+          <a:fillRef idx="1">
+            <a:schemeClr val="accent1"/>
+          </a:fillRef>
+          <a:effectRef idx="0">
+            <a:schemeClr val="accent1"/>
+          </a:effectRef>
+          <a:fontRef idx="minor">
+            <a:schemeClr val="lt1"/>
+          </a:fontRef>
+        </p:style>
+        <p:txBody>
+          <a:bodyPr rtlCol="0" anchor="ctr"/>
+          <a:lstStyle/>
+          <a:p>
+            <a:pPr algn="ctr"/>
+            <a:endParaRPr lang="pt-BR" sz="1265"/>
+          </a:p>
+        </p:txBody>
+      </p:sp>
+      <p:sp>
+        <p:nvSpPr>
+          <p:cNvPr id="156" name="Retângulo: Cantos Arredondados 155">
+            <a:extLst>
+              <a:ext uri="{FF2B5EF4-FFF2-40B4-BE49-F238E27FC236}">
+                <a16:creationId xmlns:a16="http://schemas.microsoft.com/office/drawing/2014/main" id="{AE8A4902-99D3-5982-ABAE-C435273690BC}"/>
+              </a:ext>
+            </a:extLst>
+          </p:cNvPr>
+          <p:cNvSpPr/>
+          <p:nvPr/>
+        </p:nvSpPr>
+        <p:spPr>
+          <a:xfrm>
+            <a:off x="16658071" y="8158056"/>
+            <a:ext cx="2338282" cy="1027411"/>
+          </a:xfrm>
+          <a:prstGeom prst="roundRect">
+            <a:avLst>
+              <a:gd name="adj" fmla="val 16306"/>
+            </a:avLst>
+          </a:prstGeom>
+          <a:solidFill>
+            <a:schemeClr val="bg1"/>
+          </a:solidFill>
+          <a:ln>
+            <a:noFill/>
+          </a:ln>
+          <a:effectLst>
+            <a:glow rad="63500">
+              <a:schemeClr val="bg1">
+                <a:lumMod val="75000"/>
+                <a:alpha val="40000"/>
+              </a:schemeClr>
+            </a:glow>
+            <a:outerShdw blurRad="50800" dist="38100" dir="5400000" algn="t" rotWithShape="0">
+              <a:schemeClr val="tx1">
+                <a:alpha val="40000"/>
+              </a:schemeClr>
+            </a:outerShdw>
+          </a:effectLst>
+        </p:spPr>
+        <p:style>
+          <a:lnRef idx="2">
+            <a:schemeClr val="accent1">
+              <a:shade val="50000"/>
+            </a:schemeClr>
+          </a:lnRef>
+          <a:fillRef idx="1">
+            <a:schemeClr val="accent1"/>
+          </a:fillRef>
+          <a:effectRef idx="0">
+            <a:schemeClr val="accent1"/>
+          </a:effectRef>
+          <a:fontRef idx="minor">
+            <a:schemeClr val="lt1"/>
+          </a:fontRef>
+        </p:style>
+        <p:txBody>
+          <a:bodyPr rtlCol="0" anchor="ctr"/>
+          <a:lstStyle/>
+          <a:p>
+            <a:pPr algn="ctr"/>
+            <a:endParaRPr lang="pt-BR" sz="1265"/>
+          </a:p>
+        </p:txBody>
+      </p:sp>
+      <p:sp>
+        <p:nvSpPr>
+          <p:cNvPr id="159" name="Retângulo: Cantos Arredondados 158">
+            <a:extLst>
+              <a:ext uri="{FF2B5EF4-FFF2-40B4-BE49-F238E27FC236}">
+                <a16:creationId xmlns:a16="http://schemas.microsoft.com/office/drawing/2014/main" id="{BDE814CC-6B19-9E27-659E-2A09970D5E59}"/>
+              </a:ext>
+            </a:extLst>
+          </p:cNvPr>
+          <p:cNvSpPr/>
+          <p:nvPr/>
+        </p:nvSpPr>
+        <p:spPr>
+          <a:xfrm>
+            <a:off x="19314989" y="8158056"/>
+            <a:ext cx="2338282" cy="1027411"/>
+          </a:xfrm>
+          <a:prstGeom prst="roundRect">
+            <a:avLst>
+              <a:gd name="adj" fmla="val 16306"/>
+            </a:avLst>
+          </a:prstGeom>
+          <a:solidFill>
+            <a:schemeClr val="bg1"/>
+          </a:solidFill>
+          <a:ln>
+            <a:noFill/>
+          </a:ln>
+          <a:effectLst>
+            <a:glow rad="63500">
+              <a:schemeClr val="bg1">
+                <a:lumMod val="75000"/>
+                <a:alpha val="40000"/>
+              </a:schemeClr>
+            </a:glow>
+            <a:outerShdw blurRad="50800" dist="38100" dir="5400000" algn="t" rotWithShape="0">
+              <a:schemeClr val="tx1">
+                <a:alpha val="40000"/>
+              </a:schemeClr>
+            </a:outerShdw>
+          </a:effectLst>
+        </p:spPr>
+        <p:style>
+          <a:lnRef idx="2">
+            <a:schemeClr val="accent1">
+              <a:shade val="50000"/>
+            </a:schemeClr>
+          </a:lnRef>
+          <a:fillRef idx="1">
+            <a:schemeClr val="accent1"/>
+          </a:fillRef>
+          <a:effectRef idx="0">
+            <a:schemeClr val="accent1"/>
+          </a:effectRef>
+          <a:fontRef idx="minor">
+            <a:schemeClr val="lt1"/>
+          </a:fontRef>
+        </p:style>
+        <p:txBody>
+          <a:bodyPr rtlCol="0" anchor="ctr"/>
+          <a:lstStyle/>
+          <a:p>
+            <a:pPr algn="ctr"/>
+            <a:endParaRPr lang="pt-BR" sz="1265"/>
+          </a:p>
+        </p:txBody>
+      </p:sp>
+    </p:spTree>
+    <p:extLst>
+      <p:ext uri="{BB962C8B-B14F-4D97-AF65-F5344CB8AC3E}">
+        <p14:creationId xmlns:p14="http://schemas.microsoft.com/office/powerpoint/2010/main" val="3184598786"/>
+      </p:ext>
+    </p:extLst>
+  </p:cSld>
+  <p:clrMapOvr>
+    <a:masterClrMapping/>
+  </p:clrMapOvr>
+</p:sld>
+</file>
+
+<file path=ppt/slides/slide3.xml><?xml version="1.0" encoding="utf-8"?>
+<p:sld xmlns:a="http://schemas.openxmlformats.org/drawingml/2006/main" xmlns:r="http://schemas.openxmlformats.org/officeDocument/2006/relationships" xmlns:p="http://schemas.openxmlformats.org/presentationml/2006/main">
+  <p:cSld>
+    <p:spTree>
+      <p:nvGrpSpPr>
+        <p:cNvPr id="1" name="">
+          <a:extLst>
+            <a:ext uri="{FF2B5EF4-FFF2-40B4-BE49-F238E27FC236}">
+              <a16:creationId xmlns:a16="http://schemas.microsoft.com/office/drawing/2014/main" id="{DA1465E8-2094-259C-1DFB-F239E2CEAE3E}"/>
+            </a:ext>
+          </a:extLst>
+        </p:cNvPr>
+        <p:cNvGrpSpPr/>
+        <p:nvPr/>
+      </p:nvGrpSpPr>
+      <p:grpSpPr>
+        <a:xfrm>
+          <a:off x="0" y="0"/>
+          <a:ext cx="0" cy="0"/>
+          <a:chOff x="0" y="0"/>
+          <a:chExt cx="0" cy="0"/>
+        </a:xfrm>
+      </p:grpSpPr>
+      <p:sp>
+        <p:nvSpPr>
+          <p:cNvPr id="4" name="Retângulo: Cantos Arredondados 3">
+            <a:extLst>
+              <a:ext uri="{FF2B5EF4-FFF2-40B4-BE49-F238E27FC236}">
+                <a16:creationId xmlns:a16="http://schemas.microsoft.com/office/drawing/2014/main" id="{192A8235-3BE3-E743-4674-7DED36228F7C}"/>
+              </a:ext>
+            </a:extLst>
+          </p:cNvPr>
+          <p:cNvSpPr/>
+          <p:nvPr/>
+        </p:nvSpPr>
+        <p:spPr>
+          <a:xfrm>
+            <a:off x="0" y="1"/>
+            <a:ext cx="25600025" cy="14400212"/>
+          </a:xfrm>
+          <a:prstGeom prst="roundRect">
+            <a:avLst>
+              <a:gd name="adj" fmla="val 3334"/>
+            </a:avLst>
+          </a:prstGeom>
+          <a:solidFill>
+            <a:schemeClr val="bg1"/>
+          </a:solidFill>
+          <a:ln>
+            <a:solidFill>
+              <a:srgbClr val="F5F7F9"/>
+            </a:solidFill>
+          </a:ln>
+        </p:spPr>
+        <p:style>
+          <a:lnRef idx="2">
+            <a:schemeClr val="accent1">
+              <a:shade val="50000"/>
+            </a:schemeClr>
+          </a:lnRef>
+          <a:fillRef idx="1">
+            <a:schemeClr val="accent1"/>
+          </a:fillRef>
+          <a:effectRef idx="0">
+            <a:schemeClr val="accent1"/>
+          </a:effectRef>
+          <a:fontRef idx="minor">
+            <a:schemeClr val="lt1"/>
+          </a:fontRef>
+        </p:style>
+        <p:txBody>
+          <a:bodyPr rtlCol="0" anchor="ctr"/>
+          <a:lstStyle/>
+          <a:p>
+            <a:pPr algn="ctr"/>
+            <a:endParaRPr lang="pt-BR" sz="1265" dirty="0"/>
+          </a:p>
+        </p:txBody>
+      </p:sp>
+      <p:sp>
+        <p:nvSpPr>
+          <p:cNvPr id="10" name="Retângulo: Cantos Arredondados 9">
+            <a:extLst>
+              <a:ext uri="{FF2B5EF4-FFF2-40B4-BE49-F238E27FC236}">
+                <a16:creationId xmlns:a16="http://schemas.microsoft.com/office/drawing/2014/main" id="{8A6F484D-B964-9CBA-E139-59ABDE55DB09}"/>
+              </a:ext>
+            </a:extLst>
+          </p:cNvPr>
+          <p:cNvSpPr/>
+          <p:nvPr/>
+        </p:nvSpPr>
+        <p:spPr>
+          <a:xfrm>
+            <a:off x="324465" y="1120877"/>
+            <a:ext cx="25013264" cy="12890091"/>
+          </a:xfrm>
+          <a:prstGeom prst="roundRect">
+            <a:avLst>
+              <a:gd name="adj" fmla="val 3334"/>
+            </a:avLst>
+          </a:prstGeom>
+          <a:solidFill>
+            <a:srgbClr val="F5F7F9"/>
+          </a:solidFill>
+          <a:ln>
+            <a:solidFill>
+              <a:srgbClr val="F5F7F9"/>
+            </a:solidFill>
+          </a:ln>
+        </p:spPr>
+        <p:style>
+          <a:lnRef idx="2">
+            <a:schemeClr val="accent1">
+              <a:shade val="50000"/>
+            </a:schemeClr>
+          </a:lnRef>
+          <a:fillRef idx="1">
+            <a:schemeClr val="accent1"/>
+          </a:fillRef>
+          <a:effectRef idx="0">
+            <a:schemeClr val="accent1"/>
+          </a:effectRef>
+          <a:fontRef idx="minor">
+            <a:schemeClr val="lt1"/>
+          </a:fontRef>
+        </p:style>
+        <p:txBody>
+          <a:bodyPr rtlCol="0" anchor="ctr"/>
+          <a:lstStyle/>
+          <a:p>
+            <a:pPr algn="ctr"/>
+            <a:endParaRPr lang="pt-BR" sz="1265" dirty="0"/>
+          </a:p>
+        </p:txBody>
+      </p:sp>
+      <p:sp>
+        <p:nvSpPr>
+          <p:cNvPr id="35" name="Retângulo: Cantos Superiores Arredondados 34">
+            <a:extLst>
+              <a:ext uri="{FF2B5EF4-FFF2-40B4-BE49-F238E27FC236}">
+                <a16:creationId xmlns:a16="http://schemas.microsoft.com/office/drawing/2014/main" id="{05D7E20C-F118-29F8-0B4C-8A792E65EB6A}"/>
+              </a:ext>
+            </a:extLst>
+          </p:cNvPr>
+          <p:cNvSpPr/>
+          <p:nvPr/>
+        </p:nvSpPr>
+        <p:spPr>
+          <a:xfrm rot="16200000">
+            <a:off x="-5466462" y="6899923"/>
+            <a:ext cx="12890092" cy="1332000"/>
+          </a:xfrm>
+          <a:prstGeom prst="round2SameRect">
+            <a:avLst/>
+          </a:prstGeom>
+          <a:solidFill>
+            <a:srgbClr val="C5E0B4"/>
+          </a:solidFill>
+          <a:ln>
+            <a:noFill/>
+          </a:ln>
+        </p:spPr>
+        <p:style>
+          <a:lnRef idx="0">
+            <a:scrgbClr r="0" g="0" b="0"/>
+          </a:lnRef>
+          <a:fillRef idx="0">
+            <a:scrgbClr r="0" g="0" b="0"/>
+          </a:fillRef>
+          <a:effectRef idx="0">
+            <a:scrgbClr r="0" g="0" b="0"/>
+          </a:effectRef>
+          <a:fontRef idx="minor">
+            <a:schemeClr val="dk1"/>
+          </a:fontRef>
+        </p:style>
+        <p:txBody>
+          <a:bodyPr rtlCol="0" anchor="ctr"/>
+          <a:lstStyle/>
+          <a:p>
+            <a:pPr algn="ctr"/>
+            <a:endParaRPr lang="pt-BR" dirty="0"/>
+          </a:p>
+        </p:txBody>
+      </p:sp>
+      <p:pic>
+        <p:nvPicPr>
+          <p:cNvPr id="53" name="Imagem 52">
+            <a:extLst>
+              <a:ext uri="{FF2B5EF4-FFF2-40B4-BE49-F238E27FC236}">
+                <a16:creationId xmlns:a16="http://schemas.microsoft.com/office/drawing/2014/main" id="{A1604DFE-0A68-A828-2BD5-06D70A09AFAD}"/>
+              </a:ext>
+            </a:extLst>
+          </p:cNvPr>
+          <p:cNvPicPr>
+            <a:picLocks noChangeAspect="1"/>
+          </p:cNvPicPr>
+          <p:nvPr/>
+        </p:nvPicPr>
+        <p:blipFill>
+          <a:blip r:embed="rId2">
+            <a:extLst>
+              <a:ext uri="{28A0092B-C50C-407E-A947-70E740481C1C}">
+                <a14:useLocalDpi xmlns:a14="http://schemas.microsoft.com/office/drawing/2010/main" val="0"/>
+              </a:ext>
+            </a:extLst>
+          </a:blip>
+          <a:srcRect l="38554" r="37841" b="45198"/>
+          <a:stretch/>
+        </p:blipFill>
+        <p:spPr>
+          <a:xfrm>
+            <a:off x="670971" y="77626"/>
+            <a:ext cx="552133" cy="965624"/>
+          </a:xfrm>
+          <a:prstGeom prst="rect">
+            <a:avLst/>
+          </a:prstGeom>
+          <a:noFill/>
+          <a:effectLst>
+            <a:innerShdw blurRad="63500" dist="50800" dir="16200000">
+              <a:prstClr val="black">
+                <a:alpha val="50000"/>
+              </a:prstClr>
+            </a:innerShdw>
+          </a:effectLst>
+        </p:spPr>
+      </p:pic>
+      <p:sp>
+        <p:nvSpPr>
+          <p:cNvPr id="58" name="CaixaDeTexto 57">
+            <a:extLst>
+              <a:ext uri="{FF2B5EF4-FFF2-40B4-BE49-F238E27FC236}">
+                <a16:creationId xmlns:a16="http://schemas.microsoft.com/office/drawing/2014/main" id="{B8F08017-D173-A52E-DA35-45FDFA97FC64}"/>
+              </a:ext>
+            </a:extLst>
+          </p:cNvPr>
+          <p:cNvSpPr txBox="1"/>
+          <p:nvPr/>
+        </p:nvSpPr>
+        <p:spPr>
+          <a:xfrm>
+            <a:off x="1587339" y="-24040"/>
+            <a:ext cx="10805699" cy="769441"/>
+          </a:xfrm>
+          <a:prstGeom prst="rect">
+            <a:avLst/>
+          </a:prstGeom>
+          <a:noFill/>
+        </p:spPr>
+        <p:txBody>
+          <a:bodyPr wrap="square" rtlCol="0">
+            <a:spAutoFit/>
+          </a:bodyPr>
+          <a:lstStyle/>
+          <a:p>
+            <a:r>
+              <a:rPr lang="pt-BR" sz="4400" dirty="0">
+                <a:latin typeface="Montserrat SemiBold" panose="00000700000000000000" pitchFamily="2" charset="0"/>
+              </a:rPr>
+              <a:t>QUADRO DE PESSOAL</a:t>
+            </a:r>
+          </a:p>
+        </p:txBody>
+      </p:sp>
+      <p:cxnSp>
+        <p:nvCxnSpPr>
+          <p:cNvPr id="60" name="Conector reto 59">
+            <a:extLst>
+              <a:ext uri="{FF2B5EF4-FFF2-40B4-BE49-F238E27FC236}">
+                <a16:creationId xmlns:a16="http://schemas.microsoft.com/office/drawing/2014/main" id="{C515B1EF-1F57-301F-2117-ECCC14D2BE57}"/>
+              </a:ext>
+            </a:extLst>
+          </p:cNvPr>
+          <p:cNvCxnSpPr>
+            <a:cxnSpLocks/>
+          </p:cNvCxnSpPr>
+          <p:nvPr/>
+        </p:nvCxnSpPr>
+        <p:spPr>
+          <a:xfrm>
+            <a:off x="1572715" y="268918"/>
+            <a:ext cx="0" cy="583038"/>
+          </a:xfrm>
+          <a:prstGeom prst="line">
+            <a:avLst/>
+          </a:prstGeom>
+        </p:spPr>
+        <p:style>
+          <a:lnRef idx="3">
+            <a:schemeClr val="accent6"/>
+          </a:lnRef>
+          <a:fillRef idx="0">
+            <a:schemeClr val="accent6"/>
+          </a:fillRef>
+          <a:effectRef idx="2">
+            <a:schemeClr val="accent6"/>
+          </a:effectRef>
+          <a:fontRef idx="minor">
+            <a:schemeClr val="tx1"/>
+          </a:fontRef>
+        </p:style>
+      </p:cxnSp>
+      <p:sp>
+        <p:nvSpPr>
+          <p:cNvPr id="27" name="CaixaDeTexto 26">
+            <a:extLst>
+              <a:ext uri="{FF2B5EF4-FFF2-40B4-BE49-F238E27FC236}">
+                <a16:creationId xmlns:a16="http://schemas.microsoft.com/office/drawing/2014/main" id="{7C7EA38C-4CDE-6917-1557-09039CC860A3}"/>
+              </a:ext>
+            </a:extLst>
+          </p:cNvPr>
+          <p:cNvSpPr txBox="1"/>
+          <p:nvPr/>
+        </p:nvSpPr>
+        <p:spPr>
+          <a:xfrm>
+            <a:off x="22475947" y="-31697"/>
+            <a:ext cx="3124078" cy="369332"/>
+          </a:xfrm>
+          <a:prstGeom prst="rect">
+            <a:avLst/>
+          </a:prstGeom>
+          <a:noFill/>
+        </p:spPr>
+        <p:txBody>
+          <a:bodyPr wrap="square" rtlCol="0">
+            <a:spAutoFit/>
+          </a:bodyPr>
+          <a:lstStyle/>
+          <a:p>
+            <a:pPr algn="r"/>
+            <a:r>
+              <a:rPr lang="pt-BR" dirty="0">
+                <a:solidFill>
+                  <a:schemeClr val="tx1">
+                    <a:lumMod val="85000"/>
+                    <a:lumOff val="15000"/>
+                  </a:schemeClr>
+                </a:solidFill>
+                <a:latin typeface="Montserrat SemiBold" panose="00000700000000000000" pitchFamily="2" charset="0"/>
+              </a:rPr>
+              <a:t>DATA DE ATUALIZAÇÃO</a:t>
+            </a:r>
+          </a:p>
+        </p:txBody>
+      </p:sp>
+      <p:sp>
+        <p:nvSpPr>
+          <p:cNvPr id="17" name="CaixaDeTexto 16">
+            <a:extLst>
+              <a:ext uri="{FF2B5EF4-FFF2-40B4-BE49-F238E27FC236}">
+                <a16:creationId xmlns:a16="http://schemas.microsoft.com/office/drawing/2014/main" id="{2A32B3AB-BCED-4E12-6252-C7537BA56165}"/>
+              </a:ext>
+            </a:extLst>
+          </p:cNvPr>
+          <p:cNvSpPr txBox="1"/>
+          <p:nvPr/>
+        </p:nvSpPr>
+        <p:spPr>
+          <a:xfrm>
+            <a:off x="22475949" y="1102458"/>
+            <a:ext cx="3124076" cy="369332"/>
+          </a:xfrm>
+          <a:prstGeom prst="rect">
+            <a:avLst/>
+          </a:prstGeom>
+          <a:noFill/>
+        </p:spPr>
+        <p:txBody>
+          <a:bodyPr wrap="square" rtlCol="0">
+            <a:spAutoFit/>
+          </a:bodyPr>
+          <a:lstStyle/>
+          <a:p>
+            <a:pPr algn="ctr"/>
+            <a:r>
+              <a:rPr lang="pt-BR" dirty="0">
+                <a:solidFill>
+                  <a:schemeClr val="tx1">
+                    <a:lumMod val="85000"/>
+                    <a:lumOff val="15000"/>
+                  </a:schemeClr>
+                </a:solidFill>
+                <a:latin typeface="Montserrat SemiBold" panose="00000700000000000000" pitchFamily="2" charset="0"/>
+              </a:rPr>
+              <a:t>DADOS ATÉ</a:t>
+            </a:r>
+          </a:p>
+        </p:txBody>
+      </p:sp>
+      <p:sp>
+        <p:nvSpPr>
+          <p:cNvPr id="19" name="CaixaDeTexto 18">
+            <a:extLst>
+              <a:ext uri="{FF2B5EF4-FFF2-40B4-BE49-F238E27FC236}">
+                <a16:creationId xmlns:a16="http://schemas.microsoft.com/office/drawing/2014/main" id="{5BA976EF-3ADD-6A26-2C7A-A7B1ED4BDE13}"/>
+              </a:ext>
+            </a:extLst>
+          </p:cNvPr>
+          <p:cNvSpPr txBox="1"/>
+          <p:nvPr/>
+        </p:nvSpPr>
+        <p:spPr>
+          <a:xfrm>
+            <a:off x="1622929" y="597674"/>
+            <a:ext cx="4534125" cy="430887"/>
+          </a:xfrm>
+          <a:prstGeom prst="rect">
+            <a:avLst/>
+          </a:prstGeom>
+          <a:noFill/>
+        </p:spPr>
+        <p:txBody>
+          <a:bodyPr wrap="square" rtlCol="0">
+            <a:spAutoFit/>
+          </a:bodyPr>
+          <a:lstStyle/>
+          <a:p>
+            <a:r>
+              <a:rPr lang="pt-BR" sz="2200" dirty="0">
+                <a:latin typeface="Montserrat SemiBold" panose="00000700000000000000" pitchFamily="2" charset="0"/>
+              </a:rPr>
+              <a:t>DEPARTAMENTO PESSOAL</a:t>
+            </a:r>
+          </a:p>
+        </p:txBody>
+      </p:sp>
+      <p:sp>
+        <p:nvSpPr>
+          <p:cNvPr id="8" name="Retângulo: Cantos Arredondados 7">
+            <a:extLst>
+              <a:ext uri="{FF2B5EF4-FFF2-40B4-BE49-F238E27FC236}">
+                <a16:creationId xmlns:a16="http://schemas.microsoft.com/office/drawing/2014/main" id="{99839C40-A511-C6F3-D7A3-2EE38CF458C9}"/>
+              </a:ext>
+            </a:extLst>
+          </p:cNvPr>
+          <p:cNvSpPr/>
+          <p:nvPr/>
+        </p:nvSpPr>
+        <p:spPr>
+          <a:xfrm>
+            <a:off x="16641857" y="2615347"/>
+            <a:ext cx="8202583" cy="4978756"/>
+          </a:xfrm>
+          <a:prstGeom prst="roundRect">
+            <a:avLst>
+              <a:gd name="adj" fmla="val 5591"/>
+            </a:avLst>
+          </a:prstGeom>
+          <a:solidFill>
+            <a:schemeClr val="bg1"/>
+          </a:solidFill>
+          <a:ln>
+            <a:noFill/>
+          </a:ln>
+          <a:effectLst>
+            <a:glow rad="63500">
+              <a:schemeClr val="bg1">
+                <a:lumMod val="75000"/>
+                <a:alpha val="40000"/>
+              </a:schemeClr>
+            </a:glow>
+            <a:outerShdw blurRad="50800" dist="38100" dir="5400000" algn="t" rotWithShape="0">
+              <a:schemeClr val="tx1">
+                <a:alpha val="40000"/>
+              </a:schemeClr>
+            </a:outerShdw>
+          </a:effectLst>
+        </p:spPr>
+        <p:style>
+          <a:lnRef idx="2">
+            <a:schemeClr val="accent1">
+              <a:shade val="50000"/>
+            </a:schemeClr>
+          </a:lnRef>
+          <a:fillRef idx="1">
+            <a:schemeClr val="accent1"/>
+          </a:fillRef>
+          <a:effectRef idx="0">
+            <a:schemeClr val="accent1"/>
+          </a:effectRef>
+          <a:fontRef idx="minor">
+            <a:schemeClr val="lt1"/>
+          </a:fontRef>
+        </p:style>
+        <p:txBody>
+          <a:bodyPr rtlCol="0" anchor="ctr"/>
+          <a:lstStyle/>
+          <a:p>
+            <a:pPr algn="ctr"/>
+            <a:endParaRPr lang="pt-BR" sz="1265"/>
+          </a:p>
+        </p:txBody>
+      </p:sp>
+      <p:sp>
+        <p:nvSpPr>
+          <p:cNvPr id="9" name="Retângulo: Cantos Arredondados 8">
+            <a:extLst>
+              <a:ext uri="{FF2B5EF4-FFF2-40B4-BE49-F238E27FC236}">
+                <a16:creationId xmlns:a16="http://schemas.microsoft.com/office/drawing/2014/main" id="{3E8FDA28-D371-0F9F-9877-2A8B6D32EF65}"/>
+              </a:ext>
+            </a:extLst>
+          </p:cNvPr>
+          <p:cNvSpPr/>
+          <p:nvPr/>
+        </p:nvSpPr>
+        <p:spPr>
+          <a:xfrm>
+            <a:off x="2227660" y="7863024"/>
+            <a:ext cx="22616783" cy="5814063"/>
+          </a:xfrm>
+          <a:prstGeom prst="roundRect">
+            <a:avLst>
+              <a:gd name="adj" fmla="val 5591"/>
+            </a:avLst>
+          </a:prstGeom>
+          <a:solidFill>
+            <a:schemeClr val="bg1"/>
+          </a:solidFill>
+          <a:ln>
+            <a:noFill/>
+          </a:ln>
+          <a:effectLst>
+            <a:glow rad="63500">
+              <a:schemeClr val="bg1">
+                <a:lumMod val="75000"/>
+                <a:alpha val="40000"/>
+              </a:schemeClr>
+            </a:glow>
+            <a:outerShdw blurRad="50800" dist="38100" dir="5400000" algn="t" rotWithShape="0">
+              <a:schemeClr val="tx1">
+                <a:alpha val="40000"/>
+              </a:schemeClr>
+            </a:outerShdw>
+          </a:effectLst>
+        </p:spPr>
+        <p:style>
+          <a:lnRef idx="2">
+            <a:schemeClr val="accent1">
+              <a:shade val="50000"/>
+            </a:schemeClr>
+          </a:lnRef>
+          <a:fillRef idx="1">
+            <a:schemeClr val="accent1"/>
+          </a:fillRef>
+          <a:effectRef idx="0">
+            <a:schemeClr val="accent1"/>
+          </a:effectRef>
+          <a:fontRef idx="minor">
+            <a:schemeClr val="lt1"/>
+          </a:fontRef>
+        </p:style>
+        <p:txBody>
+          <a:bodyPr rtlCol="0" anchor="ctr"/>
+          <a:lstStyle/>
+          <a:p>
+            <a:pPr algn="ctr"/>
+            <a:endParaRPr lang="pt-BR" sz="1265"/>
+          </a:p>
+        </p:txBody>
+      </p:sp>
+      <p:sp>
+        <p:nvSpPr>
+          <p:cNvPr id="30" name="Retângulo: Cantos Arredondados 29">
+            <a:extLst>
+              <a:ext uri="{FF2B5EF4-FFF2-40B4-BE49-F238E27FC236}">
+                <a16:creationId xmlns:a16="http://schemas.microsoft.com/office/drawing/2014/main" id="{853A13AE-7F32-D4BB-3398-58111C282201}"/>
+              </a:ext>
+            </a:extLst>
+          </p:cNvPr>
+          <p:cNvSpPr/>
+          <p:nvPr/>
+        </p:nvSpPr>
+        <p:spPr>
+          <a:xfrm>
+            <a:off x="8166246" y="2615348"/>
+            <a:ext cx="8202583" cy="4978756"/>
+          </a:xfrm>
+          <a:prstGeom prst="roundRect">
+            <a:avLst>
+              <a:gd name="adj" fmla="val 5591"/>
+            </a:avLst>
+          </a:prstGeom>
+          <a:solidFill>
+            <a:schemeClr val="bg1"/>
+          </a:solidFill>
+          <a:ln>
+            <a:noFill/>
+          </a:ln>
+          <a:effectLst>
+            <a:glow rad="63500">
+              <a:schemeClr val="bg1">
+                <a:lumMod val="75000"/>
+                <a:alpha val="40000"/>
+              </a:schemeClr>
+            </a:glow>
+            <a:outerShdw blurRad="50800" dist="38100" dir="5400000" algn="t" rotWithShape="0">
+              <a:schemeClr val="tx1">
+                <a:alpha val="40000"/>
+              </a:schemeClr>
+            </a:outerShdw>
+          </a:effectLst>
+        </p:spPr>
+        <p:style>
+          <a:lnRef idx="2">
+            <a:schemeClr val="accent1">
+              <a:shade val="50000"/>
+            </a:schemeClr>
+          </a:lnRef>
+          <a:fillRef idx="1">
+            <a:schemeClr val="accent1"/>
+          </a:fillRef>
+          <a:effectRef idx="0">
+            <a:schemeClr val="accent1"/>
+          </a:effectRef>
+          <a:fontRef idx="minor">
+            <a:schemeClr val="lt1"/>
+          </a:fontRef>
+        </p:style>
+        <p:txBody>
+          <a:bodyPr rtlCol="0" anchor="ctr"/>
+          <a:lstStyle/>
+          <a:p>
+            <a:pPr algn="ctr"/>
+            <a:endParaRPr lang="pt-BR" sz="1265"/>
+          </a:p>
+        </p:txBody>
+      </p:sp>
       <p:grpSp>
         <p:nvGrpSpPr>
           <p:cNvPr id="39" name="Agrupar 38">
@@ -13319,7 +15809,7 @@
         <p:grpSpPr>
           <a:xfrm>
             <a:off x="2227660" y="1428452"/>
-            <a:ext cx="2303311" cy="1115970"/>
+            <a:ext cx="2303311" cy="943667"/>
             <a:chOff x="4341887" y="2339550"/>
             <a:chExt cx="1767084" cy="898628"/>
           </a:xfrm>
@@ -13404,7 +15894,7 @@
           <p:spPr>
             <a:xfrm>
               <a:off x="4341887" y="2339550"/>
-              <a:ext cx="1767084" cy="247598"/>
+              <a:ext cx="1767084" cy="308677"/>
             </a:xfrm>
             <a:prstGeom prst="rect">
               <a:avLst/>
@@ -13444,7 +15934,7 @@
                   </a:solidFill>
                   <a:latin typeface="Montserrat" panose="00000500000000000000" pitchFamily="2" charset="0"/>
                 </a:rPr>
-                <a:t>MÊS/ANO</a:t>
+                <a:t>DATA</a:t>
               </a:r>
             </a:p>
           </p:txBody>
@@ -13464,10 +15954,10 @@
         </p:nvGrpSpPr>
         <p:grpSpPr>
           <a:xfrm>
-            <a:off x="4797479" y="1428452"/>
-            <a:ext cx="1851003" cy="1115970"/>
-            <a:chOff x="4341887" y="2339550"/>
-            <a:chExt cx="1767084" cy="898628"/>
+            <a:off x="4797479" y="1428451"/>
+            <a:ext cx="1851003" cy="943668"/>
+            <a:chOff x="4341887" y="2339549"/>
+            <a:chExt cx="1767084" cy="898629"/>
           </a:xfrm>
         </p:grpSpPr>
         <p:sp>
@@ -13549,8 +16039,8 @@
           </p:nvSpPr>
           <p:spPr>
             <a:xfrm>
-              <a:off x="4341887" y="2339550"/>
-              <a:ext cx="1767084" cy="247598"/>
+              <a:off x="4341887" y="2339549"/>
+              <a:ext cx="1767084" cy="308676"/>
             </a:xfrm>
             <a:prstGeom prst="rect">
               <a:avLst/>
@@ -13617,7 +16107,7 @@
         <p:grpSpPr>
           <a:xfrm>
             <a:off x="6914990" y="1428452"/>
-            <a:ext cx="3410174" cy="1115970"/>
+            <a:ext cx="3410174" cy="943667"/>
             <a:chOff x="4341887" y="2339550"/>
             <a:chExt cx="1767084" cy="898628"/>
           </a:xfrm>
@@ -13702,7 +16192,7 @@
           <p:spPr>
             <a:xfrm>
               <a:off x="4341887" y="2339550"/>
-              <a:ext cx="1767084" cy="247598"/>
+              <a:ext cx="1767084" cy="308675"/>
             </a:xfrm>
             <a:prstGeom prst="rect">
               <a:avLst/>
@@ -13769,7 +16259,7 @@
         <p:grpSpPr>
           <a:xfrm>
             <a:off x="13654034" y="1428452"/>
-            <a:ext cx="4279206" cy="1115970"/>
+            <a:ext cx="4279206" cy="943667"/>
             <a:chOff x="4341887" y="2339550"/>
             <a:chExt cx="1767084" cy="898628"/>
           </a:xfrm>
@@ -13854,7 +16344,7 @@
           <p:spPr>
             <a:xfrm>
               <a:off x="4341887" y="2339550"/>
-              <a:ext cx="1767084" cy="247598"/>
+              <a:ext cx="1767084" cy="308675"/>
             </a:xfrm>
             <a:prstGeom prst="rect">
               <a:avLst/>
@@ -13915,7 +16405,7 @@
         <p:grpSpPr>
           <a:xfrm>
             <a:off x="18199748" y="1428452"/>
-            <a:ext cx="4127107" cy="1115970"/>
+            <a:ext cx="4127107" cy="943667"/>
             <a:chOff x="4341887" y="2339550"/>
             <a:chExt cx="1767084" cy="898628"/>
           </a:xfrm>
@@ -14000,7 +16490,7 @@
           <p:spPr>
             <a:xfrm>
               <a:off x="4341887" y="2339550"/>
-              <a:ext cx="1767084" cy="247598"/>
+              <a:ext cx="1767084" cy="308675"/>
             </a:xfrm>
             <a:prstGeom prst="rect">
               <a:avLst/>
@@ -14061,7 +16551,7 @@
         <p:grpSpPr>
           <a:xfrm>
             <a:off x="10591672" y="1428452"/>
-            <a:ext cx="2795854" cy="1115970"/>
+            <a:ext cx="2795854" cy="943667"/>
             <a:chOff x="4341887" y="2339550"/>
             <a:chExt cx="1767084" cy="898628"/>
           </a:xfrm>
@@ -14146,7 +16636,7 @@
           <p:spPr>
             <a:xfrm>
               <a:off x="4341887" y="2339550"/>
-              <a:ext cx="1767084" cy="247598"/>
+              <a:ext cx="1767084" cy="308675"/>
             </a:xfrm>
             <a:prstGeom prst="rect">
               <a:avLst/>
@@ -14186,7 +16676,7 @@
                   </a:solidFill>
                   <a:latin typeface="Montserrat" panose="00000500000000000000" pitchFamily="2" charset="0"/>
                 </a:rPr>
-                <a:t>TIIME</a:t>
+                <a:t>TIME</a:t>
               </a:r>
               <a:endParaRPr lang="pt-BR" sz="1500" b="1" dirty="0">
                 <a:solidFill>
@@ -14198,48 +16688,12 @@
           </p:txBody>
         </p:sp>
       </p:grpSp>
-    </p:spTree>
-    <p:extLst>
-      <p:ext uri="{BB962C8B-B14F-4D97-AF65-F5344CB8AC3E}">
-        <p14:creationId xmlns:p14="http://schemas.microsoft.com/office/powerpoint/2010/main" val="2868301545"/>
-      </p:ext>
-    </p:extLst>
-  </p:cSld>
-  <p:clrMapOvr>
-    <a:masterClrMapping/>
-  </p:clrMapOvr>
-</p:sld>
-</file>
-
-<file path=ppt/slides/slide3.xml><?xml version="1.0" encoding="utf-8"?>
-<p:sld xmlns:a="http://schemas.openxmlformats.org/drawingml/2006/main" xmlns:r="http://schemas.openxmlformats.org/officeDocument/2006/relationships" xmlns:p="http://schemas.openxmlformats.org/presentationml/2006/main">
-  <p:cSld>
-    <p:spTree>
-      <p:nvGrpSpPr>
-        <p:cNvPr id="1" name="">
-          <a:extLst>
-            <a:ext uri="{FF2B5EF4-FFF2-40B4-BE49-F238E27FC236}">
-              <a16:creationId xmlns:a16="http://schemas.microsoft.com/office/drawing/2014/main" id="{2B2C0C79-F252-DCBD-90D1-1AA82FE65494}"/>
-            </a:ext>
-          </a:extLst>
-        </p:cNvPr>
-        <p:cNvGrpSpPr/>
-        <p:nvPr/>
-      </p:nvGrpSpPr>
-      <p:grpSpPr>
-        <a:xfrm>
-          <a:off x="0" y="0"/>
-          <a:ext cx="0" cy="0"/>
-          <a:chOff x="0" y="0"/>
-          <a:chExt cx="0" cy="0"/>
-        </a:xfrm>
-      </p:grpSpPr>
       <p:sp>
         <p:nvSpPr>
-          <p:cNvPr id="4" name="Retângulo: Cantos Arredondados 3">
+          <p:cNvPr id="2" name="Retângulo: Cantos Arredondados 1">
             <a:extLst>
               <a:ext uri="{FF2B5EF4-FFF2-40B4-BE49-F238E27FC236}">
-                <a16:creationId xmlns:a16="http://schemas.microsoft.com/office/drawing/2014/main" id="{C2A45DC1-8F7C-E559-4198-5F5589013EA1}"/>
+                <a16:creationId xmlns:a16="http://schemas.microsoft.com/office/drawing/2014/main" id="{DE8DE549-1F81-B8EB-022C-020FF03B9C7B}"/>
               </a:ext>
             </a:extLst>
           </p:cNvPr>
@@ -14248,22 +16702,33 @@
         </p:nvSpPr>
         <p:spPr>
           <a:xfrm>
-            <a:off x="0" y="1"/>
-            <a:ext cx="25600025" cy="14400212"/>
+            <a:off x="2227660" y="2647045"/>
+            <a:ext cx="5665557" cy="4045585"/>
           </a:xfrm>
           <a:prstGeom prst="roundRect">
             <a:avLst>
-              <a:gd name="adj" fmla="val 3334"/>
+              <a:gd name="adj" fmla="val 5591"/>
             </a:avLst>
           </a:prstGeom>
           <a:solidFill>
             <a:schemeClr val="bg1"/>
           </a:solidFill>
           <a:ln>
-            <a:solidFill>
-              <a:srgbClr val="F5F7F9"/>
-            </a:solidFill>
+            <a:noFill/>
           </a:ln>
+          <a:effectLst>
+            <a:glow rad="63500">
+              <a:schemeClr val="bg1">
+                <a:lumMod val="75000"/>
+                <a:alpha val="40000"/>
+              </a:schemeClr>
+            </a:glow>
+            <a:outerShdw blurRad="50800" dist="38100" dir="5400000" algn="t" rotWithShape="0">
+              <a:schemeClr val="tx1">
+                <a:alpha val="40000"/>
+              </a:schemeClr>
+            </a:outerShdw>
+          </a:effectLst>
         </p:spPr>
         <p:style>
           <a:lnRef idx="2">
@@ -14286,16 +16751,16 @@
           <a:lstStyle/>
           <a:p>
             <a:pPr algn="ctr"/>
-            <a:endParaRPr lang="pt-BR" sz="1265" dirty="0"/>
+            <a:endParaRPr lang="pt-BR" sz="1265"/>
           </a:p>
         </p:txBody>
       </p:sp>
       <p:sp>
         <p:nvSpPr>
-          <p:cNvPr id="10" name="Retângulo: Cantos Arredondados 9">
+          <p:cNvPr id="3" name="Retângulo 2">
             <a:extLst>
               <a:ext uri="{FF2B5EF4-FFF2-40B4-BE49-F238E27FC236}">
-                <a16:creationId xmlns:a16="http://schemas.microsoft.com/office/drawing/2014/main" id="{480DB64B-7EEA-7074-46E3-E3D1DD9FB8C4}"/>
+                <a16:creationId xmlns:a16="http://schemas.microsoft.com/office/drawing/2014/main" id="{2201E90D-4273-6CAA-8779-D86BAE1F5980}"/>
               </a:ext>
             </a:extLst>
           </p:cNvPr>
@@ -14304,22 +16769,83 @@
         </p:nvSpPr>
         <p:spPr>
           <a:xfrm>
-            <a:off x="324465" y="1120877"/>
-            <a:ext cx="25013264" cy="12890091"/>
+            <a:off x="2836667" y="6961550"/>
+            <a:ext cx="2525304" cy="608922"/>
+          </a:xfrm>
+          <a:prstGeom prst="rect">
+            <a:avLst/>
+          </a:prstGeom>
+          <a:noFill/>
+          <a:ln>
+            <a:noFill/>
+          </a:ln>
+        </p:spPr>
+        <p:style>
+          <a:lnRef idx="0">
+            <a:scrgbClr r="0" g="0" b="0"/>
+          </a:lnRef>
+          <a:fillRef idx="0">
+            <a:scrgbClr r="0" g="0" b="0"/>
+          </a:fillRef>
+          <a:effectRef idx="0">
+            <a:scrgbClr r="0" g="0" b="0"/>
+          </a:effectRef>
+          <a:fontRef idx="minor">
+            <a:schemeClr val="lt1"/>
+          </a:fontRef>
+        </p:style>
+        <p:txBody>
+          <a:bodyPr rtlCol="0" anchor="ctr"/>
+          <a:lstStyle/>
+          <a:p>
+            <a:pPr algn="ctr"/>
+            <a:r>
+              <a:rPr lang="pt-BR" b="1" dirty="0">
+                <a:solidFill>
+                  <a:schemeClr val="tx1"/>
+                </a:solidFill>
+                <a:latin typeface="Montserrat" panose="00000500000000000000" pitchFamily="2" charset="0"/>
+              </a:rPr>
+              <a:t>TOTAL COLABORADORES</a:t>
+            </a:r>
+          </a:p>
+        </p:txBody>
+      </p:sp>
+      <p:sp>
+        <p:nvSpPr>
+          <p:cNvPr id="6" name="Retângulo: Cantos Arredondados 5">
+            <a:extLst>
+              <a:ext uri="{FF2B5EF4-FFF2-40B4-BE49-F238E27FC236}">
+                <a16:creationId xmlns:a16="http://schemas.microsoft.com/office/drawing/2014/main" id="{FB67461C-0F70-A8DE-3DA3-1B33BE9068E3}"/>
+              </a:ext>
+            </a:extLst>
+          </p:cNvPr>
+          <p:cNvSpPr/>
+          <p:nvPr/>
+        </p:nvSpPr>
+        <p:spPr>
+          <a:xfrm>
+            <a:off x="5367912" y="6916625"/>
+            <a:ext cx="2525304" cy="746033"/>
           </a:xfrm>
           <a:prstGeom prst="roundRect">
             <a:avLst>
-              <a:gd name="adj" fmla="val 3334"/>
+              <a:gd name="adj" fmla="val 4068"/>
             </a:avLst>
           </a:prstGeom>
           <a:solidFill>
-            <a:srgbClr val="F5F7F9"/>
+            <a:schemeClr val="bg1"/>
           </a:solidFill>
           <a:ln>
-            <a:solidFill>
-              <a:srgbClr val="F5F7F9"/>
-            </a:solidFill>
+            <a:noFill/>
           </a:ln>
+          <a:effectLst>
+            <a:outerShdw blurRad="63500" sx="102000" sy="102000" algn="ctr" rotWithShape="0">
+              <a:prstClr val="black">
+                <a:alpha val="40000"/>
+              </a:prstClr>
+            </a:outerShdw>
+          </a:effectLst>
         </p:spPr>
         <p:style>
           <a:lnRef idx="2">
@@ -14342,309 +16868,20 @@
           <a:lstStyle/>
           <a:p>
             <a:pPr algn="ctr"/>
-            <a:endParaRPr lang="pt-BR" sz="1265" dirty="0"/>
-          </a:p>
-        </p:txBody>
-      </p:sp>
-      <p:sp>
-        <p:nvSpPr>
-          <p:cNvPr id="35" name="Retângulo: Cantos Superiores Arredondados 34">
-            <a:extLst>
-              <a:ext uri="{FF2B5EF4-FFF2-40B4-BE49-F238E27FC236}">
-                <a16:creationId xmlns:a16="http://schemas.microsoft.com/office/drawing/2014/main" id="{663C8087-FC11-0AC4-5BD8-75FC13E3F401}"/>
-              </a:ext>
-            </a:extLst>
-          </p:cNvPr>
-          <p:cNvSpPr/>
-          <p:nvPr/>
-        </p:nvSpPr>
-        <p:spPr>
-          <a:xfrm rot="16200000">
-            <a:off x="-5466462" y="6899923"/>
-            <a:ext cx="12890092" cy="1332000"/>
-          </a:xfrm>
-          <a:prstGeom prst="round2SameRect">
-            <a:avLst/>
-          </a:prstGeom>
-          <a:solidFill>
-            <a:srgbClr val="C5E0B4"/>
-          </a:solidFill>
-          <a:ln>
-            <a:noFill/>
-          </a:ln>
-        </p:spPr>
-        <p:style>
-          <a:lnRef idx="0">
-            <a:scrgbClr r="0" g="0" b="0"/>
-          </a:lnRef>
-          <a:fillRef idx="0">
-            <a:scrgbClr r="0" g="0" b="0"/>
-          </a:fillRef>
-          <a:effectRef idx="0">
-            <a:scrgbClr r="0" g="0" b="0"/>
-          </a:effectRef>
-          <a:fontRef idx="minor">
-            <a:schemeClr val="dk1"/>
-          </a:fontRef>
-        </p:style>
-        <p:txBody>
-          <a:bodyPr rtlCol="0" anchor="ctr"/>
-          <a:lstStyle/>
-          <a:p>
-            <a:pPr algn="ctr"/>
-            <a:endParaRPr lang="pt-BR" dirty="0"/>
-          </a:p>
-        </p:txBody>
-      </p:sp>
-      <p:pic>
-        <p:nvPicPr>
-          <p:cNvPr id="53" name="Imagem 52">
-            <a:extLst>
-              <a:ext uri="{FF2B5EF4-FFF2-40B4-BE49-F238E27FC236}">
-                <a16:creationId xmlns:a16="http://schemas.microsoft.com/office/drawing/2014/main" id="{9CBDDFA7-39FF-6A1A-AC4B-3F28BEE8DB78}"/>
-              </a:ext>
-            </a:extLst>
-          </p:cNvPr>
-          <p:cNvPicPr>
-            <a:picLocks noChangeAspect="1"/>
-          </p:cNvPicPr>
-          <p:nvPr/>
-        </p:nvPicPr>
-        <p:blipFill>
-          <a:blip r:embed="rId2">
-            <a:extLst>
-              <a:ext uri="{28A0092B-C50C-407E-A947-70E740481C1C}">
-                <a14:useLocalDpi xmlns:a14="http://schemas.microsoft.com/office/drawing/2010/main" val="0"/>
-              </a:ext>
-            </a:extLst>
-          </a:blip>
-          <a:srcRect l="38554" r="37841" b="45198"/>
-          <a:stretch/>
-        </p:blipFill>
-        <p:spPr>
-          <a:xfrm>
-            <a:off x="670971" y="77626"/>
-            <a:ext cx="552133" cy="965624"/>
-          </a:xfrm>
-          <a:prstGeom prst="rect">
-            <a:avLst/>
-          </a:prstGeom>
-          <a:noFill/>
-          <a:effectLst>
-            <a:innerShdw blurRad="63500" dist="50800" dir="16200000">
-              <a:prstClr val="black">
-                <a:alpha val="50000"/>
-              </a:prstClr>
-            </a:innerShdw>
-          </a:effectLst>
-        </p:spPr>
-      </p:pic>
-      <p:sp>
-        <p:nvSpPr>
-          <p:cNvPr id="58" name="CaixaDeTexto 57">
-            <a:extLst>
-              <a:ext uri="{FF2B5EF4-FFF2-40B4-BE49-F238E27FC236}">
-                <a16:creationId xmlns:a16="http://schemas.microsoft.com/office/drawing/2014/main" id="{79E41255-4004-7D27-3096-0CF83B5A6724}"/>
-              </a:ext>
-            </a:extLst>
-          </p:cNvPr>
-          <p:cNvSpPr txBox="1"/>
-          <p:nvPr/>
-        </p:nvSpPr>
-        <p:spPr>
-          <a:xfrm>
-            <a:off x="1587339" y="-24040"/>
-            <a:ext cx="10805699" cy="769441"/>
-          </a:xfrm>
-          <a:prstGeom prst="rect">
-            <a:avLst/>
-          </a:prstGeom>
-          <a:noFill/>
-        </p:spPr>
-        <p:txBody>
-          <a:bodyPr wrap="square" rtlCol="0">
-            <a:spAutoFit/>
-          </a:bodyPr>
-          <a:lstStyle/>
-          <a:p>
-            <a:r>
-              <a:rPr lang="pt-BR" sz="4400" dirty="0">
-                <a:latin typeface="Montserrat SemiBold" panose="00000700000000000000" pitchFamily="2" charset="0"/>
-              </a:rPr>
-              <a:t>EVOLUÇÃO DE HORA EXTRA</a:t>
-            </a:r>
-          </a:p>
-        </p:txBody>
-      </p:sp>
-      <p:cxnSp>
-        <p:nvCxnSpPr>
-          <p:cNvPr id="60" name="Conector reto 59">
-            <a:extLst>
-              <a:ext uri="{FF2B5EF4-FFF2-40B4-BE49-F238E27FC236}">
-                <a16:creationId xmlns:a16="http://schemas.microsoft.com/office/drawing/2014/main" id="{07758CE2-F00C-3CB5-A286-FC3A6775E304}"/>
-              </a:ext>
-            </a:extLst>
-          </p:cNvPr>
-          <p:cNvCxnSpPr>
-            <a:cxnSpLocks/>
-          </p:cNvCxnSpPr>
-          <p:nvPr/>
-        </p:nvCxnSpPr>
-        <p:spPr>
-          <a:xfrm>
-            <a:off x="1572715" y="268918"/>
-            <a:ext cx="0" cy="583038"/>
-          </a:xfrm>
-          <a:prstGeom prst="line">
-            <a:avLst/>
-          </a:prstGeom>
-        </p:spPr>
-        <p:style>
-          <a:lnRef idx="3">
-            <a:schemeClr val="accent6"/>
-          </a:lnRef>
-          <a:fillRef idx="0">
-            <a:schemeClr val="accent6"/>
-          </a:fillRef>
-          <a:effectRef idx="2">
-            <a:schemeClr val="accent6"/>
-          </a:effectRef>
-          <a:fontRef idx="minor">
-            <a:schemeClr val="tx1"/>
-          </a:fontRef>
-        </p:style>
-      </p:cxnSp>
-      <p:sp>
-        <p:nvSpPr>
-          <p:cNvPr id="27" name="CaixaDeTexto 26">
-            <a:extLst>
-              <a:ext uri="{FF2B5EF4-FFF2-40B4-BE49-F238E27FC236}">
-                <a16:creationId xmlns:a16="http://schemas.microsoft.com/office/drawing/2014/main" id="{17C6D3FA-E46B-6CCE-07FB-B8C42E28B139}"/>
-              </a:ext>
-            </a:extLst>
-          </p:cNvPr>
-          <p:cNvSpPr txBox="1"/>
-          <p:nvPr/>
-        </p:nvSpPr>
-        <p:spPr>
-          <a:xfrm>
-            <a:off x="22475947" y="-31697"/>
-            <a:ext cx="3124078" cy="369332"/>
-          </a:xfrm>
-          <a:prstGeom prst="rect">
-            <a:avLst/>
-          </a:prstGeom>
-          <a:noFill/>
-        </p:spPr>
-        <p:txBody>
-          <a:bodyPr wrap="square" rtlCol="0">
-            <a:spAutoFit/>
-          </a:bodyPr>
-          <a:lstStyle/>
-          <a:p>
-            <a:pPr algn="r"/>
-            <a:r>
-              <a:rPr lang="pt-BR" dirty="0">
-                <a:solidFill>
-                  <a:schemeClr val="tx1">
-                    <a:lumMod val="85000"/>
-                    <a:lumOff val="15000"/>
-                  </a:schemeClr>
-                </a:solidFill>
-                <a:latin typeface="Montserrat SemiBold" panose="00000700000000000000" pitchFamily="2" charset="0"/>
-              </a:rPr>
-              <a:t>DATA DE ATUALIZAÇÃO</a:t>
-            </a:r>
-          </a:p>
-        </p:txBody>
-      </p:sp>
-      <p:sp>
-        <p:nvSpPr>
-          <p:cNvPr id="17" name="CaixaDeTexto 16">
-            <a:extLst>
-              <a:ext uri="{FF2B5EF4-FFF2-40B4-BE49-F238E27FC236}">
-                <a16:creationId xmlns:a16="http://schemas.microsoft.com/office/drawing/2014/main" id="{DDBE3E91-8817-51D1-3AA7-AFAB8267C0E1}"/>
-              </a:ext>
-            </a:extLst>
-          </p:cNvPr>
-          <p:cNvSpPr txBox="1"/>
-          <p:nvPr/>
-        </p:nvSpPr>
-        <p:spPr>
-          <a:xfrm>
-            <a:off x="22475949" y="1102458"/>
-            <a:ext cx="3124076" cy="369332"/>
-          </a:xfrm>
-          <a:prstGeom prst="rect">
-            <a:avLst/>
-          </a:prstGeom>
-          <a:noFill/>
-        </p:spPr>
-        <p:txBody>
-          <a:bodyPr wrap="square" rtlCol="0">
-            <a:spAutoFit/>
-          </a:bodyPr>
-          <a:lstStyle/>
-          <a:p>
-            <a:pPr algn="ctr"/>
-            <a:r>
-              <a:rPr lang="pt-BR" dirty="0">
-                <a:solidFill>
-                  <a:schemeClr val="tx1">
-                    <a:lumMod val="85000"/>
-                    <a:lumOff val="15000"/>
-                  </a:schemeClr>
-                </a:solidFill>
-                <a:latin typeface="Montserrat SemiBold" panose="00000700000000000000" pitchFamily="2" charset="0"/>
-              </a:rPr>
-              <a:t>DADOS ATÉ</a:t>
-            </a:r>
-          </a:p>
-        </p:txBody>
-      </p:sp>
-      <p:sp>
-        <p:nvSpPr>
-          <p:cNvPr id="19" name="CaixaDeTexto 18">
-            <a:extLst>
-              <a:ext uri="{FF2B5EF4-FFF2-40B4-BE49-F238E27FC236}">
-                <a16:creationId xmlns:a16="http://schemas.microsoft.com/office/drawing/2014/main" id="{00E4B19F-667B-ED50-2B0B-B25552240B75}"/>
-              </a:ext>
-            </a:extLst>
-          </p:cNvPr>
-          <p:cNvSpPr txBox="1"/>
-          <p:nvPr/>
-        </p:nvSpPr>
-        <p:spPr>
-          <a:xfrm>
-            <a:off x="1622929" y="597674"/>
-            <a:ext cx="4534125" cy="430887"/>
-          </a:xfrm>
-          <a:prstGeom prst="rect">
-            <a:avLst/>
-          </a:prstGeom>
-          <a:noFill/>
-        </p:spPr>
-        <p:txBody>
-          <a:bodyPr wrap="square" rtlCol="0">
-            <a:spAutoFit/>
-          </a:bodyPr>
-          <a:lstStyle/>
-          <a:p>
-            <a:r>
-              <a:rPr lang="pt-BR" sz="2200" dirty="0">
-                <a:latin typeface="Montserrat SemiBold" panose="00000700000000000000" pitchFamily="2" charset="0"/>
-              </a:rPr>
-              <a:t>DEPARTAMENTO PESSOAL</a:t>
-            </a:r>
+            <a:endParaRPr lang="pt-BR" sz="2800" b="1" dirty="0">
+              <a:solidFill>
+                <a:schemeClr val="tx1"/>
+              </a:solidFill>
+            </a:endParaRPr>
           </a:p>
         </p:txBody>
       </p:sp>
       <p:grpSp>
         <p:nvGrpSpPr>
-          <p:cNvPr id="66" name="Agrupar 65">
+          <p:cNvPr id="7" name="Agrupar 6">
             <a:extLst>
               <a:ext uri="{FF2B5EF4-FFF2-40B4-BE49-F238E27FC236}">
-                <a16:creationId xmlns:a16="http://schemas.microsoft.com/office/drawing/2014/main" id="{10401B6B-BF8C-5856-6059-1AAB9220A189}"/>
+                <a16:creationId xmlns:a16="http://schemas.microsoft.com/office/drawing/2014/main" id="{FE15CC19-8C43-8EC8-C912-114DC1545746}"/>
               </a:ext>
             </a:extLst>
           </p:cNvPr>
@@ -14653,19 +16890,18 @@
         </p:nvGrpSpPr>
         <p:grpSpPr>
           <a:xfrm>
-            <a:off x="330115" y="1414013"/>
-            <a:ext cx="1318250" cy="1201335"/>
-            <a:chOff x="328180" y="1842785"/>
-            <a:chExt cx="1307397" cy="1259089"/>
+            <a:off x="334808" y="1414013"/>
+            <a:ext cx="1295447" cy="1277541"/>
+            <a:chOff x="374004" y="1414013"/>
+            <a:chExt cx="1295447" cy="1277541"/>
           </a:xfrm>
-          <a:effectLst/>
         </p:grpSpPr>
         <p:pic>
           <p:nvPicPr>
-            <p:cNvPr id="67" name="Imagem 66">
+            <p:cNvPr id="11" name="Imagem 10">
               <a:extLst>
                 <a:ext uri="{FF2B5EF4-FFF2-40B4-BE49-F238E27FC236}">
-                  <a16:creationId xmlns:a16="http://schemas.microsoft.com/office/drawing/2014/main" id="{188D500A-8D5F-8A1B-3EC0-A9B1E9C78E3B}"/>
+                  <a16:creationId xmlns:a16="http://schemas.microsoft.com/office/drawing/2014/main" id="{F9EB39F2-F983-2E0A-35FF-0E72276E0C44}"/>
                 </a:ext>
               </a:extLst>
             </p:cNvPr>
@@ -14687,8 +16923,8 @@
           </p:blipFill>
           <p:spPr>
             <a:xfrm>
-              <a:off x="479794" y="1842785"/>
-              <a:ext cx="1004167" cy="1004167"/>
+              <a:off x="482988" y="1414013"/>
+              <a:ext cx="1139266" cy="958106"/>
             </a:xfrm>
             <a:prstGeom prst="rect">
               <a:avLst/>
@@ -14799,10 +17035,10 @@
         </p:pic>
         <p:sp>
           <p:nvSpPr>
-            <p:cNvPr id="68" name="CaixaDeTexto 67">
+            <p:cNvPr id="15" name="CaixaDeTexto 14">
               <a:extLst>
                 <a:ext uri="{FF2B5EF4-FFF2-40B4-BE49-F238E27FC236}">
-                  <a16:creationId xmlns:a16="http://schemas.microsoft.com/office/drawing/2014/main" id="{8EB97A8A-ECAA-3AC7-35AA-1F2289A27A7C}"/>
+                  <a16:creationId xmlns:a16="http://schemas.microsoft.com/office/drawing/2014/main" id="{4C4EEF54-1574-BBAC-7B75-8DFA7FA55C2F}"/>
                 </a:ext>
               </a:extLst>
             </p:cNvPr>
@@ -14811,8 +17047,8 @@
           </p:nvSpPr>
           <p:spPr>
             <a:xfrm>
-              <a:off x="328180" y="2824875"/>
-              <a:ext cx="1307397" cy="276999"/>
+              <a:off x="374004" y="2414555"/>
+              <a:ext cx="1295447" cy="276999"/>
             </a:xfrm>
             <a:prstGeom prst="rect">
               <a:avLst/>
@@ -14839,79 +17075,12 @@
           </p:txBody>
         </p:sp>
       </p:grpSp>
-      <p:sp>
-        <p:nvSpPr>
-          <p:cNvPr id="9" name="Retângulo: Cantos Arredondados 8">
+      <p:grpSp>
+        <p:nvGrpSpPr>
+          <p:cNvPr id="16" name="Agrupar 15">
             <a:extLst>
               <a:ext uri="{FF2B5EF4-FFF2-40B4-BE49-F238E27FC236}">
-                <a16:creationId xmlns:a16="http://schemas.microsoft.com/office/drawing/2014/main" id="{EE478C64-C75C-3F37-5817-C4D760B11021}"/>
-              </a:ext>
-            </a:extLst>
-          </p:cNvPr>
-          <p:cNvSpPr/>
-          <p:nvPr/>
-        </p:nvSpPr>
-        <p:spPr>
-          <a:xfrm>
-            <a:off x="1957168" y="7200106"/>
-            <a:ext cx="23062372" cy="6602433"/>
-          </a:xfrm>
-          <a:prstGeom prst="roundRect">
-            <a:avLst>
-              <a:gd name="adj" fmla="val 5591"/>
-            </a:avLst>
-          </a:prstGeom>
-          <a:solidFill>
-            <a:schemeClr val="bg1"/>
-          </a:solidFill>
-          <a:ln>
-            <a:noFill/>
-          </a:ln>
-          <a:effectLst>
-            <a:glow rad="63500">
-              <a:schemeClr val="bg1">
-                <a:lumMod val="75000"/>
-                <a:alpha val="40000"/>
-              </a:schemeClr>
-            </a:glow>
-            <a:outerShdw blurRad="50800" dist="38100" dir="5400000" algn="t" rotWithShape="0">
-              <a:schemeClr val="tx1">
-                <a:alpha val="40000"/>
-              </a:schemeClr>
-            </a:outerShdw>
-          </a:effectLst>
-        </p:spPr>
-        <p:style>
-          <a:lnRef idx="2">
-            <a:schemeClr val="accent1">
-              <a:shade val="50000"/>
-            </a:schemeClr>
-          </a:lnRef>
-          <a:fillRef idx="1">
-            <a:schemeClr val="accent1"/>
-          </a:fillRef>
-          <a:effectRef idx="0">
-            <a:schemeClr val="accent1"/>
-          </a:effectRef>
-          <a:fontRef idx="minor">
-            <a:schemeClr val="lt1"/>
-          </a:fontRef>
-        </p:style>
-        <p:txBody>
-          <a:bodyPr rtlCol="0" anchor="ctr"/>
-          <a:lstStyle/>
-          <a:p>
-            <a:pPr algn="ctr"/>
-            <a:endParaRPr lang="pt-BR" sz="1265"/>
-          </a:p>
-        </p:txBody>
-      </p:sp>
-      <p:grpSp>
-        <p:nvGrpSpPr>
-          <p:cNvPr id="14" name="Agrupar 13">
-            <a:extLst>
-              <a:ext uri="{FF2B5EF4-FFF2-40B4-BE49-F238E27FC236}">
-                <a16:creationId xmlns:a16="http://schemas.microsoft.com/office/drawing/2014/main" id="{6203788C-DA50-AA97-3E20-441E10D8C1BC}"/>
+                <a16:creationId xmlns:a16="http://schemas.microsoft.com/office/drawing/2014/main" id="{D3F4ECE9-00D8-71C6-F152-A2892D227555}"/>
               </a:ext>
             </a:extLst>
           </p:cNvPr>
@@ -14920,19 +17089,26 @@
         </p:nvGrpSpPr>
         <p:grpSpPr>
           <a:xfrm>
-            <a:off x="223837" y="2766523"/>
-            <a:ext cx="1483519" cy="1510731"/>
+            <a:off x="234067" y="2934976"/>
+            <a:ext cx="1496928" cy="1510731"/>
             <a:chOff x="223837" y="2766523"/>
-            <a:chExt cx="1483519" cy="1510731"/>
+            <a:chExt cx="1496928" cy="1510731"/>
           </a:xfrm>
-          <a:effectLst/>
+          <a:effectLst>
+            <a:glow rad="101600">
+              <a:schemeClr val="accent4">
+                <a:satMod val="175000"/>
+                <a:alpha val="40000"/>
+              </a:schemeClr>
+            </a:glow>
+          </a:effectLst>
         </p:grpSpPr>
         <p:pic>
           <p:nvPicPr>
-            <p:cNvPr id="12" name="Imagem 11" descr="Forma&#10;&#10;O conteúdo gerado por IA pode estar incorreto.">
+            <p:cNvPr id="18" name="Imagem 17" descr="Forma&#10;&#10;O conteúdo gerado por IA pode estar incorreto.">
               <a:extLst>
                 <a:ext uri="{FF2B5EF4-FFF2-40B4-BE49-F238E27FC236}">
-                  <a16:creationId xmlns:a16="http://schemas.microsoft.com/office/drawing/2014/main" id="{2C6D80A9-1E94-8C4F-D12C-F900366AF93C}"/>
+                  <a16:creationId xmlns:a16="http://schemas.microsoft.com/office/drawing/2014/main" id="{CA9E2D00-AEAA-0E38-FB5F-5BB57B86FF94}"/>
                 </a:ext>
               </a:extLst>
             </p:cNvPr>
@@ -14965,10 +17141,10 @@
         </p:pic>
         <p:sp>
           <p:nvSpPr>
-            <p:cNvPr id="13" name="CaixaDeTexto 12">
+            <p:cNvPr id="20" name="CaixaDeTexto 19">
               <a:extLst>
                 <a:ext uri="{FF2B5EF4-FFF2-40B4-BE49-F238E27FC236}">
-                  <a16:creationId xmlns:a16="http://schemas.microsoft.com/office/drawing/2014/main" id="{F334EC35-59AA-F54E-270E-04BA58AA3DAB}"/>
+                  <a16:creationId xmlns:a16="http://schemas.microsoft.com/office/drawing/2014/main" id="{30959C0C-867B-CB92-E27A-6C98FCC95C7F}"/>
                 </a:ext>
               </a:extLst>
             </p:cNvPr>
@@ -14978,7 +17154,7 @@
           <p:spPr>
             <a:xfrm>
               <a:off x="223837" y="3815589"/>
-              <a:ext cx="1483519" cy="461665"/>
+              <a:ext cx="1496928" cy="461665"/>
             </a:xfrm>
             <a:prstGeom prst="rect">
               <a:avLst/>
@@ -14996,7 +17172,7 @@
                 <a:rPr lang="pt-BR" sz="1200" b="1" dirty="0">
                   <a:latin typeface="Montserrat" panose="00000500000000000000" pitchFamily="2" charset="0"/>
                 </a:rPr>
-                <a:t>RELAÇÃO DE COLAB.</a:t>
+                <a:t>QUADRO DE PESSOAL</a:t>
               </a:r>
               <a:endParaRPr lang="pt-BR" sz="1100" b="1" dirty="0">
                 <a:latin typeface="Montserrat" panose="00000500000000000000" pitchFamily="2" charset="0"/>
@@ -15005,6 +17181,2950 @@
           </p:txBody>
         </p:sp>
       </p:grpSp>
+      <p:grpSp>
+        <p:nvGrpSpPr>
+          <p:cNvPr id="21" name="Agrupar 20">
+            <a:extLst>
+              <a:ext uri="{FF2B5EF4-FFF2-40B4-BE49-F238E27FC236}">
+                <a16:creationId xmlns:a16="http://schemas.microsoft.com/office/drawing/2014/main" id="{660BF6BC-4884-8923-A2BB-76A1B46B99FC}"/>
+              </a:ext>
+            </a:extLst>
+          </p:cNvPr>
+          <p:cNvGrpSpPr/>
+          <p:nvPr/>
+        </p:nvGrpSpPr>
+        <p:grpSpPr>
+          <a:xfrm>
+            <a:off x="204099" y="6627948"/>
+            <a:ext cx="1556865" cy="1543067"/>
+            <a:chOff x="218004" y="4367039"/>
+            <a:chExt cx="1556865" cy="1543067"/>
+          </a:xfrm>
+        </p:grpSpPr>
+        <p:pic>
+          <p:nvPicPr>
+            <p:cNvPr id="22" name="Imagem 21">
+              <a:extLst>
+                <a:ext uri="{FF2B5EF4-FFF2-40B4-BE49-F238E27FC236}">
+                  <a16:creationId xmlns:a16="http://schemas.microsoft.com/office/drawing/2014/main" id="{080D3A1C-7079-244E-4826-76F0A3B5F412}"/>
+                </a:ext>
+              </a:extLst>
+            </p:cNvPr>
+            <p:cNvPicPr>
+              <a:picLocks noChangeAspect="1"/>
+            </p:cNvPicPr>
+            <p:nvPr/>
+          </p:nvPicPr>
+          <p:blipFill>
+            <a:blip r:embed="rId5">
+              <a:extLst>
+                <a:ext uri="{28A0092B-C50C-407E-A947-70E740481C1C}">
+                  <a14:useLocalDpi xmlns:a14="http://schemas.microsoft.com/office/drawing/2010/main" val="0"/>
+                </a:ext>
+              </a:extLst>
+            </a:blip>
+            <a:srcRect/>
+            <a:stretch/>
+          </p:blipFill>
+          <p:spPr>
+            <a:xfrm>
+              <a:off x="453797" y="4367039"/>
+              <a:ext cx="1138979" cy="1085276"/>
+            </a:xfrm>
+            <a:prstGeom prst="rect">
+              <a:avLst/>
+            </a:prstGeom>
+          </p:spPr>
+        </p:pic>
+        <p:sp>
+          <p:nvSpPr>
+            <p:cNvPr id="23" name="CaixaDeTexto 22">
+              <a:extLst>
+                <a:ext uri="{FF2B5EF4-FFF2-40B4-BE49-F238E27FC236}">
+                  <a16:creationId xmlns:a16="http://schemas.microsoft.com/office/drawing/2014/main" id="{6FA522C7-3A26-08D4-2EA2-B195C5224A69}"/>
+                </a:ext>
+              </a:extLst>
+            </p:cNvPr>
+            <p:cNvSpPr txBox="1"/>
+            <p:nvPr/>
+          </p:nvSpPr>
+          <p:spPr>
+            <a:xfrm>
+              <a:off x="218004" y="5448441"/>
+              <a:ext cx="1556865" cy="461665"/>
+            </a:xfrm>
+            <a:prstGeom prst="rect">
+              <a:avLst/>
+            </a:prstGeom>
+            <a:noFill/>
+          </p:spPr>
+          <p:txBody>
+            <a:bodyPr wrap="square" rtlCol="0">
+              <a:spAutoFit/>
+            </a:bodyPr>
+            <a:lstStyle/>
+            <a:p>
+              <a:pPr algn="ctr"/>
+              <a:r>
+                <a:rPr lang="pt-BR" sz="1200" b="1" dirty="0">
+                  <a:latin typeface="Montserrat" panose="00000500000000000000" pitchFamily="2" charset="0"/>
+                </a:rPr>
+                <a:t>EVOLUÇÃO DE HORAS EXTRAS</a:t>
+              </a:r>
+              <a:endParaRPr lang="pt-BR" sz="1100" b="1" dirty="0">
+                <a:latin typeface="Montserrat" panose="00000500000000000000" pitchFamily="2" charset="0"/>
+              </a:endParaRPr>
+            </a:p>
+          </p:txBody>
+        </p:sp>
+      </p:grpSp>
+      <p:grpSp>
+        <p:nvGrpSpPr>
+          <p:cNvPr id="24" name="Agrupar 23">
+            <a:extLst>
+              <a:ext uri="{FF2B5EF4-FFF2-40B4-BE49-F238E27FC236}">
+                <a16:creationId xmlns:a16="http://schemas.microsoft.com/office/drawing/2014/main" id="{AD72EFB6-698A-DBB9-F463-37E4ECE348FA}"/>
+              </a:ext>
+            </a:extLst>
+          </p:cNvPr>
+          <p:cNvGrpSpPr/>
+          <p:nvPr/>
+        </p:nvGrpSpPr>
+        <p:grpSpPr>
+          <a:xfrm>
+            <a:off x="316530" y="8414437"/>
+            <a:ext cx="1332002" cy="1342246"/>
+            <a:chOff x="332645" y="4399375"/>
+            <a:chExt cx="1332002" cy="1342246"/>
+          </a:xfrm>
+        </p:grpSpPr>
+        <p:pic>
+          <p:nvPicPr>
+            <p:cNvPr id="25" name="Imagem 24">
+              <a:extLst>
+                <a:ext uri="{FF2B5EF4-FFF2-40B4-BE49-F238E27FC236}">
+                  <a16:creationId xmlns:a16="http://schemas.microsoft.com/office/drawing/2014/main" id="{30C50AD0-826C-3CEF-D2CC-A2FB5B38FFF7}"/>
+                </a:ext>
+              </a:extLst>
+            </p:cNvPr>
+            <p:cNvPicPr>
+              <a:picLocks noChangeAspect="1"/>
+            </p:cNvPicPr>
+            <p:nvPr/>
+          </p:nvPicPr>
+          <p:blipFill>
+            <a:blip r:embed="rId6">
+              <a:extLst>
+                <a:ext uri="{28A0092B-C50C-407E-A947-70E740481C1C}">
+                  <a14:useLocalDpi xmlns:a14="http://schemas.microsoft.com/office/drawing/2010/main" val="0"/>
+                </a:ext>
+              </a:extLst>
+            </a:blip>
+            <a:srcRect/>
+            <a:stretch/>
+          </p:blipFill>
+          <p:spPr>
+            <a:xfrm>
+              <a:off x="417125" y="4399375"/>
+              <a:ext cx="1175652" cy="1085276"/>
+            </a:xfrm>
+            <a:prstGeom prst="rect">
+              <a:avLst/>
+            </a:prstGeom>
+          </p:spPr>
+        </p:pic>
+        <p:sp>
+          <p:nvSpPr>
+            <p:cNvPr id="26" name="CaixaDeTexto 25">
+              <a:extLst>
+                <a:ext uri="{FF2B5EF4-FFF2-40B4-BE49-F238E27FC236}">
+                  <a16:creationId xmlns:a16="http://schemas.microsoft.com/office/drawing/2014/main" id="{ECD62EEB-73F3-E3E8-F55D-C1EDFA310DE9}"/>
+                </a:ext>
+              </a:extLst>
+            </p:cNvPr>
+            <p:cNvSpPr txBox="1"/>
+            <p:nvPr/>
+          </p:nvSpPr>
+          <p:spPr>
+            <a:xfrm>
+              <a:off x="332645" y="5464622"/>
+              <a:ext cx="1332002" cy="276999"/>
+            </a:xfrm>
+            <a:prstGeom prst="rect">
+              <a:avLst/>
+            </a:prstGeom>
+            <a:noFill/>
+          </p:spPr>
+          <p:txBody>
+            <a:bodyPr wrap="square" rtlCol="0">
+              <a:spAutoFit/>
+            </a:bodyPr>
+            <a:lstStyle/>
+            <a:p>
+              <a:pPr algn="ctr"/>
+              <a:r>
+                <a:rPr lang="pt-BR" sz="1200" b="1" dirty="0">
+                  <a:latin typeface="Montserrat" panose="00000500000000000000" pitchFamily="2" charset="0"/>
+                </a:rPr>
+                <a:t>TURNOVER</a:t>
+              </a:r>
+              <a:endParaRPr lang="pt-BR" sz="1100" b="1" dirty="0">
+                <a:latin typeface="Montserrat" panose="00000500000000000000" pitchFamily="2" charset="0"/>
+              </a:endParaRPr>
+            </a:p>
+          </p:txBody>
+        </p:sp>
+      </p:grpSp>
+      <p:grpSp>
+        <p:nvGrpSpPr>
+          <p:cNvPr id="28" name="Agrupar 27">
+            <a:extLst>
+              <a:ext uri="{FF2B5EF4-FFF2-40B4-BE49-F238E27FC236}">
+                <a16:creationId xmlns:a16="http://schemas.microsoft.com/office/drawing/2014/main" id="{96F72872-9FDD-EE76-8FD7-20B86B10C057}"/>
+              </a:ext>
+            </a:extLst>
+          </p:cNvPr>
+          <p:cNvGrpSpPr/>
+          <p:nvPr/>
+        </p:nvGrpSpPr>
+        <p:grpSpPr>
+          <a:xfrm>
+            <a:off x="197942" y="4689129"/>
+            <a:ext cx="1569179" cy="1695397"/>
+            <a:chOff x="218004" y="4399375"/>
+            <a:chExt cx="1569179" cy="1695397"/>
+          </a:xfrm>
+        </p:grpSpPr>
+        <p:pic>
+          <p:nvPicPr>
+            <p:cNvPr id="29" name="Imagem 28">
+              <a:extLst>
+                <a:ext uri="{FF2B5EF4-FFF2-40B4-BE49-F238E27FC236}">
+                  <a16:creationId xmlns:a16="http://schemas.microsoft.com/office/drawing/2014/main" id="{EA101410-FF95-AFA2-1516-EAAC65BEF0EC}"/>
+                </a:ext>
+              </a:extLst>
+            </p:cNvPr>
+            <p:cNvPicPr>
+              <a:picLocks noChangeAspect="1"/>
+            </p:cNvPicPr>
+            <p:nvPr/>
+          </p:nvPicPr>
+          <p:blipFill>
+            <a:blip r:embed="rId7">
+              <a:extLst>
+                <a:ext uri="{28A0092B-C50C-407E-A947-70E740481C1C}">
+                  <a14:useLocalDpi xmlns:a14="http://schemas.microsoft.com/office/drawing/2010/main" val="0"/>
+                </a:ext>
+              </a:extLst>
+            </a:blip>
+            <a:srcRect/>
+            <a:stretch/>
+          </p:blipFill>
+          <p:spPr>
+            <a:xfrm>
+              <a:off x="417125" y="4399375"/>
+              <a:ext cx="1169872" cy="1085276"/>
+            </a:xfrm>
+            <a:prstGeom prst="rect">
+              <a:avLst/>
+            </a:prstGeom>
+          </p:spPr>
+        </p:pic>
+        <p:sp>
+          <p:nvSpPr>
+            <p:cNvPr id="31" name="CaixaDeTexto 30">
+              <a:extLst>
+                <a:ext uri="{FF2B5EF4-FFF2-40B4-BE49-F238E27FC236}">
+                  <a16:creationId xmlns:a16="http://schemas.microsoft.com/office/drawing/2014/main" id="{56656FF0-3244-B19B-10F3-28B9F8DD98FC}"/>
+                </a:ext>
+              </a:extLst>
+            </p:cNvPr>
+            <p:cNvSpPr txBox="1"/>
+            <p:nvPr/>
+          </p:nvSpPr>
+          <p:spPr>
+            <a:xfrm>
+              <a:off x="218004" y="5448441"/>
+              <a:ext cx="1569179" cy="646331"/>
+            </a:xfrm>
+            <a:prstGeom prst="rect">
+              <a:avLst/>
+            </a:prstGeom>
+            <a:noFill/>
+          </p:spPr>
+          <p:txBody>
+            <a:bodyPr wrap="square" rtlCol="0">
+              <a:spAutoFit/>
+            </a:bodyPr>
+            <a:lstStyle/>
+            <a:p>
+              <a:pPr algn="ctr"/>
+              <a:r>
+                <a:rPr lang="pt-BR" sz="1200" b="1" dirty="0">
+                  <a:latin typeface="Montserrat" panose="00000500000000000000" pitchFamily="2" charset="0"/>
+                </a:rPr>
+                <a:t>COLABOR. POR CENTRO DE CUSTO</a:t>
+              </a:r>
+              <a:endParaRPr lang="pt-BR" sz="1100" b="1" dirty="0">
+                <a:latin typeface="Montserrat" panose="00000500000000000000" pitchFamily="2" charset="0"/>
+              </a:endParaRPr>
+            </a:p>
+          </p:txBody>
+        </p:sp>
+      </p:grpSp>
+    </p:spTree>
+    <p:extLst>
+      <p:ext uri="{BB962C8B-B14F-4D97-AF65-F5344CB8AC3E}">
+        <p14:creationId xmlns:p14="http://schemas.microsoft.com/office/powerpoint/2010/main" val="2868301545"/>
+      </p:ext>
+    </p:extLst>
+  </p:cSld>
+  <p:clrMapOvr>
+    <a:masterClrMapping/>
+  </p:clrMapOvr>
+</p:sld>
+</file>
+
+<file path=ppt/slides/slide4.xml><?xml version="1.0" encoding="utf-8"?>
+<p:sld xmlns:a="http://schemas.openxmlformats.org/drawingml/2006/main" xmlns:r="http://schemas.openxmlformats.org/officeDocument/2006/relationships" xmlns:p="http://schemas.openxmlformats.org/presentationml/2006/main">
+  <p:cSld>
+    <p:spTree>
+      <p:nvGrpSpPr>
+        <p:cNvPr id="1" name="">
+          <a:extLst>
+            <a:ext uri="{FF2B5EF4-FFF2-40B4-BE49-F238E27FC236}">
+              <a16:creationId xmlns:a16="http://schemas.microsoft.com/office/drawing/2014/main" id="{69D50D66-310C-8EEC-3FE0-02BFA7EC8CC0}"/>
+            </a:ext>
+          </a:extLst>
+        </p:cNvPr>
+        <p:cNvGrpSpPr/>
+        <p:nvPr/>
+      </p:nvGrpSpPr>
+      <p:grpSpPr>
+        <a:xfrm>
+          <a:off x="0" y="0"/>
+          <a:ext cx="0" cy="0"/>
+          <a:chOff x="0" y="0"/>
+          <a:chExt cx="0" cy="0"/>
+        </a:xfrm>
+      </p:grpSpPr>
+      <p:sp>
+        <p:nvSpPr>
+          <p:cNvPr id="4" name="Retângulo: Cantos Arredondados 3">
+            <a:extLst>
+              <a:ext uri="{FF2B5EF4-FFF2-40B4-BE49-F238E27FC236}">
+                <a16:creationId xmlns:a16="http://schemas.microsoft.com/office/drawing/2014/main" id="{C8A9EAE0-A61D-8F1E-87FF-50BD44BDDA42}"/>
+              </a:ext>
+            </a:extLst>
+          </p:cNvPr>
+          <p:cNvSpPr/>
+          <p:nvPr/>
+        </p:nvSpPr>
+        <p:spPr>
+          <a:xfrm>
+            <a:off x="0" y="1"/>
+            <a:ext cx="25600025" cy="14400212"/>
+          </a:xfrm>
+          <a:prstGeom prst="roundRect">
+            <a:avLst>
+              <a:gd name="adj" fmla="val 3334"/>
+            </a:avLst>
+          </a:prstGeom>
+          <a:solidFill>
+            <a:schemeClr val="bg1"/>
+          </a:solidFill>
+          <a:ln>
+            <a:solidFill>
+              <a:srgbClr val="F5F7F9"/>
+            </a:solidFill>
+          </a:ln>
+        </p:spPr>
+        <p:style>
+          <a:lnRef idx="2">
+            <a:schemeClr val="accent1">
+              <a:shade val="50000"/>
+            </a:schemeClr>
+          </a:lnRef>
+          <a:fillRef idx="1">
+            <a:schemeClr val="accent1"/>
+          </a:fillRef>
+          <a:effectRef idx="0">
+            <a:schemeClr val="accent1"/>
+          </a:effectRef>
+          <a:fontRef idx="minor">
+            <a:schemeClr val="lt1"/>
+          </a:fontRef>
+        </p:style>
+        <p:txBody>
+          <a:bodyPr rtlCol="0" anchor="ctr"/>
+          <a:lstStyle/>
+          <a:p>
+            <a:pPr algn="ctr"/>
+            <a:endParaRPr lang="pt-BR" sz="1265" dirty="0"/>
+          </a:p>
+        </p:txBody>
+      </p:sp>
+      <p:sp>
+        <p:nvSpPr>
+          <p:cNvPr id="10" name="Retângulo: Cantos Arredondados 9">
+            <a:extLst>
+              <a:ext uri="{FF2B5EF4-FFF2-40B4-BE49-F238E27FC236}">
+                <a16:creationId xmlns:a16="http://schemas.microsoft.com/office/drawing/2014/main" id="{3160C0AB-5E28-B14B-0935-2A83AB26D514}"/>
+              </a:ext>
+            </a:extLst>
+          </p:cNvPr>
+          <p:cNvSpPr/>
+          <p:nvPr/>
+        </p:nvSpPr>
+        <p:spPr>
+          <a:xfrm>
+            <a:off x="324465" y="1120877"/>
+            <a:ext cx="25013264" cy="12890091"/>
+          </a:xfrm>
+          <a:prstGeom prst="roundRect">
+            <a:avLst>
+              <a:gd name="adj" fmla="val 3334"/>
+            </a:avLst>
+          </a:prstGeom>
+          <a:solidFill>
+            <a:srgbClr val="F5F7F9"/>
+          </a:solidFill>
+          <a:ln>
+            <a:solidFill>
+              <a:srgbClr val="F5F7F9"/>
+            </a:solidFill>
+          </a:ln>
+        </p:spPr>
+        <p:style>
+          <a:lnRef idx="2">
+            <a:schemeClr val="accent1">
+              <a:shade val="50000"/>
+            </a:schemeClr>
+          </a:lnRef>
+          <a:fillRef idx="1">
+            <a:schemeClr val="accent1"/>
+          </a:fillRef>
+          <a:effectRef idx="0">
+            <a:schemeClr val="accent1"/>
+          </a:effectRef>
+          <a:fontRef idx="minor">
+            <a:schemeClr val="lt1"/>
+          </a:fontRef>
+        </p:style>
+        <p:txBody>
+          <a:bodyPr rtlCol="0" anchor="ctr"/>
+          <a:lstStyle/>
+          <a:p>
+            <a:pPr algn="ctr"/>
+            <a:endParaRPr lang="pt-BR" sz="1265" dirty="0"/>
+          </a:p>
+        </p:txBody>
+      </p:sp>
+      <p:sp>
+        <p:nvSpPr>
+          <p:cNvPr id="35" name="Retângulo: Cantos Superiores Arredondados 34">
+            <a:extLst>
+              <a:ext uri="{FF2B5EF4-FFF2-40B4-BE49-F238E27FC236}">
+                <a16:creationId xmlns:a16="http://schemas.microsoft.com/office/drawing/2014/main" id="{42E7AF0A-EB35-1CD0-9845-9F95ACA22B84}"/>
+              </a:ext>
+            </a:extLst>
+          </p:cNvPr>
+          <p:cNvSpPr/>
+          <p:nvPr/>
+        </p:nvSpPr>
+        <p:spPr>
+          <a:xfrm rot="16200000">
+            <a:off x="-5466462" y="6899923"/>
+            <a:ext cx="12890092" cy="1332000"/>
+          </a:xfrm>
+          <a:prstGeom prst="round2SameRect">
+            <a:avLst/>
+          </a:prstGeom>
+          <a:solidFill>
+            <a:srgbClr val="C5E0B4"/>
+          </a:solidFill>
+          <a:ln>
+            <a:noFill/>
+          </a:ln>
+        </p:spPr>
+        <p:style>
+          <a:lnRef idx="0">
+            <a:scrgbClr r="0" g="0" b="0"/>
+          </a:lnRef>
+          <a:fillRef idx="0">
+            <a:scrgbClr r="0" g="0" b="0"/>
+          </a:fillRef>
+          <a:effectRef idx="0">
+            <a:scrgbClr r="0" g="0" b="0"/>
+          </a:effectRef>
+          <a:fontRef idx="minor">
+            <a:schemeClr val="dk1"/>
+          </a:fontRef>
+        </p:style>
+        <p:txBody>
+          <a:bodyPr rtlCol="0" anchor="ctr"/>
+          <a:lstStyle/>
+          <a:p>
+            <a:pPr algn="ctr"/>
+            <a:endParaRPr lang="pt-BR" dirty="0"/>
+          </a:p>
+        </p:txBody>
+      </p:sp>
+      <p:pic>
+        <p:nvPicPr>
+          <p:cNvPr id="53" name="Imagem 52">
+            <a:extLst>
+              <a:ext uri="{FF2B5EF4-FFF2-40B4-BE49-F238E27FC236}">
+                <a16:creationId xmlns:a16="http://schemas.microsoft.com/office/drawing/2014/main" id="{33085C15-77E2-1D71-AC53-5533809B3FD2}"/>
+              </a:ext>
+            </a:extLst>
+          </p:cNvPr>
+          <p:cNvPicPr>
+            <a:picLocks noChangeAspect="1"/>
+          </p:cNvPicPr>
+          <p:nvPr/>
+        </p:nvPicPr>
+        <p:blipFill>
+          <a:blip r:embed="rId2">
+            <a:extLst>
+              <a:ext uri="{28A0092B-C50C-407E-A947-70E740481C1C}">
+                <a14:useLocalDpi xmlns:a14="http://schemas.microsoft.com/office/drawing/2010/main" val="0"/>
+              </a:ext>
+            </a:extLst>
+          </a:blip>
+          <a:srcRect l="38554" r="37841" b="45198"/>
+          <a:stretch/>
+        </p:blipFill>
+        <p:spPr>
+          <a:xfrm>
+            <a:off x="670971" y="77626"/>
+            <a:ext cx="552133" cy="965624"/>
+          </a:xfrm>
+          <a:prstGeom prst="rect">
+            <a:avLst/>
+          </a:prstGeom>
+          <a:noFill/>
+          <a:effectLst>
+            <a:innerShdw blurRad="63500" dist="50800" dir="16200000">
+              <a:prstClr val="black">
+                <a:alpha val="50000"/>
+              </a:prstClr>
+            </a:innerShdw>
+          </a:effectLst>
+        </p:spPr>
+      </p:pic>
+      <p:sp>
+        <p:nvSpPr>
+          <p:cNvPr id="58" name="CaixaDeTexto 57">
+            <a:extLst>
+              <a:ext uri="{FF2B5EF4-FFF2-40B4-BE49-F238E27FC236}">
+                <a16:creationId xmlns:a16="http://schemas.microsoft.com/office/drawing/2014/main" id="{70BF4CE5-B6A0-3BB7-D8AF-342F1C2AC6BC}"/>
+              </a:ext>
+            </a:extLst>
+          </p:cNvPr>
+          <p:cNvSpPr txBox="1"/>
+          <p:nvPr/>
+        </p:nvSpPr>
+        <p:spPr>
+          <a:xfrm>
+            <a:off x="1587339" y="-24040"/>
+            <a:ext cx="12966861" cy="769441"/>
+          </a:xfrm>
+          <a:prstGeom prst="rect">
+            <a:avLst/>
+          </a:prstGeom>
+          <a:noFill/>
+        </p:spPr>
+        <p:txBody>
+          <a:bodyPr wrap="square" rtlCol="0">
+            <a:spAutoFit/>
+          </a:bodyPr>
+          <a:lstStyle/>
+          <a:p>
+            <a:r>
+              <a:rPr lang="pt-BR" sz="4400" dirty="0">
+                <a:latin typeface="Montserrat SemiBold" panose="00000700000000000000" pitchFamily="2" charset="0"/>
+              </a:rPr>
+              <a:t>COLABORADORES POR CENTRO DE CUSTO</a:t>
+            </a:r>
+          </a:p>
+        </p:txBody>
+      </p:sp>
+      <p:cxnSp>
+        <p:nvCxnSpPr>
+          <p:cNvPr id="60" name="Conector reto 59">
+            <a:extLst>
+              <a:ext uri="{FF2B5EF4-FFF2-40B4-BE49-F238E27FC236}">
+                <a16:creationId xmlns:a16="http://schemas.microsoft.com/office/drawing/2014/main" id="{029A1BCA-1A58-BBE9-7F56-E99C1EB4D4FD}"/>
+              </a:ext>
+            </a:extLst>
+          </p:cNvPr>
+          <p:cNvCxnSpPr>
+            <a:cxnSpLocks/>
+          </p:cNvCxnSpPr>
+          <p:nvPr/>
+        </p:nvCxnSpPr>
+        <p:spPr>
+          <a:xfrm>
+            <a:off x="1572715" y="268918"/>
+            <a:ext cx="0" cy="583038"/>
+          </a:xfrm>
+          <a:prstGeom prst="line">
+            <a:avLst/>
+          </a:prstGeom>
+        </p:spPr>
+        <p:style>
+          <a:lnRef idx="3">
+            <a:schemeClr val="accent6"/>
+          </a:lnRef>
+          <a:fillRef idx="0">
+            <a:schemeClr val="accent6"/>
+          </a:fillRef>
+          <a:effectRef idx="2">
+            <a:schemeClr val="accent6"/>
+          </a:effectRef>
+          <a:fontRef idx="minor">
+            <a:schemeClr val="tx1"/>
+          </a:fontRef>
+        </p:style>
+      </p:cxnSp>
+      <p:sp>
+        <p:nvSpPr>
+          <p:cNvPr id="27" name="CaixaDeTexto 26">
+            <a:extLst>
+              <a:ext uri="{FF2B5EF4-FFF2-40B4-BE49-F238E27FC236}">
+                <a16:creationId xmlns:a16="http://schemas.microsoft.com/office/drawing/2014/main" id="{3962E5AB-66BF-3AEF-628C-C62AF67481B1}"/>
+              </a:ext>
+            </a:extLst>
+          </p:cNvPr>
+          <p:cNvSpPr txBox="1"/>
+          <p:nvPr/>
+        </p:nvSpPr>
+        <p:spPr>
+          <a:xfrm>
+            <a:off x="22475947" y="-31697"/>
+            <a:ext cx="3124078" cy="369332"/>
+          </a:xfrm>
+          <a:prstGeom prst="rect">
+            <a:avLst/>
+          </a:prstGeom>
+          <a:noFill/>
+        </p:spPr>
+        <p:txBody>
+          <a:bodyPr wrap="square" rtlCol="0">
+            <a:spAutoFit/>
+          </a:bodyPr>
+          <a:lstStyle/>
+          <a:p>
+            <a:pPr algn="r"/>
+            <a:r>
+              <a:rPr lang="pt-BR" dirty="0">
+                <a:solidFill>
+                  <a:schemeClr val="tx1">
+                    <a:lumMod val="85000"/>
+                    <a:lumOff val="15000"/>
+                  </a:schemeClr>
+                </a:solidFill>
+                <a:latin typeface="Montserrat SemiBold" panose="00000700000000000000" pitchFamily="2" charset="0"/>
+              </a:rPr>
+              <a:t>DATA DE ATUALIZAÇÃO</a:t>
+            </a:r>
+          </a:p>
+        </p:txBody>
+      </p:sp>
+      <p:sp>
+        <p:nvSpPr>
+          <p:cNvPr id="17" name="CaixaDeTexto 16">
+            <a:extLst>
+              <a:ext uri="{FF2B5EF4-FFF2-40B4-BE49-F238E27FC236}">
+                <a16:creationId xmlns:a16="http://schemas.microsoft.com/office/drawing/2014/main" id="{00BE1F7F-DDE2-EF7E-79AC-A00E5D59ED9C}"/>
+              </a:ext>
+            </a:extLst>
+          </p:cNvPr>
+          <p:cNvSpPr txBox="1"/>
+          <p:nvPr/>
+        </p:nvSpPr>
+        <p:spPr>
+          <a:xfrm>
+            <a:off x="22475949" y="1102458"/>
+            <a:ext cx="3124076" cy="369332"/>
+          </a:xfrm>
+          <a:prstGeom prst="rect">
+            <a:avLst/>
+          </a:prstGeom>
+          <a:noFill/>
+        </p:spPr>
+        <p:txBody>
+          <a:bodyPr wrap="square" rtlCol="0">
+            <a:spAutoFit/>
+          </a:bodyPr>
+          <a:lstStyle/>
+          <a:p>
+            <a:pPr algn="ctr"/>
+            <a:r>
+              <a:rPr lang="pt-BR" dirty="0">
+                <a:solidFill>
+                  <a:schemeClr val="tx1">
+                    <a:lumMod val="85000"/>
+                    <a:lumOff val="15000"/>
+                  </a:schemeClr>
+                </a:solidFill>
+                <a:latin typeface="Montserrat SemiBold" panose="00000700000000000000" pitchFamily="2" charset="0"/>
+              </a:rPr>
+              <a:t>DADOS ATÉ</a:t>
+            </a:r>
+          </a:p>
+        </p:txBody>
+      </p:sp>
+      <p:sp>
+        <p:nvSpPr>
+          <p:cNvPr id="19" name="CaixaDeTexto 18">
+            <a:extLst>
+              <a:ext uri="{FF2B5EF4-FFF2-40B4-BE49-F238E27FC236}">
+                <a16:creationId xmlns:a16="http://schemas.microsoft.com/office/drawing/2014/main" id="{94E34571-2B01-924C-59EB-BA759000CBE8}"/>
+              </a:ext>
+            </a:extLst>
+          </p:cNvPr>
+          <p:cNvSpPr txBox="1"/>
+          <p:nvPr/>
+        </p:nvSpPr>
+        <p:spPr>
+          <a:xfrm>
+            <a:off x="1622929" y="597674"/>
+            <a:ext cx="4534125" cy="430887"/>
+          </a:xfrm>
+          <a:prstGeom prst="rect">
+            <a:avLst/>
+          </a:prstGeom>
+          <a:noFill/>
+        </p:spPr>
+        <p:txBody>
+          <a:bodyPr wrap="square" rtlCol="0">
+            <a:spAutoFit/>
+          </a:bodyPr>
+          <a:lstStyle/>
+          <a:p>
+            <a:r>
+              <a:rPr lang="pt-BR" sz="2200" dirty="0">
+                <a:latin typeface="Montserrat SemiBold" panose="00000700000000000000" pitchFamily="2" charset="0"/>
+              </a:rPr>
+              <a:t>DEPARTAMENTO PESSOAL</a:t>
+            </a:r>
+          </a:p>
+        </p:txBody>
+      </p:sp>
+      <p:sp>
+        <p:nvSpPr>
+          <p:cNvPr id="9" name="Retângulo: Cantos Arredondados 8">
+            <a:extLst>
+              <a:ext uri="{FF2B5EF4-FFF2-40B4-BE49-F238E27FC236}">
+                <a16:creationId xmlns:a16="http://schemas.microsoft.com/office/drawing/2014/main" id="{19D534ED-E347-2F91-941D-094AF0DC2C8B}"/>
+              </a:ext>
+            </a:extLst>
+          </p:cNvPr>
+          <p:cNvSpPr/>
+          <p:nvPr/>
+        </p:nvSpPr>
+        <p:spPr>
+          <a:xfrm>
+            <a:off x="2227660" y="2747595"/>
+            <a:ext cx="22616783" cy="10929492"/>
+          </a:xfrm>
+          <a:prstGeom prst="roundRect">
+            <a:avLst>
+              <a:gd name="adj" fmla="val 2279"/>
+            </a:avLst>
+          </a:prstGeom>
+          <a:solidFill>
+            <a:schemeClr val="bg1"/>
+          </a:solidFill>
+          <a:ln>
+            <a:noFill/>
+          </a:ln>
+          <a:effectLst>
+            <a:glow rad="63500">
+              <a:schemeClr val="bg1">
+                <a:lumMod val="75000"/>
+                <a:alpha val="40000"/>
+              </a:schemeClr>
+            </a:glow>
+            <a:outerShdw blurRad="50800" dist="38100" dir="5400000" algn="t" rotWithShape="0">
+              <a:schemeClr val="tx1">
+                <a:alpha val="40000"/>
+              </a:schemeClr>
+            </a:outerShdw>
+          </a:effectLst>
+        </p:spPr>
+        <p:style>
+          <a:lnRef idx="2">
+            <a:schemeClr val="accent1">
+              <a:shade val="50000"/>
+            </a:schemeClr>
+          </a:lnRef>
+          <a:fillRef idx="1">
+            <a:schemeClr val="accent1"/>
+          </a:fillRef>
+          <a:effectRef idx="0">
+            <a:schemeClr val="accent1"/>
+          </a:effectRef>
+          <a:fontRef idx="minor">
+            <a:schemeClr val="lt1"/>
+          </a:fontRef>
+        </p:style>
+        <p:txBody>
+          <a:bodyPr rtlCol="0" anchor="ctr"/>
+          <a:lstStyle/>
+          <a:p>
+            <a:pPr algn="ctr"/>
+            <a:endParaRPr lang="pt-BR" sz="1265"/>
+          </a:p>
+        </p:txBody>
+      </p:sp>
+      <p:grpSp>
+        <p:nvGrpSpPr>
+          <p:cNvPr id="39" name="Agrupar 38">
+            <a:extLst>
+              <a:ext uri="{FF2B5EF4-FFF2-40B4-BE49-F238E27FC236}">
+                <a16:creationId xmlns:a16="http://schemas.microsoft.com/office/drawing/2014/main" id="{B4E4D562-ECC9-6605-5EBB-B87BCCD45075}"/>
+              </a:ext>
+            </a:extLst>
+          </p:cNvPr>
+          <p:cNvGrpSpPr/>
+          <p:nvPr/>
+        </p:nvGrpSpPr>
+        <p:grpSpPr>
+          <a:xfrm>
+            <a:off x="2227660" y="1428452"/>
+            <a:ext cx="2303311" cy="943667"/>
+            <a:chOff x="4341887" y="2339550"/>
+            <a:chExt cx="1767084" cy="898628"/>
+          </a:xfrm>
+        </p:grpSpPr>
+        <p:sp>
+          <p:nvSpPr>
+            <p:cNvPr id="40" name="Retângulo: Cantos Arredondados 39">
+              <a:extLst>
+                <a:ext uri="{FF2B5EF4-FFF2-40B4-BE49-F238E27FC236}">
+                  <a16:creationId xmlns:a16="http://schemas.microsoft.com/office/drawing/2014/main" id="{6AAD0D11-8105-DD06-7D4C-423A6677A3EF}"/>
+                </a:ext>
+              </a:extLst>
+            </p:cNvPr>
+            <p:cNvSpPr/>
+            <p:nvPr/>
+          </p:nvSpPr>
+          <p:spPr>
+            <a:xfrm>
+              <a:off x="4341887" y="2339550"/>
+              <a:ext cx="1767084" cy="898628"/>
+            </a:xfrm>
+            <a:prstGeom prst="roundRect">
+              <a:avLst>
+                <a:gd name="adj" fmla="val 4068"/>
+              </a:avLst>
+            </a:prstGeom>
+            <a:solidFill>
+              <a:schemeClr val="bg1"/>
+            </a:solidFill>
+            <a:ln>
+              <a:noFill/>
+            </a:ln>
+            <a:effectLst>
+              <a:outerShdw blurRad="63500" sx="102000" sy="102000" algn="ctr" rotWithShape="0">
+                <a:prstClr val="black">
+                  <a:alpha val="40000"/>
+                </a:prstClr>
+              </a:outerShdw>
+            </a:effectLst>
+          </p:spPr>
+          <p:style>
+            <a:lnRef idx="2">
+              <a:schemeClr val="accent1">
+                <a:shade val="50000"/>
+              </a:schemeClr>
+            </a:lnRef>
+            <a:fillRef idx="1">
+              <a:schemeClr val="accent1"/>
+            </a:fillRef>
+            <a:effectRef idx="0">
+              <a:schemeClr val="accent1"/>
+            </a:effectRef>
+            <a:fontRef idx="minor">
+              <a:schemeClr val="lt1"/>
+            </a:fontRef>
+          </p:style>
+          <p:txBody>
+            <a:bodyPr rtlCol="0" anchor="ctr"/>
+            <a:lstStyle/>
+            <a:p>
+              <a:pPr algn="ctr"/>
+              <a:endParaRPr lang="pt-BR" sz="2800" b="1" dirty="0">
+                <a:solidFill>
+                  <a:schemeClr val="tx1"/>
+                </a:solidFill>
+              </a:endParaRPr>
+            </a:p>
+          </p:txBody>
+        </p:sp>
+        <p:sp>
+          <p:nvSpPr>
+            <p:cNvPr id="41" name="Retângulo 40">
+              <a:extLst>
+                <a:ext uri="{FF2B5EF4-FFF2-40B4-BE49-F238E27FC236}">
+                  <a16:creationId xmlns:a16="http://schemas.microsoft.com/office/drawing/2014/main" id="{342F8AC4-9809-56FF-300E-3C2323BCDF35}"/>
+                </a:ext>
+              </a:extLst>
+            </p:cNvPr>
+            <p:cNvSpPr/>
+            <p:nvPr/>
+          </p:nvSpPr>
+          <p:spPr>
+            <a:xfrm>
+              <a:off x="4341887" y="2339550"/>
+              <a:ext cx="1767084" cy="308677"/>
+            </a:xfrm>
+            <a:prstGeom prst="rect">
+              <a:avLst/>
+            </a:prstGeom>
+            <a:solidFill>
+              <a:schemeClr val="accent6">
+                <a:alpha val="50000"/>
+              </a:schemeClr>
+            </a:solidFill>
+            <a:ln>
+              <a:noFill/>
+            </a:ln>
+          </p:spPr>
+          <p:style>
+            <a:lnRef idx="0">
+              <a:scrgbClr r="0" g="0" b="0"/>
+            </a:lnRef>
+            <a:fillRef idx="0">
+              <a:scrgbClr r="0" g="0" b="0"/>
+            </a:fillRef>
+            <a:effectRef idx="0">
+              <a:scrgbClr r="0" g="0" b="0"/>
+            </a:effectRef>
+            <a:fontRef idx="minor">
+              <a:schemeClr val="lt1"/>
+            </a:fontRef>
+          </p:style>
+          <p:txBody>
+            <a:bodyPr rtlCol="0" anchor="ctr"/>
+            <a:lstStyle/>
+            <a:p>
+              <a:pPr algn="ctr"/>
+              <a:r>
+                <a:rPr lang="pt-BR" b="1" dirty="0">
+                  <a:solidFill>
+                    <a:schemeClr val="tx1"/>
+                  </a:solidFill>
+                  <a:latin typeface="Montserrat" panose="00000500000000000000" pitchFamily="2" charset="0"/>
+                </a:rPr>
+                <a:t>DATA</a:t>
+              </a:r>
+            </a:p>
+          </p:txBody>
+        </p:sp>
+      </p:grpSp>
+      <p:grpSp>
+        <p:nvGrpSpPr>
+          <p:cNvPr id="42" name="Agrupar 41">
+            <a:extLst>
+              <a:ext uri="{FF2B5EF4-FFF2-40B4-BE49-F238E27FC236}">
+                <a16:creationId xmlns:a16="http://schemas.microsoft.com/office/drawing/2014/main" id="{1CE49372-947B-3EAC-083D-34B0EC427FC7}"/>
+              </a:ext>
+            </a:extLst>
+          </p:cNvPr>
+          <p:cNvGrpSpPr/>
+          <p:nvPr/>
+        </p:nvGrpSpPr>
+        <p:grpSpPr>
+          <a:xfrm>
+            <a:off x="4797479" y="1428451"/>
+            <a:ext cx="1332003" cy="943668"/>
+            <a:chOff x="4341887" y="2339549"/>
+            <a:chExt cx="1767084" cy="898629"/>
+          </a:xfrm>
+        </p:grpSpPr>
+        <p:sp>
+          <p:nvSpPr>
+            <p:cNvPr id="43" name="Retângulo: Cantos Arredondados 42">
+              <a:extLst>
+                <a:ext uri="{FF2B5EF4-FFF2-40B4-BE49-F238E27FC236}">
+                  <a16:creationId xmlns:a16="http://schemas.microsoft.com/office/drawing/2014/main" id="{EBB6033F-5207-A8CB-615F-61A86A406A9F}"/>
+                </a:ext>
+              </a:extLst>
+            </p:cNvPr>
+            <p:cNvSpPr/>
+            <p:nvPr/>
+          </p:nvSpPr>
+          <p:spPr>
+            <a:xfrm>
+              <a:off x="4341887" y="2339550"/>
+              <a:ext cx="1767084" cy="898628"/>
+            </a:xfrm>
+            <a:prstGeom prst="roundRect">
+              <a:avLst>
+                <a:gd name="adj" fmla="val 4068"/>
+              </a:avLst>
+            </a:prstGeom>
+            <a:solidFill>
+              <a:schemeClr val="bg1"/>
+            </a:solidFill>
+            <a:ln>
+              <a:noFill/>
+            </a:ln>
+            <a:effectLst>
+              <a:outerShdw blurRad="63500" sx="102000" sy="102000" algn="ctr" rotWithShape="0">
+                <a:prstClr val="black">
+                  <a:alpha val="40000"/>
+                </a:prstClr>
+              </a:outerShdw>
+            </a:effectLst>
+          </p:spPr>
+          <p:style>
+            <a:lnRef idx="2">
+              <a:schemeClr val="accent1">
+                <a:shade val="50000"/>
+              </a:schemeClr>
+            </a:lnRef>
+            <a:fillRef idx="1">
+              <a:schemeClr val="accent1"/>
+            </a:fillRef>
+            <a:effectRef idx="0">
+              <a:schemeClr val="accent1"/>
+            </a:effectRef>
+            <a:fontRef idx="minor">
+              <a:schemeClr val="lt1"/>
+            </a:fontRef>
+          </p:style>
+          <p:txBody>
+            <a:bodyPr rtlCol="0" anchor="ctr"/>
+            <a:lstStyle/>
+            <a:p>
+              <a:pPr algn="ctr"/>
+              <a:endParaRPr lang="pt-BR" sz="2800" b="1" dirty="0">
+                <a:solidFill>
+                  <a:schemeClr val="tx1"/>
+                </a:solidFill>
+              </a:endParaRPr>
+            </a:p>
+          </p:txBody>
+        </p:sp>
+        <p:sp>
+          <p:nvSpPr>
+            <p:cNvPr id="44" name="Retângulo 43">
+              <a:extLst>
+                <a:ext uri="{FF2B5EF4-FFF2-40B4-BE49-F238E27FC236}">
+                  <a16:creationId xmlns:a16="http://schemas.microsoft.com/office/drawing/2014/main" id="{F70B795F-7266-855F-F7AC-88FAA27C8792}"/>
+                </a:ext>
+              </a:extLst>
+            </p:cNvPr>
+            <p:cNvSpPr/>
+            <p:nvPr/>
+          </p:nvSpPr>
+          <p:spPr>
+            <a:xfrm>
+              <a:off x="4341887" y="2339549"/>
+              <a:ext cx="1767084" cy="308676"/>
+            </a:xfrm>
+            <a:prstGeom prst="rect">
+              <a:avLst/>
+            </a:prstGeom>
+            <a:solidFill>
+              <a:schemeClr val="accent6">
+                <a:alpha val="50000"/>
+              </a:schemeClr>
+            </a:solidFill>
+            <a:ln>
+              <a:noFill/>
+            </a:ln>
+          </p:spPr>
+          <p:style>
+            <a:lnRef idx="0">
+              <a:scrgbClr r="0" g="0" b="0"/>
+            </a:lnRef>
+            <a:fillRef idx="0">
+              <a:scrgbClr r="0" g="0" b="0"/>
+            </a:fillRef>
+            <a:effectRef idx="0">
+              <a:scrgbClr r="0" g="0" b="0"/>
+            </a:effectRef>
+            <a:fontRef idx="minor">
+              <a:schemeClr val="lt1"/>
+            </a:fontRef>
+          </p:style>
+          <p:txBody>
+            <a:bodyPr rtlCol="0" anchor="ctr"/>
+            <a:lstStyle/>
+            <a:p>
+              <a:pPr algn="ctr"/>
+              <a:r>
+                <a:rPr lang="pt-BR" b="1" dirty="0">
+                  <a:solidFill>
+                    <a:schemeClr val="tx1"/>
+                  </a:solidFill>
+                  <a:latin typeface="Montserrat" panose="00000500000000000000" pitchFamily="2" charset="0"/>
+                </a:rPr>
+                <a:t>UNIDADE</a:t>
+              </a:r>
+              <a:endParaRPr lang="pt-BR" sz="1500" b="1" dirty="0">
+                <a:solidFill>
+                  <a:schemeClr val="tx1"/>
+                </a:solidFill>
+                <a:latin typeface="Montserrat" panose="00000500000000000000" pitchFamily="2" charset="0"/>
+              </a:endParaRPr>
+            </a:p>
+          </p:txBody>
+        </p:sp>
+      </p:grpSp>
+      <p:grpSp>
+        <p:nvGrpSpPr>
+          <p:cNvPr id="45" name="Agrupar 44">
+            <a:extLst>
+              <a:ext uri="{FF2B5EF4-FFF2-40B4-BE49-F238E27FC236}">
+                <a16:creationId xmlns:a16="http://schemas.microsoft.com/office/drawing/2014/main" id="{A7F48C0F-9840-A867-A897-400C62C2DE27}"/>
+              </a:ext>
+            </a:extLst>
+          </p:cNvPr>
+          <p:cNvGrpSpPr/>
+          <p:nvPr/>
+        </p:nvGrpSpPr>
+        <p:grpSpPr>
+          <a:xfrm>
+            <a:off x="6395990" y="1428452"/>
+            <a:ext cx="2611823" cy="943667"/>
+            <a:chOff x="4341887" y="2339550"/>
+            <a:chExt cx="1767084" cy="898628"/>
+          </a:xfrm>
+        </p:grpSpPr>
+        <p:sp>
+          <p:nvSpPr>
+            <p:cNvPr id="46" name="Retângulo: Cantos Arredondados 45">
+              <a:extLst>
+                <a:ext uri="{FF2B5EF4-FFF2-40B4-BE49-F238E27FC236}">
+                  <a16:creationId xmlns:a16="http://schemas.microsoft.com/office/drawing/2014/main" id="{045D7AAC-5CD3-3103-A667-430EA5B3F102}"/>
+                </a:ext>
+              </a:extLst>
+            </p:cNvPr>
+            <p:cNvSpPr/>
+            <p:nvPr/>
+          </p:nvSpPr>
+          <p:spPr>
+            <a:xfrm>
+              <a:off x="4341887" y="2339550"/>
+              <a:ext cx="1767084" cy="898628"/>
+            </a:xfrm>
+            <a:prstGeom prst="roundRect">
+              <a:avLst>
+                <a:gd name="adj" fmla="val 4068"/>
+              </a:avLst>
+            </a:prstGeom>
+            <a:solidFill>
+              <a:schemeClr val="bg1"/>
+            </a:solidFill>
+            <a:ln>
+              <a:noFill/>
+            </a:ln>
+            <a:effectLst>
+              <a:outerShdw blurRad="63500" sx="102000" sy="102000" algn="ctr" rotWithShape="0">
+                <a:prstClr val="black">
+                  <a:alpha val="40000"/>
+                </a:prstClr>
+              </a:outerShdw>
+            </a:effectLst>
+          </p:spPr>
+          <p:style>
+            <a:lnRef idx="2">
+              <a:schemeClr val="accent1">
+                <a:shade val="50000"/>
+              </a:schemeClr>
+            </a:lnRef>
+            <a:fillRef idx="1">
+              <a:schemeClr val="accent1"/>
+            </a:fillRef>
+            <a:effectRef idx="0">
+              <a:schemeClr val="accent1"/>
+            </a:effectRef>
+            <a:fontRef idx="minor">
+              <a:schemeClr val="lt1"/>
+            </a:fontRef>
+          </p:style>
+          <p:txBody>
+            <a:bodyPr rtlCol="0" anchor="ctr"/>
+            <a:lstStyle/>
+            <a:p>
+              <a:pPr algn="ctr"/>
+              <a:endParaRPr lang="pt-BR" sz="2800" b="1" dirty="0">
+                <a:solidFill>
+                  <a:schemeClr val="tx1"/>
+                </a:solidFill>
+              </a:endParaRPr>
+            </a:p>
+          </p:txBody>
+        </p:sp>
+        <p:sp>
+          <p:nvSpPr>
+            <p:cNvPr id="47" name="Retângulo 46">
+              <a:extLst>
+                <a:ext uri="{FF2B5EF4-FFF2-40B4-BE49-F238E27FC236}">
+                  <a16:creationId xmlns:a16="http://schemas.microsoft.com/office/drawing/2014/main" id="{3EF10727-8AC4-4EE9-F8C9-3C4A9EF578F9}"/>
+                </a:ext>
+              </a:extLst>
+            </p:cNvPr>
+            <p:cNvSpPr/>
+            <p:nvPr/>
+          </p:nvSpPr>
+          <p:spPr>
+            <a:xfrm>
+              <a:off x="4341887" y="2339550"/>
+              <a:ext cx="1767084" cy="308675"/>
+            </a:xfrm>
+            <a:prstGeom prst="rect">
+              <a:avLst/>
+            </a:prstGeom>
+            <a:solidFill>
+              <a:schemeClr val="accent6">
+                <a:alpha val="50000"/>
+              </a:schemeClr>
+            </a:solidFill>
+            <a:ln>
+              <a:noFill/>
+            </a:ln>
+          </p:spPr>
+          <p:style>
+            <a:lnRef idx="0">
+              <a:scrgbClr r="0" g="0" b="0"/>
+            </a:lnRef>
+            <a:fillRef idx="0">
+              <a:scrgbClr r="0" g="0" b="0"/>
+            </a:fillRef>
+            <a:effectRef idx="0">
+              <a:scrgbClr r="0" g="0" b="0"/>
+            </a:effectRef>
+            <a:fontRef idx="minor">
+              <a:schemeClr val="lt1"/>
+            </a:fontRef>
+          </p:style>
+          <p:txBody>
+            <a:bodyPr rtlCol="0" anchor="ctr"/>
+            <a:lstStyle/>
+            <a:p>
+              <a:pPr algn="ctr"/>
+              <a:r>
+                <a:rPr lang="pt-BR" b="1" dirty="0">
+                  <a:solidFill>
+                    <a:schemeClr val="tx1"/>
+                  </a:solidFill>
+                  <a:latin typeface="Montserrat" panose="00000500000000000000" pitchFamily="2" charset="0"/>
+                </a:rPr>
+                <a:t>DIRETORIA</a:t>
+              </a:r>
+              <a:endParaRPr lang="pt-BR" sz="1500" b="1" dirty="0">
+                <a:solidFill>
+                  <a:schemeClr val="tx1"/>
+                </a:solidFill>
+                <a:latin typeface="Montserrat" panose="00000500000000000000" pitchFamily="2" charset="0"/>
+              </a:endParaRPr>
+            </a:p>
+          </p:txBody>
+        </p:sp>
+      </p:grpSp>
+      <p:grpSp>
+        <p:nvGrpSpPr>
+          <p:cNvPr id="48" name="Agrupar 47">
+            <a:extLst>
+              <a:ext uri="{FF2B5EF4-FFF2-40B4-BE49-F238E27FC236}">
+                <a16:creationId xmlns:a16="http://schemas.microsoft.com/office/drawing/2014/main" id="{62B0ACB6-A4D0-CB75-7CD4-3E430040A1EE}"/>
+              </a:ext>
+            </a:extLst>
+          </p:cNvPr>
+          <p:cNvGrpSpPr/>
+          <p:nvPr/>
+        </p:nvGrpSpPr>
+        <p:grpSpPr>
+          <a:xfrm>
+            <a:off x="12152655" y="1428452"/>
+            <a:ext cx="2108094" cy="943667"/>
+            <a:chOff x="4341887" y="2339550"/>
+            <a:chExt cx="1767084" cy="898628"/>
+          </a:xfrm>
+        </p:grpSpPr>
+        <p:sp>
+          <p:nvSpPr>
+            <p:cNvPr id="49" name="Retângulo: Cantos Arredondados 48">
+              <a:extLst>
+                <a:ext uri="{FF2B5EF4-FFF2-40B4-BE49-F238E27FC236}">
+                  <a16:creationId xmlns:a16="http://schemas.microsoft.com/office/drawing/2014/main" id="{992A6BC7-EE08-D29D-8041-60CC9E4E6A3F}"/>
+                </a:ext>
+              </a:extLst>
+            </p:cNvPr>
+            <p:cNvSpPr/>
+            <p:nvPr/>
+          </p:nvSpPr>
+          <p:spPr>
+            <a:xfrm>
+              <a:off x="4341887" y="2339550"/>
+              <a:ext cx="1767084" cy="898628"/>
+            </a:xfrm>
+            <a:prstGeom prst="roundRect">
+              <a:avLst>
+                <a:gd name="adj" fmla="val 4068"/>
+              </a:avLst>
+            </a:prstGeom>
+            <a:solidFill>
+              <a:schemeClr val="bg1"/>
+            </a:solidFill>
+            <a:ln>
+              <a:noFill/>
+            </a:ln>
+            <a:effectLst>
+              <a:outerShdw blurRad="63500" sx="102000" sy="102000" algn="ctr" rotWithShape="0">
+                <a:prstClr val="black">
+                  <a:alpha val="40000"/>
+                </a:prstClr>
+              </a:outerShdw>
+            </a:effectLst>
+          </p:spPr>
+          <p:style>
+            <a:lnRef idx="2">
+              <a:schemeClr val="accent1">
+                <a:shade val="50000"/>
+              </a:schemeClr>
+            </a:lnRef>
+            <a:fillRef idx="1">
+              <a:schemeClr val="accent1"/>
+            </a:fillRef>
+            <a:effectRef idx="0">
+              <a:schemeClr val="accent1"/>
+            </a:effectRef>
+            <a:fontRef idx="minor">
+              <a:schemeClr val="lt1"/>
+            </a:fontRef>
+          </p:style>
+          <p:txBody>
+            <a:bodyPr rtlCol="0" anchor="ctr"/>
+            <a:lstStyle/>
+            <a:p>
+              <a:pPr algn="ctr"/>
+              <a:endParaRPr lang="pt-BR" sz="2800" b="1" dirty="0">
+                <a:solidFill>
+                  <a:schemeClr val="tx1"/>
+                </a:solidFill>
+              </a:endParaRPr>
+            </a:p>
+          </p:txBody>
+        </p:sp>
+        <p:sp>
+          <p:nvSpPr>
+            <p:cNvPr id="50" name="Retângulo 49">
+              <a:extLst>
+                <a:ext uri="{FF2B5EF4-FFF2-40B4-BE49-F238E27FC236}">
+                  <a16:creationId xmlns:a16="http://schemas.microsoft.com/office/drawing/2014/main" id="{07B0E8E4-4106-D949-86F7-BD0DB3EF1723}"/>
+                </a:ext>
+              </a:extLst>
+            </p:cNvPr>
+            <p:cNvSpPr/>
+            <p:nvPr/>
+          </p:nvSpPr>
+          <p:spPr>
+            <a:xfrm>
+              <a:off x="4341887" y="2339550"/>
+              <a:ext cx="1767084" cy="308675"/>
+            </a:xfrm>
+            <a:prstGeom prst="rect">
+              <a:avLst/>
+            </a:prstGeom>
+            <a:solidFill>
+              <a:schemeClr val="accent6">
+                <a:alpha val="50000"/>
+              </a:schemeClr>
+            </a:solidFill>
+            <a:ln>
+              <a:noFill/>
+            </a:ln>
+          </p:spPr>
+          <p:style>
+            <a:lnRef idx="0">
+              <a:scrgbClr r="0" g="0" b="0"/>
+            </a:lnRef>
+            <a:fillRef idx="0">
+              <a:scrgbClr r="0" g="0" b="0"/>
+            </a:fillRef>
+            <a:effectRef idx="0">
+              <a:scrgbClr r="0" g="0" b="0"/>
+            </a:effectRef>
+            <a:fontRef idx="minor">
+              <a:schemeClr val="lt1"/>
+            </a:fontRef>
+          </p:style>
+          <p:txBody>
+            <a:bodyPr rtlCol="0" anchor="ctr"/>
+            <a:lstStyle/>
+            <a:p>
+              <a:pPr algn="ctr"/>
+              <a:r>
+                <a:rPr lang="pt-BR" sz="1500" b="1" dirty="0">
+                  <a:solidFill>
+                    <a:schemeClr val="tx1"/>
+                  </a:solidFill>
+                  <a:latin typeface="Montserrat" panose="00000500000000000000" pitchFamily="2" charset="0"/>
+                </a:rPr>
+                <a:t>DEPT - SETOR</a:t>
+              </a:r>
+            </a:p>
+          </p:txBody>
+        </p:sp>
+      </p:grpSp>
+      <p:grpSp>
+        <p:nvGrpSpPr>
+          <p:cNvPr id="51" name="Agrupar 50">
+            <a:extLst>
+              <a:ext uri="{FF2B5EF4-FFF2-40B4-BE49-F238E27FC236}">
+                <a16:creationId xmlns:a16="http://schemas.microsoft.com/office/drawing/2014/main" id="{6659A2F8-4647-96F9-F9F3-344272FECDAC}"/>
+              </a:ext>
+            </a:extLst>
+          </p:cNvPr>
+          <p:cNvGrpSpPr/>
+          <p:nvPr/>
+        </p:nvGrpSpPr>
+        <p:grpSpPr>
+          <a:xfrm>
+            <a:off x="14527259" y="1428452"/>
+            <a:ext cx="2962263" cy="943667"/>
+            <a:chOff x="4341887" y="2339550"/>
+            <a:chExt cx="1767084" cy="898628"/>
+          </a:xfrm>
+        </p:grpSpPr>
+        <p:sp>
+          <p:nvSpPr>
+            <p:cNvPr id="52" name="Retângulo: Cantos Arredondados 51">
+              <a:extLst>
+                <a:ext uri="{FF2B5EF4-FFF2-40B4-BE49-F238E27FC236}">
+                  <a16:creationId xmlns:a16="http://schemas.microsoft.com/office/drawing/2014/main" id="{BACF2E86-012A-2549-C8FC-0BC0F1E59136}"/>
+                </a:ext>
+              </a:extLst>
+            </p:cNvPr>
+            <p:cNvSpPr/>
+            <p:nvPr/>
+          </p:nvSpPr>
+          <p:spPr>
+            <a:xfrm>
+              <a:off x="4341887" y="2339550"/>
+              <a:ext cx="1767084" cy="898628"/>
+            </a:xfrm>
+            <a:prstGeom prst="roundRect">
+              <a:avLst>
+                <a:gd name="adj" fmla="val 4068"/>
+              </a:avLst>
+            </a:prstGeom>
+            <a:solidFill>
+              <a:schemeClr val="bg1"/>
+            </a:solidFill>
+            <a:ln>
+              <a:noFill/>
+            </a:ln>
+            <a:effectLst>
+              <a:outerShdw blurRad="63500" sx="102000" sy="102000" algn="ctr" rotWithShape="0">
+                <a:prstClr val="black">
+                  <a:alpha val="40000"/>
+                </a:prstClr>
+              </a:outerShdw>
+            </a:effectLst>
+          </p:spPr>
+          <p:style>
+            <a:lnRef idx="2">
+              <a:schemeClr val="accent1">
+                <a:shade val="50000"/>
+              </a:schemeClr>
+            </a:lnRef>
+            <a:fillRef idx="1">
+              <a:schemeClr val="accent1"/>
+            </a:fillRef>
+            <a:effectRef idx="0">
+              <a:schemeClr val="accent1"/>
+            </a:effectRef>
+            <a:fontRef idx="minor">
+              <a:schemeClr val="lt1"/>
+            </a:fontRef>
+          </p:style>
+          <p:txBody>
+            <a:bodyPr rtlCol="0" anchor="ctr"/>
+            <a:lstStyle/>
+            <a:p>
+              <a:pPr algn="ctr"/>
+              <a:endParaRPr lang="pt-BR" sz="2800" b="1" dirty="0">
+                <a:solidFill>
+                  <a:schemeClr val="tx1"/>
+                </a:solidFill>
+              </a:endParaRPr>
+            </a:p>
+          </p:txBody>
+        </p:sp>
+        <p:sp>
+          <p:nvSpPr>
+            <p:cNvPr id="54" name="Retângulo 53">
+              <a:extLst>
+                <a:ext uri="{FF2B5EF4-FFF2-40B4-BE49-F238E27FC236}">
+                  <a16:creationId xmlns:a16="http://schemas.microsoft.com/office/drawing/2014/main" id="{6397F441-9574-BBB2-AFB5-092604882F67}"/>
+                </a:ext>
+              </a:extLst>
+            </p:cNvPr>
+            <p:cNvSpPr/>
+            <p:nvPr/>
+          </p:nvSpPr>
+          <p:spPr>
+            <a:xfrm>
+              <a:off x="4341887" y="2339550"/>
+              <a:ext cx="1767084" cy="308675"/>
+            </a:xfrm>
+            <a:prstGeom prst="rect">
+              <a:avLst/>
+            </a:prstGeom>
+            <a:solidFill>
+              <a:schemeClr val="accent6">
+                <a:alpha val="50000"/>
+              </a:schemeClr>
+            </a:solidFill>
+            <a:ln>
+              <a:noFill/>
+            </a:ln>
+          </p:spPr>
+          <p:style>
+            <a:lnRef idx="0">
+              <a:scrgbClr r="0" g="0" b="0"/>
+            </a:lnRef>
+            <a:fillRef idx="0">
+              <a:scrgbClr r="0" g="0" b="0"/>
+            </a:fillRef>
+            <a:effectRef idx="0">
+              <a:scrgbClr r="0" g="0" b="0"/>
+            </a:effectRef>
+            <a:fontRef idx="minor">
+              <a:schemeClr val="lt1"/>
+            </a:fontRef>
+          </p:style>
+          <p:txBody>
+            <a:bodyPr rtlCol="0" anchor="ctr"/>
+            <a:lstStyle/>
+            <a:p>
+              <a:pPr algn="ctr"/>
+              <a:r>
+                <a:rPr lang="pt-BR" sz="1500" b="1" dirty="0">
+                  <a:solidFill>
+                    <a:schemeClr val="tx1"/>
+                  </a:solidFill>
+                  <a:latin typeface="Montserrat" panose="00000500000000000000" pitchFamily="2" charset="0"/>
+                </a:rPr>
+                <a:t>CENTRO DE CUSTO</a:t>
+              </a:r>
+            </a:p>
+          </p:txBody>
+        </p:sp>
+      </p:grpSp>
+      <p:grpSp>
+        <p:nvGrpSpPr>
+          <p:cNvPr id="55" name="Agrupar 54">
+            <a:extLst>
+              <a:ext uri="{FF2B5EF4-FFF2-40B4-BE49-F238E27FC236}">
+                <a16:creationId xmlns:a16="http://schemas.microsoft.com/office/drawing/2014/main" id="{565DC472-2135-F1DD-B19E-C7CEE03A8DE0}"/>
+              </a:ext>
+            </a:extLst>
+          </p:cNvPr>
+          <p:cNvGrpSpPr/>
+          <p:nvPr/>
+        </p:nvGrpSpPr>
+        <p:grpSpPr>
+          <a:xfrm>
+            <a:off x="9274322" y="1428452"/>
+            <a:ext cx="2611823" cy="943667"/>
+            <a:chOff x="4341887" y="2339550"/>
+            <a:chExt cx="1767084" cy="898628"/>
+          </a:xfrm>
+        </p:grpSpPr>
+        <p:sp>
+          <p:nvSpPr>
+            <p:cNvPr id="56" name="Retângulo: Cantos Arredondados 55">
+              <a:extLst>
+                <a:ext uri="{FF2B5EF4-FFF2-40B4-BE49-F238E27FC236}">
+                  <a16:creationId xmlns:a16="http://schemas.microsoft.com/office/drawing/2014/main" id="{B0178E6A-F956-7E16-FF7D-9F2802ED97C1}"/>
+                </a:ext>
+              </a:extLst>
+            </p:cNvPr>
+            <p:cNvSpPr/>
+            <p:nvPr/>
+          </p:nvSpPr>
+          <p:spPr>
+            <a:xfrm>
+              <a:off x="4341887" y="2339550"/>
+              <a:ext cx="1767084" cy="898628"/>
+            </a:xfrm>
+            <a:prstGeom prst="roundRect">
+              <a:avLst>
+                <a:gd name="adj" fmla="val 4068"/>
+              </a:avLst>
+            </a:prstGeom>
+            <a:solidFill>
+              <a:schemeClr val="bg1"/>
+            </a:solidFill>
+            <a:ln>
+              <a:noFill/>
+            </a:ln>
+            <a:effectLst>
+              <a:outerShdw blurRad="63500" sx="102000" sy="102000" algn="ctr" rotWithShape="0">
+                <a:prstClr val="black">
+                  <a:alpha val="40000"/>
+                </a:prstClr>
+              </a:outerShdw>
+            </a:effectLst>
+          </p:spPr>
+          <p:style>
+            <a:lnRef idx="2">
+              <a:schemeClr val="accent1">
+                <a:shade val="50000"/>
+              </a:schemeClr>
+            </a:lnRef>
+            <a:fillRef idx="1">
+              <a:schemeClr val="accent1"/>
+            </a:fillRef>
+            <a:effectRef idx="0">
+              <a:schemeClr val="accent1"/>
+            </a:effectRef>
+            <a:fontRef idx="minor">
+              <a:schemeClr val="lt1"/>
+            </a:fontRef>
+          </p:style>
+          <p:txBody>
+            <a:bodyPr rtlCol="0" anchor="ctr"/>
+            <a:lstStyle/>
+            <a:p>
+              <a:pPr algn="ctr"/>
+              <a:endParaRPr lang="pt-BR" sz="2800" b="1" dirty="0">
+                <a:solidFill>
+                  <a:schemeClr val="tx1"/>
+                </a:solidFill>
+              </a:endParaRPr>
+            </a:p>
+          </p:txBody>
+        </p:sp>
+        <p:sp>
+          <p:nvSpPr>
+            <p:cNvPr id="57" name="Retângulo 56">
+              <a:extLst>
+                <a:ext uri="{FF2B5EF4-FFF2-40B4-BE49-F238E27FC236}">
+                  <a16:creationId xmlns:a16="http://schemas.microsoft.com/office/drawing/2014/main" id="{E27BFD16-D2F8-6AC8-C567-E63356392886}"/>
+                </a:ext>
+              </a:extLst>
+            </p:cNvPr>
+            <p:cNvSpPr/>
+            <p:nvPr/>
+          </p:nvSpPr>
+          <p:spPr>
+            <a:xfrm>
+              <a:off x="4341887" y="2339550"/>
+              <a:ext cx="1767084" cy="308675"/>
+            </a:xfrm>
+            <a:prstGeom prst="rect">
+              <a:avLst/>
+            </a:prstGeom>
+            <a:solidFill>
+              <a:schemeClr val="accent6">
+                <a:alpha val="50000"/>
+              </a:schemeClr>
+            </a:solidFill>
+            <a:ln>
+              <a:noFill/>
+            </a:ln>
+          </p:spPr>
+          <p:style>
+            <a:lnRef idx="0">
+              <a:scrgbClr r="0" g="0" b="0"/>
+            </a:lnRef>
+            <a:fillRef idx="0">
+              <a:scrgbClr r="0" g="0" b="0"/>
+            </a:fillRef>
+            <a:effectRef idx="0">
+              <a:scrgbClr r="0" g="0" b="0"/>
+            </a:effectRef>
+            <a:fontRef idx="minor">
+              <a:schemeClr val="lt1"/>
+            </a:fontRef>
+          </p:style>
+          <p:txBody>
+            <a:bodyPr rtlCol="0" anchor="ctr"/>
+            <a:lstStyle/>
+            <a:p>
+              <a:pPr algn="ctr"/>
+              <a:r>
+                <a:rPr lang="pt-BR" b="1" dirty="0">
+                  <a:solidFill>
+                    <a:schemeClr val="tx1"/>
+                  </a:solidFill>
+                  <a:latin typeface="Montserrat" panose="00000500000000000000" pitchFamily="2" charset="0"/>
+                </a:rPr>
+                <a:t>TIME</a:t>
+              </a:r>
+              <a:endParaRPr lang="pt-BR" sz="1500" b="1" dirty="0">
+                <a:solidFill>
+                  <a:schemeClr val="tx1"/>
+                </a:solidFill>
+                <a:latin typeface="Montserrat" panose="00000500000000000000" pitchFamily="2" charset="0"/>
+              </a:endParaRPr>
+            </a:p>
+          </p:txBody>
+        </p:sp>
+      </p:grpSp>
+      <p:grpSp>
+        <p:nvGrpSpPr>
+          <p:cNvPr id="7" name="Agrupar 6">
+            <a:extLst>
+              <a:ext uri="{FF2B5EF4-FFF2-40B4-BE49-F238E27FC236}">
+                <a16:creationId xmlns:a16="http://schemas.microsoft.com/office/drawing/2014/main" id="{DF174EAB-DBC2-70DB-5324-4F32ED0DE2DC}"/>
+              </a:ext>
+            </a:extLst>
+          </p:cNvPr>
+          <p:cNvGrpSpPr/>
+          <p:nvPr/>
+        </p:nvGrpSpPr>
+        <p:grpSpPr>
+          <a:xfrm>
+            <a:off x="334808" y="1414013"/>
+            <a:ext cx="1295447" cy="1277541"/>
+            <a:chOff x="374004" y="1414013"/>
+            <a:chExt cx="1295447" cy="1277541"/>
+          </a:xfrm>
+        </p:grpSpPr>
+        <p:pic>
+          <p:nvPicPr>
+            <p:cNvPr id="11" name="Imagem 10">
+              <a:extLst>
+                <a:ext uri="{FF2B5EF4-FFF2-40B4-BE49-F238E27FC236}">
+                  <a16:creationId xmlns:a16="http://schemas.microsoft.com/office/drawing/2014/main" id="{A73BDD2D-A7A9-AC86-5037-0883BCB351B4}"/>
+                </a:ext>
+              </a:extLst>
+            </p:cNvPr>
+            <p:cNvPicPr>
+              <a:picLocks noChangeAspect="1"/>
+            </p:cNvPicPr>
+            <p:nvPr/>
+          </p:nvPicPr>
+          <p:blipFill>
+            <a:blip r:embed="rId3">
+              <a:extLst>
+                <a:ext uri="{28A0092B-C50C-407E-A947-70E740481C1C}">
+                  <a14:useLocalDpi xmlns:a14="http://schemas.microsoft.com/office/drawing/2010/main" val="0"/>
+                </a:ext>
+              </a:extLst>
+            </a:blip>
+            <a:srcRect/>
+            <a:stretch/>
+          </p:blipFill>
+          <p:spPr>
+            <a:xfrm>
+              <a:off x="482988" y="1414013"/>
+              <a:ext cx="1139266" cy="958106"/>
+            </a:xfrm>
+            <a:prstGeom prst="rect">
+              <a:avLst/>
+            </a:prstGeom>
+            <a:ln w="38100" cap="rnd" cmpd="sng">
+              <a:noFill/>
+              <a:prstDash val="solid"/>
+              <a:round/>
+              <a:extLst>
+                <a:ext uri="{C807C97D-BFC1-408E-A445-0C87EB9F89A2}">
+                  <ask:lineSketchStyleProps xmlns:ask="http://schemas.microsoft.com/office/drawing/2018/sketchyshapes" sd="1219033472">
+                    <a:custGeom>
+                      <a:avLst/>
+                      <a:gdLst>
+                        <a:gd name="connsiteX0" fmla="*/ 0 w 1287117"/>
+                        <a:gd name="connsiteY0" fmla="*/ 0 h 1305274"/>
+                        <a:gd name="connsiteX1" fmla="*/ 1287117 w 1287117"/>
+                        <a:gd name="connsiteY1" fmla="*/ 0 h 1305274"/>
+                        <a:gd name="connsiteX2" fmla="*/ 1287117 w 1287117"/>
+                        <a:gd name="connsiteY2" fmla="*/ 1305274 h 1305274"/>
+                        <a:gd name="connsiteX3" fmla="*/ 0 w 1287117"/>
+                        <a:gd name="connsiteY3" fmla="*/ 1305274 h 1305274"/>
+                        <a:gd name="connsiteX4" fmla="*/ 0 w 1287117"/>
+                        <a:gd name="connsiteY4" fmla="*/ 0 h 1305274"/>
+                      </a:gdLst>
+                      <a:ahLst/>
+                      <a:cxnLst>
+                        <a:cxn ang="0">
+                          <a:pos x="connsiteX0" y="connsiteY0"/>
+                        </a:cxn>
+                        <a:cxn ang="0">
+                          <a:pos x="connsiteX1" y="connsiteY1"/>
+                        </a:cxn>
+                        <a:cxn ang="0">
+                          <a:pos x="connsiteX2" y="connsiteY2"/>
+                        </a:cxn>
+                        <a:cxn ang="0">
+                          <a:pos x="connsiteX3" y="connsiteY3"/>
+                        </a:cxn>
+                        <a:cxn ang="0">
+                          <a:pos x="connsiteX4" y="connsiteY4"/>
+                        </a:cxn>
+                      </a:cxnLst>
+                      <a:rect l="l" t="t" r="r" b="b"/>
+                      <a:pathLst>
+                        <a:path w="1287117" h="1305274" fill="none" extrusionOk="0">
+                          <a:moveTo>
+                            <a:pt x="0" y="0"/>
+                          </a:moveTo>
+                          <a:cubicBezTo>
+                            <a:pt x="424078" y="-41831"/>
+                            <a:pt x="1012293" y="-82524"/>
+                            <a:pt x="1287117" y="0"/>
+                          </a:cubicBezTo>
+                          <a:cubicBezTo>
+                            <a:pt x="1359431" y="442770"/>
+                            <a:pt x="1364764" y="807517"/>
+                            <a:pt x="1287117" y="1305274"/>
+                          </a:cubicBezTo>
+                          <a:cubicBezTo>
+                            <a:pt x="1019975" y="1211853"/>
+                            <a:pt x="373143" y="1360628"/>
+                            <a:pt x="0" y="1305274"/>
+                          </a:cubicBezTo>
+                          <a:cubicBezTo>
+                            <a:pt x="54185" y="702839"/>
+                            <a:pt x="-26656" y="637328"/>
+                            <a:pt x="0" y="0"/>
+                          </a:cubicBezTo>
+                          <a:close/>
+                        </a:path>
+                        <a:path w="1287117" h="1305274" stroke="0" extrusionOk="0">
+                          <a:moveTo>
+                            <a:pt x="0" y="0"/>
+                          </a:moveTo>
+                          <a:cubicBezTo>
+                            <a:pt x="620702" y="30296"/>
+                            <a:pt x="869864" y="-62033"/>
+                            <a:pt x="1287117" y="0"/>
+                          </a:cubicBezTo>
+                          <a:cubicBezTo>
+                            <a:pt x="1234736" y="585200"/>
+                            <a:pt x="1192732" y="978202"/>
+                            <a:pt x="1287117" y="1305274"/>
+                          </a:cubicBezTo>
+                          <a:cubicBezTo>
+                            <a:pt x="1064962" y="1190797"/>
+                            <a:pt x="589531" y="1233812"/>
+                            <a:pt x="0" y="1305274"/>
+                          </a:cubicBezTo>
+                          <a:cubicBezTo>
+                            <a:pt x="-381" y="773785"/>
+                            <a:pt x="-64649" y="496574"/>
+                            <a:pt x="0" y="0"/>
+                          </a:cubicBezTo>
+                          <a:close/>
+                        </a:path>
+                      </a:pathLst>
+                    </a:custGeom>
+                    <ask:type>
+                      <ask:lineSketchNone/>
+                    </ask:type>
+                  </ask:lineSketchStyleProps>
+                </a:ext>
+              </a:extLst>
+            </a:ln>
+          </p:spPr>
+        </p:pic>
+        <p:sp>
+          <p:nvSpPr>
+            <p:cNvPr id="15" name="CaixaDeTexto 14">
+              <a:extLst>
+                <a:ext uri="{FF2B5EF4-FFF2-40B4-BE49-F238E27FC236}">
+                  <a16:creationId xmlns:a16="http://schemas.microsoft.com/office/drawing/2014/main" id="{86749FA0-9E7F-5F66-C216-FE713B2F7EB8}"/>
+                </a:ext>
+              </a:extLst>
+            </p:cNvPr>
+            <p:cNvSpPr txBox="1"/>
+            <p:nvPr/>
+          </p:nvSpPr>
+          <p:spPr>
+            <a:xfrm>
+              <a:off x="374004" y="2414555"/>
+              <a:ext cx="1295447" cy="276999"/>
+            </a:xfrm>
+            <a:prstGeom prst="rect">
+              <a:avLst/>
+            </a:prstGeom>
+            <a:noFill/>
+          </p:spPr>
+          <p:txBody>
+            <a:bodyPr wrap="square" rtlCol="0">
+              <a:spAutoFit/>
+            </a:bodyPr>
+            <a:lstStyle/>
+            <a:p>
+              <a:pPr algn="ctr"/>
+              <a:r>
+                <a:rPr lang="pt-BR" sz="1200" b="1" dirty="0">
+                  <a:latin typeface="Montserrat" panose="00000500000000000000" pitchFamily="2" charset="0"/>
+                </a:rPr>
+                <a:t>DASHBOARD</a:t>
+              </a:r>
+              <a:endParaRPr lang="pt-BR" sz="1100" b="1" dirty="0">
+                <a:latin typeface="Montserrat" panose="00000500000000000000" pitchFamily="2" charset="0"/>
+              </a:endParaRPr>
+            </a:p>
+          </p:txBody>
+        </p:sp>
+      </p:grpSp>
+      <p:grpSp>
+        <p:nvGrpSpPr>
+          <p:cNvPr id="16" name="Agrupar 15">
+            <a:extLst>
+              <a:ext uri="{FF2B5EF4-FFF2-40B4-BE49-F238E27FC236}">
+                <a16:creationId xmlns:a16="http://schemas.microsoft.com/office/drawing/2014/main" id="{829251AB-957C-FA86-2D04-1277F3158394}"/>
+              </a:ext>
+            </a:extLst>
+          </p:cNvPr>
+          <p:cNvGrpSpPr/>
+          <p:nvPr/>
+        </p:nvGrpSpPr>
+        <p:grpSpPr>
+          <a:xfrm>
+            <a:off x="234067" y="2934976"/>
+            <a:ext cx="1496928" cy="1510731"/>
+            <a:chOff x="223837" y="2766523"/>
+            <a:chExt cx="1496928" cy="1510731"/>
+          </a:xfrm>
+          <a:effectLst/>
+        </p:grpSpPr>
+        <p:pic>
+          <p:nvPicPr>
+            <p:cNvPr id="18" name="Imagem 17" descr="Forma&#10;&#10;O conteúdo gerado por IA pode estar incorreto.">
+              <a:extLst>
+                <a:ext uri="{FF2B5EF4-FFF2-40B4-BE49-F238E27FC236}">
+                  <a16:creationId xmlns:a16="http://schemas.microsoft.com/office/drawing/2014/main" id="{A73E507F-3712-B3AB-AE81-C684D4366162}"/>
+                </a:ext>
+              </a:extLst>
+            </p:cNvPr>
+            <p:cNvPicPr>
+              <a:picLocks noChangeAspect="1"/>
+            </p:cNvPicPr>
+            <p:nvPr/>
+          </p:nvPicPr>
+          <p:blipFill>
+            <a:blip r:embed="rId4">
+              <a:extLst>
+                <a:ext uri="{28A0092B-C50C-407E-A947-70E740481C1C}">
+                  <a14:useLocalDpi xmlns:a14="http://schemas.microsoft.com/office/drawing/2010/main" val="0"/>
+                </a:ext>
+              </a:extLst>
+            </a:blip>
+            <a:stretch>
+              <a:fillRect/>
+            </a:stretch>
+          </p:blipFill>
+          <p:spPr>
+            <a:xfrm>
+              <a:off x="446601" y="2766523"/>
+              <a:ext cx="1085276" cy="1085276"/>
+            </a:xfrm>
+            <a:prstGeom prst="rect">
+              <a:avLst/>
+            </a:prstGeom>
+          </p:spPr>
+        </p:pic>
+        <p:sp>
+          <p:nvSpPr>
+            <p:cNvPr id="20" name="CaixaDeTexto 19">
+              <a:extLst>
+                <a:ext uri="{FF2B5EF4-FFF2-40B4-BE49-F238E27FC236}">
+                  <a16:creationId xmlns:a16="http://schemas.microsoft.com/office/drawing/2014/main" id="{BEBCC0C7-3621-D704-C888-C304929D5535}"/>
+                </a:ext>
+              </a:extLst>
+            </p:cNvPr>
+            <p:cNvSpPr txBox="1"/>
+            <p:nvPr/>
+          </p:nvSpPr>
+          <p:spPr>
+            <a:xfrm>
+              <a:off x="223837" y="3815589"/>
+              <a:ext cx="1496928" cy="461665"/>
+            </a:xfrm>
+            <a:prstGeom prst="rect">
+              <a:avLst/>
+            </a:prstGeom>
+            <a:noFill/>
+          </p:spPr>
+          <p:txBody>
+            <a:bodyPr wrap="square" rtlCol="0">
+              <a:spAutoFit/>
+            </a:bodyPr>
+            <a:lstStyle/>
+            <a:p>
+              <a:pPr algn="ctr"/>
+              <a:r>
+                <a:rPr lang="pt-BR" sz="1200" b="1" dirty="0">
+                  <a:latin typeface="Montserrat" panose="00000500000000000000" pitchFamily="2" charset="0"/>
+                </a:rPr>
+                <a:t>QUADRO DE PESSOAL</a:t>
+              </a:r>
+              <a:endParaRPr lang="pt-BR" sz="1100" b="1" dirty="0">
+                <a:latin typeface="Montserrat" panose="00000500000000000000" pitchFamily="2" charset="0"/>
+              </a:endParaRPr>
+            </a:p>
+          </p:txBody>
+        </p:sp>
+      </p:grpSp>
+      <p:grpSp>
+        <p:nvGrpSpPr>
+          <p:cNvPr id="21" name="Agrupar 20">
+            <a:extLst>
+              <a:ext uri="{FF2B5EF4-FFF2-40B4-BE49-F238E27FC236}">
+                <a16:creationId xmlns:a16="http://schemas.microsoft.com/office/drawing/2014/main" id="{2D37717C-8F8F-5ADD-727E-3C29345426F4}"/>
+              </a:ext>
+            </a:extLst>
+          </p:cNvPr>
+          <p:cNvGrpSpPr/>
+          <p:nvPr/>
+        </p:nvGrpSpPr>
+        <p:grpSpPr>
+          <a:xfrm>
+            <a:off x="204099" y="6627948"/>
+            <a:ext cx="1556865" cy="1543067"/>
+            <a:chOff x="218004" y="4367039"/>
+            <a:chExt cx="1556865" cy="1543067"/>
+          </a:xfrm>
+        </p:grpSpPr>
+        <p:pic>
+          <p:nvPicPr>
+            <p:cNvPr id="22" name="Imagem 21">
+              <a:extLst>
+                <a:ext uri="{FF2B5EF4-FFF2-40B4-BE49-F238E27FC236}">
+                  <a16:creationId xmlns:a16="http://schemas.microsoft.com/office/drawing/2014/main" id="{6CEA5F45-A299-6114-3E1A-5FC7399BDEF5}"/>
+                </a:ext>
+              </a:extLst>
+            </p:cNvPr>
+            <p:cNvPicPr>
+              <a:picLocks noChangeAspect="1"/>
+            </p:cNvPicPr>
+            <p:nvPr/>
+          </p:nvPicPr>
+          <p:blipFill>
+            <a:blip r:embed="rId5">
+              <a:extLst>
+                <a:ext uri="{28A0092B-C50C-407E-A947-70E740481C1C}">
+                  <a14:useLocalDpi xmlns:a14="http://schemas.microsoft.com/office/drawing/2010/main" val="0"/>
+                </a:ext>
+              </a:extLst>
+            </a:blip>
+            <a:srcRect/>
+            <a:stretch/>
+          </p:blipFill>
+          <p:spPr>
+            <a:xfrm>
+              <a:off x="453797" y="4367039"/>
+              <a:ext cx="1138979" cy="1085276"/>
+            </a:xfrm>
+            <a:prstGeom prst="rect">
+              <a:avLst/>
+            </a:prstGeom>
+          </p:spPr>
+        </p:pic>
+        <p:sp>
+          <p:nvSpPr>
+            <p:cNvPr id="23" name="CaixaDeTexto 22">
+              <a:extLst>
+                <a:ext uri="{FF2B5EF4-FFF2-40B4-BE49-F238E27FC236}">
+                  <a16:creationId xmlns:a16="http://schemas.microsoft.com/office/drawing/2014/main" id="{AD22ADAA-198F-643E-3E89-3770FC33E4CD}"/>
+                </a:ext>
+              </a:extLst>
+            </p:cNvPr>
+            <p:cNvSpPr txBox="1"/>
+            <p:nvPr/>
+          </p:nvSpPr>
+          <p:spPr>
+            <a:xfrm>
+              <a:off x="218004" y="5448441"/>
+              <a:ext cx="1556865" cy="461665"/>
+            </a:xfrm>
+            <a:prstGeom prst="rect">
+              <a:avLst/>
+            </a:prstGeom>
+            <a:noFill/>
+          </p:spPr>
+          <p:txBody>
+            <a:bodyPr wrap="square" rtlCol="0">
+              <a:spAutoFit/>
+            </a:bodyPr>
+            <a:lstStyle/>
+            <a:p>
+              <a:pPr algn="ctr"/>
+              <a:r>
+                <a:rPr lang="pt-BR" sz="1200" b="1" dirty="0">
+                  <a:latin typeface="Montserrat" panose="00000500000000000000" pitchFamily="2" charset="0"/>
+                </a:rPr>
+                <a:t>EVOLUÇÃO DE HORAS EXTRAS</a:t>
+              </a:r>
+              <a:endParaRPr lang="pt-BR" sz="1100" b="1" dirty="0">
+                <a:latin typeface="Montserrat" panose="00000500000000000000" pitchFamily="2" charset="0"/>
+              </a:endParaRPr>
+            </a:p>
+          </p:txBody>
+        </p:sp>
+      </p:grpSp>
+      <p:grpSp>
+        <p:nvGrpSpPr>
+          <p:cNvPr id="24" name="Agrupar 23">
+            <a:extLst>
+              <a:ext uri="{FF2B5EF4-FFF2-40B4-BE49-F238E27FC236}">
+                <a16:creationId xmlns:a16="http://schemas.microsoft.com/office/drawing/2014/main" id="{1644190E-C80F-4F1B-2D8A-4663747F05F3}"/>
+              </a:ext>
+            </a:extLst>
+          </p:cNvPr>
+          <p:cNvGrpSpPr/>
+          <p:nvPr/>
+        </p:nvGrpSpPr>
+        <p:grpSpPr>
+          <a:xfrm>
+            <a:off x="316530" y="8414437"/>
+            <a:ext cx="1332002" cy="1342246"/>
+            <a:chOff x="332645" y="4399375"/>
+            <a:chExt cx="1332002" cy="1342246"/>
+          </a:xfrm>
+        </p:grpSpPr>
+        <p:pic>
+          <p:nvPicPr>
+            <p:cNvPr id="25" name="Imagem 24">
+              <a:extLst>
+                <a:ext uri="{FF2B5EF4-FFF2-40B4-BE49-F238E27FC236}">
+                  <a16:creationId xmlns:a16="http://schemas.microsoft.com/office/drawing/2014/main" id="{64BF223E-0972-C35F-F671-0B9CEBA33F1D}"/>
+                </a:ext>
+              </a:extLst>
+            </p:cNvPr>
+            <p:cNvPicPr>
+              <a:picLocks noChangeAspect="1"/>
+            </p:cNvPicPr>
+            <p:nvPr/>
+          </p:nvPicPr>
+          <p:blipFill>
+            <a:blip r:embed="rId6">
+              <a:extLst>
+                <a:ext uri="{28A0092B-C50C-407E-A947-70E740481C1C}">
+                  <a14:useLocalDpi xmlns:a14="http://schemas.microsoft.com/office/drawing/2010/main" val="0"/>
+                </a:ext>
+              </a:extLst>
+            </a:blip>
+            <a:srcRect/>
+            <a:stretch/>
+          </p:blipFill>
+          <p:spPr>
+            <a:xfrm>
+              <a:off x="417125" y="4399375"/>
+              <a:ext cx="1175652" cy="1085276"/>
+            </a:xfrm>
+            <a:prstGeom prst="rect">
+              <a:avLst/>
+            </a:prstGeom>
+          </p:spPr>
+        </p:pic>
+        <p:sp>
+          <p:nvSpPr>
+            <p:cNvPr id="26" name="CaixaDeTexto 25">
+              <a:extLst>
+                <a:ext uri="{FF2B5EF4-FFF2-40B4-BE49-F238E27FC236}">
+                  <a16:creationId xmlns:a16="http://schemas.microsoft.com/office/drawing/2014/main" id="{BA180254-3C3B-4873-E93F-9D3E33232B4E}"/>
+                </a:ext>
+              </a:extLst>
+            </p:cNvPr>
+            <p:cNvSpPr txBox="1"/>
+            <p:nvPr/>
+          </p:nvSpPr>
+          <p:spPr>
+            <a:xfrm>
+              <a:off x="332645" y="5464622"/>
+              <a:ext cx="1332002" cy="276999"/>
+            </a:xfrm>
+            <a:prstGeom prst="rect">
+              <a:avLst/>
+            </a:prstGeom>
+            <a:noFill/>
+          </p:spPr>
+          <p:txBody>
+            <a:bodyPr wrap="square" rtlCol="0">
+              <a:spAutoFit/>
+            </a:bodyPr>
+            <a:lstStyle/>
+            <a:p>
+              <a:pPr algn="ctr"/>
+              <a:r>
+                <a:rPr lang="pt-BR" sz="1200" b="1" dirty="0">
+                  <a:latin typeface="Montserrat" panose="00000500000000000000" pitchFamily="2" charset="0"/>
+                </a:rPr>
+                <a:t>TURNOVER</a:t>
+              </a:r>
+              <a:endParaRPr lang="pt-BR" sz="1100" b="1" dirty="0">
+                <a:latin typeface="Montserrat" panose="00000500000000000000" pitchFamily="2" charset="0"/>
+              </a:endParaRPr>
+            </a:p>
+          </p:txBody>
+        </p:sp>
+      </p:grpSp>
+      <p:grpSp>
+        <p:nvGrpSpPr>
+          <p:cNvPr id="28" name="Agrupar 27">
+            <a:extLst>
+              <a:ext uri="{FF2B5EF4-FFF2-40B4-BE49-F238E27FC236}">
+                <a16:creationId xmlns:a16="http://schemas.microsoft.com/office/drawing/2014/main" id="{562710C5-6B88-811A-3736-0CBC8EDFD946}"/>
+              </a:ext>
+            </a:extLst>
+          </p:cNvPr>
+          <p:cNvGrpSpPr/>
+          <p:nvPr/>
+        </p:nvGrpSpPr>
+        <p:grpSpPr>
+          <a:xfrm>
+            <a:off x="197942" y="4689129"/>
+            <a:ext cx="1569179" cy="1695397"/>
+            <a:chOff x="218004" y="4399375"/>
+            <a:chExt cx="1569179" cy="1695397"/>
+          </a:xfrm>
+          <a:effectLst>
+            <a:glow rad="101600">
+              <a:schemeClr val="accent4">
+                <a:satMod val="175000"/>
+                <a:alpha val="40000"/>
+              </a:schemeClr>
+            </a:glow>
+          </a:effectLst>
+        </p:grpSpPr>
+        <p:pic>
+          <p:nvPicPr>
+            <p:cNvPr id="29" name="Imagem 28">
+              <a:extLst>
+                <a:ext uri="{FF2B5EF4-FFF2-40B4-BE49-F238E27FC236}">
+                  <a16:creationId xmlns:a16="http://schemas.microsoft.com/office/drawing/2014/main" id="{3AEB1B09-5196-AAD2-3115-A940C46D85B8}"/>
+                </a:ext>
+              </a:extLst>
+            </p:cNvPr>
+            <p:cNvPicPr>
+              <a:picLocks noChangeAspect="1"/>
+            </p:cNvPicPr>
+            <p:nvPr/>
+          </p:nvPicPr>
+          <p:blipFill>
+            <a:blip r:embed="rId7">
+              <a:extLst>
+                <a:ext uri="{28A0092B-C50C-407E-A947-70E740481C1C}">
+                  <a14:useLocalDpi xmlns:a14="http://schemas.microsoft.com/office/drawing/2010/main" val="0"/>
+                </a:ext>
+              </a:extLst>
+            </a:blip>
+            <a:srcRect/>
+            <a:stretch/>
+          </p:blipFill>
+          <p:spPr>
+            <a:xfrm>
+              <a:off x="417125" y="4399375"/>
+              <a:ext cx="1169872" cy="1085276"/>
+            </a:xfrm>
+            <a:prstGeom prst="rect">
+              <a:avLst/>
+            </a:prstGeom>
+          </p:spPr>
+        </p:pic>
+        <p:sp>
+          <p:nvSpPr>
+            <p:cNvPr id="31" name="CaixaDeTexto 30">
+              <a:extLst>
+                <a:ext uri="{FF2B5EF4-FFF2-40B4-BE49-F238E27FC236}">
+                  <a16:creationId xmlns:a16="http://schemas.microsoft.com/office/drawing/2014/main" id="{5A3330AE-01D6-0CA5-7D2F-09051961D275}"/>
+                </a:ext>
+              </a:extLst>
+            </p:cNvPr>
+            <p:cNvSpPr txBox="1"/>
+            <p:nvPr/>
+          </p:nvSpPr>
+          <p:spPr>
+            <a:xfrm>
+              <a:off x="218004" y="5448441"/>
+              <a:ext cx="1569179" cy="646331"/>
+            </a:xfrm>
+            <a:prstGeom prst="rect">
+              <a:avLst/>
+            </a:prstGeom>
+            <a:noFill/>
+          </p:spPr>
+          <p:txBody>
+            <a:bodyPr wrap="square" rtlCol="0">
+              <a:spAutoFit/>
+            </a:bodyPr>
+            <a:lstStyle/>
+            <a:p>
+              <a:pPr algn="ctr"/>
+              <a:r>
+                <a:rPr lang="pt-BR" sz="1200" b="1" dirty="0">
+                  <a:latin typeface="Montserrat" panose="00000500000000000000" pitchFamily="2" charset="0"/>
+                </a:rPr>
+                <a:t>COLABOR. POR CENTRO DE CUSTO</a:t>
+              </a:r>
+              <a:endParaRPr lang="pt-BR" sz="1100" b="1" dirty="0">
+                <a:latin typeface="Montserrat" panose="00000500000000000000" pitchFamily="2" charset="0"/>
+              </a:endParaRPr>
+            </a:p>
+          </p:txBody>
+        </p:sp>
+      </p:grpSp>
+      <p:grpSp>
+        <p:nvGrpSpPr>
+          <p:cNvPr id="3" name="Agrupar 2">
+            <a:extLst>
+              <a:ext uri="{FF2B5EF4-FFF2-40B4-BE49-F238E27FC236}">
+                <a16:creationId xmlns:a16="http://schemas.microsoft.com/office/drawing/2014/main" id="{C2126BC8-FA28-9F26-1529-181CA2DB7D58}"/>
+              </a:ext>
+            </a:extLst>
+          </p:cNvPr>
+          <p:cNvGrpSpPr/>
+          <p:nvPr/>
+        </p:nvGrpSpPr>
+        <p:grpSpPr>
+          <a:xfrm>
+            <a:off x="17756032" y="1428451"/>
+            <a:ext cx="4928869" cy="943667"/>
+            <a:chOff x="4341887" y="2339550"/>
+            <a:chExt cx="1767084" cy="898628"/>
+          </a:xfrm>
+        </p:grpSpPr>
+        <p:sp>
+          <p:nvSpPr>
+            <p:cNvPr id="5" name="Retângulo: Cantos Arredondados 4">
+              <a:extLst>
+                <a:ext uri="{FF2B5EF4-FFF2-40B4-BE49-F238E27FC236}">
+                  <a16:creationId xmlns:a16="http://schemas.microsoft.com/office/drawing/2014/main" id="{76DA6C6E-B127-A01A-D801-F18B065F723B}"/>
+                </a:ext>
+              </a:extLst>
+            </p:cNvPr>
+            <p:cNvSpPr/>
+            <p:nvPr/>
+          </p:nvSpPr>
+          <p:spPr>
+            <a:xfrm>
+              <a:off x="4341887" y="2339550"/>
+              <a:ext cx="1767084" cy="898628"/>
+            </a:xfrm>
+            <a:prstGeom prst="roundRect">
+              <a:avLst>
+                <a:gd name="adj" fmla="val 4068"/>
+              </a:avLst>
+            </a:prstGeom>
+            <a:solidFill>
+              <a:schemeClr val="bg1"/>
+            </a:solidFill>
+            <a:ln>
+              <a:noFill/>
+            </a:ln>
+            <a:effectLst>
+              <a:outerShdw blurRad="63500" sx="102000" sy="102000" algn="ctr" rotWithShape="0">
+                <a:prstClr val="black">
+                  <a:alpha val="40000"/>
+                </a:prstClr>
+              </a:outerShdw>
+            </a:effectLst>
+          </p:spPr>
+          <p:style>
+            <a:lnRef idx="2">
+              <a:schemeClr val="accent1">
+                <a:shade val="50000"/>
+              </a:schemeClr>
+            </a:lnRef>
+            <a:fillRef idx="1">
+              <a:schemeClr val="accent1"/>
+            </a:fillRef>
+            <a:effectRef idx="0">
+              <a:schemeClr val="accent1"/>
+            </a:effectRef>
+            <a:fontRef idx="minor">
+              <a:schemeClr val="lt1"/>
+            </a:fontRef>
+          </p:style>
+          <p:txBody>
+            <a:bodyPr rtlCol="0" anchor="ctr"/>
+            <a:lstStyle/>
+            <a:p>
+              <a:pPr algn="ctr"/>
+              <a:endParaRPr lang="pt-BR" sz="2800" b="1" dirty="0">
+                <a:solidFill>
+                  <a:schemeClr val="tx1"/>
+                </a:solidFill>
+              </a:endParaRPr>
+            </a:p>
+          </p:txBody>
+        </p:sp>
+        <p:sp>
+          <p:nvSpPr>
+            <p:cNvPr id="6" name="Retângulo 5">
+              <a:extLst>
+                <a:ext uri="{FF2B5EF4-FFF2-40B4-BE49-F238E27FC236}">
+                  <a16:creationId xmlns:a16="http://schemas.microsoft.com/office/drawing/2014/main" id="{7B38122F-EAE9-8FFE-4615-0301E4D65624}"/>
+                </a:ext>
+              </a:extLst>
+            </p:cNvPr>
+            <p:cNvSpPr/>
+            <p:nvPr/>
+          </p:nvSpPr>
+          <p:spPr>
+            <a:xfrm>
+              <a:off x="4341887" y="2339550"/>
+              <a:ext cx="1767084" cy="308675"/>
+            </a:xfrm>
+            <a:prstGeom prst="rect">
+              <a:avLst/>
+            </a:prstGeom>
+            <a:solidFill>
+              <a:schemeClr val="accent6">
+                <a:alpha val="50000"/>
+              </a:schemeClr>
+            </a:solidFill>
+            <a:ln>
+              <a:noFill/>
+            </a:ln>
+          </p:spPr>
+          <p:style>
+            <a:lnRef idx="0">
+              <a:scrgbClr r="0" g="0" b="0"/>
+            </a:lnRef>
+            <a:fillRef idx="0">
+              <a:scrgbClr r="0" g="0" b="0"/>
+            </a:fillRef>
+            <a:effectRef idx="0">
+              <a:scrgbClr r="0" g="0" b="0"/>
+            </a:effectRef>
+            <a:fontRef idx="minor">
+              <a:schemeClr val="lt1"/>
+            </a:fontRef>
+          </p:style>
+          <p:txBody>
+            <a:bodyPr rtlCol="0" anchor="ctr"/>
+            <a:lstStyle/>
+            <a:p>
+              <a:pPr algn="ctr"/>
+              <a:r>
+                <a:rPr lang="pt-BR" sz="1500" b="1" dirty="0">
+                  <a:solidFill>
+                    <a:schemeClr val="tx1"/>
+                  </a:solidFill>
+                  <a:latin typeface="Montserrat" panose="00000500000000000000" pitchFamily="2" charset="0"/>
+                </a:rPr>
+                <a:t>CARGO RESUMIDO</a:t>
+              </a:r>
+            </a:p>
+          </p:txBody>
+        </p:sp>
+      </p:grpSp>
+    </p:spTree>
+    <p:extLst>
+      <p:ext uri="{BB962C8B-B14F-4D97-AF65-F5344CB8AC3E}">
+        <p14:creationId xmlns:p14="http://schemas.microsoft.com/office/powerpoint/2010/main" val="3247061226"/>
+      </p:ext>
+    </p:extLst>
+  </p:cSld>
+  <p:clrMapOvr>
+    <a:masterClrMapping/>
+  </p:clrMapOvr>
+</p:sld>
+</file>
+
+<file path=ppt/slides/slide5.xml><?xml version="1.0" encoding="utf-8"?>
+<p:sld xmlns:a="http://schemas.openxmlformats.org/drawingml/2006/main" xmlns:r="http://schemas.openxmlformats.org/officeDocument/2006/relationships" xmlns:p="http://schemas.openxmlformats.org/presentationml/2006/main">
+  <p:cSld>
+    <p:spTree>
+      <p:nvGrpSpPr>
+        <p:cNvPr id="1" name="">
+          <a:extLst>
+            <a:ext uri="{FF2B5EF4-FFF2-40B4-BE49-F238E27FC236}">
+              <a16:creationId xmlns:a16="http://schemas.microsoft.com/office/drawing/2014/main" id="{2B2C0C79-F252-DCBD-90D1-1AA82FE65494}"/>
+            </a:ext>
+          </a:extLst>
+        </p:cNvPr>
+        <p:cNvGrpSpPr/>
+        <p:nvPr/>
+      </p:nvGrpSpPr>
+      <p:grpSpPr>
+        <a:xfrm>
+          <a:off x="0" y="0"/>
+          <a:ext cx="0" cy="0"/>
+          <a:chOff x="0" y="0"/>
+          <a:chExt cx="0" cy="0"/>
+        </a:xfrm>
+      </p:grpSpPr>
+      <p:sp>
+        <p:nvSpPr>
+          <p:cNvPr id="4" name="Retângulo: Cantos Arredondados 3">
+            <a:extLst>
+              <a:ext uri="{FF2B5EF4-FFF2-40B4-BE49-F238E27FC236}">
+                <a16:creationId xmlns:a16="http://schemas.microsoft.com/office/drawing/2014/main" id="{C2A45DC1-8F7C-E559-4198-5F5589013EA1}"/>
+              </a:ext>
+            </a:extLst>
+          </p:cNvPr>
+          <p:cNvSpPr/>
+          <p:nvPr/>
+        </p:nvSpPr>
+        <p:spPr>
+          <a:xfrm>
+            <a:off x="0" y="1"/>
+            <a:ext cx="25600025" cy="14400212"/>
+          </a:xfrm>
+          <a:prstGeom prst="roundRect">
+            <a:avLst>
+              <a:gd name="adj" fmla="val 3334"/>
+            </a:avLst>
+          </a:prstGeom>
+          <a:solidFill>
+            <a:schemeClr val="bg1"/>
+          </a:solidFill>
+          <a:ln>
+            <a:solidFill>
+              <a:srgbClr val="F5F7F9"/>
+            </a:solidFill>
+          </a:ln>
+        </p:spPr>
+        <p:style>
+          <a:lnRef idx="2">
+            <a:schemeClr val="accent1">
+              <a:shade val="50000"/>
+            </a:schemeClr>
+          </a:lnRef>
+          <a:fillRef idx="1">
+            <a:schemeClr val="accent1"/>
+          </a:fillRef>
+          <a:effectRef idx="0">
+            <a:schemeClr val="accent1"/>
+          </a:effectRef>
+          <a:fontRef idx="minor">
+            <a:schemeClr val="lt1"/>
+          </a:fontRef>
+        </p:style>
+        <p:txBody>
+          <a:bodyPr rtlCol="0" anchor="ctr"/>
+          <a:lstStyle/>
+          <a:p>
+            <a:pPr algn="ctr"/>
+            <a:endParaRPr lang="pt-BR" sz="1265" dirty="0"/>
+          </a:p>
+        </p:txBody>
+      </p:sp>
+      <p:sp>
+        <p:nvSpPr>
+          <p:cNvPr id="10" name="Retângulo: Cantos Arredondados 9">
+            <a:extLst>
+              <a:ext uri="{FF2B5EF4-FFF2-40B4-BE49-F238E27FC236}">
+                <a16:creationId xmlns:a16="http://schemas.microsoft.com/office/drawing/2014/main" id="{480DB64B-7EEA-7074-46E3-E3D1DD9FB8C4}"/>
+              </a:ext>
+            </a:extLst>
+          </p:cNvPr>
+          <p:cNvSpPr/>
+          <p:nvPr/>
+        </p:nvSpPr>
+        <p:spPr>
+          <a:xfrm>
+            <a:off x="324465" y="1120877"/>
+            <a:ext cx="25013264" cy="12890091"/>
+          </a:xfrm>
+          <a:prstGeom prst="roundRect">
+            <a:avLst>
+              <a:gd name="adj" fmla="val 3334"/>
+            </a:avLst>
+          </a:prstGeom>
+          <a:solidFill>
+            <a:srgbClr val="F5F7F9"/>
+          </a:solidFill>
+          <a:ln>
+            <a:solidFill>
+              <a:srgbClr val="F5F7F9"/>
+            </a:solidFill>
+          </a:ln>
+        </p:spPr>
+        <p:style>
+          <a:lnRef idx="2">
+            <a:schemeClr val="accent1">
+              <a:shade val="50000"/>
+            </a:schemeClr>
+          </a:lnRef>
+          <a:fillRef idx="1">
+            <a:schemeClr val="accent1"/>
+          </a:fillRef>
+          <a:effectRef idx="0">
+            <a:schemeClr val="accent1"/>
+          </a:effectRef>
+          <a:fontRef idx="minor">
+            <a:schemeClr val="lt1"/>
+          </a:fontRef>
+        </p:style>
+        <p:txBody>
+          <a:bodyPr rtlCol="0" anchor="ctr"/>
+          <a:lstStyle/>
+          <a:p>
+            <a:pPr algn="ctr"/>
+            <a:endParaRPr lang="pt-BR" sz="1265" dirty="0"/>
+          </a:p>
+        </p:txBody>
+      </p:sp>
+      <p:sp>
+        <p:nvSpPr>
+          <p:cNvPr id="35" name="Retângulo: Cantos Superiores Arredondados 34">
+            <a:extLst>
+              <a:ext uri="{FF2B5EF4-FFF2-40B4-BE49-F238E27FC236}">
+                <a16:creationId xmlns:a16="http://schemas.microsoft.com/office/drawing/2014/main" id="{663C8087-FC11-0AC4-5BD8-75FC13E3F401}"/>
+              </a:ext>
+            </a:extLst>
+          </p:cNvPr>
+          <p:cNvSpPr/>
+          <p:nvPr/>
+        </p:nvSpPr>
+        <p:spPr>
+          <a:xfrm rot="16200000">
+            <a:off x="-5466462" y="6899923"/>
+            <a:ext cx="12890092" cy="1332000"/>
+          </a:xfrm>
+          <a:prstGeom prst="round2SameRect">
+            <a:avLst/>
+          </a:prstGeom>
+          <a:solidFill>
+            <a:srgbClr val="C5E0B4"/>
+          </a:solidFill>
+          <a:ln>
+            <a:noFill/>
+          </a:ln>
+        </p:spPr>
+        <p:style>
+          <a:lnRef idx="0">
+            <a:scrgbClr r="0" g="0" b="0"/>
+          </a:lnRef>
+          <a:fillRef idx="0">
+            <a:scrgbClr r="0" g="0" b="0"/>
+          </a:fillRef>
+          <a:effectRef idx="0">
+            <a:scrgbClr r="0" g="0" b="0"/>
+          </a:effectRef>
+          <a:fontRef idx="minor">
+            <a:schemeClr val="dk1"/>
+          </a:fontRef>
+        </p:style>
+        <p:txBody>
+          <a:bodyPr rtlCol="0" anchor="ctr"/>
+          <a:lstStyle/>
+          <a:p>
+            <a:pPr algn="ctr"/>
+            <a:endParaRPr lang="pt-BR" dirty="0"/>
+          </a:p>
+        </p:txBody>
+      </p:sp>
+      <p:pic>
+        <p:nvPicPr>
+          <p:cNvPr id="53" name="Imagem 52">
+            <a:extLst>
+              <a:ext uri="{FF2B5EF4-FFF2-40B4-BE49-F238E27FC236}">
+                <a16:creationId xmlns:a16="http://schemas.microsoft.com/office/drawing/2014/main" id="{9CBDDFA7-39FF-6A1A-AC4B-3F28BEE8DB78}"/>
+              </a:ext>
+            </a:extLst>
+          </p:cNvPr>
+          <p:cNvPicPr>
+            <a:picLocks noChangeAspect="1"/>
+          </p:cNvPicPr>
+          <p:nvPr/>
+        </p:nvPicPr>
+        <p:blipFill>
+          <a:blip r:embed="rId2">
+            <a:extLst>
+              <a:ext uri="{28A0092B-C50C-407E-A947-70E740481C1C}">
+                <a14:useLocalDpi xmlns:a14="http://schemas.microsoft.com/office/drawing/2010/main" val="0"/>
+              </a:ext>
+            </a:extLst>
+          </a:blip>
+          <a:srcRect l="38554" r="37841" b="45198"/>
+          <a:stretch/>
+        </p:blipFill>
+        <p:spPr>
+          <a:xfrm>
+            <a:off x="670971" y="77626"/>
+            <a:ext cx="552133" cy="965624"/>
+          </a:xfrm>
+          <a:prstGeom prst="rect">
+            <a:avLst/>
+          </a:prstGeom>
+          <a:noFill/>
+          <a:effectLst>
+            <a:innerShdw blurRad="63500" dist="50800" dir="16200000">
+              <a:prstClr val="black">
+                <a:alpha val="50000"/>
+              </a:prstClr>
+            </a:innerShdw>
+          </a:effectLst>
+        </p:spPr>
+      </p:pic>
+      <p:sp>
+        <p:nvSpPr>
+          <p:cNvPr id="58" name="CaixaDeTexto 57">
+            <a:extLst>
+              <a:ext uri="{FF2B5EF4-FFF2-40B4-BE49-F238E27FC236}">
+                <a16:creationId xmlns:a16="http://schemas.microsoft.com/office/drawing/2014/main" id="{79E41255-4004-7D27-3096-0CF83B5A6724}"/>
+              </a:ext>
+            </a:extLst>
+          </p:cNvPr>
+          <p:cNvSpPr txBox="1"/>
+          <p:nvPr/>
+        </p:nvSpPr>
+        <p:spPr>
+          <a:xfrm>
+            <a:off x="1587339" y="-24040"/>
+            <a:ext cx="10805699" cy="769441"/>
+          </a:xfrm>
+          <a:prstGeom prst="rect">
+            <a:avLst/>
+          </a:prstGeom>
+          <a:noFill/>
+        </p:spPr>
+        <p:txBody>
+          <a:bodyPr wrap="square" rtlCol="0">
+            <a:spAutoFit/>
+          </a:bodyPr>
+          <a:lstStyle/>
+          <a:p>
+            <a:r>
+              <a:rPr lang="pt-BR" sz="4400" dirty="0">
+                <a:latin typeface="Montserrat SemiBold" panose="00000700000000000000" pitchFamily="2" charset="0"/>
+              </a:rPr>
+              <a:t>EVOLUÇÃO DE HORA EXTRA</a:t>
+            </a:r>
+          </a:p>
+        </p:txBody>
+      </p:sp>
+      <p:cxnSp>
+        <p:nvCxnSpPr>
+          <p:cNvPr id="60" name="Conector reto 59">
+            <a:extLst>
+              <a:ext uri="{FF2B5EF4-FFF2-40B4-BE49-F238E27FC236}">
+                <a16:creationId xmlns:a16="http://schemas.microsoft.com/office/drawing/2014/main" id="{07758CE2-F00C-3CB5-A286-FC3A6775E304}"/>
+              </a:ext>
+            </a:extLst>
+          </p:cNvPr>
+          <p:cNvCxnSpPr>
+            <a:cxnSpLocks/>
+          </p:cNvCxnSpPr>
+          <p:nvPr/>
+        </p:nvCxnSpPr>
+        <p:spPr>
+          <a:xfrm>
+            <a:off x="1572715" y="268918"/>
+            <a:ext cx="0" cy="583038"/>
+          </a:xfrm>
+          <a:prstGeom prst="line">
+            <a:avLst/>
+          </a:prstGeom>
+        </p:spPr>
+        <p:style>
+          <a:lnRef idx="3">
+            <a:schemeClr val="accent6"/>
+          </a:lnRef>
+          <a:fillRef idx="0">
+            <a:schemeClr val="accent6"/>
+          </a:fillRef>
+          <a:effectRef idx="2">
+            <a:schemeClr val="accent6"/>
+          </a:effectRef>
+          <a:fontRef idx="minor">
+            <a:schemeClr val="tx1"/>
+          </a:fontRef>
+        </p:style>
+      </p:cxnSp>
+      <p:sp>
+        <p:nvSpPr>
+          <p:cNvPr id="27" name="CaixaDeTexto 26">
+            <a:extLst>
+              <a:ext uri="{FF2B5EF4-FFF2-40B4-BE49-F238E27FC236}">
+                <a16:creationId xmlns:a16="http://schemas.microsoft.com/office/drawing/2014/main" id="{17C6D3FA-E46B-6CCE-07FB-B8C42E28B139}"/>
+              </a:ext>
+            </a:extLst>
+          </p:cNvPr>
+          <p:cNvSpPr txBox="1"/>
+          <p:nvPr/>
+        </p:nvSpPr>
+        <p:spPr>
+          <a:xfrm>
+            <a:off x="22475947" y="-31697"/>
+            <a:ext cx="3124078" cy="369332"/>
+          </a:xfrm>
+          <a:prstGeom prst="rect">
+            <a:avLst/>
+          </a:prstGeom>
+          <a:noFill/>
+        </p:spPr>
+        <p:txBody>
+          <a:bodyPr wrap="square" rtlCol="0">
+            <a:spAutoFit/>
+          </a:bodyPr>
+          <a:lstStyle/>
+          <a:p>
+            <a:pPr algn="r"/>
+            <a:r>
+              <a:rPr lang="pt-BR" dirty="0">
+                <a:solidFill>
+                  <a:schemeClr val="tx1">
+                    <a:lumMod val="85000"/>
+                    <a:lumOff val="15000"/>
+                  </a:schemeClr>
+                </a:solidFill>
+                <a:latin typeface="Montserrat SemiBold" panose="00000700000000000000" pitchFamily="2" charset="0"/>
+              </a:rPr>
+              <a:t>DATA DE ATUALIZAÇÃO</a:t>
+            </a:r>
+          </a:p>
+        </p:txBody>
+      </p:sp>
+      <p:sp>
+        <p:nvSpPr>
+          <p:cNvPr id="17" name="CaixaDeTexto 16">
+            <a:extLst>
+              <a:ext uri="{FF2B5EF4-FFF2-40B4-BE49-F238E27FC236}">
+                <a16:creationId xmlns:a16="http://schemas.microsoft.com/office/drawing/2014/main" id="{DDBE3E91-8817-51D1-3AA7-AFAB8267C0E1}"/>
+              </a:ext>
+            </a:extLst>
+          </p:cNvPr>
+          <p:cNvSpPr txBox="1"/>
+          <p:nvPr/>
+        </p:nvSpPr>
+        <p:spPr>
+          <a:xfrm>
+            <a:off x="22475949" y="1102458"/>
+            <a:ext cx="3124076" cy="369332"/>
+          </a:xfrm>
+          <a:prstGeom prst="rect">
+            <a:avLst/>
+          </a:prstGeom>
+          <a:noFill/>
+        </p:spPr>
+        <p:txBody>
+          <a:bodyPr wrap="square" rtlCol="0">
+            <a:spAutoFit/>
+          </a:bodyPr>
+          <a:lstStyle/>
+          <a:p>
+            <a:pPr algn="ctr"/>
+            <a:r>
+              <a:rPr lang="pt-BR" dirty="0">
+                <a:solidFill>
+                  <a:schemeClr val="tx1">
+                    <a:lumMod val="85000"/>
+                    <a:lumOff val="15000"/>
+                  </a:schemeClr>
+                </a:solidFill>
+                <a:latin typeface="Montserrat SemiBold" panose="00000700000000000000" pitchFamily="2" charset="0"/>
+              </a:rPr>
+              <a:t>DADOS ATÉ</a:t>
+            </a:r>
+          </a:p>
+        </p:txBody>
+      </p:sp>
+      <p:sp>
+        <p:nvSpPr>
+          <p:cNvPr id="19" name="CaixaDeTexto 18">
+            <a:extLst>
+              <a:ext uri="{FF2B5EF4-FFF2-40B4-BE49-F238E27FC236}">
+                <a16:creationId xmlns:a16="http://schemas.microsoft.com/office/drawing/2014/main" id="{00E4B19F-667B-ED50-2B0B-B25552240B75}"/>
+              </a:ext>
+            </a:extLst>
+          </p:cNvPr>
+          <p:cNvSpPr txBox="1"/>
+          <p:nvPr/>
+        </p:nvSpPr>
+        <p:spPr>
+          <a:xfrm>
+            <a:off x="1622929" y="597674"/>
+            <a:ext cx="4534125" cy="430887"/>
+          </a:xfrm>
+          <a:prstGeom prst="rect">
+            <a:avLst/>
+          </a:prstGeom>
+          <a:noFill/>
+        </p:spPr>
+        <p:txBody>
+          <a:bodyPr wrap="square" rtlCol="0">
+            <a:spAutoFit/>
+          </a:bodyPr>
+          <a:lstStyle/>
+          <a:p>
+            <a:r>
+              <a:rPr lang="pt-BR" sz="2200" dirty="0">
+                <a:latin typeface="Montserrat SemiBold" panose="00000700000000000000" pitchFamily="2" charset="0"/>
+              </a:rPr>
+              <a:t>DEPARTAMENTO PESSOAL</a:t>
+            </a:r>
+          </a:p>
+        </p:txBody>
+      </p:sp>
+      <p:sp>
+        <p:nvSpPr>
+          <p:cNvPr id="9" name="Retângulo: Cantos Arredondados 8">
+            <a:extLst>
+              <a:ext uri="{FF2B5EF4-FFF2-40B4-BE49-F238E27FC236}">
+                <a16:creationId xmlns:a16="http://schemas.microsoft.com/office/drawing/2014/main" id="{EE478C64-C75C-3F37-5817-C4D760B11021}"/>
+              </a:ext>
+            </a:extLst>
+          </p:cNvPr>
+          <p:cNvSpPr/>
+          <p:nvPr/>
+        </p:nvSpPr>
+        <p:spPr>
+          <a:xfrm>
+            <a:off x="1957168" y="9221821"/>
+            <a:ext cx="23062372" cy="4580718"/>
+          </a:xfrm>
+          <a:prstGeom prst="roundRect">
+            <a:avLst>
+              <a:gd name="adj" fmla="val 5591"/>
+            </a:avLst>
+          </a:prstGeom>
+          <a:solidFill>
+            <a:schemeClr val="bg1"/>
+          </a:solidFill>
+          <a:ln>
+            <a:noFill/>
+          </a:ln>
+          <a:effectLst>
+            <a:glow rad="63500">
+              <a:schemeClr val="bg1">
+                <a:lumMod val="75000"/>
+                <a:alpha val="40000"/>
+              </a:schemeClr>
+            </a:glow>
+            <a:outerShdw blurRad="50800" dist="38100" dir="5400000" algn="t" rotWithShape="0">
+              <a:schemeClr val="tx1">
+                <a:alpha val="40000"/>
+              </a:schemeClr>
+            </a:outerShdw>
+          </a:effectLst>
+        </p:spPr>
+        <p:style>
+          <a:lnRef idx="2">
+            <a:schemeClr val="accent1">
+              <a:shade val="50000"/>
+            </a:schemeClr>
+          </a:lnRef>
+          <a:fillRef idx="1">
+            <a:schemeClr val="accent1"/>
+          </a:fillRef>
+          <a:effectRef idx="0">
+            <a:schemeClr val="accent1"/>
+          </a:effectRef>
+          <a:fontRef idx="minor">
+            <a:schemeClr val="lt1"/>
+          </a:fontRef>
+        </p:style>
+        <p:txBody>
+          <a:bodyPr rtlCol="0" anchor="ctr"/>
+          <a:lstStyle/>
+          <a:p>
+            <a:pPr algn="ctr"/>
+            <a:endParaRPr lang="pt-BR" sz="1265"/>
+          </a:p>
+        </p:txBody>
+      </p:sp>
       <p:grpSp>
         <p:nvGrpSpPr>
           <p:cNvPr id="5" name="Agrupar 4">
@@ -15019,10 +20139,10 @@
         </p:nvGrpSpPr>
         <p:grpSpPr>
           <a:xfrm>
-            <a:off x="1963819" y="5350309"/>
-            <a:ext cx="3898883" cy="1641368"/>
+            <a:off x="2042246" y="3065296"/>
+            <a:ext cx="3600000" cy="2160000"/>
             <a:chOff x="2227660" y="1471791"/>
-            <a:chExt cx="2752902" cy="1143558"/>
+            <a:chExt cx="2752902" cy="1238616"/>
           </a:xfrm>
         </p:grpSpPr>
         <p:sp>
@@ -15040,7 +20160,7 @@
           <p:spPr>
             <a:xfrm>
               <a:off x="2231440" y="1471791"/>
-              <a:ext cx="2749122" cy="1143558"/>
+              <a:ext cx="2749122" cy="1238616"/>
             </a:xfrm>
             <a:prstGeom prst="roundRect">
               <a:avLst>
@@ -15107,7 +20227,7 @@
           <p:spPr>
             <a:xfrm>
               <a:off x="2227660" y="1496945"/>
-              <a:ext cx="2749122" cy="257317"/>
+              <a:ext cx="2749122" cy="420898"/>
             </a:xfrm>
             <a:prstGeom prst="rect">
               <a:avLst/>
@@ -15122,10 +20242,13 @@
             <a:p>
               <a:pPr algn="ctr"/>
               <a:r>
-                <a:rPr lang="pt-BR" dirty="0">
-                  <a:latin typeface="Montserrat SemiBold" panose="00000700000000000000" pitchFamily="2" charset="0"/>
+                <a:rPr lang="pt-BR" b="1" dirty="0">
+                  <a:solidFill>
+                    <a:srgbClr val="FF0000"/>
+                  </a:solidFill>
+                  <a:latin typeface="Montserrat" panose="00000500000000000000" pitchFamily="2" charset="0"/>
                 </a:rPr>
-                <a:t>TOTAL DE HORAS</a:t>
+                <a:t>HORAS DEVIDAS PELA EMPRESA</a:t>
               </a:r>
             </a:p>
           </p:txBody>
@@ -15145,8 +20268,8 @@
         </p:nvSpPr>
         <p:spPr>
           <a:xfrm>
-            <a:off x="21257161" y="7235343"/>
-            <a:ext cx="3762380" cy="369331"/>
+            <a:off x="21128122" y="7996292"/>
+            <a:ext cx="3424491" cy="369332"/>
           </a:xfrm>
           <a:prstGeom prst="rect">
             <a:avLst/>
@@ -15183,8 +20306,8 @@
         </p:nvSpPr>
         <p:spPr>
           <a:xfrm>
-            <a:off x="7026868" y="3025617"/>
-            <a:ext cx="15149584" cy="3966059"/>
+            <a:off x="5823558" y="3065296"/>
+            <a:ext cx="19195982" cy="4822790"/>
           </a:xfrm>
           <a:prstGeom prst="roundRect">
             <a:avLst>
@@ -15236,111 +20359,6 @@
           </a:p>
         </p:txBody>
       </p:sp>
-      <p:grpSp>
-        <p:nvGrpSpPr>
-          <p:cNvPr id="41" name="Agrupar 40">
-            <a:extLst>
-              <a:ext uri="{FF2B5EF4-FFF2-40B4-BE49-F238E27FC236}">
-                <a16:creationId xmlns:a16="http://schemas.microsoft.com/office/drawing/2014/main" id="{74EF53F7-807D-77B8-F093-2D492B906F42}"/>
-              </a:ext>
-            </a:extLst>
-          </p:cNvPr>
-          <p:cNvGrpSpPr/>
-          <p:nvPr/>
-        </p:nvGrpSpPr>
-        <p:grpSpPr>
-          <a:xfrm>
-            <a:off x="218004" y="4399375"/>
-            <a:ext cx="1483519" cy="1510731"/>
-            <a:chOff x="223837" y="2766523"/>
-            <a:chExt cx="1483519" cy="1510731"/>
-          </a:xfrm>
-          <a:effectLst>
-            <a:glow rad="101600">
-              <a:schemeClr val="accent4">
-                <a:satMod val="175000"/>
-                <a:alpha val="40000"/>
-              </a:schemeClr>
-            </a:glow>
-          </a:effectLst>
-        </p:grpSpPr>
-        <p:pic>
-          <p:nvPicPr>
-            <p:cNvPr id="42" name="Imagem 41">
-              <a:extLst>
-                <a:ext uri="{FF2B5EF4-FFF2-40B4-BE49-F238E27FC236}">
-                  <a16:creationId xmlns:a16="http://schemas.microsoft.com/office/drawing/2014/main" id="{6D3EED06-54C5-C94F-861E-1094239428C3}"/>
-                </a:ext>
-              </a:extLst>
-            </p:cNvPr>
-            <p:cNvPicPr>
-              <a:picLocks noChangeAspect="1"/>
-            </p:cNvPicPr>
-            <p:nvPr/>
-          </p:nvPicPr>
-          <p:blipFill>
-            <a:blip r:embed="rId5">
-              <a:extLst>
-                <a:ext uri="{28A0092B-C50C-407E-A947-70E740481C1C}">
-                  <a14:useLocalDpi xmlns:a14="http://schemas.microsoft.com/office/drawing/2010/main" val="0"/>
-                </a:ext>
-              </a:extLst>
-            </a:blip>
-            <a:srcRect/>
-            <a:stretch/>
-          </p:blipFill>
-          <p:spPr>
-            <a:xfrm>
-              <a:off x="446601" y="2766523"/>
-              <a:ext cx="1085276" cy="1085276"/>
-            </a:xfrm>
-            <a:prstGeom prst="rect">
-              <a:avLst/>
-            </a:prstGeom>
-          </p:spPr>
-        </p:pic>
-        <p:sp>
-          <p:nvSpPr>
-            <p:cNvPr id="43" name="CaixaDeTexto 42">
-              <a:extLst>
-                <a:ext uri="{FF2B5EF4-FFF2-40B4-BE49-F238E27FC236}">
-                  <a16:creationId xmlns:a16="http://schemas.microsoft.com/office/drawing/2014/main" id="{F74DC2C9-047E-7099-53ED-0B4923247A58}"/>
-                </a:ext>
-              </a:extLst>
-            </p:cNvPr>
-            <p:cNvSpPr txBox="1"/>
-            <p:nvPr/>
-          </p:nvSpPr>
-          <p:spPr>
-            <a:xfrm>
-              <a:off x="223837" y="3815589"/>
-              <a:ext cx="1483519" cy="461665"/>
-            </a:xfrm>
-            <a:prstGeom prst="rect">
-              <a:avLst/>
-            </a:prstGeom>
-            <a:noFill/>
-          </p:spPr>
-          <p:txBody>
-            <a:bodyPr wrap="square" rtlCol="0">
-              <a:spAutoFit/>
-            </a:bodyPr>
-            <a:lstStyle/>
-            <a:p>
-              <a:pPr algn="ctr"/>
-              <a:r>
-                <a:rPr lang="pt-BR" sz="1200" b="1" dirty="0">
-                  <a:latin typeface="Montserrat" panose="00000500000000000000" pitchFamily="2" charset="0"/>
-                </a:rPr>
-                <a:t>EVOLUÇÃO HORAS EXTRAS</a:t>
-              </a:r>
-              <a:endParaRPr lang="pt-BR" sz="1100" b="1" dirty="0">
-                <a:latin typeface="Montserrat" panose="00000500000000000000" pitchFamily="2" charset="0"/>
-              </a:endParaRPr>
-            </a:p>
-          </p:txBody>
-        </p:sp>
-      </p:grpSp>
       <p:grpSp>
         <p:nvGrpSpPr>
           <p:cNvPr id="3" name="Agrupar 2">
@@ -16235,6 +21253,899 @@
           </p:txBody>
         </p:sp>
       </p:grpSp>
+      <p:grpSp>
+        <p:nvGrpSpPr>
+          <p:cNvPr id="2" name="Agrupar 1">
+            <a:extLst>
+              <a:ext uri="{FF2B5EF4-FFF2-40B4-BE49-F238E27FC236}">
+                <a16:creationId xmlns:a16="http://schemas.microsoft.com/office/drawing/2014/main" id="{DCD03DFA-854A-AF10-D272-28AE2BB88F0B}"/>
+              </a:ext>
+            </a:extLst>
+          </p:cNvPr>
+          <p:cNvGrpSpPr/>
+          <p:nvPr/>
+        </p:nvGrpSpPr>
+        <p:grpSpPr>
+          <a:xfrm>
+            <a:off x="2039774" y="5746170"/>
+            <a:ext cx="3600000" cy="2160000"/>
+            <a:chOff x="2227660" y="1471791"/>
+            <a:chExt cx="2752902" cy="1143558"/>
+          </a:xfrm>
+        </p:grpSpPr>
+        <p:sp>
+          <p:nvSpPr>
+            <p:cNvPr id="6" name="Retângulo: Cantos Arredondados 5">
+              <a:extLst>
+                <a:ext uri="{FF2B5EF4-FFF2-40B4-BE49-F238E27FC236}">
+                  <a16:creationId xmlns:a16="http://schemas.microsoft.com/office/drawing/2014/main" id="{8678C5B2-D6F1-8109-A935-9150A50D1754}"/>
+                </a:ext>
+              </a:extLst>
+            </p:cNvPr>
+            <p:cNvSpPr/>
+            <p:nvPr/>
+          </p:nvSpPr>
+          <p:spPr>
+            <a:xfrm>
+              <a:off x="2231440" y="1471791"/>
+              <a:ext cx="2749122" cy="1143558"/>
+            </a:xfrm>
+            <a:prstGeom prst="roundRect">
+              <a:avLst>
+                <a:gd name="adj" fmla="val 16306"/>
+              </a:avLst>
+            </a:prstGeom>
+            <a:solidFill>
+              <a:schemeClr val="bg1"/>
+            </a:solidFill>
+            <a:ln>
+              <a:noFill/>
+            </a:ln>
+            <a:effectLst>
+              <a:glow rad="63500">
+                <a:schemeClr val="bg1">
+                  <a:lumMod val="75000"/>
+                  <a:alpha val="40000"/>
+                </a:schemeClr>
+              </a:glow>
+              <a:outerShdw blurRad="50800" dist="38100" dir="5400000" algn="t" rotWithShape="0">
+                <a:schemeClr val="tx1">
+                  <a:alpha val="40000"/>
+                </a:schemeClr>
+              </a:outerShdw>
+            </a:effectLst>
+          </p:spPr>
+          <p:style>
+            <a:lnRef idx="2">
+              <a:schemeClr val="accent1">
+                <a:shade val="50000"/>
+              </a:schemeClr>
+            </a:lnRef>
+            <a:fillRef idx="1">
+              <a:schemeClr val="accent1"/>
+            </a:fillRef>
+            <a:effectRef idx="0">
+              <a:schemeClr val="accent1"/>
+            </a:effectRef>
+            <a:fontRef idx="minor">
+              <a:schemeClr val="lt1"/>
+            </a:fontRef>
+          </p:style>
+          <p:txBody>
+            <a:bodyPr rtlCol="0" anchor="ctr"/>
+            <a:lstStyle/>
+            <a:p>
+              <a:pPr algn="ctr"/>
+              <a:endParaRPr lang="pt-BR" sz="1265"/>
+            </a:p>
+          </p:txBody>
+        </p:sp>
+        <p:sp>
+          <p:nvSpPr>
+            <p:cNvPr id="7" name="CaixaDeTexto 6">
+              <a:extLst>
+                <a:ext uri="{FF2B5EF4-FFF2-40B4-BE49-F238E27FC236}">
+                  <a16:creationId xmlns:a16="http://schemas.microsoft.com/office/drawing/2014/main" id="{AEF9050E-CA3D-28EB-1037-8E77E4571ED8}"/>
+                </a:ext>
+              </a:extLst>
+            </p:cNvPr>
+            <p:cNvSpPr txBox="1"/>
+            <p:nvPr/>
+          </p:nvSpPr>
+          <p:spPr>
+            <a:xfrm>
+              <a:off x="2227660" y="1496945"/>
+              <a:ext cx="2749122" cy="394583"/>
+            </a:xfrm>
+            <a:prstGeom prst="rect">
+              <a:avLst/>
+            </a:prstGeom>
+            <a:noFill/>
+          </p:spPr>
+          <p:txBody>
+            <a:bodyPr wrap="square" rtlCol="0">
+              <a:spAutoFit/>
+            </a:bodyPr>
+            <a:lstStyle/>
+            <a:p>
+              <a:pPr algn="ctr"/>
+              <a:r>
+                <a:rPr lang="pt-BR" b="1" dirty="0">
+                  <a:solidFill>
+                    <a:srgbClr val="007A0A"/>
+                  </a:solidFill>
+                  <a:latin typeface="Montserrat" panose="00000500000000000000" pitchFamily="2" charset="0"/>
+                </a:rPr>
+                <a:t>HORAS DEVIDAS PELO COLABORADOR</a:t>
+              </a:r>
+            </a:p>
+          </p:txBody>
+        </p:sp>
+      </p:grpSp>
+      <p:grpSp>
+        <p:nvGrpSpPr>
+          <p:cNvPr id="11" name="Agrupar 10">
+            <a:extLst>
+              <a:ext uri="{FF2B5EF4-FFF2-40B4-BE49-F238E27FC236}">
+                <a16:creationId xmlns:a16="http://schemas.microsoft.com/office/drawing/2014/main" id="{A5356E70-74EA-98DC-2030-6431DAA262BF}"/>
+              </a:ext>
+            </a:extLst>
+          </p:cNvPr>
+          <p:cNvGrpSpPr/>
+          <p:nvPr/>
+        </p:nvGrpSpPr>
+        <p:grpSpPr>
+          <a:xfrm>
+            <a:off x="334808" y="1414013"/>
+            <a:ext cx="1295447" cy="1277541"/>
+            <a:chOff x="374004" y="1414013"/>
+            <a:chExt cx="1295447" cy="1277541"/>
+          </a:xfrm>
+        </p:grpSpPr>
+        <p:pic>
+          <p:nvPicPr>
+            <p:cNvPr id="15" name="Imagem 14">
+              <a:extLst>
+                <a:ext uri="{FF2B5EF4-FFF2-40B4-BE49-F238E27FC236}">
+                  <a16:creationId xmlns:a16="http://schemas.microsoft.com/office/drawing/2014/main" id="{1CBDC37D-D1AB-A638-CDBE-FD881F27F800}"/>
+                </a:ext>
+              </a:extLst>
+            </p:cNvPr>
+            <p:cNvPicPr>
+              <a:picLocks noChangeAspect="1"/>
+            </p:cNvPicPr>
+            <p:nvPr/>
+          </p:nvPicPr>
+          <p:blipFill>
+            <a:blip r:embed="rId3">
+              <a:extLst>
+                <a:ext uri="{28A0092B-C50C-407E-A947-70E740481C1C}">
+                  <a14:useLocalDpi xmlns:a14="http://schemas.microsoft.com/office/drawing/2010/main" val="0"/>
+                </a:ext>
+              </a:extLst>
+            </a:blip>
+            <a:srcRect/>
+            <a:stretch/>
+          </p:blipFill>
+          <p:spPr>
+            <a:xfrm>
+              <a:off x="482988" y="1414013"/>
+              <a:ext cx="1139266" cy="958106"/>
+            </a:xfrm>
+            <a:prstGeom prst="rect">
+              <a:avLst/>
+            </a:prstGeom>
+            <a:ln w="38100" cap="rnd" cmpd="sng">
+              <a:noFill/>
+              <a:prstDash val="solid"/>
+              <a:round/>
+              <a:extLst>
+                <a:ext uri="{C807C97D-BFC1-408E-A445-0C87EB9F89A2}">
+                  <ask:lineSketchStyleProps xmlns:ask="http://schemas.microsoft.com/office/drawing/2018/sketchyshapes" sd="1219033472">
+                    <a:custGeom>
+                      <a:avLst/>
+                      <a:gdLst>
+                        <a:gd name="connsiteX0" fmla="*/ 0 w 1287117"/>
+                        <a:gd name="connsiteY0" fmla="*/ 0 h 1305274"/>
+                        <a:gd name="connsiteX1" fmla="*/ 1287117 w 1287117"/>
+                        <a:gd name="connsiteY1" fmla="*/ 0 h 1305274"/>
+                        <a:gd name="connsiteX2" fmla="*/ 1287117 w 1287117"/>
+                        <a:gd name="connsiteY2" fmla="*/ 1305274 h 1305274"/>
+                        <a:gd name="connsiteX3" fmla="*/ 0 w 1287117"/>
+                        <a:gd name="connsiteY3" fmla="*/ 1305274 h 1305274"/>
+                        <a:gd name="connsiteX4" fmla="*/ 0 w 1287117"/>
+                        <a:gd name="connsiteY4" fmla="*/ 0 h 1305274"/>
+                      </a:gdLst>
+                      <a:ahLst/>
+                      <a:cxnLst>
+                        <a:cxn ang="0">
+                          <a:pos x="connsiteX0" y="connsiteY0"/>
+                        </a:cxn>
+                        <a:cxn ang="0">
+                          <a:pos x="connsiteX1" y="connsiteY1"/>
+                        </a:cxn>
+                        <a:cxn ang="0">
+                          <a:pos x="connsiteX2" y="connsiteY2"/>
+                        </a:cxn>
+                        <a:cxn ang="0">
+                          <a:pos x="connsiteX3" y="connsiteY3"/>
+                        </a:cxn>
+                        <a:cxn ang="0">
+                          <a:pos x="connsiteX4" y="connsiteY4"/>
+                        </a:cxn>
+                      </a:cxnLst>
+                      <a:rect l="l" t="t" r="r" b="b"/>
+                      <a:pathLst>
+                        <a:path w="1287117" h="1305274" fill="none" extrusionOk="0">
+                          <a:moveTo>
+                            <a:pt x="0" y="0"/>
+                          </a:moveTo>
+                          <a:cubicBezTo>
+                            <a:pt x="424078" y="-41831"/>
+                            <a:pt x="1012293" y="-82524"/>
+                            <a:pt x="1287117" y="0"/>
+                          </a:cubicBezTo>
+                          <a:cubicBezTo>
+                            <a:pt x="1359431" y="442770"/>
+                            <a:pt x="1364764" y="807517"/>
+                            <a:pt x="1287117" y="1305274"/>
+                          </a:cubicBezTo>
+                          <a:cubicBezTo>
+                            <a:pt x="1019975" y="1211853"/>
+                            <a:pt x="373143" y="1360628"/>
+                            <a:pt x="0" y="1305274"/>
+                          </a:cubicBezTo>
+                          <a:cubicBezTo>
+                            <a:pt x="54185" y="702839"/>
+                            <a:pt x="-26656" y="637328"/>
+                            <a:pt x="0" y="0"/>
+                          </a:cubicBezTo>
+                          <a:close/>
+                        </a:path>
+                        <a:path w="1287117" h="1305274" stroke="0" extrusionOk="0">
+                          <a:moveTo>
+                            <a:pt x="0" y="0"/>
+                          </a:moveTo>
+                          <a:cubicBezTo>
+                            <a:pt x="620702" y="30296"/>
+                            <a:pt x="869864" y="-62033"/>
+                            <a:pt x="1287117" y="0"/>
+                          </a:cubicBezTo>
+                          <a:cubicBezTo>
+                            <a:pt x="1234736" y="585200"/>
+                            <a:pt x="1192732" y="978202"/>
+                            <a:pt x="1287117" y="1305274"/>
+                          </a:cubicBezTo>
+                          <a:cubicBezTo>
+                            <a:pt x="1064962" y="1190797"/>
+                            <a:pt x="589531" y="1233812"/>
+                            <a:pt x="0" y="1305274"/>
+                          </a:cubicBezTo>
+                          <a:cubicBezTo>
+                            <a:pt x="-381" y="773785"/>
+                            <a:pt x="-64649" y="496574"/>
+                            <a:pt x="0" y="0"/>
+                          </a:cubicBezTo>
+                          <a:close/>
+                        </a:path>
+                      </a:pathLst>
+                    </a:custGeom>
+                    <ask:type>
+                      <ask:lineSketchNone/>
+                    </ask:type>
+                  </ask:lineSketchStyleProps>
+                </a:ext>
+              </a:extLst>
+            </a:ln>
+          </p:spPr>
+        </p:pic>
+        <p:sp>
+          <p:nvSpPr>
+            <p:cNvPr id="16" name="CaixaDeTexto 15">
+              <a:extLst>
+                <a:ext uri="{FF2B5EF4-FFF2-40B4-BE49-F238E27FC236}">
+                  <a16:creationId xmlns:a16="http://schemas.microsoft.com/office/drawing/2014/main" id="{04DDECF4-33AF-6936-A38F-14AA69E20561}"/>
+                </a:ext>
+              </a:extLst>
+            </p:cNvPr>
+            <p:cNvSpPr txBox="1"/>
+            <p:nvPr/>
+          </p:nvSpPr>
+          <p:spPr>
+            <a:xfrm>
+              <a:off x="374004" y="2414555"/>
+              <a:ext cx="1295447" cy="276999"/>
+            </a:xfrm>
+            <a:prstGeom prst="rect">
+              <a:avLst/>
+            </a:prstGeom>
+            <a:noFill/>
+          </p:spPr>
+          <p:txBody>
+            <a:bodyPr wrap="square" rtlCol="0">
+              <a:spAutoFit/>
+            </a:bodyPr>
+            <a:lstStyle/>
+            <a:p>
+              <a:pPr algn="ctr"/>
+              <a:r>
+                <a:rPr lang="pt-BR" sz="1200" b="1" dirty="0">
+                  <a:latin typeface="Montserrat" panose="00000500000000000000" pitchFamily="2" charset="0"/>
+                </a:rPr>
+                <a:t>DASHBOARD</a:t>
+              </a:r>
+              <a:endParaRPr lang="pt-BR" sz="1100" b="1" dirty="0">
+                <a:latin typeface="Montserrat" panose="00000500000000000000" pitchFamily="2" charset="0"/>
+              </a:endParaRPr>
+            </a:p>
+          </p:txBody>
+        </p:sp>
+      </p:grpSp>
+      <p:grpSp>
+        <p:nvGrpSpPr>
+          <p:cNvPr id="18" name="Agrupar 17">
+            <a:extLst>
+              <a:ext uri="{FF2B5EF4-FFF2-40B4-BE49-F238E27FC236}">
+                <a16:creationId xmlns:a16="http://schemas.microsoft.com/office/drawing/2014/main" id="{E16273C5-8BD2-8B37-53B4-F3B17E201332}"/>
+              </a:ext>
+            </a:extLst>
+          </p:cNvPr>
+          <p:cNvGrpSpPr/>
+          <p:nvPr/>
+        </p:nvGrpSpPr>
+        <p:grpSpPr>
+          <a:xfrm>
+            <a:off x="234067" y="2934976"/>
+            <a:ext cx="1496928" cy="1510731"/>
+            <a:chOff x="223837" y="2766523"/>
+            <a:chExt cx="1496928" cy="1510731"/>
+          </a:xfrm>
+        </p:grpSpPr>
+        <p:pic>
+          <p:nvPicPr>
+            <p:cNvPr id="20" name="Imagem 19" descr="Forma&#10;&#10;O conteúdo gerado por IA pode estar incorreto.">
+              <a:extLst>
+                <a:ext uri="{FF2B5EF4-FFF2-40B4-BE49-F238E27FC236}">
+                  <a16:creationId xmlns:a16="http://schemas.microsoft.com/office/drawing/2014/main" id="{99B5E271-7158-3BDE-5234-66259167F467}"/>
+                </a:ext>
+              </a:extLst>
+            </p:cNvPr>
+            <p:cNvPicPr>
+              <a:picLocks noChangeAspect="1"/>
+            </p:cNvPicPr>
+            <p:nvPr/>
+          </p:nvPicPr>
+          <p:blipFill>
+            <a:blip r:embed="rId4">
+              <a:extLst>
+                <a:ext uri="{28A0092B-C50C-407E-A947-70E740481C1C}">
+                  <a14:useLocalDpi xmlns:a14="http://schemas.microsoft.com/office/drawing/2010/main" val="0"/>
+                </a:ext>
+              </a:extLst>
+            </a:blip>
+            <a:stretch>
+              <a:fillRect/>
+            </a:stretch>
+          </p:blipFill>
+          <p:spPr>
+            <a:xfrm>
+              <a:off x="446601" y="2766523"/>
+              <a:ext cx="1085276" cy="1085276"/>
+            </a:xfrm>
+            <a:prstGeom prst="rect">
+              <a:avLst/>
+            </a:prstGeom>
+          </p:spPr>
+        </p:pic>
+        <p:sp>
+          <p:nvSpPr>
+            <p:cNvPr id="21" name="CaixaDeTexto 20">
+              <a:extLst>
+                <a:ext uri="{FF2B5EF4-FFF2-40B4-BE49-F238E27FC236}">
+                  <a16:creationId xmlns:a16="http://schemas.microsoft.com/office/drawing/2014/main" id="{F57C532C-E439-2CA6-B388-EFF8CA93DE1D}"/>
+                </a:ext>
+              </a:extLst>
+            </p:cNvPr>
+            <p:cNvSpPr txBox="1"/>
+            <p:nvPr/>
+          </p:nvSpPr>
+          <p:spPr>
+            <a:xfrm>
+              <a:off x="223837" y="3815589"/>
+              <a:ext cx="1496928" cy="461665"/>
+            </a:xfrm>
+            <a:prstGeom prst="rect">
+              <a:avLst/>
+            </a:prstGeom>
+            <a:noFill/>
+          </p:spPr>
+          <p:txBody>
+            <a:bodyPr wrap="square" rtlCol="0">
+              <a:spAutoFit/>
+            </a:bodyPr>
+            <a:lstStyle/>
+            <a:p>
+              <a:pPr algn="ctr"/>
+              <a:r>
+                <a:rPr lang="pt-BR" sz="1200" b="1" dirty="0">
+                  <a:latin typeface="Montserrat" panose="00000500000000000000" pitchFamily="2" charset="0"/>
+                </a:rPr>
+                <a:t>QUADRO DE PESSOAL</a:t>
+              </a:r>
+              <a:endParaRPr lang="pt-BR" sz="1100" b="1" dirty="0">
+                <a:latin typeface="Montserrat" panose="00000500000000000000" pitchFamily="2" charset="0"/>
+              </a:endParaRPr>
+            </a:p>
+          </p:txBody>
+        </p:sp>
+      </p:grpSp>
+      <p:grpSp>
+        <p:nvGrpSpPr>
+          <p:cNvPr id="22" name="Agrupar 21">
+            <a:extLst>
+              <a:ext uri="{FF2B5EF4-FFF2-40B4-BE49-F238E27FC236}">
+                <a16:creationId xmlns:a16="http://schemas.microsoft.com/office/drawing/2014/main" id="{19DBE4DB-A523-6E64-27F0-DC49BF8BE6A9}"/>
+              </a:ext>
+            </a:extLst>
+          </p:cNvPr>
+          <p:cNvGrpSpPr/>
+          <p:nvPr/>
+        </p:nvGrpSpPr>
+        <p:grpSpPr>
+          <a:xfrm>
+            <a:off x="204099" y="6627948"/>
+            <a:ext cx="1556865" cy="1543067"/>
+            <a:chOff x="218004" y="4367039"/>
+            <a:chExt cx="1556865" cy="1543067"/>
+          </a:xfrm>
+          <a:effectLst>
+            <a:glow rad="101600">
+              <a:schemeClr val="accent4">
+                <a:satMod val="175000"/>
+                <a:alpha val="40000"/>
+              </a:schemeClr>
+            </a:glow>
+          </a:effectLst>
+        </p:grpSpPr>
+        <p:pic>
+          <p:nvPicPr>
+            <p:cNvPr id="23" name="Imagem 22">
+              <a:extLst>
+                <a:ext uri="{FF2B5EF4-FFF2-40B4-BE49-F238E27FC236}">
+                  <a16:creationId xmlns:a16="http://schemas.microsoft.com/office/drawing/2014/main" id="{674C8AF2-892C-0A76-ACBB-DB7C955BE361}"/>
+                </a:ext>
+              </a:extLst>
+            </p:cNvPr>
+            <p:cNvPicPr>
+              <a:picLocks noChangeAspect="1"/>
+            </p:cNvPicPr>
+            <p:nvPr/>
+          </p:nvPicPr>
+          <p:blipFill>
+            <a:blip r:embed="rId5">
+              <a:extLst>
+                <a:ext uri="{28A0092B-C50C-407E-A947-70E740481C1C}">
+                  <a14:useLocalDpi xmlns:a14="http://schemas.microsoft.com/office/drawing/2010/main" val="0"/>
+                </a:ext>
+              </a:extLst>
+            </a:blip>
+            <a:srcRect/>
+            <a:stretch/>
+          </p:blipFill>
+          <p:spPr>
+            <a:xfrm>
+              <a:off x="453797" y="4367039"/>
+              <a:ext cx="1138979" cy="1085276"/>
+            </a:xfrm>
+            <a:prstGeom prst="rect">
+              <a:avLst/>
+            </a:prstGeom>
+          </p:spPr>
+        </p:pic>
+        <p:sp>
+          <p:nvSpPr>
+            <p:cNvPr id="24" name="CaixaDeTexto 23">
+              <a:extLst>
+                <a:ext uri="{FF2B5EF4-FFF2-40B4-BE49-F238E27FC236}">
+                  <a16:creationId xmlns:a16="http://schemas.microsoft.com/office/drawing/2014/main" id="{B7163F95-93D6-F9C3-92C7-4947274A76EA}"/>
+                </a:ext>
+              </a:extLst>
+            </p:cNvPr>
+            <p:cNvSpPr txBox="1"/>
+            <p:nvPr/>
+          </p:nvSpPr>
+          <p:spPr>
+            <a:xfrm>
+              <a:off x="218004" y="5448441"/>
+              <a:ext cx="1556865" cy="461665"/>
+            </a:xfrm>
+            <a:prstGeom prst="rect">
+              <a:avLst/>
+            </a:prstGeom>
+            <a:noFill/>
+          </p:spPr>
+          <p:txBody>
+            <a:bodyPr wrap="square" rtlCol="0">
+              <a:spAutoFit/>
+            </a:bodyPr>
+            <a:lstStyle/>
+            <a:p>
+              <a:pPr algn="ctr"/>
+              <a:r>
+                <a:rPr lang="pt-BR" sz="1200" b="1" dirty="0">
+                  <a:latin typeface="Montserrat" panose="00000500000000000000" pitchFamily="2" charset="0"/>
+                </a:rPr>
+                <a:t>EVOLUÇÃO DE HORAS EXTRAS</a:t>
+              </a:r>
+              <a:endParaRPr lang="pt-BR" sz="1100" b="1" dirty="0">
+                <a:latin typeface="Montserrat" panose="00000500000000000000" pitchFamily="2" charset="0"/>
+              </a:endParaRPr>
+            </a:p>
+          </p:txBody>
+        </p:sp>
+      </p:grpSp>
+      <p:grpSp>
+        <p:nvGrpSpPr>
+          <p:cNvPr id="25" name="Agrupar 24">
+            <a:extLst>
+              <a:ext uri="{FF2B5EF4-FFF2-40B4-BE49-F238E27FC236}">
+                <a16:creationId xmlns:a16="http://schemas.microsoft.com/office/drawing/2014/main" id="{29ABAE5C-F095-8E46-671C-7E1F93878885}"/>
+              </a:ext>
+            </a:extLst>
+          </p:cNvPr>
+          <p:cNvGrpSpPr/>
+          <p:nvPr/>
+        </p:nvGrpSpPr>
+        <p:grpSpPr>
+          <a:xfrm>
+            <a:off x="316530" y="8414437"/>
+            <a:ext cx="1332002" cy="1342246"/>
+            <a:chOff x="332645" y="4399375"/>
+            <a:chExt cx="1332002" cy="1342246"/>
+          </a:xfrm>
+        </p:grpSpPr>
+        <p:pic>
+          <p:nvPicPr>
+            <p:cNvPr id="26" name="Imagem 25">
+              <a:extLst>
+                <a:ext uri="{FF2B5EF4-FFF2-40B4-BE49-F238E27FC236}">
+                  <a16:creationId xmlns:a16="http://schemas.microsoft.com/office/drawing/2014/main" id="{40FB01AC-0146-7659-D806-C48C20FDB26C}"/>
+                </a:ext>
+              </a:extLst>
+            </p:cNvPr>
+            <p:cNvPicPr>
+              <a:picLocks noChangeAspect="1"/>
+            </p:cNvPicPr>
+            <p:nvPr/>
+          </p:nvPicPr>
+          <p:blipFill>
+            <a:blip r:embed="rId6">
+              <a:extLst>
+                <a:ext uri="{28A0092B-C50C-407E-A947-70E740481C1C}">
+                  <a14:useLocalDpi xmlns:a14="http://schemas.microsoft.com/office/drawing/2010/main" val="0"/>
+                </a:ext>
+              </a:extLst>
+            </a:blip>
+            <a:srcRect/>
+            <a:stretch/>
+          </p:blipFill>
+          <p:spPr>
+            <a:xfrm>
+              <a:off x="417125" y="4399375"/>
+              <a:ext cx="1175652" cy="1085276"/>
+            </a:xfrm>
+            <a:prstGeom prst="rect">
+              <a:avLst/>
+            </a:prstGeom>
+          </p:spPr>
+        </p:pic>
+        <p:sp>
+          <p:nvSpPr>
+            <p:cNvPr id="28" name="CaixaDeTexto 27">
+              <a:extLst>
+                <a:ext uri="{FF2B5EF4-FFF2-40B4-BE49-F238E27FC236}">
+                  <a16:creationId xmlns:a16="http://schemas.microsoft.com/office/drawing/2014/main" id="{297B9C44-1C9B-2EE0-9072-FBE441020F1F}"/>
+                </a:ext>
+              </a:extLst>
+            </p:cNvPr>
+            <p:cNvSpPr txBox="1"/>
+            <p:nvPr/>
+          </p:nvSpPr>
+          <p:spPr>
+            <a:xfrm>
+              <a:off x="332645" y="5464622"/>
+              <a:ext cx="1332002" cy="276999"/>
+            </a:xfrm>
+            <a:prstGeom prst="rect">
+              <a:avLst/>
+            </a:prstGeom>
+            <a:noFill/>
+          </p:spPr>
+          <p:txBody>
+            <a:bodyPr wrap="square" rtlCol="0">
+              <a:spAutoFit/>
+            </a:bodyPr>
+            <a:lstStyle/>
+            <a:p>
+              <a:pPr algn="ctr"/>
+              <a:r>
+                <a:rPr lang="pt-BR" sz="1200" b="1" dirty="0">
+                  <a:latin typeface="Montserrat" panose="00000500000000000000" pitchFamily="2" charset="0"/>
+                </a:rPr>
+                <a:t>TURNOVER</a:t>
+              </a:r>
+              <a:endParaRPr lang="pt-BR" sz="1100" b="1" dirty="0">
+                <a:latin typeface="Montserrat" panose="00000500000000000000" pitchFamily="2" charset="0"/>
+              </a:endParaRPr>
+            </a:p>
+          </p:txBody>
+        </p:sp>
+      </p:grpSp>
+      <p:grpSp>
+        <p:nvGrpSpPr>
+          <p:cNvPr id="31" name="Agrupar 30">
+            <a:extLst>
+              <a:ext uri="{FF2B5EF4-FFF2-40B4-BE49-F238E27FC236}">
+                <a16:creationId xmlns:a16="http://schemas.microsoft.com/office/drawing/2014/main" id="{96DB8BDF-EB91-4E0B-3015-04DFD5865648}"/>
+              </a:ext>
+            </a:extLst>
+          </p:cNvPr>
+          <p:cNvGrpSpPr/>
+          <p:nvPr/>
+        </p:nvGrpSpPr>
+        <p:grpSpPr>
+          <a:xfrm>
+            <a:off x="197942" y="4689129"/>
+            <a:ext cx="1569179" cy="1695397"/>
+            <a:chOff x="218004" y="4399375"/>
+            <a:chExt cx="1569179" cy="1695397"/>
+          </a:xfrm>
+        </p:grpSpPr>
+        <p:pic>
+          <p:nvPicPr>
+            <p:cNvPr id="32" name="Imagem 31">
+              <a:extLst>
+                <a:ext uri="{FF2B5EF4-FFF2-40B4-BE49-F238E27FC236}">
+                  <a16:creationId xmlns:a16="http://schemas.microsoft.com/office/drawing/2014/main" id="{5C28EDAE-EC2B-BEB5-82F9-DAEFAE03EE02}"/>
+                </a:ext>
+              </a:extLst>
+            </p:cNvPr>
+            <p:cNvPicPr>
+              <a:picLocks noChangeAspect="1"/>
+            </p:cNvPicPr>
+            <p:nvPr/>
+          </p:nvPicPr>
+          <p:blipFill>
+            <a:blip r:embed="rId7">
+              <a:extLst>
+                <a:ext uri="{28A0092B-C50C-407E-A947-70E740481C1C}">
+                  <a14:useLocalDpi xmlns:a14="http://schemas.microsoft.com/office/drawing/2010/main" val="0"/>
+                </a:ext>
+              </a:extLst>
+            </a:blip>
+            <a:srcRect/>
+            <a:stretch/>
+          </p:blipFill>
+          <p:spPr>
+            <a:xfrm>
+              <a:off x="417125" y="4399375"/>
+              <a:ext cx="1169872" cy="1085276"/>
+            </a:xfrm>
+            <a:prstGeom prst="rect">
+              <a:avLst/>
+            </a:prstGeom>
+          </p:spPr>
+        </p:pic>
+        <p:sp>
+          <p:nvSpPr>
+            <p:cNvPr id="33" name="CaixaDeTexto 32">
+              <a:extLst>
+                <a:ext uri="{FF2B5EF4-FFF2-40B4-BE49-F238E27FC236}">
+                  <a16:creationId xmlns:a16="http://schemas.microsoft.com/office/drawing/2014/main" id="{65EE11E8-D345-03C9-EC2D-F5B961CF4986}"/>
+                </a:ext>
+              </a:extLst>
+            </p:cNvPr>
+            <p:cNvSpPr txBox="1"/>
+            <p:nvPr/>
+          </p:nvSpPr>
+          <p:spPr>
+            <a:xfrm>
+              <a:off x="218004" y="5448441"/>
+              <a:ext cx="1569179" cy="646331"/>
+            </a:xfrm>
+            <a:prstGeom prst="rect">
+              <a:avLst/>
+            </a:prstGeom>
+            <a:noFill/>
+          </p:spPr>
+          <p:txBody>
+            <a:bodyPr wrap="square" rtlCol="0">
+              <a:spAutoFit/>
+            </a:bodyPr>
+            <a:lstStyle/>
+            <a:p>
+              <a:pPr algn="ctr"/>
+              <a:r>
+                <a:rPr lang="pt-BR" sz="1200" b="1" dirty="0">
+                  <a:latin typeface="Montserrat" panose="00000500000000000000" pitchFamily="2" charset="0"/>
+                </a:rPr>
+                <a:t>COLABOR. POR CENTRO DE CUSTO</a:t>
+              </a:r>
+              <a:endParaRPr lang="pt-BR" sz="1100" b="1" dirty="0">
+                <a:latin typeface="Montserrat" panose="00000500000000000000" pitchFamily="2" charset="0"/>
+              </a:endParaRPr>
+            </a:p>
+          </p:txBody>
+        </p:sp>
+      </p:grpSp>
+      <p:sp>
+        <p:nvSpPr>
+          <p:cNvPr id="12" name="CaixaDeTexto 11">
+            <a:extLst>
+              <a:ext uri="{FF2B5EF4-FFF2-40B4-BE49-F238E27FC236}">
+                <a16:creationId xmlns:a16="http://schemas.microsoft.com/office/drawing/2014/main" id="{8664166C-0D97-6DE2-AB0A-6B0E6118DB13}"/>
+              </a:ext>
+            </a:extLst>
+          </p:cNvPr>
+          <p:cNvSpPr txBox="1"/>
+          <p:nvPr/>
+        </p:nvSpPr>
+        <p:spPr>
+          <a:xfrm>
+            <a:off x="16741664" y="7992335"/>
+            <a:ext cx="4386458" cy="369332"/>
+          </a:xfrm>
+          <a:prstGeom prst="rect">
+            <a:avLst/>
+          </a:prstGeom>
+          <a:noFill/>
+        </p:spPr>
+        <p:txBody>
+          <a:bodyPr wrap="square" rtlCol="0">
+            <a:spAutoFit/>
+          </a:bodyPr>
+          <a:lstStyle/>
+          <a:p>
+            <a:pPr algn="ctr"/>
+            <a:r>
+              <a:rPr lang="pt-BR" dirty="0">
+                <a:latin typeface="Montserrat SemiBold" panose="00000700000000000000" pitchFamily="2" charset="0"/>
+              </a:rPr>
+              <a:t>ALTERNAR HORAS DEVIDAS</a:t>
+            </a:r>
+          </a:p>
+        </p:txBody>
+      </p:sp>
+      <p:sp>
+        <p:nvSpPr>
+          <p:cNvPr id="13" name="Retângulo: Cantos Arredondados 12">
+            <a:extLst>
+              <a:ext uri="{FF2B5EF4-FFF2-40B4-BE49-F238E27FC236}">
+                <a16:creationId xmlns:a16="http://schemas.microsoft.com/office/drawing/2014/main" id="{D209FC75-4B07-5C43-99BC-8355036F09E0}"/>
+              </a:ext>
+            </a:extLst>
+          </p:cNvPr>
+          <p:cNvSpPr/>
+          <p:nvPr/>
+        </p:nvSpPr>
+        <p:spPr>
+          <a:xfrm>
+            <a:off x="21136058" y="8375223"/>
+            <a:ext cx="3424490" cy="746033"/>
+          </a:xfrm>
+          <a:prstGeom prst="roundRect">
+            <a:avLst>
+              <a:gd name="adj" fmla="val 4068"/>
+            </a:avLst>
+          </a:prstGeom>
+          <a:solidFill>
+            <a:schemeClr val="bg1"/>
+          </a:solidFill>
+          <a:ln>
+            <a:noFill/>
+          </a:ln>
+          <a:effectLst>
+            <a:outerShdw blurRad="63500" sx="102000" sy="102000" algn="ctr" rotWithShape="0">
+              <a:prstClr val="black">
+                <a:alpha val="40000"/>
+              </a:prstClr>
+            </a:outerShdw>
+          </a:effectLst>
+        </p:spPr>
+        <p:style>
+          <a:lnRef idx="2">
+            <a:schemeClr val="accent1">
+              <a:shade val="50000"/>
+            </a:schemeClr>
+          </a:lnRef>
+          <a:fillRef idx="1">
+            <a:schemeClr val="accent1"/>
+          </a:fillRef>
+          <a:effectRef idx="0">
+            <a:schemeClr val="accent1"/>
+          </a:effectRef>
+          <a:fontRef idx="minor">
+            <a:schemeClr val="lt1"/>
+          </a:fontRef>
+        </p:style>
+        <p:txBody>
+          <a:bodyPr rtlCol="0" anchor="ctr"/>
+          <a:lstStyle/>
+          <a:p>
+            <a:pPr algn="ctr"/>
+            <a:endParaRPr lang="pt-BR" sz="2800" b="1" dirty="0">
+              <a:solidFill>
+                <a:schemeClr val="tx1"/>
+              </a:solidFill>
+            </a:endParaRPr>
+          </a:p>
+        </p:txBody>
+      </p:sp>
+      <p:sp>
+        <p:nvSpPr>
+          <p:cNvPr id="14" name="Retângulo: Cantos Arredondados 13">
+            <a:extLst>
+              <a:ext uri="{FF2B5EF4-FFF2-40B4-BE49-F238E27FC236}">
+                <a16:creationId xmlns:a16="http://schemas.microsoft.com/office/drawing/2014/main" id="{96D023F2-BAD3-4620-7489-A2826BC53A4A}"/>
+              </a:ext>
+            </a:extLst>
+          </p:cNvPr>
+          <p:cNvSpPr/>
+          <p:nvPr/>
+        </p:nvSpPr>
+        <p:spPr>
+          <a:xfrm>
+            <a:off x="17150226" y="8371538"/>
+            <a:ext cx="3543329" cy="746033"/>
+          </a:xfrm>
+          <a:prstGeom prst="roundRect">
+            <a:avLst>
+              <a:gd name="adj" fmla="val 4068"/>
+            </a:avLst>
+          </a:prstGeom>
+          <a:solidFill>
+            <a:schemeClr val="bg1"/>
+          </a:solidFill>
+          <a:ln>
+            <a:noFill/>
+          </a:ln>
+          <a:effectLst>
+            <a:outerShdw blurRad="63500" sx="102000" sy="102000" algn="ctr" rotWithShape="0">
+              <a:prstClr val="black">
+                <a:alpha val="40000"/>
+              </a:prstClr>
+            </a:outerShdw>
+          </a:effectLst>
+        </p:spPr>
+        <p:style>
+          <a:lnRef idx="2">
+            <a:schemeClr val="accent1">
+              <a:shade val="50000"/>
+            </a:schemeClr>
+          </a:lnRef>
+          <a:fillRef idx="1">
+            <a:schemeClr val="accent1"/>
+          </a:fillRef>
+          <a:effectRef idx="0">
+            <a:schemeClr val="accent1"/>
+          </a:effectRef>
+          <a:fontRef idx="minor">
+            <a:schemeClr val="lt1"/>
+          </a:fontRef>
+        </p:style>
+        <p:txBody>
+          <a:bodyPr rtlCol="0" anchor="ctr"/>
+          <a:lstStyle/>
+          <a:p>
+            <a:pPr algn="ctr"/>
+            <a:endParaRPr lang="pt-BR" sz="2800" b="1" dirty="0">
+              <a:solidFill>
+                <a:schemeClr val="tx1"/>
+              </a:solidFill>
+            </a:endParaRPr>
+          </a:p>
+        </p:txBody>
+      </p:sp>
     </p:spTree>
     <p:extLst>
       <p:ext uri="{BB962C8B-B14F-4D97-AF65-F5344CB8AC3E}">
